--- a/docs/Dynamic Forms by 2B3.pptx
+++ b/docs/Dynamic Forms by 2B3.pptx
@@ -7,10 +7,10 @@
     <p:sldMasterId id="2147483689" r:id="rId7"/>
   </p:sldMasterIdLst>
   <p:notesMasterIdLst>
-    <p:notesMasterId r:id="rId24"/>
+    <p:notesMasterId r:id="rId27"/>
   </p:notesMasterIdLst>
   <p:handoutMasterIdLst>
-    <p:handoutMasterId r:id="rId25"/>
+    <p:handoutMasterId r:id="rId28"/>
   </p:handoutMasterIdLst>
   <p:sldIdLst>
     <p:sldId id="291" r:id="rId8"/>
@@ -23,77 +23,81 @@
     <p:sldId id="2147483555" r:id="rId15"/>
     <p:sldId id="2147483559" r:id="rId16"/>
     <p:sldId id="2147483560" r:id="rId17"/>
-    <p:sldId id="2147483561" r:id="rId18"/>
-    <p:sldId id="2147483549" r:id="rId19"/>
-    <p:sldId id="2147483548" r:id="rId20"/>
-    <p:sldId id="2147483544" r:id="rId21"/>
-    <p:sldId id="297" r:id="rId22"/>
-    <p:sldId id="298" r:id="rId23"/>
+    <p:sldId id="2147483564" r:id="rId18"/>
+    <p:sldId id="2147483563" r:id="rId19"/>
+    <p:sldId id="2147483565" r:id="rId20"/>
+    <p:sldId id="280" r:id="rId21"/>
+    <p:sldId id="2147483549" r:id="rId22"/>
+    <p:sldId id="2147483548" r:id="rId23"/>
+    <p:sldId id="2147483544" r:id="rId24"/>
+    <p:sldId id="297" r:id="rId25"/>
+    <p:sldId id="298" r:id="rId26"/>
   </p:sldIdLst>
   <p:sldSz cx="9144000" cy="5143500" type="screen16x9"/>
   <p:notesSz cx="6858000" cy="9144000"/>
   <p:embeddedFontLst>
     <p:embeddedFont>
       <p:font typeface="Aptos Light" panose="020B0004020202020204" pitchFamily="34" charset="0"/>
-      <p:regular r:id="rId26"/>
+      <p:regular r:id="rId29"/>
+      <p:italic r:id="rId30"/>
     </p:embeddedFont>
     <p:embeddedFont>
-      <p:font typeface="Montserrat" pitchFamily="2" charset="0"/>
-      <p:regular r:id="rId27"/>
-      <p:bold r:id="rId28"/>
-      <p:italic r:id="rId29"/>
-      <p:boldItalic r:id="rId30"/>
+      <p:font typeface="Montserrat" panose="00000500000000000000" pitchFamily="2" charset="0"/>
+      <p:regular r:id="rId31"/>
+      <p:bold r:id="rId32"/>
+      <p:italic r:id="rId33"/>
+      <p:boldItalic r:id="rId34"/>
     </p:embeddedFont>
     <p:embeddedFont>
-      <p:font typeface="Montserrat Medium" pitchFamily="2" charset="0"/>
-      <p:regular r:id="rId31"/>
-      <p:italic r:id="rId32"/>
+      <p:font typeface="Montserrat Medium" panose="00000600000000000000" pitchFamily="2" charset="0"/>
+      <p:regular r:id="rId35"/>
+      <p:italic r:id="rId36"/>
     </p:embeddedFont>
     <p:embeddedFont>
-      <p:font typeface="Montserrat SemiBold" pitchFamily="2" charset="0"/>
-      <p:regular r:id="rId33"/>
-      <p:bold r:id="rId34"/>
-      <p:italic r:id="rId35"/>
-      <p:boldItalic r:id="rId36"/>
-    </p:embeddedFont>
-    <p:embeddedFont>
-      <p:font typeface="Poppins" panose="00000500000000000000" pitchFamily="2" charset="0"/>
+      <p:font typeface="Montserrat SemiBold" panose="00000700000000000000" pitchFamily="2" charset="0"/>
       <p:regular r:id="rId37"/>
       <p:bold r:id="rId38"/>
       <p:italic r:id="rId39"/>
       <p:boldItalic r:id="rId40"/>
     </p:embeddedFont>
     <p:embeddedFont>
-      <p:font typeface="Poppins SemiBold" panose="00000700000000000000" pitchFamily="2" charset="0"/>
+      <p:font typeface="Poppins" panose="00000500000000000000" pitchFamily="2" charset="0"/>
       <p:regular r:id="rId41"/>
       <p:bold r:id="rId42"/>
-      <p:boldItalic r:id="rId43"/>
+      <p:italic r:id="rId43"/>
+      <p:boldItalic r:id="rId44"/>
+    </p:embeddedFont>
+    <p:embeddedFont>
+      <p:font typeface="Poppins SemiBold" panose="00000700000000000000" pitchFamily="2" charset="0"/>
+      <p:regular r:id="rId45"/>
+      <p:bold r:id="rId46"/>
+      <p:boldItalic r:id="rId47"/>
     </p:embeddedFont>
     <p:embeddedFont>
       <p:font typeface="PT Sans" panose="020B0503020203020204" pitchFamily="34" charset="0"/>
-      <p:regular r:id="rId44"/>
-      <p:bold r:id="rId45"/>
-      <p:italic r:id="rId46"/>
-      <p:boldItalic r:id="rId47"/>
-    </p:embeddedFont>
-    <p:embeddedFont>
-      <p:font typeface="Quattrocento Sans" panose="020B0502050000020003" pitchFamily="34" charset="0"/>
       <p:regular r:id="rId48"/>
       <p:bold r:id="rId49"/>
       <p:italic r:id="rId50"/>
       <p:boldItalic r:id="rId51"/>
     </p:embeddedFont>
     <p:embeddedFont>
-      <p:font typeface="Tahoma" panose="020B0604030504040204" pitchFamily="34" charset="0"/>
+      <p:font typeface="Quattrocento Sans" panose="020B0502050000020003" pitchFamily="34" charset="0"/>
       <p:regular r:id="rId52"/>
       <p:bold r:id="rId53"/>
+      <p:italic r:id="rId54"/>
+      <p:boldItalic r:id="rId55"/>
+    </p:embeddedFont>
+    <p:embeddedFont>
+      <p:font typeface="Tahoma" panose="020B0604030504040204" pitchFamily="34" charset="0"/>
+      <p:regular r:id="rId56"/>
+      <p:bold r:id="rId57"/>
     </p:embeddedFont>
     <p:embeddedFont>
       <p:font typeface="Verdana" panose="020B0604030504040204" pitchFamily="34" charset="0"/>
-      <p:regular r:id="rId54"/>
-      <p:bold r:id="rId55"/>
-      <p:italic r:id="rId56"/>
-      <p:boldItalic r:id="rId57"/>
+      <p:regular r:id="rId58"/>
+      <p:bold r:id="rId59"/>
+      <p:italic r:id="rId60"/>
+      <p:boldItalic r:id="rId61"/>
     </p:embeddedFont>
   </p:embeddedFontLst>
   <p:defaultTextStyle>
@@ -377,464 +381,906 @@
 <file path=ppt/changesInfos/changesInfo1.xml><?xml version="1.0" encoding="utf-8"?>
 <pc:chgInfo xmlns:a="http://schemas.openxmlformats.org/drawingml/2006/main" xmlns:r="http://schemas.openxmlformats.org/officeDocument/2006/relationships" xmlns:ac="http://schemas.microsoft.com/office/drawing/2013/main/command" xmlns:pc="http://schemas.microsoft.com/office/powerpoint/2013/main/command">
   <pc:docChgLst>
-    <pc:chgData name="Matthieu BRIEND" userId="S::mbriend@lemonway.com::f43b7032-540d-4661-9645-e17125bf3d76" providerId="AD" clId="Web-{F930BDFE-BCF0-0160-1E04-9F852A197BC3}"/>
+    <pc:chgData name="Matthieu BRIEND" userId="S::mbriend@lemonway.com::f43b7032-540d-4661-9645-e17125bf3d76" providerId="AD" clId="Web-{1DFB716E-A5F0-B515-D677-99EFFB0E8A2B}"/>
+    <pc:docChg chg="addSld delSld modSld">
+      <pc:chgData name="Matthieu BRIEND" userId="S::mbriend@lemonway.com::f43b7032-540d-4661-9645-e17125bf3d76" providerId="AD" clId="Web-{1DFB716E-A5F0-B515-D677-99EFFB0E8A2B}" dt="2025-01-22T16:37:47.349" v="484" actId="20577"/>
+      <pc:docMkLst>
+        <pc:docMk/>
+      </pc:docMkLst>
+      <pc:sldChg chg="addSp delSp modSp add replId">
+        <pc:chgData name="Matthieu BRIEND" userId="S::mbriend@lemonway.com::f43b7032-540d-4661-9645-e17125bf3d76" providerId="AD" clId="Web-{1DFB716E-A5F0-B515-D677-99EFFB0E8A2B}" dt="2025-01-22T14:54:19.953" v="205" actId="14100"/>
+        <pc:sldMkLst>
+          <pc:docMk/>
+          <pc:sldMk cId="2478739768" sldId="2147483534"/>
+        </pc:sldMkLst>
+      </pc:sldChg>
+      <pc:sldChg chg="delSp modSp add del replId">
+        <pc:chgData name="Matthieu BRIEND" userId="S::mbriend@lemonway.com::f43b7032-540d-4661-9645-e17125bf3d76" providerId="AD" clId="Web-{1DFB716E-A5F0-B515-D677-99EFFB0E8A2B}" dt="2025-01-22T16:34:41.242" v="454"/>
+        <pc:sldMkLst>
+          <pc:docMk/>
+          <pc:sldMk cId="3186035551" sldId="2147483535"/>
+        </pc:sldMkLst>
+      </pc:sldChg>
+      <pc:sldChg chg="add del replId">
+        <pc:chgData name="Matthieu BRIEND" userId="S::mbriend@lemonway.com::f43b7032-540d-4661-9645-e17125bf3d76" providerId="AD" clId="Web-{1DFB716E-A5F0-B515-D677-99EFFB0E8A2B}" dt="2025-01-22T14:59:08.918" v="258"/>
+        <pc:sldMkLst>
+          <pc:docMk/>
+          <pc:sldMk cId="1372558436" sldId="2147483536"/>
+        </pc:sldMkLst>
+      </pc:sldChg>
+      <pc:sldChg chg="modSp add replId">
+        <pc:chgData name="Matthieu BRIEND" userId="S::mbriend@lemonway.com::f43b7032-540d-4661-9645-e17125bf3d76" providerId="AD" clId="Web-{1DFB716E-A5F0-B515-D677-99EFFB0E8A2B}" dt="2025-01-22T16:35:47.762" v="460" actId="1076"/>
+        <pc:sldMkLst>
+          <pc:docMk/>
+          <pc:sldMk cId="3613313698" sldId="2147483536"/>
+        </pc:sldMkLst>
+      </pc:sldChg>
+      <pc:sldChg chg="addSp delSp modSp add replId">
+        <pc:chgData name="Matthieu BRIEND" userId="S::mbriend@lemonway.com::f43b7032-540d-4661-9645-e17125bf3d76" providerId="AD" clId="Web-{1DFB716E-A5F0-B515-D677-99EFFB0E8A2B}" dt="2025-01-22T16:34:32.663" v="453" actId="20577"/>
+        <pc:sldMkLst>
+          <pc:docMk/>
+          <pc:sldMk cId="3330874013" sldId="2147483537"/>
+        </pc:sldMkLst>
+      </pc:sldChg>
+      <pc:sldChg chg="modSp add replId">
+        <pc:chgData name="Matthieu BRIEND" userId="S::mbriend@lemonway.com::f43b7032-540d-4661-9645-e17125bf3d76" providerId="AD" clId="Web-{1DFB716E-A5F0-B515-D677-99EFFB0E8A2B}" dt="2025-01-22T16:37:47.349" v="484" actId="20577"/>
+        <pc:sldMkLst>
+          <pc:docMk/>
+          <pc:sldMk cId="2996027476" sldId="2147483538"/>
+        </pc:sldMkLst>
+      </pc:sldChg>
+    </pc:docChg>
+  </pc:docChgLst>
+  <pc:docChgLst>
+    <pc:chgData name="Stéphan DOMAGALA" userId="S::sdomagala@lemonway.com::1cc0081d-4eba-47b8-a881-e2990e5a4104" providerId="AD" clId="Web-{485B2B92-30F5-C909-FDB7-CC0E6F47BB02}"/>
+    <pc:docChg chg="addSld">
+      <pc:chgData name="Stéphan DOMAGALA" userId="S::sdomagala@lemonway.com::1cc0081d-4eba-47b8-a881-e2990e5a4104" providerId="AD" clId="Web-{485B2B92-30F5-C909-FDB7-CC0E6F47BB02}" dt="2025-01-27T07:49:23.727" v="2"/>
+      <pc:docMkLst>
+        <pc:docMk/>
+      </pc:docMkLst>
+      <pc:sldChg chg="add">
+        <pc:chgData name="Stéphan DOMAGALA" userId="S::sdomagala@lemonway.com::1cc0081d-4eba-47b8-a881-e2990e5a4104" providerId="AD" clId="Web-{485B2B92-30F5-C909-FDB7-CC0E6F47BB02}" dt="2025-01-27T07:49:23.696" v="0"/>
+        <pc:sldMkLst>
+          <pc:docMk/>
+          <pc:sldMk cId="1636887273" sldId="2147483572"/>
+        </pc:sldMkLst>
+      </pc:sldChg>
+      <pc:sldChg chg="add">
+        <pc:chgData name="Stéphan DOMAGALA" userId="S::sdomagala@lemonway.com::1cc0081d-4eba-47b8-a881-e2990e5a4104" providerId="AD" clId="Web-{485B2B92-30F5-C909-FDB7-CC0E6F47BB02}" dt="2025-01-27T07:49:23.712" v="1"/>
+        <pc:sldMkLst>
+          <pc:docMk/>
+          <pc:sldMk cId="3904257479" sldId="2147483573"/>
+        </pc:sldMkLst>
+      </pc:sldChg>
+      <pc:sldChg chg="add">
+        <pc:chgData name="Stéphan DOMAGALA" userId="S::sdomagala@lemonway.com::1cc0081d-4eba-47b8-a881-e2990e5a4104" providerId="AD" clId="Web-{485B2B92-30F5-C909-FDB7-CC0E6F47BB02}" dt="2025-01-27T07:49:23.727" v="2"/>
+        <pc:sldMkLst>
+          <pc:docMk/>
+          <pc:sldMk cId="3375371089" sldId="2147483574"/>
+        </pc:sldMkLst>
+      </pc:sldChg>
+    </pc:docChg>
+  </pc:docChgLst>
+  <pc:docChgLst>
+    <pc:chgData name="Pierre GAUVRY" userId="S::pgauvry@lemonway.com::83edf39d-5bbc-4918-af09-c2287799a21e" providerId="AD" clId="Web-{043BB0B3-314B-63D4-7B3F-13D2E81873A1}"/>
     <pc:docChg chg="modSld">
-      <pc:chgData name="Matthieu BRIEND" userId="S::mbriend@lemonway.com::f43b7032-540d-4661-9645-e17125bf3d76" providerId="AD" clId="Web-{F930BDFE-BCF0-0160-1E04-9F852A197BC3}" dt="2025-01-27T14:11:15.531" v="1" actId="1076"/>
+      <pc:chgData name="Pierre GAUVRY" userId="S::pgauvry@lemonway.com::83edf39d-5bbc-4918-af09-c2287799a21e" providerId="AD" clId="Web-{043BB0B3-314B-63D4-7B3F-13D2E81873A1}" dt="2025-01-27T21:35:59.470" v="76" actId="20577"/>
       <pc:docMkLst>
         <pc:docMk/>
       </pc:docMkLst>
       <pc:sldChg chg="modSp">
-        <pc:chgData name="Matthieu BRIEND" userId="S::mbriend@lemonway.com::f43b7032-540d-4661-9645-e17125bf3d76" providerId="AD" clId="Web-{F930BDFE-BCF0-0160-1E04-9F852A197BC3}" dt="2025-01-27T14:11:15.531" v="1" actId="1076"/>
-        <pc:sldMkLst>
-          <pc:docMk/>
-          <pc:sldMk cId="1096040518" sldId="2147483487"/>
+        <pc:chgData name="Pierre GAUVRY" userId="S::pgauvry@lemonway.com::83edf39d-5bbc-4918-af09-c2287799a21e" providerId="AD" clId="Web-{043BB0B3-314B-63D4-7B3F-13D2E81873A1}" dt="2025-01-27T21:08:58.700" v="65" actId="20577"/>
+        <pc:sldMkLst>
+          <pc:docMk/>
+          <pc:sldMk cId="244232859" sldId="2147483541"/>
+        </pc:sldMkLst>
+      </pc:sldChg>
+      <pc:sldChg chg="modSp">
+        <pc:chgData name="Pierre GAUVRY" userId="S::pgauvry@lemonway.com::83edf39d-5bbc-4918-af09-c2287799a21e" providerId="AD" clId="Web-{043BB0B3-314B-63D4-7B3F-13D2E81873A1}" dt="2025-01-27T21:35:59.470" v="76" actId="20577"/>
+        <pc:sldMkLst>
+          <pc:docMk/>
+          <pc:sldMk cId="12490850" sldId="2147483542"/>
         </pc:sldMkLst>
       </pc:sldChg>
     </pc:docChg>
   </pc:docChgLst>
   <pc:docChgLst>
-    <pc:chgData name="Alexane BAUDRON" userId="c4e72a19-1b71-4ae0-b940-702fdd1a721d" providerId="ADAL" clId="{08F0C1F7-0D3F-AD47-8214-16B984571863}"/>
-    <pc:docChg chg="delSld delMainMaster">
-      <pc:chgData name="Alexane BAUDRON" userId="c4e72a19-1b71-4ae0-b940-702fdd1a721d" providerId="ADAL" clId="{08F0C1F7-0D3F-AD47-8214-16B984571863}" dt="2025-06-30T07:55:04.772" v="44" actId="2696"/>
-      <pc:docMkLst>
-        <pc:docMk/>
-      </pc:docMkLst>
-      <pc:sldChg chg="del">
-        <pc:chgData name="Alexane BAUDRON" userId="c4e72a19-1b71-4ae0-b940-702fdd1a721d" providerId="ADAL" clId="{08F0C1F7-0D3F-AD47-8214-16B984571863}" dt="2025-06-30T07:54:49.266" v="14" actId="2696"/>
-        <pc:sldMkLst>
-          <pc:docMk/>
-          <pc:sldMk cId="1836365198" sldId="2147483335"/>
-        </pc:sldMkLst>
-      </pc:sldChg>
-      <pc:sldChg chg="del">
-        <pc:chgData name="Alexane BAUDRON" userId="c4e72a19-1b71-4ae0-b940-702fdd1a721d" providerId="ADAL" clId="{08F0C1F7-0D3F-AD47-8214-16B984571863}" dt="2025-06-30T07:54:49.163" v="8" actId="2696"/>
-        <pc:sldMkLst>
-          <pc:docMk/>
-          <pc:sldMk cId="1425089493" sldId="2147483520"/>
-        </pc:sldMkLst>
-      </pc:sldChg>
-      <pc:sldChg chg="del">
-        <pc:chgData name="Alexane BAUDRON" userId="c4e72a19-1b71-4ae0-b940-702fdd1a721d" providerId="ADAL" clId="{08F0C1F7-0D3F-AD47-8214-16B984571863}" dt="2025-06-30T07:54:49.174" v="10" actId="2696"/>
-        <pc:sldMkLst>
-          <pc:docMk/>
-          <pc:sldMk cId="2312050107" sldId="2147483522"/>
-        </pc:sldMkLst>
-      </pc:sldChg>
-      <pc:sldChg chg="del">
-        <pc:chgData name="Alexane BAUDRON" userId="c4e72a19-1b71-4ae0-b940-702fdd1a721d" providerId="ADAL" clId="{08F0C1F7-0D3F-AD47-8214-16B984571863}" dt="2025-06-30T07:54:49.169" v="9" actId="2696"/>
-        <pc:sldMkLst>
-          <pc:docMk/>
-          <pc:sldMk cId="2474122460" sldId="2147483523"/>
-        </pc:sldMkLst>
-      </pc:sldChg>
-      <pc:sldChg chg="del">
-        <pc:chgData name="Alexane BAUDRON" userId="c4e72a19-1b71-4ae0-b940-702fdd1a721d" providerId="ADAL" clId="{08F0C1F7-0D3F-AD47-8214-16B984571863}" dt="2025-06-30T07:54:45.531" v="0" actId="2696"/>
-        <pc:sldMkLst>
-          <pc:docMk/>
-          <pc:sldMk cId="1260531968" sldId="2147483524"/>
-        </pc:sldMkLst>
-      </pc:sldChg>
-      <pc:sldChg chg="del">
-        <pc:chgData name="Alexane BAUDRON" userId="c4e72a19-1b71-4ae0-b940-702fdd1a721d" providerId="ADAL" clId="{08F0C1F7-0D3F-AD47-8214-16B984571863}" dt="2025-06-30T07:54:45.546" v="6" actId="2696"/>
-        <pc:sldMkLst>
-          <pc:docMk/>
-          <pc:sldMk cId="3207649941" sldId="2147483525"/>
-        </pc:sldMkLst>
-      </pc:sldChg>
-      <pc:sldChg chg="del">
-        <pc:chgData name="Alexane BAUDRON" userId="c4e72a19-1b71-4ae0-b940-702fdd1a721d" providerId="ADAL" clId="{08F0C1F7-0D3F-AD47-8214-16B984571863}" dt="2025-06-30T07:54:45.539" v="3" actId="2696"/>
-        <pc:sldMkLst>
-          <pc:docMk/>
-          <pc:sldMk cId="2246678326" sldId="2147483526"/>
-        </pc:sldMkLst>
-      </pc:sldChg>
-      <pc:sldChg chg="del">
-        <pc:chgData name="Alexane BAUDRON" userId="c4e72a19-1b71-4ae0-b940-702fdd1a721d" providerId="ADAL" clId="{08F0C1F7-0D3F-AD47-8214-16B984571863}" dt="2025-06-30T07:54:45.535" v="1" actId="2696"/>
-        <pc:sldMkLst>
-          <pc:docMk/>
-          <pc:sldMk cId="4251313692" sldId="2147483528"/>
-        </pc:sldMkLst>
-      </pc:sldChg>
-      <pc:sldChg chg="del">
-        <pc:chgData name="Alexane BAUDRON" userId="c4e72a19-1b71-4ae0-b940-702fdd1a721d" providerId="ADAL" clId="{08F0C1F7-0D3F-AD47-8214-16B984571863}" dt="2025-06-30T07:54:45.538" v="2" actId="2696"/>
-        <pc:sldMkLst>
-          <pc:docMk/>
-          <pc:sldMk cId="1326845705" sldId="2147483529"/>
-        </pc:sldMkLst>
-      </pc:sldChg>
-      <pc:sldChg chg="del">
-        <pc:chgData name="Alexane BAUDRON" userId="c4e72a19-1b71-4ae0-b940-702fdd1a721d" providerId="ADAL" clId="{08F0C1F7-0D3F-AD47-8214-16B984571863}" dt="2025-06-30T07:54:45.604" v="7" actId="2696"/>
-        <pc:sldMkLst>
-          <pc:docMk/>
-          <pc:sldMk cId="1584612849" sldId="2147483531"/>
-        </pc:sldMkLst>
-      </pc:sldChg>
-      <pc:sldChg chg="del">
-        <pc:chgData name="Alexane BAUDRON" userId="c4e72a19-1b71-4ae0-b940-702fdd1a721d" providerId="ADAL" clId="{08F0C1F7-0D3F-AD47-8214-16B984571863}" dt="2025-06-30T07:54:49.203" v="12" actId="2696"/>
-        <pc:sldMkLst>
-          <pc:docMk/>
-          <pc:sldMk cId="1176860781" sldId="2147483532"/>
-        </pc:sldMkLst>
-      </pc:sldChg>
-      <pc:sldChg chg="del">
-        <pc:chgData name="Alexane BAUDRON" userId="c4e72a19-1b71-4ae0-b940-702fdd1a721d" providerId="ADAL" clId="{08F0C1F7-0D3F-AD47-8214-16B984571863}" dt="2025-06-30T07:54:49.251" v="13" actId="2696"/>
-        <pc:sldMkLst>
-          <pc:docMk/>
-          <pc:sldMk cId="4213513957" sldId="2147483533"/>
-        </pc:sldMkLst>
-      </pc:sldChg>
-      <pc:sldChg chg="del">
-        <pc:chgData name="Alexane BAUDRON" userId="c4e72a19-1b71-4ae0-b940-702fdd1a721d" providerId="ADAL" clId="{08F0C1F7-0D3F-AD47-8214-16B984571863}" dt="2025-06-30T07:55:01.535" v="42" actId="2696"/>
-        <pc:sldMkLst>
-          <pc:docMk/>
-          <pc:sldMk cId="3330874013" sldId="2147483537"/>
-        </pc:sldMkLst>
-      </pc:sldChg>
-      <pc:sldChg chg="del">
-        <pc:chgData name="Alexane BAUDRON" userId="c4e72a19-1b71-4ae0-b940-702fdd1a721d" providerId="ADAL" clId="{08F0C1F7-0D3F-AD47-8214-16B984571863}" dt="2025-06-30T07:55:04.772" v="44" actId="2696"/>
-        <pc:sldMkLst>
-          <pc:docMk/>
-          <pc:sldMk cId="1186544563" sldId="2147483539"/>
-        </pc:sldMkLst>
-      </pc:sldChg>
-      <pc:sldChg chg="del">
-        <pc:chgData name="Alexane BAUDRON" userId="c4e72a19-1b71-4ae0-b940-702fdd1a721d" providerId="ADAL" clId="{08F0C1F7-0D3F-AD47-8214-16B984571863}" dt="2025-06-30T07:55:03.747" v="43" actId="2696"/>
-        <pc:sldMkLst>
-          <pc:docMk/>
-          <pc:sldMk cId="4133866324" sldId="2147483540"/>
-        </pc:sldMkLst>
-      </pc:sldChg>
-      <pc:sldChg chg="del">
-        <pc:chgData name="Alexane BAUDRON" userId="c4e72a19-1b71-4ae0-b940-702fdd1a721d" providerId="ADAL" clId="{08F0C1F7-0D3F-AD47-8214-16B984571863}" dt="2025-06-30T07:54:57.403" v="32" actId="2696"/>
-        <pc:sldMkLst>
-          <pc:docMk/>
-          <pc:sldMk cId="244232859" sldId="2147483541"/>
-        </pc:sldMkLst>
-      </pc:sldChg>
-      <pc:sldChg chg="del">
-        <pc:chgData name="Alexane BAUDRON" userId="c4e72a19-1b71-4ae0-b940-702fdd1a721d" providerId="ADAL" clId="{08F0C1F7-0D3F-AD47-8214-16B984571863}" dt="2025-06-30T07:54:57.398" v="31" actId="2696"/>
-        <pc:sldMkLst>
-          <pc:docMk/>
-          <pc:sldMk cId="12490850" sldId="2147483542"/>
-        </pc:sldMkLst>
-      </pc:sldChg>
-      <pc:sldChg chg="del">
-        <pc:chgData name="Alexane BAUDRON" userId="c4e72a19-1b71-4ae0-b940-702fdd1a721d" providerId="ADAL" clId="{08F0C1F7-0D3F-AD47-8214-16B984571863}" dt="2025-06-30T07:54:57.396" v="30" actId="2696"/>
-        <pc:sldMkLst>
-          <pc:docMk/>
-          <pc:sldMk cId="3141618727" sldId="2147483543"/>
-        </pc:sldMkLst>
-      </pc:sldChg>
-      <pc:sldChg chg="del">
-        <pc:chgData name="Alexane BAUDRON" userId="c4e72a19-1b71-4ae0-b940-702fdd1a721d" providerId="ADAL" clId="{08F0C1F7-0D3F-AD47-8214-16B984571863}" dt="2025-06-30T07:54:54.993" v="26" actId="2696"/>
-        <pc:sldMkLst>
-          <pc:docMk/>
-          <pc:sldMk cId="3452786207" sldId="2147483544"/>
-        </pc:sldMkLst>
-      </pc:sldChg>
-      <pc:sldChg chg="del">
-        <pc:chgData name="Alexane BAUDRON" userId="c4e72a19-1b71-4ae0-b940-702fdd1a721d" providerId="ADAL" clId="{08F0C1F7-0D3F-AD47-8214-16B984571863}" dt="2025-06-30T07:55:01.529" v="41" actId="2696"/>
-        <pc:sldMkLst>
-          <pc:docMk/>
-          <pc:sldMk cId="538564091" sldId="2147483545"/>
-        </pc:sldMkLst>
-      </pc:sldChg>
-      <pc:sldChg chg="del">
-        <pc:chgData name="Alexane BAUDRON" userId="c4e72a19-1b71-4ae0-b940-702fdd1a721d" providerId="ADAL" clId="{08F0C1F7-0D3F-AD47-8214-16B984571863}" dt="2025-06-30T07:55:01.490" v="36" actId="2696"/>
-        <pc:sldMkLst>
-          <pc:docMk/>
-          <pc:sldMk cId="323720210" sldId="2147483546"/>
-        </pc:sldMkLst>
-      </pc:sldChg>
-      <pc:sldChg chg="del">
-        <pc:chgData name="Alexane BAUDRON" userId="c4e72a19-1b71-4ae0-b940-702fdd1a721d" providerId="ADAL" clId="{08F0C1F7-0D3F-AD47-8214-16B984571863}" dt="2025-06-30T07:55:01.488" v="35" actId="2696"/>
-        <pc:sldMkLst>
-          <pc:docMk/>
-          <pc:sldMk cId="819472479" sldId="2147483547"/>
-        </pc:sldMkLst>
-      </pc:sldChg>
-      <pc:sldChg chg="del">
-        <pc:chgData name="Alexane BAUDRON" userId="c4e72a19-1b71-4ae0-b940-702fdd1a721d" providerId="ADAL" clId="{08F0C1F7-0D3F-AD47-8214-16B984571863}" dt="2025-06-30T07:55:01.507" v="40" actId="2696"/>
-        <pc:sldMkLst>
-          <pc:docMk/>
-          <pc:sldMk cId="3713441185" sldId="2147483549"/>
-        </pc:sldMkLst>
-      </pc:sldChg>
-      <pc:sldChg chg="del">
-        <pc:chgData name="Alexane BAUDRON" userId="c4e72a19-1b71-4ae0-b940-702fdd1a721d" providerId="ADAL" clId="{08F0C1F7-0D3F-AD47-8214-16B984571863}" dt="2025-06-30T07:55:01.495" v="38" actId="2696"/>
-        <pc:sldMkLst>
-          <pc:docMk/>
-          <pc:sldMk cId="3514001501" sldId="2147483550"/>
-        </pc:sldMkLst>
-      </pc:sldChg>
-      <pc:sldChg chg="del">
-        <pc:chgData name="Alexane BAUDRON" userId="c4e72a19-1b71-4ae0-b940-702fdd1a721d" providerId="ADAL" clId="{08F0C1F7-0D3F-AD47-8214-16B984571863}" dt="2025-06-30T07:55:01.493" v="37" actId="2696"/>
-        <pc:sldMkLst>
-          <pc:docMk/>
-          <pc:sldMk cId="3947401979" sldId="2147483551"/>
-        </pc:sldMkLst>
-      </pc:sldChg>
-      <pc:sldChg chg="del">
-        <pc:chgData name="Alexane BAUDRON" userId="c4e72a19-1b71-4ae0-b940-702fdd1a721d" providerId="ADAL" clId="{08F0C1F7-0D3F-AD47-8214-16B984571863}" dt="2025-06-30T07:55:01.485" v="34" actId="2696"/>
-        <pc:sldMkLst>
-          <pc:docMk/>
-          <pc:sldMk cId="237779500" sldId="2147483552"/>
-        </pc:sldMkLst>
-      </pc:sldChg>
-      <pc:sldChg chg="del">
-        <pc:chgData name="Alexane BAUDRON" userId="c4e72a19-1b71-4ae0-b940-702fdd1a721d" providerId="ADAL" clId="{08F0C1F7-0D3F-AD47-8214-16B984571863}" dt="2025-06-30T07:55:01.481" v="33" actId="2696"/>
-        <pc:sldMkLst>
-          <pc:docMk/>
-          <pc:sldMk cId="2159616718" sldId="2147483554"/>
-        </pc:sldMkLst>
-      </pc:sldChg>
-      <pc:sldChg chg="del">
-        <pc:chgData name="Alexane BAUDRON" userId="c4e72a19-1b71-4ae0-b940-702fdd1a721d" providerId="ADAL" clId="{08F0C1F7-0D3F-AD47-8214-16B984571863}" dt="2025-06-30T07:55:01.497" v="39" actId="2696"/>
-        <pc:sldMkLst>
-          <pc:docMk/>
-          <pc:sldMk cId="2971429069" sldId="2147483555"/>
-        </pc:sldMkLst>
-      </pc:sldChg>
-      <pc:sldChg chg="del">
-        <pc:chgData name="Alexane BAUDRON" userId="c4e72a19-1b71-4ae0-b940-702fdd1a721d" providerId="ADAL" clId="{08F0C1F7-0D3F-AD47-8214-16B984571863}" dt="2025-06-30T07:54:57.391" v="29" actId="2696"/>
-        <pc:sldMkLst>
-          <pc:docMk/>
-          <pc:sldMk cId="3792680044" sldId="2147483556"/>
-        </pc:sldMkLst>
-      </pc:sldChg>
-      <pc:sldChg chg="del">
-        <pc:chgData name="Alexane BAUDRON" userId="c4e72a19-1b71-4ae0-b940-702fdd1a721d" providerId="ADAL" clId="{08F0C1F7-0D3F-AD47-8214-16B984571863}" dt="2025-06-30T07:54:51.723" v="17" actId="2696"/>
-        <pc:sldMkLst>
-          <pc:docMk/>
-          <pc:sldMk cId="1289184987" sldId="2147483562"/>
-        </pc:sldMkLst>
-      </pc:sldChg>
-      <pc:sldChg chg="del">
-        <pc:chgData name="Alexane BAUDRON" userId="c4e72a19-1b71-4ae0-b940-702fdd1a721d" providerId="ADAL" clId="{08F0C1F7-0D3F-AD47-8214-16B984571863}" dt="2025-06-30T07:54:51.766" v="20" actId="2696"/>
-        <pc:sldMkLst>
-          <pc:docMk/>
-          <pc:sldMk cId="1404434608" sldId="2147483563"/>
-        </pc:sldMkLst>
-      </pc:sldChg>
-      <pc:sldChg chg="del">
-        <pc:chgData name="Alexane BAUDRON" userId="c4e72a19-1b71-4ae0-b940-702fdd1a721d" providerId="ADAL" clId="{08F0C1F7-0D3F-AD47-8214-16B984571863}" dt="2025-06-30T07:54:51.774" v="21" actId="2696"/>
-        <pc:sldMkLst>
-          <pc:docMk/>
-          <pc:sldMk cId="2755047218" sldId="2147483564"/>
-        </pc:sldMkLst>
-      </pc:sldChg>
-      <pc:sldChg chg="del">
-        <pc:chgData name="Alexane BAUDRON" userId="c4e72a19-1b71-4ae0-b940-702fdd1a721d" providerId="ADAL" clId="{08F0C1F7-0D3F-AD47-8214-16B984571863}" dt="2025-06-30T07:54:51.730" v="18" actId="2696"/>
-        <pc:sldMkLst>
-          <pc:docMk/>
-          <pc:sldMk cId="2235345609" sldId="2147483565"/>
-        </pc:sldMkLst>
-      </pc:sldChg>
-      <pc:sldChg chg="del">
-        <pc:chgData name="Alexane BAUDRON" userId="c4e72a19-1b71-4ae0-b940-702fdd1a721d" providerId="ADAL" clId="{08F0C1F7-0D3F-AD47-8214-16B984571863}" dt="2025-06-30T07:54:51.761" v="19" actId="2696"/>
-        <pc:sldMkLst>
-          <pc:docMk/>
-          <pc:sldMk cId="256682989" sldId="2147483566"/>
-        </pc:sldMkLst>
-      </pc:sldChg>
-      <pc:sldChg chg="del">
-        <pc:chgData name="Alexane BAUDRON" userId="c4e72a19-1b71-4ae0-b940-702fdd1a721d" providerId="ADAL" clId="{08F0C1F7-0D3F-AD47-8214-16B984571863}" dt="2025-06-30T07:54:51.717" v="16" actId="2696"/>
-        <pc:sldMkLst>
-          <pc:docMk/>
-          <pc:sldMk cId="3463449161" sldId="2147483567"/>
-        </pc:sldMkLst>
-      </pc:sldChg>
-      <pc:sldChg chg="del">
-        <pc:chgData name="Alexane BAUDRON" userId="c4e72a19-1b71-4ae0-b940-702fdd1a721d" providerId="ADAL" clId="{08F0C1F7-0D3F-AD47-8214-16B984571863}" dt="2025-06-30T07:54:49.176" v="11" actId="2696"/>
-        <pc:sldMkLst>
-          <pc:docMk/>
-          <pc:sldMk cId="534803942" sldId="2147483570"/>
-        </pc:sldMkLst>
-      </pc:sldChg>
-      <pc:sldChg chg="del">
-        <pc:chgData name="Alexane BAUDRON" userId="c4e72a19-1b71-4ae0-b940-702fdd1a721d" providerId="ADAL" clId="{08F0C1F7-0D3F-AD47-8214-16B984571863}" dt="2025-06-30T07:54:54.983" v="22" actId="2696"/>
-        <pc:sldMkLst>
-          <pc:docMk/>
-          <pc:sldMk cId="1851883643" sldId="2147483572"/>
-        </pc:sldMkLst>
-      </pc:sldChg>
-      <pc:sldChg chg="del">
-        <pc:chgData name="Alexane BAUDRON" userId="c4e72a19-1b71-4ae0-b940-702fdd1a721d" providerId="ADAL" clId="{08F0C1F7-0D3F-AD47-8214-16B984571863}" dt="2025-06-30T07:54:55.003" v="28" actId="2696"/>
-        <pc:sldMkLst>
-          <pc:docMk/>
-          <pc:sldMk cId="3904257479" sldId="2147483573"/>
-        </pc:sldMkLst>
-      </pc:sldChg>
-      <pc:sldChg chg="del">
-        <pc:chgData name="Alexane BAUDRON" userId="c4e72a19-1b71-4ae0-b940-702fdd1a721d" providerId="ADAL" clId="{08F0C1F7-0D3F-AD47-8214-16B984571863}" dt="2025-06-30T07:54:54.991" v="25" actId="2696"/>
-        <pc:sldMkLst>
-          <pc:docMk/>
-          <pc:sldMk cId="1584404665" sldId="2147483574"/>
-        </pc:sldMkLst>
-      </pc:sldChg>
-      <pc:sldChg chg="del">
-        <pc:chgData name="Alexane BAUDRON" userId="c4e72a19-1b71-4ae0-b940-702fdd1a721d" providerId="ADAL" clId="{08F0C1F7-0D3F-AD47-8214-16B984571863}" dt="2025-06-30T07:54:54.989" v="24" actId="2696"/>
-        <pc:sldMkLst>
-          <pc:docMk/>
-          <pc:sldMk cId="3593561478" sldId="2147483575"/>
-        </pc:sldMkLst>
-      </pc:sldChg>
-      <pc:sldChg chg="del">
-        <pc:chgData name="Alexane BAUDRON" userId="c4e72a19-1b71-4ae0-b940-702fdd1a721d" providerId="ADAL" clId="{08F0C1F7-0D3F-AD47-8214-16B984571863}" dt="2025-06-30T07:54:54.987" v="23" actId="2696"/>
-        <pc:sldMkLst>
-          <pc:docMk/>
-          <pc:sldMk cId="3395933212" sldId="2147483576"/>
-        </pc:sldMkLst>
-      </pc:sldChg>
-      <pc:sldChg chg="del">
-        <pc:chgData name="Alexane BAUDRON" userId="c4e72a19-1b71-4ae0-b940-702fdd1a721d" providerId="ADAL" clId="{08F0C1F7-0D3F-AD47-8214-16B984571863}" dt="2025-06-30T07:54:54.995" v="27" actId="2696"/>
-        <pc:sldMkLst>
-          <pc:docMk/>
-          <pc:sldMk cId="4045004320" sldId="2147483577"/>
-        </pc:sldMkLst>
-      </pc:sldChg>
-      <pc:sldChg chg="del">
-        <pc:chgData name="Alexane BAUDRON" userId="c4e72a19-1b71-4ae0-b940-702fdd1a721d" providerId="ADAL" clId="{08F0C1F7-0D3F-AD47-8214-16B984571863}" dt="2025-06-30T07:54:45.544" v="5" actId="2696"/>
-        <pc:sldMkLst>
-          <pc:docMk/>
-          <pc:sldMk cId="1703776386" sldId="2147483579"/>
-        </pc:sldMkLst>
-      </pc:sldChg>
-      <pc:sldChg chg="del">
-        <pc:chgData name="Alexane BAUDRON" userId="c4e72a19-1b71-4ae0-b940-702fdd1a721d" providerId="ADAL" clId="{08F0C1F7-0D3F-AD47-8214-16B984571863}" dt="2025-06-30T07:54:45.542" v="4" actId="2696"/>
-        <pc:sldMkLst>
-          <pc:docMk/>
-          <pc:sldMk cId="992121836" sldId="2147483580"/>
-        </pc:sldMkLst>
-      </pc:sldChg>
-      <pc:sldMasterChg chg="del">
-        <pc:chgData name="Alexane BAUDRON" userId="c4e72a19-1b71-4ae0-b940-702fdd1a721d" providerId="ADAL" clId="{08F0C1F7-0D3F-AD47-8214-16B984571863}" dt="2025-06-30T07:54:49.275" v="15" actId="2696"/>
-        <pc:sldMasterMkLst>
-          <pc:docMk/>
-          <pc:sldMasterMk cId="1825019530" sldId="2147483683"/>
-        </pc:sldMasterMkLst>
-      </pc:sldMasterChg>
-    </pc:docChg>
-  </pc:docChgLst>
-  <pc:docChgLst>
-    <pc:chgData name="Martin-Pierre GAULTIER" userId="S::mpgaultier@lemonway.com::0415e4a0-177e-4c12-b0e5-1f7bc3cae49f" providerId="AD" clId="Web-{2A2BA2AE-3932-975C-722C-A9BEC8235ADD}"/>
-    <pc:docChg chg="addSld delSld modSld">
-      <pc:chgData name="Martin-Pierre GAULTIER" userId="S::mpgaultier@lemonway.com::0415e4a0-177e-4c12-b0e5-1f7bc3cae49f" providerId="AD" clId="Web-{2A2BA2AE-3932-975C-722C-A9BEC8235ADD}" dt="2025-01-17T16:44:05.273" v="238" actId="1076"/>
+    <pc:chgData name="Pierre GAUVRY" userId="S::pgauvry@lemonway.com::83edf39d-5bbc-4918-af09-c2287799a21e" providerId="AD" clId="Web-{96091FD1-BE91-13D1-BB69-E973186F8B57}"/>
+    <pc:docChg chg="modSld">
+      <pc:chgData name="Pierre GAUVRY" userId="S::pgauvry@lemonway.com::83edf39d-5bbc-4918-af09-c2287799a21e" providerId="AD" clId="Web-{96091FD1-BE91-13D1-BB69-E973186F8B57}" dt="2025-01-27T07:37:39.898" v="5" actId="20577"/>
       <pc:docMkLst>
         <pc:docMk/>
       </pc:docMkLst>
       <pc:sldChg chg="modSp">
-        <pc:chgData name="Martin-Pierre GAULTIER" userId="S::mpgaultier@lemonway.com::0415e4a0-177e-4c12-b0e5-1f7bc3cae49f" providerId="AD" clId="Web-{2A2BA2AE-3932-975C-722C-A9BEC8235ADD}" dt="2025-01-17T16:44:05.273" v="238" actId="1076"/>
-        <pc:sldMkLst>
-          <pc:docMk/>
-          <pc:sldMk cId="470428834" sldId="2147483492"/>
-        </pc:sldMkLst>
-      </pc:sldChg>
-      <pc:sldChg chg="addSp delSp modSp add mod replId modShow">
-        <pc:chgData name="Martin-Pierre GAULTIER" userId="S::mpgaultier@lemonway.com::0415e4a0-177e-4c12-b0e5-1f7bc3cae49f" providerId="AD" clId="Web-{2A2BA2AE-3932-975C-722C-A9BEC8235ADD}" dt="2025-01-17T14:16:30.754" v="214"/>
-        <pc:sldMkLst>
-          <pc:docMk/>
-          <pc:sldMk cId="1260531968" sldId="2147483524"/>
-        </pc:sldMkLst>
-      </pc:sldChg>
-      <pc:sldChg chg="add del replId">
-        <pc:chgData name="Martin-Pierre GAULTIER" userId="S::mpgaultier@lemonway.com::0415e4a0-177e-4c12-b0e5-1f7bc3cae49f" providerId="AD" clId="Web-{2A2BA2AE-3932-975C-722C-A9BEC8235ADD}" dt="2025-01-17T14:12:22.980" v="63"/>
-        <pc:sldMkLst>
-          <pc:docMk/>
-          <pc:sldMk cId="509090982" sldId="2147483525"/>
-        </pc:sldMkLst>
-      </pc:sldChg>
-      <pc:sldChg chg="add del replId">
-        <pc:chgData name="Martin-Pierre GAULTIER" userId="S::mpgaultier@lemonway.com::0415e4a0-177e-4c12-b0e5-1f7bc3cae49f" providerId="AD" clId="Web-{2A2BA2AE-3932-975C-722C-A9BEC8235ADD}" dt="2025-01-17T14:12:28.230" v="65"/>
-        <pc:sldMkLst>
-          <pc:docMk/>
-          <pc:sldMk cId="2126411302" sldId="2147483525"/>
-        </pc:sldMkLst>
-      </pc:sldChg>
-      <pc:sldChg chg="delSp modSp add replId modNotes">
-        <pc:chgData name="Martin-Pierre GAULTIER" userId="S::mpgaultier@lemonway.com::0415e4a0-177e-4c12-b0e5-1f7bc3cae49f" providerId="AD" clId="Web-{2A2BA2AE-3932-975C-722C-A9BEC8235ADD}" dt="2025-01-17T14:20:35.965" v="216"/>
-        <pc:sldMkLst>
-          <pc:docMk/>
-          <pc:sldMk cId="3207649941" sldId="2147483525"/>
-        </pc:sldMkLst>
-      </pc:sldChg>
-      <pc:sldChg chg="delSp modSp add replId">
-        <pc:chgData name="Martin-Pierre GAULTIER" userId="S::mpgaultier@lemonway.com::0415e4a0-177e-4c12-b0e5-1f7bc3cae49f" providerId="AD" clId="Web-{2A2BA2AE-3932-975C-722C-A9BEC8235ADD}" dt="2025-01-17T14:14:06.108" v="130"/>
-        <pc:sldMkLst>
-          <pc:docMk/>
-          <pc:sldMk cId="2246678326" sldId="2147483526"/>
-        </pc:sldMkLst>
-      </pc:sldChg>
-      <pc:sldChg chg="delSp modSp add replId">
-        <pc:chgData name="Martin-Pierre GAULTIER" userId="S::mpgaultier@lemonway.com::0415e4a0-177e-4c12-b0e5-1f7bc3cae49f" providerId="AD" clId="Web-{2A2BA2AE-3932-975C-722C-A9BEC8235ADD}" dt="2025-01-17T14:14:03.046" v="129"/>
-        <pc:sldMkLst>
-          <pc:docMk/>
-          <pc:sldMk cId="1040598806" sldId="2147483527"/>
-        </pc:sldMkLst>
-      </pc:sldChg>
-      <pc:sldChg chg="modSp add replId">
-        <pc:chgData name="Martin-Pierre GAULTIER" userId="S::mpgaultier@lemonway.com::0415e4a0-177e-4c12-b0e5-1f7bc3cae49f" providerId="AD" clId="Web-{2A2BA2AE-3932-975C-722C-A9BEC8235ADD}" dt="2025-01-17T14:21:17.576" v="236" actId="20577"/>
-        <pc:sldMkLst>
-          <pc:docMk/>
-          <pc:sldMk cId="4251313692" sldId="2147483528"/>
+        <pc:chgData name="Pierre GAUVRY" userId="S::pgauvry@lemonway.com::83edf39d-5bbc-4918-af09-c2287799a21e" providerId="AD" clId="Web-{96091FD1-BE91-13D1-BB69-E973186F8B57}" dt="2025-01-27T07:37:39.898" v="5" actId="20577"/>
+        <pc:sldMkLst>
+          <pc:docMk/>
+          <pc:sldMk cId="244232859" sldId="2147483541"/>
+        </pc:sldMkLst>
+      </pc:sldChg>
+      <pc:sldChg chg="addSp delSp modSp">
+        <pc:chgData name="Pierre GAUVRY" userId="S::pgauvry@lemonway.com::83edf39d-5bbc-4918-af09-c2287799a21e" providerId="AD" clId="Web-{96091FD1-BE91-13D1-BB69-E973186F8B57}" dt="2025-01-27T07:31:50.510" v="3" actId="20577"/>
+        <pc:sldMkLst>
+          <pc:docMk/>
+          <pc:sldMk cId="12490850" sldId="2147483542"/>
         </pc:sldMkLst>
       </pc:sldChg>
     </pc:docChg>
   </pc:docChgLst>
   <pc:docChgLst>
-    <pc:chgData name="Martin-Pierre GAULTIER" userId="S::mpgaultier@lemonway.com::0415e4a0-177e-4c12-b0e5-1f7bc3cae49f" providerId="AD" clId="Web-{BAA7B3D3-4CEA-FBD7-03BF-9B5CD847D190}"/>
-    <pc:docChg chg="modSld sldOrd">
-      <pc:chgData name="Martin-Pierre GAULTIER" userId="S::mpgaultier@lemonway.com::0415e4a0-177e-4c12-b0e5-1f7bc3cae49f" providerId="AD" clId="Web-{BAA7B3D3-4CEA-FBD7-03BF-9B5CD847D190}" dt="2025-01-23T14:05:59.281" v="718" actId="20577"/>
+    <pc:chgData name="Martin-Pierre GAULTIER" userId="S::mpgaultier@lemonway.com::0415e4a0-177e-4c12-b0e5-1f7bc3cae49f" providerId="AD" clId="Web-{25F07FC2-B9C7-CFAD-4729-CEF50097650F}"/>
+    <pc:docChg chg="addSld delSld modSld sldOrd">
+      <pc:chgData name="Martin-Pierre GAULTIER" userId="S::mpgaultier@lemonway.com::0415e4a0-177e-4c12-b0e5-1f7bc3cae49f" providerId="AD" clId="Web-{25F07FC2-B9C7-CFAD-4729-CEF50097650F}" dt="2025-01-27T19:30:46.877" v="510"/>
+      <pc:docMkLst>
+        <pc:docMk/>
+      </pc:docMkLst>
+      <pc:sldChg chg="ord">
+        <pc:chgData name="Martin-Pierre GAULTIER" userId="S::mpgaultier@lemonway.com::0415e4a0-177e-4c12-b0e5-1f7bc3cae49f" providerId="AD" clId="Web-{25F07FC2-B9C7-CFAD-4729-CEF50097650F}" dt="2025-01-27T15:46:19.494" v="26"/>
+        <pc:sldMkLst>
+          <pc:docMk/>
+          <pc:sldMk cId="2391188043" sldId="2147483490"/>
+        </pc:sldMkLst>
+      </pc:sldChg>
+      <pc:sldChg chg="modSp">
+        <pc:chgData name="Martin-Pierre GAULTIER" userId="S::mpgaultier@lemonway.com::0415e4a0-177e-4c12-b0e5-1f7bc3cae49f" providerId="AD" clId="Web-{25F07FC2-B9C7-CFAD-4729-CEF50097650F}" dt="2025-01-27T19:30:46.877" v="510"/>
+        <pc:sldMkLst>
+          <pc:docMk/>
+          <pc:sldMk cId="2312050107" sldId="2147483522"/>
+        </pc:sldMkLst>
+      </pc:sldChg>
+      <pc:sldChg chg="modSp">
+        <pc:chgData name="Martin-Pierre GAULTIER" userId="S::mpgaultier@lemonway.com::0415e4a0-177e-4c12-b0e5-1f7bc3cae49f" providerId="AD" clId="Web-{25F07FC2-B9C7-CFAD-4729-CEF50097650F}" dt="2025-01-27T19:21:28.846" v="444" actId="20577"/>
+        <pc:sldMkLst>
+          <pc:docMk/>
+          <pc:sldMk cId="2246678326" sldId="2147483526"/>
+        </pc:sldMkLst>
+      </pc:sldChg>
+      <pc:sldChg chg="modSp">
+        <pc:chgData name="Martin-Pierre GAULTIER" userId="S::mpgaultier@lemonway.com::0415e4a0-177e-4c12-b0e5-1f7bc3cae49f" providerId="AD" clId="Web-{25F07FC2-B9C7-CFAD-4729-CEF50097650F}" dt="2025-01-27T19:17:09.308" v="288" actId="20577"/>
+        <pc:sldMkLst>
+          <pc:docMk/>
+          <pc:sldMk cId="4251313692" sldId="2147483528"/>
+        </pc:sldMkLst>
+      </pc:sldChg>
+      <pc:sldChg chg="addSp modSp">
+        <pc:chgData name="Martin-Pierre GAULTIER" userId="S::mpgaultier@lemonway.com::0415e4a0-177e-4c12-b0e5-1f7bc3cae49f" providerId="AD" clId="Web-{25F07FC2-B9C7-CFAD-4729-CEF50097650F}" dt="2025-01-27T19:29:07.515" v="476" actId="20577"/>
+        <pc:sldMkLst>
+          <pc:docMk/>
+          <pc:sldMk cId="1584612849" sldId="2147483531"/>
+        </pc:sldMkLst>
+      </pc:sldChg>
+      <pc:sldChg chg="ord">
+        <pc:chgData name="Martin-Pierre GAULTIER" userId="S::mpgaultier@lemonway.com::0415e4a0-177e-4c12-b0e5-1f7bc3cae49f" providerId="AD" clId="Web-{25F07FC2-B9C7-CFAD-4729-CEF50097650F}" dt="2025-01-27T15:46:19.494" v="20"/>
+        <pc:sldMkLst>
+          <pc:docMk/>
+          <pc:sldMk cId="3452786207" sldId="2147483544"/>
+        </pc:sldMkLst>
+      </pc:sldChg>
+      <pc:sldChg chg="ord">
+        <pc:chgData name="Martin-Pierre GAULTIER" userId="S::mpgaultier@lemonway.com::0415e4a0-177e-4c12-b0e5-1f7bc3cae49f" providerId="AD" clId="Web-{25F07FC2-B9C7-CFAD-4729-CEF50097650F}" dt="2025-01-27T15:46:19.494" v="25"/>
+        <pc:sldMkLst>
+          <pc:docMk/>
+          <pc:sldMk cId="1851883643" sldId="2147483572"/>
+        </pc:sldMkLst>
+      </pc:sldChg>
+      <pc:sldChg chg="ord">
+        <pc:chgData name="Martin-Pierre GAULTIER" userId="S::mpgaultier@lemonway.com::0415e4a0-177e-4c12-b0e5-1f7bc3cae49f" providerId="AD" clId="Web-{25F07FC2-B9C7-CFAD-4729-CEF50097650F}" dt="2025-01-27T15:46:19.494" v="24"/>
+        <pc:sldMkLst>
+          <pc:docMk/>
+          <pc:sldMk cId="3904257479" sldId="2147483573"/>
+        </pc:sldMkLst>
+      </pc:sldChg>
+      <pc:sldChg chg="ord">
+        <pc:chgData name="Martin-Pierre GAULTIER" userId="S::mpgaultier@lemonway.com::0415e4a0-177e-4c12-b0e5-1f7bc3cae49f" providerId="AD" clId="Web-{25F07FC2-B9C7-CFAD-4729-CEF50097650F}" dt="2025-01-27T15:46:19.494" v="23"/>
+        <pc:sldMkLst>
+          <pc:docMk/>
+          <pc:sldMk cId="1584404665" sldId="2147483574"/>
+        </pc:sldMkLst>
+      </pc:sldChg>
+      <pc:sldChg chg="ord">
+        <pc:chgData name="Martin-Pierre GAULTIER" userId="S::mpgaultier@lemonway.com::0415e4a0-177e-4c12-b0e5-1f7bc3cae49f" providerId="AD" clId="Web-{25F07FC2-B9C7-CFAD-4729-CEF50097650F}" dt="2025-01-27T15:46:19.494" v="22"/>
+        <pc:sldMkLst>
+          <pc:docMk/>
+          <pc:sldMk cId="3593561478" sldId="2147483575"/>
+        </pc:sldMkLst>
+      </pc:sldChg>
+      <pc:sldChg chg="ord">
+        <pc:chgData name="Martin-Pierre GAULTIER" userId="S::mpgaultier@lemonway.com::0415e4a0-177e-4c12-b0e5-1f7bc3cae49f" providerId="AD" clId="Web-{25F07FC2-B9C7-CFAD-4729-CEF50097650F}" dt="2025-01-27T15:46:19.494" v="21"/>
+        <pc:sldMkLst>
+          <pc:docMk/>
+          <pc:sldMk cId="3395933212" sldId="2147483576"/>
+        </pc:sldMkLst>
+      </pc:sldChg>
+      <pc:sldChg chg="ord">
+        <pc:chgData name="Martin-Pierre GAULTIER" userId="S::mpgaultier@lemonway.com::0415e4a0-177e-4c12-b0e5-1f7bc3cae49f" providerId="AD" clId="Web-{25F07FC2-B9C7-CFAD-4729-CEF50097650F}" dt="2025-01-27T15:46:19.478" v="19"/>
+        <pc:sldMkLst>
+          <pc:docMk/>
+          <pc:sldMk cId="4045004320" sldId="2147483577"/>
+        </pc:sldMkLst>
+      </pc:sldChg>
+      <pc:sldChg chg="addSp delSp modSp ord">
+        <pc:chgData name="Martin-Pierre GAULTIER" userId="S::mpgaultier@lemonway.com::0415e4a0-177e-4c12-b0e5-1f7bc3cae49f" providerId="AD" clId="Web-{25F07FC2-B9C7-CFAD-4729-CEF50097650F}" dt="2025-01-27T19:29:49.798" v="505" actId="20577"/>
+        <pc:sldMkLst>
+          <pc:docMk/>
+          <pc:sldMk cId="1703776386" sldId="2147483579"/>
+        </pc:sldMkLst>
+      </pc:sldChg>
+      <pc:sldChg chg="add del replId">
+        <pc:chgData name="Martin-Pierre GAULTIER" userId="S::mpgaultier@lemonway.com::0415e4a0-177e-4c12-b0e5-1f7bc3cae49f" providerId="AD" clId="Web-{25F07FC2-B9C7-CFAD-4729-CEF50097650F}" dt="2025-01-27T19:20:32.454" v="410"/>
+        <pc:sldMkLst>
+          <pc:docMk/>
+          <pc:sldMk cId="4246493447" sldId="2147483581"/>
+        </pc:sldMkLst>
+      </pc:sldChg>
+    </pc:docChg>
+  </pc:docChgLst>
+  <pc:docChgLst>
+    <pc:chgData name="Martin-Pierre GAULTIER" userId="S::mpgaultier@lemonway.com::0415e4a0-177e-4c12-b0e5-1f7bc3cae49f" providerId="AD" clId="Web-{52BC3E1A-D6D2-44C8-CFE8-C19A6AC6F661}"/>
+    <pc:docChg chg="modSld">
+      <pc:chgData name="Martin-Pierre GAULTIER" userId="S::mpgaultier@lemonway.com::0415e4a0-177e-4c12-b0e5-1f7bc3cae49f" providerId="AD" clId="Web-{52BC3E1A-D6D2-44C8-CFE8-C19A6AC6F661}" dt="2025-05-19T13:39:57.360" v="20" actId="20577"/>
       <pc:docMkLst>
         <pc:docMk/>
       </pc:docMkLst>
       <pc:sldChg chg="modSp">
-        <pc:chgData name="Martin-Pierre GAULTIER" userId="S::mpgaultier@lemonway.com::0415e4a0-177e-4c12-b0e5-1f7bc3cae49f" providerId="AD" clId="Web-{BAA7B3D3-4CEA-FBD7-03BF-9B5CD847D190}" dt="2025-01-23T12:47:57.803" v="575" actId="1076"/>
-        <pc:sldMkLst>
-          <pc:docMk/>
-          <pc:sldMk cId="520368926" sldId="2147483482"/>
+        <pc:chgData name="Martin-Pierre GAULTIER" userId="S::mpgaultier@lemonway.com::0415e4a0-177e-4c12-b0e5-1f7bc3cae49f" providerId="AD" clId="Web-{52BC3E1A-D6D2-44C8-CFE8-C19A6AC6F661}" dt="2025-05-19T13:29:07.557" v="15" actId="14100"/>
+        <pc:sldMkLst>
+          <pc:docMk/>
+          <pc:sldMk cId="2246678326" sldId="2147483526"/>
+        </pc:sldMkLst>
+      </pc:sldChg>
+      <pc:sldChg chg="addSp modSp">
+        <pc:chgData name="Martin-Pierre GAULTIER" userId="S::mpgaultier@lemonway.com::0415e4a0-177e-4c12-b0e5-1f7bc3cae49f" providerId="AD" clId="Web-{52BC3E1A-D6D2-44C8-CFE8-C19A6AC6F661}" dt="2025-05-19T13:26:37.412" v="7" actId="1076"/>
+        <pc:sldMkLst>
+          <pc:docMk/>
+          <pc:sldMk cId="1326845705" sldId="2147483529"/>
+        </pc:sldMkLst>
+      </pc:sldChg>
+      <pc:sldChg chg="addSp modSp">
+        <pc:chgData name="Martin-Pierre GAULTIER" userId="S::mpgaultier@lemonway.com::0415e4a0-177e-4c12-b0e5-1f7bc3cae49f" providerId="AD" clId="Web-{52BC3E1A-D6D2-44C8-CFE8-C19A6AC6F661}" dt="2025-05-19T13:39:04.623" v="19" actId="1076"/>
+        <pc:sldMkLst>
+          <pc:docMk/>
+          <pc:sldMk cId="3395933212" sldId="2147483576"/>
         </pc:sldMkLst>
       </pc:sldChg>
       <pc:sldChg chg="modSp">
-        <pc:chgData name="Martin-Pierre GAULTIER" userId="S::mpgaultier@lemonway.com::0415e4a0-177e-4c12-b0e5-1f7bc3cae49f" providerId="AD" clId="Web-{BAA7B3D3-4CEA-FBD7-03BF-9B5CD847D190}" dt="2025-01-23T12:27:12.923" v="12" actId="20577"/>
+        <pc:chgData name="Martin-Pierre GAULTIER" userId="S::mpgaultier@lemonway.com::0415e4a0-177e-4c12-b0e5-1f7bc3cae49f" providerId="AD" clId="Web-{52BC3E1A-D6D2-44C8-CFE8-C19A6AC6F661}" dt="2025-05-19T13:39:57.360" v="20" actId="20577"/>
+        <pc:sldMkLst>
+          <pc:docMk/>
+          <pc:sldMk cId="4045004320" sldId="2147483577"/>
+        </pc:sldMkLst>
+      </pc:sldChg>
+      <pc:sldChg chg="modSp">
+        <pc:chgData name="Martin-Pierre GAULTIER" userId="S::mpgaultier@lemonway.com::0415e4a0-177e-4c12-b0e5-1f7bc3cae49f" providerId="AD" clId="Web-{52BC3E1A-D6D2-44C8-CFE8-C19A6AC6F661}" dt="2025-05-19T13:15:25.999" v="1" actId="14100"/>
+        <pc:sldMkLst>
+          <pc:docMk/>
+          <pc:sldMk cId="1703776386" sldId="2147483579"/>
+        </pc:sldMkLst>
+      </pc:sldChg>
+    </pc:docChg>
+  </pc:docChgLst>
+  <pc:docChgLst>
+    <pc:chgData name="Daryne VOUFO" userId="S::dvoufo@lemonway.com::149b2d68-4f34-4cea-9046-0a79116666fa" providerId="AD" clId="Web-{4A0EFBF1-6601-CE44-6CE0-CED8822CFA3E}"/>
+    <pc:docChg chg="modSld">
+      <pc:chgData name="Daryne VOUFO" userId="S::dvoufo@lemonway.com::149b2d68-4f34-4cea-9046-0a79116666fa" providerId="AD" clId="Web-{4A0EFBF1-6601-CE44-6CE0-CED8822CFA3E}" dt="2025-01-30T09:31:18.169" v="0" actId="1076"/>
+      <pc:docMkLst>
+        <pc:docMk/>
+      </pc:docMkLst>
+      <pc:sldChg chg="modSp">
+        <pc:chgData name="Daryne VOUFO" userId="S::dvoufo@lemonway.com::149b2d68-4f34-4cea-9046-0a79116666fa" providerId="AD" clId="Web-{4A0EFBF1-6601-CE44-6CE0-CED8822CFA3E}" dt="2025-01-30T09:31:18.169" v="0" actId="1076"/>
+        <pc:sldMkLst>
+          <pc:docMk/>
+          <pc:sldMk cId="470428834" sldId="2147483492"/>
+        </pc:sldMkLst>
+      </pc:sldChg>
+    </pc:docChg>
+  </pc:docChgLst>
+  <pc:docChgLst>
+    <pc:chgData name="Romain MILECKI" userId="53d3c05e-b504-4371-8e77-d2aef7b9335c" providerId="ADAL" clId="{D55A2D77-A857-4928-B221-958258A0E265}"/>
+    <pc:docChg chg="undo custSel modSld">
+      <pc:chgData name="Romain MILECKI" userId="53d3c05e-b504-4371-8e77-d2aef7b9335c" providerId="ADAL" clId="{D55A2D77-A857-4928-B221-958258A0E265}" dt="2025-02-17T16:58:44.542" v="78" actId="12788"/>
+      <pc:docMkLst>
+        <pc:docMk/>
+      </pc:docMkLst>
+      <pc:sldChg chg="addSp delSp modSp mod">
+        <pc:chgData name="Romain MILECKI" userId="53d3c05e-b504-4371-8e77-d2aef7b9335c" providerId="ADAL" clId="{D55A2D77-A857-4928-B221-958258A0E265}" dt="2025-02-17T16:58:44.542" v="78" actId="12788"/>
+        <pc:sldMkLst>
+          <pc:docMk/>
+          <pc:sldMk cId="4133866324" sldId="2147483540"/>
+        </pc:sldMkLst>
+      </pc:sldChg>
+    </pc:docChg>
+  </pc:docChgLst>
+  <pc:docChgLst>
+    <pc:chgData name="Matthieu BRIEND" userId="S::mbriend@lemonway.com::f43b7032-540d-4661-9645-e17125bf3d76" providerId="AD" clId="Web-{BC03D997-70C9-6060-AD01-703FF4DE0332}"/>
+    <pc:docChg chg="addSld delSld modSld">
+      <pc:chgData name="Matthieu BRIEND" userId="S::mbriend@lemonway.com::f43b7032-540d-4661-9645-e17125bf3d76" providerId="AD" clId="Web-{BC03D997-70C9-6060-AD01-703FF4DE0332}" dt="2025-01-25T15:45:00.778" v="119"/>
+      <pc:docMkLst>
+        <pc:docMk/>
+      </pc:docMkLst>
+      <pc:sldChg chg="addSp delSp modSp">
+        <pc:chgData name="Matthieu BRIEND" userId="S::mbriend@lemonway.com::f43b7032-540d-4661-9645-e17125bf3d76" providerId="AD" clId="Web-{BC03D997-70C9-6060-AD01-703FF4DE0332}" dt="2025-01-25T15:25:48.500" v="49"/>
+        <pc:sldMkLst>
+          <pc:docMk/>
+          <pc:sldMk cId="538564091" sldId="2147483545"/>
+        </pc:sldMkLst>
+      </pc:sldChg>
+      <pc:sldChg chg="addSp delSp modSp">
+        <pc:chgData name="Matthieu BRIEND" userId="S::mbriend@lemonway.com::f43b7032-540d-4661-9645-e17125bf3d76" providerId="AD" clId="Web-{BC03D997-70C9-6060-AD01-703FF4DE0332}" dt="2025-01-25T15:25:41.484" v="48"/>
+        <pc:sldMkLst>
+          <pc:docMk/>
+          <pc:sldMk cId="323720210" sldId="2147483546"/>
+        </pc:sldMkLst>
+      </pc:sldChg>
+      <pc:sldChg chg="modSp">
+        <pc:chgData name="Matthieu BRIEND" userId="S::mbriend@lemonway.com::f43b7032-540d-4661-9645-e17125bf3d76" providerId="AD" clId="Web-{BC03D997-70C9-6060-AD01-703FF4DE0332}" dt="2025-01-25T15:25:34.452" v="46" actId="1076"/>
+        <pc:sldMkLst>
+          <pc:docMk/>
+          <pc:sldMk cId="819472479" sldId="2147483547"/>
+        </pc:sldMkLst>
+      </pc:sldChg>
+      <pc:sldChg chg="addSp delSp modSp">
+        <pc:chgData name="Matthieu BRIEND" userId="S::mbriend@lemonway.com::f43b7032-540d-4661-9645-e17125bf3d76" providerId="AD" clId="Web-{BC03D997-70C9-6060-AD01-703FF4DE0332}" dt="2025-01-25T15:25:54.031" v="50"/>
+        <pc:sldMkLst>
+          <pc:docMk/>
+          <pc:sldMk cId="3514001501" sldId="2147483550"/>
+        </pc:sldMkLst>
+      </pc:sldChg>
+      <pc:sldChg chg="addSp delSp modSp">
+        <pc:chgData name="Matthieu BRIEND" userId="S::mbriend@lemonway.com::f43b7032-540d-4661-9645-e17125bf3d76" providerId="AD" clId="Web-{BC03D997-70C9-6060-AD01-703FF4DE0332}" dt="2025-01-25T15:37:40.071" v="103" actId="1076"/>
+        <pc:sldMkLst>
+          <pc:docMk/>
+          <pc:sldMk cId="2159616718" sldId="2147483554"/>
+        </pc:sldMkLst>
+      </pc:sldChg>
+      <pc:sldChg chg="addSp delSp modSp add del replId">
+        <pc:chgData name="Matthieu BRIEND" userId="S::mbriend@lemonway.com::f43b7032-540d-4661-9645-e17125bf3d76" providerId="AD" clId="Web-{BC03D997-70C9-6060-AD01-703FF4DE0332}" dt="2025-01-25T15:45:00.778" v="119"/>
+        <pc:sldMkLst>
+          <pc:docMk/>
+          <pc:sldMk cId="2728785092" sldId="2147483555"/>
+        </pc:sldMkLst>
+      </pc:sldChg>
+    </pc:docChg>
+  </pc:docChgLst>
+  <pc:docChgLst>
+    <pc:chgData name="Ludovic CIANNARELLA" userId="S::lciannarella@lemonway.com::f6c2df24-67a3-480d-9a94-03b4fbd1471c" providerId="AD" clId="Web-{391CC01A-20F3-FA34-CA1E-BF53FC6DD29B}"/>
+    <pc:docChg chg="modSld">
+      <pc:chgData name="Ludovic CIANNARELLA" userId="S::lciannarella@lemonway.com::f6c2df24-67a3-480d-9a94-03b4fbd1471c" providerId="AD" clId="Web-{391CC01A-20F3-FA34-CA1E-BF53FC6DD29B}" dt="2025-01-27T06:28:40.093" v="271" actId="20577"/>
+      <pc:docMkLst>
+        <pc:docMk/>
+      </pc:docMkLst>
+      <pc:sldChg chg="addSp modSp">
+        <pc:chgData name="Ludovic CIANNARELLA" userId="S::lciannarella@lemonway.com::f6c2df24-67a3-480d-9a94-03b4fbd1471c" providerId="AD" clId="Web-{391CC01A-20F3-FA34-CA1E-BF53FC6DD29B}" dt="2025-01-27T06:28:40.093" v="271" actId="20577"/>
+        <pc:sldMkLst>
+          <pc:docMk/>
+          <pc:sldMk cId="3141618727" sldId="2147483543"/>
+        </pc:sldMkLst>
+      </pc:sldChg>
+    </pc:docChg>
+  </pc:docChgLst>
+  <pc:docChgLst>
+    <pc:chgData name="Matthieu BRIEND" userId="S::mbriend@lemonway.com::f43b7032-540d-4661-9645-e17125bf3d76" providerId="AD" clId="Web-{0DF03FCD-1247-6EC1-E17A-2CBB71DAF5EB}"/>
+    <pc:docChg chg="modSld">
+      <pc:chgData name="Matthieu BRIEND" userId="S::mbriend@lemonway.com::f43b7032-540d-4661-9645-e17125bf3d76" providerId="AD" clId="Web-{0DF03FCD-1247-6EC1-E17A-2CBB71DAF5EB}" dt="2025-01-27T10:18:12.042" v="202" actId="20577"/>
+      <pc:docMkLst>
+        <pc:docMk/>
+      </pc:docMkLst>
+      <pc:sldChg chg="modSp">
+        <pc:chgData name="Matthieu BRIEND" userId="S::mbriend@lemonway.com::f43b7032-540d-4661-9645-e17125bf3d76" providerId="AD" clId="Web-{0DF03FCD-1247-6EC1-E17A-2CBB71DAF5EB}" dt="2025-01-27T10:18:12.042" v="202" actId="20577"/>
+        <pc:sldMkLst>
+          <pc:docMk/>
+          <pc:sldMk cId="3947401979" sldId="2147483551"/>
+        </pc:sldMkLst>
+      </pc:sldChg>
+      <pc:sldChg chg="modSp">
+        <pc:chgData name="Matthieu BRIEND" userId="S::mbriend@lemonway.com::f43b7032-540d-4661-9645-e17125bf3d76" providerId="AD" clId="Web-{0DF03FCD-1247-6EC1-E17A-2CBB71DAF5EB}" dt="2025-01-27T10:09:45.415" v="144" actId="20577"/>
+        <pc:sldMkLst>
+          <pc:docMk/>
+          <pc:sldMk cId="237779500" sldId="2147483552"/>
+        </pc:sldMkLst>
+      </pc:sldChg>
+      <pc:sldChg chg="modSp">
+        <pc:chgData name="Matthieu BRIEND" userId="S::mbriend@lemonway.com::f43b7032-540d-4661-9645-e17125bf3d76" providerId="AD" clId="Web-{0DF03FCD-1247-6EC1-E17A-2CBB71DAF5EB}" dt="2025-01-27T10:04:21.590" v="0" actId="20577"/>
+        <pc:sldMkLst>
+          <pc:docMk/>
+          <pc:sldMk cId="2159616718" sldId="2147483554"/>
+        </pc:sldMkLst>
+      </pc:sldChg>
+      <pc:sldChg chg="modSp">
+        <pc:chgData name="Matthieu BRIEND" userId="S::mbriend@lemonway.com::f43b7032-540d-4661-9645-e17125bf3d76" providerId="AD" clId="Web-{0DF03FCD-1247-6EC1-E17A-2CBB71DAF5EB}" dt="2025-01-27T10:16:23.866" v="186" actId="20577"/>
+        <pc:sldMkLst>
+          <pc:docMk/>
+          <pc:sldMk cId="2971429069" sldId="2147483555"/>
+        </pc:sldMkLst>
+      </pc:sldChg>
+    </pc:docChg>
+  </pc:docChgLst>
+  <pc:docChgLst>
+    <pc:chgData name="Romain MILECKI" userId="53d3c05e-b504-4371-8e77-d2aef7b9335c" providerId="ADAL" clId="{698B9AE8-7644-476B-9468-4E2B59B1B816}"/>
+    <pc:docChg chg="undo custSel addSld delSld modSld sldOrd">
+      <pc:chgData name="Romain MILECKI" userId="53d3c05e-b504-4371-8e77-d2aef7b9335c" providerId="ADAL" clId="{698B9AE8-7644-476B-9468-4E2B59B1B816}" dt="2025-02-05T17:03:31.443" v="6332" actId="207"/>
+      <pc:docMkLst>
+        <pc:docMk/>
+      </pc:docMkLst>
+      <pc:sldChg chg="mod modShow">
+        <pc:chgData name="Romain MILECKI" userId="53d3c05e-b504-4371-8e77-d2aef7b9335c" providerId="ADAL" clId="{698B9AE8-7644-476B-9468-4E2B59B1B816}" dt="2025-01-27T20:10:06.768" v="6245" actId="729"/>
+        <pc:sldMkLst>
+          <pc:docMk/>
+          <pc:sldMk cId="0" sldId="261"/>
+        </pc:sldMkLst>
+      </pc:sldChg>
+      <pc:sldChg chg="mod modShow">
+        <pc:chgData name="Romain MILECKI" userId="53d3c05e-b504-4371-8e77-d2aef7b9335c" providerId="ADAL" clId="{698B9AE8-7644-476B-9468-4E2B59B1B816}" dt="2025-01-27T20:10:06.768" v="6245" actId="729"/>
+        <pc:sldMkLst>
+          <pc:docMk/>
+          <pc:sldMk cId="4185469777" sldId="262"/>
+        </pc:sldMkLst>
+      </pc:sldChg>
+      <pc:sldChg chg="mod modShow">
+        <pc:chgData name="Romain MILECKI" userId="53d3c05e-b504-4371-8e77-d2aef7b9335c" providerId="ADAL" clId="{698B9AE8-7644-476B-9468-4E2B59B1B816}" dt="2025-01-27T20:10:06.768" v="6245" actId="729"/>
+        <pc:sldMkLst>
+          <pc:docMk/>
+          <pc:sldMk cId="0" sldId="266"/>
+        </pc:sldMkLst>
+      </pc:sldChg>
+      <pc:sldChg chg="mod modShow">
+        <pc:chgData name="Romain MILECKI" userId="53d3c05e-b504-4371-8e77-d2aef7b9335c" providerId="ADAL" clId="{698B9AE8-7644-476B-9468-4E2B59B1B816}" dt="2025-01-27T20:10:06.768" v="6245" actId="729"/>
+        <pc:sldMkLst>
+          <pc:docMk/>
+          <pc:sldMk cId="0" sldId="280"/>
+        </pc:sldMkLst>
+      </pc:sldChg>
+      <pc:sldChg chg="mod modShow">
+        <pc:chgData name="Romain MILECKI" userId="53d3c05e-b504-4371-8e77-d2aef7b9335c" providerId="ADAL" clId="{698B9AE8-7644-476B-9468-4E2B59B1B816}" dt="2025-01-27T20:10:06.768" v="6245" actId="729"/>
+        <pc:sldMkLst>
+          <pc:docMk/>
+          <pc:sldMk cId="0" sldId="283"/>
+        </pc:sldMkLst>
+      </pc:sldChg>
+      <pc:sldChg chg="mod modShow">
+        <pc:chgData name="Romain MILECKI" userId="53d3c05e-b504-4371-8e77-d2aef7b9335c" providerId="ADAL" clId="{698B9AE8-7644-476B-9468-4E2B59B1B816}" dt="2025-01-27T20:10:06.768" v="6245" actId="729"/>
+        <pc:sldMkLst>
+          <pc:docMk/>
+          <pc:sldMk cId="0" sldId="284"/>
+        </pc:sldMkLst>
+      </pc:sldChg>
+      <pc:sldChg chg="mod modShow">
+        <pc:chgData name="Romain MILECKI" userId="53d3c05e-b504-4371-8e77-d2aef7b9335c" providerId="ADAL" clId="{698B9AE8-7644-476B-9468-4E2B59B1B816}" dt="2025-01-27T20:10:06.768" v="6245" actId="729"/>
+        <pc:sldMkLst>
+          <pc:docMk/>
+          <pc:sldMk cId="0" sldId="285"/>
+        </pc:sldMkLst>
+      </pc:sldChg>
+      <pc:sldChg chg="mod modShow">
+        <pc:chgData name="Romain MILECKI" userId="53d3c05e-b504-4371-8e77-d2aef7b9335c" providerId="ADAL" clId="{698B9AE8-7644-476B-9468-4E2B59B1B816}" dt="2025-01-27T20:10:06.768" v="6245" actId="729"/>
+        <pc:sldMkLst>
+          <pc:docMk/>
+          <pc:sldMk cId="2982750" sldId="297"/>
+        </pc:sldMkLst>
+      </pc:sldChg>
+      <pc:sldChg chg="mod modShow">
+        <pc:chgData name="Romain MILECKI" userId="53d3c05e-b504-4371-8e77-d2aef7b9335c" providerId="ADAL" clId="{698B9AE8-7644-476B-9468-4E2B59B1B816}" dt="2025-01-27T20:10:06.768" v="6245" actId="729"/>
+        <pc:sldMkLst>
+          <pc:docMk/>
+          <pc:sldMk cId="2963462230" sldId="298"/>
+        </pc:sldMkLst>
+      </pc:sldChg>
+      <pc:sldChg chg="mod modShow">
+        <pc:chgData name="Romain MILECKI" userId="53d3c05e-b504-4371-8e77-d2aef7b9335c" providerId="ADAL" clId="{698B9AE8-7644-476B-9468-4E2B59B1B816}" dt="2025-01-27T20:10:06.768" v="6245" actId="729"/>
+        <pc:sldMkLst>
+          <pc:docMk/>
+          <pc:sldMk cId="1160762198" sldId="392"/>
+        </pc:sldMkLst>
+      </pc:sldChg>
+      <pc:sldChg chg="mod modShow">
+        <pc:chgData name="Romain MILECKI" userId="53d3c05e-b504-4371-8e77-d2aef7b9335c" providerId="ADAL" clId="{698B9AE8-7644-476B-9468-4E2B59B1B816}" dt="2025-01-27T20:10:06.768" v="6245" actId="729"/>
+        <pc:sldMkLst>
+          <pc:docMk/>
+          <pc:sldMk cId="259634276" sldId="401"/>
+        </pc:sldMkLst>
+      </pc:sldChg>
+      <pc:sldChg chg="mod modShow">
+        <pc:chgData name="Romain MILECKI" userId="53d3c05e-b504-4371-8e77-d2aef7b9335c" providerId="ADAL" clId="{698B9AE8-7644-476B-9468-4E2B59B1B816}" dt="2025-01-27T20:10:06.768" v="6245" actId="729"/>
+        <pc:sldMkLst>
+          <pc:docMk/>
+          <pc:sldMk cId="455300412" sldId="432"/>
+        </pc:sldMkLst>
+      </pc:sldChg>
+      <pc:sldChg chg="mod modShow">
+        <pc:chgData name="Romain MILECKI" userId="53d3c05e-b504-4371-8e77-d2aef7b9335c" providerId="ADAL" clId="{698B9AE8-7644-476B-9468-4E2B59B1B816}" dt="2025-01-27T20:10:06.768" v="6245" actId="729"/>
+        <pc:sldMkLst>
+          <pc:docMk/>
+          <pc:sldMk cId="1605751462" sldId="529"/>
+        </pc:sldMkLst>
+      </pc:sldChg>
+      <pc:sldChg chg="mod modShow">
+        <pc:chgData name="Romain MILECKI" userId="53d3c05e-b504-4371-8e77-d2aef7b9335c" providerId="ADAL" clId="{698B9AE8-7644-476B-9468-4E2B59B1B816}" dt="2025-01-27T20:10:06.768" v="6245" actId="729"/>
+        <pc:sldMkLst>
+          <pc:docMk/>
+          <pc:sldMk cId="1426418202" sldId="543"/>
+        </pc:sldMkLst>
+      </pc:sldChg>
+      <pc:sldChg chg="mod modShow">
+        <pc:chgData name="Romain MILECKI" userId="53d3c05e-b504-4371-8e77-d2aef7b9335c" providerId="ADAL" clId="{698B9AE8-7644-476B-9468-4E2B59B1B816}" dt="2025-01-27T20:10:06.768" v="6245" actId="729"/>
+        <pc:sldMkLst>
+          <pc:docMk/>
+          <pc:sldMk cId="735989107" sldId="544"/>
+        </pc:sldMkLst>
+      </pc:sldChg>
+      <pc:sldChg chg="mod modShow">
+        <pc:chgData name="Romain MILECKI" userId="53d3c05e-b504-4371-8e77-d2aef7b9335c" providerId="ADAL" clId="{698B9AE8-7644-476B-9468-4E2B59B1B816}" dt="2025-01-27T20:10:06.768" v="6245" actId="729"/>
+        <pc:sldMkLst>
+          <pc:docMk/>
+          <pc:sldMk cId="3899232807" sldId="546"/>
+        </pc:sldMkLst>
+      </pc:sldChg>
+      <pc:sldChg chg="mod modShow">
+        <pc:chgData name="Romain MILECKI" userId="53d3c05e-b504-4371-8e77-d2aef7b9335c" providerId="ADAL" clId="{698B9AE8-7644-476B-9468-4E2B59B1B816}" dt="2025-01-27T20:10:06.768" v="6245" actId="729"/>
+        <pc:sldMkLst>
+          <pc:docMk/>
+          <pc:sldMk cId="3810240017" sldId="549"/>
+        </pc:sldMkLst>
+      </pc:sldChg>
+      <pc:sldChg chg="addSp delSp modSp add mod delAnim modAnim modShow modNotesTx">
+        <pc:chgData name="Romain MILECKI" userId="53d3c05e-b504-4371-8e77-d2aef7b9335c" providerId="ADAL" clId="{698B9AE8-7644-476B-9468-4E2B59B1B816}" dt="2025-01-27T20:14:43.845" v="6331" actId="20577"/>
+        <pc:sldMkLst>
+          <pc:docMk/>
+          <pc:sldMk cId="1836365198" sldId="2147483335"/>
+        </pc:sldMkLst>
+      </pc:sldChg>
+      <pc:sldChg chg="mod modShow">
+        <pc:chgData name="Romain MILECKI" userId="53d3c05e-b504-4371-8e77-d2aef7b9335c" providerId="ADAL" clId="{698B9AE8-7644-476B-9468-4E2B59B1B816}" dt="2025-01-27T20:10:06.768" v="6245" actId="729"/>
+        <pc:sldMkLst>
+          <pc:docMk/>
+          <pc:sldMk cId="567969834" sldId="2147483355"/>
+        </pc:sldMkLst>
+      </pc:sldChg>
+      <pc:sldChg chg="mod modShow">
+        <pc:chgData name="Romain MILECKI" userId="53d3c05e-b504-4371-8e77-d2aef7b9335c" providerId="ADAL" clId="{698B9AE8-7644-476B-9468-4E2B59B1B816}" dt="2025-01-27T20:10:06.768" v="6245" actId="729"/>
+        <pc:sldMkLst>
+          <pc:docMk/>
+          <pc:sldMk cId="3282966770" sldId="2147483427"/>
+        </pc:sldMkLst>
+      </pc:sldChg>
+      <pc:sldChg chg="mod modShow">
+        <pc:chgData name="Romain MILECKI" userId="53d3c05e-b504-4371-8e77-d2aef7b9335c" providerId="ADAL" clId="{698B9AE8-7644-476B-9468-4E2B59B1B816}" dt="2025-01-27T20:10:06.768" v="6245" actId="729"/>
+        <pc:sldMkLst>
+          <pc:docMk/>
+          <pc:sldMk cId="3826494038" sldId="2147483447"/>
+        </pc:sldMkLst>
+      </pc:sldChg>
+      <pc:sldChg chg="mod modShow">
+        <pc:chgData name="Romain MILECKI" userId="53d3c05e-b504-4371-8e77-d2aef7b9335c" providerId="ADAL" clId="{698B9AE8-7644-476B-9468-4E2B59B1B816}" dt="2025-01-27T20:10:06.768" v="6245" actId="729"/>
+        <pc:sldMkLst>
+          <pc:docMk/>
+          <pc:sldMk cId="3927243092" sldId="2147483453"/>
+        </pc:sldMkLst>
+      </pc:sldChg>
+      <pc:sldChg chg="mod modShow">
+        <pc:chgData name="Romain MILECKI" userId="53d3c05e-b504-4371-8e77-d2aef7b9335c" providerId="ADAL" clId="{698B9AE8-7644-476B-9468-4E2B59B1B816}" dt="2025-01-27T20:10:06.768" v="6245" actId="729"/>
+        <pc:sldMkLst>
+          <pc:docMk/>
+          <pc:sldMk cId="3047155839" sldId="2147483462"/>
+        </pc:sldMkLst>
+      </pc:sldChg>
+      <pc:sldChg chg="mod modShow">
+        <pc:chgData name="Romain MILECKI" userId="53d3c05e-b504-4371-8e77-d2aef7b9335c" providerId="ADAL" clId="{698B9AE8-7644-476B-9468-4E2B59B1B816}" dt="2025-01-27T20:10:06.768" v="6245" actId="729"/>
+        <pc:sldMkLst>
+          <pc:docMk/>
+          <pc:sldMk cId="1154325928" sldId="2147483478"/>
+        </pc:sldMkLst>
+      </pc:sldChg>
+      <pc:sldChg chg="mod modShow">
+        <pc:chgData name="Romain MILECKI" userId="53d3c05e-b504-4371-8e77-d2aef7b9335c" providerId="ADAL" clId="{698B9AE8-7644-476B-9468-4E2B59B1B816}" dt="2025-01-27T20:10:06.768" v="6245" actId="729"/>
+        <pc:sldMkLst>
+          <pc:docMk/>
+          <pc:sldMk cId="2648409912" sldId="2147483514"/>
+        </pc:sldMkLst>
+      </pc:sldChg>
+      <pc:sldChg chg="mod modShow">
+        <pc:chgData name="Romain MILECKI" userId="53d3c05e-b504-4371-8e77-d2aef7b9335c" providerId="ADAL" clId="{698B9AE8-7644-476B-9468-4E2B59B1B816}" dt="2025-01-27T20:10:06.768" v="6245" actId="729"/>
+        <pc:sldMkLst>
+          <pc:docMk/>
+          <pc:sldMk cId="3724949963" sldId="2147483515"/>
+        </pc:sldMkLst>
+      </pc:sldChg>
+      <pc:sldChg chg="modSp mod modShow">
+        <pc:chgData name="Romain MILECKI" userId="53d3c05e-b504-4371-8e77-d2aef7b9335c" providerId="ADAL" clId="{698B9AE8-7644-476B-9468-4E2B59B1B816}" dt="2025-02-05T17:03:31.443" v="6332" actId="207"/>
+        <pc:sldMkLst>
+          <pc:docMk/>
+          <pc:sldMk cId="2056008740" sldId="2147483519"/>
+        </pc:sldMkLst>
+      </pc:sldChg>
+      <pc:sldChg chg="addSp modSp add mod ord modAnim modShow">
+        <pc:chgData name="Romain MILECKI" userId="53d3c05e-b504-4371-8e77-d2aef7b9335c" providerId="ADAL" clId="{698B9AE8-7644-476B-9468-4E2B59B1B816}" dt="2025-01-27T18:14:56.298" v="6133" actId="20577"/>
+        <pc:sldMkLst>
+          <pc:docMk/>
+          <pc:sldMk cId="1425089493" sldId="2147483520"/>
+        </pc:sldMkLst>
+      </pc:sldChg>
+      <pc:sldChg chg="addSp delSp modSp add mod ord">
+        <pc:chgData name="Romain MILECKI" userId="53d3c05e-b504-4371-8e77-d2aef7b9335c" providerId="ADAL" clId="{698B9AE8-7644-476B-9468-4E2B59B1B816}" dt="2025-01-16T10:54:24.342" v="137" actId="478"/>
+        <pc:sldMkLst>
+          <pc:docMk/>
+          <pc:sldMk cId="696696546" sldId="2147483521"/>
+        </pc:sldMkLst>
+      </pc:sldChg>
+      <pc:sldChg chg="addSp delSp modSp add mod modAnim modShow">
+        <pc:chgData name="Romain MILECKI" userId="53d3c05e-b504-4371-8e77-d2aef7b9335c" providerId="ADAL" clId="{698B9AE8-7644-476B-9468-4E2B59B1B816}" dt="2025-01-27T20:13:36.286" v="6293" actId="404"/>
+        <pc:sldMkLst>
+          <pc:docMk/>
+          <pc:sldMk cId="2312050107" sldId="2147483522"/>
+        </pc:sldMkLst>
+      </pc:sldChg>
+      <pc:sldChg chg="addSp delSp modSp add mod ord delAnim modAnim modShow modNotesTx">
+        <pc:chgData name="Romain MILECKI" userId="53d3c05e-b504-4371-8e77-d2aef7b9335c" providerId="ADAL" clId="{698B9AE8-7644-476B-9468-4E2B59B1B816}" dt="2025-01-27T17:36:28.187" v="6112" actId="478"/>
+        <pc:sldMkLst>
+          <pc:docMk/>
+          <pc:sldMk cId="2474122460" sldId="2147483523"/>
+        </pc:sldMkLst>
+      </pc:sldChg>
+      <pc:sldChg chg="modSp mod">
+        <pc:chgData name="Romain MILECKI" userId="53d3c05e-b504-4371-8e77-d2aef7b9335c" providerId="ADAL" clId="{698B9AE8-7644-476B-9468-4E2B59B1B816}" dt="2025-01-27T19:56:29.191" v="6209" actId="20577"/>
+        <pc:sldMkLst>
+          <pc:docMk/>
+          <pc:sldMk cId="2246678326" sldId="2147483526"/>
+        </pc:sldMkLst>
+      </pc:sldChg>
+      <pc:sldChg chg="addSp modSp add mod ord modAnim modShow">
+        <pc:chgData name="Romain MILECKI" userId="53d3c05e-b504-4371-8e77-d2aef7b9335c" providerId="ADAL" clId="{698B9AE8-7644-476B-9468-4E2B59B1B816}" dt="2025-01-21T16:11:37.476" v="347" actId="729"/>
+        <pc:sldMkLst>
+          <pc:docMk/>
+          <pc:sldMk cId="1176860781" sldId="2147483532"/>
+        </pc:sldMkLst>
+      </pc:sldChg>
+      <pc:sldChg chg="addSp delSp modSp add mod ord modAnim modNotesTx">
+        <pc:chgData name="Romain MILECKI" userId="53d3c05e-b504-4371-8e77-d2aef7b9335c" providerId="ADAL" clId="{698B9AE8-7644-476B-9468-4E2B59B1B816}" dt="2025-01-27T20:14:27.124" v="6311" actId="20577"/>
+        <pc:sldMkLst>
+          <pc:docMk/>
+          <pc:sldMk cId="4213513957" sldId="2147483533"/>
+        </pc:sldMkLst>
+      </pc:sldChg>
+      <pc:sldChg chg="modSp mod">
+        <pc:chgData name="Romain MILECKI" userId="53d3c05e-b504-4371-8e77-d2aef7b9335c" providerId="ADAL" clId="{698B9AE8-7644-476B-9468-4E2B59B1B816}" dt="2025-01-26T18:36:41.628" v="3326" actId="20577"/>
+        <pc:sldMkLst>
+          <pc:docMk/>
+          <pc:sldMk cId="4133866324" sldId="2147483540"/>
+        </pc:sldMkLst>
+      </pc:sldChg>
+      <pc:sldChg chg="modSp mod">
+        <pc:chgData name="Romain MILECKI" userId="53d3c05e-b504-4371-8e77-d2aef7b9335c" providerId="ADAL" clId="{698B9AE8-7644-476B-9468-4E2B59B1B816}" dt="2025-01-27T20:07:02.582" v="6242" actId="20577"/>
+        <pc:sldMkLst>
+          <pc:docMk/>
+          <pc:sldMk cId="12490850" sldId="2147483542"/>
+        </pc:sldMkLst>
+      </pc:sldChg>
+      <pc:sldChg chg="addSp delSp modSp new del mod">
+        <pc:chgData name="Romain MILECKI" userId="53d3c05e-b504-4371-8e77-d2aef7b9335c" providerId="ADAL" clId="{698B9AE8-7644-476B-9468-4E2B59B1B816}" dt="2025-01-27T18:16:23.429" v="6173" actId="47"/>
+        <pc:sldMkLst>
+          <pc:docMk/>
+          <pc:sldMk cId="3060045808" sldId="2147483569"/>
+        </pc:sldMkLst>
+      </pc:sldChg>
+      <pc:sldChg chg="addSp delSp modSp add mod ord modAnim modNotesTx">
+        <pc:chgData name="Romain MILECKI" userId="53d3c05e-b504-4371-8e77-d2aef7b9335c" providerId="ADAL" clId="{698B9AE8-7644-476B-9468-4E2B59B1B816}" dt="2025-01-26T19:54:18.169" v="5640"/>
+        <pc:sldMkLst>
+          <pc:docMk/>
+          <pc:sldMk cId="534803942" sldId="2147483570"/>
+        </pc:sldMkLst>
+      </pc:sldChg>
+      <pc:sldChg chg="addSp delSp modSp add del mod ord modShow">
+        <pc:chgData name="Romain MILECKI" userId="53d3c05e-b504-4371-8e77-d2aef7b9335c" providerId="ADAL" clId="{698B9AE8-7644-476B-9468-4E2B59B1B816}" dt="2025-01-27T09:51:06.359" v="5677" actId="47"/>
+        <pc:sldMkLst>
+          <pc:docMk/>
+          <pc:sldMk cId="1035214269" sldId="2147483571"/>
+        </pc:sldMkLst>
+      </pc:sldChg>
+      <pc:sldChg chg="modSp mod">
+        <pc:chgData name="Romain MILECKI" userId="53d3c05e-b504-4371-8e77-d2aef7b9335c" providerId="ADAL" clId="{698B9AE8-7644-476B-9468-4E2B59B1B816}" dt="2025-01-27T20:03:34.946" v="6229" actId="20577"/>
+        <pc:sldMkLst>
+          <pc:docMk/>
+          <pc:sldMk cId="992121836" sldId="2147483580"/>
+        </pc:sldMkLst>
+      </pc:sldChg>
+    </pc:docChg>
+  </pc:docChgLst>
+  <pc:docChgLst>
+    <pc:chgData name="Ambre SONOR" userId="S::asonor@lemonway.com::020792ae-fc4a-47d7-9e18-119d3ce04a29" providerId="AD" clId="Web-{4D18B488-37D8-3D51-D12A-741AA4A67C4E}"/>
+    <pc:docChg chg="addSld delSld modSld">
+      <pc:chgData name="Ambre SONOR" userId="S::asonor@lemonway.com::020792ae-fc4a-47d7-9e18-119d3ce04a29" providerId="AD" clId="Web-{4D18B488-37D8-3D51-D12A-741AA4A67C4E}" dt="2025-01-26T15:23:02.818" v="61" actId="20577"/>
+      <pc:docMkLst>
+        <pc:docMk/>
+      </pc:docMkLst>
+      <pc:sldChg chg="add del">
+        <pc:chgData name="Ambre SONOR" userId="S::asonor@lemonway.com::020792ae-fc4a-47d7-9e18-119d3ce04a29" providerId="AD" clId="Web-{4D18B488-37D8-3D51-D12A-741AA4A67C4E}" dt="2025-01-26T15:13:21.561" v="18"/>
+        <pc:sldMkLst>
+          <pc:docMk/>
+          <pc:sldMk cId="1650262097" sldId="551"/>
+        </pc:sldMkLst>
+      </pc:sldChg>
+      <pc:sldChg chg="del">
+        <pc:chgData name="Ambre SONOR" userId="S::asonor@lemonway.com::020792ae-fc4a-47d7-9e18-119d3ce04a29" providerId="AD" clId="Web-{4D18B488-37D8-3D51-D12A-741AA4A67C4E}" dt="2025-01-26T15:13:21.592" v="24"/>
+        <pc:sldMkLst>
+          <pc:docMk/>
+          <pc:sldMk cId="2736715337" sldId="2147483489"/>
+        </pc:sldMkLst>
+      </pc:sldChg>
+      <pc:sldChg chg="del">
+        <pc:chgData name="Ambre SONOR" userId="S::asonor@lemonway.com::020792ae-fc4a-47d7-9e18-119d3ce04a29" providerId="AD" clId="Web-{4D18B488-37D8-3D51-D12A-741AA4A67C4E}" dt="2025-01-26T15:12:15.746" v="3"/>
+        <pc:sldMkLst>
+          <pc:docMk/>
+          <pc:sldMk cId="3775625005" sldId="2147483557"/>
+        </pc:sldMkLst>
+      </pc:sldChg>
+      <pc:sldChg chg="add del">
+        <pc:chgData name="Ambre SONOR" userId="S::asonor@lemonway.com::020792ae-fc4a-47d7-9e18-119d3ce04a29" providerId="AD" clId="Web-{4D18B488-37D8-3D51-D12A-741AA4A67C4E}" dt="2025-01-26T15:13:21.592" v="23"/>
+        <pc:sldMkLst>
+          <pc:docMk/>
+          <pc:sldMk cId="4013152853" sldId="2147483557"/>
+        </pc:sldMkLst>
+      </pc:sldChg>
+      <pc:sldChg chg="add del">
+        <pc:chgData name="Ambre SONOR" userId="S::asonor@lemonway.com::020792ae-fc4a-47d7-9e18-119d3ce04a29" providerId="AD" clId="Web-{4D18B488-37D8-3D51-D12A-741AA4A67C4E}" dt="2025-01-26T15:13:21.592" v="22"/>
+        <pc:sldMkLst>
+          <pc:docMk/>
+          <pc:sldMk cId="1037370704" sldId="2147483558"/>
+        </pc:sldMkLst>
+      </pc:sldChg>
+      <pc:sldChg chg="del">
+        <pc:chgData name="Ambre SONOR" userId="S::asonor@lemonway.com::020792ae-fc4a-47d7-9e18-119d3ce04a29" providerId="AD" clId="Web-{4D18B488-37D8-3D51-D12A-741AA4A67C4E}" dt="2025-01-26T15:12:15.746" v="4"/>
+        <pc:sldMkLst>
+          <pc:docMk/>
+          <pc:sldMk cId="1144274074" sldId="2147483558"/>
+        </pc:sldMkLst>
+      </pc:sldChg>
+      <pc:sldChg chg="del">
+        <pc:chgData name="Ambre SONOR" userId="S::asonor@lemonway.com::020792ae-fc4a-47d7-9e18-119d3ce04a29" providerId="AD" clId="Web-{4D18B488-37D8-3D51-D12A-741AA4A67C4E}" dt="2025-01-26T15:12:15.746" v="2"/>
+        <pc:sldMkLst>
+          <pc:docMk/>
+          <pc:sldMk cId="1608452827" sldId="2147483559"/>
+        </pc:sldMkLst>
+      </pc:sldChg>
+      <pc:sldChg chg="add del">
+        <pc:chgData name="Ambre SONOR" userId="S::asonor@lemonway.com::020792ae-fc4a-47d7-9e18-119d3ce04a29" providerId="AD" clId="Web-{4D18B488-37D8-3D51-D12A-741AA4A67C4E}" dt="2025-01-26T15:13:21.592" v="21"/>
+        <pc:sldMkLst>
+          <pc:docMk/>
+          <pc:sldMk cId="3846675213" sldId="2147483559"/>
+        </pc:sldMkLst>
+      </pc:sldChg>
+      <pc:sldChg chg="del">
+        <pc:chgData name="Ambre SONOR" userId="S::asonor@lemonway.com::020792ae-fc4a-47d7-9e18-119d3ce04a29" providerId="AD" clId="Web-{4D18B488-37D8-3D51-D12A-741AA4A67C4E}" dt="2025-01-26T15:12:15.730" v="1"/>
+        <pc:sldMkLst>
+          <pc:docMk/>
+          <pc:sldMk cId="2840109025" sldId="2147483560"/>
+        </pc:sldMkLst>
+      </pc:sldChg>
+      <pc:sldChg chg="add del">
+        <pc:chgData name="Ambre SONOR" userId="S::asonor@lemonway.com::020792ae-fc4a-47d7-9e18-119d3ce04a29" providerId="AD" clId="Web-{4D18B488-37D8-3D51-D12A-741AA4A67C4E}" dt="2025-01-26T15:13:21.576" v="20"/>
+        <pc:sldMkLst>
+          <pc:docMk/>
+          <pc:sldMk cId="3092354881" sldId="2147483560"/>
+        </pc:sldMkLst>
+      </pc:sldChg>
+      <pc:sldChg chg="add del">
+        <pc:chgData name="Ambre SONOR" userId="S::asonor@lemonway.com::020792ae-fc4a-47d7-9e18-119d3ce04a29" providerId="AD" clId="Web-{4D18B488-37D8-3D51-D12A-741AA4A67C4E}" dt="2025-01-26T15:13:21.576" v="19"/>
+        <pc:sldMkLst>
+          <pc:docMk/>
+          <pc:sldMk cId="2402982292" sldId="2147483561"/>
+        </pc:sldMkLst>
+      </pc:sldChg>
+      <pc:sldChg chg="add replId">
+        <pc:chgData name="Ambre SONOR" userId="S::asonor@lemonway.com::020792ae-fc4a-47d7-9e18-119d3ce04a29" providerId="AD" clId="Web-{4D18B488-37D8-3D51-D12A-741AA4A67C4E}" dt="2025-01-26T15:13:12.576" v="11"/>
+        <pc:sldMkLst>
+          <pc:docMk/>
+          <pc:sldMk cId="1289184987" sldId="2147483562"/>
+        </pc:sldMkLst>
+      </pc:sldChg>
+      <pc:sldChg chg="add replId">
+        <pc:chgData name="Ambre SONOR" userId="S::asonor@lemonway.com::020792ae-fc4a-47d7-9e18-119d3ce04a29" providerId="AD" clId="Web-{4D18B488-37D8-3D51-D12A-741AA4A67C4E}" dt="2025-01-26T15:13:12.717" v="12"/>
+        <pc:sldMkLst>
+          <pc:docMk/>
+          <pc:sldMk cId="1404434608" sldId="2147483563"/>
+        </pc:sldMkLst>
+      </pc:sldChg>
+      <pc:sldChg chg="add replId">
+        <pc:chgData name="Ambre SONOR" userId="S::asonor@lemonway.com::020792ae-fc4a-47d7-9e18-119d3ce04a29" providerId="AD" clId="Web-{4D18B488-37D8-3D51-D12A-741AA4A67C4E}" dt="2025-01-26T15:13:12.826" v="13"/>
+        <pc:sldMkLst>
+          <pc:docMk/>
+          <pc:sldMk cId="2755047218" sldId="2147483564"/>
+        </pc:sldMkLst>
+      </pc:sldChg>
+      <pc:sldChg chg="modSp add replId">
+        <pc:chgData name="Ambre SONOR" userId="S::asonor@lemonway.com::020792ae-fc4a-47d7-9e18-119d3ce04a29" providerId="AD" clId="Web-{4D18B488-37D8-3D51-D12A-741AA4A67C4E}" dt="2025-01-26T15:23:02.818" v="61" actId="20577"/>
+        <pc:sldMkLst>
+          <pc:docMk/>
+          <pc:sldMk cId="2235345609" sldId="2147483565"/>
+        </pc:sldMkLst>
+      </pc:sldChg>
+      <pc:sldChg chg="add replId">
+        <pc:chgData name="Ambre SONOR" userId="S::asonor@lemonway.com::020792ae-fc4a-47d7-9e18-119d3ce04a29" providerId="AD" clId="Web-{4D18B488-37D8-3D51-D12A-741AA4A67C4E}" dt="2025-01-26T15:13:13.217" v="15"/>
+        <pc:sldMkLst>
+          <pc:docMk/>
+          <pc:sldMk cId="256682989" sldId="2147483566"/>
+        </pc:sldMkLst>
+      </pc:sldChg>
+      <pc:sldChg chg="addSp delSp modSp add replId">
+        <pc:chgData name="Ambre SONOR" userId="S::asonor@lemonway.com::020792ae-fc4a-47d7-9e18-119d3ce04a29" providerId="AD" clId="Web-{4D18B488-37D8-3D51-D12A-741AA4A67C4E}" dt="2025-01-26T15:22:43.240" v="59"/>
+        <pc:sldMkLst>
+          <pc:docMk/>
+          <pc:sldMk cId="3463449161" sldId="2147483567"/>
+        </pc:sldMkLst>
+      </pc:sldChg>
+      <pc:sldChg chg="add replId">
+        <pc:chgData name="Ambre SONOR" userId="S::asonor@lemonway.com::020792ae-fc4a-47d7-9e18-119d3ce04a29" providerId="AD" clId="Web-{4D18B488-37D8-3D51-D12A-741AA4A67C4E}" dt="2025-01-26T15:13:13.420" v="17"/>
+        <pc:sldMkLst>
+          <pc:docMk/>
+          <pc:sldMk cId="3993681143" sldId="2147483568"/>
+        </pc:sldMkLst>
+      </pc:sldChg>
+    </pc:docChg>
+  </pc:docChgLst>
+  <pc:docChgLst>
+    <pc:chgData name="Ambre SONOR" userId="S::asonor@lemonway.com::020792ae-fc4a-47d7-9e18-119d3ce04a29" providerId="AD" clId="Web-{3D15ABCA-DE2B-6C39-94C0-B697A87C14F8}"/>
+    <pc:docChg chg="addSld modSld sldOrd">
+      <pc:chgData name="Ambre SONOR" userId="S::asonor@lemonway.com::020792ae-fc4a-47d7-9e18-119d3ce04a29" providerId="AD" clId="Web-{3D15ABCA-DE2B-6C39-94C0-B697A87C14F8}" dt="2025-01-27T16:09:25.388" v="9" actId="14100"/>
+      <pc:docMkLst>
+        <pc:docMk/>
+      </pc:docMkLst>
+      <pc:sldChg chg="add">
+        <pc:chgData name="Ambre SONOR" userId="S::asonor@lemonway.com::020792ae-fc4a-47d7-9e18-119d3ce04a29" providerId="AD" clId="Web-{3D15ABCA-DE2B-6C39-94C0-B697A87C14F8}" dt="2025-01-26T14:31:44.819" v="4"/>
+        <pc:sldMkLst>
+          <pc:docMk/>
+          <pc:sldMk cId="1650262097" sldId="551"/>
+        </pc:sldMkLst>
+      </pc:sldChg>
+      <pc:sldChg chg="modSp">
+        <pc:chgData name="Ambre SONOR" userId="S::asonor@lemonway.com::020792ae-fc4a-47d7-9e18-119d3ce04a29" providerId="AD" clId="Web-{3D15ABCA-DE2B-6C39-94C0-B697A87C14F8}" dt="2025-01-27T16:09:25.388" v="9" actId="14100"/>
         <pc:sldMkLst>
           <pc:docMk/>
           <pc:sldMk cId="1260531968" sldId="2147483524"/>
         </pc:sldMkLst>
       </pc:sldChg>
-      <pc:sldChg chg="addSp modSp">
-        <pc:chgData name="Martin-Pierre GAULTIER" userId="S::mpgaultier@lemonway.com::0415e4a0-177e-4c12-b0e5-1f7bc3cae49f" providerId="AD" clId="Web-{BAA7B3D3-4CEA-FBD7-03BF-9B5CD847D190}" dt="2025-01-23T12:35:23.159" v="327" actId="1076"/>
-        <pc:sldMkLst>
-          <pc:docMk/>
-          <pc:sldMk cId="3207649941" sldId="2147483525"/>
-        </pc:sldMkLst>
-      </pc:sldChg>
-      <pc:sldChg chg="addSp modSp">
-        <pc:chgData name="Martin-Pierre GAULTIER" userId="S::mpgaultier@lemonway.com::0415e4a0-177e-4c12-b0e5-1f7bc3cae49f" providerId="AD" clId="Web-{BAA7B3D3-4CEA-FBD7-03BF-9B5CD847D190}" dt="2025-01-23T12:39:48.238" v="535"/>
-        <pc:sldMkLst>
-          <pc:docMk/>
-          <pc:sldMk cId="2246678326" sldId="2147483526"/>
-        </pc:sldMkLst>
-      </pc:sldChg>
+      <pc:sldChg chg="add">
+        <pc:chgData name="Ambre SONOR" userId="S::asonor@lemonway.com::020792ae-fc4a-47d7-9e18-119d3ce04a29" providerId="AD" clId="Web-{3D15ABCA-DE2B-6C39-94C0-B697A87C14F8}" dt="2025-01-26T14:31:44.710" v="0"/>
+        <pc:sldMkLst>
+          <pc:docMk/>
+          <pc:sldMk cId="3775625005" sldId="2147483557"/>
+        </pc:sldMkLst>
+      </pc:sldChg>
+      <pc:sldChg chg="add ord">
+        <pc:chgData name="Ambre SONOR" userId="S::asonor@lemonway.com::020792ae-fc4a-47d7-9e18-119d3ce04a29" providerId="AD" clId="Web-{3D15ABCA-DE2B-6C39-94C0-B697A87C14F8}" dt="2025-01-26T14:33:24.589" v="5"/>
+        <pc:sldMkLst>
+          <pc:docMk/>
+          <pc:sldMk cId="1144274074" sldId="2147483558"/>
+        </pc:sldMkLst>
+      </pc:sldChg>
+      <pc:sldChg chg="add">
+        <pc:chgData name="Ambre SONOR" userId="S::asonor@lemonway.com::020792ae-fc4a-47d7-9e18-119d3ce04a29" providerId="AD" clId="Web-{3D15ABCA-DE2B-6C39-94C0-B697A87C14F8}" dt="2025-01-26T14:31:44.757" v="2"/>
+        <pc:sldMkLst>
+          <pc:docMk/>
+          <pc:sldMk cId="1608452827" sldId="2147483559"/>
+        </pc:sldMkLst>
+      </pc:sldChg>
+      <pc:sldChg chg="add">
+        <pc:chgData name="Ambre SONOR" userId="S::asonor@lemonway.com::020792ae-fc4a-47d7-9e18-119d3ce04a29" providerId="AD" clId="Web-{3D15ABCA-DE2B-6C39-94C0-B697A87C14F8}" dt="2025-01-26T14:31:44.788" v="3"/>
+        <pc:sldMkLst>
+          <pc:docMk/>
+          <pc:sldMk cId="2840109025" sldId="2147483560"/>
+        </pc:sldMkLst>
+      </pc:sldChg>
+    </pc:docChg>
+  </pc:docChgLst>
+  <pc:docChgLst>
+    <pc:chgData name="Ludovic CIANNARELLA" userId="S::lciannarella@lemonway.com::f6c2df24-67a3-480d-9a94-03b4fbd1471c" providerId="AD" clId="Web-{5CAC2E96-BECC-677B-75E9-634AE2E57B4A}"/>
+    <pc:docChg chg="mod modSld">
+      <pc:chgData name="Ludovic CIANNARELLA" userId="S::lciannarella@lemonway.com::f6c2df24-67a3-480d-9a94-03b4fbd1471c" providerId="AD" clId="Web-{5CAC2E96-BECC-677B-75E9-634AE2E57B4A}" dt="2025-01-27T07:12:50.262" v="491"/>
+      <pc:docMkLst>
+        <pc:docMk/>
+      </pc:docMkLst>
       <pc:sldChg chg="addSp delSp modSp">
-        <pc:chgData name="Martin-Pierre GAULTIER" userId="S::mpgaultier@lemonway.com::0415e4a0-177e-4c12-b0e5-1f7bc3cae49f" providerId="AD" clId="Web-{BAA7B3D3-4CEA-FBD7-03BF-9B5CD847D190}" dt="2025-01-23T12:56:28.790" v="717" actId="20577"/>
-        <pc:sldMkLst>
-          <pc:docMk/>
-          <pc:sldMk cId="4251313692" sldId="2147483528"/>
-        </pc:sldMkLst>
-      </pc:sldChg>
-      <pc:sldChg chg="delSp modSp">
-        <pc:chgData name="Martin-Pierre GAULTIER" userId="S::mpgaultier@lemonway.com::0415e4a0-177e-4c12-b0e5-1f7bc3cae49f" providerId="AD" clId="Web-{BAA7B3D3-4CEA-FBD7-03BF-9B5CD847D190}" dt="2025-01-23T12:56:11.618" v="689" actId="20577"/>
-        <pc:sldMkLst>
-          <pc:docMk/>
-          <pc:sldMk cId="1326845705" sldId="2147483529"/>
-        </pc:sldMkLst>
-      </pc:sldChg>
-      <pc:sldChg chg="addSp modSp ord">
-        <pc:chgData name="Martin-Pierre GAULTIER" userId="S::mpgaultier@lemonway.com::0415e4a0-177e-4c12-b0e5-1f7bc3cae49f" providerId="AD" clId="Web-{BAA7B3D3-4CEA-FBD7-03BF-9B5CD847D190}" dt="2025-01-23T14:05:59.281" v="718" actId="20577"/>
-        <pc:sldMkLst>
-          <pc:docMk/>
-          <pc:sldMk cId="1584612849" sldId="2147483531"/>
+        <pc:chgData name="Ludovic CIANNARELLA" userId="S::lciannarella@lemonway.com::f6c2df24-67a3-480d-9a94-03b4fbd1471c" providerId="AD" clId="Web-{5CAC2E96-BECC-677B-75E9-634AE2E57B4A}" dt="2025-01-27T07:12:01.318" v="490" actId="20577"/>
+        <pc:sldMkLst>
+          <pc:docMk/>
+          <pc:sldMk cId="3141618727" sldId="2147483543"/>
         </pc:sldMkLst>
       </pc:sldChg>
     </pc:docChg>
@@ -996,495 +1442,17 @@
     </pc:docChg>
   </pc:docChgLst>
   <pc:docChgLst>
-    <pc:chgData name="Matthieu BRIEND" userId="S::mbriend@lemonway.com::f43b7032-540d-4661-9645-e17125bf3d76" providerId="AD" clId="Web-{3A68BF28-9D63-1709-307F-9A042DD1F4DA}"/>
-    <pc:docChg chg="addSld delSld modSld sldOrd">
-      <pc:chgData name="Matthieu BRIEND" userId="S::mbriend@lemonway.com::f43b7032-540d-4661-9645-e17125bf3d76" providerId="AD" clId="Web-{3A68BF28-9D63-1709-307F-9A042DD1F4DA}" dt="2025-01-25T15:19:30.976" v="2447" actId="1076"/>
-      <pc:docMkLst>
-        <pc:docMk/>
-      </pc:docMkLst>
-      <pc:sldChg chg="addSp delSp modSp">
-        <pc:chgData name="Matthieu BRIEND" userId="S::mbriend@lemonway.com::f43b7032-540d-4661-9645-e17125bf3d76" providerId="AD" clId="Web-{3A68BF28-9D63-1709-307F-9A042DD1F4DA}" dt="2025-01-25T10:02:41.461" v="265"/>
-        <pc:sldMkLst>
-          <pc:docMk/>
-          <pc:sldMk cId="1605751462" sldId="529"/>
-        </pc:sldMkLst>
-      </pc:sldChg>
-      <pc:sldChg chg="addSp delSp modSp del ord">
-        <pc:chgData name="Matthieu BRIEND" userId="S::mbriend@lemonway.com::f43b7032-540d-4661-9645-e17125bf3d76" providerId="AD" clId="Web-{3A68BF28-9D63-1709-307F-9A042DD1F4DA}" dt="2025-01-25T14:25:48.901" v="2179"/>
-        <pc:sldMkLst>
-          <pc:docMk/>
-          <pc:sldMk cId="2478739768" sldId="2147483534"/>
-        </pc:sldMkLst>
-      </pc:sldChg>
-      <pc:sldChg chg="addSp delSp modSp">
-        <pc:chgData name="Matthieu BRIEND" userId="S::mbriend@lemonway.com::f43b7032-540d-4661-9645-e17125bf3d76" providerId="AD" clId="Web-{3A68BF28-9D63-1709-307F-9A042DD1F4DA}" dt="2025-01-25T15:04:58.708" v="2407" actId="20577"/>
-        <pc:sldMkLst>
-          <pc:docMk/>
-          <pc:sldMk cId="3613313698" sldId="2147483536"/>
-        </pc:sldMkLst>
-      </pc:sldChg>
-      <pc:sldChg chg="modSp">
-        <pc:chgData name="Matthieu BRIEND" userId="S::mbriend@lemonway.com::f43b7032-540d-4661-9645-e17125bf3d76" providerId="AD" clId="Web-{3A68BF28-9D63-1709-307F-9A042DD1F4DA}" dt="2025-01-25T13:33:05.565" v="1825" actId="20577"/>
-        <pc:sldMkLst>
-          <pc:docMk/>
-          <pc:sldMk cId="3330874013" sldId="2147483537"/>
-        </pc:sldMkLst>
-      </pc:sldChg>
-      <pc:sldChg chg="addSp delSp modSp del">
-        <pc:chgData name="Matthieu BRIEND" userId="S::mbriend@lemonway.com::f43b7032-540d-4661-9645-e17125bf3d76" providerId="AD" clId="Web-{3A68BF28-9D63-1709-307F-9A042DD1F4DA}" dt="2025-01-25T11:49:51.561" v="997"/>
-        <pc:sldMkLst>
-          <pc:docMk/>
-          <pc:sldMk cId="2996027476" sldId="2147483538"/>
-        </pc:sldMkLst>
-      </pc:sldChg>
-      <pc:sldChg chg="addSp delSp modSp add del replId">
-        <pc:chgData name="Matthieu BRIEND" userId="S::mbriend@lemonway.com::f43b7032-540d-4661-9645-e17125bf3d76" providerId="AD" clId="Web-{3A68BF28-9D63-1709-307F-9A042DD1F4DA}" dt="2025-01-25T12:48:00.362" v="1157"/>
-        <pc:sldMkLst>
-          <pc:docMk/>
-          <pc:sldMk cId="536582585" sldId="2147483544"/>
-        </pc:sldMkLst>
-      </pc:sldChg>
-      <pc:sldChg chg="addSp delSp modSp add replId">
-        <pc:chgData name="Matthieu BRIEND" userId="S::mbriend@lemonway.com::f43b7032-540d-4661-9645-e17125bf3d76" providerId="AD" clId="Web-{3A68BF28-9D63-1709-307F-9A042DD1F4DA}" dt="2025-01-25T15:19:30.976" v="2447" actId="1076"/>
-        <pc:sldMkLst>
-          <pc:docMk/>
-          <pc:sldMk cId="538564091" sldId="2147483545"/>
-        </pc:sldMkLst>
-      </pc:sldChg>
-      <pc:sldChg chg="addSp delSp modSp add replId">
-        <pc:chgData name="Matthieu BRIEND" userId="S::mbriend@lemonway.com::f43b7032-540d-4661-9645-e17125bf3d76" providerId="AD" clId="Web-{3A68BF28-9D63-1709-307F-9A042DD1F4DA}" dt="2025-01-25T15:18:14.722" v="2435"/>
-        <pc:sldMkLst>
-          <pc:docMk/>
-          <pc:sldMk cId="323720210" sldId="2147483546"/>
-        </pc:sldMkLst>
-      </pc:sldChg>
-      <pc:sldChg chg="addSp delSp modSp add replId">
-        <pc:chgData name="Matthieu BRIEND" userId="S::mbriend@lemonway.com::f43b7032-540d-4661-9645-e17125bf3d76" providerId="AD" clId="Web-{3A68BF28-9D63-1709-307F-9A042DD1F4DA}" dt="2025-01-25T15:17:52.392" v="2433" actId="1076"/>
-        <pc:sldMkLst>
-          <pc:docMk/>
-          <pc:sldMk cId="819472479" sldId="2147483547"/>
-        </pc:sldMkLst>
-      </pc:sldChg>
-      <pc:sldChg chg="modSp add del ord replId">
-        <pc:chgData name="Matthieu BRIEND" userId="S::mbriend@lemonway.com::f43b7032-540d-4661-9645-e17125bf3d76" providerId="AD" clId="Web-{3A68BF28-9D63-1709-307F-9A042DD1F4DA}" dt="2025-01-25T12:52:10.315" v="1176"/>
-        <pc:sldMkLst>
-          <pc:docMk/>
-          <pc:sldMk cId="894704204" sldId="2147483548"/>
-        </pc:sldMkLst>
-      </pc:sldChg>
-      <pc:sldChg chg="addSp delSp modSp add replId">
-        <pc:chgData name="Matthieu BRIEND" userId="S::mbriend@lemonway.com::f43b7032-540d-4661-9645-e17125bf3d76" providerId="AD" clId="Web-{3A68BF28-9D63-1709-307F-9A042DD1F4DA}" dt="2025-01-25T15:00:54.365" v="2386"/>
-        <pc:sldMkLst>
-          <pc:docMk/>
-          <pc:sldMk cId="3713441185" sldId="2147483549"/>
-        </pc:sldMkLst>
-      </pc:sldChg>
-      <pc:sldChg chg="addSp delSp modSp add replId">
-        <pc:chgData name="Matthieu BRIEND" userId="S::mbriend@lemonway.com::f43b7032-540d-4661-9645-e17125bf3d76" providerId="AD" clId="Web-{3A68BF28-9D63-1709-307F-9A042DD1F4DA}" dt="2025-01-25T15:19:02.881" v="2443" actId="1076"/>
-        <pc:sldMkLst>
-          <pc:docMk/>
-          <pc:sldMk cId="3514001501" sldId="2147483550"/>
-        </pc:sldMkLst>
-      </pc:sldChg>
-      <pc:sldChg chg="modSp add replId">
-        <pc:chgData name="Matthieu BRIEND" userId="S::mbriend@lemonway.com::f43b7032-540d-4661-9645-e17125bf3d76" providerId="AD" clId="Web-{3A68BF28-9D63-1709-307F-9A042DD1F4DA}" dt="2025-01-25T12:52:03.455" v="1175" actId="20577"/>
-        <pc:sldMkLst>
-          <pc:docMk/>
-          <pc:sldMk cId="3947401979" sldId="2147483551"/>
-        </pc:sldMkLst>
-      </pc:sldChg>
-      <pc:sldChg chg="modSp add replId">
-        <pc:chgData name="Matthieu BRIEND" userId="S::mbriend@lemonway.com::f43b7032-540d-4661-9645-e17125bf3d76" providerId="AD" clId="Web-{3A68BF28-9D63-1709-307F-9A042DD1F4DA}" dt="2025-01-25T14:04:13.040" v="1981" actId="20577"/>
-        <pc:sldMkLst>
-          <pc:docMk/>
-          <pc:sldMk cId="237779500" sldId="2147483552"/>
-        </pc:sldMkLst>
-      </pc:sldChg>
-      <pc:sldChg chg="addSp delSp modSp add replId">
-        <pc:chgData name="Matthieu BRIEND" userId="S::mbriend@lemonway.com::f43b7032-540d-4661-9645-e17125bf3d76" providerId="AD" clId="Web-{3A68BF28-9D63-1709-307F-9A042DD1F4DA}" dt="2025-01-25T13:29:27.708" v="1768" actId="20577"/>
-        <pc:sldMkLst>
-          <pc:docMk/>
-          <pc:sldMk cId="3834754012" sldId="2147483553"/>
-        </pc:sldMkLst>
-      </pc:sldChg>
-      <pc:sldChg chg="addSp delSp modSp add replId">
-        <pc:chgData name="Matthieu BRIEND" userId="S::mbriend@lemonway.com::f43b7032-540d-4661-9645-e17125bf3d76" providerId="AD" clId="Web-{3A68BF28-9D63-1709-307F-9A042DD1F4DA}" dt="2025-01-25T14:59:43.361" v="2385" actId="1076"/>
-        <pc:sldMkLst>
-          <pc:docMk/>
-          <pc:sldMk cId="2159616718" sldId="2147483554"/>
-        </pc:sldMkLst>
-      </pc:sldChg>
-      <pc:sldChg chg="modSp add del replId">
-        <pc:chgData name="Matthieu BRIEND" userId="S::mbriend@lemonway.com::f43b7032-540d-4661-9645-e17125bf3d76" providerId="AD" clId="Web-{3A68BF28-9D63-1709-307F-9A042DD1F4DA}" dt="2025-01-25T13:59:39.285" v="1918"/>
-        <pc:sldMkLst>
-          <pc:docMk/>
-          <pc:sldMk cId="4043880489" sldId="2147483554"/>
-        </pc:sldMkLst>
-      </pc:sldChg>
-    </pc:docChg>
-  </pc:docChgLst>
-  <pc:docChgLst>
-    <pc:chgData name="Matthieu BRIEND" userId="S::mbriend@lemonway.com::f43b7032-540d-4661-9645-e17125bf3d76" providerId="AD" clId="Web-{BC03D997-70C9-6060-AD01-703FF4DE0332}"/>
-    <pc:docChg chg="addSld delSld modSld">
-      <pc:chgData name="Matthieu BRIEND" userId="S::mbriend@lemonway.com::f43b7032-540d-4661-9645-e17125bf3d76" providerId="AD" clId="Web-{BC03D997-70C9-6060-AD01-703FF4DE0332}" dt="2025-01-25T15:45:00.778" v="119"/>
-      <pc:docMkLst>
-        <pc:docMk/>
-      </pc:docMkLst>
-      <pc:sldChg chg="addSp delSp modSp">
-        <pc:chgData name="Matthieu BRIEND" userId="S::mbriend@lemonway.com::f43b7032-540d-4661-9645-e17125bf3d76" providerId="AD" clId="Web-{BC03D997-70C9-6060-AD01-703FF4DE0332}" dt="2025-01-25T15:25:48.500" v="49"/>
-        <pc:sldMkLst>
-          <pc:docMk/>
-          <pc:sldMk cId="538564091" sldId="2147483545"/>
-        </pc:sldMkLst>
-      </pc:sldChg>
-      <pc:sldChg chg="addSp delSp modSp">
-        <pc:chgData name="Matthieu BRIEND" userId="S::mbriend@lemonway.com::f43b7032-540d-4661-9645-e17125bf3d76" providerId="AD" clId="Web-{BC03D997-70C9-6060-AD01-703FF4DE0332}" dt="2025-01-25T15:25:41.484" v="48"/>
-        <pc:sldMkLst>
-          <pc:docMk/>
-          <pc:sldMk cId="323720210" sldId="2147483546"/>
-        </pc:sldMkLst>
-      </pc:sldChg>
-      <pc:sldChg chg="modSp">
-        <pc:chgData name="Matthieu BRIEND" userId="S::mbriend@lemonway.com::f43b7032-540d-4661-9645-e17125bf3d76" providerId="AD" clId="Web-{BC03D997-70C9-6060-AD01-703FF4DE0332}" dt="2025-01-25T15:25:34.452" v="46" actId="1076"/>
-        <pc:sldMkLst>
-          <pc:docMk/>
-          <pc:sldMk cId="819472479" sldId="2147483547"/>
-        </pc:sldMkLst>
-      </pc:sldChg>
-      <pc:sldChg chg="addSp delSp modSp">
-        <pc:chgData name="Matthieu BRIEND" userId="S::mbriend@lemonway.com::f43b7032-540d-4661-9645-e17125bf3d76" providerId="AD" clId="Web-{BC03D997-70C9-6060-AD01-703FF4DE0332}" dt="2025-01-25T15:25:54.031" v="50"/>
-        <pc:sldMkLst>
-          <pc:docMk/>
-          <pc:sldMk cId="3514001501" sldId="2147483550"/>
-        </pc:sldMkLst>
-      </pc:sldChg>
-      <pc:sldChg chg="addSp delSp modSp">
-        <pc:chgData name="Matthieu BRIEND" userId="S::mbriend@lemonway.com::f43b7032-540d-4661-9645-e17125bf3d76" providerId="AD" clId="Web-{BC03D997-70C9-6060-AD01-703FF4DE0332}" dt="2025-01-25T15:37:40.071" v="103" actId="1076"/>
-        <pc:sldMkLst>
-          <pc:docMk/>
-          <pc:sldMk cId="2159616718" sldId="2147483554"/>
-        </pc:sldMkLst>
-      </pc:sldChg>
-      <pc:sldChg chg="addSp delSp modSp add del replId">
-        <pc:chgData name="Matthieu BRIEND" userId="S::mbriend@lemonway.com::f43b7032-540d-4661-9645-e17125bf3d76" providerId="AD" clId="Web-{BC03D997-70C9-6060-AD01-703FF4DE0332}" dt="2025-01-25T15:45:00.778" v="119"/>
-        <pc:sldMkLst>
-          <pc:docMk/>
-          <pc:sldMk cId="2728785092" sldId="2147483555"/>
-        </pc:sldMkLst>
-      </pc:sldChg>
-    </pc:docChg>
-  </pc:docChgLst>
-  <pc:docChgLst>
-    <pc:chgData name="Matthieu BRIEND" userId="S::mbriend@lemonway.com::f43b7032-540d-4661-9645-e17125bf3d76" providerId="AD" clId="Web-{1DFB716E-A5F0-B515-D677-99EFFB0E8A2B}"/>
-    <pc:docChg chg="addSld delSld modSld">
-      <pc:chgData name="Matthieu BRIEND" userId="S::mbriend@lemonway.com::f43b7032-540d-4661-9645-e17125bf3d76" providerId="AD" clId="Web-{1DFB716E-A5F0-B515-D677-99EFFB0E8A2B}" dt="2025-01-22T16:37:47.349" v="484" actId="20577"/>
-      <pc:docMkLst>
-        <pc:docMk/>
-      </pc:docMkLst>
-      <pc:sldChg chg="addSp delSp modSp add replId">
-        <pc:chgData name="Matthieu BRIEND" userId="S::mbriend@lemonway.com::f43b7032-540d-4661-9645-e17125bf3d76" providerId="AD" clId="Web-{1DFB716E-A5F0-B515-D677-99EFFB0E8A2B}" dt="2025-01-22T14:54:19.953" v="205" actId="14100"/>
-        <pc:sldMkLst>
-          <pc:docMk/>
-          <pc:sldMk cId="2478739768" sldId="2147483534"/>
-        </pc:sldMkLst>
-      </pc:sldChg>
-      <pc:sldChg chg="delSp modSp add del replId">
-        <pc:chgData name="Matthieu BRIEND" userId="S::mbriend@lemonway.com::f43b7032-540d-4661-9645-e17125bf3d76" providerId="AD" clId="Web-{1DFB716E-A5F0-B515-D677-99EFFB0E8A2B}" dt="2025-01-22T16:34:41.242" v="454"/>
-        <pc:sldMkLst>
-          <pc:docMk/>
-          <pc:sldMk cId="3186035551" sldId="2147483535"/>
-        </pc:sldMkLst>
-      </pc:sldChg>
-      <pc:sldChg chg="add del replId">
-        <pc:chgData name="Matthieu BRIEND" userId="S::mbriend@lemonway.com::f43b7032-540d-4661-9645-e17125bf3d76" providerId="AD" clId="Web-{1DFB716E-A5F0-B515-D677-99EFFB0E8A2B}" dt="2025-01-22T14:59:08.918" v="258"/>
-        <pc:sldMkLst>
-          <pc:docMk/>
-          <pc:sldMk cId="1372558436" sldId="2147483536"/>
-        </pc:sldMkLst>
-      </pc:sldChg>
-      <pc:sldChg chg="modSp add replId">
-        <pc:chgData name="Matthieu BRIEND" userId="S::mbriend@lemonway.com::f43b7032-540d-4661-9645-e17125bf3d76" providerId="AD" clId="Web-{1DFB716E-A5F0-B515-D677-99EFFB0E8A2B}" dt="2025-01-22T16:35:47.762" v="460" actId="1076"/>
-        <pc:sldMkLst>
-          <pc:docMk/>
-          <pc:sldMk cId="3613313698" sldId="2147483536"/>
-        </pc:sldMkLst>
-      </pc:sldChg>
-      <pc:sldChg chg="addSp delSp modSp add replId">
-        <pc:chgData name="Matthieu BRIEND" userId="S::mbriend@lemonway.com::f43b7032-540d-4661-9645-e17125bf3d76" providerId="AD" clId="Web-{1DFB716E-A5F0-B515-D677-99EFFB0E8A2B}" dt="2025-01-22T16:34:32.663" v="453" actId="20577"/>
-        <pc:sldMkLst>
-          <pc:docMk/>
-          <pc:sldMk cId="3330874013" sldId="2147483537"/>
-        </pc:sldMkLst>
-      </pc:sldChg>
-      <pc:sldChg chg="modSp add replId">
-        <pc:chgData name="Matthieu BRIEND" userId="S::mbriend@lemonway.com::f43b7032-540d-4661-9645-e17125bf3d76" providerId="AD" clId="Web-{1DFB716E-A5F0-B515-D677-99EFFB0E8A2B}" dt="2025-01-22T16:37:47.349" v="484" actId="20577"/>
-        <pc:sldMkLst>
-          <pc:docMk/>
-          <pc:sldMk cId="2996027476" sldId="2147483538"/>
-        </pc:sldMkLst>
-      </pc:sldChg>
-    </pc:docChg>
-  </pc:docChgLst>
-  <pc:docChgLst>
-    <pc:chgData name="Ludovic CIANNARELLA" userId="S::lciannarella@lemonway.com::f6c2df24-67a3-480d-9a94-03b4fbd1471c" providerId="AD" clId="Web-{5CAC2E96-BECC-677B-75E9-634AE2E57B4A}"/>
-    <pc:docChg chg="mod modSld">
-      <pc:chgData name="Ludovic CIANNARELLA" userId="S::lciannarella@lemonway.com::f6c2df24-67a3-480d-9a94-03b4fbd1471c" providerId="AD" clId="Web-{5CAC2E96-BECC-677B-75E9-634AE2E57B4A}" dt="2025-01-27T07:12:50.262" v="491"/>
-      <pc:docMkLst>
-        <pc:docMk/>
-      </pc:docMkLst>
-      <pc:sldChg chg="addSp delSp modSp">
-        <pc:chgData name="Ludovic CIANNARELLA" userId="S::lciannarella@lemonway.com::f6c2df24-67a3-480d-9a94-03b4fbd1471c" providerId="AD" clId="Web-{5CAC2E96-BECC-677B-75E9-634AE2E57B4A}" dt="2025-01-27T07:12:01.318" v="490" actId="20577"/>
-        <pc:sldMkLst>
-          <pc:docMk/>
-          <pc:sldMk cId="3141618727" sldId="2147483543"/>
-        </pc:sldMkLst>
-      </pc:sldChg>
-    </pc:docChg>
-  </pc:docChgLst>
-  <pc:docChgLst>
-    <pc:chgData name="Ambre SONOR" userId="S::asonor@lemonway.com::020792ae-fc4a-47d7-9e18-119d3ce04a29" providerId="AD" clId="Web-{4D18B488-37D8-3D51-D12A-741AA4A67C4E}"/>
-    <pc:docChg chg="addSld delSld modSld">
-      <pc:chgData name="Ambre SONOR" userId="S::asonor@lemonway.com::020792ae-fc4a-47d7-9e18-119d3ce04a29" providerId="AD" clId="Web-{4D18B488-37D8-3D51-D12A-741AA4A67C4E}" dt="2025-01-26T15:23:02.818" v="61" actId="20577"/>
-      <pc:docMkLst>
-        <pc:docMk/>
-      </pc:docMkLst>
-      <pc:sldChg chg="add del">
-        <pc:chgData name="Ambre SONOR" userId="S::asonor@lemonway.com::020792ae-fc4a-47d7-9e18-119d3ce04a29" providerId="AD" clId="Web-{4D18B488-37D8-3D51-D12A-741AA4A67C4E}" dt="2025-01-26T15:13:21.561" v="18"/>
-        <pc:sldMkLst>
-          <pc:docMk/>
-          <pc:sldMk cId="1650262097" sldId="551"/>
-        </pc:sldMkLst>
-      </pc:sldChg>
-      <pc:sldChg chg="del">
-        <pc:chgData name="Ambre SONOR" userId="S::asonor@lemonway.com::020792ae-fc4a-47d7-9e18-119d3ce04a29" providerId="AD" clId="Web-{4D18B488-37D8-3D51-D12A-741AA4A67C4E}" dt="2025-01-26T15:13:21.592" v="24"/>
-        <pc:sldMkLst>
-          <pc:docMk/>
-          <pc:sldMk cId="2736715337" sldId="2147483489"/>
-        </pc:sldMkLst>
-      </pc:sldChg>
-      <pc:sldChg chg="del">
-        <pc:chgData name="Ambre SONOR" userId="S::asonor@lemonway.com::020792ae-fc4a-47d7-9e18-119d3ce04a29" providerId="AD" clId="Web-{4D18B488-37D8-3D51-D12A-741AA4A67C4E}" dt="2025-01-26T15:12:15.746" v="3"/>
-        <pc:sldMkLst>
-          <pc:docMk/>
-          <pc:sldMk cId="3775625005" sldId="2147483557"/>
-        </pc:sldMkLst>
-      </pc:sldChg>
-      <pc:sldChg chg="add del">
-        <pc:chgData name="Ambre SONOR" userId="S::asonor@lemonway.com::020792ae-fc4a-47d7-9e18-119d3ce04a29" providerId="AD" clId="Web-{4D18B488-37D8-3D51-D12A-741AA4A67C4E}" dt="2025-01-26T15:13:21.592" v="23"/>
-        <pc:sldMkLst>
-          <pc:docMk/>
-          <pc:sldMk cId="4013152853" sldId="2147483557"/>
-        </pc:sldMkLst>
-      </pc:sldChg>
-      <pc:sldChg chg="add del">
-        <pc:chgData name="Ambre SONOR" userId="S::asonor@lemonway.com::020792ae-fc4a-47d7-9e18-119d3ce04a29" providerId="AD" clId="Web-{4D18B488-37D8-3D51-D12A-741AA4A67C4E}" dt="2025-01-26T15:13:21.592" v="22"/>
-        <pc:sldMkLst>
-          <pc:docMk/>
-          <pc:sldMk cId="1037370704" sldId="2147483558"/>
-        </pc:sldMkLst>
-      </pc:sldChg>
-      <pc:sldChg chg="del">
-        <pc:chgData name="Ambre SONOR" userId="S::asonor@lemonway.com::020792ae-fc4a-47d7-9e18-119d3ce04a29" providerId="AD" clId="Web-{4D18B488-37D8-3D51-D12A-741AA4A67C4E}" dt="2025-01-26T15:12:15.746" v="4"/>
-        <pc:sldMkLst>
-          <pc:docMk/>
-          <pc:sldMk cId="1144274074" sldId="2147483558"/>
-        </pc:sldMkLst>
-      </pc:sldChg>
-      <pc:sldChg chg="del">
-        <pc:chgData name="Ambre SONOR" userId="S::asonor@lemonway.com::020792ae-fc4a-47d7-9e18-119d3ce04a29" providerId="AD" clId="Web-{4D18B488-37D8-3D51-D12A-741AA4A67C4E}" dt="2025-01-26T15:12:15.746" v="2"/>
-        <pc:sldMkLst>
-          <pc:docMk/>
-          <pc:sldMk cId="1608452827" sldId="2147483559"/>
-        </pc:sldMkLst>
-      </pc:sldChg>
-      <pc:sldChg chg="add del">
-        <pc:chgData name="Ambre SONOR" userId="S::asonor@lemonway.com::020792ae-fc4a-47d7-9e18-119d3ce04a29" providerId="AD" clId="Web-{4D18B488-37D8-3D51-D12A-741AA4A67C4E}" dt="2025-01-26T15:13:21.592" v="21"/>
-        <pc:sldMkLst>
-          <pc:docMk/>
-          <pc:sldMk cId="3846675213" sldId="2147483559"/>
-        </pc:sldMkLst>
-      </pc:sldChg>
-      <pc:sldChg chg="del">
-        <pc:chgData name="Ambre SONOR" userId="S::asonor@lemonway.com::020792ae-fc4a-47d7-9e18-119d3ce04a29" providerId="AD" clId="Web-{4D18B488-37D8-3D51-D12A-741AA4A67C4E}" dt="2025-01-26T15:12:15.730" v="1"/>
-        <pc:sldMkLst>
-          <pc:docMk/>
-          <pc:sldMk cId="2840109025" sldId="2147483560"/>
-        </pc:sldMkLst>
-      </pc:sldChg>
-      <pc:sldChg chg="add del">
-        <pc:chgData name="Ambre SONOR" userId="S::asonor@lemonway.com::020792ae-fc4a-47d7-9e18-119d3ce04a29" providerId="AD" clId="Web-{4D18B488-37D8-3D51-D12A-741AA4A67C4E}" dt="2025-01-26T15:13:21.576" v="20"/>
-        <pc:sldMkLst>
-          <pc:docMk/>
-          <pc:sldMk cId="3092354881" sldId="2147483560"/>
-        </pc:sldMkLst>
-      </pc:sldChg>
-      <pc:sldChg chg="add del">
-        <pc:chgData name="Ambre SONOR" userId="S::asonor@lemonway.com::020792ae-fc4a-47d7-9e18-119d3ce04a29" providerId="AD" clId="Web-{4D18B488-37D8-3D51-D12A-741AA4A67C4E}" dt="2025-01-26T15:13:21.576" v="19"/>
-        <pc:sldMkLst>
-          <pc:docMk/>
-          <pc:sldMk cId="2402982292" sldId="2147483561"/>
-        </pc:sldMkLst>
-      </pc:sldChg>
-      <pc:sldChg chg="add replId">
-        <pc:chgData name="Ambre SONOR" userId="S::asonor@lemonway.com::020792ae-fc4a-47d7-9e18-119d3ce04a29" providerId="AD" clId="Web-{4D18B488-37D8-3D51-D12A-741AA4A67C4E}" dt="2025-01-26T15:13:12.576" v="11"/>
-        <pc:sldMkLst>
-          <pc:docMk/>
-          <pc:sldMk cId="1289184987" sldId="2147483562"/>
-        </pc:sldMkLst>
-      </pc:sldChg>
-      <pc:sldChg chg="add replId">
-        <pc:chgData name="Ambre SONOR" userId="S::asonor@lemonway.com::020792ae-fc4a-47d7-9e18-119d3ce04a29" providerId="AD" clId="Web-{4D18B488-37D8-3D51-D12A-741AA4A67C4E}" dt="2025-01-26T15:13:12.717" v="12"/>
-        <pc:sldMkLst>
-          <pc:docMk/>
-          <pc:sldMk cId="1404434608" sldId="2147483563"/>
-        </pc:sldMkLst>
-      </pc:sldChg>
-      <pc:sldChg chg="add replId">
-        <pc:chgData name="Ambre SONOR" userId="S::asonor@lemonway.com::020792ae-fc4a-47d7-9e18-119d3ce04a29" providerId="AD" clId="Web-{4D18B488-37D8-3D51-D12A-741AA4A67C4E}" dt="2025-01-26T15:13:12.826" v="13"/>
-        <pc:sldMkLst>
-          <pc:docMk/>
-          <pc:sldMk cId="2755047218" sldId="2147483564"/>
-        </pc:sldMkLst>
-      </pc:sldChg>
-      <pc:sldChg chg="modSp add replId">
-        <pc:chgData name="Ambre SONOR" userId="S::asonor@lemonway.com::020792ae-fc4a-47d7-9e18-119d3ce04a29" providerId="AD" clId="Web-{4D18B488-37D8-3D51-D12A-741AA4A67C4E}" dt="2025-01-26T15:23:02.818" v="61" actId="20577"/>
-        <pc:sldMkLst>
-          <pc:docMk/>
-          <pc:sldMk cId="2235345609" sldId="2147483565"/>
-        </pc:sldMkLst>
-      </pc:sldChg>
-      <pc:sldChg chg="add replId">
-        <pc:chgData name="Ambre SONOR" userId="S::asonor@lemonway.com::020792ae-fc4a-47d7-9e18-119d3ce04a29" providerId="AD" clId="Web-{4D18B488-37D8-3D51-D12A-741AA4A67C4E}" dt="2025-01-26T15:13:13.217" v="15"/>
-        <pc:sldMkLst>
-          <pc:docMk/>
-          <pc:sldMk cId="256682989" sldId="2147483566"/>
-        </pc:sldMkLst>
-      </pc:sldChg>
-      <pc:sldChg chg="addSp delSp modSp add replId">
-        <pc:chgData name="Ambre SONOR" userId="S::asonor@lemonway.com::020792ae-fc4a-47d7-9e18-119d3ce04a29" providerId="AD" clId="Web-{4D18B488-37D8-3D51-D12A-741AA4A67C4E}" dt="2025-01-26T15:22:43.240" v="59"/>
-        <pc:sldMkLst>
-          <pc:docMk/>
-          <pc:sldMk cId="3463449161" sldId="2147483567"/>
-        </pc:sldMkLst>
-      </pc:sldChg>
-      <pc:sldChg chg="add replId">
-        <pc:chgData name="Ambre SONOR" userId="S::asonor@lemonway.com::020792ae-fc4a-47d7-9e18-119d3ce04a29" providerId="AD" clId="Web-{4D18B488-37D8-3D51-D12A-741AA4A67C4E}" dt="2025-01-26T15:13:13.420" v="17"/>
-        <pc:sldMkLst>
-          <pc:docMk/>
-          <pc:sldMk cId="3993681143" sldId="2147483568"/>
-        </pc:sldMkLst>
-      </pc:sldChg>
-    </pc:docChg>
-  </pc:docChgLst>
-  <pc:docChgLst>
-    <pc:chgData name="Alexane BAUDRON" userId="c4e72a19-1b71-4ae0-b940-702fdd1a721d" providerId="ADAL" clId="{6A71322E-4FCE-3245-83CA-06CB33400DB1}"/>
+    <pc:chgData name="Martin-Pierre GAULTIER" userId="S::mpgaultier@lemonway.com::0415e4a0-177e-4c12-b0e5-1f7bc3cae49f" providerId="AD" clId="Web-{861B3FCE-6523-B8CA-B9C5-5DD6C039EE29}"/>
     <pc:docChg chg="modSld">
-      <pc:chgData name="Alexane BAUDRON" userId="c4e72a19-1b71-4ae0-b940-702fdd1a721d" providerId="ADAL" clId="{6A71322E-4FCE-3245-83CA-06CB33400DB1}" dt="2025-04-11T09:00:26.354" v="0" actId="207"/>
-      <pc:docMkLst>
-        <pc:docMk/>
-      </pc:docMkLst>
-      <pc:sldChg chg="modSp mod">
-        <pc:chgData name="Alexane BAUDRON" userId="c4e72a19-1b71-4ae0-b940-702fdd1a721d" providerId="ADAL" clId="{6A71322E-4FCE-3245-83CA-06CB33400DB1}" dt="2025-04-11T09:00:26.354" v="0" actId="207"/>
-        <pc:sldMkLst>
-          <pc:docMk/>
-          <pc:sldMk cId="1292861028" sldId="2147483484"/>
-        </pc:sldMkLst>
-      </pc:sldChg>
-    </pc:docChg>
-  </pc:docChgLst>
-  <pc:docChgLst>
-    <pc:chgData name="Martin-Pierre GAULTIER" userId="S::mpgaultier@lemonway.com::0415e4a0-177e-4c12-b0e5-1f7bc3cae49f" providerId="AD" clId="Web-{81F0FA31-1023-C8BC-B591-3193617A7462}"/>
-    <pc:docChg chg="addSld modSld">
-      <pc:chgData name="Martin-Pierre GAULTIER" userId="S::mpgaultier@lemonway.com::0415e4a0-177e-4c12-b0e5-1f7bc3cae49f" providerId="AD" clId="Web-{81F0FA31-1023-C8BC-B591-3193617A7462}" dt="2025-01-24T10:41:33.029" v="289" actId="20577"/>
-      <pc:docMkLst>
-        <pc:docMk/>
-      </pc:docMkLst>
-      <pc:sldChg chg="addSp modSp">
-        <pc:chgData name="Martin-Pierre GAULTIER" userId="S::mpgaultier@lemonway.com::0415e4a0-177e-4c12-b0e5-1f7bc3cae49f" providerId="AD" clId="Web-{81F0FA31-1023-C8BC-B591-3193617A7462}" dt="2025-01-24T10:41:33.029" v="289" actId="20577"/>
-        <pc:sldMkLst>
-          <pc:docMk/>
-          <pc:sldMk cId="1260531968" sldId="2147483524"/>
-        </pc:sldMkLst>
-      </pc:sldChg>
-      <pc:sldChg chg="delSp modSp add replId">
-        <pc:chgData name="Martin-Pierre GAULTIER" userId="S::mpgaultier@lemonway.com::0415e4a0-177e-4c12-b0e5-1f7bc3cae49f" providerId="AD" clId="Web-{81F0FA31-1023-C8BC-B591-3193617A7462}" dt="2025-01-24T09:41:49.808" v="61" actId="20577"/>
-        <pc:sldMkLst>
-          <pc:docMk/>
-          <pc:sldMk cId="1186544563" sldId="2147483539"/>
-        </pc:sldMkLst>
-      </pc:sldChg>
-      <pc:sldChg chg="modSp add replId">
-        <pc:chgData name="Martin-Pierre GAULTIER" userId="S::mpgaultier@lemonway.com::0415e4a0-177e-4c12-b0e5-1f7bc3cae49f" providerId="AD" clId="Web-{81F0FA31-1023-C8BC-B591-3193617A7462}" dt="2025-01-24T10:04:07.846" v="228" actId="20577"/>
-        <pc:sldMkLst>
-          <pc:docMk/>
-          <pc:sldMk cId="4133866324" sldId="2147483540"/>
-        </pc:sldMkLst>
-      </pc:sldChg>
-    </pc:docChg>
-  </pc:docChgLst>
-  <pc:docChgLst>
-    <pc:chgData name="Ambre SONOR" userId="S::asonor@lemonway.com::020792ae-fc4a-47d7-9e18-119d3ce04a29" providerId="AD" clId="Web-{3D15ABCA-DE2B-6C39-94C0-B697A87C14F8}"/>
-    <pc:docChg chg="addSld modSld sldOrd">
-      <pc:chgData name="Ambre SONOR" userId="S::asonor@lemonway.com::020792ae-fc4a-47d7-9e18-119d3ce04a29" providerId="AD" clId="Web-{3D15ABCA-DE2B-6C39-94C0-B697A87C14F8}" dt="2025-01-27T16:09:25.388" v="9" actId="14100"/>
-      <pc:docMkLst>
-        <pc:docMk/>
-      </pc:docMkLst>
-      <pc:sldChg chg="add">
-        <pc:chgData name="Ambre SONOR" userId="S::asonor@lemonway.com::020792ae-fc4a-47d7-9e18-119d3ce04a29" providerId="AD" clId="Web-{3D15ABCA-DE2B-6C39-94C0-B697A87C14F8}" dt="2025-01-26T14:31:44.819" v="4"/>
-        <pc:sldMkLst>
-          <pc:docMk/>
-          <pc:sldMk cId="1650262097" sldId="551"/>
-        </pc:sldMkLst>
-      </pc:sldChg>
-      <pc:sldChg chg="modSp">
-        <pc:chgData name="Ambre SONOR" userId="S::asonor@lemonway.com::020792ae-fc4a-47d7-9e18-119d3ce04a29" providerId="AD" clId="Web-{3D15ABCA-DE2B-6C39-94C0-B697A87C14F8}" dt="2025-01-27T16:09:25.388" v="9" actId="14100"/>
-        <pc:sldMkLst>
-          <pc:docMk/>
-          <pc:sldMk cId="1260531968" sldId="2147483524"/>
-        </pc:sldMkLst>
-      </pc:sldChg>
-      <pc:sldChg chg="add">
-        <pc:chgData name="Ambre SONOR" userId="S::asonor@lemonway.com::020792ae-fc4a-47d7-9e18-119d3ce04a29" providerId="AD" clId="Web-{3D15ABCA-DE2B-6C39-94C0-B697A87C14F8}" dt="2025-01-26T14:31:44.710" v="0"/>
-        <pc:sldMkLst>
-          <pc:docMk/>
-          <pc:sldMk cId="3775625005" sldId="2147483557"/>
-        </pc:sldMkLst>
-      </pc:sldChg>
-      <pc:sldChg chg="add ord">
-        <pc:chgData name="Ambre SONOR" userId="S::asonor@lemonway.com::020792ae-fc4a-47d7-9e18-119d3ce04a29" providerId="AD" clId="Web-{3D15ABCA-DE2B-6C39-94C0-B697A87C14F8}" dt="2025-01-26T14:33:24.589" v="5"/>
-        <pc:sldMkLst>
-          <pc:docMk/>
-          <pc:sldMk cId="1144274074" sldId="2147483558"/>
-        </pc:sldMkLst>
-      </pc:sldChg>
-      <pc:sldChg chg="add">
-        <pc:chgData name="Ambre SONOR" userId="S::asonor@lemonway.com::020792ae-fc4a-47d7-9e18-119d3ce04a29" providerId="AD" clId="Web-{3D15ABCA-DE2B-6C39-94C0-B697A87C14F8}" dt="2025-01-26T14:31:44.757" v="2"/>
-        <pc:sldMkLst>
-          <pc:docMk/>
-          <pc:sldMk cId="1608452827" sldId="2147483559"/>
-        </pc:sldMkLst>
-      </pc:sldChg>
-      <pc:sldChg chg="add">
-        <pc:chgData name="Ambre SONOR" userId="S::asonor@lemonway.com::020792ae-fc4a-47d7-9e18-119d3ce04a29" providerId="AD" clId="Web-{3D15ABCA-DE2B-6C39-94C0-B697A87C14F8}" dt="2025-01-26T14:31:44.788" v="3"/>
-        <pc:sldMkLst>
-          <pc:docMk/>
-          <pc:sldMk cId="2840109025" sldId="2147483560"/>
-        </pc:sldMkLst>
-      </pc:sldChg>
-    </pc:docChg>
-  </pc:docChgLst>
-  <pc:docChgLst>
-    <pc:chgData name="Daryne VOUFO" userId="S::dvoufo@lemonway.com::149b2d68-4f34-4cea-9046-0a79116666fa" providerId="AD" clId="Web-{4A0EFBF1-6601-CE44-6CE0-CED8822CFA3E}"/>
-    <pc:docChg chg="modSld">
-      <pc:chgData name="Daryne VOUFO" userId="S::dvoufo@lemonway.com::149b2d68-4f34-4cea-9046-0a79116666fa" providerId="AD" clId="Web-{4A0EFBF1-6601-CE44-6CE0-CED8822CFA3E}" dt="2025-01-30T09:31:18.169" v="0" actId="1076"/>
+      <pc:chgData name="Martin-Pierre GAULTIER" userId="S::mpgaultier@lemonway.com::0415e4a0-177e-4c12-b0e5-1f7bc3cae49f" providerId="AD" clId="Web-{861B3FCE-6523-B8CA-B9C5-5DD6C039EE29}" dt="2025-01-27T08:25:34.032" v="143" actId="20577"/>
       <pc:docMkLst>
         <pc:docMk/>
       </pc:docMkLst>
       <pc:sldChg chg="modSp">
-        <pc:chgData name="Daryne VOUFO" userId="S::dvoufo@lemonway.com::149b2d68-4f34-4cea-9046-0a79116666fa" providerId="AD" clId="Web-{4A0EFBF1-6601-CE44-6CE0-CED8822CFA3E}" dt="2025-01-30T09:31:18.169" v="0" actId="1076"/>
-        <pc:sldMkLst>
-          <pc:docMk/>
-          <pc:sldMk cId="470428834" sldId="2147483492"/>
+        <pc:chgData name="Martin-Pierre GAULTIER" userId="S::mpgaultier@lemonway.com::0415e4a0-177e-4c12-b0e5-1f7bc3cae49f" providerId="AD" clId="Web-{861B3FCE-6523-B8CA-B9C5-5DD6C039EE29}" dt="2025-01-27T08:25:34.032" v="143" actId="20577"/>
+        <pc:sldMkLst>
+          <pc:docMk/>
+          <pc:sldMk cId="1292861028" sldId="2147483484"/>
         </pc:sldMkLst>
       </pc:sldChg>
     </pc:docChg>
@@ -1536,509 +1504,6 @@
         <pc:sldMkLst>
           <pc:docMk/>
           <pc:sldMk cId="3792680044" sldId="2147483556"/>
-        </pc:sldMkLst>
-      </pc:sldChg>
-    </pc:docChg>
-  </pc:docChgLst>
-  <pc:docChgLst>
-    <pc:chgData name="Alexane BAUDRON" userId="c4e72a19-1b71-4ae0-b940-702fdd1a721d" providerId="ADAL" clId="{D4F44FF1-7F2C-FA40-AF24-8A4D60D10BFE}"/>
-    <pc:docChg chg="undo custSel addSld delSld modSld">
-      <pc:chgData name="Alexane BAUDRON" userId="c4e72a19-1b71-4ae0-b940-702fdd1a721d" providerId="ADAL" clId="{D4F44FF1-7F2C-FA40-AF24-8A4D60D10BFE}" dt="2025-02-19T14:16:44.961" v="3362" actId="1076"/>
-      <pc:docMkLst>
-        <pc:docMk/>
-      </pc:docMkLst>
-      <pc:sldChg chg="modSp mod">
-        <pc:chgData name="Alexane BAUDRON" userId="c4e72a19-1b71-4ae0-b940-702fdd1a721d" providerId="ADAL" clId="{D4F44FF1-7F2C-FA40-AF24-8A4D60D10BFE}" dt="2025-01-27T15:37:35.932" v="3183"/>
-        <pc:sldMkLst>
-          <pc:docMk/>
-          <pc:sldMk cId="1292861028" sldId="2147483484"/>
-        </pc:sldMkLst>
-      </pc:sldChg>
-      <pc:sldChg chg="addSp delSp modSp mod">
-        <pc:chgData name="Alexane BAUDRON" userId="c4e72a19-1b71-4ae0-b940-702fdd1a721d" providerId="ADAL" clId="{D4F44FF1-7F2C-FA40-AF24-8A4D60D10BFE}" dt="2025-01-15T16:43:11.970" v="171" actId="18131"/>
-        <pc:sldMkLst>
-          <pc:docMk/>
-          <pc:sldMk cId="581994450" sldId="2147483485"/>
-        </pc:sldMkLst>
-      </pc:sldChg>
-      <pc:sldChg chg="addSp delSp modSp mod">
-        <pc:chgData name="Alexane BAUDRON" userId="c4e72a19-1b71-4ae0-b940-702fdd1a721d" providerId="ADAL" clId="{D4F44FF1-7F2C-FA40-AF24-8A4D60D10BFE}" dt="2025-01-24T10:22:15.848" v="396" actId="1035"/>
-        <pc:sldMkLst>
-          <pc:docMk/>
-          <pc:sldMk cId="3904141368" sldId="2147483486"/>
-        </pc:sldMkLst>
-      </pc:sldChg>
-      <pc:sldChg chg="addSp delSp modSp mod">
-        <pc:chgData name="Alexane BAUDRON" userId="c4e72a19-1b71-4ae0-b940-702fdd1a721d" providerId="ADAL" clId="{D4F44FF1-7F2C-FA40-AF24-8A4D60D10BFE}" dt="2025-01-27T14:27:44.630" v="1797" actId="14826"/>
-        <pc:sldMkLst>
-          <pc:docMk/>
-          <pc:sldMk cId="1096040518" sldId="2147483487"/>
-        </pc:sldMkLst>
-      </pc:sldChg>
-      <pc:sldChg chg="addSp delSp modSp mod">
-        <pc:chgData name="Alexane BAUDRON" userId="c4e72a19-1b71-4ae0-b940-702fdd1a721d" providerId="ADAL" clId="{D4F44FF1-7F2C-FA40-AF24-8A4D60D10BFE}" dt="2025-01-22T16:45:47.365" v="247" actId="1076"/>
-        <pc:sldMkLst>
-          <pc:docMk/>
-          <pc:sldMk cId="2736715337" sldId="2147483489"/>
-        </pc:sldMkLst>
-      </pc:sldChg>
-      <pc:sldChg chg="addSp delSp modSp mod">
-        <pc:chgData name="Alexane BAUDRON" userId="c4e72a19-1b71-4ae0-b940-702fdd1a721d" providerId="ADAL" clId="{D4F44FF1-7F2C-FA40-AF24-8A4D60D10BFE}" dt="2025-01-22T16:52:02.680" v="349" actId="478"/>
-        <pc:sldMkLst>
-          <pc:docMk/>
-          <pc:sldMk cId="2391188043" sldId="2147483490"/>
-        </pc:sldMkLst>
-      </pc:sldChg>
-      <pc:sldChg chg="addSp delSp modSp mod delAnim modAnim">
-        <pc:chgData name="Alexane BAUDRON" userId="c4e72a19-1b71-4ae0-b940-702fdd1a721d" providerId="ADAL" clId="{D4F44FF1-7F2C-FA40-AF24-8A4D60D10BFE}" dt="2025-02-19T14:16:44.961" v="3362" actId="1076"/>
-        <pc:sldMkLst>
-          <pc:docMk/>
-          <pc:sldMk cId="470428834" sldId="2147483492"/>
-        </pc:sldMkLst>
-      </pc:sldChg>
-      <pc:sldChg chg="del">
-        <pc:chgData name="Alexane BAUDRON" userId="c4e72a19-1b71-4ae0-b940-702fdd1a721d" providerId="ADAL" clId="{D4F44FF1-7F2C-FA40-AF24-8A4D60D10BFE}" dt="2025-01-15T16:36:41.925" v="41" actId="2696"/>
-        <pc:sldMkLst>
-          <pc:docMk/>
-          <pc:sldMk cId="1278056561" sldId="2147483493"/>
-        </pc:sldMkLst>
-      </pc:sldChg>
-      <pc:sldChg chg="delSp modSp mod delAnim">
-        <pc:chgData name="Alexane BAUDRON" userId="c4e72a19-1b71-4ae0-b940-702fdd1a721d" providerId="ADAL" clId="{D4F44FF1-7F2C-FA40-AF24-8A4D60D10BFE}" dt="2025-01-27T14:18:14.732" v="1707" actId="14100"/>
-        <pc:sldMkLst>
-          <pc:docMk/>
-          <pc:sldMk cId="1425089493" sldId="2147483520"/>
-        </pc:sldMkLst>
-      </pc:sldChg>
-      <pc:sldChg chg="addSp delSp modSp mod">
-        <pc:chgData name="Alexane BAUDRON" userId="c4e72a19-1b71-4ae0-b940-702fdd1a721d" providerId="ADAL" clId="{D4F44FF1-7F2C-FA40-AF24-8A4D60D10BFE}" dt="2025-01-27T09:06:06.784" v="416" actId="14826"/>
-        <pc:sldMkLst>
-          <pc:docMk/>
-          <pc:sldMk cId="696696546" sldId="2147483521"/>
-        </pc:sldMkLst>
-      </pc:sldChg>
-      <pc:sldChg chg="modSp mod">
-        <pc:chgData name="Alexane BAUDRON" userId="c4e72a19-1b71-4ae0-b940-702fdd1a721d" providerId="ADAL" clId="{D4F44FF1-7F2C-FA40-AF24-8A4D60D10BFE}" dt="2025-01-27T15:12:05.070" v="2520" actId="1035"/>
-        <pc:sldMkLst>
-          <pc:docMk/>
-          <pc:sldMk cId="2312050107" sldId="2147483522"/>
-        </pc:sldMkLst>
-      </pc:sldChg>
-      <pc:sldChg chg="modSp mod">
-        <pc:chgData name="Alexane BAUDRON" userId="c4e72a19-1b71-4ae0-b940-702fdd1a721d" providerId="ADAL" clId="{D4F44FF1-7F2C-FA40-AF24-8A4D60D10BFE}" dt="2025-01-27T15:12:11.672" v="2527" actId="1035"/>
-        <pc:sldMkLst>
-          <pc:docMk/>
-          <pc:sldMk cId="2474122460" sldId="2147483523"/>
-        </pc:sldMkLst>
-      </pc:sldChg>
-      <pc:sldChg chg="addSp delSp modSp mod modAnim">
-        <pc:chgData name="Alexane BAUDRON" userId="c4e72a19-1b71-4ae0-b940-702fdd1a721d" providerId="ADAL" clId="{D4F44FF1-7F2C-FA40-AF24-8A4D60D10BFE}" dt="2025-01-27T13:39:33.069" v="1420" actId="14100"/>
-        <pc:sldMkLst>
-          <pc:docMk/>
-          <pc:sldMk cId="1260531968" sldId="2147483524"/>
-        </pc:sldMkLst>
-      </pc:sldChg>
-      <pc:sldChg chg="modSp mod">
-        <pc:chgData name="Alexane BAUDRON" userId="c4e72a19-1b71-4ae0-b940-702fdd1a721d" providerId="ADAL" clId="{D4F44FF1-7F2C-FA40-AF24-8A4D60D10BFE}" dt="2025-01-27T14:12:27.921" v="1447" actId="20577"/>
-        <pc:sldMkLst>
-          <pc:docMk/>
-          <pc:sldMk cId="3207649941" sldId="2147483525"/>
-        </pc:sldMkLst>
-      </pc:sldChg>
-      <pc:sldChg chg="modSp mod">
-        <pc:chgData name="Alexane BAUDRON" userId="c4e72a19-1b71-4ae0-b940-702fdd1a721d" providerId="ADAL" clId="{D4F44FF1-7F2C-FA40-AF24-8A4D60D10BFE}" dt="2025-01-27T15:34:14.920" v="3123" actId="14861"/>
-        <pc:sldMkLst>
-          <pc:docMk/>
-          <pc:sldMk cId="2246678326" sldId="2147483526"/>
-        </pc:sldMkLst>
-      </pc:sldChg>
-      <pc:sldChg chg="addSp delSp modSp mod">
-        <pc:chgData name="Alexane BAUDRON" userId="c4e72a19-1b71-4ae0-b940-702fdd1a721d" providerId="ADAL" clId="{D4F44FF1-7F2C-FA40-AF24-8A4D60D10BFE}" dt="2025-01-27T15:35:43.618" v="3176" actId="1036"/>
-        <pc:sldMkLst>
-          <pc:docMk/>
-          <pc:sldMk cId="4251313692" sldId="2147483528"/>
-        </pc:sldMkLst>
-      </pc:sldChg>
-      <pc:sldChg chg="modSp mod">
-        <pc:chgData name="Alexane BAUDRON" userId="c4e72a19-1b71-4ae0-b940-702fdd1a721d" providerId="ADAL" clId="{D4F44FF1-7F2C-FA40-AF24-8A4D60D10BFE}" dt="2025-01-27T14:12:43.534" v="1448" actId="2711"/>
-        <pc:sldMkLst>
-          <pc:docMk/>
-          <pc:sldMk cId="1326845705" sldId="2147483529"/>
-        </pc:sldMkLst>
-      </pc:sldChg>
-      <pc:sldChg chg="addSp delSp modSp mod modNotesTx">
-        <pc:chgData name="Alexane BAUDRON" userId="c4e72a19-1b71-4ae0-b940-702fdd1a721d" providerId="ADAL" clId="{D4F44FF1-7F2C-FA40-AF24-8A4D60D10BFE}" dt="2025-01-27T14:16:22.240" v="1692" actId="1076"/>
-        <pc:sldMkLst>
-          <pc:docMk/>
-          <pc:sldMk cId="1824639407" sldId="2147483530"/>
-        </pc:sldMkLst>
-      </pc:sldChg>
-      <pc:sldChg chg="addSp modSp mod">
-        <pc:chgData name="Alexane BAUDRON" userId="c4e72a19-1b71-4ae0-b940-702fdd1a721d" providerId="ADAL" clId="{D4F44FF1-7F2C-FA40-AF24-8A4D60D10BFE}" dt="2025-01-27T11:20:43.140" v="1210" actId="1035"/>
-        <pc:sldMkLst>
-          <pc:docMk/>
-          <pc:sldMk cId="1584612849" sldId="2147483531"/>
-        </pc:sldMkLst>
-      </pc:sldChg>
-      <pc:sldChg chg="modSp mod">
-        <pc:chgData name="Alexane BAUDRON" userId="c4e72a19-1b71-4ae0-b940-702fdd1a721d" providerId="ADAL" clId="{D4F44FF1-7F2C-FA40-AF24-8A4D60D10BFE}" dt="2025-01-27T15:09:51.995" v="2470" actId="1076"/>
-        <pc:sldMkLst>
-          <pc:docMk/>
-          <pc:sldMk cId="1176860781" sldId="2147483532"/>
-        </pc:sldMkLst>
-      </pc:sldChg>
-      <pc:sldChg chg="addSp delSp modSp mod delAnim modAnim">
-        <pc:chgData name="Alexane BAUDRON" userId="c4e72a19-1b71-4ae0-b940-702fdd1a721d" providerId="ADAL" clId="{D4F44FF1-7F2C-FA40-AF24-8A4D60D10BFE}" dt="2025-01-27T15:32:13.475" v="2842" actId="207"/>
-        <pc:sldMkLst>
-          <pc:docMk/>
-          <pc:sldMk cId="4213513957" sldId="2147483533"/>
-        </pc:sldMkLst>
-      </pc:sldChg>
-      <pc:sldChg chg="delSp modSp mod">
-        <pc:chgData name="Alexane BAUDRON" userId="c4e72a19-1b71-4ae0-b940-702fdd1a721d" providerId="ADAL" clId="{D4F44FF1-7F2C-FA40-AF24-8A4D60D10BFE}" dt="2025-01-27T15:14:07.476" v="2537" actId="20577"/>
-        <pc:sldMkLst>
-          <pc:docMk/>
-          <pc:sldMk cId="3330874013" sldId="2147483537"/>
-        </pc:sldMkLst>
-      </pc:sldChg>
-      <pc:sldChg chg="addSp delSp modSp mod modAnim">
-        <pc:chgData name="Alexane BAUDRON" userId="c4e72a19-1b71-4ae0-b940-702fdd1a721d" providerId="ADAL" clId="{D4F44FF1-7F2C-FA40-AF24-8A4D60D10BFE}" dt="2025-01-27T13:32:20.091" v="1415"/>
-        <pc:sldMkLst>
-          <pc:docMk/>
-          <pc:sldMk cId="1186544563" sldId="2147483539"/>
-        </pc:sldMkLst>
-      </pc:sldChg>
-      <pc:sldChg chg="addSp delSp modSp add del mod delAnim modAnim">
-        <pc:chgData name="Alexane BAUDRON" userId="c4e72a19-1b71-4ae0-b940-702fdd1a721d" providerId="ADAL" clId="{D4F44FF1-7F2C-FA40-AF24-8A4D60D10BFE}" dt="2025-01-22T16:43:15.157" v="223" actId="2696"/>
-        <pc:sldMkLst>
-          <pc:docMk/>
-          <pc:sldMk cId="3314548321" sldId="2147483539"/>
-        </pc:sldMkLst>
-      </pc:sldChg>
-      <pc:sldChg chg="modSp mod">
-        <pc:chgData name="Alexane BAUDRON" userId="c4e72a19-1b71-4ae0-b940-702fdd1a721d" providerId="ADAL" clId="{D4F44FF1-7F2C-FA40-AF24-8A4D60D10BFE}" dt="2025-01-27T15:27:23.431" v="2809"/>
-        <pc:sldMkLst>
-          <pc:docMk/>
-          <pc:sldMk cId="4133866324" sldId="2147483540"/>
-        </pc:sldMkLst>
-      </pc:sldChg>
-      <pc:sldChg chg="modSp mod">
-        <pc:chgData name="Alexane BAUDRON" userId="c4e72a19-1b71-4ae0-b940-702fdd1a721d" providerId="ADAL" clId="{D4F44FF1-7F2C-FA40-AF24-8A4D60D10BFE}" dt="2025-01-27T14:48:29.245" v="2122"/>
-        <pc:sldMkLst>
-          <pc:docMk/>
-          <pc:sldMk cId="244232859" sldId="2147483541"/>
-        </pc:sldMkLst>
-      </pc:sldChg>
-      <pc:sldChg chg="modSp mod">
-        <pc:chgData name="Alexane BAUDRON" userId="c4e72a19-1b71-4ae0-b940-702fdd1a721d" providerId="ADAL" clId="{D4F44FF1-7F2C-FA40-AF24-8A4D60D10BFE}" dt="2025-01-27T15:30:00.171" v="2835" actId="1076"/>
-        <pc:sldMkLst>
-          <pc:docMk/>
-          <pc:sldMk cId="12490850" sldId="2147483542"/>
-        </pc:sldMkLst>
-      </pc:sldChg>
-      <pc:sldChg chg="addSp delSp modSp mod setBg">
-        <pc:chgData name="Alexane BAUDRON" userId="c4e72a19-1b71-4ae0-b940-702fdd1a721d" providerId="ADAL" clId="{D4F44FF1-7F2C-FA40-AF24-8A4D60D10BFE}" dt="2025-01-27T15:12:46.286" v="2531"/>
-        <pc:sldMkLst>
-          <pc:docMk/>
-          <pc:sldMk cId="3141618727" sldId="2147483543"/>
-        </pc:sldMkLst>
-      </pc:sldChg>
-      <pc:sldChg chg="modSp mod">
-        <pc:chgData name="Alexane BAUDRON" userId="c4e72a19-1b71-4ae0-b940-702fdd1a721d" providerId="ADAL" clId="{D4F44FF1-7F2C-FA40-AF24-8A4D60D10BFE}" dt="2025-01-27T15:25:17.351" v="2785" actId="1038"/>
-        <pc:sldMkLst>
-          <pc:docMk/>
-          <pc:sldMk cId="3452786207" sldId="2147483544"/>
-        </pc:sldMkLst>
-      </pc:sldChg>
-      <pc:sldChg chg="addSp delSp modSp mod">
-        <pc:chgData name="Alexane BAUDRON" userId="c4e72a19-1b71-4ae0-b940-702fdd1a721d" providerId="ADAL" clId="{D4F44FF1-7F2C-FA40-AF24-8A4D60D10BFE}" dt="2025-01-27T15:00:16.493" v="2360"/>
-        <pc:sldMkLst>
-          <pc:docMk/>
-          <pc:sldMk cId="538564091" sldId="2147483545"/>
-        </pc:sldMkLst>
-      </pc:sldChg>
-      <pc:sldChg chg="addSp delSp modSp mod">
-        <pc:chgData name="Alexane BAUDRON" userId="c4e72a19-1b71-4ae0-b940-702fdd1a721d" providerId="ADAL" clId="{D4F44FF1-7F2C-FA40-AF24-8A4D60D10BFE}" dt="2025-01-27T15:05:47.042" v="2430" actId="1038"/>
-        <pc:sldMkLst>
-          <pc:docMk/>
-          <pc:sldMk cId="323720210" sldId="2147483546"/>
-        </pc:sldMkLst>
-      </pc:sldChg>
-      <pc:sldChg chg="addSp delSp modSp mod">
-        <pc:chgData name="Alexane BAUDRON" userId="c4e72a19-1b71-4ae0-b940-702fdd1a721d" providerId="ADAL" clId="{D4F44FF1-7F2C-FA40-AF24-8A4D60D10BFE}" dt="2025-01-27T15:06:36.214" v="2440" actId="1076"/>
-        <pc:sldMkLst>
-          <pc:docMk/>
-          <pc:sldMk cId="819472479" sldId="2147483547"/>
-        </pc:sldMkLst>
-      </pc:sldChg>
-      <pc:sldChg chg="modSp mod">
-        <pc:chgData name="Alexane BAUDRON" userId="c4e72a19-1b71-4ae0-b940-702fdd1a721d" providerId="ADAL" clId="{D4F44FF1-7F2C-FA40-AF24-8A4D60D10BFE}" dt="2025-01-27T15:13:04.322" v="2533" actId="207"/>
-        <pc:sldMkLst>
-          <pc:docMk/>
-          <pc:sldMk cId="3713441185" sldId="2147483549"/>
-        </pc:sldMkLst>
-      </pc:sldChg>
-      <pc:sldChg chg="modSp mod">
-        <pc:chgData name="Alexane BAUDRON" userId="c4e72a19-1b71-4ae0-b940-702fdd1a721d" providerId="ADAL" clId="{D4F44FF1-7F2C-FA40-AF24-8A4D60D10BFE}" dt="2025-01-27T14:55:35.228" v="2246" actId="14861"/>
-        <pc:sldMkLst>
-          <pc:docMk/>
-          <pc:sldMk cId="3514001501" sldId="2147483550"/>
-        </pc:sldMkLst>
-      </pc:sldChg>
-      <pc:sldChg chg="modSp mod">
-        <pc:chgData name="Alexane BAUDRON" userId="c4e72a19-1b71-4ae0-b940-702fdd1a721d" providerId="ADAL" clId="{D4F44FF1-7F2C-FA40-AF24-8A4D60D10BFE}" dt="2025-01-27T17:02:53.551" v="3360" actId="1035"/>
-        <pc:sldMkLst>
-          <pc:docMk/>
-          <pc:sldMk cId="3947401979" sldId="2147483551"/>
-        </pc:sldMkLst>
-      </pc:sldChg>
-      <pc:sldChg chg="modSp mod">
-        <pc:chgData name="Alexane BAUDRON" userId="c4e72a19-1b71-4ae0-b940-702fdd1a721d" providerId="ADAL" clId="{D4F44FF1-7F2C-FA40-AF24-8A4D60D10BFE}" dt="2025-01-27T15:04:45.622" v="2418" actId="1036"/>
-        <pc:sldMkLst>
-          <pc:docMk/>
-          <pc:sldMk cId="237779500" sldId="2147483552"/>
-        </pc:sldMkLst>
-      </pc:sldChg>
-      <pc:sldChg chg="modSp mod">
-        <pc:chgData name="Alexane BAUDRON" userId="c4e72a19-1b71-4ae0-b940-702fdd1a721d" providerId="ADAL" clId="{D4F44FF1-7F2C-FA40-AF24-8A4D60D10BFE}" dt="2025-01-27T14:51:47.045" v="2210" actId="1035"/>
-        <pc:sldMkLst>
-          <pc:docMk/>
-          <pc:sldMk cId="2159616718" sldId="2147483554"/>
-        </pc:sldMkLst>
-      </pc:sldChg>
-      <pc:sldChg chg="modSp">
-        <pc:chgData name="Alexane BAUDRON" userId="c4e72a19-1b71-4ae0-b940-702fdd1a721d" providerId="ADAL" clId="{D4F44FF1-7F2C-FA40-AF24-8A4D60D10BFE}" dt="2025-01-27T15:01:02.263" v="2369"/>
-        <pc:sldMkLst>
-          <pc:docMk/>
-          <pc:sldMk cId="2971429069" sldId="2147483555"/>
-        </pc:sldMkLst>
-      </pc:sldChg>
-      <pc:sldChg chg="modSp mod">
-        <pc:chgData name="Alexane BAUDRON" userId="c4e72a19-1b71-4ae0-b940-702fdd1a721d" providerId="ADAL" clId="{D4F44FF1-7F2C-FA40-AF24-8A4D60D10BFE}" dt="2025-01-27T14:40:05.254" v="1988" actId="20577"/>
-        <pc:sldMkLst>
-          <pc:docMk/>
-          <pc:sldMk cId="3792680044" sldId="2147483556"/>
-        </pc:sldMkLst>
-      </pc:sldChg>
-      <pc:sldChg chg="modSp mod">
-        <pc:chgData name="Alexane BAUDRON" userId="c4e72a19-1b71-4ae0-b940-702fdd1a721d" providerId="ADAL" clId="{D4F44FF1-7F2C-FA40-AF24-8A4D60D10BFE}" dt="2025-01-27T14:36:35.351" v="1941" actId="1076"/>
-        <pc:sldMkLst>
-          <pc:docMk/>
-          <pc:sldMk cId="1289184987" sldId="2147483562"/>
-        </pc:sldMkLst>
-      </pc:sldChg>
-      <pc:sldChg chg="modSp mod">
-        <pc:chgData name="Alexane BAUDRON" userId="c4e72a19-1b71-4ae0-b940-702fdd1a721d" providerId="ADAL" clId="{D4F44FF1-7F2C-FA40-AF24-8A4D60D10BFE}" dt="2025-01-27T14:36:24.792" v="1939" actId="14100"/>
-        <pc:sldMkLst>
-          <pc:docMk/>
-          <pc:sldMk cId="1404434608" sldId="2147483563"/>
-        </pc:sldMkLst>
-      </pc:sldChg>
-      <pc:sldChg chg="modSp mod">
-        <pc:chgData name="Alexane BAUDRON" userId="c4e72a19-1b71-4ae0-b940-702fdd1a721d" providerId="ADAL" clId="{D4F44FF1-7F2C-FA40-AF24-8A4D60D10BFE}" dt="2025-01-27T14:32:24.333" v="1846" actId="208"/>
-        <pc:sldMkLst>
-          <pc:docMk/>
-          <pc:sldMk cId="2755047218" sldId="2147483564"/>
-        </pc:sldMkLst>
-      </pc:sldChg>
-      <pc:sldChg chg="modSp mod">
-        <pc:chgData name="Alexane BAUDRON" userId="c4e72a19-1b71-4ae0-b940-702fdd1a721d" providerId="ADAL" clId="{D4F44FF1-7F2C-FA40-AF24-8A4D60D10BFE}" dt="2025-01-27T14:29:46.378" v="1809" actId="1035"/>
-        <pc:sldMkLst>
-          <pc:docMk/>
-          <pc:sldMk cId="2235345609" sldId="2147483565"/>
-        </pc:sldMkLst>
-      </pc:sldChg>
-      <pc:sldChg chg="modSp mod setBg">
-        <pc:chgData name="Alexane BAUDRON" userId="c4e72a19-1b71-4ae0-b940-702fdd1a721d" providerId="ADAL" clId="{D4F44FF1-7F2C-FA40-AF24-8A4D60D10BFE}" dt="2025-01-27T15:30:48.101" v="2837"/>
-        <pc:sldMkLst>
-          <pc:docMk/>
-          <pc:sldMk cId="256682989" sldId="2147483566"/>
-        </pc:sldMkLst>
-      </pc:sldChg>
-      <pc:sldChg chg="modSp mod">
-        <pc:chgData name="Alexane BAUDRON" userId="c4e72a19-1b71-4ae0-b940-702fdd1a721d" providerId="ADAL" clId="{D4F44FF1-7F2C-FA40-AF24-8A4D60D10BFE}" dt="2025-01-27T13:40:30.828" v="1421" actId="1076"/>
-        <pc:sldMkLst>
-          <pc:docMk/>
-          <pc:sldMk cId="3463449161" sldId="2147483567"/>
-        </pc:sldMkLst>
-      </pc:sldChg>
-      <pc:sldChg chg="modSp mod">
-        <pc:chgData name="Alexane BAUDRON" userId="c4e72a19-1b71-4ae0-b940-702fdd1a721d" providerId="ADAL" clId="{D4F44FF1-7F2C-FA40-AF24-8A4D60D10BFE}" dt="2025-01-27T15:31:33.389" v="2840" actId="1076"/>
-        <pc:sldMkLst>
-          <pc:docMk/>
-          <pc:sldMk cId="534803942" sldId="2147483570"/>
-        </pc:sldMkLst>
-      </pc:sldChg>
-      <pc:sldChg chg="modSp mod">
-        <pc:chgData name="Alexane BAUDRON" userId="c4e72a19-1b71-4ae0-b940-702fdd1a721d" providerId="ADAL" clId="{D4F44FF1-7F2C-FA40-AF24-8A4D60D10BFE}" dt="2025-01-27T15:09:30.508" v="2469"/>
-        <pc:sldMkLst>
-          <pc:docMk/>
-          <pc:sldMk cId="1851883643" sldId="2147483572"/>
-        </pc:sldMkLst>
-      </pc:sldChg>
-      <pc:sldChg chg="modSp mod">
-        <pc:chgData name="Alexane BAUDRON" userId="c4e72a19-1b71-4ae0-b940-702fdd1a721d" providerId="ADAL" clId="{D4F44FF1-7F2C-FA40-AF24-8A4D60D10BFE}" dt="2025-01-27T15:26:32.733" v="2804" actId="207"/>
-        <pc:sldMkLst>
-          <pc:docMk/>
-          <pc:sldMk cId="3904257479" sldId="2147483573"/>
-        </pc:sldMkLst>
-      </pc:sldChg>
-      <pc:sldChg chg="modSp mod">
-        <pc:chgData name="Alexane BAUDRON" userId="c4e72a19-1b71-4ae0-b940-702fdd1a721d" providerId="ADAL" clId="{D4F44FF1-7F2C-FA40-AF24-8A4D60D10BFE}" dt="2025-01-27T15:26:27.003" v="2803" actId="207"/>
-        <pc:sldMkLst>
-          <pc:docMk/>
-          <pc:sldMk cId="1584404665" sldId="2147483574"/>
-        </pc:sldMkLst>
-      </pc:sldChg>
-      <pc:sldChg chg="modSp mod">
-        <pc:chgData name="Alexane BAUDRON" userId="c4e72a19-1b71-4ae0-b940-702fdd1a721d" providerId="ADAL" clId="{D4F44FF1-7F2C-FA40-AF24-8A4D60D10BFE}" dt="2025-01-27T15:26:09.348" v="2800" actId="207"/>
-        <pc:sldMkLst>
-          <pc:docMk/>
-          <pc:sldMk cId="3593561478" sldId="2147483575"/>
-        </pc:sldMkLst>
-      </pc:sldChg>
-      <pc:sldChg chg="modSp mod">
-        <pc:chgData name="Alexane BAUDRON" userId="c4e72a19-1b71-4ae0-b940-702fdd1a721d" providerId="ADAL" clId="{D4F44FF1-7F2C-FA40-AF24-8A4D60D10BFE}" dt="2025-01-27T15:26:14.963" v="2801" actId="207"/>
-        <pc:sldMkLst>
-          <pc:docMk/>
-          <pc:sldMk cId="3395933212" sldId="2147483576"/>
-        </pc:sldMkLst>
-      </pc:sldChg>
-      <pc:sldChg chg="modSp mod">
-        <pc:chgData name="Alexane BAUDRON" userId="c4e72a19-1b71-4ae0-b940-702fdd1a721d" providerId="ADAL" clId="{D4F44FF1-7F2C-FA40-AF24-8A4D60D10BFE}" dt="2025-01-27T15:26:19.392" v="2802" actId="207"/>
-        <pc:sldMkLst>
-          <pc:docMk/>
-          <pc:sldMk cId="4045004320" sldId="2147483577"/>
-        </pc:sldMkLst>
-      </pc:sldChg>
-      <pc:sldChg chg="delSp modSp add mod">
-        <pc:chgData name="Alexane BAUDRON" userId="c4e72a19-1b71-4ae0-b940-702fdd1a721d" providerId="ADAL" clId="{D4F44FF1-7F2C-FA40-AF24-8A4D60D10BFE}" dt="2025-01-27T09:11:46.599" v="478" actId="20577"/>
-        <pc:sldMkLst>
-          <pc:docMk/>
-          <pc:sldMk cId="4053336332" sldId="2147483578"/>
-        </pc:sldMkLst>
-      </pc:sldChg>
-      <pc:sldChg chg="addSp delSp modSp mod">
-        <pc:chgData name="Alexane BAUDRON" userId="c4e72a19-1b71-4ae0-b940-702fdd1a721d" providerId="ADAL" clId="{D4F44FF1-7F2C-FA40-AF24-8A4D60D10BFE}" dt="2025-01-27T16:29:45.485" v="3266" actId="404"/>
-        <pc:sldMkLst>
-          <pc:docMk/>
-          <pc:sldMk cId="1703776386" sldId="2147483579"/>
-        </pc:sldMkLst>
-      </pc:sldChg>
-      <pc:sldChg chg="add mod modShow">
-        <pc:chgData name="Alexane BAUDRON" userId="c4e72a19-1b71-4ae0-b940-702fdd1a721d" providerId="ADAL" clId="{D4F44FF1-7F2C-FA40-AF24-8A4D60D10BFE}" dt="2025-01-27T14:14:28.434" v="1459" actId="729"/>
-        <pc:sldMkLst>
-          <pc:docMk/>
-          <pc:sldMk cId="992121836" sldId="2147483580"/>
-        </pc:sldMkLst>
-      </pc:sldChg>
-    </pc:docChg>
-  </pc:docChgLst>
-  <pc:docChgLst>
-    <pc:chgData name="Matthieu BRIEND" userId="S::mbriend@lemonway.com::f43b7032-540d-4661-9645-e17125bf3d76" providerId="AD" clId="Web-{8C3DAA53-8698-68DA-30E7-EA269715A3AF}"/>
-    <pc:docChg chg="addSld delSld modSld">
-      <pc:chgData name="Matthieu BRIEND" userId="S::mbriend@lemonway.com::f43b7032-540d-4661-9645-e17125bf3d76" providerId="AD" clId="Web-{8C3DAA53-8698-68DA-30E7-EA269715A3AF}" dt="2025-01-26T12:12:26.309" v="1161"/>
-      <pc:docMkLst>
-        <pc:docMk/>
-      </pc:docMkLst>
-      <pc:sldChg chg="addSp delSp modSp">
-        <pc:chgData name="Matthieu BRIEND" userId="S::mbriend@lemonway.com::f43b7032-540d-4661-9645-e17125bf3d76" providerId="AD" clId="Web-{8C3DAA53-8698-68DA-30E7-EA269715A3AF}" dt="2025-01-26T11:32:46.567" v="811"/>
-        <pc:sldMkLst>
-          <pc:docMk/>
-          <pc:sldMk cId="2982750" sldId="297"/>
-        </pc:sldMkLst>
-      </pc:sldChg>
-      <pc:sldChg chg="modSp del">
-        <pc:chgData name="Matthieu BRIEND" userId="S::mbriend@lemonway.com::f43b7032-540d-4661-9645-e17125bf3d76" providerId="AD" clId="Web-{8C3DAA53-8698-68DA-30E7-EA269715A3AF}" dt="2025-01-26T11:04:28.555" v="332"/>
-        <pc:sldMkLst>
-          <pc:docMk/>
-          <pc:sldMk cId="3613313698" sldId="2147483536"/>
-        </pc:sldMkLst>
-      </pc:sldChg>
-      <pc:sldChg chg="modSp">
-        <pc:chgData name="Matthieu BRIEND" userId="S::mbriend@lemonway.com::f43b7032-540d-4661-9645-e17125bf3d76" providerId="AD" clId="Web-{8C3DAA53-8698-68DA-30E7-EA269715A3AF}" dt="2025-01-26T12:01:06.553" v="1111" actId="20577"/>
-        <pc:sldMkLst>
-          <pc:docMk/>
-          <pc:sldMk cId="3330874013" sldId="2147483537"/>
-        </pc:sldMkLst>
-      </pc:sldChg>
-      <pc:sldChg chg="addSp delSp modSp mod setBg">
-        <pc:chgData name="Matthieu BRIEND" userId="S::mbriend@lemonway.com::f43b7032-540d-4661-9645-e17125bf3d76" providerId="AD" clId="Web-{8C3DAA53-8698-68DA-30E7-EA269715A3AF}" dt="2025-01-26T12:12:23.668" v="1160"/>
-        <pc:sldMkLst>
-          <pc:docMk/>
-          <pc:sldMk cId="3713441185" sldId="2147483549"/>
-        </pc:sldMkLst>
-      </pc:sldChg>
-      <pc:sldChg chg="addSp delSp modSp">
-        <pc:chgData name="Matthieu BRIEND" userId="S::mbriend@lemonway.com::f43b7032-540d-4661-9645-e17125bf3d76" providerId="AD" clId="Web-{8C3DAA53-8698-68DA-30E7-EA269715A3AF}" dt="2025-01-26T11:10:00.048" v="394" actId="1076"/>
-        <pc:sldMkLst>
-          <pc:docMk/>
-          <pc:sldMk cId="3947401979" sldId="2147483551"/>
-        </pc:sldMkLst>
-      </pc:sldChg>
-      <pc:sldChg chg="addSp delSp modSp">
-        <pc:chgData name="Matthieu BRIEND" userId="S::mbriend@lemonway.com::f43b7032-540d-4661-9645-e17125bf3d76" providerId="AD" clId="Web-{8C3DAA53-8698-68DA-30E7-EA269715A3AF}" dt="2025-01-26T11:37:37.839" v="898" actId="1076"/>
-        <pc:sldMkLst>
-          <pc:docMk/>
-          <pc:sldMk cId="237779500" sldId="2147483552"/>
-        </pc:sldMkLst>
-      </pc:sldChg>
-      <pc:sldChg chg="del">
-        <pc:chgData name="Matthieu BRIEND" userId="S::mbriend@lemonway.com::f43b7032-540d-4661-9645-e17125bf3d76" providerId="AD" clId="Web-{8C3DAA53-8698-68DA-30E7-EA269715A3AF}" dt="2025-01-26T11:41:22.378" v="936"/>
-        <pc:sldMkLst>
-          <pc:docMk/>
-          <pc:sldMk cId="3834754012" sldId="2147483553"/>
-        </pc:sldMkLst>
-      </pc:sldChg>
-      <pc:sldChg chg="modSp">
-        <pc:chgData name="Matthieu BRIEND" userId="S::mbriend@lemonway.com::f43b7032-540d-4661-9645-e17125bf3d76" providerId="AD" clId="Web-{8C3DAA53-8698-68DA-30E7-EA269715A3AF}" dt="2025-01-26T12:06:23.175" v="1130" actId="1076"/>
-        <pc:sldMkLst>
-          <pc:docMk/>
-          <pc:sldMk cId="2159616718" sldId="2147483554"/>
-        </pc:sldMkLst>
-      </pc:sldChg>
-      <pc:sldChg chg="addSp delSp modSp add replId">
-        <pc:chgData name="Matthieu BRIEND" userId="S::mbriend@lemonway.com::f43b7032-540d-4661-9645-e17125bf3d76" providerId="AD" clId="Web-{8C3DAA53-8698-68DA-30E7-EA269715A3AF}" dt="2025-01-26T12:00:43.693" v="1107" actId="20577"/>
-        <pc:sldMkLst>
-          <pc:docMk/>
-          <pc:sldMk cId="2971429069" sldId="2147483555"/>
-        </pc:sldMkLst>
-      </pc:sldChg>
-      <pc:sldChg chg="addSp delSp modSp add del replId">
-        <pc:chgData name="Matthieu BRIEND" userId="S::mbriend@lemonway.com::f43b7032-540d-4661-9645-e17125bf3d76" providerId="AD" clId="Web-{8C3DAA53-8698-68DA-30E7-EA269715A3AF}" dt="2025-01-26T12:12:26.309" v="1161"/>
-        <pc:sldMkLst>
-          <pc:docMk/>
-          <pc:sldMk cId="1968811102" sldId="2147483556"/>
-        </pc:sldMkLst>
-      </pc:sldChg>
-    </pc:docChg>
-  </pc:docChgLst>
-  <pc:docChgLst>
-    <pc:chgData name="Matthieu BRIEND" userId="S::mbriend@lemonway.com::f43b7032-540d-4661-9645-e17125bf3d76" providerId="AD" clId="Web-{EEF5B358-098F-D7F4-DDA6-18B13C2BB593}"/>
-    <pc:docChg chg="modSld">
-      <pc:chgData name="Matthieu BRIEND" userId="S::mbriend@lemonway.com::f43b7032-540d-4661-9645-e17125bf3d76" providerId="AD" clId="Web-{EEF5B358-098F-D7F4-DDA6-18B13C2BB593}" dt="2025-01-22T17:41:08.148" v="142" actId="20577"/>
-      <pc:docMkLst>
-        <pc:docMk/>
-      </pc:docMkLst>
-      <pc:sldChg chg="modSp">
-        <pc:chgData name="Matthieu BRIEND" userId="S::mbriend@lemonway.com::f43b7032-540d-4661-9645-e17125bf3d76" providerId="AD" clId="Web-{EEF5B358-098F-D7F4-DDA6-18B13C2BB593}" dt="2025-01-22T17:41:08.148" v="142" actId="20577"/>
-        <pc:sldMkLst>
-          <pc:docMk/>
-          <pc:sldMk cId="3613313698" sldId="2147483536"/>
-        </pc:sldMkLst>
-      </pc:sldChg>
-      <pc:sldChg chg="modSp">
-        <pc:chgData name="Matthieu BRIEND" userId="S::mbriend@lemonway.com::f43b7032-540d-4661-9645-e17125bf3d76" providerId="AD" clId="Web-{EEF5B358-098F-D7F4-DDA6-18B13C2BB593}" dt="2025-01-22T17:36:57.857" v="89" actId="20577"/>
-        <pc:sldMkLst>
-          <pc:docMk/>
-          <pc:sldMk cId="3330874013" sldId="2147483537"/>
-        </pc:sldMkLst>
-      </pc:sldChg>
-      <pc:sldChg chg="addSp modSp">
-        <pc:chgData name="Matthieu BRIEND" userId="S::mbriend@lemonway.com::f43b7032-540d-4661-9645-e17125bf3d76" providerId="AD" clId="Web-{EEF5B358-098F-D7F4-DDA6-18B13C2BB593}" dt="2025-01-22T17:35:37.464" v="84" actId="1076"/>
-        <pc:sldMkLst>
-          <pc:docMk/>
-          <pc:sldMk cId="2996027476" sldId="2147483538"/>
         </pc:sldMkLst>
       </pc:sldChg>
     </pc:docChg>
@@ -2535,108 +2000,265 @@
     </pc:docChg>
   </pc:docChgLst>
   <pc:docChgLst>
-    <pc:chgData name="Martin-Pierre GAULTIER" userId="S::mpgaultier@lemonway.com::0415e4a0-177e-4c12-b0e5-1f7bc3cae49f" providerId="AD" clId="Web-{25F07FC2-B9C7-CFAD-4729-CEF50097650F}"/>
-    <pc:docChg chg="addSld delSld modSld sldOrd">
-      <pc:chgData name="Martin-Pierre GAULTIER" userId="S::mpgaultier@lemonway.com::0415e4a0-177e-4c12-b0e5-1f7bc3cae49f" providerId="AD" clId="Web-{25F07FC2-B9C7-CFAD-4729-CEF50097650F}" dt="2025-01-27T19:30:46.877" v="510"/>
+    <pc:chgData name="Stéphan DOMAGALA" userId="1cc0081d-4eba-47b8-a881-e2990e5a4104" providerId="ADAL" clId="{0B12B3CC-D8E7-4D55-8BE7-84A045DD8A00}"/>
+    <pc:docChg chg="undo custSel addSld delSld modSld">
+      <pc:chgData name="Stéphan DOMAGALA" userId="1cc0081d-4eba-47b8-a881-e2990e5a4104" providerId="ADAL" clId="{0B12B3CC-D8E7-4D55-8BE7-84A045DD8A00}" dt="2025-01-27T16:34:14.880" v="603" actId="20577"/>
       <pc:docMkLst>
         <pc:docMk/>
       </pc:docMkLst>
-      <pc:sldChg chg="ord">
-        <pc:chgData name="Martin-Pierre GAULTIER" userId="S::mpgaultier@lemonway.com::0415e4a0-177e-4c12-b0e5-1f7bc3cae49f" providerId="AD" clId="Web-{25F07FC2-B9C7-CFAD-4729-CEF50097650F}" dt="2025-01-27T15:46:19.494" v="26"/>
-        <pc:sldMkLst>
-          <pc:docMk/>
-          <pc:sldMk cId="2391188043" sldId="2147483490"/>
+      <pc:sldChg chg="addSp delSp modSp add del mod">
+        <pc:chgData name="Stéphan DOMAGALA" userId="1cc0081d-4eba-47b8-a881-e2990e5a4104" providerId="ADAL" clId="{0B12B3CC-D8E7-4D55-8BE7-84A045DD8A00}" dt="2025-01-27T08:51:20.999" v="371" actId="20577"/>
+        <pc:sldMkLst>
+          <pc:docMk/>
+          <pc:sldMk cId="3452786207" sldId="2147483544"/>
+        </pc:sldMkLst>
+      </pc:sldChg>
+      <pc:sldChg chg="del">
+        <pc:chgData name="Stéphan DOMAGALA" userId="1cc0081d-4eba-47b8-a881-e2990e5a4104" providerId="ADAL" clId="{0B12B3CC-D8E7-4D55-8BE7-84A045DD8A00}" dt="2025-01-27T08:35:24.506" v="0" actId="47"/>
+        <pc:sldMkLst>
+          <pc:docMk/>
+          <pc:sldMk cId="1636887273" sldId="2147483572"/>
+        </pc:sldMkLst>
+      </pc:sldChg>
+      <pc:sldChg chg="modSp add del mod">
+        <pc:chgData name="Stéphan DOMAGALA" userId="1cc0081d-4eba-47b8-a881-e2990e5a4104" providerId="ADAL" clId="{0B12B3CC-D8E7-4D55-8BE7-84A045DD8A00}" dt="2025-01-27T16:34:14.880" v="603" actId="20577"/>
+        <pc:sldMkLst>
+          <pc:docMk/>
+          <pc:sldMk cId="1851883643" sldId="2147483572"/>
+        </pc:sldMkLst>
+      </pc:sldChg>
+      <pc:sldChg chg="add del">
+        <pc:chgData name="Stéphan DOMAGALA" userId="1cc0081d-4eba-47b8-a881-e2990e5a4104" providerId="ADAL" clId="{0B12B3CC-D8E7-4D55-8BE7-84A045DD8A00}" dt="2025-01-27T08:35:43.434" v="3"/>
+        <pc:sldMkLst>
+          <pc:docMk/>
+          <pc:sldMk cId="3904257479" sldId="2147483573"/>
+        </pc:sldMkLst>
+      </pc:sldChg>
+      <pc:sldChg chg="add del">
+        <pc:chgData name="Stéphan DOMAGALA" userId="1cc0081d-4eba-47b8-a881-e2990e5a4104" providerId="ADAL" clId="{0B12B3CC-D8E7-4D55-8BE7-84A045DD8A00}" dt="2025-01-27T08:35:43.434" v="3"/>
+        <pc:sldMkLst>
+          <pc:docMk/>
+          <pc:sldMk cId="1584404665" sldId="2147483574"/>
+        </pc:sldMkLst>
+      </pc:sldChg>
+      <pc:sldChg chg="del">
+        <pc:chgData name="Stéphan DOMAGALA" userId="1cc0081d-4eba-47b8-a881-e2990e5a4104" providerId="ADAL" clId="{0B12B3CC-D8E7-4D55-8BE7-84A045DD8A00}" dt="2025-01-27T08:35:24.506" v="0" actId="47"/>
+        <pc:sldMkLst>
+          <pc:docMk/>
+          <pc:sldMk cId="3375371089" sldId="2147483574"/>
+        </pc:sldMkLst>
+      </pc:sldChg>
+      <pc:sldChg chg="modSp add del mod">
+        <pc:chgData name="Stéphan DOMAGALA" userId="1cc0081d-4eba-47b8-a881-e2990e5a4104" providerId="ADAL" clId="{0B12B3CC-D8E7-4D55-8BE7-84A045DD8A00}" dt="2025-01-27T14:45:08.033" v="580" actId="20577"/>
+        <pc:sldMkLst>
+          <pc:docMk/>
+          <pc:sldMk cId="3593561478" sldId="2147483575"/>
+        </pc:sldMkLst>
+      </pc:sldChg>
+      <pc:sldChg chg="addSp modSp add del mod">
+        <pc:chgData name="Stéphan DOMAGALA" userId="1cc0081d-4eba-47b8-a881-e2990e5a4104" providerId="ADAL" clId="{0B12B3CC-D8E7-4D55-8BE7-84A045DD8A00}" dt="2025-01-27T14:47:33.623" v="595" actId="20577"/>
+        <pc:sldMkLst>
+          <pc:docMk/>
+          <pc:sldMk cId="3395933212" sldId="2147483576"/>
+        </pc:sldMkLst>
+      </pc:sldChg>
+      <pc:sldChg chg="addSp modSp add del mod">
+        <pc:chgData name="Stéphan DOMAGALA" userId="1cc0081d-4eba-47b8-a881-e2990e5a4104" providerId="ADAL" clId="{0B12B3CC-D8E7-4D55-8BE7-84A045DD8A00}" dt="2025-01-27T08:52:54.066" v="498" actId="12"/>
+        <pc:sldMkLst>
+          <pc:docMk/>
+          <pc:sldMk cId="4045004320" sldId="2147483577"/>
+        </pc:sldMkLst>
+      </pc:sldChg>
+    </pc:docChg>
+  </pc:docChgLst>
+  <pc:docChgLst>
+    <pc:chgData name="Ambre SONOR" userId="S::asonor@lemonway.com::020792ae-fc4a-47d7-9e18-119d3ce04a29" providerId="AD" clId="Web-{AA3DA544-34D6-704C-CAD6-C2EDA0EC905C}"/>
+    <pc:docChg chg="modSld">
+      <pc:chgData name="Ambre SONOR" userId="S::asonor@lemonway.com::020792ae-fc4a-47d7-9e18-119d3ce04a29" providerId="AD" clId="Web-{AA3DA544-34D6-704C-CAD6-C2EDA0EC905C}" dt="2025-01-23T16:20:06.349" v="9"/>
+      <pc:docMkLst>
+        <pc:docMk/>
+      </pc:docMkLst>
+      <pc:sldChg chg="addSp delSp modSp">
+        <pc:chgData name="Ambre SONOR" userId="S::asonor@lemonway.com::020792ae-fc4a-47d7-9e18-119d3ce04a29" providerId="AD" clId="Web-{AA3DA544-34D6-704C-CAD6-C2EDA0EC905C}" dt="2025-01-23T16:20:06.349" v="9"/>
+        <pc:sldMkLst>
+          <pc:docMk/>
+          <pc:sldMk cId="0" sldId="283"/>
+        </pc:sldMkLst>
+      </pc:sldChg>
+      <pc:sldChg chg="addSp delSp modSp">
+        <pc:chgData name="Ambre SONOR" userId="S::asonor@lemonway.com::020792ae-fc4a-47d7-9e18-119d3ce04a29" providerId="AD" clId="Web-{AA3DA544-34D6-704C-CAD6-C2EDA0EC905C}" dt="2025-01-23T14:20:02.180" v="1"/>
+        <pc:sldMkLst>
+          <pc:docMk/>
+          <pc:sldMk cId="3810240017" sldId="549"/>
+        </pc:sldMkLst>
+      </pc:sldChg>
+    </pc:docChg>
+  </pc:docChgLst>
+  <pc:docChgLst>
+    <pc:chgData name="Alexane BAUDRON" userId="c4e72a19-1b71-4ae0-b940-702fdd1a721d" providerId="ADAL" clId="{6A71322E-4FCE-3245-83CA-06CB33400DB1}"/>
+    <pc:docChg chg="modSld">
+      <pc:chgData name="Alexane BAUDRON" userId="c4e72a19-1b71-4ae0-b940-702fdd1a721d" providerId="ADAL" clId="{6A71322E-4FCE-3245-83CA-06CB33400DB1}" dt="2025-04-11T09:00:26.354" v="0" actId="207"/>
+      <pc:docMkLst>
+        <pc:docMk/>
+      </pc:docMkLst>
+      <pc:sldChg chg="modSp mod">
+        <pc:chgData name="Alexane BAUDRON" userId="c4e72a19-1b71-4ae0-b940-702fdd1a721d" providerId="ADAL" clId="{6A71322E-4FCE-3245-83CA-06CB33400DB1}" dt="2025-04-11T09:00:26.354" v="0" actId="207"/>
+        <pc:sldMkLst>
+          <pc:docMk/>
+          <pc:sldMk cId="1292861028" sldId="2147483484"/>
+        </pc:sldMkLst>
+      </pc:sldChg>
+    </pc:docChg>
+  </pc:docChgLst>
+  <pc:docChgLst>
+    <pc:chgData name="Matthieu BRIEND" userId="S::mbriend@lemonway.com::f43b7032-540d-4661-9645-e17125bf3d76" providerId="AD" clId="Web-{8C3DAA53-8698-68DA-30E7-EA269715A3AF}"/>
+    <pc:docChg chg="addSld delSld modSld">
+      <pc:chgData name="Matthieu BRIEND" userId="S::mbriend@lemonway.com::f43b7032-540d-4661-9645-e17125bf3d76" providerId="AD" clId="Web-{8C3DAA53-8698-68DA-30E7-EA269715A3AF}" dt="2025-01-26T12:12:26.309" v="1161"/>
+      <pc:docMkLst>
+        <pc:docMk/>
+      </pc:docMkLst>
+      <pc:sldChg chg="addSp delSp modSp">
+        <pc:chgData name="Matthieu BRIEND" userId="S::mbriend@lemonway.com::f43b7032-540d-4661-9645-e17125bf3d76" providerId="AD" clId="Web-{8C3DAA53-8698-68DA-30E7-EA269715A3AF}" dt="2025-01-26T11:32:46.567" v="811"/>
+        <pc:sldMkLst>
+          <pc:docMk/>
+          <pc:sldMk cId="2982750" sldId="297"/>
+        </pc:sldMkLst>
+      </pc:sldChg>
+      <pc:sldChg chg="modSp del">
+        <pc:chgData name="Matthieu BRIEND" userId="S::mbriend@lemonway.com::f43b7032-540d-4661-9645-e17125bf3d76" providerId="AD" clId="Web-{8C3DAA53-8698-68DA-30E7-EA269715A3AF}" dt="2025-01-26T11:04:28.555" v="332"/>
+        <pc:sldMkLst>
+          <pc:docMk/>
+          <pc:sldMk cId="3613313698" sldId="2147483536"/>
         </pc:sldMkLst>
       </pc:sldChg>
       <pc:sldChg chg="modSp">
-        <pc:chgData name="Martin-Pierre GAULTIER" userId="S::mpgaultier@lemonway.com::0415e4a0-177e-4c12-b0e5-1f7bc3cae49f" providerId="AD" clId="Web-{25F07FC2-B9C7-CFAD-4729-CEF50097650F}" dt="2025-01-27T19:30:46.877" v="510"/>
-        <pc:sldMkLst>
-          <pc:docMk/>
-          <pc:sldMk cId="2312050107" sldId="2147483522"/>
+        <pc:chgData name="Matthieu BRIEND" userId="S::mbriend@lemonway.com::f43b7032-540d-4661-9645-e17125bf3d76" providerId="AD" clId="Web-{8C3DAA53-8698-68DA-30E7-EA269715A3AF}" dt="2025-01-26T12:01:06.553" v="1111" actId="20577"/>
+        <pc:sldMkLst>
+          <pc:docMk/>
+          <pc:sldMk cId="3330874013" sldId="2147483537"/>
+        </pc:sldMkLst>
+      </pc:sldChg>
+      <pc:sldChg chg="addSp delSp modSp mod setBg">
+        <pc:chgData name="Matthieu BRIEND" userId="S::mbriend@lemonway.com::f43b7032-540d-4661-9645-e17125bf3d76" providerId="AD" clId="Web-{8C3DAA53-8698-68DA-30E7-EA269715A3AF}" dt="2025-01-26T12:12:23.668" v="1160"/>
+        <pc:sldMkLst>
+          <pc:docMk/>
+          <pc:sldMk cId="3713441185" sldId="2147483549"/>
+        </pc:sldMkLst>
+      </pc:sldChg>
+      <pc:sldChg chg="addSp delSp modSp">
+        <pc:chgData name="Matthieu BRIEND" userId="S::mbriend@lemonway.com::f43b7032-540d-4661-9645-e17125bf3d76" providerId="AD" clId="Web-{8C3DAA53-8698-68DA-30E7-EA269715A3AF}" dt="2025-01-26T11:10:00.048" v="394" actId="1076"/>
+        <pc:sldMkLst>
+          <pc:docMk/>
+          <pc:sldMk cId="3947401979" sldId="2147483551"/>
+        </pc:sldMkLst>
+      </pc:sldChg>
+      <pc:sldChg chg="addSp delSp modSp">
+        <pc:chgData name="Matthieu BRIEND" userId="S::mbriend@lemonway.com::f43b7032-540d-4661-9645-e17125bf3d76" providerId="AD" clId="Web-{8C3DAA53-8698-68DA-30E7-EA269715A3AF}" dt="2025-01-26T11:37:37.839" v="898" actId="1076"/>
+        <pc:sldMkLst>
+          <pc:docMk/>
+          <pc:sldMk cId="237779500" sldId="2147483552"/>
+        </pc:sldMkLst>
+      </pc:sldChg>
+      <pc:sldChg chg="del">
+        <pc:chgData name="Matthieu BRIEND" userId="S::mbriend@lemonway.com::f43b7032-540d-4661-9645-e17125bf3d76" providerId="AD" clId="Web-{8C3DAA53-8698-68DA-30E7-EA269715A3AF}" dt="2025-01-26T11:41:22.378" v="936"/>
+        <pc:sldMkLst>
+          <pc:docMk/>
+          <pc:sldMk cId="3834754012" sldId="2147483553"/>
         </pc:sldMkLst>
       </pc:sldChg>
       <pc:sldChg chg="modSp">
-        <pc:chgData name="Martin-Pierre GAULTIER" userId="S::mpgaultier@lemonway.com::0415e4a0-177e-4c12-b0e5-1f7bc3cae49f" providerId="AD" clId="Web-{25F07FC2-B9C7-CFAD-4729-CEF50097650F}" dt="2025-01-27T19:21:28.846" v="444" actId="20577"/>
+        <pc:chgData name="Matthieu BRIEND" userId="S::mbriend@lemonway.com::f43b7032-540d-4661-9645-e17125bf3d76" providerId="AD" clId="Web-{8C3DAA53-8698-68DA-30E7-EA269715A3AF}" dt="2025-01-26T12:06:23.175" v="1130" actId="1076"/>
+        <pc:sldMkLst>
+          <pc:docMk/>
+          <pc:sldMk cId="2159616718" sldId="2147483554"/>
+        </pc:sldMkLst>
+      </pc:sldChg>
+      <pc:sldChg chg="addSp delSp modSp add replId">
+        <pc:chgData name="Matthieu BRIEND" userId="S::mbriend@lemonway.com::f43b7032-540d-4661-9645-e17125bf3d76" providerId="AD" clId="Web-{8C3DAA53-8698-68DA-30E7-EA269715A3AF}" dt="2025-01-26T12:00:43.693" v="1107" actId="20577"/>
+        <pc:sldMkLst>
+          <pc:docMk/>
+          <pc:sldMk cId="2971429069" sldId="2147483555"/>
+        </pc:sldMkLst>
+      </pc:sldChg>
+      <pc:sldChg chg="addSp delSp modSp add del replId">
+        <pc:chgData name="Matthieu BRIEND" userId="S::mbriend@lemonway.com::f43b7032-540d-4661-9645-e17125bf3d76" providerId="AD" clId="Web-{8C3DAA53-8698-68DA-30E7-EA269715A3AF}" dt="2025-01-26T12:12:26.309" v="1161"/>
+        <pc:sldMkLst>
+          <pc:docMk/>
+          <pc:sldMk cId="1968811102" sldId="2147483556"/>
+        </pc:sldMkLst>
+      </pc:sldChg>
+    </pc:docChg>
+  </pc:docChgLst>
+  <pc:docChgLst>
+    <pc:chgData name="Martin-Pierre GAULTIER" userId="S::mpgaultier@lemonway.com::0415e4a0-177e-4c12-b0e5-1f7bc3cae49f" providerId="AD" clId="Web-{BAA7B3D3-4CEA-FBD7-03BF-9B5CD847D190}"/>
+    <pc:docChg chg="modSld sldOrd">
+      <pc:chgData name="Martin-Pierre GAULTIER" userId="S::mpgaultier@lemonway.com::0415e4a0-177e-4c12-b0e5-1f7bc3cae49f" providerId="AD" clId="Web-{BAA7B3D3-4CEA-FBD7-03BF-9B5CD847D190}" dt="2025-01-23T14:05:59.281" v="718" actId="20577"/>
+      <pc:docMkLst>
+        <pc:docMk/>
+      </pc:docMkLst>
+      <pc:sldChg chg="modSp">
+        <pc:chgData name="Martin-Pierre GAULTIER" userId="S::mpgaultier@lemonway.com::0415e4a0-177e-4c12-b0e5-1f7bc3cae49f" providerId="AD" clId="Web-{BAA7B3D3-4CEA-FBD7-03BF-9B5CD847D190}" dt="2025-01-23T12:47:57.803" v="575" actId="1076"/>
+        <pc:sldMkLst>
+          <pc:docMk/>
+          <pc:sldMk cId="520368926" sldId="2147483482"/>
+        </pc:sldMkLst>
+      </pc:sldChg>
+      <pc:sldChg chg="modSp">
+        <pc:chgData name="Martin-Pierre GAULTIER" userId="S::mpgaultier@lemonway.com::0415e4a0-177e-4c12-b0e5-1f7bc3cae49f" providerId="AD" clId="Web-{BAA7B3D3-4CEA-FBD7-03BF-9B5CD847D190}" dt="2025-01-23T12:27:12.923" v="12" actId="20577"/>
+        <pc:sldMkLst>
+          <pc:docMk/>
+          <pc:sldMk cId="1260531968" sldId="2147483524"/>
+        </pc:sldMkLst>
+      </pc:sldChg>
+      <pc:sldChg chg="addSp modSp">
+        <pc:chgData name="Martin-Pierre GAULTIER" userId="S::mpgaultier@lemonway.com::0415e4a0-177e-4c12-b0e5-1f7bc3cae49f" providerId="AD" clId="Web-{BAA7B3D3-4CEA-FBD7-03BF-9B5CD847D190}" dt="2025-01-23T12:35:23.159" v="327" actId="1076"/>
+        <pc:sldMkLst>
+          <pc:docMk/>
+          <pc:sldMk cId="3207649941" sldId="2147483525"/>
+        </pc:sldMkLst>
+      </pc:sldChg>
+      <pc:sldChg chg="addSp modSp">
+        <pc:chgData name="Martin-Pierre GAULTIER" userId="S::mpgaultier@lemonway.com::0415e4a0-177e-4c12-b0e5-1f7bc3cae49f" providerId="AD" clId="Web-{BAA7B3D3-4CEA-FBD7-03BF-9B5CD847D190}" dt="2025-01-23T12:39:48.238" v="535"/>
         <pc:sldMkLst>
           <pc:docMk/>
           <pc:sldMk cId="2246678326" sldId="2147483526"/>
         </pc:sldMkLst>
       </pc:sldChg>
-      <pc:sldChg chg="modSp">
-        <pc:chgData name="Martin-Pierre GAULTIER" userId="S::mpgaultier@lemonway.com::0415e4a0-177e-4c12-b0e5-1f7bc3cae49f" providerId="AD" clId="Web-{25F07FC2-B9C7-CFAD-4729-CEF50097650F}" dt="2025-01-27T19:17:09.308" v="288" actId="20577"/>
+      <pc:sldChg chg="addSp delSp modSp">
+        <pc:chgData name="Martin-Pierre GAULTIER" userId="S::mpgaultier@lemonway.com::0415e4a0-177e-4c12-b0e5-1f7bc3cae49f" providerId="AD" clId="Web-{BAA7B3D3-4CEA-FBD7-03BF-9B5CD847D190}" dt="2025-01-23T12:56:28.790" v="717" actId="20577"/>
         <pc:sldMkLst>
           <pc:docMk/>
           <pc:sldMk cId="4251313692" sldId="2147483528"/>
         </pc:sldMkLst>
       </pc:sldChg>
-      <pc:sldChg chg="addSp modSp">
-        <pc:chgData name="Martin-Pierre GAULTIER" userId="S::mpgaultier@lemonway.com::0415e4a0-177e-4c12-b0e5-1f7bc3cae49f" providerId="AD" clId="Web-{25F07FC2-B9C7-CFAD-4729-CEF50097650F}" dt="2025-01-27T19:29:07.515" v="476" actId="20577"/>
+      <pc:sldChg chg="delSp modSp">
+        <pc:chgData name="Martin-Pierre GAULTIER" userId="S::mpgaultier@lemonway.com::0415e4a0-177e-4c12-b0e5-1f7bc3cae49f" providerId="AD" clId="Web-{BAA7B3D3-4CEA-FBD7-03BF-9B5CD847D190}" dt="2025-01-23T12:56:11.618" v="689" actId="20577"/>
+        <pc:sldMkLst>
+          <pc:docMk/>
+          <pc:sldMk cId="1326845705" sldId="2147483529"/>
+        </pc:sldMkLst>
+      </pc:sldChg>
+      <pc:sldChg chg="addSp modSp ord">
+        <pc:chgData name="Martin-Pierre GAULTIER" userId="S::mpgaultier@lemonway.com::0415e4a0-177e-4c12-b0e5-1f7bc3cae49f" providerId="AD" clId="Web-{BAA7B3D3-4CEA-FBD7-03BF-9B5CD847D190}" dt="2025-01-23T14:05:59.281" v="718" actId="20577"/>
         <pc:sldMkLst>
           <pc:docMk/>
           <pc:sldMk cId="1584612849" sldId="2147483531"/>
         </pc:sldMkLst>
       </pc:sldChg>
-      <pc:sldChg chg="ord">
-        <pc:chgData name="Martin-Pierre GAULTIER" userId="S::mpgaultier@lemonway.com::0415e4a0-177e-4c12-b0e5-1f7bc3cae49f" providerId="AD" clId="Web-{25F07FC2-B9C7-CFAD-4729-CEF50097650F}" dt="2025-01-27T15:46:19.494" v="20"/>
-        <pc:sldMkLst>
-          <pc:docMk/>
-          <pc:sldMk cId="3452786207" sldId="2147483544"/>
-        </pc:sldMkLst>
-      </pc:sldChg>
-      <pc:sldChg chg="ord">
-        <pc:chgData name="Martin-Pierre GAULTIER" userId="S::mpgaultier@lemonway.com::0415e4a0-177e-4c12-b0e5-1f7bc3cae49f" providerId="AD" clId="Web-{25F07FC2-B9C7-CFAD-4729-CEF50097650F}" dt="2025-01-27T15:46:19.494" v="25"/>
-        <pc:sldMkLst>
-          <pc:docMk/>
-          <pc:sldMk cId="1851883643" sldId="2147483572"/>
-        </pc:sldMkLst>
-      </pc:sldChg>
-      <pc:sldChg chg="ord">
-        <pc:chgData name="Martin-Pierre GAULTIER" userId="S::mpgaultier@lemonway.com::0415e4a0-177e-4c12-b0e5-1f7bc3cae49f" providerId="AD" clId="Web-{25F07FC2-B9C7-CFAD-4729-CEF50097650F}" dt="2025-01-27T15:46:19.494" v="24"/>
-        <pc:sldMkLst>
-          <pc:docMk/>
-          <pc:sldMk cId="3904257479" sldId="2147483573"/>
-        </pc:sldMkLst>
-      </pc:sldChg>
-      <pc:sldChg chg="ord">
-        <pc:chgData name="Martin-Pierre GAULTIER" userId="S::mpgaultier@lemonway.com::0415e4a0-177e-4c12-b0e5-1f7bc3cae49f" providerId="AD" clId="Web-{25F07FC2-B9C7-CFAD-4729-CEF50097650F}" dt="2025-01-27T15:46:19.494" v="23"/>
-        <pc:sldMkLst>
-          <pc:docMk/>
-          <pc:sldMk cId="1584404665" sldId="2147483574"/>
-        </pc:sldMkLst>
-      </pc:sldChg>
-      <pc:sldChg chg="ord">
-        <pc:chgData name="Martin-Pierre GAULTIER" userId="S::mpgaultier@lemonway.com::0415e4a0-177e-4c12-b0e5-1f7bc3cae49f" providerId="AD" clId="Web-{25F07FC2-B9C7-CFAD-4729-CEF50097650F}" dt="2025-01-27T15:46:19.494" v="22"/>
-        <pc:sldMkLst>
-          <pc:docMk/>
-          <pc:sldMk cId="3593561478" sldId="2147483575"/>
-        </pc:sldMkLst>
-      </pc:sldChg>
-      <pc:sldChg chg="ord">
-        <pc:chgData name="Martin-Pierre GAULTIER" userId="S::mpgaultier@lemonway.com::0415e4a0-177e-4c12-b0e5-1f7bc3cae49f" providerId="AD" clId="Web-{25F07FC2-B9C7-CFAD-4729-CEF50097650F}" dt="2025-01-27T15:46:19.494" v="21"/>
-        <pc:sldMkLst>
-          <pc:docMk/>
-          <pc:sldMk cId="3395933212" sldId="2147483576"/>
-        </pc:sldMkLst>
-      </pc:sldChg>
-      <pc:sldChg chg="ord">
-        <pc:chgData name="Martin-Pierre GAULTIER" userId="S::mpgaultier@lemonway.com::0415e4a0-177e-4c12-b0e5-1f7bc3cae49f" providerId="AD" clId="Web-{25F07FC2-B9C7-CFAD-4729-CEF50097650F}" dt="2025-01-27T15:46:19.478" v="19"/>
-        <pc:sldMkLst>
-          <pc:docMk/>
-          <pc:sldMk cId="4045004320" sldId="2147483577"/>
-        </pc:sldMkLst>
-      </pc:sldChg>
-      <pc:sldChg chg="addSp delSp modSp ord">
-        <pc:chgData name="Martin-Pierre GAULTIER" userId="S::mpgaultier@lemonway.com::0415e4a0-177e-4c12-b0e5-1f7bc3cae49f" providerId="AD" clId="Web-{25F07FC2-B9C7-CFAD-4729-CEF50097650F}" dt="2025-01-27T19:29:49.798" v="505" actId="20577"/>
-        <pc:sldMkLst>
-          <pc:docMk/>
-          <pc:sldMk cId="1703776386" sldId="2147483579"/>
-        </pc:sldMkLst>
-      </pc:sldChg>
-      <pc:sldChg chg="add del replId">
-        <pc:chgData name="Martin-Pierre GAULTIER" userId="S::mpgaultier@lemonway.com::0415e4a0-177e-4c12-b0e5-1f7bc3cae49f" providerId="AD" clId="Web-{25F07FC2-B9C7-CFAD-4729-CEF50097650F}" dt="2025-01-27T19:20:32.454" v="410"/>
-        <pc:sldMkLst>
-          <pc:docMk/>
-          <pc:sldMk cId="4246493447" sldId="2147483581"/>
+    </pc:docChg>
+  </pc:docChgLst>
+  <pc:docChgLst>
+    <pc:chgData name="Ambre SONOR" userId="S::asonor@lemonway.com::020792ae-fc4a-47d7-9e18-119d3ce04a29" providerId="AD" clId="Web-{087ADC44-AF41-25CC-C4D3-3F18F367B117}"/>
+    <pc:docChg chg="modSld">
+      <pc:chgData name="Ambre SONOR" userId="S::asonor@lemonway.com::020792ae-fc4a-47d7-9e18-119d3ce04a29" providerId="AD" clId="Web-{087ADC44-AF41-25CC-C4D3-3F18F367B117}" dt="2025-02-10T16:13:37.363" v="0"/>
+      <pc:docMkLst>
+        <pc:docMk/>
+      </pc:docMkLst>
+      <pc:sldChg chg="mod modShow">
+        <pc:chgData name="Ambre SONOR" userId="S::asonor@lemonway.com::020792ae-fc4a-47d7-9e18-119d3ce04a29" providerId="AD" clId="Web-{087ADC44-AF41-25CC-C4D3-3F18F367B117}" dt="2025-02-10T16:13:37.363" v="0"/>
+        <pc:sldMkLst>
+          <pc:docMk/>
+          <pc:sldMk cId="3810240017" sldId="549"/>
         </pc:sldMkLst>
       </pc:sldChg>
     </pc:docChg>
@@ -2672,123 +2294,327 @@
     </pc:docChg>
   </pc:docChgLst>
   <pc:docChgLst>
-    <pc:chgData name="Ambre SONOR" userId="S::asonor@lemonway.com::020792ae-fc4a-47d7-9e18-119d3ce04a29" providerId="AD" clId="Web-{0439425D-BD67-172D-A5EA-E1218579A8CF}"/>
-    <pc:docChg chg="modSld">
-      <pc:chgData name="Ambre SONOR" userId="S::asonor@lemonway.com::020792ae-fc4a-47d7-9e18-119d3ce04a29" providerId="AD" clId="Web-{0439425D-BD67-172D-A5EA-E1218579A8CF}" dt="2025-01-23T14:00:36.062" v="9" actId="1076"/>
+    <pc:chgData name="Alexane BAUDRON" userId="c4e72a19-1b71-4ae0-b940-702fdd1a721d" providerId="ADAL" clId="{08F0C1F7-0D3F-AD47-8214-16B984571863}"/>
+    <pc:docChg chg="delSld delMainMaster">
+      <pc:chgData name="Alexane BAUDRON" userId="c4e72a19-1b71-4ae0-b940-702fdd1a721d" providerId="ADAL" clId="{08F0C1F7-0D3F-AD47-8214-16B984571863}" dt="2025-06-30T07:55:04.772" v="44" actId="2696"/>
       <pc:docMkLst>
         <pc:docMk/>
       </pc:docMkLst>
-      <pc:sldChg chg="modSp">
-        <pc:chgData name="Ambre SONOR" userId="S::asonor@lemonway.com::020792ae-fc4a-47d7-9e18-119d3ce04a29" providerId="AD" clId="Web-{0439425D-BD67-172D-A5EA-E1218579A8CF}" dt="2025-01-23T14:00:36.062" v="9" actId="1076"/>
-        <pc:sldMkLst>
-          <pc:docMk/>
-          <pc:sldMk cId="520368926" sldId="2147483482"/>
-        </pc:sldMkLst>
-      </pc:sldChg>
-    </pc:docChg>
-  </pc:docChgLst>
-  <pc:docChgLst>
-    <pc:chgData name="Martin-Pierre GAULTIER" userId="S::mpgaultier@lemonway.com::0415e4a0-177e-4c12-b0e5-1f7bc3cae49f" providerId="AD" clId="Web-{52BC3E1A-D6D2-44C8-CFE8-C19A6AC6F661}"/>
-    <pc:docChg chg="modSld">
-      <pc:chgData name="Martin-Pierre GAULTIER" userId="S::mpgaultier@lemonway.com::0415e4a0-177e-4c12-b0e5-1f7bc3cae49f" providerId="AD" clId="Web-{52BC3E1A-D6D2-44C8-CFE8-C19A6AC6F661}" dt="2025-05-19T13:39:57.360" v="20" actId="20577"/>
-      <pc:docMkLst>
-        <pc:docMk/>
-      </pc:docMkLst>
-      <pc:sldChg chg="modSp">
-        <pc:chgData name="Martin-Pierre GAULTIER" userId="S::mpgaultier@lemonway.com::0415e4a0-177e-4c12-b0e5-1f7bc3cae49f" providerId="AD" clId="Web-{52BC3E1A-D6D2-44C8-CFE8-C19A6AC6F661}" dt="2025-05-19T13:29:07.557" v="15" actId="14100"/>
+      <pc:sldChg chg="del">
+        <pc:chgData name="Alexane BAUDRON" userId="c4e72a19-1b71-4ae0-b940-702fdd1a721d" providerId="ADAL" clId="{08F0C1F7-0D3F-AD47-8214-16B984571863}" dt="2025-06-30T07:54:49.266" v="14" actId="2696"/>
+        <pc:sldMkLst>
+          <pc:docMk/>
+          <pc:sldMk cId="1836365198" sldId="2147483335"/>
+        </pc:sldMkLst>
+      </pc:sldChg>
+      <pc:sldChg chg="del">
+        <pc:chgData name="Alexane BAUDRON" userId="c4e72a19-1b71-4ae0-b940-702fdd1a721d" providerId="ADAL" clId="{08F0C1F7-0D3F-AD47-8214-16B984571863}" dt="2025-06-30T07:54:49.163" v="8" actId="2696"/>
+        <pc:sldMkLst>
+          <pc:docMk/>
+          <pc:sldMk cId="1425089493" sldId="2147483520"/>
+        </pc:sldMkLst>
+      </pc:sldChg>
+      <pc:sldChg chg="del">
+        <pc:chgData name="Alexane BAUDRON" userId="c4e72a19-1b71-4ae0-b940-702fdd1a721d" providerId="ADAL" clId="{08F0C1F7-0D3F-AD47-8214-16B984571863}" dt="2025-06-30T07:54:49.174" v="10" actId="2696"/>
+        <pc:sldMkLst>
+          <pc:docMk/>
+          <pc:sldMk cId="2312050107" sldId="2147483522"/>
+        </pc:sldMkLst>
+      </pc:sldChg>
+      <pc:sldChg chg="del">
+        <pc:chgData name="Alexane BAUDRON" userId="c4e72a19-1b71-4ae0-b940-702fdd1a721d" providerId="ADAL" clId="{08F0C1F7-0D3F-AD47-8214-16B984571863}" dt="2025-06-30T07:54:49.169" v="9" actId="2696"/>
+        <pc:sldMkLst>
+          <pc:docMk/>
+          <pc:sldMk cId="2474122460" sldId="2147483523"/>
+        </pc:sldMkLst>
+      </pc:sldChg>
+      <pc:sldChg chg="del">
+        <pc:chgData name="Alexane BAUDRON" userId="c4e72a19-1b71-4ae0-b940-702fdd1a721d" providerId="ADAL" clId="{08F0C1F7-0D3F-AD47-8214-16B984571863}" dt="2025-06-30T07:54:45.531" v="0" actId="2696"/>
+        <pc:sldMkLst>
+          <pc:docMk/>
+          <pc:sldMk cId="1260531968" sldId="2147483524"/>
+        </pc:sldMkLst>
+      </pc:sldChg>
+      <pc:sldChg chg="del">
+        <pc:chgData name="Alexane BAUDRON" userId="c4e72a19-1b71-4ae0-b940-702fdd1a721d" providerId="ADAL" clId="{08F0C1F7-0D3F-AD47-8214-16B984571863}" dt="2025-06-30T07:54:45.546" v="6" actId="2696"/>
+        <pc:sldMkLst>
+          <pc:docMk/>
+          <pc:sldMk cId="3207649941" sldId="2147483525"/>
+        </pc:sldMkLst>
+      </pc:sldChg>
+      <pc:sldChg chg="del">
+        <pc:chgData name="Alexane BAUDRON" userId="c4e72a19-1b71-4ae0-b940-702fdd1a721d" providerId="ADAL" clId="{08F0C1F7-0D3F-AD47-8214-16B984571863}" dt="2025-06-30T07:54:45.539" v="3" actId="2696"/>
         <pc:sldMkLst>
           <pc:docMk/>
           <pc:sldMk cId="2246678326" sldId="2147483526"/>
         </pc:sldMkLst>
       </pc:sldChg>
-      <pc:sldChg chg="addSp modSp">
-        <pc:chgData name="Martin-Pierre GAULTIER" userId="S::mpgaultier@lemonway.com::0415e4a0-177e-4c12-b0e5-1f7bc3cae49f" providerId="AD" clId="Web-{52BC3E1A-D6D2-44C8-CFE8-C19A6AC6F661}" dt="2025-05-19T13:26:37.412" v="7" actId="1076"/>
+      <pc:sldChg chg="del">
+        <pc:chgData name="Alexane BAUDRON" userId="c4e72a19-1b71-4ae0-b940-702fdd1a721d" providerId="ADAL" clId="{08F0C1F7-0D3F-AD47-8214-16B984571863}" dt="2025-06-30T07:54:45.535" v="1" actId="2696"/>
+        <pc:sldMkLst>
+          <pc:docMk/>
+          <pc:sldMk cId="4251313692" sldId="2147483528"/>
+        </pc:sldMkLst>
+      </pc:sldChg>
+      <pc:sldChg chg="del">
+        <pc:chgData name="Alexane BAUDRON" userId="c4e72a19-1b71-4ae0-b940-702fdd1a721d" providerId="ADAL" clId="{08F0C1F7-0D3F-AD47-8214-16B984571863}" dt="2025-06-30T07:54:45.538" v="2" actId="2696"/>
         <pc:sldMkLst>
           <pc:docMk/>
           <pc:sldMk cId="1326845705" sldId="2147483529"/>
         </pc:sldMkLst>
       </pc:sldChg>
-      <pc:sldChg chg="addSp modSp">
-        <pc:chgData name="Martin-Pierre GAULTIER" userId="S::mpgaultier@lemonway.com::0415e4a0-177e-4c12-b0e5-1f7bc3cae49f" providerId="AD" clId="Web-{52BC3E1A-D6D2-44C8-CFE8-C19A6AC6F661}" dt="2025-05-19T13:39:04.623" v="19" actId="1076"/>
+      <pc:sldChg chg="del">
+        <pc:chgData name="Alexane BAUDRON" userId="c4e72a19-1b71-4ae0-b940-702fdd1a721d" providerId="ADAL" clId="{08F0C1F7-0D3F-AD47-8214-16B984571863}" dt="2025-06-30T07:54:45.604" v="7" actId="2696"/>
+        <pc:sldMkLst>
+          <pc:docMk/>
+          <pc:sldMk cId="1584612849" sldId="2147483531"/>
+        </pc:sldMkLst>
+      </pc:sldChg>
+      <pc:sldChg chg="del">
+        <pc:chgData name="Alexane BAUDRON" userId="c4e72a19-1b71-4ae0-b940-702fdd1a721d" providerId="ADAL" clId="{08F0C1F7-0D3F-AD47-8214-16B984571863}" dt="2025-06-30T07:54:49.203" v="12" actId="2696"/>
+        <pc:sldMkLst>
+          <pc:docMk/>
+          <pc:sldMk cId="1176860781" sldId="2147483532"/>
+        </pc:sldMkLst>
+      </pc:sldChg>
+      <pc:sldChg chg="del">
+        <pc:chgData name="Alexane BAUDRON" userId="c4e72a19-1b71-4ae0-b940-702fdd1a721d" providerId="ADAL" clId="{08F0C1F7-0D3F-AD47-8214-16B984571863}" dt="2025-06-30T07:54:49.251" v="13" actId="2696"/>
+        <pc:sldMkLst>
+          <pc:docMk/>
+          <pc:sldMk cId="4213513957" sldId="2147483533"/>
+        </pc:sldMkLst>
+      </pc:sldChg>
+      <pc:sldChg chg="del">
+        <pc:chgData name="Alexane BAUDRON" userId="c4e72a19-1b71-4ae0-b940-702fdd1a721d" providerId="ADAL" clId="{08F0C1F7-0D3F-AD47-8214-16B984571863}" dt="2025-06-30T07:55:01.535" v="42" actId="2696"/>
+        <pc:sldMkLst>
+          <pc:docMk/>
+          <pc:sldMk cId="3330874013" sldId="2147483537"/>
+        </pc:sldMkLst>
+      </pc:sldChg>
+      <pc:sldChg chg="del">
+        <pc:chgData name="Alexane BAUDRON" userId="c4e72a19-1b71-4ae0-b940-702fdd1a721d" providerId="ADAL" clId="{08F0C1F7-0D3F-AD47-8214-16B984571863}" dt="2025-06-30T07:55:04.772" v="44" actId="2696"/>
+        <pc:sldMkLst>
+          <pc:docMk/>
+          <pc:sldMk cId="1186544563" sldId="2147483539"/>
+        </pc:sldMkLst>
+      </pc:sldChg>
+      <pc:sldChg chg="del">
+        <pc:chgData name="Alexane BAUDRON" userId="c4e72a19-1b71-4ae0-b940-702fdd1a721d" providerId="ADAL" clId="{08F0C1F7-0D3F-AD47-8214-16B984571863}" dt="2025-06-30T07:55:03.747" v="43" actId="2696"/>
+        <pc:sldMkLst>
+          <pc:docMk/>
+          <pc:sldMk cId="4133866324" sldId="2147483540"/>
+        </pc:sldMkLst>
+      </pc:sldChg>
+      <pc:sldChg chg="del">
+        <pc:chgData name="Alexane BAUDRON" userId="c4e72a19-1b71-4ae0-b940-702fdd1a721d" providerId="ADAL" clId="{08F0C1F7-0D3F-AD47-8214-16B984571863}" dt="2025-06-30T07:54:57.403" v="32" actId="2696"/>
+        <pc:sldMkLst>
+          <pc:docMk/>
+          <pc:sldMk cId="244232859" sldId="2147483541"/>
+        </pc:sldMkLst>
+      </pc:sldChg>
+      <pc:sldChg chg="del">
+        <pc:chgData name="Alexane BAUDRON" userId="c4e72a19-1b71-4ae0-b940-702fdd1a721d" providerId="ADAL" clId="{08F0C1F7-0D3F-AD47-8214-16B984571863}" dt="2025-06-30T07:54:57.398" v="31" actId="2696"/>
+        <pc:sldMkLst>
+          <pc:docMk/>
+          <pc:sldMk cId="12490850" sldId="2147483542"/>
+        </pc:sldMkLst>
+      </pc:sldChg>
+      <pc:sldChg chg="del">
+        <pc:chgData name="Alexane BAUDRON" userId="c4e72a19-1b71-4ae0-b940-702fdd1a721d" providerId="ADAL" clId="{08F0C1F7-0D3F-AD47-8214-16B984571863}" dt="2025-06-30T07:54:57.396" v="30" actId="2696"/>
+        <pc:sldMkLst>
+          <pc:docMk/>
+          <pc:sldMk cId="3141618727" sldId="2147483543"/>
+        </pc:sldMkLst>
+      </pc:sldChg>
+      <pc:sldChg chg="del">
+        <pc:chgData name="Alexane BAUDRON" userId="c4e72a19-1b71-4ae0-b940-702fdd1a721d" providerId="ADAL" clId="{08F0C1F7-0D3F-AD47-8214-16B984571863}" dt="2025-06-30T07:54:54.993" v="26" actId="2696"/>
+        <pc:sldMkLst>
+          <pc:docMk/>
+          <pc:sldMk cId="3452786207" sldId="2147483544"/>
+        </pc:sldMkLst>
+      </pc:sldChg>
+      <pc:sldChg chg="del">
+        <pc:chgData name="Alexane BAUDRON" userId="c4e72a19-1b71-4ae0-b940-702fdd1a721d" providerId="ADAL" clId="{08F0C1F7-0D3F-AD47-8214-16B984571863}" dt="2025-06-30T07:55:01.529" v="41" actId="2696"/>
+        <pc:sldMkLst>
+          <pc:docMk/>
+          <pc:sldMk cId="538564091" sldId="2147483545"/>
+        </pc:sldMkLst>
+      </pc:sldChg>
+      <pc:sldChg chg="del">
+        <pc:chgData name="Alexane BAUDRON" userId="c4e72a19-1b71-4ae0-b940-702fdd1a721d" providerId="ADAL" clId="{08F0C1F7-0D3F-AD47-8214-16B984571863}" dt="2025-06-30T07:55:01.490" v="36" actId="2696"/>
+        <pc:sldMkLst>
+          <pc:docMk/>
+          <pc:sldMk cId="323720210" sldId="2147483546"/>
+        </pc:sldMkLst>
+      </pc:sldChg>
+      <pc:sldChg chg="del">
+        <pc:chgData name="Alexane BAUDRON" userId="c4e72a19-1b71-4ae0-b940-702fdd1a721d" providerId="ADAL" clId="{08F0C1F7-0D3F-AD47-8214-16B984571863}" dt="2025-06-30T07:55:01.488" v="35" actId="2696"/>
+        <pc:sldMkLst>
+          <pc:docMk/>
+          <pc:sldMk cId="819472479" sldId="2147483547"/>
+        </pc:sldMkLst>
+      </pc:sldChg>
+      <pc:sldChg chg="del">
+        <pc:chgData name="Alexane BAUDRON" userId="c4e72a19-1b71-4ae0-b940-702fdd1a721d" providerId="ADAL" clId="{08F0C1F7-0D3F-AD47-8214-16B984571863}" dt="2025-06-30T07:55:01.507" v="40" actId="2696"/>
+        <pc:sldMkLst>
+          <pc:docMk/>
+          <pc:sldMk cId="3713441185" sldId="2147483549"/>
+        </pc:sldMkLst>
+      </pc:sldChg>
+      <pc:sldChg chg="del">
+        <pc:chgData name="Alexane BAUDRON" userId="c4e72a19-1b71-4ae0-b940-702fdd1a721d" providerId="ADAL" clId="{08F0C1F7-0D3F-AD47-8214-16B984571863}" dt="2025-06-30T07:55:01.495" v="38" actId="2696"/>
+        <pc:sldMkLst>
+          <pc:docMk/>
+          <pc:sldMk cId="3514001501" sldId="2147483550"/>
+        </pc:sldMkLst>
+      </pc:sldChg>
+      <pc:sldChg chg="del">
+        <pc:chgData name="Alexane BAUDRON" userId="c4e72a19-1b71-4ae0-b940-702fdd1a721d" providerId="ADAL" clId="{08F0C1F7-0D3F-AD47-8214-16B984571863}" dt="2025-06-30T07:55:01.493" v="37" actId="2696"/>
+        <pc:sldMkLst>
+          <pc:docMk/>
+          <pc:sldMk cId="3947401979" sldId="2147483551"/>
+        </pc:sldMkLst>
+      </pc:sldChg>
+      <pc:sldChg chg="del">
+        <pc:chgData name="Alexane BAUDRON" userId="c4e72a19-1b71-4ae0-b940-702fdd1a721d" providerId="ADAL" clId="{08F0C1F7-0D3F-AD47-8214-16B984571863}" dt="2025-06-30T07:55:01.485" v="34" actId="2696"/>
+        <pc:sldMkLst>
+          <pc:docMk/>
+          <pc:sldMk cId="237779500" sldId="2147483552"/>
+        </pc:sldMkLst>
+      </pc:sldChg>
+      <pc:sldChg chg="del">
+        <pc:chgData name="Alexane BAUDRON" userId="c4e72a19-1b71-4ae0-b940-702fdd1a721d" providerId="ADAL" clId="{08F0C1F7-0D3F-AD47-8214-16B984571863}" dt="2025-06-30T07:55:01.481" v="33" actId="2696"/>
+        <pc:sldMkLst>
+          <pc:docMk/>
+          <pc:sldMk cId="2159616718" sldId="2147483554"/>
+        </pc:sldMkLst>
+      </pc:sldChg>
+      <pc:sldChg chg="del">
+        <pc:chgData name="Alexane BAUDRON" userId="c4e72a19-1b71-4ae0-b940-702fdd1a721d" providerId="ADAL" clId="{08F0C1F7-0D3F-AD47-8214-16B984571863}" dt="2025-06-30T07:55:01.497" v="39" actId="2696"/>
+        <pc:sldMkLst>
+          <pc:docMk/>
+          <pc:sldMk cId="2971429069" sldId="2147483555"/>
+        </pc:sldMkLst>
+      </pc:sldChg>
+      <pc:sldChg chg="del">
+        <pc:chgData name="Alexane BAUDRON" userId="c4e72a19-1b71-4ae0-b940-702fdd1a721d" providerId="ADAL" clId="{08F0C1F7-0D3F-AD47-8214-16B984571863}" dt="2025-06-30T07:54:57.391" v="29" actId="2696"/>
+        <pc:sldMkLst>
+          <pc:docMk/>
+          <pc:sldMk cId="3792680044" sldId="2147483556"/>
+        </pc:sldMkLst>
+      </pc:sldChg>
+      <pc:sldChg chg="del">
+        <pc:chgData name="Alexane BAUDRON" userId="c4e72a19-1b71-4ae0-b940-702fdd1a721d" providerId="ADAL" clId="{08F0C1F7-0D3F-AD47-8214-16B984571863}" dt="2025-06-30T07:54:51.723" v="17" actId="2696"/>
+        <pc:sldMkLst>
+          <pc:docMk/>
+          <pc:sldMk cId="1289184987" sldId="2147483562"/>
+        </pc:sldMkLst>
+      </pc:sldChg>
+      <pc:sldChg chg="del">
+        <pc:chgData name="Alexane BAUDRON" userId="c4e72a19-1b71-4ae0-b940-702fdd1a721d" providerId="ADAL" clId="{08F0C1F7-0D3F-AD47-8214-16B984571863}" dt="2025-06-30T07:54:51.766" v="20" actId="2696"/>
+        <pc:sldMkLst>
+          <pc:docMk/>
+          <pc:sldMk cId="1404434608" sldId="2147483563"/>
+        </pc:sldMkLst>
+      </pc:sldChg>
+      <pc:sldChg chg="del">
+        <pc:chgData name="Alexane BAUDRON" userId="c4e72a19-1b71-4ae0-b940-702fdd1a721d" providerId="ADAL" clId="{08F0C1F7-0D3F-AD47-8214-16B984571863}" dt="2025-06-30T07:54:51.774" v="21" actId="2696"/>
+        <pc:sldMkLst>
+          <pc:docMk/>
+          <pc:sldMk cId="2755047218" sldId="2147483564"/>
+        </pc:sldMkLst>
+      </pc:sldChg>
+      <pc:sldChg chg="del">
+        <pc:chgData name="Alexane BAUDRON" userId="c4e72a19-1b71-4ae0-b940-702fdd1a721d" providerId="ADAL" clId="{08F0C1F7-0D3F-AD47-8214-16B984571863}" dt="2025-06-30T07:54:51.730" v="18" actId="2696"/>
+        <pc:sldMkLst>
+          <pc:docMk/>
+          <pc:sldMk cId="2235345609" sldId="2147483565"/>
+        </pc:sldMkLst>
+      </pc:sldChg>
+      <pc:sldChg chg="del">
+        <pc:chgData name="Alexane BAUDRON" userId="c4e72a19-1b71-4ae0-b940-702fdd1a721d" providerId="ADAL" clId="{08F0C1F7-0D3F-AD47-8214-16B984571863}" dt="2025-06-30T07:54:51.761" v="19" actId="2696"/>
+        <pc:sldMkLst>
+          <pc:docMk/>
+          <pc:sldMk cId="256682989" sldId="2147483566"/>
+        </pc:sldMkLst>
+      </pc:sldChg>
+      <pc:sldChg chg="del">
+        <pc:chgData name="Alexane BAUDRON" userId="c4e72a19-1b71-4ae0-b940-702fdd1a721d" providerId="ADAL" clId="{08F0C1F7-0D3F-AD47-8214-16B984571863}" dt="2025-06-30T07:54:51.717" v="16" actId="2696"/>
+        <pc:sldMkLst>
+          <pc:docMk/>
+          <pc:sldMk cId="3463449161" sldId="2147483567"/>
+        </pc:sldMkLst>
+      </pc:sldChg>
+      <pc:sldChg chg="del">
+        <pc:chgData name="Alexane BAUDRON" userId="c4e72a19-1b71-4ae0-b940-702fdd1a721d" providerId="ADAL" clId="{08F0C1F7-0D3F-AD47-8214-16B984571863}" dt="2025-06-30T07:54:49.176" v="11" actId="2696"/>
+        <pc:sldMkLst>
+          <pc:docMk/>
+          <pc:sldMk cId="534803942" sldId="2147483570"/>
+        </pc:sldMkLst>
+      </pc:sldChg>
+      <pc:sldChg chg="del">
+        <pc:chgData name="Alexane BAUDRON" userId="c4e72a19-1b71-4ae0-b940-702fdd1a721d" providerId="ADAL" clId="{08F0C1F7-0D3F-AD47-8214-16B984571863}" dt="2025-06-30T07:54:54.983" v="22" actId="2696"/>
+        <pc:sldMkLst>
+          <pc:docMk/>
+          <pc:sldMk cId="1851883643" sldId="2147483572"/>
+        </pc:sldMkLst>
+      </pc:sldChg>
+      <pc:sldChg chg="del">
+        <pc:chgData name="Alexane BAUDRON" userId="c4e72a19-1b71-4ae0-b940-702fdd1a721d" providerId="ADAL" clId="{08F0C1F7-0D3F-AD47-8214-16B984571863}" dt="2025-06-30T07:54:55.003" v="28" actId="2696"/>
+        <pc:sldMkLst>
+          <pc:docMk/>
+          <pc:sldMk cId="3904257479" sldId="2147483573"/>
+        </pc:sldMkLst>
+      </pc:sldChg>
+      <pc:sldChg chg="del">
+        <pc:chgData name="Alexane BAUDRON" userId="c4e72a19-1b71-4ae0-b940-702fdd1a721d" providerId="ADAL" clId="{08F0C1F7-0D3F-AD47-8214-16B984571863}" dt="2025-06-30T07:54:54.991" v="25" actId="2696"/>
+        <pc:sldMkLst>
+          <pc:docMk/>
+          <pc:sldMk cId="1584404665" sldId="2147483574"/>
+        </pc:sldMkLst>
+      </pc:sldChg>
+      <pc:sldChg chg="del">
+        <pc:chgData name="Alexane BAUDRON" userId="c4e72a19-1b71-4ae0-b940-702fdd1a721d" providerId="ADAL" clId="{08F0C1F7-0D3F-AD47-8214-16B984571863}" dt="2025-06-30T07:54:54.989" v="24" actId="2696"/>
+        <pc:sldMkLst>
+          <pc:docMk/>
+          <pc:sldMk cId="3593561478" sldId="2147483575"/>
+        </pc:sldMkLst>
+      </pc:sldChg>
+      <pc:sldChg chg="del">
+        <pc:chgData name="Alexane BAUDRON" userId="c4e72a19-1b71-4ae0-b940-702fdd1a721d" providerId="ADAL" clId="{08F0C1F7-0D3F-AD47-8214-16B984571863}" dt="2025-06-30T07:54:54.987" v="23" actId="2696"/>
         <pc:sldMkLst>
           <pc:docMk/>
           <pc:sldMk cId="3395933212" sldId="2147483576"/>
         </pc:sldMkLst>
       </pc:sldChg>
-      <pc:sldChg chg="modSp">
-        <pc:chgData name="Martin-Pierre GAULTIER" userId="S::mpgaultier@lemonway.com::0415e4a0-177e-4c12-b0e5-1f7bc3cae49f" providerId="AD" clId="Web-{52BC3E1A-D6D2-44C8-CFE8-C19A6AC6F661}" dt="2025-05-19T13:39:57.360" v="20" actId="20577"/>
+      <pc:sldChg chg="del">
+        <pc:chgData name="Alexane BAUDRON" userId="c4e72a19-1b71-4ae0-b940-702fdd1a721d" providerId="ADAL" clId="{08F0C1F7-0D3F-AD47-8214-16B984571863}" dt="2025-06-30T07:54:54.995" v="27" actId="2696"/>
         <pc:sldMkLst>
           <pc:docMk/>
           <pc:sldMk cId="4045004320" sldId="2147483577"/>
         </pc:sldMkLst>
       </pc:sldChg>
-      <pc:sldChg chg="modSp">
-        <pc:chgData name="Martin-Pierre GAULTIER" userId="S::mpgaultier@lemonway.com::0415e4a0-177e-4c12-b0e5-1f7bc3cae49f" providerId="AD" clId="Web-{52BC3E1A-D6D2-44C8-CFE8-C19A6AC6F661}" dt="2025-05-19T13:15:25.999" v="1" actId="14100"/>
+      <pc:sldChg chg="del">
+        <pc:chgData name="Alexane BAUDRON" userId="c4e72a19-1b71-4ae0-b940-702fdd1a721d" providerId="ADAL" clId="{08F0C1F7-0D3F-AD47-8214-16B984571863}" dt="2025-06-30T07:54:45.544" v="5" actId="2696"/>
         <pc:sldMkLst>
           <pc:docMk/>
           <pc:sldMk cId="1703776386" sldId="2147483579"/>
         </pc:sldMkLst>
       </pc:sldChg>
-    </pc:docChg>
-  </pc:docChgLst>
-  <pc:docChgLst>
-    <pc:chgData name="Ambre SONOR" userId="S::asonor@lemonway.com::020792ae-fc4a-47d7-9e18-119d3ce04a29" providerId="AD" clId="Web-{AA3DA544-34D6-704C-CAD6-C2EDA0EC905C}"/>
-    <pc:docChg chg="modSld">
-      <pc:chgData name="Ambre SONOR" userId="S::asonor@lemonway.com::020792ae-fc4a-47d7-9e18-119d3ce04a29" providerId="AD" clId="Web-{AA3DA544-34D6-704C-CAD6-C2EDA0EC905C}" dt="2025-01-23T16:20:06.349" v="9"/>
-      <pc:docMkLst>
-        <pc:docMk/>
-      </pc:docMkLst>
-      <pc:sldChg chg="addSp delSp modSp">
-        <pc:chgData name="Ambre SONOR" userId="S::asonor@lemonway.com::020792ae-fc4a-47d7-9e18-119d3ce04a29" providerId="AD" clId="Web-{AA3DA544-34D6-704C-CAD6-C2EDA0EC905C}" dt="2025-01-23T16:20:06.349" v="9"/>
-        <pc:sldMkLst>
-          <pc:docMk/>
-          <pc:sldMk cId="0" sldId="283"/>
-        </pc:sldMkLst>
-      </pc:sldChg>
-      <pc:sldChg chg="addSp delSp modSp">
-        <pc:chgData name="Ambre SONOR" userId="S::asonor@lemonway.com::020792ae-fc4a-47d7-9e18-119d3ce04a29" providerId="AD" clId="Web-{AA3DA544-34D6-704C-CAD6-C2EDA0EC905C}" dt="2025-01-23T14:20:02.180" v="1"/>
-        <pc:sldMkLst>
-          <pc:docMk/>
-          <pc:sldMk cId="3810240017" sldId="549"/>
-        </pc:sldMkLst>
-      </pc:sldChg>
-    </pc:docChg>
-  </pc:docChgLst>
-  <pc:docChgLst>
-    <pc:chgData name="Matthieu BRIEND" userId="S::mbriend@lemonway.com::f43b7032-540d-4661-9645-e17125bf3d76" providerId="AD" clId="Web-{0DF03FCD-1247-6EC1-E17A-2CBB71DAF5EB}"/>
-    <pc:docChg chg="modSld">
-      <pc:chgData name="Matthieu BRIEND" userId="S::mbriend@lemonway.com::f43b7032-540d-4661-9645-e17125bf3d76" providerId="AD" clId="Web-{0DF03FCD-1247-6EC1-E17A-2CBB71DAF5EB}" dt="2025-01-27T10:18:12.042" v="202" actId="20577"/>
-      <pc:docMkLst>
-        <pc:docMk/>
-      </pc:docMkLst>
-      <pc:sldChg chg="modSp">
-        <pc:chgData name="Matthieu BRIEND" userId="S::mbriend@lemonway.com::f43b7032-540d-4661-9645-e17125bf3d76" providerId="AD" clId="Web-{0DF03FCD-1247-6EC1-E17A-2CBB71DAF5EB}" dt="2025-01-27T10:18:12.042" v="202" actId="20577"/>
-        <pc:sldMkLst>
-          <pc:docMk/>
-          <pc:sldMk cId="3947401979" sldId="2147483551"/>
-        </pc:sldMkLst>
-      </pc:sldChg>
-      <pc:sldChg chg="modSp">
-        <pc:chgData name="Matthieu BRIEND" userId="S::mbriend@lemonway.com::f43b7032-540d-4661-9645-e17125bf3d76" providerId="AD" clId="Web-{0DF03FCD-1247-6EC1-E17A-2CBB71DAF5EB}" dt="2025-01-27T10:09:45.415" v="144" actId="20577"/>
-        <pc:sldMkLst>
-          <pc:docMk/>
-          <pc:sldMk cId="237779500" sldId="2147483552"/>
-        </pc:sldMkLst>
-      </pc:sldChg>
-      <pc:sldChg chg="modSp">
-        <pc:chgData name="Matthieu BRIEND" userId="S::mbriend@lemonway.com::f43b7032-540d-4661-9645-e17125bf3d76" providerId="AD" clId="Web-{0DF03FCD-1247-6EC1-E17A-2CBB71DAF5EB}" dt="2025-01-27T10:04:21.590" v="0" actId="20577"/>
-        <pc:sldMkLst>
-          <pc:docMk/>
-          <pc:sldMk cId="2159616718" sldId="2147483554"/>
-        </pc:sldMkLst>
-      </pc:sldChg>
-      <pc:sldChg chg="modSp">
-        <pc:chgData name="Matthieu BRIEND" userId="S::mbriend@lemonway.com::f43b7032-540d-4661-9645-e17125bf3d76" providerId="AD" clId="Web-{0DF03FCD-1247-6EC1-E17A-2CBB71DAF5EB}" dt="2025-01-27T10:16:23.866" v="186" actId="20577"/>
-        <pc:sldMkLst>
-          <pc:docMk/>
-          <pc:sldMk cId="2971429069" sldId="2147483555"/>
-        </pc:sldMkLst>
-      </pc:sldChg>
+      <pc:sldChg chg="del">
+        <pc:chgData name="Alexane BAUDRON" userId="c4e72a19-1b71-4ae0-b940-702fdd1a721d" providerId="ADAL" clId="{08F0C1F7-0D3F-AD47-8214-16B984571863}" dt="2025-06-30T07:54:45.542" v="4" actId="2696"/>
+        <pc:sldMkLst>
+          <pc:docMk/>
+          <pc:sldMk cId="992121836" sldId="2147483580"/>
+        </pc:sldMkLst>
+      </pc:sldChg>
+      <pc:sldMasterChg chg="del">
+        <pc:chgData name="Alexane BAUDRON" userId="c4e72a19-1b71-4ae0-b940-702fdd1a721d" providerId="ADAL" clId="{08F0C1F7-0D3F-AD47-8214-16B984571863}" dt="2025-06-30T07:54:49.275" v="15" actId="2696"/>
+        <pc:sldMasterMkLst>
+          <pc:docMk/>
+          <pc:sldMasterMk cId="1825019530" sldId="2147483683"/>
+        </pc:sldMasterMkLst>
+      </pc:sldMasterChg>
     </pc:docChg>
   </pc:docChgLst>
   <pc:docChgLst>
@@ -2808,73 +2634,198 @@
     </pc:docChg>
   </pc:docChgLst>
   <pc:docChgLst>
-    <pc:chgData name="Stéphan DOMAGALA" userId="1cc0081d-4eba-47b8-a881-e2990e5a4104" providerId="ADAL" clId="{0B12B3CC-D8E7-4D55-8BE7-84A045DD8A00}"/>
-    <pc:docChg chg="undo custSel addSld delSld modSld">
-      <pc:chgData name="Stéphan DOMAGALA" userId="1cc0081d-4eba-47b8-a881-e2990e5a4104" providerId="ADAL" clId="{0B12B3CC-D8E7-4D55-8BE7-84A045DD8A00}" dt="2025-01-27T16:34:14.880" v="603" actId="20577"/>
+    <pc:chgData name="Matthieu BRIEND" userId="S::mbriend@lemonway.com::f43b7032-540d-4661-9645-e17125bf3d76" providerId="AD" clId="Web-{EEF5B358-098F-D7F4-DDA6-18B13C2BB593}"/>
+    <pc:docChg chg="modSld">
+      <pc:chgData name="Matthieu BRIEND" userId="S::mbriend@lemonway.com::f43b7032-540d-4661-9645-e17125bf3d76" providerId="AD" clId="Web-{EEF5B358-098F-D7F4-DDA6-18B13C2BB593}" dt="2025-01-22T17:41:08.148" v="142" actId="20577"/>
       <pc:docMkLst>
         <pc:docMk/>
       </pc:docMkLst>
-      <pc:sldChg chg="addSp delSp modSp add del mod">
-        <pc:chgData name="Stéphan DOMAGALA" userId="1cc0081d-4eba-47b8-a881-e2990e5a4104" providerId="ADAL" clId="{0B12B3CC-D8E7-4D55-8BE7-84A045DD8A00}" dt="2025-01-27T08:51:20.999" v="371" actId="20577"/>
-        <pc:sldMkLst>
-          <pc:docMk/>
-          <pc:sldMk cId="3452786207" sldId="2147483544"/>
+      <pc:sldChg chg="modSp">
+        <pc:chgData name="Matthieu BRIEND" userId="S::mbriend@lemonway.com::f43b7032-540d-4661-9645-e17125bf3d76" providerId="AD" clId="Web-{EEF5B358-098F-D7F4-DDA6-18B13C2BB593}" dt="2025-01-22T17:41:08.148" v="142" actId="20577"/>
+        <pc:sldMkLst>
+          <pc:docMk/>
+          <pc:sldMk cId="3613313698" sldId="2147483536"/>
+        </pc:sldMkLst>
+      </pc:sldChg>
+      <pc:sldChg chg="modSp">
+        <pc:chgData name="Matthieu BRIEND" userId="S::mbriend@lemonway.com::f43b7032-540d-4661-9645-e17125bf3d76" providerId="AD" clId="Web-{EEF5B358-098F-D7F4-DDA6-18B13C2BB593}" dt="2025-01-22T17:36:57.857" v="89" actId="20577"/>
+        <pc:sldMkLst>
+          <pc:docMk/>
+          <pc:sldMk cId="3330874013" sldId="2147483537"/>
+        </pc:sldMkLst>
+      </pc:sldChg>
+      <pc:sldChg chg="addSp modSp">
+        <pc:chgData name="Matthieu BRIEND" userId="S::mbriend@lemonway.com::f43b7032-540d-4661-9645-e17125bf3d76" providerId="AD" clId="Web-{EEF5B358-098F-D7F4-DDA6-18B13C2BB593}" dt="2025-01-22T17:35:37.464" v="84" actId="1076"/>
+        <pc:sldMkLst>
+          <pc:docMk/>
+          <pc:sldMk cId="2996027476" sldId="2147483538"/>
+        </pc:sldMkLst>
+      </pc:sldChg>
+    </pc:docChg>
+  </pc:docChgLst>
+  <pc:docChgLst>
+    <pc:chgData name="Martin-Pierre GAULTIER" userId="S::mpgaultier@lemonway.com::0415e4a0-177e-4c12-b0e5-1f7bc3cae49f" providerId="AD" clId="Web-{9BE88384-19AE-F508-027C-2BB94268892E}"/>
+    <pc:docChg chg="addSld delSld modSld">
+      <pc:chgData name="Martin-Pierre GAULTIER" userId="S::mpgaultier@lemonway.com::0415e4a0-177e-4c12-b0e5-1f7bc3cae49f" providerId="AD" clId="Web-{9BE88384-19AE-F508-027C-2BB94268892E}" dt="2025-01-21T12:04:22.151" v="597" actId="20577"/>
+      <pc:docMkLst>
+        <pc:docMk/>
+      </pc:docMkLst>
+      <pc:sldChg chg="modSp add del">
+        <pc:chgData name="Martin-Pierre GAULTIER" userId="S::mpgaultier@lemonway.com::0415e4a0-177e-4c12-b0e5-1f7bc3cae49f" providerId="AD" clId="Web-{9BE88384-19AE-F508-027C-2BB94268892E}" dt="2025-01-21T11:44:34.789" v="86" actId="20577"/>
+        <pc:sldMkLst>
+          <pc:docMk/>
+          <pc:sldMk cId="3207649941" sldId="2147483525"/>
+        </pc:sldMkLst>
+      </pc:sldChg>
+      <pc:sldChg chg="addSp modSp add del">
+        <pc:chgData name="Martin-Pierre GAULTIER" userId="S::mpgaultier@lemonway.com::0415e4a0-177e-4c12-b0e5-1f7bc3cae49f" providerId="AD" clId="Web-{9BE88384-19AE-F508-027C-2BB94268892E}" dt="2025-01-21T11:46:04.228" v="90" actId="1076"/>
+        <pc:sldMkLst>
+          <pc:docMk/>
+          <pc:sldMk cId="2246678326" sldId="2147483526"/>
         </pc:sldMkLst>
       </pc:sldChg>
       <pc:sldChg chg="del">
-        <pc:chgData name="Stéphan DOMAGALA" userId="1cc0081d-4eba-47b8-a881-e2990e5a4104" providerId="ADAL" clId="{0B12B3CC-D8E7-4D55-8BE7-84A045DD8A00}" dt="2025-01-27T08:35:24.506" v="0" actId="47"/>
-        <pc:sldMkLst>
-          <pc:docMk/>
-          <pc:sldMk cId="1636887273" sldId="2147483572"/>
-        </pc:sldMkLst>
-      </pc:sldChg>
-      <pc:sldChg chg="modSp add del mod">
-        <pc:chgData name="Stéphan DOMAGALA" userId="1cc0081d-4eba-47b8-a881-e2990e5a4104" providerId="ADAL" clId="{0B12B3CC-D8E7-4D55-8BE7-84A045DD8A00}" dt="2025-01-27T16:34:14.880" v="603" actId="20577"/>
-        <pc:sldMkLst>
-          <pc:docMk/>
-          <pc:sldMk cId="1851883643" sldId="2147483572"/>
+        <pc:chgData name="Martin-Pierre GAULTIER" userId="S::mpgaultier@lemonway.com::0415e4a0-177e-4c12-b0e5-1f7bc3cae49f" providerId="AD" clId="Web-{9BE88384-19AE-F508-027C-2BB94268892E}" dt="2025-01-21T11:23:53.640" v="5"/>
+        <pc:sldMkLst>
+          <pc:docMk/>
+          <pc:sldMk cId="1040598806" sldId="2147483527"/>
         </pc:sldMkLst>
       </pc:sldChg>
       <pc:sldChg chg="add del">
-        <pc:chgData name="Stéphan DOMAGALA" userId="1cc0081d-4eba-47b8-a881-e2990e5a4104" providerId="ADAL" clId="{0B12B3CC-D8E7-4D55-8BE7-84A045DD8A00}" dt="2025-01-27T08:35:43.434" v="3"/>
-        <pc:sldMkLst>
-          <pc:docMk/>
-          <pc:sldMk cId="3904257479" sldId="2147483573"/>
+        <pc:chgData name="Martin-Pierre GAULTIER" userId="S::mpgaultier@lemonway.com::0415e4a0-177e-4c12-b0e5-1f7bc3cae49f" providerId="AD" clId="Web-{9BE88384-19AE-F508-027C-2BB94268892E}" dt="2025-01-21T11:24:00.515" v="8"/>
+        <pc:sldMkLst>
+          <pc:docMk/>
+          <pc:sldMk cId="4251313692" sldId="2147483528"/>
         </pc:sldMkLst>
       </pc:sldChg>
       <pc:sldChg chg="add del">
-        <pc:chgData name="Stéphan DOMAGALA" userId="1cc0081d-4eba-47b8-a881-e2990e5a4104" providerId="ADAL" clId="{0B12B3CC-D8E7-4D55-8BE7-84A045DD8A00}" dt="2025-01-27T08:35:43.434" v="3"/>
-        <pc:sldMkLst>
-          <pc:docMk/>
-          <pc:sldMk cId="1584404665" sldId="2147483574"/>
-        </pc:sldMkLst>
-      </pc:sldChg>
-      <pc:sldChg chg="del">
-        <pc:chgData name="Stéphan DOMAGALA" userId="1cc0081d-4eba-47b8-a881-e2990e5a4104" providerId="ADAL" clId="{0B12B3CC-D8E7-4D55-8BE7-84A045DD8A00}" dt="2025-01-27T08:35:24.506" v="0" actId="47"/>
-        <pc:sldMkLst>
-          <pc:docMk/>
-          <pc:sldMk cId="3375371089" sldId="2147483574"/>
-        </pc:sldMkLst>
-      </pc:sldChg>
-      <pc:sldChg chg="modSp add del mod">
-        <pc:chgData name="Stéphan DOMAGALA" userId="1cc0081d-4eba-47b8-a881-e2990e5a4104" providerId="ADAL" clId="{0B12B3CC-D8E7-4D55-8BE7-84A045DD8A00}" dt="2025-01-27T14:45:08.033" v="580" actId="20577"/>
-        <pc:sldMkLst>
-          <pc:docMk/>
-          <pc:sldMk cId="3593561478" sldId="2147483575"/>
-        </pc:sldMkLst>
-      </pc:sldChg>
-      <pc:sldChg chg="addSp modSp add del mod">
-        <pc:chgData name="Stéphan DOMAGALA" userId="1cc0081d-4eba-47b8-a881-e2990e5a4104" providerId="ADAL" clId="{0B12B3CC-D8E7-4D55-8BE7-84A045DD8A00}" dt="2025-01-27T14:47:33.623" v="595" actId="20577"/>
-        <pc:sldMkLst>
-          <pc:docMk/>
-          <pc:sldMk cId="3395933212" sldId="2147483576"/>
-        </pc:sldMkLst>
-      </pc:sldChg>
-      <pc:sldChg chg="addSp modSp add del mod">
-        <pc:chgData name="Stéphan DOMAGALA" userId="1cc0081d-4eba-47b8-a881-e2990e5a4104" providerId="ADAL" clId="{0B12B3CC-D8E7-4D55-8BE7-84A045DD8A00}" dt="2025-01-27T08:52:54.066" v="498" actId="12"/>
-        <pc:sldMkLst>
-          <pc:docMk/>
-          <pc:sldMk cId="4045004320" sldId="2147483577"/>
+        <pc:chgData name="Martin-Pierre GAULTIER" userId="S::mpgaultier@lemonway.com::0415e4a0-177e-4c12-b0e5-1f7bc3cae49f" providerId="AD" clId="Web-{9BE88384-19AE-F508-027C-2BB94268892E}" dt="2025-01-21T11:24:00.530" v="9"/>
+        <pc:sldMkLst>
+          <pc:docMk/>
+          <pc:sldMk cId="1326845705" sldId="2147483529"/>
+        </pc:sldMkLst>
+      </pc:sldChg>
+      <pc:sldChg chg="addSp modSp add">
+        <pc:chgData name="Martin-Pierre GAULTIER" userId="S::mpgaultier@lemonway.com::0415e4a0-177e-4c12-b0e5-1f7bc3cae49f" providerId="AD" clId="Web-{9BE88384-19AE-F508-027C-2BB94268892E}" dt="2025-01-21T12:04:22.151" v="597" actId="20577"/>
+        <pc:sldMkLst>
+          <pc:docMk/>
+          <pc:sldMk cId="1824639407" sldId="2147483530"/>
+        </pc:sldMkLst>
+      </pc:sldChg>
+      <pc:sldChg chg="modSp add replId">
+        <pc:chgData name="Martin-Pierre GAULTIER" userId="S::mpgaultier@lemonway.com::0415e4a0-177e-4c12-b0e5-1f7bc3cae49f" providerId="AD" clId="Web-{9BE88384-19AE-F508-027C-2BB94268892E}" dt="2025-01-21T12:03:28.244" v="531" actId="20577"/>
+        <pc:sldMkLst>
+          <pc:docMk/>
+          <pc:sldMk cId="1584612849" sldId="2147483531"/>
+        </pc:sldMkLst>
+      </pc:sldChg>
+    </pc:docChg>
+  </pc:docChgLst>
+  <pc:docChgLst>
+    <pc:chgData name="Martin-Pierre GAULTIER" userId="S::mpgaultier@lemonway.com::0415e4a0-177e-4c12-b0e5-1f7bc3cae49f" providerId="AD" clId="Web-{2A2BA2AE-3932-975C-722C-A9BEC8235ADD}"/>
+    <pc:docChg chg="addSld delSld modSld">
+      <pc:chgData name="Martin-Pierre GAULTIER" userId="S::mpgaultier@lemonway.com::0415e4a0-177e-4c12-b0e5-1f7bc3cae49f" providerId="AD" clId="Web-{2A2BA2AE-3932-975C-722C-A9BEC8235ADD}" dt="2025-01-17T16:44:05.273" v="238" actId="1076"/>
+      <pc:docMkLst>
+        <pc:docMk/>
+      </pc:docMkLst>
+      <pc:sldChg chg="modSp">
+        <pc:chgData name="Martin-Pierre GAULTIER" userId="S::mpgaultier@lemonway.com::0415e4a0-177e-4c12-b0e5-1f7bc3cae49f" providerId="AD" clId="Web-{2A2BA2AE-3932-975C-722C-A9BEC8235ADD}" dt="2025-01-17T16:44:05.273" v="238" actId="1076"/>
+        <pc:sldMkLst>
+          <pc:docMk/>
+          <pc:sldMk cId="470428834" sldId="2147483492"/>
+        </pc:sldMkLst>
+      </pc:sldChg>
+      <pc:sldChg chg="addSp delSp modSp add mod replId modShow">
+        <pc:chgData name="Martin-Pierre GAULTIER" userId="S::mpgaultier@lemonway.com::0415e4a0-177e-4c12-b0e5-1f7bc3cae49f" providerId="AD" clId="Web-{2A2BA2AE-3932-975C-722C-A9BEC8235ADD}" dt="2025-01-17T14:16:30.754" v="214"/>
+        <pc:sldMkLst>
+          <pc:docMk/>
+          <pc:sldMk cId="1260531968" sldId="2147483524"/>
+        </pc:sldMkLst>
+      </pc:sldChg>
+      <pc:sldChg chg="add del replId">
+        <pc:chgData name="Martin-Pierre GAULTIER" userId="S::mpgaultier@lemonway.com::0415e4a0-177e-4c12-b0e5-1f7bc3cae49f" providerId="AD" clId="Web-{2A2BA2AE-3932-975C-722C-A9BEC8235ADD}" dt="2025-01-17T14:12:22.980" v="63"/>
+        <pc:sldMkLst>
+          <pc:docMk/>
+          <pc:sldMk cId="509090982" sldId="2147483525"/>
+        </pc:sldMkLst>
+      </pc:sldChg>
+      <pc:sldChg chg="add del replId">
+        <pc:chgData name="Martin-Pierre GAULTIER" userId="S::mpgaultier@lemonway.com::0415e4a0-177e-4c12-b0e5-1f7bc3cae49f" providerId="AD" clId="Web-{2A2BA2AE-3932-975C-722C-A9BEC8235ADD}" dt="2025-01-17T14:12:28.230" v="65"/>
+        <pc:sldMkLst>
+          <pc:docMk/>
+          <pc:sldMk cId="2126411302" sldId="2147483525"/>
+        </pc:sldMkLst>
+      </pc:sldChg>
+      <pc:sldChg chg="delSp modSp add replId modNotes">
+        <pc:chgData name="Martin-Pierre GAULTIER" userId="S::mpgaultier@lemonway.com::0415e4a0-177e-4c12-b0e5-1f7bc3cae49f" providerId="AD" clId="Web-{2A2BA2AE-3932-975C-722C-A9BEC8235ADD}" dt="2025-01-17T14:20:35.965" v="216"/>
+        <pc:sldMkLst>
+          <pc:docMk/>
+          <pc:sldMk cId="3207649941" sldId="2147483525"/>
+        </pc:sldMkLst>
+      </pc:sldChg>
+      <pc:sldChg chg="delSp modSp add replId">
+        <pc:chgData name="Martin-Pierre GAULTIER" userId="S::mpgaultier@lemonway.com::0415e4a0-177e-4c12-b0e5-1f7bc3cae49f" providerId="AD" clId="Web-{2A2BA2AE-3932-975C-722C-A9BEC8235ADD}" dt="2025-01-17T14:14:06.108" v="130"/>
+        <pc:sldMkLst>
+          <pc:docMk/>
+          <pc:sldMk cId="2246678326" sldId="2147483526"/>
+        </pc:sldMkLst>
+      </pc:sldChg>
+      <pc:sldChg chg="delSp modSp add replId">
+        <pc:chgData name="Martin-Pierre GAULTIER" userId="S::mpgaultier@lemonway.com::0415e4a0-177e-4c12-b0e5-1f7bc3cae49f" providerId="AD" clId="Web-{2A2BA2AE-3932-975C-722C-A9BEC8235ADD}" dt="2025-01-17T14:14:03.046" v="129"/>
+        <pc:sldMkLst>
+          <pc:docMk/>
+          <pc:sldMk cId="1040598806" sldId="2147483527"/>
+        </pc:sldMkLst>
+      </pc:sldChg>
+      <pc:sldChg chg="modSp add replId">
+        <pc:chgData name="Martin-Pierre GAULTIER" userId="S::mpgaultier@lemonway.com::0415e4a0-177e-4c12-b0e5-1f7bc3cae49f" providerId="AD" clId="Web-{2A2BA2AE-3932-975C-722C-A9BEC8235ADD}" dt="2025-01-17T14:21:17.576" v="236" actId="20577"/>
+        <pc:sldMkLst>
+          <pc:docMk/>
+          <pc:sldMk cId="4251313692" sldId="2147483528"/>
+        </pc:sldMkLst>
+      </pc:sldChg>
+    </pc:docChg>
+  </pc:docChgLst>
+  <pc:docChgLst>
+    <pc:chgData name="Martin-Pierre GAULTIER" userId="S::mpgaultier@lemonway.com::0415e4a0-177e-4c12-b0e5-1f7bc3cae49f" providerId="AD" clId="Web-{A81C5468-6079-3FC8-ECA1-04359424BAF0}"/>
+    <pc:docChg chg="addSld modSld sldOrd">
+      <pc:chgData name="Martin-Pierre GAULTIER" userId="S::mpgaultier@lemonway.com::0415e4a0-177e-4c12-b0e5-1f7bc3cae49f" providerId="AD" clId="Web-{A81C5468-6079-3FC8-ECA1-04359424BAF0}" dt="2025-01-20T11:27:53.943" v="179"/>
+      <pc:docMkLst>
+        <pc:docMk/>
+      </pc:docMkLst>
+      <pc:sldChg chg="addSp delSp modSp">
+        <pc:chgData name="Martin-Pierre GAULTIER" userId="S::mpgaultier@lemonway.com::0415e4a0-177e-4c12-b0e5-1f7bc3cae49f" providerId="AD" clId="Web-{A81C5468-6079-3FC8-ECA1-04359424BAF0}" dt="2025-01-20T10:52:17.212" v="23" actId="1076"/>
+        <pc:sldMkLst>
+          <pc:docMk/>
+          <pc:sldMk cId="1260531968" sldId="2147483524"/>
+        </pc:sldMkLst>
+      </pc:sldChg>
+      <pc:sldChg chg="addSp delSp modSp">
+        <pc:chgData name="Martin-Pierre GAULTIER" userId="S::mpgaultier@lemonway.com::0415e4a0-177e-4c12-b0e5-1f7bc3cae49f" providerId="AD" clId="Web-{A81C5468-6079-3FC8-ECA1-04359424BAF0}" dt="2025-01-20T11:06:40.989" v="84" actId="20577"/>
+        <pc:sldMkLst>
+          <pc:docMk/>
+          <pc:sldMk cId="3207649941" sldId="2147483525"/>
+        </pc:sldMkLst>
+      </pc:sldChg>
+      <pc:sldChg chg="addSp delSp modSp">
+        <pc:chgData name="Martin-Pierre GAULTIER" userId="S::mpgaultier@lemonway.com::0415e4a0-177e-4c12-b0e5-1f7bc3cae49f" providerId="AD" clId="Web-{A81C5468-6079-3FC8-ECA1-04359424BAF0}" dt="2025-01-20T11:12:55.150" v="162" actId="20577"/>
+        <pc:sldMkLst>
+          <pc:docMk/>
+          <pc:sldMk cId="2246678326" sldId="2147483526"/>
+        </pc:sldMkLst>
+      </pc:sldChg>
+      <pc:sldChg chg="addSp modSp">
+        <pc:chgData name="Martin-Pierre GAULTIER" userId="S::mpgaultier@lemonway.com::0415e4a0-177e-4c12-b0e5-1f7bc3cae49f" providerId="AD" clId="Web-{A81C5468-6079-3FC8-ECA1-04359424BAF0}" dt="2025-01-20T11:27:53.943" v="179"/>
+        <pc:sldMkLst>
+          <pc:docMk/>
+          <pc:sldMk cId="4251313692" sldId="2147483528"/>
+        </pc:sldMkLst>
+      </pc:sldChg>
+      <pc:sldChg chg="addSp modSp add ord replId">
+        <pc:chgData name="Martin-Pierre GAULTIER" userId="S::mpgaultier@lemonway.com::0415e4a0-177e-4c12-b0e5-1f7bc3cae49f" providerId="AD" clId="Web-{A81C5468-6079-3FC8-ECA1-04359424BAF0}" dt="2025-01-20T11:20:07.780" v="178"/>
+        <pc:sldMkLst>
+          <pc:docMk/>
+          <pc:sldMk cId="1326845705" sldId="2147483529"/>
         </pc:sldMkLst>
       </pc:sldChg>
     </pc:docChg>
@@ -2896,532 +2847,585 @@
     </pc:docChg>
   </pc:docChgLst>
   <pc:docChgLst>
-    <pc:chgData name="Martin-Pierre GAULTIER" userId="S::mpgaultier@lemonway.com::0415e4a0-177e-4c12-b0e5-1f7bc3cae49f" providerId="AD" clId="Web-{A81C5468-6079-3FC8-ECA1-04359424BAF0}"/>
-    <pc:docChg chg="addSld modSld sldOrd">
-      <pc:chgData name="Martin-Pierre GAULTIER" userId="S::mpgaultier@lemonway.com::0415e4a0-177e-4c12-b0e5-1f7bc3cae49f" providerId="AD" clId="Web-{A81C5468-6079-3FC8-ECA1-04359424BAF0}" dt="2025-01-20T11:27:53.943" v="179"/>
+    <pc:chgData name="Matthieu BRIEND" userId="S::mbriend@lemonway.com::f43b7032-540d-4661-9645-e17125bf3d76" providerId="AD" clId="Web-{3A68BF28-9D63-1709-307F-9A042DD1F4DA}"/>
+    <pc:docChg chg="addSld delSld modSld sldOrd">
+      <pc:chgData name="Matthieu BRIEND" userId="S::mbriend@lemonway.com::f43b7032-540d-4661-9645-e17125bf3d76" providerId="AD" clId="Web-{3A68BF28-9D63-1709-307F-9A042DD1F4DA}" dt="2025-01-25T15:19:30.976" v="2447" actId="1076"/>
       <pc:docMkLst>
         <pc:docMk/>
       </pc:docMkLst>
       <pc:sldChg chg="addSp delSp modSp">
-        <pc:chgData name="Martin-Pierre GAULTIER" userId="S::mpgaultier@lemonway.com::0415e4a0-177e-4c12-b0e5-1f7bc3cae49f" providerId="AD" clId="Web-{A81C5468-6079-3FC8-ECA1-04359424BAF0}" dt="2025-01-20T10:52:17.212" v="23" actId="1076"/>
-        <pc:sldMkLst>
-          <pc:docMk/>
-          <pc:sldMk cId="1260531968" sldId="2147483524"/>
+        <pc:chgData name="Matthieu BRIEND" userId="S::mbriend@lemonway.com::f43b7032-540d-4661-9645-e17125bf3d76" providerId="AD" clId="Web-{3A68BF28-9D63-1709-307F-9A042DD1F4DA}" dt="2025-01-25T10:02:41.461" v="265"/>
+        <pc:sldMkLst>
+          <pc:docMk/>
+          <pc:sldMk cId="1605751462" sldId="529"/>
+        </pc:sldMkLst>
+      </pc:sldChg>
+      <pc:sldChg chg="addSp delSp modSp del ord">
+        <pc:chgData name="Matthieu BRIEND" userId="S::mbriend@lemonway.com::f43b7032-540d-4661-9645-e17125bf3d76" providerId="AD" clId="Web-{3A68BF28-9D63-1709-307F-9A042DD1F4DA}" dt="2025-01-25T14:25:48.901" v="2179"/>
+        <pc:sldMkLst>
+          <pc:docMk/>
+          <pc:sldMk cId="2478739768" sldId="2147483534"/>
         </pc:sldMkLst>
       </pc:sldChg>
       <pc:sldChg chg="addSp delSp modSp">
-        <pc:chgData name="Martin-Pierre GAULTIER" userId="S::mpgaultier@lemonway.com::0415e4a0-177e-4c12-b0e5-1f7bc3cae49f" providerId="AD" clId="Web-{A81C5468-6079-3FC8-ECA1-04359424BAF0}" dt="2025-01-20T11:06:40.989" v="84" actId="20577"/>
-        <pc:sldMkLst>
-          <pc:docMk/>
-          <pc:sldMk cId="3207649941" sldId="2147483525"/>
-        </pc:sldMkLst>
-      </pc:sldChg>
-      <pc:sldChg chg="addSp delSp modSp">
-        <pc:chgData name="Martin-Pierre GAULTIER" userId="S::mpgaultier@lemonway.com::0415e4a0-177e-4c12-b0e5-1f7bc3cae49f" providerId="AD" clId="Web-{A81C5468-6079-3FC8-ECA1-04359424BAF0}" dt="2025-01-20T11:12:55.150" v="162" actId="20577"/>
-        <pc:sldMkLst>
-          <pc:docMk/>
-          <pc:sldMk cId="2246678326" sldId="2147483526"/>
-        </pc:sldMkLst>
-      </pc:sldChg>
-      <pc:sldChg chg="addSp modSp">
-        <pc:chgData name="Martin-Pierre GAULTIER" userId="S::mpgaultier@lemonway.com::0415e4a0-177e-4c12-b0e5-1f7bc3cae49f" providerId="AD" clId="Web-{A81C5468-6079-3FC8-ECA1-04359424BAF0}" dt="2025-01-20T11:27:53.943" v="179"/>
-        <pc:sldMkLst>
-          <pc:docMk/>
-          <pc:sldMk cId="4251313692" sldId="2147483528"/>
-        </pc:sldMkLst>
-      </pc:sldChg>
-      <pc:sldChg chg="addSp modSp add ord replId">
-        <pc:chgData name="Martin-Pierre GAULTIER" userId="S::mpgaultier@lemonway.com::0415e4a0-177e-4c12-b0e5-1f7bc3cae49f" providerId="AD" clId="Web-{A81C5468-6079-3FC8-ECA1-04359424BAF0}" dt="2025-01-20T11:20:07.780" v="178"/>
-        <pc:sldMkLst>
-          <pc:docMk/>
-          <pc:sldMk cId="1326845705" sldId="2147483529"/>
+        <pc:chgData name="Matthieu BRIEND" userId="S::mbriend@lemonway.com::f43b7032-540d-4661-9645-e17125bf3d76" providerId="AD" clId="Web-{3A68BF28-9D63-1709-307F-9A042DD1F4DA}" dt="2025-01-25T15:04:58.708" v="2407" actId="20577"/>
+        <pc:sldMkLst>
+          <pc:docMk/>
+          <pc:sldMk cId="3613313698" sldId="2147483536"/>
+        </pc:sldMkLst>
+      </pc:sldChg>
+      <pc:sldChg chg="modSp">
+        <pc:chgData name="Matthieu BRIEND" userId="S::mbriend@lemonway.com::f43b7032-540d-4661-9645-e17125bf3d76" providerId="AD" clId="Web-{3A68BF28-9D63-1709-307F-9A042DD1F4DA}" dt="2025-01-25T13:33:05.565" v="1825" actId="20577"/>
+        <pc:sldMkLst>
+          <pc:docMk/>
+          <pc:sldMk cId="3330874013" sldId="2147483537"/>
+        </pc:sldMkLst>
+      </pc:sldChg>
+      <pc:sldChg chg="addSp delSp modSp del">
+        <pc:chgData name="Matthieu BRIEND" userId="S::mbriend@lemonway.com::f43b7032-540d-4661-9645-e17125bf3d76" providerId="AD" clId="Web-{3A68BF28-9D63-1709-307F-9A042DD1F4DA}" dt="2025-01-25T11:49:51.561" v="997"/>
+        <pc:sldMkLst>
+          <pc:docMk/>
+          <pc:sldMk cId="2996027476" sldId="2147483538"/>
+        </pc:sldMkLst>
+      </pc:sldChg>
+      <pc:sldChg chg="addSp delSp modSp add del replId">
+        <pc:chgData name="Matthieu BRIEND" userId="S::mbriend@lemonway.com::f43b7032-540d-4661-9645-e17125bf3d76" providerId="AD" clId="Web-{3A68BF28-9D63-1709-307F-9A042DD1F4DA}" dt="2025-01-25T12:48:00.362" v="1157"/>
+        <pc:sldMkLst>
+          <pc:docMk/>
+          <pc:sldMk cId="536582585" sldId="2147483544"/>
+        </pc:sldMkLst>
+      </pc:sldChg>
+      <pc:sldChg chg="addSp delSp modSp add replId">
+        <pc:chgData name="Matthieu BRIEND" userId="S::mbriend@lemonway.com::f43b7032-540d-4661-9645-e17125bf3d76" providerId="AD" clId="Web-{3A68BF28-9D63-1709-307F-9A042DD1F4DA}" dt="2025-01-25T15:19:30.976" v="2447" actId="1076"/>
+        <pc:sldMkLst>
+          <pc:docMk/>
+          <pc:sldMk cId="538564091" sldId="2147483545"/>
+        </pc:sldMkLst>
+      </pc:sldChg>
+      <pc:sldChg chg="addSp delSp modSp add replId">
+        <pc:chgData name="Matthieu BRIEND" userId="S::mbriend@lemonway.com::f43b7032-540d-4661-9645-e17125bf3d76" providerId="AD" clId="Web-{3A68BF28-9D63-1709-307F-9A042DD1F4DA}" dt="2025-01-25T15:18:14.722" v="2435"/>
+        <pc:sldMkLst>
+          <pc:docMk/>
+          <pc:sldMk cId="323720210" sldId="2147483546"/>
+        </pc:sldMkLst>
+      </pc:sldChg>
+      <pc:sldChg chg="addSp delSp modSp add replId">
+        <pc:chgData name="Matthieu BRIEND" userId="S::mbriend@lemonway.com::f43b7032-540d-4661-9645-e17125bf3d76" providerId="AD" clId="Web-{3A68BF28-9D63-1709-307F-9A042DD1F4DA}" dt="2025-01-25T15:17:52.392" v="2433" actId="1076"/>
+        <pc:sldMkLst>
+          <pc:docMk/>
+          <pc:sldMk cId="819472479" sldId="2147483547"/>
+        </pc:sldMkLst>
+      </pc:sldChg>
+      <pc:sldChg chg="modSp add del ord replId">
+        <pc:chgData name="Matthieu BRIEND" userId="S::mbriend@lemonway.com::f43b7032-540d-4661-9645-e17125bf3d76" providerId="AD" clId="Web-{3A68BF28-9D63-1709-307F-9A042DD1F4DA}" dt="2025-01-25T12:52:10.315" v="1176"/>
+        <pc:sldMkLst>
+          <pc:docMk/>
+          <pc:sldMk cId="894704204" sldId="2147483548"/>
+        </pc:sldMkLst>
+      </pc:sldChg>
+      <pc:sldChg chg="addSp delSp modSp add replId">
+        <pc:chgData name="Matthieu BRIEND" userId="S::mbriend@lemonway.com::f43b7032-540d-4661-9645-e17125bf3d76" providerId="AD" clId="Web-{3A68BF28-9D63-1709-307F-9A042DD1F4DA}" dt="2025-01-25T15:00:54.365" v="2386"/>
+        <pc:sldMkLst>
+          <pc:docMk/>
+          <pc:sldMk cId="3713441185" sldId="2147483549"/>
+        </pc:sldMkLst>
+      </pc:sldChg>
+      <pc:sldChg chg="addSp delSp modSp add replId">
+        <pc:chgData name="Matthieu BRIEND" userId="S::mbriend@lemonway.com::f43b7032-540d-4661-9645-e17125bf3d76" providerId="AD" clId="Web-{3A68BF28-9D63-1709-307F-9A042DD1F4DA}" dt="2025-01-25T15:19:02.881" v="2443" actId="1076"/>
+        <pc:sldMkLst>
+          <pc:docMk/>
+          <pc:sldMk cId="3514001501" sldId="2147483550"/>
+        </pc:sldMkLst>
+      </pc:sldChg>
+      <pc:sldChg chg="modSp add replId">
+        <pc:chgData name="Matthieu BRIEND" userId="S::mbriend@lemonway.com::f43b7032-540d-4661-9645-e17125bf3d76" providerId="AD" clId="Web-{3A68BF28-9D63-1709-307F-9A042DD1F4DA}" dt="2025-01-25T12:52:03.455" v="1175" actId="20577"/>
+        <pc:sldMkLst>
+          <pc:docMk/>
+          <pc:sldMk cId="3947401979" sldId="2147483551"/>
+        </pc:sldMkLst>
+      </pc:sldChg>
+      <pc:sldChg chg="modSp add replId">
+        <pc:chgData name="Matthieu BRIEND" userId="S::mbriend@lemonway.com::f43b7032-540d-4661-9645-e17125bf3d76" providerId="AD" clId="Web-{3A68BF28-9D63-1709-307F-9A042DD1F4DA}" dt="2025-01-25T14:04:13.040" v="1981" actId="20577"/>
+        <pc:sldMkLst>
+          <pc:docMk/>
+          <pc:sldMk cId="237779500" sldId="2147483552"/>
+        </pc:sldMkLst>
+      </pc:sldChg>
+      <pc:sldChg chg="addSp delSp modSp add replId">
+        <pc:chgData name="Matthieu BRIEND" userId="S::mbriend@lemonway.com::f43b7032-540d-4661-9645-e17125bf3d76" providerId="AD" clId="Web-{3A68BF28-9D63-1709-307F-9A042DD1F4DA}" dt="2025-01-25T13:29:27.708" v="1768" actId="20577"/>
+        <pc:sldMkLst>
+          <pc:docMk/>
+          <pc:sldMk cId="3834754012" sldId="2147483553"/>
+        </pc:sldMkLst>
+      </pc:sldChg>
+      <pc:sldChg chg="addSp delSp modSp add replId">
+        <pc:chgData name="Matthieu BRIEND" userId="S::mbriend@lemonway.com::f43b7032-540d-4661-9645-e17125bf3d76" providerId="AD" clId="Web-{3A68BF28-9D63-1709-307F-9A042DD1F4DA}" dt="2025-01-25T14:59:43.361" v="2385" actId="1076"/>
+        <pc:sldMkLst>
+          <pc:docMk/>
+          <pc:sldMk cId="2159616718" sldId="2147483554"/>
+        </pc:sldMkLst>
+      </pc:sldChg>
+      <pc:sldChg chg="modSp add del replId">
+        <pc:chgData name="Matthieu BRIEND" userId="S::mbriend@lemonway.com::f43b7032-540d-4661-9645-e17125bf3d76" providerId="AD" clId="Web-{3A68BF28-9D63-1709-307F-9A042DD1F4DA}" dt="2025-01-25T13:59:39.285" v="1918"/>
+        <pc:sldMkLst>
+          <pc:docMk/>
+          <pc:sldMk cId="4043880489" sldId="2147483554"/>
         </pc:sldMkLst>
       </pc:sldChg>
     </pc:docChg>
   </pc:docChgLst>
   <pc:docChgLst>
-    <pc:chgData name="Martin-Pierre GAULTIER" userId="S::mpgaultier@lemonway.com::0415e4a0-177e-4c12-b0e5-1f7bc3cae49f" providerId="AD" clId="Web-{861B3FCE-6523-B8CA-B9C5-5DD6C039EE29}"/>
+    <pc:chgData name="Ambre SONOR" userId="S::asonor@lemonway.com::020792ae-fc4a-47d7-9e18-119d3ce04a29" providerId="AD" clId="Web-{0439425D-BD67-172D-A5EA-E1218579A8CF}"/>
     <pc:docChg chg="modSld">
-      <pc:chgData name="Martin-Pierre GAULTIER" userId="S::mpgaultier@lemonway.com::0415e4a0-177e-4c12-b0e5-1f7bc3cae49f" providerId="AD" clId="Web-{861B3FCE-6523-B8CA-B9C5-5DD6C039EE29}" dt="2025-01-27T08:25:34.032" v="143" actId="20577"/>
+      <pc:chgData name="Ambre SONOR" userId="S::asonor@lemonway.com::020792ae-fc4a-47d7-9e18-119d3ce04a29" providerId="AD" clId="Web-{0439425D-BD67-172D-A5EA-E1218579A8CF}" dt="2025-01-23T14:00:36.062" v="9" actId="1076"/>
       <pc:docMkLst>
         <pc:docMk/>
       </pc:docMkLst>
       <pc:sldChg chg="modSp">
-        <pc:chgData name="Martin-Pierre GAULTIER" userId="S::mpgaultier@lemonway.com::0415e4a0-177e-4c12-b0e5-1f7bc3cae49f" providerId="AD" clId="Web-{861B3FCE-6523-B8CA-B9C5-5DD6C039EE29}" dt="2025-01-27T08:25:34.032" v="143" actId="20577"/>
-        <pc:sldMkLst>
-          <pc:docMk/>
-          <pc:sldMk cId="1292861028" sldId="2147483484"/>
+        <pc:chgData name="Ambre SONOR" userId="S::asonor@lemonway.com::020792ae-fc4a-47d7-9e18-119d3ce04a29" providerId="AD" clId="Web-{0439425D-BD67-172D-A5EA-E1218579A8CF}" dt="2025-01-23T14:00:36.062" v="9" actId="1076"/>
+        <pc:sldMkLst>
+          <pc:docMk/>
+          <pc:sldMk cId="520368926" sldId="2147483482"/>
         </pc:sldMkLst>
       </pc:sldChg>
     </pc:docChg>
   </pc:docChgLst>
   <pc:docChgLst>
-    <pc:chgData name="Stéphan DOMAGALA" userId="S::sdomagala@lemonway.com::1cc0081d-4eba-47b8-a881-e2990e5a4104" providerId="AD" clId="Web-{485B2B92-30F5-C909-FDB7-CC0E6F47BB02}"/>
-    <pc:docChg chg="addSld">
-      <pc:chgData name="Stéphan DOMAGALA" userId="S::sdomagala@lemonway.com::1cc0081d-4eba-47b8-a881-e2990e5a4104" providerId="AD" clId="Web-{485B2B92-30F5-C909-FDB7-CC0E6F47BB02}" dt="2025-01-27T07:49:23.727" v="2"/>
+    <pc:chgData name="Martin-Pierre GAULTIER" userId="S::mpgaultier@lemonway.com::0415e4a0-177e-4c12-b0e5-1f7bc3cae49f" providerId="AD" clId="Web-{81F0FA31-1023-C8BC-B591-3193617A7462}"/>
+    <pc:docChg chg="addSld modSld">
+      <pc:chgData name="Martin-Pierre GAULTIER" userId="S::mpgaultier@lemonway.com::0415e4a0-177e-4c12-b0e5-1f7bc3cae49f" providerId="AD" clId="Web-{81F0FA31-1023-C8BC-B591-3193617A7462}" dt="2025-01-24T10:41:33.029" v="289" actId="20577"/>
       <pc:docMkLst>
         <pc:docMk/>
       </pc:docMkLst>
-      <pc:sldChg chg="add">
-        <pc:chgData name="Stéphan DOMAGALA" userId="S::sdomagala@lemonway.com::1cc0081d-4eba-47b8-a881-e2990e5a4104" providerId="AD" clId="Web-{485B2B92-30F5-C909-FDB7-CC0E6F47BB02}" dt="2025-01-27T07:49:23.696" v="0"/>
-        <pc:sldMkLst>
-          <pc:docMk/>
-          <pc:sldMk cId="1636887273" sldId="2147483572"/>
-        </pc:sldMkLst>
-      </pc:sldChg>
-      <pc:sldChg chg="add">
-        <pc:chgData name="Stéphan DOMAGALA" userId="S::sdomagala@lemonway.com::1cc0081d-4eba-47b8-a881-e2990e5a4104" providerId="AD" clId="Web-{485B2B92-30F5-C909-FDB7-CC0E6F47BB02}" dt="2025-01-27T07:49:23.712" v="1"/>
-        <pc:sldMkLst>
-          <pc:docMk/>
-          <pc:sldMk cId="3904257479" sldId="2147483573"/>
-        </pc:sldMkLst>
-      </pc:sldChg>
-      <pc:sldChg chg="add">
-        <pc:chgData name="Stéphan DOMAGALA" userId="S::sdomagala@lemonway.com::1cc0081d-4eba-47b8-a881-e2990e5a4104" providerId="AD" clId="Web-{485B2B92-30F5-C909-FDB7-CC0E6F47BB02}" dt="2025-01-27T07:49:23.727" v="2"/>
-        <pc:sldMkLst>
-          <pc:docMk/>
-          <pc:sldMk cId="3375371089" sldId="2147483574"/>
+      <pc:sldChg chg="addSp modSp">
+        <pc:chgData name="Martin-Pierre GAULTIER" userId="S::mpgaultier@lemonway.com::0415e4a0-177e-4c12-b0e5-1f7bc3cae49f" providerId="AD" clId="Web-{81F0FA31-1023-C8BC-B591-3193617A7462}" dt="2025-01-24T10:41:33.029" v="289" actId="20577"/>
+        <pc:sldMkLst>
+          <pc:docMk/>
+          <pc:sldMk cId="1260531968" sldId="2147483524"/>
+        </pc:sldMkLst>
+      </pc:sldChg>
+      <pc:sldChg chg="delSp modSp add replId">
+        <pc:chgData name="Martin-Pierre GAULTIER" userId="S::mpgaultier@lemonway.com::0415e4a0-177e-4c12-b0e5-1f7bc3cae49f" providerId="AD" clId="Web-{81F0FA31-1023-C8BC-B591-3193617A7462}" dt="2025-01-24T09:41:49.808" v="61" actId="20577"/>
+        <pc:sldMkLst>
+          <pc:docMk/>
+          <pc:sldMk cId="1186544563" sldId="2147483539"/>
+        </pc:sldMkLst>
+      </pc:sldChg>
+      <pc:sldChg chg="modSp add replId">
+        <pc:chgData name="Martin-Pierre GAULTIER" userId="S::mpgaultier@lemonway.com::0415e4a0-177e-4c12-b0e5-1f7bc3cae49f" providerId="AD" clId="Web-{81F0FA31-1023-C8BC-B591-3193617A7462}" dt="2025-01-24T10:04:07.846" v="228" actId="20577"/>
+        <pc:sldMkLst>
+          <pc:docMk/>
+          <pc:sldMk cId="4133866324" sldId="2147483540"/>
         </pc:sldMkLst>
       </pc:sldChg>
     </pc:docChg>
   </pc:docChgLst>
   <pc:docChgLst>
-    <pc:chgData name="Pierre GAUVRY" userId="S::pgauvry@lemonway.com::83edf39d-5bbc-4918-af09-c2287799a21e" providerId="AD" clId="Web-{96091FD1-BE91-13D1-BB69-E973186F8B57}"/>
+    <pc:chgData name="Matthieu BRIEND" userId="S::mbriend@lemonway.com::f43b7032-540d-4661-9645-e17125bf3d76" providerId="AD" clId="Web-{F930BDFE-BCF0-0160-1E04-9F852A197BC3}"/>
     <pc:docChg chg="modSld">
-      <pc:chgData name="Pierre GAUVRY" userId="S::pgauvry@lemonway.com::83edf39d-5bbc-4918-af09-c2287799a21e" providerId="AD" clId="Web-{96091FD1-BE91-13D1-BB69-E973186F8B57}" dt="2025-01-27T07:37:39.898" v="5" actId="20577"/>
+      <pc:chgData name="Matthieu BRIEND" userId="S::mbriend@lemonway.com::f43b7032-540d-4661-9645-e17125bf3d76" providerId="AD" clId="Web-{F930BDFE-BCF0-0160-1E04-9F852A197BC3}" dt="2025-01-27T14:11:15.531" v="1" actId="1076"/>
       <pc:docMkLst>
         <pc:docMk/>
       </pc:docMkLst>
       <pc:sldChg chg="modSp">
-        <pc:chgData name="Pierre GAUVRY" userId="S::pgauvry@lemonway.com::83edf39d-5bbc-4918-af09-c2287799a21e" providerId="AD" clId="Web-{96091FD1-BE91-13D1-BB69-E973186F8B57}" dt="2025-01-27T07:37:39.898" v="5" actId="20577"/>
-        <pc:sldMkLst>
-          <pc:docMk/>
-          <pc:sldMk cId="244232859" sldId="2147483541"/>
-        </pc:sldMkLst>
-      </pc:sldChg>
-      <pc:sldChg chg="addSp delSp modSp">
-        <pc:chgData name="Pierre GAUVRY" userId="S::pgauvry@lemonway.com::83edf39d-5bbc-4918-af09-c2287799a21e" providerId="AD" clId="Web-{96091FD1-BE91-13D1-BB69-E973186F8B57}" dt="2025-01-27T07:31:50.510" v="3" actId="20577"/>
-        <pc:sldMkLst>
-          <pc:docMk/>
-          <pc:sldMk cId="12490850" sldId="2147483542"/>
+        <pc:chgData name="Matthieu BRIEND" userId="S::mbriend@lemonway.com::f43b7032-540d-4661-9645-e17125bf3d76" providerId="AD" clId="Web-{F930BDFE-BCF0-0160-1E04-9F852A197BC3}" dt="2025-01-27T14:11:15.531" v="1" actId="1076"/>
+        <pc:sldMkLst>
+          <pc:docMk/>
+          <pc:sldMk cId="1096040518" sldId="2147483487"/>
         </pc:sldMkLst>
       </pc:sldChg>
     </pc:docChg>
   </pc:docChgLst>
   <pc:docChgLst>
-    <pc:chgData name="Ludovic CIANNARELLA" userId="S::lciannarella@lemonway.com::f6c2df24-67a3-480d-9a94-03b4fbd1471c" providerId="AD" clId="Web-{391CC01A-20F3-FA34-CA1E-BF53FC6DD29B}"/>
-    <pc:docChg chg="modSld">
-      <pc:chgData name="Ludovic CIANNARELLA" userId="S::lciannarella@lemonway.com::f6c2df24-67a3-480d-9a94-03b4fbd1471c" providerId="AD" clId="Web-{391CC01A-20F3-FA34-CA1E-BF53FC6DD29B}" dt="2025-01-27T06:28:40.093" v="271" actId="20577"/>
+    <pc:chgData name="Alexane BAUDRON" userId="c4e72a19-1b71-4ae0-b940-702fdd1a721d" providerId="ADAL" clId="{D4F44FF1-7F2C-FA40-AF24-8A4D60D10BFE}"/>
+    <pc:docChg chg="undo custSel addSld delSld modSld">
+      <pc:chgData name="Alexane BAUDRON" userId="c4e72a19-1b71-4ae0-b940-702fdd1a721d" providerId="ADAL" clId="{D4F44FF1-7F2C-FA40-AF24-8A4D60D10BFE}" dt="2025-02-19T14:16:44.961" v="3362" actId="1076"/>
       <pc:docMkLst>
         <pc:docMk/>
       </pc:docMkLst>
-      <pc:sldChg chg="addSp modSp">
-        <pc:chgData name="Ludovic CIANNARELLA" userId="S::lciannarella@lemonway.com::f6c2df24-67a3-480d-9a94-03b4fbd1471c" providerId="AD" clId="Web-{391CC01A-20F3-FA34-CA1E-BF53FC6DD29B}" dt="2025-01-27T06:28:40.093" v="271" actId="20577"/>
+      <pc:sldChg chg="modSp mod">
+        <pc:chgData name="Alexane BAUDRON" userId="c4e72a19-1b71-4ae0-b940-702fdd1a721d" providerId="ADAL" clId="{D4F44FF1-7F2C-FA40-AF24-8A4D60D10BFE}" dt="2025-01-27T15:37:35.932" v="3183"/>
+        <pc:sldMkLst>
+          <pc:docMk/>
+          <pc:sldMk cId="1292861028" sldId="2147483484"/>
+        </pc:sldMkLst>
+      </pc:sldChg>
+      <pc:sldChg chg="addSp delSp modSp mod">
+        <pc:chgData name="Alexane BAUDRON" userId="c4e72a19-1b71-4ae0-b940-702fdd1a721d" providerId="ADAL" clId="{D4F44FF1-7F2C-FA40-AF24-8A4D60D10BFE}" dt="2025-01-15T16:43:11.970" v="171" actId="18131"/>
+        <pc:sldMkLst>
+          <pc:docMk/>
+          <pc:sldMk cId="581994450" sldId="2147483485"/>
+        </pc:sldMkLst>
+      </pc:sldChg>
+      <pc:sldChg chg="addSp delSp modSp mod">
+        <pc:chgData name="Alexane BAUDRON" userId="c4e72a19-1b71-4ae0-b940-702fdd1a721d" providerId="ADAL" clId="{D4F44FF1-7F2C-FA40-AF24-8A4D60D10BFE}" dt="2025-01-24T10:22:15.848" v="396" actId="1035"/>
+        <pc:sldMkLst>
+          <pc:docMk/>
+          <pc:sldMk cId="3904141368" sldId="2147483486"/>
+        </pc:sldMkLst>
+      </pc:sldChg>
+      <pc:sldChg chg="addSp delSp modSp mod">
+        <pc:chgData name="Alexane BAUDRON" userId="c4e72a19-1b71-4ae0-b940-702fdd1a721d" providerId="ADAL" clId="{D4F44FF1-7F2C-FA40-AF24-8A4D60D10BFE}" dt="2025-01-27T14:27:44.630" v="1797" actId="14826"/>
+        <pc:sldMkLst>
+          <pc:docMk/>
+          <pc:sldMk cId="1096040518" sldId="2147483487"/>
+        </pc:sldMkLst>
+      </pc:sldChg>
+      <pc:sldChg chg="addSp delSp modSp mod">
+        <pc:chgData name="Alexane BAUDRON" userId="c4e72a19-1b71-4ae0-b940-702fdd1a721d" providerId="ADAL" clId="{D4F44FF1-7F2C-FA40-AF24-8A4D60D10BFE}" dt="2025-01-22T16:45:47.365" v="247" actId="1076"/>
+        <pc:sldMkLst>
+          <pc:docMk/>
+          <pc:sldMk cId="2736715337" sldId="2147483489"/>
+        </pc:sldMkLst>
+      </pc:sldChg>
+      <pc:sldChg chg="addSp delSp modSp mod">
+        <pc:chgData name="Alexane BAUDRON" userId="c4e72a19-1b71-4ae0-b940-702fdd1a721d" providerId="ADAL" clId="{D4F44FF1-7F2C-FA40-AF24-8A4D60D10BFE}" dt="2025-01-22T16:52:02.680" v="349" actId="478"/>
+        <pc:sldMkLst>
+          <pc:docMk/>
+          <pc:sldMk cId="2391188043" sldId="2147483490"/>
+        </pc:sldMkLst>
+      </pc:sldChg>
+      <pc:sldChg chg="addSp delSp modSp mod delAnim modAnim">
+        <pc:chgData name="Alexane BAUDRON" userId="c4e72a19-1b71-4ae0-b940-702fdd1a721d" providerId="ADAL" clId="{D4F44FF1-7F2C-FA40-AF24-8A4D60D10BFE}" dt="2025-02-19T14:16:44.961" v="3362" actId="1076"/>
+        <pc:sldMkLst>
+          <pc:docMk/>
+          <pc:sldMk cId="470428834" sldId="2147483492"/>
+        </pc:sldMkLst>
+      </pc:sldChg>
+      <pc:sldChg chg="del">
+        <pc:chgData name="Alexane BAUDRON" userId="c4e72a19-1b71-4ae0-b940-702fdd1a721d" providerId="ADAL" clId="{D4F44FF1-7F2C-FA40-AF24-8A4D60D10BFE}" dt="2025-01-15T16:36:41.925" v="41" actId="2696"/>
+        <pc:sldMkLst>
+          <pc:docMk/>
+          <pc:sldMk cId="1278056561" sldId="2147483493"/>
+        </pc:sldMkLst>
+      </pc:sldChg>
+      <pc:sldChg chg="delSp modSp mod delAnim">
+        <pc:chgData name="Alexane BAUDRON" userId="c4e72a19-1b71-4ae0-b940-702fdd1a721d" providerId="ADAL" clId="{D4F44FF1-7F2C-FA40-AF24-8A4D60D10BFE}" dt="2025-01-27T14:18:14.732" v="1707" actId="14100"/>
+        <pc:sldMkLst>
+          <pc:docMk/>
+          <pc:sldMk cId="1425089493" sldId="2147483520"/>
+        </pc:sldMkLst>
+      </pc:sldChg>
+      <pc:sldChg chg="addSp delSp modSp mod">
+        <pc:chgData name="Alexane BAUDRON" userId="c4e72a19-1b71-4ae0-b940-702fdd1a721d" providerId="ADAL" clId="{D4F44FF1-7F2C-FA40-AF24-8A4D60D10BFE}" dt="2025-01-27T09:06:06.784" v="416" actId="14826"/>
+        <pc:sldMkLst>
+          <pc:docMk/>
+          <pc:sldMk cId="696696546" sldId="2147483521"/>
+        </pc:sldMkLst>
+      </pc:sldChg>
+      <pc:sldChg chg="modSp mod">
+        <pc:chgData name="Alexane BAUDRON" userId="c4e72a19-1b71-4ae0-b940-702fdd1a721d" providerId="ADAL" clId="{D4F44FF1-7F2C-FA40-AF24-8A4D60D10BFE}" dt="2025-01-27T15:12:05.070" v="2520" actId="1035"/>
+        <pc:sldMkLst>
+          <pc:docMk/>
+          <pc:sldMk cId="2312050107" sldId="2147483522"/>
+        </pc:sldMkLst>
+      </pc:sldChg>
+      <pc:sldChg chg="modSp mod">
+        <pc:chgData name="Alexane BAUDRON" userId="c4e72a19-1b71-4ae0-b940-702fdd1a721d" providerId="ADAL" clId="{D4F44FF1-7F2C-FA40-AF24-8A4D60D10BFE}" dt="2025-01-27T15:12:11.672" v="2527" actId="1035"/>
+        <pc:sldMkLst>
+          <pc:docMk/>
+          <pc:sldMk cId="2474122460" sldId="2147483523"/>
+        </pc:sldMkLst>
+      </pc:sldChg>
+      <pc:sldChg chg="addSp delSp modSp mod modAnim">
+        <pc:chgData name="Alexane BAUDRON" userId="c4e72a19-1b71-4ae0-b940-702fdd1a721d" providerId="ADAL" clId="{D4F44FF1-7F2C-FA40-AF24-8A4D60D10BFE}" dt="2025-01-27T13:39:33.069" v="1420" actId="14100"/>
+        <pc:sldMkLst>
+          <pc:docMk/>
+          <pc:sldMk cId="1260531968" sldId="2147483524"/>
+        </pc:sldMkLst>
+      </pc:sldChg>
+      <pc:sldChg chg="modSp mod">
+        <pc:chgData name="Alexane BAUDRON" userId="c4e72a19-1b71-4ae0-b940-702fdd1a721d" providerId="ADAL" clId="{D4F44FF1-7F2C-FA40-AF24-8A4D60D10BFE}" dt="2025-01-27T14:12:27.921" v="1447" actId="20577"/>
+        <pc:sldMkLst>
+          <pc:docMk/>
+          <pc:sldMk cId="3207649941" sldId="2147483525"/>
+        </pc:sldMkLst>
+      </pc:sldChg>
+      <pc:sldChg chg="modSp mod">
+        <pc:chgData name="Alexane BAUDRON" userId="c4e72a19-1b71-4ae0-b940-702fdd1a721d" providerId="ADAL" clId="{D4F44FF1-7F2C-FA40-AF24-8A4D60D10BFE}" dt="2025-01-27T15:34:14.920" v="3123" actId="14861"/>
+        <pc:sldMkLst>
+          <pc:docMk/>
+          <pc:sldMk cId="2246678326" sldId="2147483526"/>
+        </pc:sldMkLst>
+      </pc:sldChg>
+      <pc:sldChg chg="addSp delSp modSp mod">
+        <pc:chgData name="Alexane BAUDRON" userId="c4e72a19-1b71-4ae0-b940-702fdd1a721d" providerId="ADAL" clId="{D4F44FF1-7F2C-FA40-AF24-8A4D60D10BFE}" dt="2025-01-27T15:35:43.618" v="3176" actId="1036"/>
+        <pc:sldMkLst>
+          <pc:docMk/>
+          <pc:sldMk cId="4251313692" sldId="2147483528"/>
+        </pc:sldMkLst>
+      </pc:sldChg>
+      <pc:sldChg chg="modSp mod">
+        <pc:chgData name="Alexane BAUDRON" userId="c4e72a19-1b71-4ae0-b940-702fdd1a721d" providerId="ADAL" clId="{D4F44FF1-7F2C-FA40-AF24-8A4D60D10BFE}" dt="2025-01-27T14:12:43.534" v="1448" actId="2711"/>
+        <pc:sldMkLst>
+          <pc:docMk/>
+          <pc:sldMk cId="1326845705" sldId="2147483529"/>
+        </pc:sldMkLst>
+      </pc:sldChg>
+      <pc:sldChg chg="addSp delSp modSp mod modNotesTx">
+        <pc:chgData name="Alexane BAUDRON" userId="c4e72a19-1b71-4ae0-b940-702fdd1a721d" providerId="ADAL" clId="{D4F44FF1-7F2C-FA40-AF24-8A4D60D10BFE}" dt="2025-01-27T14:16:22.240" v="1692" actId="1076"/>
+        <pc:sldMkLst>
+          <pc:docMk/>
+          <pc:sldMk cId="1824639407" sldId="2147483530"/>
+        </pc:sldMkLst>
+      </pc:sldChg>
+      <pc:sldChg chg="addSp modSp mod">
+        <pc:chgData name="Alexane BAUDRON" userId="c4e72a19-1b71-4ae0-b940-702fdd1a721d" providerId="ADAL" clId="{D4F44FF1-7F2C-FA40-AF24-8A4D60D10BFE}" dt="2025-01-27T11:20:43.140" v="1210" actId="1035"/>
+        <pc:sldMkLst>
+          <pc:docMk/>
+          <pc:sldMk cId="1584612849" sldId="2147483531"/>
+        </pc:sldMkLst>
+      </pc:sldChg>
+      <pc:sldChg chg="modSp mod">
+        <pc:chgData name="Alexane BAUDRON" userId="c4e72a19-1b71-4ae0-b940-702fdd1a721d" providerId="ADAL" clId="{D4F44FF1-7F2C-FA40-AF24-8A4D60D10BFE}" dt="2025-01-27T15:09:51.995" v="2470" actId="1076"/>
+        <pc:sldMkLst>
+          <pc:docMk/>
+          <pc:sldMk cId="1176860781" sldId="2147483532"/>
+        </pc:sldMkLst>
+      </pc:sldChg>
+      <pc:sldChg chg="addSp delSp modSp mod delAnim modAnim">
+        <pc:chgData name="Alexane BAUDRON" userId="c4e72a19-1b71-4ae0-b940-702fdd1a721d" providerId="ADAL" clId="{D4F44FF1-7F2C-FA40-AF24-8A4D60D10BFE}" dt="2025-01-27T15:32:13.475" v="2842" actId="207"/>
+        <pc:sldMkLst>
+          <pc:docMk/>
+          <pc:sldMk cId="4213513957" sldId="2147483533"/>
+        </pc:sldMkLst>
+      </pc:sldChg>
+      <pc:sldChg chg="delSp modSp mod">
+        <pc:chgData name="Alexane BAUDRON" userId="c4e72a19-1b71-4ae0-b940-702fdd1a721d" providerId="ADAL" clId="{D4F44FF1-7F2C-FA40-AF24-8A4D60D10BFE}" dt="2025-01-27T15:14:07.476" v="2537" actId="20577"/>
+        <pc:sldMkLst>
+          <pc:docMk/>
+          <pc:sldMk cId="3330874013" sldId="2147483537"/>
+        </pc:sldMkLst>
+      </pc:sldChg>
+      <pc:sldChg chg="addSp delSp modSp mod modAnim">
+        <pc:chgData name="Alexane BAUDRON" userId="c4e72a19-1b71-4ae0-b940-702fdd1a721d" providerId="ADAL" clId="{D4F44FF1-7F2C-FA40-AF24-8A4D60D10BFE}" dt="2025-01-27T13:32:20.091" v="1415"/>
+        <pc:sldMkLst>
+          <pc:docMk/>
+          <pc:sldMk cId="1186544563" sldId="2147483539"/>
+        </pc:sldMkLst>
+      </pc:sldChg>
+      <pc:sldChg chg="addSp delSp modSp add del mod delAnim modAnim">
+        <pc:chgData name="Alexane BAUDRON" userId="c4e72a19-1b71-4ae0-b940-702fdd1a721d" providerId="ADAL" clId="{D4F44FF1-7F2C-FA40-AF24-8A4D60D10BFE}" dt="2025-01-22T16:43:15.157" v="223" actId="2696"/>
+        <pc:sldMkLst>
+          <pc:docMk/>
+          <pc:sldMk cId="3314548321" sldId="2147483539"/>
+        </pc:sldMkLst>
+      </pc:sldChg>
+      <pc:sldChg chg="modSp mod">
+        <pc:chgData name="Alexane BAUDRON" userId="c4e72a19-1b71-4ae0-b940-702fdd1a721d" providerId="ADAL" clId="{D4F44FF1-7F2C-FA40-AF24-8A4D60D10BFE}" dt="2025-01-27T15:27:23.431" v="2809"/>
+        <pc:sldMkLst>
+          <pc:docMk/>
+          <pc:sldMk cId="4133866324" sldId="2147483540"/>
+        </pc:sldMkLst>
+      </pc:sldChg>
+      <pc:sldChg chg="modSp mod">
+        <pc:chgData name="Alexane BAUDRON" userId="c4e72a19-1b71-4ae0-b940-702fdd1a721d" providerId="ADAL" clId="{D4F44FF1-7F2C-FA40-AF24-8A4D60D10BFE}" dt="2025-01-27T14:48:29.245" v="2122"/>
+        <pc:sldMkLst>
+          <pc:docMk/>
+          <pc:sldMk cId="244232859" sldId="2147483541"/>
+        </pc:sldMkLst>
+      </pc:sldChg>
+      <pc:sldChg chg="modSp mod">
+        <pc:chgData name="Alexane BAUDRON" userId="c4e72a19-1b71-4ae0-b940-702fdd1a721d" providerId="ADAL" clId="{D4F44FF1-7F2C-FA40-AF24-8A4D60D10BFE}" dt="2025-01-27T15:30:00.171" v="2835" actId="1076"/>
+        <pc:sldMkLst>
+          <pc:docMk/>
+          <pc:sldMk cId="12490850" sldId="2147483542"/>
+        </pc:sldMkLst>
+      </pc:sldChg>
+      <pc:sldChg chg="addSp delSp modSp mod setBg">
+        <pc:chgData name="Alexane BAUDRON" userId="c4e72a19-1b71-4ae0-b940-702fdd1a721d" providerId="ADAL" clId="{D4F44FF1-7F2C-FA40-AF24-8A4D60D10BFE}" dt="2025-01-27T15:12:46.286" v="2531"/>
         <pc:sldMkLst>
           <pc:docMk/>
           <pc:sldMk cId="3141618727" sldId="2147483543"/>
         </pc:sldMkLst>
       </pc:sldChg>
-    </pc:docChg>
-  </pc:docChgLst>
-  <pc:docChgLst>
-    <pc:chgData name="Martin-Pierre GAULTIER" userId="S::mpgaultier@lemonway.com::0415e4a0-177e-4c12-b0e5-1f7bc3cae49f" providerId="AD" clId="Web-{9BE88384-19AE-F508-027C-2BB94268892E}"/>
-    <pc:docChg chg="addSld delSld modSld">
-      <pc:chgData name="Martin-Pierre GAULTIER" userId="S::mpgaultier@lemonway.com::0415e4a0-177e-4c12-b0e5-1f7bc3cae49f" providerId="AD" clId="Web-{9BE88384-19AE-F508-027C-2BB94268892E}" dt="2025-01-21T12:04:22.151" v="597" actId="20577"/>
-      <pc:docMkLst>
-        <pc:docMk/>
-      </pc:docMkLst>
-      <pc:sldChg chg="modSp add del">
-        <pc:chgData name="Martin-Pierre GAULTIER" userId="S::mpgaultier@lemonway.com::0415e4a0-177e-4c12-b0e5-1f7bc3cae49f" providerId="AD" clId="Web-{9BE88384-19AE-F508-027C-2BB94268892E}" dt="2025-01-21T11:44:34.789" v="86" actId="20577"/>
-        <pc:sldMkLst>
-          <pc:docMk/>
-          <pc:sldMk cId="3207649941" sldId="2147483525"/>
-        </pc:sldMkLst>
-      </pc:sldChg>
-      <pc:sldChg chg="addSp modSp add del">
-        <pc:chgData name="Martin-Pierre GAULTIER" userId="S::mpgaultier@lemonway.com::0415e4a0-177e-4c12-b0e5-1f7bc3cae49f" providerId="AD" clId="Web-{9BE88384-19AE-F508-027C-2BB94268892E}" dt="2025-01-21T11:46:04.228" v="90" actId="1076"/>
-        <pc:sldMkLst>
-          <pc:docMk/>
-          <pc:sldMk cId="2246678326" sldId="2147483526"/>
-        </pc:sldMkLst>
-      </pc:sldChg>
-      <pc:sldChg chg="del">
-        <pc:chgData name="Martin-Pierre GAULTIER" userId="S::mpgaultier@lemonway.com::0415e4a0-177e-4c12-b0e5-1f7bc3cae49f" providerId="AD" clId="Web-{9BE88384-19AE-F508-027C-2BB94268892E}" dt="2025-01-21T11:23:53.640" v="5"/>
-        <pc:sldMkLst>
-          <pc:docMk/>
-          <pc:sldMk cId="1040598806" sldId="2147483527"/>
-        </pc:sldMkLst>
-      </pc:sldChg>
-      <pc:sldChg chg="add del">
-        <pc:chgData name="Martin-Pierre GAULTIER" userId="S::mpgaultier@lemonway.com::0415e4a0-177e-4c12-b0e5-1f7bc3cae49f" providerId="AD" clId="Web-{9BE88384-19AE-F508-027C-2BB94268892E}" dt="2025-01-21T11:24:00.515" v="8"/>
-        <pc:sldMkLst>
-          <pc:docMk/>
-          <pc:sldMk cId="4251313692" sldId="2147483528"/>
-        </pc:sldMkLst>
-      </pc:sldChg>
-      <pc:sldChg chg="add del">
-        <pc:chgData name="Martin-Pierre GAULTIER" userId="S::mpgaultier@lemonway.com::0415e4a0-177e-4c12-b0e5-1f7bc3cae49f" providerId="AD" clId="Web-{9BE88384-19AE-F508-027C-2BB94268892E}" dt="2025-01-21T11:24:00.530" v="9"/>
-        <pc:sldMkLst>
-          <pc:docMk/>
-          <pc:sldMk cId="1326845705" sldId="2147483529"/>
-        </pc:sldMkLst>
-      </pc:sldChg>
-      <pc:sldChg chg="addSp modSp add">
-        <pc:chgData name="Martin-Pierre GAULTIER" userId="S::mpgaultier@lemonway.com::0415e4a0-177e-4c12-b0e5-1f7bc3cae49f" providerId="AD" clId="Web-{9BE88384-19AE-F508-027C-2BB94268892E}" dt="2025-01-21T12:04:22.151" v="597" actId="20577"/>
-        <pc:sldMkLst>
-          <pc:docMk/>
-          <pc:sldMk cId="1824639407" sldId="2147483530"/>
-        </pc:sldMkLst>
-      </pc:sldChg>
-      <pc:sldChg chg="modSp add replId">
-        <pc:chgData name="Martin-Pierre GAULTIER" userId="S::mpgaultier@lemonway.com::0415e4a0-177e-4c12-b0e5-1f7bc3cae49f" providerId="AD" clId="Web-{9BE88384-19AE-F508-027C-2BB94268892E}" dt="2025-01-21T12:03:28.244" v="531" actId="20577"/>
-        <pc:sldMkLst>
-          <pc:docMk/>
-          <pc:sldMk cId="1584612849" sldId="2147483531"/>
-        </pc:sldMkLst>
-      </pc:sldChg>
-    </pc:docChg>
-  </pc:docChgLst>
-  <pc:docChgLst>
-    <pc:chgData name="Romain MILECKI" userId="53d3c05e-b504-4371-8e77-d2aef7b9335c" providerId="ADAL" clId="{698B9AE8-7644-476B-9468-4E2B59B1B816}"/>
-    <pc:docChg chg="undo custSel addSld delSld modSld sldOrd">
-      <pc:chgData name="Romain MILECKI" userId="53d3c05e-b504-4371-8e77-d2aef7b9335c" providerId="ADAL" clId="{698B9AE8-7644-476B-9468-4E2B59B1B816}" dt="2025-02-05T17:03:31.443" v="6332" actId="207"/>
-      <pc:docMkLst>
-        <pc:docMk/>
-      </pc:docMkLst>
-      <pc:sldChg chg="mod modShow">
-        <pc:chgData name="Romain MILECKI" userId="53d3c05e-b504-4371-8e77-d2aef7b9335c" providerId="ADAL" clId="{698B9AE8-7644-476B-9468-4E2B59B1B816}" dt="2025-01-27T20:10:06.768" v="6245" actId="729"/>
-        <pc:sldMkLst>
-          <pc:docMk/>
-          <pc:sldMk cId="0" sldId="261"/>
-        </pc:sldMkLst>
-      </pc:sldChg>
-      <pc:sldChg chg="mod modShow">
-        <pc:chgData name="Romain MILECKI" userId="53d3c05e-b504-4371-8e77-d2aef7b9335c" providerId="ADAL" clId="{698B9AE8-7644-476B-9468-4E2B59B1B816}" dt="2025-01-27T20:10:06.768" v="6245" actId="729"/>
-        <pc:sldMkLst>
-          <pc:docMk/>
-          <pc:sldMk cId="4185469777" sldId="262"/>
-        </pc:sldMkLst>
-      </pc:sldChg>
-      <pc:sldChg chg="mod modShow">
-        <pc:chgData name="Romain MILECKI" userId="53d3c05e-b504-4371-8e77-d2aef7b9335c" providerId="ADAL" clId="{698B9AE8-7644-476B-9468-4E2B59B1B816}" dt="2025-01-27T20:10:06.768" v="6245" actId="729"/>
-        <pc:sldMkLst>
-          <pc:docMk/>
-          <pc:sldMk cId="0" sldId="266"/>
-        </pc:sldMkLst>
-      </pc:sldChg>
-      <pc:sldChg chg="mod modShow">
-        <pc:chgData name="Romain MILECKI" userId="53d3c05e-b504-4371-8e77-d2aef7b9335c" providerId="ADAL" clId="{698B9AE8-7644-476B-9468-4E2B59B1B816}" dt="2025-01-27T20:10:06.768" v="6245" actId="729"/>
-        <pc:sldMkLst>
-          <pc:docMk/>
-          <pc:sldMk cId="0" sldId="280"/>
-        </pc:sldMkLst>
-      </pc:sldChg>
-      <pc:sldChg chg="mod modShow">
-        <pc:chgData name="Romain MILECKI" userId="53d3c05e-b504-4371-8e77-d2aef7b9335c" providerId="ADAL" clId="{698B9AE8-7644-476B-9468-4E2B59B1B816}" dt="2025-01-27T20:10:06.768" v="6245" actId="729"/>
-        <pc:sldMkLst>
-          <pc:docMk/>
-          <pc:sldMk cId="0" sldId="283"/>
-        </pc:sldMkLst>
-      </pc:sldChg>
-      <pc:sldChg chg="mod modShow">
-        <pc:chgData name="Romain MILECKI" userId="53d3c05e-b504-4371-8e77-d2aef7b9335c" providerId="ADAL" clId="{698B9AE8-7644-476B-9468-4E2B59B1B816}" dt="2025-01-27T20:10:06.768" v="6245" actId="729"/>
-        <pc:sldMkLst>
-          <pc:docMk/>
-          <pc:sldMk cId="0" sldId="284"/>
-        </pc:sldMkLst>
-      </pc:sldChg>
-      <pc:sldChg chg="mod modShow">
-        <pc:chgData name="Romain MILECKI" userId="53d3c05e-b504-4371-8e77-d2aef7b9335c" providerId="ADAL" clId="{698B9AE8-7644-476B-9468-4E2B59B1B816}" dt="2025-01-27T20:10:06.768" v="6245" actId="729"/>
-        <pc:sldMkLst>
-          <pc:docMk/>
-          <pc:sldMk cId="0" sldId="285"/>
-        </pc:sldMkLst>
-      </pc:sldChg>
-      <pc:sldChg chg="mod modShow">
-        <pc:chgData name="Romain MILECKI" userId="53d3c05e-b504-4371-8e77-d2aef7b9335c" providerId="ADAL" clId="{698B9AE8-7644-476B-9468-4E2B59B1B816}" dt="2025-01-27T20:10:06.768" v="6245" actId="729"/>
-        <pc:sldMkLst>
-          <pc:docMk/>
-          <pc:sldMk cId="2982750" sldId="297"/>
-        </pc:sldMkLst>
-      </pc:sldChg>
-      <pc:sldChg chg="mod modShow">
-        <pc:chgData name="Romain MILECKI" userId="53d3c05e-b504-4371-8e77-d2aef7b9335c" providerId="ADAL" clId="{698B9AE8-7644-476B-9468-4E2B59B1B816}" dt="2025-01-27T20:10:06.768" v="6245" actId="729"/>
-        <pc:sldMkLst>
-          <pc:docMk/>
-          <pc:sldMk cId="2963462230" sldId="298"/>
-        </pc:sldMkLst>
-      </pc:sldChg>
-      <pc:sldChg chg="mod modShow">
-        <pc:chgData name="Romain MILECKI" userId="53d3c05e-b504-4371-8e77-d2aef7b9335c" providerId="ADAL" clId="{698B9AE8-7644-476B-9468-4E2B59B1B816}" dt="2025-01-27T20:10:06.768" v="6245" actId="729"/>
-        <pc:sldMkLst>
-          <pc:docMk/>
-          <pc:sldMk cId="1160762198" sldId="392"/>
-        </pc:sldMkLst>
-      </pc:sldChg>
-      <pc:sldChg chg="mod modShow">
-        <pc:chgData name="Romain MILECKI" userId="53d3c05e-b504-4371-8e77-d2aef7b9335c" providerId="ADAL" clId="{698B9AE8-7644-476B-9468-4E2B59B1B816}" dt="2025-01-27T20:10:06.768" v="6245" actId="729"/>
-        <pc:sldMkLst>
-          <pc:docMk/>
-          <pc:sldMk cId="259634276" sldId="401"/>
-        </pc:sldMkLst>
-      </pc:sldChg>
-      <pc:sldChg chg="mod modShow">
-        <pc:chgData name="Romain MILECKI" userId="53d3c05e-b504-4371-8e77-d2aef7b9335c" providerId="ADAL" clId="{698B9AE8-7644-476B-9468-4E2B59B1B816}" dt="2025-01-27T20:10:06.768" v="6245" actId="729"/>
-        <pc:sldMkLst>
-          <pc:docMk/>
-          <pc:sldMk cId="455300412" sldId="432"/>
-        </pc:sldMkLst>
-      </pc:sldChg>
-      <pc:sldChg chg="mod modShow">
-        <pc:chgData name="Romain MILECKI" userId="53d3c05e-b504-4371-8e77-d2aef7b9335c" providerId="ADAL" clId="{698B9AE8-7644-476B-9468-4E2B59B1B816}" dt="2025-01-27T20:10:06.768" v="6245" actId="729"/>
-        <pc:sldMkLst>
-          <pc:docMk/>
-          <pc:sldMk cId="1605751462" sldId="529"/>
-        </pc:sldMkLst>
-      </pc:sldChg>
-      <pc:sldChg chg="mod modShow">
-        <pc:chgData name="Romain MILECKI" userId="53d3c05e-b504-4371-8e77-d2aef7b9335c" providerId="ADAL" clId="{698B9AE8-7644-476B-9468-4E2B59B1B816}" dt="2025-01-27T20:10:06.768" v="6245" actId="729"/>
-        <pc:sldMkLst>
-          <pc:docMk/>
-          <pc:sldMk cId="1426418202" sldId="543"/>
-        </pc:sldMkLst>
-      </pc:sldChg>
-      <pc:sldChg chg="mod modShow">
-        <pc:chgData name="Romain MILECKI" userId="53d3c05e-b504-4371-8e77-d2aef7b9335c" providerId="ADAL" clId="{698B9AE8-7644-476B-9468-4E2B59B1B816}" dt="2025-01-27T20:10:06.768" v="6245" actId="729"/>
-        <pc:sldMkLst>
-          <pc:docMk/>
-          <pc:sldMk cId="735989107" sldId="544"/>
-        </pc:sldMkLst>
-      </pc:sldChg>
-      <pc:sldChg chg="mod modShow">
-        <pc:chgData name="Romain MILECKI" userId="53d3c05e-b504-4371-8e77-d2aef7b9335c" providerId="ADAL" clId="{698B9AE8-7644-476B-9468-4E2B59B1B816}" dt="2025-01-27T20:10:06.768" v="6245" actId="729"/>
-        <pc:sldMkLst>
-          <pc:docMk/>
-          <pc:sldMk cId="3899232807" sldId="546"/>
-        </pc:sldMkLst>
-      </pc:sldChg>
-      <pc:sldChg chg="mod modShow">
-        <pc:chgData name="Romain MILECKI" userId="53d3c05e-b504-4371-8e77-d2aef7b9335c" providerId="ADAL" clId="{698B9AE8-7644-476B-9468-4E2B59B1B816}" dt="2025-01-27T20:10:06.768" v="6245" actId="729"/>
-        <pc:sldMkLst>
-          <pc:docMk/>
-          <pc:sldMk cId="3810240017" sldId="549"/>
-        </pc:sldMkLst>
-      </pc:sldChg>
-      <pc:sldChg chg="addSp delSp modSp add mod delAnim modAnim modShow modNotesTx">
-        <pc:chgData name="Romain MILECKI" userId="53d3c05e-b504-4371-8e77-d2aef7b9335c" providerId="ADAL" clId="{698B9AE8-7644-476B-9468-4E2B59B1B816}" dt="2025-01-27T20:14:43.845" v="6331" actId="20577"/>
-        <pc:sldMkLst>
-          <pc:docMk/>
-          <pc:sldMk cId="1836365198" sldId="2147483335"/>
-        </pc:sldMkLst>
-      </pc:sldChg>
-      <pc:sldChg chg="mod modShow">
-        <pc:chgData name="Romain MILECKI" userId="53d3c05e-b504-4371-8e77-d2aef7b9335c" providerId="ADAL" clId="{698B9AE8-7644-476B-9468-4E2B59B1B816}" dt="2025-01-27T20:10:06.768" v="6245" actId="729"/>
-        <pc:sldMkLst>
-          <pc:docMk/>
-          <pc:sldMk cId="567969834" sldId="2147483355"/>
-        </pc:sldMkLst>
-      </pc:sldChg>
-      <pc:sldChg chg="mod modShow">
-        <pc:chgData name="Romain MILECKI" userId="53d3c05e-b504-4371-8e77-d2aef7b9335c" providerId="ADAL" clId="{698B9AE8-7644-476B-9468-4E2B59B1B816}" dt="2025-01-27T20:10:06.768" v="6245" actId="729"/>
-        <pc:sldMkLst>
-          <pc:docMk/>
-          <pc:sldMk cId="3282966770" sldId="2147483427"/>
-        </pc:sldMkLst>
-      </pc:sldChg>
-      <pc:sldChg chg="mod modShow">
-        <pc:chgData name="Romain MILECKI" userId="53d3c05e-b504-4371-8e77-d2aef7b9335c" providerId="ADAL" clId="{698B9AE8-7644-476B-9468-4E2B59B1B816}" dt="2025-01-27T20:10:06.768" v="6245" actId="729"/>
-        <pc:sldMkLst>
-          <pc:docMk/>
-          <pc:sldMk cId="3826494038" sldId="2147483447"/>
-        </pc:sldMkLst>
-      </pc:sldChg>
-      <pc:sldChg chg="mod modShow">
-        <pc:chgData name="Romain MILECKI" userId="53d3c05e-b504-4371-8e77-d2aef7b9335c" providerId="ADAL" clId="{698B9AE8-7644-476B-9468-4E2B59B1B816}" dt="2025-01-27T20:10:06.768" v="6245" actId="729"/>
-        <pc:sldMkLst>
-          <pc:docMk/>
-          <pc:sldMk cId="3927243092" sldId="2147483453"/>
-        </pc:sldMkLst>
-      </pc:sldChg>
-      <pc:sldChg chg="mod modShow">
-        <pc:chgData name="Romain MILECKI" userId="53d3c05e-b504-4371-8e77-d2aef7b9335c" providerId="ADAL" clId="{698B9AE8-7644-476B-9468-4E2B59B1B816}" dt="2025-01-27T20:10:06.768" v="6245" actId="729"/>
-        <pc:sldMkLst>
-          <pc:docMk/>
-          <pc:sldMk cId="3047155839" sldId="2147483462"/>
-        </pc:sldMkLst>
-      </pc:sldChg>
-      <pc:sldChg chg="mod modShow">
-        <pc:chgData name="Romain MILECKI" userId="53d3c05e-b504-4371-8e77-d2aef7b9335c" providerId="ADAL" clId="{698B9AE8-7644-476B-9468-4E2B59B1B816}" dt="2025-01-27T20:10:06.768" v="6245" actId="729"/>
-        <pc:sldMkLst>
-          <pc:docMk/>
-          <pc:sldMk cId="1154325928" sldId="2147483478"/>
-        </pc:sldMkLst>
-      </pc:sldChg>
-      <pc:sldChg chg="mod modShow">
-        <pc:chgData name="Romain MILECKI" userId="53d3c05e-b504-4371-8e77-d2aef7b9335c" providerId="ADAL" clId="{698B9AE8-7644-476B-9468-4E2B59B1B816}" dt="2025-01-27T20:10:06.768" v="6245" actId="729"/>
-        <pc:sldMkLst>
-          <pc:docMk/>
-          <pc:sldMk cId="2648409912" sldId="2147483514"/>
-        </pc:sldMkLst>
-      </pc:sldChg>
-      <pc:sldChg chg="mod modShow">
-        <pc:chgData name="Romain MILECKI" userId="53d3c05e-b504-4371-8e77-d2aef7b9335c" providerId="ADAL" clId="{698B9AE8-7644-476B-9468-4E2B59B1B816}" dt="2025-01-27T20:10:06.768" v="6245" actId="729"/>
-        <pc:sldMkLst>
-          <pc:docMk/>
-          <pc:sldMk cId="3724949963" sldId="2147483515"/>
-        </pc:sldMkLst>
-      </pc:sldChg>
-      <pc:sldChg chg="modSp mod modShow">
-        <pc:chgData name="Romain MILECKI" userId="53d3c05e-b504-4371-8e77-d2aef7b9335c" providerId="ADAL" clId="{698B9AE8-7644-476B-9468-4E2B59B1B816}" dt="2025-02-05T17:03:31.443" v="6332" actId="207"/>
-        <pc:sldMkLst>
-          <pc:docMk/>
-          <pc:sldMk cId="2056008740" sldId="2147483519"/>
-        </pc:sldMkLst>
-      </pc:sldChg>
-      <pc:sldChg chg="addSp modSp add mod ord modAnim modShow">
-        <pc:chgData name="Romain MILECKI" userId="53d3c05e-b504-4371-8e77-d2aef7b9335c" providerId="ADAL" clId="{698B9AE8-7644-476B-9468-4E2B59B1B816}" dt="2025-01-27T18:14:56.298" v="6133" actId="20577"/>
-        <pc:sldMkLst>
-          <pc:docMk/>
-          <pc:sldMk cId="1425089493" sldId="2147483520"/>
-        </pc:sldMkLst>
-      </pc:sldChg>
-      <pc:sldChg chg="addSp delSp modSp add mod ord">
-        <pc:chgData name="Romain MILECKI" userId="53d3c05e-b504-4371-8e77-d2aef7b9335c" providerId="ADAL" clId="{698B9AE8-7644-476B-9468-4E2B59B1B816}" dt="2025-01-16T10:54:24.342" v="137" actId="478"/>
-        <pc:sldMkLst>
-          <pc:docMk/>
-          <pc:sldMk cId="696696546" sldId="2147483521"/>
-        </pc:sldMkLst>
-      </pc:sldChg>
-      <pc:sldChg chg="addSp delSp modSp add mod modAnim modShow">
-        <pc:chgData name="Romain MILECKI" userId="53d3c05e-b504-4371-8e77-d2aef7b9335c" providerId="ADAL" clId="{698B9AE8-7644-476B-9468-4E2B59B1B816}" dt="2025-01-27T20:13:36.286" v="6293" actId="404"/>
-        <pc:sldMkLst>
-          <pc:docMk/>
-          <pc:sldMk cId="2312050107" sldId="2147483522"/>
-        </pc:sldMkLst>
-      </pc:sldChg>
-      <pc:sldChg chg="addSp delSp modSp add mod ord delAnim modAnim modShow modNotesTx">
-        <pc:chgData name="Romain MILECKI" userId="53d3c05e-b504-4371-8e77-d2aef7b9335c" providerId="ADAL" clId="{698B9AE8-7644-476B-9468-4E2B59B1B816}" dt="2025-01-27T17:36:28.187" v="6112" actId="478"/>
-        <pc:sldMkLst>
-          <pc:docMk/>
-          <pc:sldMk cId="2474122460" sldId="2147483523"/>
-        </pc:sldMkLst>
-      </pc:sldChg>
       <pc:sldChg chg="modSp mod">
-        <pc:chgData name="Romain MILECKI" userId="53d3c05e-b504-4371-8e77-d2aef7b9335c" providerId="ADAL" clId="{698B9AE8-7644-476B-9468-4E2B59B1B816}" dt="2025-01-27T19:56:29.191" v="6209" actId="20577"/>
-        <pc:sldMkLst>
-          <pc:docMk/>
-          <pc:sldMk cId="2246678326" sldId="2147483526"/>
-        </pc:sldMkLst>
-      </pc:sldChg>
-      <pc:sldChg chg="addSp modSp add mod ord modAnim modShow">
-        <pc:chgData name="Romain MILECKI" userId="53d3c05e-b504-4371-8e77-d2aef7b9335c" providerId="ADAL" clId="{698B9AE8-7644-476B-9468-4E2B59B1B816}" dt="2025-01-21T16:11:37.476" v="347" actId="729"/>
-        <pc:sldMkLst>
-          <pc:docMk/>
-          <pc:sldMk cId="1176860781" sldId="2147483532"/>
-        </pc:sldMkLst>
-      </pc:sldChg>
-      <pc:sldChg chg="addSp delSp modSp add mod ord modAnim modNotesTx">
-        <pc:chgData name="Romain MILECKI" userId="53d3c05e-b504-4371-8e77-d2aef7b9335c" providerId="ADAL" clId="{698B9AE8-7644-476B-9468-4E2B59B1B816}" dt="2025-01-27T20:14:27.124" v="6311" actId="20577"/>
-        <pc:sldMkLst>
-          <pc:docMk/>
-          <pc:sldMk cId="4213513957" sldId="2147483533"/>
+        <pc:chgData name="Alexane BAUDRON" userId="c4e72a19-1b71-4ae0-b940-702fdd1a721d" providerId="ADAL" clId="{D4F44FF1-7F2C-FA40-AF24-8A4D60D10BFE}" dt="2025-01-27T15:25:17.351" v="2785" actId="1038"/>
+        <pc:sldMkLst>
+          <pc:docMk/>
+          <pc:sldMk cId="3452786207" sldId="2147483544"/>
+        </pc:sldMkLst>
+      </pc:sldChg>
+      <pc:sldChg chg="addSp delSp modSp mod">
+        <pc:chgData name="Alexane BAUDRON" userId="c4e72a19-1b71-4ae0-b940-702fdd1a721d" providerId="ADAL" clId="{D4F44FF1-7F2C-FA40-AF24-8A4D60D10BFE}" dt="2025-01-27T15:00:16.493" v="2360"/>
+        <pc:sldMkLst>
+          <pc:docMk/>
+          <pc:sldMk cId="538564091" sldId="2147483545"/>
+        </pc:sldMkLst>
+      </pc:sldChg>
+      <pc:sldChg chg="addSp delSp modSp mod">
+        <pc:chgData name="Alexane BAUDRON" userId="c4e72a19-1b71-4ae0-b940-702fdd1a721d" providerId="ADAL" clId="{D4F44FF1-7F2C-FA40-AF24-8A4D60D10BFE}" dt="2025-01-27T15:05:47.042" v="2430" actId="1038"/>
+        <pc:sldMkLst>
+          <pc:docMk/>
+          <pc:sldMk cId="323720210" sldId="2147483546"/>
+        </pc:sldMkLst>
+      </pc:sldChg>
+      <pc:sldChg chg="addSp delSp modSp mod">
+        <pc:chgData name="Alexane BAUDRON" userId="c4e72a19-1b71-4ae0-b940-702fdd1a721d" providerId="ADAL" clId="{D4F44FF1-7F2C-FA40-AF24-8A4D60D10BFE}" dt="2025-01-27T15:06:36.214" v="2440" actId="1076"/>
+        <pc:sldMkLst>
+          <pc:docMk/>
+          <pc:sldMk cId="819472479" sldId="2147483547"/>
         </pc:sldMkLst>
       </pc:sldChg>
       <pc:sldChg chg="modSp mod">
-        <pc:chgData name="Romain MILECKI" userId="53d3c05e-b504-4371-8e77-d2aef7b9335c" providerId="ADAL" clId="{698B9AE8-7644-476B-9468-4E2B59B1B816}" dt="2025-01-26T18:36:41.628" v="3326" actId="20577"/>
-        <pc:sldMkLst>
-          <pc:docMk/>
-          <pc:sldMk cId="4133866324" sldId="2147483540"/>
+        <pc:chgData name="Alexane BAUDRON" userId="c4e72a19-1b71-4ae0-b940-702fdd1a721d" providerId="ADAL" clId="{D4F44FF1-7F2C-FA40-AF24-8A4D60D10BFE}" dt="2025-01-27T15:13:04.322" v="2533" actId="207"/>
+        <pc:sldMkLst>
+          <pc:docMk/>
+          <pc:sldMk cId="3713441185" sldId="2147483549"/>
         </pc:sldMkLst>
       </pc:sldChg>
       <pc:sldChg chg="modSp mod">
-        <pc:chgData name="Romain MILECKI" userId="53d3c05e-b504-4371-8e77-d2aef7b9335c" providerId="ADAL" clId="{698B9AE8-7644-476B-9468-4E2B59B1B816}" dt="2025-01-27T20:07:02.582" v="6242" actId="20577"/>
-        <pc:sldMkLst>
-          <pc:docMk/>
-          <pc:sldMk cId="12490850" sldId="2147483542"/>
-        </pc:sldMkLst>
-      </pc:sldChg>
-      <pc:sldChg chg="addSp delSp modSp new del mod">
-        <pc:chgData name="Romain MILECKI" userId="53d3c05e-b504-4371-8e77-d2aef7b9335c" providerId="ADAL" clId="{698B9AE8-7644-476B-9468-4E2B59B1B816}" dt="2025-01-27T18:16:23.429" v="6173" actId="47"/>
-        <pc:sldMkLst>
-          <pc:docMk/>
-          <pc:sldMk cId="3060045808" sldId="2147483569"/>
-        </pc:sldMkLst>
-      </pc:sldChg>
-      <pc:sldChg chg="addSp delSp modSp add mod ord modAnim modNotesTx">
-        <pc:chgData name="Romain MILECKI" userId="53d3c05e-b504-4371-8e77-d2aef7b9335c" providerId="ADAL" clId="{698B9AE8-7644-476B-9468-4E2B59B1B816}" dt="2025-01-26T19:54:18.169" v="5640"/>
+        <pc:chgData name="Alexane BAUDRON" userId="c4e72a19-1b71-4ae0-b940-702fdd1a721d" providerId="ADAL" clId="{D4F44FF1-7F2C-FA40-AF24-8A4D60D10BFE}" dt="2025-01-27T14:55:35.228" v="2246" actId="14861"/>
+        <pc:sldMkLst>
+          <pc:docMk/>
+          <pc:sldMk cId="3514001501" sldId="2147483550"/>
+        </pc:sldMkLst>
+      </pc:sldChg>
+      <pc:sldChg chg="modSp mod">
+        <pc:chgData name="Alexane BAUDRON" userId="c4e72a19-1b71-4ae0-b940-702fdd1a721d" providerId="ADAL" clId="{D4F44FF1-7F2C-FA40-AF24-8A4D60D10BFE}" dt="2025-01-27T17:02:53.551" v="3360" actId="1035"/>
+        <pc:sldMkLst>
+          <pc:docMk/>
+          <pc:sldMk cId="3947401979" sldId="2147483551"/>
+        </pc:sldMkLst>
+      </pc:sldChg>
+      <pc:sldChg chg="modSp mod">
+        <pc:chgData name="Alexane BAUDRON" userId="c4e72a19-1b71-4ae0-b940-702fdd1a721d" providerId="ADAL" clId="{D4F44FF1-7F2C-FA40-AF24-8A4D60D10BFE}" dt="2025-01-27T15:04:45.622" v="2418" actId="1036"/>
+        <pc:sldMkLst>
+          <pc:docMk/>
+          <pc:sldMk cId="237779500" sldId="2147483552"/>
+        </pc:sldMkLst>
+      </pc:sldChg>
+      <pc:sldChg chg="modSp mod">
+        <pc:chgData name="Alexane BAUDRON" userId="c4e72a19-1b71-4ae0-b940-702fdd1a721d" providerId="ADAL" clId="{D4F44FF1-7F2C-FA40-AF24-8A4D60D10BFE}" dt="2025-01-27T14:51:47.045" v="2210" actId="1035"/>
+        <pc:sldMkLst>
+          <pc:docMk/>
+          <pc:sldMk cId="2159616718" sldId="2147483554"/>
+        </pc:sldMkLst>
+      </pc:sldChg>
+      <pc:sldChg chg="modSp">
+        <pc:chgData name="Alexane BAUDRON" userId="c4e72a19-1b71-4ae0-b940-702fdd1a721d" providerId="ADAL" clId="{D4F44FF1-7F2C-FA40-AF24-8A4D60D10BFE}" dt="2025-01-27T15:01:02.263" v="2369"/>
+        <pc:sldMkLst>
+          <pc:docMk/>
+          <pc:sldMk cId="2971429069" sldId="2147483555"/>
+        </pc:sldMkLst>
+      </pc:sldChg>
+      <pc:sldChg chg="modSp mod">
+        <pc:chgData name="Alexane BAUDRON" userId="c4e72a19-1b71-4ae0-b940-702fdd1a721d" providerId="ADAL" clId="{D4F44FF1-7F2C-FA40-AF24-8A4D60D10BFE}" dt="2025-01-27T14:40:05.254" v="1988" actId="20577"/>
+        <pc:sldMkLst>
+          <pc:docMk/>
+          <pc:sldMk cId="3792680044" sldId="2147483556"/>
+        </pc:sldMkLst>
+      </pc:sldChg>
+      <pc:sldChg chg="modSp mod">
+        <pc:chgData name="Alexane BAUDRON" userId="c4e72a19-1b71-4ae0-b940-702fdd1a721d" providerId="ADAL" clId="{D4F44FF1-7F2C-FA40-AF24-8A4D60D10BFE}" dt="2025-01-27T14:36:35.351" v="1941" actId="1076"/>
+        <pc:sldMkLst>
+          <pc:docMk/>
+          <pc:sldMk cId="1289184987" sldId="2147483562"/>
+        </pc:sldMkLst>
+      </pc:sldChg>
+      <pc:sldChg chg="modSp mod">
+        <pc:chgData name="Alexane BAUDRON" userId="c4e72a19-1b71-4ae0-b940-702fdd1a721d" providerId="ADAL" clId="{D4F44FF1-7F2C-FA40-AF24-8A4D60D10BFE}" dt="2025-01-27T14:36:24.792" v="1939" actId="14100"/>
+        <pc:sldMkLst>
+          <pc:docMk/>
+          <pc:sldMk cId="1404434608" sldId="2147483563"/>
+        </pc:sldMkLst>
+      </pc:sldChg>
+      <pc:sldChg chg="modSp mod">
+        <pc:chgData name="Alexane BAUDRON" userId="c4e72a19-1b71-4ae0-b940-702fdd1a721d" providerId="ADAL" clId="{D4F44FF1-7F2C-FA40-AF24-8A4D60D10BFE}" dt="2025-01-27T14:32:24.333" v="1846" actId="208"/>
+        <pc:sldMkLst>
+          <pc:docMk/>
+          <pc:sldMk cId="2755047218" sldId="2147483564"/>
+        </pc:sldMkLst>
+      </pc:sldChg>
+      <pc:sldChg chg="modSp mod">
+        <pc:chgData name="Alexane BAUDRON" userId="c4e72a19-1b71-4ae0-b940-702fdd1a721d" providerId="ADAL" clId="{D4F44FF1-7F2C-FA40-AF24-8A4D60D10BFE}" dt="2025-01-27T14:29:46.378" v="1809" actId="1035"/>
+        <pc:sldMkLst>
+          <pc:docMk/>
+          <pc:sldMk cId="2235345609" sldId="2147483565"/>
+        </pc:sldMkLst>
+      </pc:sldChg>
+      <pc:sldChg chg="modSp mod setBg">
+        <pc:chgData name="Alexane BAUDRON" userId="c4e72a19-1b71-4ae0-b940-702fdd1a721d" providerId="ADAL" clId="{D4F44FF1-7F2C-FA40-AF24-8A4D60D10BFE}" dt="2025-01-27T15:30:48.101" v="2837"/>
+        <pc:sldMkLst>
+          <pc:docMk/>
+          <pc:sldMk cId="256682989" sldId="2147483566"/>
+        </pc:sldMkLst>
+      </pc:sldChg>
+      <pc:sldChg chg="modSp mod">
+        <pc:chgData name="Alexane BAUDRON" userId="c4e72a19-1b71-4ae0-b940-702fdd1a721d" providerId="ADAL" clId="{D4F44FF1-7F2C-FA40-AF24-8A4D60D10BFE}" dt="2025-01-27T13:40:30.828" v="1421" actId="1076"/>
+        <pc:sldMkLst>
+          <pc:docMk/>
+          <pc:sldMk cId="3463449161" sldId="2147483567"/>
+        </pc:sldMkLst>
+      </pc:sldChg>
+      <pc:sldChg chg="modSp mod">
+        <pc:chgData name="Alexane BAUDRON" userId="c4e72a19-1b71-4ae0-b940-702fdd1a721d" providerId="ADAL" clId="{D4F44FF1-7F2C-FA40-AF24-8A4D60D10BFE}" dt="2025-01-27T15:31:33.389" v="2840" actId="1076"/>
         <pc:sldMkLst>
           <pc:docMk/>
           <pc:sldMk cId="534803942" sldId="2147483570"/>
         </pc:sldMkLst>
       </pc:sldChg>
-      <pc:sldChg chg="addSp delSp modSp add del mod ord modShow">
-        <pc:chgData name="Romain MILECKI" userId="53d3c05e-b504-4371-8e77-d2aef7b9335c" providerId="ADAL" clId="{698B9AE8-7644-476B-9468-4E2B59B1B816}" dt="2025-01-27T09:51:06.359" v="5677" actId="47"/>
-        <pc:sldMkLst>
-          <pc:docMk/>
-          <pc:sldMk cId="1035214269" sldId="2147483571"/>
-        </pc:sldMkLst>
-      </pc:sldChg>
       <pc:sldChg chg="modSp mod">
-        <pc:chgData name="Romain MILECKI" userId="53d3c05e-b504-4371-8e77-d2aef7b9335c" providerId="ADAL" clId="{698B9AE8-7644-476B-9468-4E2B59B1B816}" dt="2025-01-27T20:03:34.946" v="6229" actId="20577"/>
+        <pc:chgData name="Alexane BAUDRON" userId="c4e72a19-1b71-4ae0-b940-702fdd1a721d" providerId="ADAL" clId="{D4F44FF1-7F2C-FA40-AF24-8A4D60D10BFE}" dt="2025-01-27T15:09:30.508" v="2469"/>
+        <pc:sldMkLst>
+          <pc:docMk/>
+          <pc:sldMk cId="1851883643" sldId="2147483572"/>
+        </pc:sldMkLst>
+      </pc:sldChg>
+      <pc:sldChg chg="modSp mod">
+        <pc:chgData name="Alexane BAUDRON" userId="c4e72a19-1b71-4ae0-b940-702fdd1a721d" providerId="ADAL" clId="{D4F44FF1-7F2C-FA40-AF24-8A4D60D10BFE}" dt="2025-01-27T15:26:32.733" v="2804" actId="207"/>
+        <pc:sldMkLst>
+          <pc:docMk/>
+          <pc:sldMk cId="3904257479" sldId="2147483573"/>
+        </pc:sldMkLst>
+      </pc:sldChg>
+      <pc:sldChg chg="modSp mod">
+        <pc:chgData name="Alexane BAUDRON" userId="c4e72a19-1b71-4ae0-b940-702fdd1a721d" providerId="ADAL" clId="{D4F44FF1-7F2C-FA40-AF24-8A4D60D10BFE}" dt="2025-01-27T15:26:27.003" v="2803" actId="207"/>
+        <pc:sldMkLst>
+          <pc:docMk/>
+          <pc:sldMk cId="1584404665" sldId="2147483574"/>
+        </pc:sldMkLst>
+      </pc:sldChg>
+      <pc:sldChg chg="modSp mod">
+        <pc:chgData name="Alexane BAUDRON" userId="c4e72a19-1b71-4ae0-b940-702fdd1a721d" providerId="ADAL" clId="{D4F44FF1-7F2C-FA40-AF24-8A4D60D10BFE}" dt="2025-01-27T15:26:09.348" v="2800" actId="207"/>
+        <pc:sldMkLst>
+          <pc:docMk/>
+          <pc:sldMk cId="3593561478" sldId="2147483575"/>
+        </pc:sldMkLst>
+      </pc:sldChg>
+      <pc:sldChg chg="modSp mod">
+        <pc:chgData name="Alexane BAUDRON" userId="c4e72a19-1b71-4ae0-b940-702fdd1a721d" providerId="ADAL" clId="{D4F44FF1-7F2C-FA40-AF24-8A4D60D10BFE}" dt="2025-01-27T15:26:14.963" v="2801" actId="207"/>
+        <pc:sldMkLst>
+          <pc:docMk/>
+          <pc:sldMk cId="3395933212" sldId="2147483576"/>
+        </pc:sldMkLst>
+      </pc:sldChg>
+      <pc:sldChg chg="modSp mod">
+        <pc:chgData name="Alexane BAUDRON" userId="c4e72a19-1b71-4ae0-b940-702fdd1a721d" providerId="ADAL" clId="{D4F44FF1-7F2C-FA40-AF24-8A4D60D10BFE}" dt="2025-01-27T15:26:19.392" v="2802" actId="207"/>
+        <pc:sldMkLst>
+          <pc:docMk/>
+          <pc:sldMk cId="4045004320" sldId="2147483577"/>
+        </pc:sldMkLst>
+      </pc:sldChg>
+      <pc:sldChg chg="delSp modSp add mod">
+        <pc:chgData name="Alexane BAUDRON" userId="c4e72a19-1b71-4ae0-b940-702fdd1a721d" providerId="ADAL" clId="{D4F44FF1-7F2C-FA40-AF24-8A4D60D10BFE}" dt="2025-01-27T09:11:46.599" v="478" actId="20577"/>
+        <pc:sldMkLst>
+          <pc:docMk/>
+          <pc:sldMk cId="4053336332" sldId="2147483578"/>
+        </pc:sldMkLst>
+      </pc:sldChg>
+      <pc:sldChg chg="addSp delSp modSp mod">
+        <pc:chgData name="Alexane BAUDRON" userId="c4e72a19-1b71-4ae0-b940-702fdd1a721d" providerId="ADAL" clId="{D4F44FF1-7F2C-FA40-AF24-8A4D60D10BFE}" dt="2025-01-27T16:29:45.485" v="3266" actId="404"/>
+        <pc:sldMkLst>
+          <pc:docMk/>
+          <pc:sldMk cId="1703776386" sldId="2147483579"/>
+        </pc:sldMkLst>
+      </pc:sldChg>
+      <pc:sldChg chg="add mod modShow">
+        <pc:chgData name="Alexane BAUDRON" userId="c4e72a19-1b71-4ae0-b940-702fdd1a721d" providerId="ADAL" clId="{D4F44FF1-7F2C-FA40-AF24-8A4D60D10BFE}" dt="2025-01-27T14:14:28.434" v="1459" actId="729"/>
         <pc:sldMkLst>
           <pc:docMk/>
           <pc:sldMk cId="992121836" sldId="2147483580"/>
-        </pc:sldMkLst>
-      </pc:sldChg>
-    </pc:docChg>
-  </pc:docChgLst>
-  <pc:docChgLst>
-    <pc:chgData name="Romain MILECKI" userId="53d3c05e-b504-4371-8e77-d2aef7b9335c" providerId="ADAL" clId="{D55A2D77-A857-4928-B221-958258A0E265}"/>
-    <pc:docChg chg="undo custSel modSld">
-      <pc:chgData name="Romain MILECKI" userId="53d3c05e-b504-4371-8e77-d2aef7b9335c" providerId="ADAL" clId="{D55A2D77-A857-4928-B221-958258A0E265}" dt="2025-02-17T16:58:44.542" v="78" actId="12788"/>
-      <pc:docMkLst>
-        <pc:docMk/>
-      </pc:docMkLst>
-      <pc:sldChg chg="addSp delSp modSp mod">
-        <pc:chgData name="Romain MILECKI" userId="53d3c05e-b504-4371-8e77-d2aef7b9335c" providerId="ADAL" clId="{D55A2D77-A857-4928-B221-958258A0E265}" dt="2025-02-17T16:58:44.542" v="78" actId="12788"/>
-        <pc:sldMkLst>
-          <pc:docMk/>
-          <pc:sldMk cId="4133866324" sldId="2147483540"/>
-        </pc:sldMkLst>
-      </pc:sldChg>
-    </pc:docChg>
-  </pc:docChgLst>
-  <pc:docChgLst>
-    <pc:chgData name="Ambre SONOR" userId="S::asonor@lemonway.com::020792ae-fc4a-47d7-9e18-119d3ce04a29" providerId="AD" clId="Web-{087ADC44-AF41-25CC-C4D3-3F18F367B117}"/>
-    <pc:docChg chg="modSld">
-      <pc:chgData name="Ambre SONOR" userId="S::asonor@lemonway.com::020792ae-fc4a-47d7-9e18-119d3ce04a29" providerId="AD" clId="Web-{087ADC44-AF41-25CC-C4D3-3F18F367B117}" dt="2025-02-10T16:13:37.363" v="0"/>
-      <pc:docMkLst>
-        <pc:docMk/>
-      </pc:docMkLst>
-      <pc:sldChg chg="mod modShow">
-        <pc:chgData name="Ambre SONOR" userId="S::asonor@lemonway.com::020792ae-fc4a-47d7-9e18-119d3ce04a29" providerId="AD" clId="Web-{087ADC44-AF41-25CC-C4D3-3F18F367B117}" dt="2025-02-10T16:13:37.363" v="0"/>
-        <pc:sldMkLst>
-          <pc:docMk/>
-          <pc:sldMk cId="3810240017" sldId="549"/>
-        </pc:sldMkLst>
-      </pc:sldChg>
-    </pc:docChg>
-  </pc:docChgLst>
-  <pc:docChgLst>
-    <pc:chgData name="Pierre GAUVRY" userId="S::pgauvry@lemonway.com::83edf39d-5bbc-4918-af09-c2287799a21e" providerId="AD" clId="Web-{043BB0B3-314B-63D4-7B3F-13D2E81873A1}"/>
-    <pc:docChg chg="modSld">
-      <pc:chgData name="Pierre GAUVRY" userId="S::pgauvry@lemonway.com::83edf39d-5bbc-4918-af09-c2287799a21e" providerId="AD" clId="Web-{043BB0B3-314B-63D4-7B3F-13D2E81873A1}" dt="2025-01-27T21:35:59.470" v="76" actId="20577"/>
-      <pc:docMkLst>
-        <pc:docMk/>
-      </pc:docMkLst>
-      <pc:sldChg chg="modSp">
-        <pc:chgData name="Pierre GAUVRY" userId="S::pgauvry@lemonway.com::83edf39d-5bbc-4918-af09-c2287799a21e" providerId="AD" clId="Web-{043BB0B3-314B-63D4-7B3F-13D2E81873A1}" dt="2025-01-27T21:08:58.700" v="65" actId="20577"/>
-        <pc:sldMkLst>
-          <pc:docMk/>
-          <pc:sldMk cId="244232859" sldId="2147483541"/>
-        </pc:sldMkLst>
-      </pc:sldChg>
-      <pc:sldChg chg="modSp">
-        <pc:chgData name="Pierre GAUVRY" userId="S::pgauvry@lemonway.com::83edf39d-5bbc-4918-af09-c2287799a21e" providerId="AD" clId="Web-{043BB0B3-314B-63D4-7B3F-13D2E81873A1}" dt="2025-01-27T21:35:59.470" v="76" actId="20577"/>
-        <pc:sldMkLst>
-          <pc:docMk/>
-          <pc:sldMk cId="12490850" sldId="2147483542"/>
         </pc:sldMkLst>
       </pc:sldChg>
     </pc:docChg>
@@ -3523,7 +3527,7 @@
           <a:p>
             <a:fld id="{1EAC3231-7B0F-0944-AC3C-0D7F1DAC5F08}" type="datetimeFigureOut">
               <a:rPr lang="fr-FR" smtClean="0"/>
-              <a:t>13/11/2025</a:t>
+              <a:t>14/11/2025</a:t>
             </a:fld>
             <a:endParaRPr lang="fr-FR"/>
           </a:p>
@@ -4158,11 +4162,17 @@
 </file>
 
 <file path=ppt/notesSlides/notesSlide10.xml><?xml version="1.0" encoding="utf-8"?>
-<p:notes xmlns:a="http://schemas.openxmlformats.org/drawingml/2006/main" xmlns:r="http://schemas.openxmlformats.org/officeDocument/2006/relationships" xmlns:p="http://schemas.openxmlformats.org/presentationml/2006/main">
+<p:notes xmlns:a="http://schemas.openxmlformats.org/drawingml/2006/main" xmlns:r="http://schemas.openxmlformats.org/officeDocument/2006/relationships" xmlns:p="http://schemas.openxmlformats.org/presentationml/2006/main" showMasterSp="0" showMasterPhAnim="0">
   <p:cSld>
     <p:spTree>
       <p:nvGrpSpPr>
-        <p:cNvPr id="1" name=""/>
+        <p:cNvPr id="1" name="Shape 9672">
+          <a:extLst>
+            <a:ext uri="{FF2B5EF4-FFF2-40B4-BE49-F238E27FC236}">
+              <a16:creationId xmlns:a16="http://schemas.microsoft.com/office/drawing/2014/main" id="{9F559F7F-AED9-E819-DE0F-5E49B6C792A8}"/>
+            </a:ext>
+          </a:extLst>
+        </p:cNvPr>
         <p:cNvGrpSpPr/>
         <p:nvPr/>
       </p:nvGrpSpPr>
@@ -4176,44 +4186,172 @@
       </p:grpSpPr>
       <p:sp>
         <p:nvSpPr>
-          <p:cNvPr id="2" name="Slide Image Placeholder 1"/>
+          <p:cNvPr id="9673" name="Google Shape;9673;g10923e46cd9_0_515:notes">
+            <a:extLst>
+              <a:ext uri="{FF2B5EF4-FFF2-40B4-BE49-F238E27FC236}">
+                <a16:creationId xmlns:a16="http://schemas.microsoft.com/office/drawing/2014/main" id="{0599AC9D-706C-B952-8ABF-88AD3DFBD9F0}"/>
+              </a:ext>
+            </a:extLst>
+          </p:cNvPr>
           <p:cNvSpPr>
             <a:spLocks noGrp="1" noRot="1" noChangeAspect="1"/>
           </p:cNvSpPr>
           <p:nvPr>
-            <p:ph type="sldImg"/>
+            <p:ph type="sldImg" idx="2"/>
           </p:nvPr>
         </p:nvSpPr>
         <p:spPr>
           <a:xfrm>
-            <a:off x="381000" y="685800"/>
-            <a:ext cx="6096000" cy="3429000"/>
+            <a:off x="685800" y="1143000"/>
+            <a:ext cx="5486400" cy="3086100"/>
           </a:xfrm>
+          <a:custGeom>
+            <a:avLst/>
+            <a:gdLst/>
+            <a:ahLst/>
+            <a:cxnLst/>
+            <a:rect l="l" t="t" r="r" b="b"/>
+            <a:pathLst>
+              <a:path w="120000" h="120000" extrusionOk="0">
+                <a:moveTo>
+                  <a:pt x="0" y="0"/>
+                </a:moveTo>
+                <a:lnTo>
+                  <a:pt x="120000" y="0"/>
+                </a:lnTo>
+                <a:lnTo>
+                  <a:pt x="120000" y="120000"/>
+                </a:lnTo>
+                <a:lnTo>
+                  <a:pt x="0" y="120000"/>
+                </a:lnTo>
+                <a:close/>
+              </a:path>
+            </a:pathLst>
+          </a:custGeom>
+          <a:noFill/>
+          <a:ln w="12700" cap="flat" cmpd="sng">
+            <a:solidFill>
+              <a:srgbClr val="000000"/>
+            </a:solidFill>
+            <a:prstDash val="solid"/>
+            <a:round/>
+            <a:headEnd type="none" w="sm" len="sm"/>
+            <a:tailEnd type="none" w="sm" len="sm"/>
+          </a:ln>
         </p:spPr>
+        <p:txBody>
+          <a:bodyPr/>
+          <a:lstStyle/>
+          <a:p>
+            <a:endParaRPr lang="fr-FR"/>
+          </a:p>
+        </p:txBody>
       </p:sp>
       <p:sp>
         <p:nvSpPr>
-          <p:cNvPr id="3" name="Notes Placeholder 2"/>
-          <p:cNvSpPr>
+          <p:cNvPr id="9674" name="Google Shape;9674;g10923e46cd9_0_515:notes">
+            <a:extLst>
+              <a:ext uri="{FF2B5EF4-FFF2-40B4-BE49-F238E27FC236}">
+                <a16:creationId xmlns:a16="http://schemas.microsoft.com/office/drawing/2014/main" id="{292A813E-1829-0652-3161-D710E86DCB6E}"/>
+              </a:ext>
+            </a:extLst>
+          </p:cNvPr>
+          <p:cNvSpPr txBox="1">
             <a:spLocks noGrp="1"/>
           </p:cNvSpPr>
           <p:nvPr>
             <p:ph type="body" idx="1"/>
           </p:nvPr>
         </p:nvSpPr>
-        <p:spPr/>
+        <p:spPr>
+          <a:xfrm>
+            <a:off x="685800" y="4400550"/>
+            <a:ext cx="5486400" cy="3600600"/>
+          </a:xfrm>
+          <a:prstGeom prst="rect">
+            <a:avLst/>
+          </a:prstGeom>
+          <a:noFill/>
+          <a:ln>
+            <a:noFill/>
+          </a:ln>
+        </p:spPr>
         <p:txBody>
-          <a:bodyPr/>
+          <a:bodyPr spcFirstLastPara="1" wrap="square" lIns="91425" tIns="45700" rIns="91425" bIns="45700" anchor="t" anchorCtr="0">
+            <a:noAutofit/>
+          </a:bodyPr>
           <a:lstStyle/>
           <a:p>
-            <a:endParaRPr lang="fr-FR" dirty="0"/>
+            <a:pPr marL="0" lvl="0" indent="0" algn="l" rtl="0">
+              <a:spcBef>
+                <a:spcPts val="0"/>
+              </a:spcBef>
+              <a:spcAft>
+                <a:spcPts val="0"/>
+              </a:spcAft>
+              <a:buNone/>
+            </a:pPr>
+            <a:endParaRPr dirty="0"/>
+          </a:p>
+        </p:txBody>
+      </p:sp>
+      <p:sp>
+        <p:nvSpPr>
+          <p:cNvPr id="9675" name="Google Shape;9675;g10923e46cd9_0_515:notes">
+            <a:extLst>
+              <a:ext uri="{FF2B5EF4-FFF2-40B4-BE49-F238E27FC236}">
+                <a16:creationId xmlns:a16="http://schemas.microsoft.com/office/drawing/2014/main" id="{B1AD4128-58AC-3511-522E-44FDF8C06D70}"/>
+              </a:ext>
+            </a:extLst>
+          </p:cNvPr>
+          <p:cNvSpPr txBox="1">
+            <a:spLocks noGrp="1"/>
+          </p:cNvSpPr>
+          <p:nvPr>
+            <p:ph type="sldNum" idx="12"/>
+          </p:nvPr>
+        </p:nvSpPr>
+        <p:spPr>
+          <a:xfrm>
+            <a:off x="3884613" y="8685213"/>
+            <a:ext cx="2971800" cy="458700"/>
+          </a:xfrm>
+          <a:prstGeom prst="rect">
+            <a:avLst/>
+          </a:prstGeom>
+          <a:noFill/>
+          <a:ln>
+            <a:noFill/>
+          </a:ln>
+        </p:spPr>
+        <p:txBody>
+          <a:bodyPr spcFirstLastPara="1" wrap="square" lIns="91425" tIns="45700" rIns="91425" bIns="45700" anchor="b" anchorCtr="0">
+            <a:noAutofit/>
+          </a:bodyPr>
+          <a:lstStyle/>
+          <a:p>
+            <a:pPr marL="0" lvl="0" indent="0" algn="r" rtl="0">
+              <a:spcBef>
+                <a:spcPts val="0"/>
+              </a:spcBef>
+              <a:spcAft>
+                <a:spcPts val="0"/>
+              </a:spcAft>
+              <a:buNone/>
+            </a:pPr>
+            <a:fld id="{00000000-1234-1234-1234-123412341234}" type="slidenum">
+              <a:rPr lang="fr"/>
+              <a:t>11</a:t>
+            </a:fld>
+            <a:endParaRPr/>
           </a:p>
         </p:txBody>
       </p:sp>
     </p:spTree>
     <p:extLst>
       <p:ext uri="{BB962C8B-B14F-4D97-AF65-F5344CB8AC3E}">
-        <p14:creationId xmlns:p14="http://schemas.microsoft.com/office/powerpoint/2010/main" val="3560543209"/>
+        <p14:creationId xmlns:p14="http://schemas.microsoft.com/office/powerpoint/2010/main" val="4138554897"/>
       </p:ext>
     </p:extLst>
   </p:cSld>
@@ -4224,6 +4362,535 @@
 </file>
 
 <file path=ppt/notesSlides/notesSlide11.xml><?xml version="1.0" encoding="utf-8"?>
+<p:notes xmlns:a="http://schemas.openxmlformats.org/drawingml/2006/main" xmlns:r="http://schemas.openxmlformats.org/officeDocument/2006/relationships" xmlns:p="http://schemas.openxmlformats.org/presentationml/2006/main" showMasterSp="0" showMasterPhAnim="0">
+  <p:cSld>
+    <p:spTree>
+      <p:nvGrpSpPr>
+        <p:cNvPr id="1" name="Shape 9672">
+          <a:extLst>
+            <a:ext uri="{FF2B5EF4-FFF2-40B4-BE49-F238E27FC236}">
+              <a16:creationId xmlns:a16="http://schemas.microsoft.com/office/drawing/2014/main" id="{DAEDED17-C4A0-73BD-B4DB-CBF4AB24E2DB}"/>
+            </a:ext>
+          </a:extLst>
+        </p:cNvPr>
+        <p:cNvGrpSpPr/>
+        <p:nvPr/>
+      </p:nvGrpSpPr>
+      <p:grpSpPr>
+        <a:xfrm>
+          <a:off x="0" y="0"/>
+          <a:ext cx="0" cy="0"/>
+          <a:chOff x="0" y="0"/>
+          <a:chExt cx="0" cy="0"/>
+        </a:xfrm>
+      </p:grpSpPr>
+      <p:sp>
+        <p:nvSpPr>
+          <p:cNvPr id="9673" name="Google Shape;9673;g10923e46cd9_0_515:notes">
+            <a:extLst>
+              <a:ext uri="{FF2B5EF4-FFF2-40B4-BE49-F238E27FC236}">
+                <a16:creationId xmlns:a16="http://schemas.microsoft.com/office/drawing/2014/main" id="{974AC71B-8056-6D30-4917-5EE8CC29A67F}"/>
+              </a:ext>
+            </a:extLst>
+          </p:cNvPr>
+          <p:cNvSpPr>
+            <a:spLocks noGrp="1" noRot="1" noChangeAspect="1"/>
+          </p:cNvSpPr>
+          <p:nvPr>
+            <p:ph type="sldImg" idx="2"/>
+          </p:nvPr>
+        </p:nvSpPr>
+        <p:spPr>
+          <a:xfrm>
+            <a:off x="685800" y="1143000"/>
+            <a:ext cx="5486400" cy="3086100"/>
+          </a:xfrm>
+          <a:custGeom>
+            <a:avLst/>
+            <a:gdLst/>
+            <a:ahLst/>
+            <a:cxnLst/>
+            <a:rect l="l" t="t" r="r" b="b"/>
+            <a:pathLst>
+              <a:path w="120000" h="120000" extrusionOk="0">
+                <a:moveTo>
+                  <a:pt x="0" y="0"/>
+                </a:moveTo>
+                <a:lnTo>
+                  <a:pt x="120000" y="0"/>
+                </a:lnTo>
+                <a:lnTo>
+                  <a:pt x="120000" y="120000"/>
+                </a:lnTo>
+                <a:lnTo>
+                  <a:pt x="0" y="120000"/>
+                </a:lnTo>
+                <a:close/>
+              </a:path>
+            </a:pathLst>
+          </a:custGeom>
+          <a:noFill/>
+          <a:ln w="12700" cap="flat" cmpd="sng">
+            <a:solidFill>
+              <a:srgbClr val="000000"/>
+            </a:solidFill>
+            <a:prstDash val="solid"/>
+            <a:round/>
+            <a:headEnd type="none" w="sm" len="sm"/>
+            <a:tailEnd type="none" w="sm" len="sm"/>
+          </a:ln>
+        </p:spPr>
+        <p:txBody>
+          <a:bodyPr/>
+          <a:lstStyle/>
+          <a:p>
+            <a:endParaRPr lang="fr-FR"/>
+          </a:p>
+        </p:txBody>
+      </p:sp>
+      <p:sp>
+        <p:nvSpPr>
+          <p:cNvPr id="9674" name="Google Shape;9674;g10923e46cd9_0_515:notes">
+            <a:extLst>
+              <a:ext uri="{FF2B5EF4-FFF2-40B4-BE49-F238E27FC236}">
+                <a16:creationId xmlns:a16="http://schemas.microsoft.com/office/drawing/2014/main" id="{058C747D-6476-BB5A-475A-5765EFECBF0C}"/>
+              </a:ext>
+            </a:extLst>
+          </p:cNvPr>
+          <p:cNvSpPr txBox="1">
+            <a:spLocks noGrp="1"/>
+          </p:cNvSpPr>
+          <p:nvPr>
+            <p:ph type="body" idx="1"/>
+          </p:nvPr>
+        </p:nvSpPr>
+        <p:spPr>
+          <a:xfrm>
+            <a:off x="685800" y="4400550"/>
+            <a:ext cx="5486400" cy="3600600"/>
+          </a:xfrm>
+          <a:prstGeom prst="rect">
+            <a:avLst/>
+          </a:prstGeom>
+          <a:noFill/>
+          <a:ln>
+            <a:noFill/>
+          </a:ln>
+        </p:spPr>
+        <p:txBody>
+          <a:bodyPr spcFirstLastPara="1" wrap="square" lIns="91425" tIns="45700" rIns="91425" bIns="45700" anchor="t" anchorCtr="0">
+            <a:noAutofit/>
+          </a:bodyPr>
+          <a:lstStyle/>
+          <a:p>
+            <a:pPr marL="0" lvl="0" indent="0" algn="l" rtl="0">
+              <a:spcBef>
+                <a:spcPts val="0"/>
+              </a:spcBef>
+              <a:spcAft>
+                <a:spcPts val="0"/>
+              </a:spcAft>
+              <a:buNone/>
+            </a:pPr>
+            <a:endParaRPr dirty="0"/>
+          </a:p>
+        </p:txBody>
+      </p:sp>
+      <p:sp>
+        <p:nvSpPr>
+          <p:cNvPr id="9675" name="Google Shape;9675;g10923e46cd9_0_515:notes">
+            <a:extLst>
+              <a:ext uri="{FF2B5EF4-FFF2-40B4-BE49-F238E27FC236}">
+                <a16:creationId xmlns:a16="http://schemas.microsoft.com/office/drawing/2014/main" id="{46B742AE-35A5-47BF-72F0-288C13D6006D}"/>
+              </a:ext>
+            </a:extLst>
+          </p:cNvPr>
+          <p:cNvSpPr txBox="1">
+            <a:spLocks noGrp="1"/>
+          </p:cNvSpPr>
+          <p:nvPr>
+            <p:ph type="sldNum" idx="12"/>
+          </p:nvPr>
+        </p:nvSpPr>
+        <p:spPr>
+          <a:xfrm>
+            <a:off x="3884613" y="8685213"/>
+            <a:ext cx="2971800" cy="458700"/>
+          </a:xfrm>
+          <a:prstGeom prst="rect">
+            <a:avLst/>
+          </a:prstGeom>
+          <a:noFill/>
+          <a:ln>
+            <a:noFill/>
+          </a:ln>
+        </p:spPr>
+        <p:txBody>
+          <a:bodyPr spcFirstLastPara="1" wrap="square" lIns="91425" tIns="45700" rIns="91425" bIns="45700" anchor="b" anchorCtr="0">
+            <a:noAutofit/>
+          </a:bodyPr>
+          <a:lstStyle/>
+          <a:p>
+            <a:pPr marL="0" lvl="0" indent="0" algn="r" rtl="0">
+              <a:spcBef>
+                <a:spcPts val="0"/>
+              </a:spcBef>
+              <a:spcAft>
+                <a:spcPts val="0"/>
+              </a:spcAft>
+              <a:buNone/>
+            </a:pPr>
+            <a:fld id="{00000000-1234-1234-1234-123412341234}" type="slidenum">
+              <a:rPr lang="fr"/>
+              <a:t>12</a:t>
+            </a:fld>
+            <a:endParaRPr/>
+          </a:p>
+        </p:txBody>
+      </p:sp>
+    </p:spTree>
+    <p:extLst>
+      <p:ext uri="{BB962C8B-B14F-4D97-AF65-F5344CB8AC3E}">
+        <p14:creationId xmlns:p14="http://schemas.microsoft.com/office/powerpoint/2010/main" val="3134665114"/>
+      </p:ext>
+    </p:extLst>
+  </p:cSld>
+  <p:clrMapOvr>
+    <a:masterClrMapping/>
+  </p:clrMapOvr>
+</p:notes>
+</file>
+
+<file path=ppt/notesSlides/notesSlide12.xml><?xml version="1.0" encoding="utf-8"?>
+<p:notes xmlns:a="http://schemas.openxmlformats.org/drawingml/2006/main" xmlns:r="http://schemas.openxmlformats.org/officeDocument/2006/relationships" xmlns:p="http://schemas.openxmlformats.org/presentationml/2006/main" showMasterSp="0" showMasterPhAnim="0">
+  <p:cSld>
+    <p:spTree>
+      <p:nvGrpSpPr>
+        <p:cNvPr id="1" name="Shape 9672">
+          <a:extLst>
+            <a:ext uri="{FF2B5EF4-FFF2-40B4-BE49-F238E27FC236}">
+              <a16:creationId xmlns:a16="http://schemas.microsoft.com/office/drawing/2014/main" id="{D326DEE8-690A-371F-1838-3B84D7B296F2}"/>
+            </a:ext>
+          </a:extLst>
+        </p:cNvPr>
+        <p:cNvGrpSpPr/>
+        <p:nvPr/>
+      </p:nvGrpSpPr>
+      <p:grpSpPr>
+        <a:xfrm>
+          <a:off x="0" y="0"/>
+          <a:ext cx="0" cy="0"/>
+          <a:chOff x="0" y="0"/>
+          <a:chExt cx="0" cy="0"/>
+        </a:xfrm>
+      </p:grpSpPr>
+      <p:sp>
+        <p:nvSpPr>
+          <p:cNvPr id="9673" name="Google Shape;9673;g10923e46cd9_0_515:notes">
+            <a:extLst>
+              <a:ext uri="{FF2B5EF4-FFF2-40B4-BE49-F238E27FC236}">
+                <a16:creationId xmlns:a16="http://schemas.microsoft.com/office/drawing/2014/main" id="{50393EB1-3EC3-6001-0090-2B2598A36F06}"/>
+              </a:ext>
+            </a:extLst>
+          </p:cNvPr>
+          <p:cNvSpPr>
+            <a:spLocks noGrp="1" noRot="1" noChangeAspect="1"/>
+          </p:cNvSpPr>
+          <p:nvPr>
+            <p:ph type="sldImg" idx="2"/>
+          </p:nvPr>
+        </p:nvSpPr>
+        <p:spPr>
+          <a:xfrm>
+            <a:off x="685800" y="1143000"/>
+            <a:ext cx="5486400" cy="3086100"/>
+          </a:xfrm>
+          <a:custGeom>
+            <a:avLst/>
+            <a:gdLst/>
+            <a:ahLst/>
+            <a:cxnLst/>
+            <a:rect l="l" t="t" r="r" b="b"/>
+            <a:pathLst>
+              <a:path w="120000" h="120000" extrusionOk="0">
+                <a:moveTo>
+                  <a:pt x="0" y="0"/>
+                </a:moveTo>
+                <a:lnTo>
+                  <a:pt x="120000" y="0"/>
+                </a:lnTo>
+                <a:lnTo>
+                  <a:pt x="120000" y="120000"/>
+                </a:lnTo>
+                <a:lnTo>
+                  <a:pt x="0" y="120000"/>
+                </a:lnTo>
+                <a:close/>
+              </a:path>
+            </a:pathLst>
+          </a:custGeom>
+          <a:noFill/>
+          <a:ln w="12700" cap="flat" cmpd="sng">
+            <a:solidFill>
+              <a:srgbClr val="000000"/>
+            </a:solidFill>
+            <a:prstDash val="solid"/>
+            <a:round/>
+            <a:headEnd type="none" w="sm" len="sm"/>
+            <a:tailEnd type="none" w="sm" len="sm"/>
+          </a:ln>
+        </p:spPr>
+        <p:txBody>
+          <a:bodyPr/>
+          <a:lstStyle/>
+          <a:p>
+            <a:endParaRPr lang="fr-FR"/>
+          </a:p>
+        </p:txBody>
+      </p:sp>
+      <p:sp>
+        <p:nvSpPr>
+          <p:cNvPr id="9674" name="Google Shape;9674;g10923e46cd9_0_515:notes">
+            <a:extLst>
+              <a:ext uri="{FF2B5EF4-FFF2-40B4-BE49-F238E27FC236}">
+                <a16:creationId xmlns:a16="http://schemas.microsoft.com/office/drawing/2014/main" id="{09A348DF-A35B-C6D7-1576-BB466DB38137}"/>
+              </a:ext>
+            </a:extLst>
+          </p:cNvPr>
+          <p:cNvSpPr txBox="1">
+            <a:spLocks noGrp="1"/>
+          </p:cNvSpPr>
+          <p:nvPr>
+            <p:ph type="body" idx="1"/>
+          </p:nvPr>
+        </p:nvSpPr>
+        <p:spPr>
+          <a:xfrm>
+            <a:off x="685800" y="4400550"/>
+            <a:ext cx="5486400" cy="3600600"/>
+          </a:xfrm>
+          <a:prstGeom prst="rect">
+            <a:avLst/>
+          </a:prstGeom>
+          <a:noFill/>
+          <a:ln>
+            <a:noFill/>
+          </a:ln>
+        </p:spPr>
+        <p:txBody>
+          <a:bodyPr spcFirstLastPara="1" wrap="square" lIns="91425" tIns="45700" rIns="91425" bIns="45700" anchor="t" anchorCtr="0">
+            <a:noAutofit/>
+          </a:bodyPr>
+          <a:lstStyle/>
+          <a:p>
+            <a:pPr marL="0" lvl="0" indent="0" algn="l" rtl="0">
+              <a:spcBef>
+                <a:spcPts val="0"/>
+              </a:spcBef>
+              <a:spcAft>
+                <a:spcPts val="0"/>
+              </a:spcAft>
+              <a:buNone/>
+            </a:pPr>
+            <a:endParaRPr dirty="0"/>
+          </a:p>
+        </p:txBody>
+      </p:sp>
+      <p:sp>
+        <p:nvSpPr>
+          <p:cNvPr id="9675" name="Google Shape;9675;g10923e46cd9_0_515:notes">
+            <a:extLst>
+              <a:ext uri="{FF2B5EF4-FFF2-40B4-BE49-F238E27FC236}">
+                <a16:creationId xmlns:a16="http://schemas.microsoft.com/office/drawing/2014/main" id="{1852BA71-A065-8C9C-382E-2AD5FE4A195A}"/>
+              </a:ext>
+            </a:extLst>
+          </p:cNvPr>
+          <p:cNvSpPr txBox="1">
+            <a:spLocks noGrp="1"/>
+          </p:cNvSpPr>
+          <p:nvPr>
+            <p:ph type="sldNum" idx="12"/>
+          </p:nvPr>
+        </p:nvSpPr>
+        <p:spPr>
+          <a:xfrm>
+            <a:off x="3884613" y="8685213"/>
+            <a:ext cx="2971800" cy="458700"/>
+          </a:xfrm>
+          <a:prstGeom prst="rect">
+            <a:avLst/>
+          </a:prstGeom>
+          <a:noFill/>
+          <a:ln>
+            <a:noFill/>
+          </a:ln>
+        </p:spPr>
+        <p:txBody>
+          <a:bodyPr spcFirstLastPara="1" wrap="square" lIns="91425" tIns="45700" rIns="91425" bIns="45700" anchor="b" anchorCtr="0">
+            <a:noAutofit/>
+          </a:bodyPr>
+          <a:lstStyle/>
+          <a:p>
+            <a:pPr marL="0" lvl="0" indent="0" algn="r" rtl="0">
+              <a:spcBef>
+                <a:spcPts val="0"/>
+              </a:spcBef>
+              <a:spcAft>
+                <a:spcPts val="0"/>
+              </a:spcAft>
+              <a:buNone/>
+            </a:pPr>
+            <a:fld id="{00000000-1234-1234-1234-123412341234}" type="slidenum">
+              <a:rPr lang="fr"/>
+              <a:t>13</a:t>
+            </a:fld>
+            <a:endParaRPr/>
+          </a:p>
+        </p:txBody>
+      </p:sp>
+    </p:spTree>
+    <p:extLst>
+      <p:ext uri="{BB962C8B-B14F-4D97-AF65-F5344CB8AC3E}">
+        <p14:creationId xmlns:p14="http://schemas.microsoft.com/office/powerpoint/2010/main" val="1722380589"/>
+      </p:ext>
+    </p:extLst>
+  </p:cSld>
+  <p:clrMapOvr>
+    <a:masterClrMapping/>
+  </p:clrMapOvr>
+</p:notes>
+</file>
+
+<file path=ppt/notesSlides/notesSlide13.xml><?xml version="1.0" encoding="utf-8"?>
+<p:notes xmlns:a="http://schemas.openxmlformats.org/drawingml/2006/main" xmlns:r="http://schemas.openxmlformats.org/officeDocument/2006/relationships" xmlns:p="http://schemas.openxmlformats.org/presentationml/2006/main" showMasterSp="0" showMasterPhAnim="0">
+  <p:cSld>
+    <p:spTree>
+      <p:nvGrpSpPr>
+        <p:cNvPr id="1" name="Shape 1789"/>
+        <p:cNvGrpSpPr/>
+        <p:nvPr/>
+      </p:nvGrpSpPr>
+      <p:grpSpPr>
+        <a:xfrm>
+          <a:off x="0" y="0"/>
+          <a:ext cx="0" cy="0"/>
+          <a:chOff x="0" y="0"/>
+          <a:chExt cx="0" cy="0"/>
+        </a:xfrm>
+      </p:grpSpPr>
+      <p:sp>
+        <p:nvSpPr>
+          <p:cNvPr id="1790" name="Google Shape;1790;g13c6449b036_0_799:notes"/>
+          <p:cNvSpPr>
+            <a:spLocks noGrp="1" noRot="1" noChangeAspect="1"/>
+          </p:cNvSpPr>
+          <p:nvPr>
+            <p:ph type="sldImg" idx="2"/>
+          </p:nvPr>
+        </p:nvSpPr>
+        <p:spPr>
+          <a:xfrm>
+            <a:off x="381000" y="685800"/>
+            <a:ext cx="6096000" cy="3429000"/>
+          </a:xfrm>
+          <a:custGeom>
+            <a:avLst/>
+            <a:gdLst/>
+            <a:ahLst/>
+            <a:cxnLst/>
+            <a:rect l="l" t="t" r="r" b="b"/>
+            <a:pathLst>
+              <a:path w="120000" h="120000" extrusionOk="0">
+                <a:moveTo>
+                  <a:pt x="0" y="0"/>
+                </a:moveTo>
+                <a:lnTo>
+                  <a:pt x="120000" y="0"/>
+                </a:lnTo>
+                <a:lnTo>
+                  <a:pt x="120000" y="120000"/>
+                </a:lnTo>
+                <a:lnTo>
+                  <a:pt x="0" y="120000"/>
+                </a:lnTo>
+                <a:close/>
+              </a:path>
+            </a:pathLst>
+          </a:custGeom>
+          <a:noFill/>
+          <a:ln w="9525" cap="flat" cmpd="sng">
+            <a:solidFill>
+              <a:srgbClr val="000000"/>
+            </a:solidFill>
+            <a:prstDash val="solid"/>
+            <a:round/>
+            <a:headEnd type="none" w="sm" len="sm"/>
+            <a:tailEnd type="none" w="sm" len="sm"/>
+          </a:ln>
+        </p:spPr>
+        <p:txBody>
+          <a:bodyPr/>
+          <a:lstStyle/>
+          <a:p>
+            <a:endParaRPr lang="fr-FR"/>
+          </a:p>
+        </p:txBody>
+      </p:sp>
+      <p:sp>
+        <p:nvSpPr>
+          <p:cNvPr id="1791" name="Google Shape;1791;g13c6449b036_0_799:notes"/>
+          <p:cNvSpPr txBox="1">
+            <a:spLocks noGrp="1"/>
+          </p:cNvSpPr>
+          <p:nvPr>
+            <p:ph type="body" idx="1"/>
+          </p:nvPr>
+        </p:nvSpPr>
+        <p:spPr>
+          <a:xfrm>
+            <a:off x="685800" y="4343400"/>
+            <a:ext cx="5486400" cy="4114800"/>
+          </a:xfrm>
+          <a:prstGeom prst="rect">
+            <a:avLst/>
+          </a:prstGeom>
+          <a:noFill/>
+          <a:ln>
+            <a:noFill/>
+          </a:ln>
+        </p:spPr>
+        <p:txBody>
+          <a:bodyPr spcFirstLastPara="1" wrap="square" lIns="91425" tIns="91425" rIns="91425" bIns="91425" anchor="t" anchorCtr="0">
+            <a:noAutofit/>
+          </a:bodyPr>
+          <a:lstStyle/>
+          <a:p>
+            <a:pPr marL="0" lvl="0" indent="0" algn="l" rtl="0">
+              <a:lnSpc>
+                <a:spcPct val="100000"/>
+              </a:lnSpc>
+              <a:spcBef>
+                <a:spcPts val="0"/>
+              </a:spcBef>
+              <a:spcAft>
+                <a:spcPts val="0"/>
+              </a:spcAft>
+              <a:buSzPts val="1100"/>
+              <a:buNone/>
+            </a:pPr>
+            <a:endParaRPr/>
+          </a:p>
+        </p:txBody>
+      </p:sp>
+    </p:spTree>
+  </p:cSld>
+  <p:clrMapOvr>
+    <a:masterClrMapping/>
+  </p:clrMapOvr>
+</p:notes>
+</file>
+
+<file path=ppt/notesSlides/notesSlide14.xml><?xml version="1.0" encoding="utf-8"?>
 <p:notes xmlns:a="http://schemas.openxmlformats.org/drawingml/2006/main" xmlns:r="http://schemas.openxmlformats.org/officeDocument/2006/relationships" xmlns:p="http://schemas.openxmlformats.org/presentationml/2006/main">
   <p:cSld>
     <p:spTree>
@@ -4314,7 +4981,7 @@
 </p:notes>
 </file>
 
-<file path=ppt/notesSlides/notesSlide12.xml><?xml version="1.0" encoding="utf-8"?>
+<file path=ppt/notesSlides/notesSlide15.xml><?xml version="1.0" encoding="utf-8"?>
 <p:notes xmlns:a="http://schemas.openxmlformats.org/drawingml/2006/main" xmlns:r="http://schemas.openxmlformats.org/officeDocument/2006/relationships" xmlns:p="http://schemas.openxmlformats.org/presentationml/2006/main">
   <p:cSld>
     <p:spTree>
@@ -4405,7 +5072,7 @@
 </p:notes>
 </file>
 
-<file path=ppt/notesSlides/notesSlide13.xml><?xml version="1.0" encoding="utf-8"?>
+<file path=ppt/notesSlides/notesSlide16.xml><?xml version="1.0" encoding="utf-8"?>
 <p:notes xmlns:a="http://schemas.openxmlformats.org/drawingml/2006/main" xmlns:r="http://schemas.openxmlformats.org/officeDocument/2006/relationships" xmlns:p="http://schemas.openxmlformats.org/presentationml/2006/main">
   <p:cSld>
     <p:spTree>
@@ -4496,7 +5163,7 @@
 </p:notes>
 </file>
 
-<file path=ppt/notesSlides/notesSlide14.xml><?xml version="1.0" encoding="utf-8"?>
+<file path=ppt/notesSlides/notesSlide17.xml><?xml version="1.0" encoding="utf-8"?>
 <p:notes xmlns:a="http://schemas.openxmlformats.org/drawingml/2006/main" xmlns:r="http://schemas.openxmlformats.org/officeDocument/2006/relationships" xmlns:p="http://schemas.openxmlformats.org/presentationml/2006/main" showMasterSp="0" showMasterPhAnim="0">
   <p:cSld>
     <p:spTree>
@@ -4630,7 +5297,7 @@
 </p:notes>
 </file>
 
-<file path=ppt/notesSlides/notesSlide15.xml><?xml version="1.0" encoding="utf-8"?>
+<file path=ppt/notesSlides/notesSlide18.xml><?xml version="1.0" encoding="utf-8"?>
 <p:notes xmlns:a="http://schemas.openxmlformats.org/drawingml/2006/main" xmlns:r="http://schemas.openxmlformats.org/officeDocument/2006/relationships" xmlns:p="http://schemas.openxmlformats.org/presentationml/2006/main" showMasterSp="0" showMasterPhAnim="0">
   <p:cSld>
     <p:spTree>
@@ -4972,40 +5639,6 @@
               <a:t>Formulaire dynamique et configurable via une page d’administration, qui permettra de lister les champs obligatoires à collecter et ceux facultatifs.</a:t>
             </a:r>
           </a:p>
-          <a:p>
-            <a:pPr marL="171450" lvl="0" indent="-171450" algn="l" rtl="0">
-              <a:spcBef>
-                <a:spcPts val="0"/>
-              </a:spcBef>
-              <a:spcAft>
-                <a:spcPts val="0"/>
-              </a:spcAft>
-              <a:buFontTx/>
-              <a:buChar char="-"/>
-            </a:pPr>
-            <a:endParaRPr lang="fr-FR" dirty="0"/>
-          </a:p>
-          <a:p>
-            <a:pPr marL="171450" lvl="0" indent="-171450" algn="l" rtl="0">
-              <a:spcBef>
-                <a:spcPts val="0"/>
-              </a:spcBef>
-              <a:spcAft>
-                <a:spcPts val="0"/>
-              </a:spcAft>
-              <a:buFontTx/>
-              <a:buChar char="-"/>
-            </a:pPr>
-            <a:r>
-              <a:rPr lang="fr-FR" dirty="0"/>
-              <a:t>TODO ANP =&gt; Rappeler le </a:t>
-            </a:r>
-            <a:r>
-              <a:rPr lang="fr-FR" dirty="0" err="1"/>
-              <a:t>thême</a:t>
-            </a:r>
-            <a:endParaRPr dirty="0"/>
-          </a:p>
         </p:txBody>
       </p:sp>
       <p:sp>
@@ -6267,7 +6900,7 @@
           <a:p>
             <a:fld id="{CD59C942-C1D4-9740-A080-F6BA21BBB921}" type="datetimeFigureOut">
               <a:rPr lang="fr-FR" smtClean="0"/>
-              <a:t>13/11/2025</a:t>
+              <a:t>14/11/2025</a:t>
             </a:fld>
             <a:endParaRPr lang="fr-FR"/>
           </a:p>
@@ -10730,11 +11363,11 @@
 </file>
 
 <file path=ppt/slideLayouts/slideLayout3.xml><?xml version="1.0" encoding="utf-8"?>
-<p:sldLayout xmlns:a="http://schemas.openxmlformats.org/drawingml/2006/main" xmlns:r="http://schemas.openxmlformats.org/officeDocument/2006/relationships" xmlns:p="http://schemas.openxmlformats.org/presentationml/2006/main" matchingName="Title slide" type="title">
-  <p:cSld name="Title slide">
+<p:sldLayout xmlns:a="http://schemas.openxmlformats.org/drawingml/2006/main" xmlns:r="http://schemas.openxmlformats.org/officeDocument/2006/relationships" xmlns:p="http://schemas.openxmlformats.org/presentationml/2006/main" matchingName="White slide 1 1 1 1">
+  <p:cSld name="White slide 1 1 1 1">
     <p:spTree>
       <p:nvGrpSpPr>
-        <p:cNvPr id="1" name="Shape 538"/>
+        <p:cNvPr id="1" name="Shape 73"/>
         <p:cNvGrpSpPr/>
         <p:nvPr/>
       </p:nvGrpSpPr>
@@ -10748,7 +11381,288 @@
       </p:grpSpPr>
       <p:sp>
         <p:nvSpPr>
-          <p:cNvPr id="539" name="Google Shape;539;p49"/>
+          <p:cNvPr id="74" name="Google Shape;74;p16"/>
+          <p:cNvSpPr txBox="1">
+            <a:spLocks noGrp="1"/>
+          </p:cNvSpPr>
+          <p:nvPr>
+            <p:ph type="sldNum" idx="12"/>
+          </p:nvPr>
+        </p:nvSpPr>
+        <p:spPr>
+          <a:xfrm>
+            <a:off x="8556784" y="4749851"/>
+            <a:ext cx="548700" cy="393600"/>
+          </a:xfrm>
+          <a:prstGeom prst="rect">
+            <a:avLst/>
+          </a:prstGeom>
+          <a:noFill/>
+          <a:ln>
+            <a:noFill/>
+          </a:ln>
+        </p:spPr>
+        <p:txBody>
+          <a:bodyPr spcFirstLastPara="1" wrap="square" lIns="91425" tIns="91425" rIns="91425" bIns="91425" anchor="t" anchorCtr="0">
+            <a:normAutofit/>
+          </a:bodyPr>
+          <a:lstStyle>
+            <a:lvl1pPr marL="0" marR="0" lvl="0" indent="0" algn="r">
+              <a:lnSpc>
+                <a:spcPct val="100000"/>
+              </a:lnSpc>
+              <a:spcBef>
+                <a:spcPts val="0"/>
+              </a:spcBef>
+              <a:spcAft>
+                <a:spcPts val="0"/>
+              </a:spcAft>
+              <a:buClr>
+                <a:srgbClr val="000000"/>
+              </a:buClr>
+              <a:buSzPts val="1000"/>
+              <a:buFont typeface="Arial"/>
+              <a:buNone/>
+              <a:defRPr sz="1000" b="0" i="0" u="none" strike="noStrike" cap="none">
+                <a:solidFill>
+                  <a:schemeClr val="lt1"/>
+                </a:solidFill>
+                <a:latin typeface="PT Sans"/>
+                <a:ea typeface="PT Sans"/>
+                <a:cs typeface="PT Sans"/>
+                <a:sym typeface="PT Sans"/>
+              </a:defRPr>
+            </a:lvl1pPr>
+            <a:lvl2pPr marL="0" marR="0" lvl="1" indent="0" algn="r">
+              <a:lnSpc>
+                <a:spcPct val="100000"/>
+              </a:lnSpc>
+              <a:spcBef>
+                <a:spcPts val="0"/>
+              </a:spcBef>
+              <a:spcAft>
+                <a:spcPts val="0"/>
+              </a:spcAft>
+              <a:buClr>
+                <a:srgbClr val="000000"/>
+              </a:buClr>
+              <a:buSzPts val="1000"/>
+              <a:buFont typeface="Arial"/>
+              <a:buNone/>
+              <a:defRPr sz="1000" b="0" i="0" u="none" strike="noStrike" cap="none">
+                <a:solidFill>
+                  <a:schemeClr val="lt1"/>
+                </a:solidFill>
+                <a:latin typeface="PT Sans"/>
+                <a:ea typeface="PT Sans"/>
+                <a:cs typeface="PT Sans"/>
+                <a:sym typeface="PT Sans"/>
+              </a:defRPr>
+            </a:lvl2pPr>
+            <a:lvl3pPr marL="0" marR="0" lvl="2" indent="0" algn="r">
+              <a:lnSpc>
+                <a:spcPct val="100000"/>
+              </a:lnSpc>
+              <a:spcBef>
+                <a:spcPts val="0"/>
+              </a:spcBef>
+              <a:spcAft>
+                <a:spcPts val="0"/>
+              </a:spcAft>
+              <a:buClr>
+                <a:srgbClr val="000000"/>
+              </a:buClr>
+              <a:buSzPts val="1000"/>
+              <a:buFont typeface="Arial"/>
+              <a:buNone/>
+              <a:defRPr sz="1000" b="0" i="0" u="none" strike="noStrike" cap="none">
+                <a:solidFill>
+                  <a:schemeClr val="lt1"/>
+                </a:solidFill>
+                <a:latin typeface="PT Sans"/>
+                <a:ea typeface="PT Sans"/>
+                <a:cs typeface="PT Sans"/>
+                <a:sym typeface="PT Sans"/>
+              </a:defRPr>
+            </a:lvl3pPr>
+            <a:lvl4pPr marL="0" marR="0" lvl="3" indent="0" algn="r">
+              <a:lnSpc>
+                <a:spcPct val="100000"/>
+              </a:lnSpc>
+              <a:spcBef>
+                <a:spcPts val="0"/>
+              </a:spcBef>
+              <a:spcAft>
+                <a:spcPts val="0"/>
+              </a:spcAft>
+              <a:buClr>
+                <a:srgbClr val="000000"/>
+              </a:buClr>
+              <a:buSzPts val="1000"/>
+              <a:buFont typeface="Arial"/>
+              <a:buNone/>
+              <a:defRPr sz="1000" b="0" i="0" u="none" strike="noStrike" cap="none">
+                <a:solidFill>
+                  <a:schemeClr val="lt1"/>
+                </a:solidFill>
+                <a:latin typeface="PT Sans"/>
+                <a:ea typeface="PT Sans"/>
+                <a:cs typeface="PT Sans"/>
+                <a:sym typeface="PT Sans"/>
+              </a:defRPr>
+            </a:lvl4pPr>
+            <a:lvl5pPr marL="0" marR="0" lvl="4" indent="0" algn="r">
+              <a:lnSpc>
+                <a:spcPct val="100000"/>
+              </a:lnSpc>
+              <a:spcBef>
+                <a:spcPts val="0"/>
+              </a:spcBef>
+              <a:spcAft>
+                <a:spcPts val="0"/>
+              </a:spcAft>
+              <a:buClr>
+                <a:srgbClr val="000000"/>
+              </a:buClr>
+              <a:buSzPts val="1000"/>
+              <a:buFont typeface="Arial"/>
+              <a:buNone/>
+              <a:defRPr sz="1000" b="0" i="0" u="none" strike="noStrike" cap="none">
+                <a:solidFill>
+                  <a:schemeClr val="lt1"/>
+                </a:solidFill>
+                <a:latin typeface="PT Sans"/>
+                <a:ea typeface="PT Sans"/>
+                <a:cs typeface="PT Sans"/>
+                <a:sym typeface="PT Sans"/>
+              </a:defRPr>
+            </a:lvl5pPr>
+            <a:lvl6pPr marL="0" marR="0" lvl="5" indent="0" algn="r">
+              <a:lnSpc>
+                <a:spcPct val="100000"/>
+              </a:lnSpc>
+              <a:spcBef>
+                <a:spcPts val="0"/>
+              </a:spcBef>
+              <a:spcAft>
+                <a:spcPts val="0"/>
+              </a:spcAft>
+              <a:buClr>
+                <a:srgbClr val="000000"/>
+              </a:buClr>
+              <a:buSzPts val="1000"/>
+              <a:buFont typeface="Arial"/>
+              <a:buNone/>
+              <a:defRPr sz="1000" b="0" i="0" u="none" strike="noStrike" cap="none">
+                <a:solidFill>
+                  <a:schemeClr val="lt1"/>
+                </a:solidFill>
+                <a:latin typeface="PT Sans"/>
+                <a:ea typeface="PT Sans"/>
+                <a:cs typeface="PT Sans"/>
+                <a:sym typeface="PT Sans"/>
+              </a:defRPr>
+            </a:lvl6pPr>
+            <a:lvl7pPr marL="0" marR="0" lvl="6" indent="0" algn="r">
+              <a:lnSpc>
+                <a:spcPct val="100000"/>
+              </a:lnSpc>
+              <a:spcBef>
+                <a:spcPts val="0"/>
+              </a:spcBef>
+              <a:spcAft>
+                <a:spcPts val="0"/>
+              </a:spcAft>
+              <a:buClr>
+                <a:srgbClr val="000000"/>
+              </a:buClr>
+              <a:buSzPts val="1000"/>
+              <a:buFont typeface="Arial"/>
+              <a:buNone/>
+              <a:defRPr sz="1000" b="0" i="0" u="none" strike="noStrike" cap="none">
+                <a:solidFill>
+                  <a:schemeClr val="lt1"/>
+                </a:solidFill>
+                <a:latin typeface="PT Sans"/>
+                <a:ea typeface="PT Sans"/>
+                <a:cs typeface="PT Sans"/>
+                <a:sym typeface="PT Sans"/>
+              </a:defRPr>
+            </a:lvl7pPr>
+            <a:lvl8pPr marL="0" marR="0" lvl="7" indent="0" algn="r">
+              <a:lnSpc>
+                <a:spcPct val="100000"/>
+              </a:lnSpc>
+              <a:spcBef>
+                <a:spcPts val="0"/>
+              </a:spcBef>
+              <a:spcAft>
+                <a:spcPts val="0"/>
+              </a:spcAft>
+              <a:buClr>
+                <a:srgbClr val="000000"/>
+              </a:buClr>
+              <a:buSzPts val="1000"/>
+              <a:buFont typeface="Arial"/>
+              <a:buNone/>
+              <a:defRPr sz="1000" b="0" i="0" u="none" strike="noStrike" cap="none">
+                <a:solidFill>
+                  <a:schemeClr val="lt1"/>
+                </a:solidFill>
+                <a:latin typeface="PT Sans"/>
+                <a:ea typeface="PT Sans"/>
+                <a:cs typeface="PT Sans"/>
+                <a:sym typeface="PT Sans"/>
+              </a:defRPr>
+            </a:lvl8pPr>
+            <a:lvl9pPr marL="0" marR="0" lvl="8" indent="0" algn="r">
+              <a:lnSpc>
+                <a:spcPct val="100000"/>
+              </a:lnSpc>
+              <a:spcBef>
+                <a:spcPts val="0"/>
+              </a:spcBef>
+              <a:spcAft>
+                <a:spcPts val="0"/>
+              </a:spcAft>
+              <a:buClr>
+                <a:srgbClr val="000000"/>
+              </a:buClr>
+              <a:buSzPts val="1000"/>
+              <a:buFont typeface="Arial"/>
+              <a:buNone/>
+              <a:defRPr sz="1000" b="0" i="0" u="none" strike="noStrike" cap="none">
+                <a:solidFill>
+                  <a:schemeClr val="lt1"/>
+                </a:solidFill>
+                <a:latin typeface="PT Sans"/>
+                <a:ea typeface="PT Sans"/>
+                <a:cs typeface="PT Sans"/>
+                <a:sym typeface="PT Sans"/>
+              </a:defRPr>
+            </a:lvl9pPr>
+          </a:lstStyle>
+          <a:p>
+            <a:pPr marL="0" lvl="0" indent="0" algn="r" rtl="0">
+              <a:spcBef>
+                <a:spcPts val="0"/>
+              </a:spcBef>
+              <a:spcAft>
+                <a:spcPts val="0"/>
+              </a:spcAft>
+              <a:buNone/>
+            </a:pPr>
+            <a:fld id="{00000000-1234-1234-1234-123412341234}" type="slidenum">
+              <a:rPr lang="fr"/>
+              <a:t>‹#›</a:t>
+            </a:fld>
+            <a:endParaRPr/>
+          </a:p>
+        </p:txBody>
+      </p:sp>
+      <p:sp>
+        <p:nvSpPr>
+          <p:cNvPr id="75" name="Google Shape;75;p16"/>
           <p:cNvSpPr txBox="1">
             <a:spLocks noGrp="1"/>
           </p:cNvSpPr>
@@ -10758,30 +11672,40 @@
         </p:nvSpPr>
         <p:spPr>
           <a:xfrm>
-            <a:off x="311708" y="744575"/>
-            <a:ext cx="8520600" cy="2052600"/>
+            <a:off x="810000" y="1212075"/>
+            <a:ext cx="3372900" cy="1075800"/>
           </a:xfrm>
           <a:prstGeom prst="rect">
             <a:avLst/>
           </a:prstGeom>
+          <a:noFill/>
+          <a:ln>
+            <a:noFill/>
+          </a:ln>
         </p:spPr>
         <p:txBody>
-          <a:bodyPr spcFirstLastPara="1" wrap="square" lIns="0" tIns="0" rIns="0" bIns="0" anchor="b" anchorCtr="0">
+          <a:bodyPr spcFirstLastPara="1" wrap="square" lIns="0" tIns="0" rIns="91425" bIns="91425" anchor="b" anchorCtr="0">
             <a:normAutofit/>
           </a:bodyPr>
           <a:lstStyle>
-            <a:lvl1pPr lvl="0" algn="ctr" rtl="0">
-              <a:spcBef>
-                <a:spcPts val="0"/>
-              </a:spcBef>
-              <a:spcAft>
-                <a:spcPts val="0"/>
-              </a:spcAft>
-              <a:buSzPts val="5200"/>
+            <a:lvl1pPr lvl="0" algn="l">
+              <a:lnSpc>
+                <a:spcPct val="100000"/>
+              </a:lnSpc>
+              <a:spcBef>
+                <a:spcPts val="0"/>
+              </a:spcBef>
+              <a:spcAft>
+                <a:spcPts val="0"/>
+              </a:spcAft>
+              <a:buSzPts val="2100"/>
               <a:buNone/>
-              <a:defRPr sz="5200"/>
+              <a:defRPr/>
             </a:lvl1pPr>
-            <a:lvl2pPr lvl="1" algn="ctr" rtl="0">
+            <a:lvl2pPr lvl="1" algn="ctr">
+              <a:lnSpc>
+                <a:spcPct val="100000"/>
+              </a:lnSpc>
               <a:spcBef>
                 <a:spcPts val="0"/>
               </a:spcBef>
@@ -10792,7 +11716,10 @@
               <a:buNone/>
               <a:defRPr sz="5200"/>
             </a:lvl2pPr>
-            <a:lvl3pPr lvl="2" algn="ctr" rtl="0">
+            <a:lvl3pPr lvl="2" algn="ctr">
+              <a:lnSpc>
+                <a:spcPct val="100000"/>
+              </a:lnSpc>
               <a:spcBef>
                 <a:spcPts val="0"/>
               </a:spcBef>
@@ -10803,7 +11730,10 @@
               <a:buNone/>
               <a:defRPr sz="5200"/>
             </a:lvl3pPr>
-            <a:lvl4pPr lvl="3" algn="ctr" rtl="0">
+            <a:lvl4pPr lvl="3" algn="ctr">
+              <a:lnSpc>
+                <a:spcPct val="100000"/>
+              </a:lnSpc>
               <a:spcBef>
                 <a:spcPts val="0"/>
               </a:spcBef>
@@ -10814,7 +11744,10 @@
               <a:buNone/>
               <a:defRPr sz="5200"/>
             </a:lvl4pPr>
-            <a:lvl5pPr lvl="4" algn="ctr" rtl="0">
+            <a:lvl5pPr lvl="4" algn="ctr">
+              <a:lnSpc>
+                <a:spcPct val="100000"/>
+              </a:lnSpc>
               <a:spcBef>
                 <a:spcPts val="0"/>
               </a:spcBef>
@@ -10825,7 +11758,10 @@
               <a:buNone/>
               <a:defRPr sz="5200"/>
             </a:lvl5pPr>
-            <a:lvl6pPr lvl="5" algn="ctr" rtl="0">
+            <a:lvl6pPr lvl="5" algn="ctr">
+              <a:lnSpc>
+                <a:spcPct val="100000"/>
+              </a:lnSpc>
               <a:spcBef>
                 <a:spcPts val="0"/>
               </a:spcBef>
@@ -10836,7 +11772,10 @@
               <a:buNone/>
               <a:defRPr sz="5200"/>
             </a:lvl6pPr>
-            <a:lvl7pPr lvl="6" algn="ctr" rtl="0">
+            <a:lvl7pPr lvl="6" algn="ctr">
+              <a:lnSpc>
+                <a:spcPct val="100000"/>
+              </a:lnSpc>
               <a:spcBef>
                 <a:spcPts val="0"/>
               </a:spcBef>
@@ -10847,7 +11786,10 @@
               <a:buNone/>
               <a:defRPr sz="5200"/>
             </a:lvl7pPr>
-            <a:lvl8pPr lvl="7" algn="ctr" rtl="0">
+            <a:lvl8pPr lvl="7" algn="ctr">
+              <a:lnSpc>
+                <a:spcPct val="100000"/>
+              </a:lnSpc>
               <a:spcBef>
                 <a:spcPts val="0"/>
               </a:spcBef>
@@ -10858,7 +11800,10 @@
               <a:buNone/>
               <a:defRPr sz="5200"/>
             </a:lvl8pPr>
-            <a:lvl9pPr lvl="8" algn="ctr" rtl="0">
+            <a:lvl9pPr lvl="8" algn="ctr">
+              <a:lnSpc>
+                <a:spcPct val="100000"/>
+              </a:lnSpc>
               <a:spcBef>
                 <a:spcPts val="0"/>
               </a:spcBef>
@@ -10877,7 +11822,7 @@
       </p:sp>
       <p:sp>
         <p:nvSpPr>
-          <p:cNvPr id="540" name="Google Shape;540;p49"/>
+          <p:cNvPr id="76" name="Google Shape;76;p16"/>
           <p:cNvSpPr txBox="1">
             <a:spLocks noGrp="1"/>
           </p:cNvSpPr>
@@ -10887,21 +11832,25 @@
         </p:nvSpPr>
         <p:spPr>
           <a:xfrm>
-            <a:off x="311700" y="2834125"/>
-            <a:ext cx="8520600" cy="792600"/>
+            <a:off x="810000" y="2390775"/>
+            <a:ext cx="3372900" cy="1804200"/>
           </a:xfrm>
           <a:prstGeom prst="rect">
             <a:avLst/>
           </a:prstGeom>
+          <a:noFill/>
+          <a:ln>
+            <a:noFill/>
+          </a:ln>
         </p:spPr>
         <p:txBody>
-          <a:bodyPr spcFirstLastPara="1" wrap="square" lIns="0" tIns="0" rIns="0" bIns="0" anchor="t" anchorCtr="0">
+          <a:bodyPr spcFirstLastPara="1" wrap="square" lIns="0" tIns="0" rIns="90000" bIns="91425" anchor="t" anchorCtr="0">
             <a:normAutofit/>
           </a:bodyPr>
           <a:lstStyle>
-            <a:lvl1pPr lvl="0" algn="ctr" rtl="0">
+            <a:lvl1pPr lvl="0" algn="l">
               <a:lnSpc>
-                <a:spcPct val="100000"/>
+                <a:spcPct val="130000"/>
               </a:lnSpc>
               <a:spcBef>
                 <a:spcPts val="0"/>
@@ -10909,16 +11858,16 @@
               <a:spcAft>
                 <a:spcPts val="0"/>
               </a:spcAft>
-              <a:buSzPts val="2800"/>
+              <a:buSzPts val="900"/>
               <a:buNone/>
-              <a:defRPr sz="2800"/>
+              <a:defRPr/>
             </a:lvl1pPr>
-            <a:lvl2pPr lvl="1" algn="ctr" rtl="0">
+            <a:lvl2pPr lvl="1" algn="ctr">
               <a:lnSpc>
-                <a:spcPct val="100000"/>
+                <a:spcPct val="130000"/>
               </a:lnSpc>
               <a:spcBef>
-                <a:spcPts val="100"/>
+                <a:spcPts val="0"/>
               </a:spcBef>
               <a:spcAft>
                 <a:spcPts val="0"/>
@@ -10927,12 +11876,12 @@
               <a:buNone/>
               <a:defRPr sz="2800"/>
             </a:lvl2pPr>
-            <a:lvl3pPr lvl="2" algn="ctr" rtl="0">
+            <a:lvl3pPr lvl="2" algn="ctr">
               <a:lnSpc>
-                <a:spcPct val="100000"/>
+                <a:spcPct val="130000"/>
               </a:lnSpc>
               <a:spcBef>
-                <a:spcPts val="100"/>
+                <a:spcPts val="0"/>
               </a:spcBef>
               <a:spcAft>
                 <a:spcPts val="0"/>
@@ -10941,12 +11890,12 @@
               <a:buNone/>
               <a:defRPr sz="2800"/>
             </a:lvl3pPr>
-            <a:lvl4pPr lvl="3" algn="ctr" rtl="0">
+            <a:lvl4pPr lvl="3" algn="ctr">
               <a:lnSpc>
-                <a:spcPct val="100000"/>
+                <a:spcPct val="130000"/>
               </a:lnSpc>
               <a:spcBef>
-                <a:spcPts val="100"/>
+                <a:spcPts val="0"/>
               </a:spcBef>
               <a:spcAft>
                 <a:spcPts val="0"/>
@@ -10955,12 +11904,12 @@
               <a:buNone/>
               <a:defRPr sz="2800"/>
             </a:lvl4pPr>
-            <a:lvl5pPr lvl="4" algn="ctr" rtl="0">
+            <a:lvl5pPr lvl="4" algn="ctr">
               <a:lnSpc>
-                <a:spcPct val="100000"/>
+                <a:spcPct val="130000"/>
               </a:lnSpc>
               <a:spcBef>
-                <a:spcPts val="100"/>
+                <a:spcPts val="0"/>
               </a:spcBef>
               <a:spcAft>
                 <a:spcPts val="0"/>
@@ -10969,12 +11918,12 @@
               <a:buNone/>
               <a:defRPr sz="2800"/>
             </a:lvl5pPr>
-            <a:lvl6pPr lvl="5" algn="ctr" rtl="0">
+            <a:lvl6pPr lvl="5" algn="ctr">
               <a:lnSpc>
-                <a:spcPct val="100000"/>
+                <a:spcPct val="130000"/>
               </a:lnSpc>
               <a:spcBef>
-                <a:spcPts val="100"/>
+                <a:spcPts val="0"/>
               </a:spcBef>
               <a:spcAft>
                 <a:spcPts val="0"/>
@@ -10983,9 +11932,9 @@
               <a:buNone/>
               <a:defRPr sz="2800"/>
             </a:lvl6pPr>
-            <a:lvl7pPr lvl="6" algn="ctr" rtl="0">
+            <a:lvl7pPr lvl="6" algn="ctr">
               <a:lnSpc>
-                <a:spcPct val="100000"/>
+                <a:spcPct val="130000"/>
               </a:lnSpc>
               <a:spcBef>
                 <a:spcPts val="0"/>
@@ -10997,9 +11946,9 @@
               <a:buNone/>
               <a:defRPr sz="2800"/>
             </a:lvl7pPr>
-            <a:lvl8pPr lvl="7" algn="ctr" rtl="0">
+            <a:lvl8pPr lvl="7" algn="ctr">
               <a:lnSpc>
-                <a:spcPct val="100000"/>
+                <a:spcPct val="130000"/>
               </a:lnSpc>
               <a:spcBef>
                 <a:spcPts val="0"/>
@@ -11011,9 +11960,9 @@
               <a:buNone/>
               <a:defRPr sz="2800"/>
             </a:lvl8pPr>
-            <a:lvl9pPr lvl="8" algn="ctr" rtl="0">
+            <a:lvl9pPr lvl="8" algn="ctr">
               <a:lnSpc>
-                <a:spcPct val="100000"/>
+                <a:spcPct val="130000"/>
               </a:lnSpc>
               <a:spcBef>
                 <a:spcPts val="0"/>
@@ -11033,63 +11982,482 @@
       </p:sp>
       <p:sp>
         <p:nvSpPr>
-          <p:cNvPr id="541" name="Google Shape;541;p49"/>
+          <p:cNvPr id="77" name="Google Shape;77;p16"/>
           <p:cNvSpPr txBox="1">
             <a:spLocks noGrp="1"/>
           </p:cNvSpPr>
           <p:nvPr>
-            <p:ph type="sldNum" idx="12"/>
+            <p:ph type="subTitle" idx="2"/>
           </p:nvPr>
         </p:nvSpPr>
         <p:spPr>
           <a:xfrm>
-            <a:off x="8472458" y="4663217"/>
+            <a:off x="810000" y="818475"/>
+            <a:ext cx="2873700" cy="393600"/>
+          </a:xfrm>
+          <a:prstGeom prst="rect">
+            <a:avLst/>
+          </a:prstGeom>
+          <a:noFill/>
+          <a:ln>
+            <a:noFill/>
+          </a:ln>
+        </p:spPr>
+        <p:txBody>
+          <a:bodyPr spcFirstLastPara="1" wrap="square" lIns="0" tIns="0" rIns="90000" bIns="91425" anchor="b" anchorCtr="0">
+            <a:normAutofit/>
+          </a:bodyPr>
+          <a:lstStyle>
+            <a:lvl1pPr lvl="0" algn="l">
+              <a:lnSpc>
+                <a:spcPct val="115000"/>
+              </a:lnSpc>
+              <a:spcBef>
+                <a:spcPts val="0"/>
+              </a:spcBef>
+              <a:spcAft>
+                <a:spcPts val="0"/>
+              </a:spcAft>
+              <a:buSzPts val="1100"/>
+              <a:buFont typeface="Montserrat SemiBold"/>
+              <a:buNone/>
+              <a:defRPr sz="1100">
+                <a:solidFill>
+                  <a:schemeClr val="accent1"/>
+                </a:solidFill>
+                <a:latin typeface="Montserrat SemiBold"/>
+                <a:ea typeface="Montserrat SemiBold"/>
+                <a:cs typeface="Montserrat SemiBold"/>
+                <a:sym typeface="Montserrat SemiBold"/>
+              </a:defRPr>
+            </a:lvl1pPr>
+            <a:lvl2pPr lvl="1" algn="l">
+              <a:lnSpc>
+                <a:spcPct val="115000"/>
+              </a:lnSpc>
+              <a:spcBef>
+                <a:spcPts val="0"/>
+              </a:spcBef>
+              <a:spcAft>
+                <a:spcPts val="0"/>
+              </a:spcAft>
+              <a:buSzPts val="1100"/>
+              <a:buFont typeface="Montserrat SemiBold"/>
+              <a:buNone/>
+              <a:defRPr sz="1100">
+                <a:latin typeface="Montserrat SemiBold"/>
+                <a:ea typeface="Montserrat SemiBold"/>
+                <a:cs typeface="Montserrat SemiBold"/>
+                <a:sym typeface="Montserrat SemiBold"/>
+              </a:defRPr>
+            </a:lvl2pPr>
+            <a:lvl3pPr lvl="2" algn="l">
+              <a:lnSpc>
+                <a:spcPct val="115000"/>
+              </a:lnSpc>
+              <a:spcBef>
+                <a:spcPts val="0"/>
+              </a:spcBef>
+              <a:spcAft>
+                <a:spcPts val="0"/>
+              </a:spcAft>
+              <a:buSzPts val="1100"/>
+              <a:buFont typeface="Montserrat SemiBold"/>
+              <a:buNone/>
+              <a:defRPr sz="1100">
+                <a:latin typeface="Montserrat SemiBold"/>
+                <a:ea typeface="Montserrat SemiBold"/>
+                <a:cs typeface="Montserrat SemiBold"/>
+                <a:sym typeface="Montserrat SemiBold"/>
+              </a:defRPr>
+            </a:lvl3pPr>
+            <a:lvl4pPr lvl="3" algn="l">
+              <a:lnSpc>
+                <a:spcPct val="115000"/>
+              </a:lnSpc>
+              <a:spcBef>
+                <a:spcPts val="0"/>
+              </a:spcBef>
+              <a:spcAft>
+                <a:spcPts val="0"/>
+              </a:spcAft>
+              <a:buSzPts val="1100"/>
+              <a:buFont typeface="Montserrat SemiBold"/>
+              <a:buNone/>
+              <a:defRPr sz="1100">
+                <a:latin typeface="Montserrat SemiBold"/>
+                <a:ea typeface="Montserrat SemiBold"/>
+                <a:cs typeface="Montserrat SemiBold"/>
+                <a:sym typeface="Montserrat SemiBold"/>
+              </a:defRPr>
+            </a:lvl4pPr>
+            <a:lvl5pPr lvl="4" algn="l">
+              <a:lnSpc>
+                <a:spcPct val="115000"/>
+              </a:lnSpc>
+              <a:spcBef>
+                <a:spcPts val="0"/>
+              </a:spcBef>
+              <a:spcAft>
+                <a:spcPts val="0"/>
+              </a:spcAft>
+              <a:buSzPts val="1100"/>
+              <a:buFont typeface="Montserrat SemiBold"/>
+              <a:buNone/>
+              <a:defRPr sz="1100">
+                <a:latin typeface="Montserrat SemiBold"/>
+                <a:ea typeface="Montserrat SemiBold"/>
+                <a:cs typeface="Montserrat SemiBold"/>
+                <a:sym typeface="Montserrat SemiBold"/>
+              </a:defRPr>
+            </a:lvl5pPr>
+            <a:lvl6pPr lvl="5" algn="l">
+              <a:lnSpc>
+                <a:spcPct val="115000"/>
+              </a:lnSpc>
+              <a:spcBef>
+                <a:spcPts val="0"/>
+              </a:spcBef>
+              <a:spcAft>
+                <a:spcPts val="0"/>
+              </a:spcAft>
+              <a:buSzPts val="1100"/>
+              <a:buFont typeface="Montserrat SemiBold"/>
+              <a:buNone/>
+              <a:defRPr sz="1100">
+                <a:latin typeface="Montserrat SemiBold"/>
+                <a:ea typeface="Montserrat SemiBold"/>
+                <a:cs typeface="Montserrat SemiBold"/>
+                <a:sym typeface="Montserrat SemiBold"/>
+              </a:defRPr>
+            </a:lvl6pPr>
+            <a:lvl7pPr lvl="6" algn="l">
+              <a:lnSpc>
+                <a:spcPct val="115000"/>
+              </a:lnSpc>
+              <a:spcBef>
+                <a:spcPts val="0"/>
+              </a:spcBef>
+              <a:spcAft>
+                <a:spcPts val="0"/>
+              </a:spcAft>
+              <a:buSzPts val="1100"/>
+              <a:buFont typeface="Montserrat SemiBold"/>
+              <a:buNone/>
+              <a:defRPr sz="1100">
+                <a:latin typeface="Montserrat SemiBold"/>
+                <a:ea typeface="Montserrat SemiBold"/>
+                <a:cs typeface="Montserrat SemiBold"/>
+                <a:sym typeface="Montserrat SemiBold"/>
+              </a:defRPr>
+            </a:lvl7pPr>
+            <a:lvl8pPr lvl="7" algn="l">
+              <a:lnSpc>
+                <a:spcPct val="115000"/>
+              </a:lnSpc>
+              <a:spcBef>
+                <a:spcPts val="0"/>
+              </a:spcBef>
+              <a:spcAft>
+                <a:spcPts val="0"/>
+              </a:spcAft>
+              <a:buSzPts val="1100"/>
+              <a:buFont typeface="Montserrat SemiBold"/>
+              <a:buNone/>
+              <a:defRPr sz="1100">
+                <a:latin typeface="Montserrat SemiBold"/>
+                <a:ea typeface="Montserrat SemiBold"/>
+                <a:cs typeface="Montserrat SemiBold"/>
+                <a:sym typeface="Montserrat SemiBold"/>
+              </a:defRPr>
+            </a:lvl8pPr>
+            <a:lvl9pPr lvl="8" algn="l">
+              <a:lnSpc>
+                <a:spcPct val="115000"/>
+              </a:lnSpc>
+              <a:spcBef>
+                <a:spcPts val="0"/>
+              </a:spcBef>
+              <a:spcAft>
+                <a:spcPts val="0"/>
+              </a:spcAft>
+              <a:buSzPts val="1100"/>
+              <a:buFont typeface="Montserrat SemiBold"/>
+              <a:buNone/>
+              <a:defRPr sz="1100">
+                <a:latin typeface="Montserrat SemiBold"/>
+                <a:ea typeface="Montserrat SemiBold"/>
+                <a:cs typeface="Montserrat SemiBold"/>
+                <a:sym typeface="Montserrat SemiBold"/>
+              </a:defRPr>
+            </a:lvl9pPr>
+          </a:lstStyle>
+          <a:p>
+            <a:endParaRPr/>
+          </a:p>
+        </p:txBody>
+      </p:sp>
+      <p:sp>
+        <p:nvSpPr>
+          <p:cNvPr id="78" name="Google Shape;78;p16"/>
+          <p:cNvSpPr txBox="1">
+            <a:spLocks noGrp="1"/>
+          </p:cNvSpPr>
+          <p:nvPr>
+            <p:ph type="sldNum" idx="3"/>
+          </p:nvPr>
+        </p:nvSpPr>
+        <p:spPr>
+          <a:xfrm>
+            <a:off x="8556784" y="4749851"/>
             <a:ext cx="548700" cy="393600"/>
           </a:xfrm>
           <a:prstGeom prst="rect">
             <a:avLst/>
           </a:prstGeom>
+          <a:noFill/>
+          <a:ln>
+            <a:noFill/>
+          </a:ln>
         </p:spPr>
         <p:txBody>
-          <a:bodyPr spcFirstLastPara="1" wrap="square" lIns="68575" tIns="68575" rIns="68575" bIns="68575" anchor="ctr" anchorCtr="0">
+          <a:bodyPr spcFirstLastPara="1" wrap="square" lIns="91425" tIns="91425" rIns="91425" bIns="91425" anchor="t" anchorCtr="0">
             <a:normAutofit/>
           </a:bodyPr>
           <a:lstStyle>
-            <a:lvl1pPr lvl="0" rtl="0">
+            <a:lvl1pPr marL="0" marR="0" lvl="0" indent="0" algn="r">
+              <a:lnSpc>
+                <a:spcPct val="100000"/>
+              </a:lnSpc>
+              <a:spcBef>
+                <a:spcPts val="0"/>
+              </a:spcBef>
+              <a:spcAft>
+                <a:spcPts val="0"/>
+              </a:spcAft>
+              <a:buClr>
+                <a:srgbClr val="000000"/>
+              </a:buClr>
+              <a:buSzPts val="1000"/>
+              <a:buFont typeface="Arial"/>
               <a:buNone/>
-              <a:defRPr/>
+              <a:defRPr sz="1000" b="0" i="0" u="none" strike="noStrike" cap="none">
+                <a:solidFill>
+                  <a:schemeClr val="accent5"/>
+                </a:solidFill>
+                <a:latin typeface="PT Sans"/>
+                <a:ea typeface="PT Sans"/>
+                <a:cs typeface="PT Sans"/>
+                <a:sym typeface="PT Sans"/>
+              </a:defRPr>
             </a:lvl1pPr>
-            <a:lvl2pPr lvl="1" rtl="0">
+            <a:lvl2pPr marL="0" marR="0" lvl="1" indent="0" algn="r">
+              <a:lnSpc>
+                <a:spcPct val="100000"/>
+              </a:lnSpc>
+              <a:spcBef>
+                <a:spcPts val="0"/>
+              </a:spcBef>
+              <a:spcAft>
+                <a:spcPts val="0"/>
+              </a:spcAft>
+              <a:buClr>
+                <a:srgbClr val="000000"/>
+              </a:buClr>
+              <a:buSzPts val="1000"/>
+              <a:buFont typeface="Arial"/>
               <a:buNone/>
-              <a:defRPr/>
+              <a:defRPr sz="1000" b="0" i="0" u="none" strike="noStrike" cap="none">
+                <a:solidFill>
+                  <a:schemeClr val="accent5"/>
+                </a:solidFill>
+                <a:latin typeface="PT Sans"/>
+                <a:ea typeface="PT Sans"/>
+                <a:cs typeface="PT Sans"/>
+                <a:sym typeface="PT Sans"/>
+              </a:defRPr>
             </a:lvl2pPr>
-            <a:lvl3pPr lvl="2" rtl="0">
+            <a:lvl3pPr marL="0" marR="0" lvl="2" indent="0" algn="r">
+              <a:lnSpc>
+                <a:spcPct val="100000"/>
+              </a:lnSpc>
+              <a:spcBef>
+                <a:spcPts val="0"/>
+              </a:spcBef>
+              <a:spcAft>
+                <a:spcPts val="0"/>
+              </a:spcAft>
+              <a:buClr>
+                <a:srgbClr val="000000"/>
+              </a:buClr>
+              <a:buSzPts val="1000"/>
+              <a:buFont typeface="Arial"/>
               <a:buNone/>
-              <a:defRPr/>
+              <a:defRPr sz="1000" b="0" i="0" u="none" strike="noStrike" cap="none">
+                <a:solidFill>
+                  <a:schemeClr val="accent5"/>
+                </a:solidFill>
+                <a:latin typeface="PT Sans"/>
+                <a:ea typeface="PT Sans"/>
+                <a:cs typeface="PT Sans"/>
+                <a:sym typeface="PT Sans"/>
+              </a:defRPr>
             </a:lvl3pPr>
-            <a:lvl4pPr lvl="3" rtl="0">
+            <a:lvl4pPr marL="0" marR="0" lvl="3" indent="0" algn="r">
+              <a:lnSpc>
+                <a:spcPct val="100000"/>
+              </a:lnSpc>
+              <a:spcBef>
+                <a:spcPts val="0"/>
+              </a:spcBef>
+              <a:spcAft>
+                <a:spcPts val="0"/>
+              </a:spcAft>
+              <a:buClr>
+                <a:srgbClr val="000000"/>
+              </a:buClr>
+              <a:buSzPts val="1000"/>
+              <a:buFont typeface="Arial"/>
               <a:buNone/>
-              <a:defRPr/>
+              <a:defRPr sz="1000" b="0" i="0" u="none" strike="noStrike" cap="none">
+                <a:solidFill>
+                  <a:schemeClr val="accent5"/>
+                </a:solidFill>
+                <a:latin typeface="PT Sans"/>
+                <a:ea typeface="PT Sans"/>
+                <a:cs typeface="PT Sans"/>
+                <a:sym typeface="PT Sans"/>
+              </a:defRPr>
             </a:lvl4pPr>
-            <a:lvl5pPr lvl="4" rtl="0">
+            <a:lvl5pPr marL="0" marR="0" lvl="4" indent="0" algn="r">
+              <a:lnSpc>
+                <a:spcPct val="100000"/>
+              </a:lnSpc>
+              <a:spcBef>
+                <a:spcPts val="0"/>
+              </a:spcBef>
+              <a:spcAft>
+                <a:spcPts val="0"/>
+              </a:spcAft>
+              <a:buClr>
+                <a:srgbClr val="000000"/>
+              </a:buClr>
+              <a:buSzPts val="1000"/>
+              <a:buFont typeface="Arial"/>
               <a:buNone/>
-              <a:defRPr/>
+              <a:defRPr sz="1000" b="0" i="0" u="none" strike="noStrike" cap="none">
+                <a:solidFill>
+                  <a:schemeClr val="accent5"/>
+                </a:solidFill>
+                <a:latin typeface="PT Sans"/>
+                <a:ea typeface="PT Sans"/>
+                <a:cs typeface="PT Sans"/>
+                <a:sym typeface="PT Sans"/>
+              </a:defRPr>
             </a:lvl5pPr>
-            <a:lvl6pPr lvl="5" rtl="0">
+            <a:lvl6pPr marL="0" marR="0" lvl="5" indent="0" algn="r">
+              <a:lnSpc>
+                <a:spcPct val="100000"/>
+              </a:lnSpc>
+              <a:spcBef>
+                <a:spcPts val="0"/>
+              </a:spcBef>
+              <a:spcAft>
+                <a:spcPts val="0"/>
+              </a:spcAft>
+              <a:buClr>
+                <a:srgbClr val="000000"/>
+              </a:buClr>
+              <a:buSzPts val="1000"/>
+              <a:buFont typeface="Arial"/>
               <a:buNone/>
-              <a:defRPr/>
+              <a:defRPr sz="1000" b="0" i="0" u="none" strike="noStrike" cap="none">
+                <a:solidFill>
+                  <a:schemeClr val="accent5"/>
+                </a:solidFill>
+                <a:latin typeface="PT Sans"/>
+                <a:ea typeface="PT Sans"/>
+                <a:cs typeface="PT Sans"/>
+                <a:sym typeface="PT Sans"/>
+              </a:defRPr>
             </a:lvl6pPr>
-            <a:lvl7pPr lvl="6" rtl="0">
+            <a:lvl7pPr marL="0" marR="0" lvl="6" indent="0" algn="r">
+              <a:lnSpc>
+                <a:spcPct val="100000"/>
+              </a:lnSpc>
+              <a:spcBef>
+                <a:spcPts val="0"/>
+              </a:spcBef>
+              <a:spcAft>
+                <a:spcPts val="0"/>
+              </a:spcAft>
+              <a:buClr>
+                <a:srgbClr val="000000"/>
+              </a:buClr>
+              <a:buSzPts val="1000"/>
+              <a:buFont typeface="Arial"/>
               <a:buNone/>
-              <a:defRPr/>
+              <a:defRPr sz="1000" b="0" i="0" u="none" strike="noStrike" cap="none">
+                <a:solidFill>
+                  <a:schemeClr val="accent5"/>
+                </a:solidFill>
+                <a:latin typeface="PT Sans"/>
+                <a:ea typeface="PT Sans"/>
+                <a:cs typeface="PT Sans"/>
+                <a:sym typeface="PT Sans"/>
+              </a:defRPr>
             </a:lvl7pPr>
-            <a:lvl8pPr lvl="7" rtl="0">
+            <a:lvl8pPr marL="0" marR="0" lvl="7" indent="0" algn="r">
+              <a:lnSpc>
+                <a:spcPct val="100000"/>
+              </a:lnSpc>
+              <a:spcBef>
+                <a:spcPts val="0"/>
+              </a:spcBef>
+              <a:spcAft>
+                <a:spcPts val="0"/>
+              </a:spcAft>
+              <a:buClr>
+                <a:srgbClr val="000000"/>
+              </a:buClr>
+              <a:buSzPts val="1000"/>
+              <a:buFont typeface="Arial"/>
               <a:buNone/>
-              <a:defRPr/>
+              <a:defRPr sz="1000" b="0" i="0" u="none" strike="noStrike" cap="none">
+                <a:solidFill>
+                  <a:schemeClr val="accent5"/>
+                </a:solidFill>
+                <a:latin typeface="PT Sans"/>
+                <a:ea typeface="PT Sans"/>
+                <a:cs typeface="PT Sans"/>
+                <a:sym typeface="PT Sans"/>
+              </a:defRPr>
             </a:lvl8pPr>
-            <a:lvl9pPr lvl="8" rtl="0">
+            <a:lvl9pPr marL="0" marR="0" lvl="8" indent="0" algn="r">
+              <a:lnSpc>
+                <a:spcPct val="100000"/>
+              </a:lnSpc>
+              <a:spcBef>
+                <a:spcPts val="0"/>
+              </a:spcBef>
+              <a:spcAft>
+                <a:spcPts val="0"/>
+              </a:spcAft>
+              <a:buClr>
+                <a:srgbClr val="000000"/>
+              </a:buClr>
+              <a:buSzPts val="1000"/>
+              <a:buFont typeface="Arial"/>
               <a:buNone/>
-              <a:defRPr/>
+              <a:defRPr sz="1000" b="0" i="0" u="none" strike="noStrike" cap="none">
+                <a:solidFill>
+                  <a:schemeClr val="accent5"/>
+                </a:solidFill>
+                <a:latin typeface="PT Sans"/>
+                <a:ea typeface="PT Sans"/>
+                <a:cs typeface="PT Sans"/>
+                <a:sym typeface="PT Sans"/>
+              </a:defRPr>
             </a:lvl9pPr>
           </a:lstStyle>
           <a:p>
@@ -11113,7 +12481,7 @@
     </p:spTree>
     <p:extLst>
       <p:ext uri="{BB962C8B-B14F-4D97-AF65-F5344CB8AC3E}">
-        <p14:creationId xmlns:p14="http://schemas.microsoft.com/office/powerpoint/2010/main" val="117764670"/>
+        <p14:creationId xmlns:p14="http://schemas.microsoft.com/office/powerpoint/2010/main" val="2671736498"/>
       </p:ext>
     </p:extLst>
   </p:cSld>
@@ -11743,7 +13111,7 @@
           <a:p>
             <a:fld id="{1D8BD707-D9CF-40AE-B4C6-C98DA3205C09}" type="datetimeFigureOut">
               <a:rPr lang="en-US"/>
-              <a:t>11/13/2025</a:t>
+              <a:t>11/14/2025</a:t>
             </a:fld>
             <a:endParaRPr lang="en-US"/>
           </a:p>
@@ -16225,7 +17593,7 @@
   <p:sldLayoutIdLst>
     <p:sldLayoutId id="2147483675" r:id="rId1"/>
     <p:sldLayoutId id="2147483676" r:id="rId2"/>
-    <p:sldLayoutId id="2147483680" r:id="rId3"/>
+    <p:sldLayoutId id="2147483703" r:id="rId3"/>
   </p:sldLayoutIdLst>
   <p:transition>
     <p:fade/>
@@ -19096,10 +20464,10 @@
       </p:sp>
       <p:pic>
         <p:nvPicPr>
-          <p:cNvPr id="5" name="Picture 4">
+          <p:cNvPr id="6" name="Picture 5">
             <a:extLst>
               <a:ext uri="{FF2B5EF4-FFF2-40B4-BE49-F238E27FC236}">
-                <a16:creationId xmlns:a16="http://schemas.microsoft.com/office/drawing/2014/main" id="{1329007B-E23E-64F5-C59E-4F890C66D77A}"/>
+                <a16:creationId xmlns:a16="http://schemas.microsoft.com/office/drawing/2014/main" id="{644D191A-4642-C995-10D0-ECA2B551C3F1}"/>
               </a:ext>
             </a:extLst>
           </p:cNvPr>
@@ -19116,8 +20484,8 @@
         </p:blipFill>
         <p:spPr>
           <a:xfrm>
-            <a:off x="1951092" y="2031750"/>
-            <a:ext cx="5241817" cy="1080000"/>
+            <a:off x="949532" y="1456447"/>
+            <a:ext cx="7200000" cy="2509428"/>
           </a:xfrm>
           <a:prstGeom prst="rect">
             <a:avLst/>
@@ -19145,7 +20513,13 @@
   <p:cSld>
     <p:spTree>
       <p:nvGrpSpPr>
-        <p:cNvPr id="1" name=""/>
+        <p:cNvPr id="1" name="Shape 9676">
+          <a:extLst>
+            <a:ext uri="{FF2B5EF4-FFF2-40B4-BE49-F238E27FC236}">
+              <a16:creationId xmlns:a16="http://schemas.microsoft.com/office/drawing/2014/main" id="{5D760B0E-9711-A5EE-ACA0-3EABA54FB00E}"/>
+            </a:ext>
+          </a:extLst>
+        </p:cNvPr>
         <p:cNvGrpSpPr/>
         <p:nvPr/>
       </p:nvGrpSpPr>
@@ -19157,145 +20531,1445 @@
           <a:chExt cx="0" cy="0"/>
         </a:xfrm>
       </p:grpSpPr>
-      <p:sp>
-        <p:nvSpPr>
-          <p:cNvPr id="3" name="Subtitle 2">
+      <p:pic>
+        <p:nvPicPr>
+          <p:cNvPr id="9" name="Picture 13">
             <a:extLst>
               <a:ext uri="{FF2B5EF4-FFF2-40B4-BE49-F238E27FC236}">
-                <a16:creationId xmlns:a16="http://schemas.microsoft.com/office/drawing/2014/main" id="{BB64D0AF-31EE-DBF7-9244-6639B3764E2A}"/>
+                <a16:creationId xmlns:a16="http://schemas.microsoft.com/office/drawing/2014/main" id="{3DCF1C57-8042-6C69-A23F-08728EFB01D0}"/>
               </a:ext>
             </a:extLst>
           </p:cNvPr>
-          <p:cNvSpPr>
-            <a:spLocks noGrp="1"/>
-          </p:cNvSpPr>
-          <p:nvPr>
-            <p:ph type="subTitle" idx="1"/>
-          </p:nvPr>
+          <p:cNvPicPr>
+            <a:picLocks noChangeAspect="1"/>
+          </p:cNvPicPr>
+          <p:nvPr/>
+        </p:nvPicPr>
+        <p:blipFill>
+          <a:blip r:embed="rId3"/>
+          <a:srcRect r="24898" b="-6860"/>
+          <a:stretch/>
+        </p:blipFill>
+        <p:spPr>
+          <a:xfrm>
+            <a:off x="-44935" y="4331361"/>
+            <a:ext cx="9188935" cy="354288"/>
+          </a:xfrm>
+          <a:prstGeom prst="rect">
+            <a:avLst/>
+          </a:prstGeom>
+        </p:spPr>
+      </p:pic>
+      <p:sp>
+        <p:nvSpPr>
+          <p:cNvPr id="10" name="Google Shape;10678;p460">
+            <a:extLst>
+              <a:ext uri="{FF2B5EF4-FFF2-40B4-BE49-F238E27FC236}">
+                <a16:creationId xmlns:a16="http://schemas.microsoft.com/office/drawing/2014/main" id="{EC0BB917-B497-6018-B22B-AF174CBCF2FA}"/>
+              </a:ext>
+            </a:extLst>
+          </p:cNvPr>
+          <p:cNvSpPr txBox="1"/>
+          <p:nvPr/>
         </p:nvSpPr>
         <p:spPr>
           <a:xfrm>
-            <a:off x="311700" y="2834124"/>
-            <a:ext cx="8520600" cy="1433075"/>
+            <a:off x="662613" y="491319"/>
+            <a:ext cx="3377100" cy="184666"/>
           </a:xfrm>
+          <a:prstGeom prst="rect">
+            <a:avLst/>
+          </a:prstGeom>
+          <a:noFill/>
+          <a:ln>
+            <a:noFill/>
+          </a:ln>
         </p:spPr>
         <p:txBody>
-          <a:bodyPr>
-            <a:normAutofit/>
+          <a:bodyPr spcFirstLastPara="1" wrap="square" lIns="0" tIns="0" rIns="0" bIns="0" anchor="t" anchorCtr="0">
+            <a:spAutoFit/>
           </a:bodyPr>
           <a:lstStyle/>
           <a:p>
-            <a:pPr marL="628650" indent="-457200" algn="l">
-              <a:buFontTx/>
-              <a:buChar char="-"/>
+            <a:r>
+              <a:rPr lang="en-GB" sz="1200" dirty="0">
+                <a:solidFill>
+                  <a:srgbClr val="57ED7D"/>
+                </a:solidFill>
+                <a:latin typeface="Montserrat SemiBold"/>
+                <a:ea typeface="Montserrat SemiBold"/>
+                <a:cs typeface="Montserrat SemiBold"/>
+                <a:sym typeface="Montserrat SemiBold"/>
+              </a:rPr>
+              <a:t>Dynamic Forms</a:t>
+            </a:r>
+          </a:p>
+        </p:txBody>
+      </p:sp>
+      <p:sp>
+        <p:nvSpPr>
+          <p:cNvPr id="12" name="Google Shape;10120;p446">
+            <a:extLst>
+              <a:ext uri="{FF2B5EF4-FFF2-40B4-BE49-F238E27FC236}">
+                <a16:creationId xmlns:a16="http://schemas.microsoft.com/office/drawing/2014/main" id="{F9BAD8C4-1908-B310-ACEE-82777A4F98A6}"/>
+              </a:ext>
+            </a:extLst>
+          </p:cNvPr>
+          <p:cNvSpPr/>
+          <p:nvPr/>
+        </p:nvSpPr>
+        <p:spPr>
+          <a:xfrm>
+            <a:off x="662613" y="752408"/>
+            <a:ext cx="5818193" cy="338554"/>
+          </a:xfrm>
+          <a:prstGeom prst="rect">
+            <a:avLst/>
+          </a:prstGeom>
+          <a:noFill/>
+          <a:ln>
+            <a:noFill/>
+          </a:ln>
+        </p:spPr>
+        <p:txBody>
+          <a:bodyPr spcFirstLastPara="1" wrap="square" lIns="0" tIns="0" rIns="0" bIns="0" anchor="t" anchorCtr="0">
+            <a:spAutoFit/>
+          </a:bodyPr>
+          <a:lstStyle>
+            <a:defPPr>
+              <a:defRPr lang="en-US"/>
+            </a:defPPr>
+            <a:lvl1pPr marL="0" algn="l" defTabSz="685800" rtl="0" eaLnBrk="1" latinLnBrk="0" hangingPunct="1">
+              <a:defRPr sz="1350" kern="1200">
+                <a:solidFill>
+                  <a:schemeClr val="tx1"/>
+                </a:solidFill>
+                <a:latin typeface="+mn-lt"/>
+                <a:ea typeface="+mn-ea"/>
+                <a:cs typeface="+mn-cs"/>
+              </a:defRPr>
+            </a:lvl1pPr>
+            <a:lvl2pPr marL="342900" algn="l" defTabSz="685800" rtl="0" eaLnBrk="1" latinLnBrk="0" hangingPunct="1">
+              <a:defRPr sz="1350" kern="1200">
+                <a:solidFill>
+                  <a:schemeClr val="tx1"/>
+                </a:solidFill>
+                <a:latin typeface="+mn-lt"/>
+                <a:ea typeface="+mn-ea"/>
+                <a:cs typeface="+mn-cs"/>
+              </a:defRPr>
+            </a:lvl2pPr>
+            <a:lvl3pPr marL="685800" algn="l" defTabSz="685800" rtl="0" eaLnBrk="1" latinLnBrk="0" hangingPunct="1">
+              <a:defRPr sz="1350" kern="1200">
+                <a:solidFill>
+                  <a:schemeClr val="tx1"/>
+                </a:solidFill>
+                <a:latin typeface="+mn-lt"/>
+                <a:ea typeface="+mn-ea"/>
+                <a:cs typeface="+mn-cs"/>
+              </a:defRPr>
+            </a:lvl3pPr>
+            <a:lvl4pPr marL="1028700" algn="l" defTabSz="685800" rtl="0" eaLnBrk="1" latinLnBrk="0" hangingPunct="1">
+              <a:defRPr sz="1350" kern="1200">
+                <a:solidFill>
+                  <a:schemeClr val="tx1"/>
+                </a:solidFill>
+                <a:latin typeface="+mn-lt"/>
+                <a:ea typeface="+mn-ea"/>
+                <a:cs typeface="+mn-cs"/>
+              </a:defRPr>
+            </a:lvl4pPr>
+            <a:lvl5pPr marL="1371600" algn="l" defTabSz="685800" rtl="0" eaLnBrk="1" latinLnBrk="0" hangingPunct="1">
+              <a:defRPr sz="1350" kern="1200">
+                <a:solidFill>
+                  <a:schemeClr val="tx1"/>
+                </a:solidFill>
+                <a:latin typeface="+mn-lt"/>
+                <a:ea typeface="+mn-ea"/>
+                <a:cs typeface="+mn-cs"/>
+              </a:defRPr>
+            </a:lvl5pPr>
+            <a:lvl6pPr marL="1714500" algn="l" defTabSz="685800" rtl="0" eaLnBrk="1" latinLnBrk="0" hangingPunct="1">
+              <a:defRPr sz="1350" kern="1200">
+                <a:solidFill>
+                  <a:schemeClr val="tx1"/>
+                </a:solidFill>
+                <a:latin typeface="+mn-lt"/>
+                <a:ea typeface="+mn-ea"/>
+                <a:cs typeface="+mn-cs"/>
+              </a:defRPr>
+            </a:lvl6pPr>
+            <a:lvl7pPr marL="2057400" algn="l" defTabSz="685800" rtl="0" eaLnBrk="1" latinLnBrk="0" hangingPunct="1">
+              <a:defRPr sz="1350" kern="1200">
+                <a:solidFill>
+                  <a:schemeClr val="tx1"/>
+                </a:solidFill>
+                <a:latin typeface="+mn-lt"/>
+                <a:ea typeface="+mn-ea"/>
+                <a:cs typeface="+mn-cs"/>
+              </a:defRPr>
+            </a:lvl7pPr>
+            <a:lvl8pPr marL="2400300" algn="l" defTabSz="685800" rtl="0" eaLnBrk="1" latinLnBrk="0" hangingPunct="1">
+              <a:defRPr sz="1350" kern="1200">
+                <a:solidFill>
+                  <a:schemeClr val="tx1"/>
+                </a:solidFill>
+                <a:latin typeface="+mn-lt"/>
+                <a:ea typeface="+mn-ea"/>
+                <a:cs typeface="+mn-cs"/>
+              </a:defRPr>
+            </a:lvl8pPr>
+            <a:lvl9pPr marL="2743200" algn="l" defTabSz="685800" rtl="0" eaLnBrk="1" latinLnBrk="0" hangingPunct="1">
+              <a:defRPr sz="1350" kern="1200">
+                <a:solidFill>
+                  <a:schemeClr val="tx1"/>
+                </a:solidFill>
+                <a:latin typeface="+mn-lt"/>
+                <a:ea typeface="+mn-ea"/>
+                <a:cs typeface="+mn-cs"/>
+              </a:defRPr>
+            </a:lvl9pPr>
+          </a:lstStyle>
+          <a:p>
+            <a:pPr>
+              <a:lnSpc>
+                <a:spcPct val="110000"/>
+              </a:lnSpc>
             </a:pPr>
             <a:r>
-              <a:rPr lang="fr-FR" sz="1400" dirty="0"/>
-              <a:t>Sauvegarder la configuration du formulaire et la saisie du client</a:t>
+              <a:rPr lang="fr" sz="2000" dirty="0">
+                <a:solidFill>
+                  <a:srgbClr val="1A2B42"/>
+                </a:solidFill>
+                <a:latin typeface="Montserrat SemiBold"/>
+                <a:ea typeface="+mn-lt"/>
+                <a:cs typeface="+mn-lt"/>
+                <a:sym typeface="Montserrat SemiBold"/>
+              </a:rPr>
+              <a:t>Implementation</a:t>
+            </a:r>
+            <a:endParaRPr lang="en-US" sz="2000" dirty="0">
+              <a:latin typeface="Montserrat" pitchFamily="2" charset="77"/>
+              <a:ea typeface="+mn-lt"/>
+              <a:cs typeface="+mn-lt"/>
+            </a:endParaRPr>
+          </a:p>
+        </p:txBody>
+      </p:sp>
+      <p:pic>
+        <p:nvPicPr>
+          <p:cNvPr id="5" name="Picture 4">
+            <a:extLst>
+              <a:ext uri="{FF2B5EF4-FFF2-40B4-BE49-F238E27FC236}">
+                <a16:creationId xmlns:a16="http://schemas.microsoft.com/office/drawing/2014/main" id="{B989203C-1933-843E-8781-9BC8D098731A}"/>
+              </a:ext>
+            </a:extLst>
+          </p:cNvPr>
+          <p:cNvPicPr>
+            <a:picLocks noChangeAspect="1"/>
+          </p:cNvPicPr>
+          <p:nvPr/>
+        </p:nvPicPr>
+        <p:blipFill>
+          <a:blip r:embed="rId4"/>
+          <a:stretch>
+            <a:fillRect/>
+          </a:stretch>
+        </p:blipFill>
+        <p:spPr>
+          <a:xfrm>
+            <a:off x="0" y="1725455"/>
+            <a:ext cx="9144000" cy="1971413"/>
+          </a:xfrm>
+          <a:prstGeom prst="rect">
+            <a:avLst/>
+          </a:prstGeom>
+        </p:spPr>
+      </p:pic>
+    </p:spTree>
+    <p:extLst>
+      <p:ext uri="{BB962C8B-B14F-4D97-AF65-F5344CB8AC3E}">
+        <p14:creationId xmlns:p14="http://schemas.microsoft.com/office/powerpoint/2010/main" val="1930576694"/>
+      </p:ext>
+    </p:extLst>
+  </p:cSld>
+  <p:clrMapOvr>
+    <a:masterClrMapping/>
+  </p:clrMapOvr>
+  <p:transition>
+    <p:fade/>
+  </p:transition>
+</p:sld>
+</file>
+
+<file path=ppt/slides/slide12.xml><?xml version="1.0" encoding="utf-8"?>
+<p:sld xmlns:a="http://schemas.openxmlformats.org/drawingml/2006/main" xmlns:r="http://schemas.openxmlformats.org/officeDocument/2006/relationships" xmlns:p="http://schemas.openxmlformats.org/presentationml/2006/main">
+  <p:cSld>
+    <p:spTree>
+      <p:nvGrpSpPr>
+        <p:cNvPr id="1" name="Shape 9676">
+          <a:extLst>
+            <a:ext uri="{FF2B5EF4-FFF2-40B4-BE49-F238E27FC236}">
+              <a16:creationId xmlns:a16="http://schemas.microsoft.com/office/drawing/2014/main" id="{6BC24319-10EA-772A-9418-D2F46F9A185A}"/>
+            </a:ext>
+          </a:extLst>
+        </p:cNvPr>
+        <p:cNvGrpSpPr/>
+        <p:nvPr/>
+      </p:nvGrpSpPr>
+      <p:grpSpPr>
+        <a:xfrm>
+          <a:off x="0" y="0"/>
+          <a:ext cx="0" cy="0"/>
+          <a:chOff x="0" y="0"/>
+          <a:chExt cx="0" cy="0"/>
+        </a:xfrm>
+      </p:grpSpPr>
+      <p:pic>
+        <p:nvPicPr>
+          <p:cNvPr id="9" name="Picture 13">
+            <a:extLst>
+              <a:ext uri="{FF2B5EF4-FFF2-40B4-BE49-F238E27FC236}">
+                <a16:creationId xmlns:a16="http://schemas.microsoft.com/office/drawing/2014/main" id="{18F9AE6F-CFE1-5D9F-48AF-315BCE935AC7}"/>
+              </a:ext>
+            </a:extLst>
+          </p:cNvPr>
+          <p:cNvPicPr>
+            <a:picLocks noChangeAspect="1"/>
+          </p:cNvPicPr>
+          <p:nvPr/>
+        </p:nvPicPr>
+        <p:blipFill>
+          <a:blip r:embed="rId3"/>
+          <a:srcRect r="24898" b="-6860"/>
+          <a:stretch/>
+        </p:blipFill>
+        <p:spPr>
+          <a:xfrm>
+            <a:off x="-44935" y="4331361"/>
+            <a:ext cx="9188935" cy="354288"/>
+          </a:xfrm>
+          <a:prstGeom prst="rect">
+            <a:avLst/>
+          </a:prstGeom>
+        </p:spPr>
+      </p:pic>
+      <p:sp>
+        <p:nvSpPr>
+          <p:cNvPr id="10" name="Google Shape;10678;p460">
+            <a:extLst>
+              <a:ext uri="{FF2B5EF4-FFF2-40B4-BE49-F238E27FC236}">
+                <a16:creationId xmlns:a16="http://schemas.microsoft.com/office/drawing/2014/main" id="{F8CC5D16-2C4A-DC98-E880-9AE58F93E49D}"/>
+              </a:ext>
+            </a:extLst>
+          </p:cNvPr>
+          <p:cNvSpPr txBox="1"/>
+          <p:nvPr/>
+        </p:nvSpPr>
+        <p:spPr>
+          <a:xfrm>
+            <a:off x="662613" y="491319"/>
+            <a:ext cx="3377100" cy="184666"/>
+          </a:xfrm>
+          <a:prstGeom prst="rect">
+            <a:avLst/>
+          </a:prstGeom>
+          <a:noFill/>
+          <a:ln>
+            <a:noFill/>
+          </a:ln>
+        </p:spPr>
+        <p:txBody>
+          <a:bodyPr spcFirstLastPara="1" wrap="square" lIns="0" tIns="0" rIns="0" bIns="0" anchor="t" anchorCtr="0">
+            <a:spAutoFit/>
+          </a:bodyPr>
+          <a:lstStyle/>
+          <a:p>
+            <a:r>
+              <a:rPr lang="en-GB" sz="1200" dirty="0">
+                <a:solidFill>
+                  <a:srgbClr val="57ED7D"/>
+                </a:solidFill>
+                <a:latin typeface="Montserrat SemiBold"/>
+                <a:ea typeface="Montserrat SemiBold"/>
+                <a:cs typeface="Montserrat SemiBold"/>
+                <a:sym typeface="Montserrat SemiBold"/>
+              </a:rPr>
+              <a:t>Dynamic Forms</a:t>
+            </a:r>
+          </a:p>
+        </p:txBody>
+      </p:sp>
+      <p:sp>
+        <p:nvSpPr>
+          <p:cNvPr id="12" name="Google Shape;10120;p446">
+            <a:extLst>
+              <a:ext uri="{FF2B5EF4-FFF2-40B4-BE49-F238E27FC236}">
+                <a16:creationId xmlns:a16="http://schemas.microsoft.com/office/drawing/2014/main" id="{50045342-2E98-68F7-E218-9524BDC08684}"/>
+              </a:ext>
+            </a:extLst>
+          </p:cNvPr>
+          <p:cNvSpPr/>
+          <p:nvPr/>
+        </p:nvSpPr>
+        <p:spPr>
+          <a:xfrm>
+            <a:off x="662613" y="752408"/>
+            <a:ext cx="5818193" cy="338554"/>
+          </a:xfrm>
+          <a:prstGeom prst="rect">
+            <a:avLst/>
+          </a:prstGeom>
+          <a:noFill/>
+          <a:ln>
+            <a:noFill/>
+          </a:ln>
+        </p:spPr>
+        <p:txBody>
+          <a:bodyPr spcFirstLastPara="1" wrap="square" lIns="0" tIns="0" rIns="0" bIns="0" anchor="t" anchorCtr="0">
+            <a:spAutoFit/>
+          </a:bodyPr>
+          <a:lstStyle>
+            <a:defPPr>
+              <a:defRPr lang="en-US"/>
+            </a:defPPr>
+            <a:lvl1pPr marL="0" algn="l" defTabSz="685800" rtl="0" eaLnBrk="1" latinLnBrk="0" hangingPunct="1">
+              <a:defRPr sz="1350" kern="1200">
+                <a:solidFill>
+                  <a:schemeClr val="tx1"/>
+                </a:solidFill>
+                <a:latin typeface="+mn-lt"/>
+                <a:ea typeface="+mn-ea"/>
+                <a:cs typeface="+mn-cs"/>
+              </a:defRPr>
+            </a:lvl1pPr>
+            <a:lvl2pPr marL="342900" algn="l" defTabSz="685800" rtl="0" eaLnBrk="1" latinLnBrk="0" hangingPunct="1">
+              <a:defRPr sz="1350" kern="1200">
+                <a:solidFill>
+                  <a:schemeClr val="tx1"/>
+                </a:solidFill>
+                <a:latin typeface="+mn-lt"/>
+                <a:ea typeface="+mn-ea"/>
+                <a:cs typeface="+mn-cs"/>
+              </a:defRPr>
+            </a:lvl2pPr>
+            <a:lvl3pPr marL="685800" algn="l" defTabSz="685800" rtl="0" eaLnBrk="1" latinLnBrk="0" hangingPunct="1">
+              <a:defRPr sz="1350" kern="1200">
+                <a:solidFill>
+                  <a:schemeClr val="tx1"/>
+                </a:solidFill>
+                <a:latin typeface="+mn-lt"/>
+                <a:ea typeface="+mn-ea"/>
+                <a:cs typeface="+mn-cs"/>
+              </a:defRPr>
+            </a:lvl3pPr>
+            <a:lvl4pPr marL="1028700" algn="l" defTabSz="685800" rtl="0" eaLnBrk="1" latinLnBrk="0" hangingPunct="1">
+              <a:defRPr sz="1350" kern="1200">
+                <a:solidFill>
+                  <a:schemeClr val="tx1"/>
+                </a:solidFill>
+                <a:latin typeface="+mn-lt"/>
+                <a:ea typeface="+mn-ea"/>
+                <a:cs typeface="+mn-cs"/>
+              </a:defRPr>
+            </a:lvl4pPr>
+            <a:lvl5pPr marL="1371600" algn="l" defTabSz="685800" rtl="0" eaLnBrk="1" latinLnBrk="0" hangingPunct="1">
+              <a:defRPr sz="1350" kern="1200">
+                <a:solidFill>
+                  <a:schemeClr val="tx1"/>
+                </a:solidFill>
+                <a:latin typeface="+mn-lt"/>
+                <a:ea typeface="+mn-ea"/>
+                <a:cs typeface="+mn-cs"/>
+              </a:defRPr>
+            </a:lvl5pPr>
+            <a:lvl6pPr marL="1714500" algn="l" defTabSz="685800" rtl="0" eaLnBrk="1" latinLnBrk="0" hangingPunct="1">
+              <a:defRPr sz="1350" kern="1200">
+                <a:solidFill>
+                  <a:schemeClr val="tx1"/>
+                </a:solidFill>
+                <a:latin typeface="+mn-lt"/>
+                <a:ea typeface="+mn-ea"/>
+                <a:cs typeface="+mn-cs"/>
+              </a:defRPr>
+            </a:lvl6pPr>
+            <a:lvl7pPr marL="2057400" algn="l" defTabSz="685800" rtl="0" eaLnBrk="1" latinLnBrk="0" hangingPunct="1">
+              <a:defRPr sz="1350" kern="1200">
+                <a:solidFill>
+                  <a:schemeClr val="tx1"/>
+                </a:solidFill>
+                <a:latin typeface="+mn-lt"/>
+                <a:ea typeface="+mn-ea"/>
+                <a:cs typeface="+mn-cs"/>
+              </a:defRPr>
+            </a:lvl7pPr>
+            <a:lvl8pPr marL="2400300" algn="l" defTabSz="685800" rtl="0" eaLnBrk="1" latinLnBrk="0" hangingPunct="1">
+              <a:defRPr sz="1350" kern="1200">
+                <a:solidFill>
+                  <a:schemeClr val="tx1"/>
+                </a:solidFill>
+                <a:latin typeface="+mn-lt"/>
+                <a:ea typeface="+mn-ea"/>
+                <a:cs typeface="+mn-cs"/>
+              </a:defRPr>
+            </a:lvl8pPr>
+            <a:lvl9pPr marL="2743200" algn="l" defTabSz="685800" rtl="0" eaLnBrk="1" latinLnBrk="0" hangingPunct="1">
+              <a:defRPr sz="1350" kern="1200">
+                <a:solidFill>
+                  <a:schemeClr val="tx1"/>
+                </a:solidFill>
+                <a:latin typeface="+mn-lt"/>
+                <a:ea typeface="+mn-ea"/>
+                <a:cs typeface="+mn-cs"/>
+              </a:defRPr>
+            </a:lvl9pPr>
+          </a:lstStyle>
+          <a:p>
+            <a:pPr>
+              <a:lnSpc>
+                <a:spcPct val="110000"/>
+              </a:lnSpc>
+            </a:pPr>
+            <a:r>
+              <a:rPr lang="fr" sz="2000" dirty="0">
+                <a:solidFill>
+                  <a:srgbClr val="1A2B42"/>
+                </a:solidFill>
+                <a:latin typeface="Montserrat SemiBold"/>
+                <a:ea typeface="+mn-lt"/>
+                <a:cs typeface="+mn-lt"/>
+                <a:sym typeface="Montserrat SemiBold"/>
+              </a:rPr>
+              <a:t>Implementation</a:t>
+            </a:r>
+            <a:endParaRPr lang="en-US" sz="2000" dirty="0">
+              <a:latin typeface="Montserrat" pitchFamily="2" charset="77"/>
+              <a:ea typeface="+mn-lt"/>
+              <a:cs typeface="+mn-lt"/>
+            </a:endParaRPr>
+          </a:p>
+        </p:txBody>
+      </p:sp>
+      <p:pic>
+        <p:nvPicPr>
+          <p:cNvPr id="6" name="Picture 5">
+            <a:extLst>
+              <a:ext uri="{FF2B5EF4-FFF2-40B4-BE49-F238E27FC236}">
+                <a16:creationId xmlns:a16="http://schemas.microsoft.com/office/drawing/2014/main" id="{B98C6265-3D1F-05B1-08CF-8F039C465070}"/>
+              </a:ext>
+            </a:extLst>
+          </p:cNvPr>
+          <p:cNvPicPr>
+            <a:picLocks noChangeAspect="1"/>
+          </p:cNvPicPr>
+          <p:nvPr/>
+        </p:nvPicPr>
+        <p:blipFill>
+          <a:blip r:embed="rId4"/>
+          <a:stretch>
+            <a:fillRect/>
+          </a:stretch>
+        </p:blipFill>
+        <p:spPr>
+          <a:xfrm>
+            <a:off x="949532" y="1456447"/>
+            <a:ext cx="7200000" cy="2509428"/>
+          </a:xfrm>
+          <a:prstGeom prst="rect">
+            <a:avLst/>
+          </a:prstGeom>
+        </p:spPr>
+      </p:pic>
+    </p:spTree>
+    <p:extLst>
+      <p:ext uri="{BB962C8B-B14F-4D97-AF65-F5344CB8AC3E}">
+        <p14:creationId xmlns:p14="http://schemas.microsoft.com/office/powerpoint/2010/main" val="3388833182"/>
+      </p:ext>
+    </p:extLst>
+  </p:cSld>
+  <p:clrMapOvr>
+    <a:masterClrMapping/>
+  </p:clrMapOvr>
+  <p:transition>
+    <p:fade/>
+  </p:transition>
+</p:sld>
+</file>
+
+<file path=ppt/slides/slide13.xml><?xml version="1.0" encoding="utf-8"?>
+<p:sld xmlns:a="http://schemas.openxmlformats.org/drawingml/2006/main" xmlns:r="http://schemas.openxmlformats.org/officeDocument/2006/relationships" xmlns:p="http://schemas.openxmlformats.org/presentationml/2006/main">
+  <p:cSld>
+    <p:spTree>
+      <p:nvGrpSpPr>
+        <p:cNvPr id="1" name="Shape 9676">
+          <a:extLst>
+            <a:ext uri="{FF2B5EF4-FFF2-40B4-BE49-F238E27FC236}">
+              <a16:creationId xmlns:a16="http://schemas.microsoft.com/office/drawing/2014/main" id="{9372797E-3A8F-C2D2-1037-28A7A4A36BE3}"/>
+            </a:ext>
+          </a:extLst>
+        </p:cNvPr>
+        <p:cNvGrpSpPr/>
+        <p:nvPr/>
+      </p:nvGrpSpPr>
+      <p:grpSpPr>
+        <a:xfrm>
+          <a:off x="0" y="0"/>
+          <a:ext cx="0" cy="0"/>
+          <a:chOff x="0" y="0"/>
+          <a:chExt cx="0" cy="0"/>
+        </a:xfrm>
+      </p:grpSpPr>
+      <p:pic>
+        <p:nvPicPr>
+          <p:cNvPr id="9" name="Picture 13">
+            <a:extLst>
+              <a:ext uri="{FF2B5EF4-FFF2-40B4-BE49-F238E27FC236}">
+                <a16:creationId xmlns:a16="http://schemas.microsoft.com/office/drawing/2014/main" id="{CA333B96-DDB0-CFF3-244E-1A87F2D1EE87}"/>
+              </a:ext>
+            </a:extLst>
+          </p:cNvPr>
+          <p:cNvPicPr>
+            <a:picLocks noChangeAspect="1"/>
+          </p:cNvPicPr>
+          <p:nvPr/>
+        </p:nvPicPr>
+        <p:blipFill>
+          <a:blip r:embed="rId3"/>
+          <a:srcRect r="24898" b="-6860"/>
+          <a:stretch/>
+        </p:blipFill>
+        <p:spPr>
+          <a:xfrm>
+            <a:off x="-44935" y="4331361"/>
+            <a:ext cx="9188935" cy="354288"/>
+          </a:xfrm>
+          <a:prstGeom prst="rect">
+            <a:avLst/>
+          </a:prstGeom>
+        </p:spPr>
+      </p:pic>
+      <p:sp>
+        <p:nvSpPr>
+          <p:cNvPr id="10" name="Google Shape;10678;p460">
+            <a:extLst>
+              <a:ext uri="{FF2B5EF4-FFF2-40B4-BE49-F238E27FC236}">
+                <a16:creationId xmlns:a16="http://schemas.microsoft.com/office/drawing/2014/main" id="{F1A7C441-46A1-50DD-BC8E-0B801C88BF07}"/>
+              </a:ext>
+            </a:extLst>
+          </p:cNvPr>
+          <p:cNvSpPr txBox="1"/>
+          <p:nvPr/>
+        </p:nvSpPr>
+        <p:spPr>
+          <a:xfrm>
+            <a:off x="662613" y="491319"/>
+            <a:ext cx="3377100" cy="184666"/>
+          </a:xfrm>
+          <a:prstGeom prst="rect">
+            <a:avLst/>
+          </a:prstGeom>
+          <a:noFill/>
+          <a:ln>
+            <a:noFill/>
+          </a:ln>
+        </p:spPr>
+        <p:txBody>
+          <a:bodyPr spcFirstLastPara="1" wrap="square" lIns="0" tIns="0" rIns="0" bIns="0" anchor="t" anchorCtr="0">
+            <a:spAutoFit/>
+          </a:bodyPr>
+          <a:lstStyle/>
+          <a:p>
+            <a:r>
+              <a:rPr lang="en-GB" sz="1200" dirty="0">
+                <a:solidFill>
+                  <a:srgbClr val="57ED7D"/>
+                </a:solidFill>
+                <a:latin typeface="Montserrat SemiBold"/>
+                <a:ea typeface="Montserrat SemiBold"/>
+                <a:cs typeface="Montserrat SemiBold"/>
+                <a:sym typeface="Montserrat SemiBold"/>
+              </a:rPr>
+              <a:t>Dynamic Forms</a:t>
+            </a:r>
+          </a:p>
+        </p:txBody>
+      </p:sp>
+      <p:sp>
+        <p:nvSpPr>
+          <p:cNvPr id="12" name="Google Shape;10120;p446">
+            <a:extLst>
+              <a:ext uri="{FF2B5EF4-FFF2-40B4-BE49-F238E27FC236}">
+                <a16:creationId xmlns:a16="http://schemas.microsoft.com/office/drawing/2014/main" id="{817AB091-2DDE-BCE5-B43F-C051B9F15029}"/>
+              </a:ext>
+            </a:extLst>
+          </p:cNvPr>
+          <p:cNvSpPr/>
+          <p:nvPr/>
+        </p:nvSpPr>
+        <p:spPr>
+          <a:xfrm>
+            <a:off x="662613" y="752408"/>
+            <a:ext cx="5818193" cy="338554"/>
+          </a:xfrm>
+          <a:prstGeom prst="rect">
+            <a:avLst/>
+          </a:prstGeom>
+          <a:noFill/>
+          <a:ln>
+            <a:noFill/>
+          </a:ln>
+        </p:spPr>
+        <p:txBody>
+          <a:bodyPr spcFirstLastPara="1" wrap="square" lIns="0" tIns="0" rIns="0" bIns="0" anchor="t" anchorCtr="0">
+            <a:spAutoFit/>
+          </a:bodyPr>
+          <a:lstStyle>
+            <a:defPPr>
+              <a:defRPr lang="en-US"/>
+            </a:defPPr>
+            <a:lvl1pPr marL="0" algn="l" defTabSz="685800" rtl="0" eaLnBrk="1" latinLnBrk="0" hangingPunct="1">
+              <a:defRPr sz="1350" kern="1200">
+                <a:solidFill>
+                  <a:schemeClr val="tx1"/>
+                </a:solidFill>
+                <a:latin typeface="+mn-lt"/>
+                <a:ea typeface="+mn-ea"/>
+                <a:cs typeface="+mn-cs"/>
+              </a:defRPr>
+            </a:lvl1pPr>
+            <a:lvl2pPr marL="342900" algn="l" defTabSz="685800" rtl="0" eaLnBrk="1" latinLnBrk="0" hangingPunct="1">
+              <a:defRPr sz="1350" kern="1200">
+                <a:solidFill>
+                  <a:schemeClr val="tx1"/>
+                </a:solidFill>
+                <a:latin typeface="+mn-lt"/>
+                <a:ea typeface="+mn-ea"/>
+                <a:cs typeface="+mn-cs"/>
+              </a:defRPr>
+            </a:lvl2pPr>
+            <a:lvl3pPr marL="685800" algn="l" defTabSz="685800" rtl="0" eaLnBrk="1" latinLnBrk="0" hangingPunct="1">
+              <a:defRPr sz="1350" kern="1200">
+                <a:solidFill>
+                  <a:schemeClr val="tx1"/>
+                </a:solidFill>
+                <a:latin typeface="+mn-lt"/>
+                <a:ea typeface="+mn-ea"/>
+                <a:cs typeface="+mn-cs"/>
+              </a:defRPr>
+            </a:lvl3pPr>
+            <a:lvl4pPr marL="1028700" algn="l" defTabSz="685800" rtl="0" eaLnBrk="1" latinLnBrk="0" hangingPunct="1">
+              <a:defRPr sz="1350" kern="1200">
+                <a:solidFill>
+                  <a:schemeClr val="tx1"/>
+                </a:solidFill>
+                <a:latin typeface="+mn-lt"/>
+                <a:ea typeface="+mn-ea"/>
+                <a:cs typeface="+mn-cs"/>
+              </a:defRPr>
+            </a:lvl4pPr>
+            <a:lvl5pPr marL="1371600" algn="l" defTabSz="685800" rtl="0" eaLnBrk="1" latinLnBrk="0" hangingPunct="1">
+              <a:defRPr sz="1350" kern="1200">
+                <a:solidFill>
+                  <a:schemeClr val="tx1"/>
+                </a:solidFill>
+                <a:latin typeface="+mn-lt"/>
+                <a:ea typeface="+mn-ea"/>
+                <a:cs typeface="+mn-cs"/>
+              </a:defRPr>
+            </a:lvl5pPr>
+            <a:lvl6pPr marL="1714500" algn="l" defTabSz="685800" rtl="0" eaLnBrk="1" latinLnBrk="0" hangingPunct="1">
+              <a:defRPr sz="1350" kern="1200">
+                <a:solidFill>
+                  <a:schemeClr val="tx1"/>
+                </a:solidFill>
+                <a:latin typeface="+mn-lt"/>
+                <a:ea typeface="+mn-ea"/>
+                <a:cs typeface="+mn-cs"/>
+              </a:defRPr>
+            </a:lvl6pPr>
+            <a:lvl7pPr marL="2057400" algn="l" defTabSz="685800" rtl="0" eaLnBrk="1" latinLnBrk="0" hangingPunct="1">
+              <a:defRPr sz="1350" kern="1200">
+                <a:solidFill>
+                  <a:schemeClr val="tx1"/>
+                </a:solidFill>
+                <a:latin typeface="+mn-lt"/>
+                <a:ea typeface="+mn-ea"/>
+                <a:cs typeface="+mn-cs"/>
+              </a:defRPr>
+            </a:lvl7pPr>
+            <a:lvl8pPr marL="2400300" algn="l" defTabSz="685800" rtl="0" eaLnBrk="1" latinLnBrk="0" hangingPunct="1">
+              <a:defRPr sz="1350" kern="1200">
+                <a:solidFill>
+                  <a:schemeClr val="tx1"/>
+                </a:solidFill>
+                <a:latin typeface="+mn-lt"/>
+                <a:ea typeface="+mn-ea"/>
+                <a:cs typeface="+mn-cs"/>
+              </a:defRPr>
+            </a:lvl8pPr>
+            <a:lvl9pPr marL="2743200" algn="l" defTabSz="685800" rtl="0" eaLnBrk="1" latinLnBrk="0" hangingPunct="1">
+              <a:defRPr sz="1350" kern="1200">
+                <a:solidFill>
+                  <a:schemeClr val="tx1"/>
+                </a:solidFill>
+                <a:latin typeface="+mn-lt"/>
+                <a:ea typeface="+mn-ea"/>
+                <a:cs typeface="+mn-cs"/>
+              </a:defRPr>
+            </a:lvl9pPr>
+          </a:lstStyle>
+          <a:p>
+            <a:pPr>
+              <a:lnSpc>
+                <a:spcPct val="110000"/>
+              </a:lnSpc>
+            </a:pPr>
+            <a:r>
+              <a:rPr lang="fr" sz="2000" dirty="0">
+                <a:solidFill>
+                  <a:srgbClr val="1A2B42"/>
+                </a:solidFill>
+                <a:latin typeface="Montserrat SemiBold"/>
+                <a:ea typeface="+mn-lt"/>
+                <a:cs typeface="+mn-lt"/>
+                <a:sym typeface="Montserrat SemiBold"/>
+              </a:rPr>
+              <a:t>Implementation</a:t>
+            </a:r>
+            <a:endParaRPr lang="en-US" sz="2000" dirty="0">
+              <a:latin typeface="Montserrat" pitchFamily="2" charset="77"/>
+              <a:ea typeface="+mn-lt"/>
+              <a:cs typeface="+mn-lt"/>
+            </a:endParaRPr>
+          </a:p>
+        </p:txBody>
+      </p:sp>
+      <p:pic>
+        <p:nvPicPr>
+          <p:cNvPr id="5" name="Picture 4">
+            <a:extLst>
+              <a:ext uri="{FF2B5EF4-FFF2-40B4-BE49-F238E27FC236}">
+                <a16:creationId xmlns:a16="http://schemas.microsoft.com/office/drawing/2014/main" id="{D042E668-57C1-D2D8-2B71-912EF09D4B21}"/>
+              </a:ext>
+            </a:extLst>
+          </p:cNvPr>
+          <p:cNvPicPr>
+            <a:picLocks noChangeAspect="1"/>
+          </p:cNvPicPr>
+          <p:nvPr/>
+        </p:nvPicPr>
+        <p:blipFill>
+          <a:blip r:embed="rId4"/>
+          <a:stretch>
+            <a:fillRect/>
+          </a:stretch>
+        </p:blipFill>
+        <p:spPr>
+          <a:xfrm>
+            <a:off x="1872000" y="3278501"/>
+            <a:ext cx="5400000" cy="1112591"/>
+          </a:xfrm>
+          <a:prstGeom prst="rect">
+            <a:avLst/>
+          </a:prstGeom>
+        </p:spPr>
+      </p:pic>
+      <p:pic>
+        <p:nvPicPr>
+          <p:cNvPr id="2" name="Picture 1">
+            <a:extLst>
+              <a:ext uri="{FF2B5EF4-FFF2-40B4-BE49-F238E27FC236}">
+                <a16:creationId xmlns:a16="http://schemas.microsoft.com/office/drawing/2014/main" id="{EFB16C54-30E5-CC53-02FC-E755CD4CE693}"/>
+              </a:ext>
+            </a:extLst>
+          </p:cNvPr>
+          <p:cNvPicPr>
+            <a:picLocks noChangeAspect="1"/>
+          </p:cNvPicPr>
+          <p:nvPr/>
+        </p:nvPicPr>
+        <p:blipFill>
+          <a:blip r:embed="rId5"/>
+          <a:stretch>
+            <a:fillRect/>
+          </a:stretch>
+        </p:blipFill>
+        <p:spPr>
+          <a:xfrm>
+            <a:off x="1989272" y="1644731"/>
+            <a:ext cx="5165455" cy="1080000"/>
+          </a:xfrm>
+          <a:prstGeom prst="rect">
+            <a:avLst/>
+          </a:prstGeom>
+        </p:spPr>
+      </p:pic>
+    </p:spTree>
+    <p:extLst>
+      <p:ext uri="{BB962C8B-B14F-4D97-AF65-F5344CB8AC3E}">
+        <p14:creationId xmlns:p14="http://schemas.microsoft.com/office/powerpoint/2010/main" val="3813849866"/>
+      </p:ext>
+    </p:extLst>
+  </p:cSld>
+  <p:clrMapOvr>
+    <a:masterClrMapping/>
+  </p:clrMapOvr>
+  <p:transition>
+    <p:fade/>
+  </p:transition>
+</p:sld>
+</file>
+
+<file path=ppt/slides/slide14.xml><?xml version="1.0" encoding="utf-8"?>
+<p:sld xmlns:a="http://schemas.openxmlformats.org/drawingml/2006/main" xmlns:r="http://schemas.openxmlformats.org/officeDocument/2006/relationships" xmlns:p="http://schemas.openxmlformats.org/presentationml/2006/main">
+  <p:cSld>
+    <p:spTree>
+      <p:nvGrpSpPr>
+        <p:cNvPr id="1" name="Shape 1792"/>
+        <p:cNvGrpSpPr/>
+        <p:nvPr/>
+      </p:nvGrpSpPr>
+      <p:grpSpPr>
+        <a:xfrm>
+          <a:off x="0" y="0"/>
+          <a:ext cx="0" cy="0"/>
+          <a:chOff x="0" y="0"/>
+          <a:chExt cx="0" cy="0"/>
+        </a:xfrm>
+      </p:grpSpPr>
+      <p:cxnSp>
+        <p:nvCxnSpPr>
+          <p:cNvPr id="4" name="Google Shape;1731;p142">
+            <a:extLst>
+              <a:ext uri="{FF2B5EF4-FFF2-40B4-BE49-F238E27FC236}">
+                <a16:creationId xmlns:a16="http://schemas.microsoft.com/office/drawing/2014/main" id="{B6E75FCA-2DF9-B9DC-A91A-7F56C0573564}"/>
+              </a:ext>
+            </a:extLst>
+          </p:cNvPr>
+          <p:cNvCxnSpPr>
+            <a:cxnSpLocks/>
+          </p:cNvCxnSpPr>
+          <p:nvPr/>
+        </p:nvCxnSpPr>
+        <p:spPr>
+          <a:xfrm>
+            <a:off x="4444402" y="1358608"/>
+            <a:ext cx="0" cy="3402131"/>
+          </a:xfrm>
+          <a:prstGeom prst="straightConnector1">
+            <a:avLst/>
+          </a:prstGeom>
+          <a:noFill/>
+          <a:ln w="9525" cap="rnd" cmpd="sng">
+            <a:solidFill>
+              <a:srgbClr val="57ED7D"/>
+            </a:solidFill>
+            <a:prstDash val="solid"/>
+            <a:round/>
+            <a:headEnd type="none" w="med" len="med"/>
+            <a:tailEnd type="none" w="med" len="med"/>
+          </a:ln>
+        </p:spPr>
+      </p:cxnSp>
+      <p:sp>
+        <p:nvSpPr>
+          <p:cNvPr id="6" name="Google Shape;10678;p460">
+            <a:extLst>
+              <a:ext uri="{FF2B5EF4-FFF2-40B4-BE49-F238E27FC236}">
+                <a16:creationId xmlns:a16="http://schemas.microsoft.com/office/drawing/2014/main" id="{16292637-9037-C16F-3541-E9CF20C2D2D7}"/>
+              </a:ext>
+            </a:extLst>
+          </p:cNvPr>
+          <p:cNvSpPr txBox="1"/>
+          <p:nvPr/>
+        </p:nvSpPr>
+        <p:spPr>
+          <a:xfrm>
+            <a:off x="662613" y="491319"/>
+            <a:ext cx="3377100" cy="184666"/>
+          </a:xfrm>
+          <a:prstGeom prst="rect">
+            <a:avLst/>
+          </a:prstGeom>
+          <a:noFill/>
+          <a:ln>
+            <a:noFill/>
+          </a:ln>
+        </p:spPr>
+        <p:txBody>
+          <a:bodyPr spcFirstLastPara="1" wrap="square" lIns="0" tIns="0" rIns="0" bIns="0" anchor="t" anchorCtr="0">
+            <a:spAutoFit/>
+          </a:bodyPr>
+          <a:lstStyle/>
+          <a:p>
+            <a:r>
+              <a:rPr lang="en-GB" sz="1200" dirty="0">
+                <a:solidFill>
+                  <a:srgbClr val="57ED7D"/>
+                </a:solidFill>
+                <a:latin typeface="Montserrat SemiBold"/>
+                <a:ea typeface="Montserrat SemiBold"/>
+                <a:cs typeface="Montserrat SemiBold"/>
+                <a:sym typeface="Montserrat SemiBold"/>
+              </a:rPr>
+              <a:t>Dynamic Forms</a:t>
+            </a:r>
+          </a:p>
+        </p:txBody>
+      </p:sp>
+      <p:sp>
+        <p:nvSpPr>
+          <p:cNvPr id="7" name="Google Shape;10120;p446">
+            <a:extLst>
+              <a:ext uri="{FF2B5EF4-FFF2-40B4-BE49-F238E27FC236}">
+                <a16:creationId xmlns:a16="http://schemas.microsoft.com/office/drawing/2014/main" id="{05F3E138-D11D-83AA-28D0-D384A45C70ED}"/>
+              </a:ext>
+            </a:extLst>
+          </p:cNvPr>
+          <p:cNvSpPr/>
+          <p:nvPr/>
+        </p:nvSpPr>
+        <p:spPr>
+          <a:xfrm>
+            <a:off x="662613" y="752408"/>
+            <a:ext cx="5818193" cy="338554"/>
+          </a:xfrm>
+          <a:prstGeom prst="rect">
+            <a:avLst/>
+          </a:prstGeom>
+          <a:noFill/>
+          <a:ln>
+            <a:noFill/>
+          </a:ln>
+        </p:spPr>
+        <p:txBody>
+          <a:bodyPr spcFirstLastPara="1" wrap="square" lIns="0" tIns="0" rIns="0" bIns="0" anchor="t" anchorCtr="0">
+            <a:spAutoFit/>
+          </a:bodyPr>
+          <a:lstStyle>
+            <a:defPPr>
+              <a:defRPr lang="en-US"/>
+            </a:defPPr>
+            <a:lvl1pPr marL="0" algn="l" defTabSz="685800" rtl="0" eaLnBrk="1" latinLnBrk="0" hangingPunct="1">
+              <a:defRPr sz="1350" kern="1200">
+                <a:solidFill>
+                  <a:schemeClr val="tx1"/>
+                </a:solidFill>
+                <a:latin typeface="+mn-lt"/>
+                <a:ea typeface="+mn-ea"/>
+                <a:cs typeface="+mn-cs"/>
+              </a:defRPr>
+            </a:lvl1pPr>
+            <a:lvl2pPr marL="342900" algn="l" defTabSz="685800" rtl="0" eaLnBrk="1" latinLnBrk="0" hangingPunct="1">
+              <a:defRPr sz="1350" kern="1200">
+                <a:solidFill>
+                  <a:schemeClr val="tx1"/>
+                </a:solidFill>
+                <a:latin typeface="+mn-lt"/>
+                <a:ea typeface="+mn-ea"/>
+                <a:cs typeface="+mn-cs"/>
+              </a:defRPr>
+            </a:lvl2pPr>
+            <a:lvl3pPr marL="685800" algn="l" defTabSz="685800" rtl="0" eaLnBrk="1" latinLnBrk="0" hangingPunct="1">
+              <a:defRPr sz="1350" kern="1200">
+                <a:solidFill>
+                  <a:schemeClr val="tx1"/>
+                </a:solidFill>
+                <a:latin typeface="+mn-lt"/>
+                <a:ea typeface="+mn-ea"/>
+                <a:cs typeface="+mn-cs"/>
+              </a:defRPr>
+            </a:lvl3pPr>
+            <a:lvl4pPr marL="1028700" algn="l" defTabSz="685800" rtl="0" eaLnBrk="1" latinLnBrk="0" hangingPunct="1">
+              <a:defRPr sz="1350" kern="1200">
+                <a:solidFill>
+                  <a:schemeClr val="tx1"/>
+                </a:solidFill>
+                <a:latin typeface="+mn-lt"/>
+                <a:ea typeface="+mn-ea"/>
+                <a:cs typeface="+mn-cs"/>
+              </a:defRPr>
+            </a:lvl4pPr>
+            <a:lvl5pPr marL="1371600" algn="l" defTabSz="685800" rtl="0" eaLnBrk="1" latinLnBrk="0" hangingPunct="1">
+              <a:defRPr sz="1350" kern="1200">
+                <a:solidFill>
+                  <a:schemeClr val="tx1"/>
+                </a:solidFill>
+                <a:latin typeface="+mn-lt"/>
+                <a:ea typeface="+mn-ea"/>
+                <a:cs typeface="+mn-cs"/>
+              </a:defRPr>
+            </a:lvl5pPr>
+            <a:lvl6pPr marL="1714500" algn="l" defTabSz="685800" rtl="0" eaLnBrk="1" latinLnBrk="0" hangingPunct="1">
+              <a:defRPr sz="1350" kern="1200">
+                <a:solidFill>
+                  <a:schemeClr val="tx1"/>
+                </a:solidFill>
+                <a:latin typeface="+mn-lt"/>
+                <a:ea typeface="+mn-ea"/>
+                <a:cs typeface="+mn-cs"/>
+              </a:defRPr>
+            </a:lvl6pPr>
+            <a:lvl7pPr marL="2057400" algn="l" defTabSz="685800" rtl="0" eaLnBrk="1" latinLnBrk="0" hangingPunct="1">
+              <a:defRPr sz="1350" kern="1200">
+                <a:solidFill>
+                  <a:schemeClr val="tx1"/>
+                </a:solidFill>
+                <a:latin typeface="+mn-lt"/>
+                <a:ea typeface="+mn-ea"/>
+                <a:cs typeface="+mn-cs"/>
+              </a:defRPr>
+            </a:lvl7pPr>
+            <a:lvl8pPr marL="2400300" algn="l" defTabSz="685800" rtl="0" eaLnBrk="1" latinLnBrk="0" hangingPunct="1">
+              <a:defRPr sz="1350" kern="1200">
+                <a:solidFill>
+                  <a:schemeClr val="tx1"/>
+                </a:solidFill>
+                <a:latin typeface="+mn-lt"/>
+                <a:ea typeface="+mn-ea"/>
+                <a:cs typeface="+mn-cs"/>
+              </a:defRPr>
+            </a:lvl8pPr>
+            <a:lvl9pPr marL="2743200" algn="l" defTabSz="685800" rtl="0" eaLnBrk="1" latinLnBrk="0" hangingPunct="1">
+              <a:defRPr sz="1350" kern="1200">
+                <a:solidFill>
+                  <a:schemeClr val="tx1"/>
+                </a:solidFill>
+                <a:latin typeface="+mn-lt"/>
+                <a:ea typeface="+mn-ea"/>
+                <a:cs typeface="+mn-cs"/>
+              </a:defRPr>
+            </a:lvl9pPr>
+          </a:lstStyle>
+          <a:p>
+            <a:pPr>
+              <a:lnSpc>
+                <a:spcPct val="110000"/>
+              </a:lnSpc>
+            </a:pPr>
+            <a:r>
+              <a:rPr lang="fr" sz="2000" dirty="0">
+                <a:solidFill>
+                  <a:srgbClr val="1A2B42"/>
+                </a:solidFill>
+                <a:latin typeface="Montserrat SemiBold"/>
+                <a:ea typeface="+mn-lt"/>
+                <a:cs typeface="+mn-lt"/>
+                <a:sym typeface="Montserrat SemiBold"/>
+              </a:rPr>
+              <a:t>Implementation (next)</a:t>
+            </a:r>
+            <a:endParaRPr lang="en-US" sz="2000" dirty="0">
+              <a:latin typeface="Montserrat" pitchFamily="2" charset="77"/>
+              <a:ea typeface="+mn-lt"/>
+              <a:cs typeface="+mn-lt"/>
+            </a:endParaRPr>
+          </a:p>
+        </p:txBody>
+      </p:sp>
+      <p:sp>
+        <p:nvSpPr>
+          <p:cNvPr id="8" name="Google Shape;10687;p460">
+            <a:extLst>
+              <a:ext uri="{FF2B5EF4-FFF2-40B4-BE49-F238E27FC236}">
+                <a16:creationId xmlns:a16="http://schemas.microsoft.com/office/drawing/2014/main" id="{8C37D2A3-55EF-68EA-C94B-F06F04D4FCE3}"/>
+              </a:ext>
+            </a:extLst>
+          </p:cNvPr>
+          <p:cNvSpPr txBox="1"/>
+          <p:nvPr/>
+        </p:nvSpPr>
+        <p:spPr>
+          <a:xfrm>
+            <a:off x="662613" y="1787710"/>
+            <a:ext cx="3377100" cy="1725793"/>
+          </a:xfrm>
+          <a:prstGeom prst="rect">
+            <a:avLst/>
+          </a:prstGeom>
+          <a:noFill/>
+          <a:ln>
+            <a:noFill/>
+          </a:ln>
+        </p:spPr>
+        <p:txBody>
+          <a:bodyPr spcFirstLastPara="1" wrap="square" lIns="0" tIns="0" rIns="0" bIns="0" anchor="t" anchorCtr="0">
+            <a:spAutoFit/>
+          </a:bodyPr>
+          <a:lstStyle/>
+          <a:p>
+            <a:pPr marL="171450" marR="0" lvl="0" indent="-171450" algn="l" rtl="0">
+              <a:lnSpc>
+                <a:spcPct val="113000"/>
+              </a:lnSpc>
+              <a:spcAft>
+                <a:spcPts val="1200"/>
+              </a:spcAft>
+              <a:buClr>
+                <a:srgbClr val="57ED7D"/>
+              </a:buClr>
+              <a:buChar char="•"/>
+            </a:pPr>
+            <a:r>
+              <a:rPr lang="en-GB" sz="1100" b="1" dirty="0">
+                <a:solidFill>
+                  <a:srgbClr val="141414"/>
+                </a:solidFill>
+                <a:latin typeface="PT Sans" panose="020B0503020203020204" pitchFamily="34" charset="77"/>
+                <a:sym typeface="Montserrat SemiBold"/>
+              </a:rPr>
+              <a:t>Save</a:t>
+            </a:r>
+            <a:r>
+              <a:rPr lang="en-GB" sz="1100" dirty="0">
+                <a:solidFill>
+                  <a:srgbClr val="141414"/>
+                </a:solidFill>
+                <a:latin typeface="PT Sans" panose="020B0503020203020204" pitchFamily="34" charset="77"/>
+                <a:sym typeface="Montserrat SemiBold"/>
+              </a:rPr>
+              <a:t> form configuration and user input.</a:t>
             </a:r>
           </a:p>
           <a:p>
-            <a:pPr marL="628650" indent="-457200" algn="l">
-              <a:buFontTx/>
-              <a:buChar char="-"/>
+            <a:pPr marL="171450" marR="0" lvl="0" indent="-171450" algn="l" rtl="0">
+              <a:lnSpc>
+                <a:spcPct val="113000"/>
+              </a:lnSpc>
+              <a:spcAft>
+                <a:spcPts val="1200"/>
+              </a:spcAft>
+              <a:buClr>
+                <a:srgbClr val="57ED7D"/>
+              </a:buClr>
+              <a:buChar char="•"/>
+            </a:pPr>
+            <a:endParaRPr lang="en-GB" sz="1100" dirty="0">
+              <a:solidFill>
+                <a:srgbClr val="141414"/>
+              </a:solidFill>
+              <a:latin typeface="PT Sans" panose="020B0503020203020204" pitchFamily="34" charset="77"/>
+              <a:sym typeface="Montserrat SemiBold"/>
+            </a:endParaRPr>
+          </a:p>
+          <a:p>
+            <a:pPr marL="171450" marR="0" lvl="0" indent="-171450" algn="l" rtl="0">
+              <a:lnSpc>
+                <a:spcPct val="113000"/>
+              </a:lnSpc>
+              <a:spcAft>
+                <a:spcPts val="1200"/>
+              </a:spcAft>
+              <a:buClr>
+                <a:srgbClr val="57ED7D"/>
+              </a:buClr>
+              <a:buChar char="•"/>
             </a:pPr>
             <a:r>
-              <a:rPr lang="fr-FR" sz="1400" dirty="0"/>
-              <a:t>Mode déconnecté en cas d’inaccessibilité d’</a:t>
-            </a:r>
-            <a:r>
-              <a:rPr lang="fr-FR" sz="1400" dirty="0" err="1"/>
-              <a:t>OpenAI</a:t>
-            </a:r>
-            <a:r>
-              <a:rPr lang="fr-FR" sz="1400" dirty="0"/>
-              <a:t>.</a:t>
+              <a:rPr lang="en-GB" sz="1100" dirty="0">
+                <a:solidFill>
+                  <a:srgbClr val="141414"/>
+                </a:solidFill>
+                <a:latin typeface="PT Sans" panose="020B0503020203020204" pitchFamily="34" charset="77"/>
+                <a:sym typeface="Montserrat SemiBold"/>
+              </a:rPr>
+              <a:t>Degraded and “offline” mode.</a:t>
             </a:r>
           </a:p>
           <a:p>
-            <a:pPr marL="628650" indent="-457200" algn="l">
-              <a:buFontTx/>
-              <a:buChar char="-"/>
+            <a:pPr marL="171450" marR="0" lvl="0" indent="-171450" algn="l" rtl="0">
+              <a:lnSpc>
+                <a:spcPct val="113000"/>
+              </a:lnSpc>
+              <a:spcAft>
+                <a:spcPts val="1200"/>
+              </a:spcAft>
+              <a:buClr>
+                <a:srgbClr val="57ED7D"/>
+              </a:buClr>
+              <a:buChar char="•"/>
+            </a:pPr>
+            <a:endParaRPr lang="en-GB" sz="1100" dirty="0">
+              <a:solidFill>
+                <a:srgbClr val="141414"/>
+              </a:solidFill>
+              <a:latin typeface="PT Sans" panose="020B0503020203020204" pitchFamily="34" charset="77"/>
+              <a:sym typeface="Montserrat SemiBold"/>
+            </a:endParaRPr>
+          </a:p>
+          <a:p>
+            <a:pPr marL="171450" marR="0" lvl="0" indent="-171450" algn="l" rtl="0">
+              <a:lnSpc>
+                <a:spcPct val="113000"/>
+              </a:lnSpc>
+              <a:spcAft>
+                <a:spcPts val="1200"/>
+              </a:spcAft>
+              <a:buClr>
+                <a:srgbClr val="57ED7D"/>
+              </a:buClr>
+              <a:buChar char="•"/>
             </a:pPr>
             <a:r>
-              <a:rPr lang="fr-FR" sz="1400" dirty="0"/>
-              <a:t>Changer l’ordre des champs (drag &amp; drop)</a:t>
+              <a:rPr lang="en-GB" sz="1100" dirty="0">
+                <a:solidFill>
+                  <a:srgbClr val="141414"/>
+                </a:solidFill>
+                <a:latin typeface="PT Sans" panose="020B0503020203020204" pitchFamily="34" charset="77"/>
+                <a:sym typeface="Montserrat SemiBold"/>
+              </a:rPr>
+              <a:t>Change field order.</a:t>
+            </a:r>
+          </a:p>
+        </p:txBody>
+      </p:sp>
+      <p:sp>
+        <p:nvSpPr>
+          <p:cNvPr id="9" name="Google Shape;10687;p460">
+            <a:extLst>
+              <a:ext uri="{FF2B5EF4-FFF2-40B4-BE49-F238E27FC236}">
+                <a16:creationId xmlns:a16="http://schemas.microsoft.com/office/drawing/2014/main" id="{3518EDCC-D04D-15B6-2DCA-A96B45622312}"/>
+              </a:ext>
+            </a:extLst>
+          </p:cNvPr>
+          <p:cNvSpPr txBox="1"/>
+          <p:nvPr/>
+        </p:nvSpPr>
+        <p:spPr>
+          <a:xfrm>
+            <a:off x="4952677" y="1719386"/>
+            <a:ext cx="3377100" cy="1725793"/>
+          </a:xfrm>
+          <a:prstGeom prst="rect">
+            <a:avLst/>
+          </a:prstGeom>
+          <a:noFill/>
+          <a:ln>
+            <a:noFill/>
+          </a:ln>
+        </p:spPr>
+        <p:txBody>
+          <a:bodyPr spcFirstLastPara="1" wrap="square" lIns="0" tIns="0" rIns="0" bIns="0" anchor="t" anchorCtr="0">
+            <a:spAutoFit/>
+          </a:bodyPr>
+          <a:lstStyle/>
+          <a:p>
+            <a:pPr marL="171450" lvl="0" indent="-171450">
+              <a:lnSpc>
+                <a:spcPct val="113000"/>
+              </a:lnSpc>
+              <a:spcAft>
+                <a:spcPts val="1200"/>
+              </a:spcAft>
+              <a:buClr>
+                <a:srgbClr val="57ED7D"/>
+              </a:buClr>
+              <a:buChar char="•"/>
+            </a:pPr>
+            <a:r>
+              <a:rPr lang="en-GB" sz="1100" dirty="0">
+                <a:solidFill>
+                  <a:srgbClr val="141414"/>
+                </a:solidFill>
+                <a:latin typeface="PT Sans" panose="020B0503020203020204" pitchFamily="34" charset="77"/>
+                <a:sym typeface="Montserrat SemiBold"/>
+              </a:rPr>
+              <a:t>Multilingual.</a:t>
             </a:r>
           </a:p>
           <a:p>
-            <a:pPr marL="628650" indent="-457200" algn="l">
-              <a:buFontTx/>
-              <a:buChar char="-"/>
+            <a:pPr marL="171450" lvl="0" indent="-171450">
+              <a:lnSpc>
+                <a:spcPct val="113000"/>
+              </a:lnSpc>
+              <a:spcAft>
+                <a:spcPts val="1200"/>
+              </a:spcAft>
+              <a:buClr>
+                <a:srgbClr val="57ED7D"/>
+              </a:buClr>
+              <a:buChar char="•"/>
+            </a:pPr>
+            <a:endParaRPr lang="en-GB" sz="1100" dirty="0">
+              <a:solidFill>
+                <a:srgbClr val="141414"/>
+              </a:solidFill>
+              <a:latin typeface="PT Sans" panose="020B0503020203020204" pitchFamily="34" charset="77"/>
+              <a:sym typeface="Montserrat SemiBold"/>
+            </a:endParaRPr>
+          </a:p>
+          <a:p>
+            <a:pPr marL="171450" lvl="0" indent="-171450">
+              <a:lnSpc>
+                <a:spcPct val="113000"/>
+              </a:lnSpc>
+              <a:spcAft>
+                <a:spcPts val="1200"/>
+              </a:spcAft>
+              <a:buClr>
+                <a:srgbClr val="57ED7D"/>
+              </a:buClr>
+              <a:buChar char="•"/>
             </a:pPr>
             <a:r>
-              <a:rPr lang="fr-FR" sz="1400" dirty="0"/>
-              <a:t>Internationalisation</a:t>
+              <a:rPr lang="en-GB" sz="1100" dirty="0">
+                <a:solidFill>
+                  <a:srgbClr val="141414"/>
+                </a:solidFill>
+                <a:latin typeface="PT Sans" panose="020B0503020203020204" pitchFamily="34" charset="77"/>
+                <a:sym typeface="Montserrat SemiBold"/>
+              </a:rPr>
+              <a:t>More fields.</a:t>
             </a:r>
           </a:p>
           <a:p>
-            <a:pPr marL="628650" indent="-457200" algn="l">
-              <a:buFontTx/>
-              <a:buChar char="-"/>
+            <a:pPr marL="171450" lvl="0" indent="-171450">
+              <a:lnSpc>
+                <a:spcPct val="113000"/>
+              </a:lnSpc>
+              <a:spcAft>
+                <a:spcPts val="1200"/>
+              </a:spcAft>
+              <a:buClr>
+                <a:srgbClr val="57ED7D"/>
+              </a:buClr>
+              <a:buChar char="•"/>
+            </a:pPr>
+            <a:endParaRPr lang="en-GB" sz="1100" dirty="0">
+              <a:solidFill>
+                <a:srgbClr val="141414"/>
+              </a:solidFill>
+              <a:latin typeface="PT Sans" panose="020B0503020203020204" pitchFamily="34" charset="77"/>
+              <a:sym typeface="Montserrat SemiBold"/>
+            </a:endParaRPr>
+          </a:p>
+          <a:p>
+            <a:pPr marL="171450" lvl="0" indent="-171450">
+              <a:lnSpc>
+                <a:spcPct val="113000"/>
+              </a:lnSpc>
+              <a:spcAft>
+                <a:spcPts val="1200"/>
+              </a:spcAft>
+              <a:buClr>
+                <a:srgbClr val="57ED7D"/>
+              </a:buClr>
+              <a:buChar char="•"/>
             </a:pPr>
             <a:r>
-              <a:rPr lang="fr-FR" sz="1400" dirty="0"/>
-              <a:t>Plus de typologies de champs (date, </a:t>
+              <a:rPr lang="en-GB" sz="1100" dirty="0">
+                <a:solidFill>
+                  <a:srgbClr val="141414"/>
+                </a:solidFill>
+                <a:latin typeface="PT Sans" panose="020B0503020203020204" pitchFamily="34" charset="77"/>
+                <a:sym typeface="Montserrat SemiBold"/>
+              </a:rPr>
+              <a:t>Multi-tenant mode.</a:t>
             </a:r>
-            <a:r>
-              <a:rPr lang="fr-FR" sz="1400" dirty="0" err="1"/>
-              <a:t>etc</a:t>
-            </a:r>
-            <a:r>
-              <a:rPr lang="fr-FR" sz="1400" dirty="0"/>
-              <a:t>)</a:t>
-            </a:r>
-          </a:p>
-          <a:p>
-            <a:pPr marL="628650" indent="-457200" algn="l">
-              <a:buFontTx/>
-              <a:buChar char="-"/>
-            </a:pPr>
-            <a:r>
-              <a:rPr lang="fr-FR" sz="1400" dirty="0"/>
-              <a:t>Mode multi-tenant.</a:t>
-            </a:r>
-          </a:p>
-          <a:p>
-            <a:pPr marL="628650" indent="-457200" algn="l">
-              <a:buFontTx/>
-              <a:buChar char="-"/>
-            </a:pPr>
-            <a:endParaRPr lang="fr-FR" sz="1400" dirty="0"/>
-          </a:p>
-          <a:p>
-            <a:pPr marL="628650" indent="-457200" algn="l">
-              <a:buFontTx/>
-              <a:buChar char="-"/>
-            </a:pPr>
-            <a:endParaRPr lang="fr-FR" sz="1400" dirty="0"/>
-          </a:p>
-          <a:p>
-            <a:pPr marL="628650" indent="-457200" algn="l">
-              <a:buFontTx/>
-              <a:buChar char="-"/>
-            </a:pPr>
-            <a:endParaRPr lang="fr-FR" sz="1400" dirty="0"/>
-          </a:p>
-          <a:p>
-            <a:pPr marL="628650" indent="-457200" algn="l">
-              <a:buFontTx/>
-              <a:buChar char="-"/>
-            </a:pPr>
-            <a:endParaRPr lang="fr-FR" sz="1400" dirty="0"/>
           </a:p>
         </p:txBody>
       </p:sp>
     </p:spTree>
-    <p:extLst>
-      <p:ext uri="{BB962C8B-B14F-4D97-AF65-F5344CB8AC3E}">
-        <p14:creationId xmlns:p14="http://schemas.microsoft.com/office/powerpoint/2010/main" val="2905989407"/>
-      </p:ext>
-    </p:extLst>
   </p:cSld>
   <p:clrMapOvr>
     <a:masterClrMapping/>
@@ -19303,7 +21977,7 @@
 </p:sld>
 </file>
 
-<file path=ppt/slides/slide12.xml><?xml version="1.0" encoding="utf-8"?>
+<file path=ppt/slides/slide15.xml><?xml version="1.0" encoding="utf-8"?>
 <p:sld xmlns:a="http://schemas.openxmlformats.org/drawingml/2006/main" xmlns:r="http://schemas.openxmlformats.org/officeDocument/2006/relationships" xmlns:p="http://schemas.openxmlformats.org/presentationml/2006/main">
   <p:cSld>
     <p:spTree>
@@ -19440,25 +22114,25 @@
                 </a:solidFill>
                 <a:latin typeface="Montserrat SemiBold" pitchFamily="2" charset="77"/>
               </a:rPr>
-              <a:t> </a:t>
+              <a:t> time</a:t>
+            </a:r>
+            <a:r>
+              <a:rPr lang="fr-FR" sz="2500" b="1" spc="100" dirty="0">
+                <a:solidFill>
+                  <a:srgbClr val="FFFFFF"/>
+                </a:solidFill>
+                <a:latin typeface="+mn-lt"/>
+              </a:rPr>
+              <a:t>! </a:t>
             </a:r>
             <a:r>
               <a:rPr lang="fr-FR" sz="2500" b="1" spc="100">
                 <a:solidFill>
                   <a:srgbClr val="FFFFFF"/>
                 </a:solidFill>
-                <a:latin typeface="Montserrat SemiBold" pitchFamily="2" charset="77"/>
-              </a:rPr>
-              <a:t>time</a:t>
-            </a:r>
-            <a:r>
-              <a:rPr lang="fr-FR" sz="2500" b="1" spc="100">
-                <a:solidFill>
-                  <a:srgbClr val="FFFFFF"/>
-                </a:solidFill>
                 <a:latin typeface="+mn-lt"/>
               </a:rPr>
-              <a:t>!</a:t>
+              <a:t>🚀</a:t>
             </a:r>
             <a:endParaRPr sz="2200" dirty="0">
               <a:solidFill>
@@ -19482,7 +22156,7 @@
 </p:sld>
 </file>
 
-<file path=ppt/slides/slide13.xml><?xml version="1.0" encoding="utf-8"?>
+<file path=ppt/slides/slide16.xml><?xml version="1.0" encoding="utf-8"?>
 <p:sld xmlns:a="http://schemas.openxmlformats.org/drawingml/2006/main" xmlns:r="http://schemas.openxmlformats.org/officeDocument/2006/relationships" xmlns:p="http://schemas.openxmlformats.org/presentationml/2006/main">
   <p:cSld>
     <p:spTree>
@@ -19634,7 +22308,7 @@
 </p:sld>
 </file>
 
-<file path=ppt/slides/slide14.xml><?xml version="1.0" encoding="utf-8"?>
+<file path=ppt/slides/slide17.xml><?xml version="1.0" encoding="utf-8"?>
 <p:sld xmlns:a="http://schemas.openxmlformats.org/drawingml/2006/main" xmlns:r="http://schemas.openxmlformats.org/officeDocument/2006/relationships" xmlns:p="http://schemas.openxmlformats.org/presentationml/2006/main">
   <p:cSld>
     <p:spTree>
@@ -20058,8 +22732,8 @@
         </p:nvSpPr>
         <p:spPr>
           <a:xfrm>
-            <a:off x="3845130" y="3143115"/>
-            <a:ext cx="1453737" cy="331778"/>
+            <a:off x="3649264" y="3172967"/>
+            <a:ext cx="1860101" cy="331778"/>
           </a:xfrm>
           <a:prstGeom prst="roundRect">
             <a:avLst>
@@ -20079,23 +22753,10 @@
           </a:bodyPr>
           <a:lstStyle/>
           <a:p>
-            <a:pPr marL="0" marR="0" lvl="0" indent="0" algn="ctr" defTabSz="914400" rtl="0" eaLnBrk="1" fontAlgn="auto" latinLnBrk="0" hangingPunct="1">
+            <a:pPr lvl="0" algn="ctr">
               <a:lnSpc>
                 <a:spcPct val="110000"/>
               </a:lnSpc>
-              <a:spcBef>
-                <a:spcPts val="0"/>
-              </a:spcBef>
-              <a:spcAft>
-                <a:spcPts val="0"/>
-              </a:spcAft>
-              <a:buClr>
-                <a:srgbClr val="000000"/>
-              </a:buClr>
-              <a:buSzTx/>
-              <a:buFont typeface="Arial"/>
-              <a:buNone/>
-              <a:tabLst/>
               <a:defRPr/>
             </a:pPr>
             <a:r>
@@ -20113,24 +22774,17 @@
                 <a:cs typeface="Arial"/>
                 <a:sym typeface="Montserrat"/>
               </a:rPr>
-              <a:t>🫡 </a:t>
+              <a:t>Garder les instants qu'on </a:t>
             </a:r>
             <a:r>
-              <a:rPr kumimoji="0" lang="fr-FR" sz="1000" b="1" i="0" u="none" strike="noStrike" kern="0" cap="none" spc="0" normalizeH="0" baseline="0" noProof="0" dirty="0" err="1">
-                <a:ln>
-                  <a:noFill/>
-                </a:ln>
+              <a:rPr lang="fr-FR" sz="1000" b="1" dirty="0">
                 <a:solidFill>
                   <a:srgbClr val="FFFFFF"/>
                 </a:solidFill>
-                <a:effectLst/>
-                <a:uLnTx/>
-                <a:uFillTx/>
                 <a:latin typeface="Montserrat SemiBold"/>
-                <a:cs typeface="Arial"/>
                 <a:sym typeface="Montserrat"/>
               </a:rPr>
-              <a:t>Hackaton</a:t>
+              <a:t>a codés 🫡 </a:t>
             </a:r>
             <a:endParaRPr kumimoji="0" lang="en-US" sz="1400" b="0" i="0" u="none" strike="noStrike" kern="0" cap="none" spc="0" normalizeH="0" baseline="0" noProof="0" dirty="0">
               <a:ln>
@@ -20174,7 +22828,7 @@
 </p:sld>
 </file>
 
-<file path=ppt/slides/slide15.xml><?xml version="1.0" encoding="utf-8"?>
+<file path=ppt/slides/slide18.xml><?xml version="1.0" encoding="utf-8"?>
 <p:sld xmlns:a="http://schemas.openxmlformats.org/drawingml/2006/main" xmlns:r="http://schemas.openxmlformats.org/officeDocument/2006/relationships" xmlns:p="http://schemas.openxmlformats.org/presentationml/2006/main" show="0">
   <p:cSld>
     <p:spTree>
@@ -21770,7 +24424,7 @@
 </p:sld>
 </file>
 
-<file path=ppt/slides/slide16.xml><?xml version="1.0" encoding="utf-8"?>
+<file path=ppt/slides/slide19.xml><?xml version="1.0" encoding="utf-8"?>
 <p:sld xmlns:a="http://schemas.openxmlformats.org/drawingml/2006/main" xmlns:r="http://schemas.openxmlformats.org/officeDocument/2006/relationships" xmlns:p="http://schemas.openxmlformats.org/presentationml/2006/main" show="0">
   <p:cSld>
     <p:spTree>
@@ -23436,7 +26090,7 @@
         </p:nvGrpSpPr>
         <p:grpSpPr>
           <a:xfrm>
-            <a:off x="792035" y="1861607"/>
+            <a:off x="755082" y="2284707"/>
             <a:ext cx="7633836" cy="1802524"/>
             <a:chOff x="1077516" y="1397800"/>
             <a:chExt cx="7633836" cy="1802524"/>
@@ -24172,6 +26826,80 @@
               <a:latin typeface="Montserrat" pitchFamily="2" charset="77"/>
               <a:ea typeface="+mn-lt"/>
               <a:cs typeface="+mn-lt"/>
+            </a:endParaRPr>
+          </a:p>
+        </p:txBody>
+      </p:sp>
+      <p:sp>
+        <p:nvSpPr>
+          <p:cNvPr id="4" name="Google Shape;10687;p460">
+            <a:extLst>
+              <a:ext uri="{FF2B5EF4-FFF2-40B4-BE49-F238E27FC236}">
+                <a16:creationId xmlns:a16="http://schemas.microsoft.com/office/drawing/2014/main" id="{5F318823-CC15-7363-D20D-B25766D4F544}"/>
+              </a:ext>
+            </a:extLst>
+          </p:cNvPr>
+          <p:cNvSpPr txBox="1"/>
+          <p:nvPr/>
+        </p:nvSpPr>
+        <p:spPr>
+          <a:xfrm>
+            <a:off x="662613" y="1427204"/>
+            <a:ext cx="7361714" cy="613373"/>
+          </a:xfrm>
+          <a:prstGeom prst="rect">
+            <a:avLst/>
+          </a:prstGeom>
+          <a:noFill/>
+          <a:ln>
+            <a:noFill/>
+          </a:ln>
+        </p:spPr>
+        <p:txBody>
+          <a:bodyPr spcFirstLastPara="1" wrap="square" lIns="0" tIns="0" rIns="0" bIns="0" anchor="t" anchorCtr="0">
+            <a:spAutoFit/>
+          </a:bodyPr>
+          <a:lstStyle/>
+          <a:p>
+            <a:pPr marL="171450" indent="-171450">
+              <a:lnSpc>
+                <a:spcPct val="113000"/>
+              </a:lnSpc>
+              <a:spcAft>
+                <a:spcPts val="1800"/>
+              </a:spcAft>
+              <a:buClr>
+                <a:srgbClr val="57ED7D"/>
+              </a:buClr>
+              <a:buFontTx/>
+              <a:buChar char="•"/>
+            </a:pPr>
+            <a:r>
+              <a:rPr lang="en-US" sz="1100" b="1" i="1" dirty="0">
+                <a:solidFill>
+                  <a:srgbClr val="141414"/>
+                </a:solidFill>
+                <a:latin typeface="PT Sans" panose="020B0503020203020204" pitchFamily="34" charset="77"/>
+                <a:sym typeface="Montserrat SemiBold"/>
+              </a:rPr>
+              <a:t>Challenge: </a:t>
+            </a:r>
+            <a:r>
+              <a:rPr lang="en-US" sz="1100" i="1" dirty="0">
+                <a:solidFill>
+                  <a:srgbClr val="141414"/>
+                </a:solidFill>
+                <a:latin typeface="PT Sans" panose="020B0503020203020204" pitchFamily="34" charset="77"/>
+                <a:sym typeface="Montserrat SemiBold"/>
+              </a:rPr>
+              <a:t>Build a dynamic form interface that guarantees mandatory fields are always present and visible, while giving clients flexibility to add optional fields. The form will appear before the payment page.</a:t>
+            </a:r>
+            <a:endParaRPr lang="en-GB" sz="1100" i="1" dirty="0">
+              <a:solidFill>
+                <a:srgbClr val="141414"/>
+              </a:solidFill>
+              <a:latin typeface="PT Sans" panose="020B0503020203020204" pitchFamily="34" charset="77"/>
+              <a:sym typeface="Montserrat SemiBold"/>
             </a:endParaRPr>
           </a:p>
         </p:txBody>
@@ -27698,56 +30426,6 @@
 </file>
 
 <file path=customXml/item1.xml><?xml version="1.0" encoding="utf-8"?>
-<?mso-contentType ?>
-<spe:Receivers xmlns:spe="http://schemas.microsoft.com/sharepoint/events">
-  <Receiver>
-    <Name>Document ID Generator</Name>
-    <Synchronization>Synchronous</Synchronization>
-    <Type>10001</Type>
-    <SequenceNumber>1000</SequenceNumber>
-    <Url/>
-    <Assembly>Microsoft.Office.DocumentManagement, Version=16.0.0.0, Culture=neutral, PublicKeyToken=71e9bce111e9429c</Assembly>
-    <Class>Microsoft.Office.DocumentManagement.Internal.DocIdHandler</Class>
-    <Data/>
-    <Filter/>
-  </Receiver>
-  <Receiver>
-    <Name>Document ID Generator</Name>
-    <Synchronization>Synchronous</Synchronization>
-    <Type>10002</Type>
-    <SequenceNumber>1001</SequenceNumber>
-    <Url/>
-    <Assembly>Microsoft.Office.DocumentManagement, Version=16.0.0.0, Culture=neutral, PublicKeyToken=71e9bce111e9429c</Assembly>
-    <Class>Microsoft.Office.DocumentManagement.Internal.DocIdHandler</Class>
-    <Data/>
-    <Filter/>
-  </Receiver>
-  <Receiver>
-    <Name>Document ID Generator</Name>
-    <Synchronization>Synchronous</Synchronization>
-    <Type>10004</Type>
-    <SequenceNumber>1002</SequenceNumber>
-    <Url/>
-    <Assembly>Microsoft.Office.DocumentManagement, Version=16.0.0.0, Culture=neutral, PublicKeyToken=71e9bce111e9429c</Assembly>
-    <Class>Microsoft.Office.DocumentManagement.Internal.DocIdHandler</Class>
-    <Data/>
-    <Filter/>
-  </Receiver>
-  <Receiver>
-    <Name>Document ID Generator</Name>
-    <Synchronization>Synchronous</Synchronization>
-    <Type>10006</Type>
-    <SequenceNumber>1003</SequenceNumber>
-    <Url/>
-    <Assembly>Microsoft.Office.DocumentManagement, Version=16.0.0.0, Culture=neutral, PublicKeyToken=71e9bce111e9429c</Assembly>
-    <Class>Microsoft.Office.DocumentManagement.Internal.DocIdHandler</Class>
-    <Data/>
-    <Filter/>
-  </Receiver>
-</spe:Receivers>
-</file>
-
-<file path=customXml/item2.xml><?xml version="1.0" encoding="utf-8"?>
 <ct:contentTypeSchema xmlns:ct="http://schemas.microsoft.com/office/2006/metadata/contentType" xmlns:ma="http://schemas.microsoft.com/office/2006/metadata/properties/metaAttributes" ct:_="" ma:_="" ma:contentTypeName="Document" ma:contentTypeID="0x010100900BC6DA36BCEE48821D621E06774D6D" ma:contentTypeVersion="23" ma:contentTypeDescription="Create a new document." ma:contentTypeScope="" ma:versionID="91cf5b23da50f370ef80e3dc61a085d3">
   <xsd:schema xmlns:xsd="http://www.w3.org/2001/XMLSchema" xmlns:xs="http://www.w3.org/2001/XMLSchema" xmlns:p="http://schemas.microsoft.com/office/2006/metadata/properties" xmlns:ns2="9ff67797-491a-4d9c-96b4-e401ee03281b" xmlns:ns3="35483f9e-3036-4d6a-b818-dca940c940ae" targetNamespace="http://schemas.microsoft.com/office/2006/metadata/properties" ma:root="true" ma:fieldsID="17598cb3e4da99fc6fdc973dca4bf4b3" ns2:_="" ns3:_="">
     <xsd:import namespace="9ff67797-491a-4d9c-96b4-e401ee03281b"/>
@@ -28031,13 +30709,63 @@
 </ct:contentTypeSchema>
 </file>
 
-<file path=customXml/item3.xml><?xml version="1.0" encoding="utf-8"?>
+<file path=customXml/item2.xml><?xml version="1.0" encoding="utf-8"?>
 <?mso-contentType ?>
 <FormTemplates xmlns="http://schemas.microsoft.com/sharepoint/v3/contenttype/forms">
   <Display>DocumentLibraryForm</Display>
   <Edit>DocumentLibraryForm</Edit>
   <New>DocumentLibraryForm</New>
 </FormTemplates>
+</file>
+
+<file path=customXml/item3.xml><?xml version="1.0" encoding="utf-8"?>
+<?mso-contentType ?>
+<spe:Receivers xmlns:spe="http://schemas.microsoft.com/sharepoint/events">
+  <Receiver>
+    <Name>Document ID Generator</Name>
+    <Synchronization>Synchronous</Synchronization>
+    <Type>10001</Type>
+    <SequenceNumber>1000</SequenceNumber>
+    <Url/>
+    <Assembly>Microsoft.Office.DocumentManagement, Version=16.0.0.0, Culture=neutral, PublicKeyToken=71e9bce111e9429c</Assembly>
+    <Class>Microsoft.Office.DocumentManagement.Internal.DocIdHandler</Class>
+    <Data/>
+    <Filter/>
+  </Receiver>
+  <Receiver>
+    <Name>Document ID Generator</Name>
+    <Synchronization>Synchronous</Synchronization>
+    <Type>10002</Type>
+    <SequenceNumber>1001</SequenceNumber>
+    <Url/>
+    <Assembly>Microsoft.Office.DocumentManagement, Version=16.0.0.0, Culture=neutral, PublicKeyToken=71e9bce111e9429c</Assembly>
+    <Class>Microsoft.Office.DocumentManagement.Internal.DocIdHandler</Class>
+    <Data/>
+    <Filter/>
+  </Receiver>
+  <Receiver>
+    <Name>Document ID Generator</Name>
+    <Synchronization>Synchronous</Synchronization>
+    <Type>10004</Type>
+    <SequenceNumber>1002</SequenceNumber>
+    <Url/>
+    <Assembly>Microsoft.Office.DocumentManagement, Version=16.0.0.0, Culture=neutral, PublicKeyToken=71e9bce111e9429c</Assembly>
+    <Class>Microsoft.Office.DocumentManagement.Internal.DocIdHandler</Class>
+    <Data/>
+    <Filter/>
+  </Receiver>
+  <Receiver>
+    <Name>Document ID Generator</Name>
+    <Synchronization>Synchronous</Synchronization>
+    <Type>10006</Type>
+    <SequenceNumber>1003</SequenceNumber>
+    <Url/>
+    <Assembly>Microsoft.Office.DocumentManagement, Version=16.0.0.0, Culture=neutral, PublicKeyToken=71e9bce111e9429c</Assembly>
+    <Class>Microsoft.Office.DocumentManagement.Internal.DocIdHandler</Class>
+    <Data/>
+    <Filter/>
+  </Receiver>
+</spe:Receivers>
 </file>
 
 <file path=customXml/item4.xml><?xml version="1.0" encoding="utf-8"?>
@@ -28060,14 +30788,6 @@
 </file>
 
 <file path=customXml/itemProps1.xml><?xml version="1.0" encoding="utf-8"?>
-<ds:datastoreItem xmlns:ds="http://schemas.openxmlformats.org/officeDocument/2006/customXml" ds:itemID="{D3739174-04EA-4D3F-8E51-6C7DFB07A986}">
-  <ds:schemaRefs>
-    <ds:schemaRef ds:uri="http://schemas.microsoft.com/sharepoint/events"/>
-  </ds:schemaRefs>
-</ds:datastoreItem>
-</file>
-
-<file path=customXml/itemProps2.xml><?xml version="1.0" encoding="utf-8"?>
 <ds:datastoreItem xmlns:ds="http://schemas.openxmlformats.org/officeDocument/2006/customXml" ds:itemID="{5CB85D42-CFE1-4DD1-8DA9-A10A03192A33}">
   <ds:schemaRefs>
     <ds:schemaRef ds:uri="http://schemas.microsoft.com/office/2006/metadata/contentType"/>
@@ -28086,10 +30806,18 @@
 </ds:datastoreItem>
 </file>
 
-<file path=customXml/itemProps3.xml><?xml version="1.0" encoding="utf-8"?>
+<file path=customXml/itemProps2.xml><?xml version="1.0" encoding="utf-8"?>
 <ds:datastoreItem xmlns:ds="http://schemas.openxmlformats.org/officeDocument/2006/customXml" ds:itemID="{804521FC-0E2D-47AB-AAC2-AFB1A8B81B29}">
   <ds:schemaRefs>
     <ds:schemaRef ds:uri="http://schemas.microsoft.com/sharepoint/v3/contenttype/forms"/>
+  </ds:schemaRefs>
+</ds:datastoreItem>
+</file>
+
+<file path=customXml/itemProps3.xml><?xml version="1.0" encoding="utf-8"?>
+<ds:datastoreItem xmlns:ds="http://schemas.openxmlformats.org/officeDocument/2006/customXml" ds:itemID="{D3739174-04EA-4D3F-8E51-6C7DFB07A986}">
+  <ds:schemaRefs>
+    <ds:schemaRef ds:uri="http://schemas.microsoft.com/sharepoint/events"/>
   </ds:schemaRefs>
 </ds:datastoreItem>
 </file>

--- a/docs/Dynamic Forms by 2B3.pptx
+++ b/docs/Dynamic Forms by 2B3.pptx
@@ -7,10 +7,10 @@
     <p:sldMasterId id="2147483689" r:id="rId7"/>
   </p:sldMasterIdLst>
   <p:notesMasterIdLst>
-    <p:notesMasterId r:id="rId27"/>
+    <p:notesMasterId r:id="rId23"/>
   </p:notesMasterIdLst>
   <p:handoutMasterIdLst>
-    <p:handoutMasterId r:id="rId28"/>
+    <p:handoutMasterId r:id="rId24"/>
   </p:handoutMasterIdLst>
   <p:sldIdLst>
     <p:sldId id="291" r:id="rId8"/>
@@ -21,83 +21,79 @@
     <p:sldId id="2147483556" r:id="rId13"/>
     <p:sldId id="2147483550" r:id="rId14"/>
     <p:sldId id="2147483555" r:id="rId15"/>
-    <p:sldId id="2147483559" r:id="rId16"/>
-    <p:sldId id="2147483560" r:id="rId17"/>
-    <p:sldId id="2147483564" r:id="rId18"/>
-    <p:sldId id="2147483563" r:id="rId19"/>
-    <p:sldId id="2147483565" r:id="rId20"/>
-    <p:sldId id="280" r:id="rId21"/>
-    <p:sldId id="2147483549" r:id="rId22"/>
-    <p:sldId id="2147483548" r:id="rId23"/>
-    <p:sldId id="2147483544" r:id="rId24"/>
-    <p:sldId id="297" r:id="rId25"/>
-    <p:sldId id="298" r:id="rId26"/>
+    <p:sldId id="2147483560" r:id="rId16"/>
+    <p:sldId id="2147483564" r:id="rId17"/>
+    <p:sldId id="2147483565" r:id="rId18"/>
+    <p:sldId id="280" r:id="rId19"/>
+    <p:sldId id="2147483549" r:id="rId20"/>
+    <p:sldId id="2147483548" r:id="rId21"/>
+    <p:sldId id="2147483544" r:id="rId22"/>
   </p:sldIdLst>
   <p:sldSz cx="9144000" cy="5143500" type="screen16x9"/>
   <p:notesSz cx="6858000" cy="9144000"/>
   <p:embeddedFontLst>
     <p:embeddedFont>
       <p:font typeface="Aptos Light" panose="020B0004020202020204" pitchFamily="34" charset="0"/>
-      <p:regular r:id="rId29"/>
-      <p:italic r:id="rId30"/>
+      <p:regular r:id="rId25"/>
+      <p:italic r:id="rId26"/>
     </p:embeddedFont>
     <p:embeddedFont>
       <p:font typeface="Montserrat" panose="00000500000000000000" pitchFamily="2" charset="0"/>
-      <p:regular r:id="rId31"/>
-      <p:bold r:id="rId32"/>
-      <p:italic r:id="rId33"/>
-      <p:boldItalic r:id="rId34"/>
+      <p:regular r:id="rId27"/>
+      <p:bold r:id="rId28"/>
+      <p:italic r:id="rId29"/>
+      <p:boldItalic r:id="rId30"/>
     </p:embeddedFont>
     <p:embeddedFont>
       <p:font typeface="Montserrat Medium" panose="00000600000000000000" pitchFamily="2" charset="0"/>
-      <p:regular r:id="rId35"/>
-      <p:italic r:id="rId36"/>
+      <p:regular r:id="rId31"/>
+      <p:italic r:id="rId32"/>
     </p:embeddedFont>
     <p:embeddedFont>
       <p:font typeface="Montserrat SemiBold" panose="00000700000000000000" pitchFamily="2" charset="0"/>
+      <p:regular r:id="rId33"/>
+      <p:bold r:id="rId34"/>
+      <p:italic r:id="rId35"/>
+      <p:boldItalic r:id="rId36"/>
+    </p:embeddedFont>
+    <p:embeddedFont>
+      <p:font typeface="Poppins" panose="00000500000000000000" pitchFamily="2" charset="0"/>
       <p:regular r:id="rId37"/>
       <p:bold r:id="rId38"/>
       <p:italic r:id="rId39"/>
       <p:boldItalic r:id="rId40"/>
     </p:embeddedFont>
     <p:embeddedFont>
-      <p:font typeface="Poppins" panose="00000500000000000000" pitchFamily="2" charset="0"/>
+      <p:font typeface="Poppins SemiBold" panose="00000700000000000000" pitchFamily="2" charset="0"/>
       <p:regular r:id="rId41"/>
       <p:bold r:id="rId42"/>
-      <p:italic r:id="rId43"/>
-      <p:boldItalic r:id="rId44"/>
+      <p:boldItalic r:id="rId43"/>
     </p:embeddedFont>
     <p:embeddedFont>
-      <p:font typeface="Poppins SemiBold" panose="00000700000000000000" pitchFamily="2" charset="0"/>
-      <p:regular r:id="rId45"/>
-      <p:bold r:id="rId46"/>
+      <p:font typeface="PT Sans" panose="020B0503020203020204" pitchFamily="34" charset="0"/>
+      <p:regular r:id="rId44"/>
+      <p:bold r:id="rId45"/>
+      <p:italic r:id="rId46"/>
       <p:boldItalic r:id="rId47"/>
     </p:embeddedFont>
     <p:embeddedFont>
-      <p:font typeface="PT Sans" panose="020B0503020203020204" pitchFamily="34" charset="0"/>
+      <p:font typeface="Quattrocento Sans" panose="020B0502050000020003" pitchFamily="34" charset="0"/>
       <p:regular r:id="rId48"/>
       <p:bold r:id="rId49"/>
       <p:italic r:id="rId50"/>
       <p:boldItalic r:id="rId51"/>
     </p:embeddedFont>
     <p:embeddedFont>
-      <p:font typeface="Quattrocento Sans" panose="020B0502050000020003" pitchFamily="34" charset="0"/>
+      <p:font typeface="Tahoma" panose="020B0604030504040204" pitchFamily="34" charset="0"/>
       <p:regular r:id="rId52"/>
       <p:bold r:id="rId53"/>
-      <p:italic r:id="rId54"/>
-      <p:boldItalic r:id="rId55"/>
-    </p:embeddedFont>
-    <p:embeddedFont>
-      <p:font typeface="Tahoma" panose="020B0604030504040204" pitchFamily="34" charset="0"/>
-      <p:regular r:id="rId56"/>
-      <p:bold r:id="rId57"/>
     </p:embeddedFont>
     <p:embeddedFont>
       <p:font typeface="Verdana" panose="020B0604030504040204" pitchFamily="34" charset="0"/>
-      <p:regular r:id="rId58"/>
-      <p:bold r:id="rId59"/>
-      <p:italic r:id="rId60"/>
-      <p:boldItalic r:id="rId61"/>
+      <p:regular r:id="rId54"/>
+      <p:bold r:id="rId55"/>
+      <p:italic r:id="rId56"/>
+      <p:boldItalic r:id="rId57"/>
     </p:embeddedFont>
   </p:embeddedFontLst>
   <p:defaultTextStyle>
@@ -381,6 +377,804 @@
 <file path=ppt/changesInfos/changesInfo1.xml><?xml version="1.0" encoding="utf-8"?>
 <pc:chgInfo xmlns:a="http://schemas.openxmlformats.org/drawingml/2006/main" xmlns:r="http://schemas.openxmlformats.org/officeDocument/2006/relationships" xmlns:ac="http://schemas.microsoft.com/office/drawing/2013/main/command" xmlns:pc="http://schemas.microsoft.com/office/powerpoint/2013/main/command">
   <pc:docChgLst>
+    <pc:chgData name="Matthieu BRIEND" userId="S::mbriend@lemonway.com::f43b7032-540d-4661-9645-e17125bf3d76" providerId="AD" clId="Web-{F930BDFE-BCF0-0160-1E04-9F852A197BC3}"/>
+    <pc:docChg chg="modSld">
+      <pc:chgData name="Matthieu BRIEND" userId="S::mbriend@lemonway.com::f43b7032-540d-4661-9645-e17125bf3d76" providerId="AD" clId="Web-{F930BDFE-BCF0-0160-1E04-9F852A197BC3}" dt="2025-01-27T14:11:15.531" v="1" actId="1076"/>
+      <pc:docMkLst>
+        <pc:docMk/>
+      </pc:docMkLst>
+      <pc:sldChg chg="modSp">
+        <pc:chgData name="Matthieu BRIEND" userId="S::mbriend@lemonway.com::f43b7032-540d-4661-9645-e17125bf3d76" providerId="AD" clId="Web-{F930BDFE-BCF0-0160-1E04-9F852A197BC3}" dt="2025-01-27T14:11:15.531" v="1" actId="1076"/>
+        <pc:sldMkLst>
+          <pc:docMk/>
+          <pc:sldMk cId="1096040518" sldId="2147483487"/>
+        </pc:sldMkLst>
+      </pc:sldChg>
+    </pc:docChg>
+  </pc:docChgLst>
+  <pc:docChgLst>
+    <pc:chgData name="Alexane BAUDRON" userId="c4e72a19-1b71-4ae0-b940-702fdd1a721d" providerId="ADAL" clId="{08F0C1F7-0D3F-AD47-8214-16B984571863}"/>
+    <pc:docChg chg="delSld delMainMaster">
+      <pc:chgData name="Alexane BAUDRON" userId="c4e72a19-1b71-4ae0-b940-702fdd1a721d" providerId="ADAL" clId="{08F0C1F7-0D3F-AD47-8214-16B984571863}" dt="2025-06-30T07:55:04.772" v="44" actId="2696"/>
+      <pc:docMkLst>
+        <pc:docMk/>
+      </pc:docMkLst>
+      <pc:sldChg chg="del">
+        <pc:chgData name="Alexane BAUDRON" userId="c4e72a19-1b71-4ae0-b940-702fdd1a721d" providerId="ADAL" clId="{08F0C1F7-0D3F-AD47-8214-16B984571863}" dt="2025-06-30T07:54:49.266" v="14" actId="2696"/>
+        <pc:sldMkLst>
+          <pc:docMk/>
+          <pc:sldMk cId="1836365198" sldId="2147483335"/>
+        </pc:sldMkLst>
+      </pc:sldChg>
+      <pc:sldChg chg="del">
+        <pc:chgData name="Alexane BAUDRON" userId="c4e72a19-1b71-4ae0-b940-702fdd1a721d" providerId="ADAL" clId="{08F0C1F7-0D3F-AD47-8214-16B984571863}" dt="2025-06-30T07:54:49.163" v="8" actId="2696"/>
+        <pc:sldMkLst>
+          <pc:docMk/>
+          <pc:sldMk cId="1425089493" sldId="2147483520"/>
+        </pc:sldMkLst>
+      </pc:sldChg>
+      <pc:sldChg chg="del">
+        <pc:chgData name="Alexane BAUDRON" userId="c4e72a19-1b71-4ae0-b940-702fdd1a721d" providerId="ADAL" clId="{08F0C1F7-0D3F-AD47-8214-16B984571863}" dt="2025-06-30T07:54:49.174" v="10" actId="2696"/>
+        <pc:sldMkLst>
+          <pc:docMk/>
+          <pc:sldMk cId="2312050107" sldId="2147483522"/>
+        </pc:sldMkLst>
+      </pc:sldChg>
+      <pc:sldChg chg="del">
+        <pc:chgData name="Alexane BAUDRON" userId="c4e72a19-1b71-4ae0-b940-702fdd1a721d" providerId="ADAL" clId="{08F0C1F7-0D3F-AD47-8214-16B984571863}" dt="2025-06-30T07:54:49.169" v="9" actId="2696"/>
+        <pc:sldMkLst>
+          <pc:docMk/>
+          <pc:sldMk cId="2474122460" sldId="2147483523"/>
+        </pc:sldMkLst>
+      </pc:sldChg>
+      <pc:sldChg chg="del">
+        <pc:chgData name="Alexane BAUDRON" userId="c4e72a19-1b71-4ae0-b940-702fdd1a721d" providerId="ADAL" clId="{08F0C1F7-0D3F-AD47-8214-16B984571863}" dt="2025-06-30T07:54:45.531" v="0" actId="2696"/>
+        <pc:sldMkLst>
+          <pc:docMk/>
+          <pc:sldMk cId="1260531968" sldId="2147483524"/>
+        </pc:sldMkLst>
+      </pc:sldChg>
+      <pc:sldChg chg="del">
+        <pc:chgData name="Alexane BAUDRON" userId="c4e72a19-1b71-4ae0-b940-702fdd1a721d" providerId="ADAL" clId="{08F0C1F7-0D3F-AD47-8214-16B984571863}" dt="2025-06-30T07:54:45.546" v="6" actId="2696"/>
+        <pc:sldMkLst>
+          <pc:docMk/>
+          <pc:sldMk cId="3207649941" sldId="2147483525"/>
+        </pc:sldMkLst>
+      </pc:sldChg>
+      <pc:sldChg chg="del">
+        <pc:chgData name="Alexane BAUDRON" userId="c4e72a19-1b71-4ae0-b940-702fdd1a721d" providerId="ADAL" clId="{08F0C1F7-0D3F-AD47-8214-16B984571863}" dt="2025-06-30T07:54:45.539" v="3" actId="2696"/>
+        <pc:sldMkLst>
+          <pc:docMk/>
+          <pc:sldMk cId="2246678326" sldId="2147483526"/>
+        </pc:sldMkLst>
+      </pc:sldChg>
+      <pc:sldChg chg="del">
+        <pc:chgData name="Alexane BAUDRON" userId="c4e72a19-1b71-4ae0-b940-702fdd1a721d" providerId="ADAL" clId="{08F0C1F7-0D3F-AD47-8214-16B984571863}" dt="2025-06-30T07:54:45.535" v="1" actId="2696"/>
+        <pc:sldMkLst>
+          <pc:docMk/>
+          <pc:sldMk cId="4251313692" sldId="2147483528"/>
+        </pc:sldMkLst>
+      </pc:sldChg>
+      <pc:sldChg chg="del">
+        <pc:chgData name="Alexane BAUDRON" userId="c4e72a19-1b71-4ae0-b940-702fdd1a721d" providerId="ADAL" clId="{08F0C1F7-0D3F-AD47-8214-16B984571863}" dt="2025-06-30T07:54:45.538" v="2" actId="2696"/>
+        <pc:sldMkLst>
+          <pc:docMk/>
+          <pc:sldMk cId="1326845705" sldId="2147483529"/>
+        </pc:sldMkLst>
+      </pc:sldChg>
+      <pc:sldChg chg="del">
+        <pc:chgData name="Alexane BAUDRON" userId="c4e72a19-1b71-4ae0-b940-702fdd1a721d" providerId="ADAL" clId="{08F0C1F7-0D3F-AD47-8214-16B984571863}" dt="2025-06-30T07:54:45.604" v="7" actId="2696"/>
+        <pc:sldMkLst>
+          <pc:docMk/>
+          <pc:sldMk cId="1584612849" sldId="2147483531"/>
+        </pc:sldMkLst>
+      </pc:sldChg>
+      <pc:sldChg chg="del">
+        <pc:chgData name="Alexane BAUDRON" userId="c4e72a19-1b71-4ae0-b940-702fdd1a721d" providerId="ADAL" clId="{08F0C1F7-0D3F-AD47-8214-16B984571863}" dt="2025-06-30T07:54:49.203" v="12" actId="2696"/>
+        <pc:sldMkLst>
+          <pc:docMk/>
+          <pc:sldMk cId="1176860781" sldId="2147483532"/>
+        </pc:sldMkLst>
+      </pc:sldChg>
+      <pc:sldChg chg="del">
+        <pc:chgData name="Alexane BAUDRON" userId="c4e72a19-1b71-4ae0-b940-702fdd1a721d" providerId="ADAL" clId="{08F0C1F7-0D3F-AD47-8214-16B984571863}" dt="2025-06-30T07:54:49.251" v="13" actId="2696"/>
+        <pc:sldMkLst>
+          <pc:docMk/>
+          <pc:sldMk cId="4213513957" sldId="2147483533"/>
+        </pc:sldMkLst>
+      </pc:sldChg>
+      <pc:sldChg chg="del">
+        <pc:chgData name="Alexane BAUDRON" userId="c4e72a19-1b71-4ae0-b940-702fdd1a721d" providerId="ADAL" clId="{08F0C1F7-0D3F-AD47-8214-16B984571863}" dt="2025-06-30T07:55:01.535" v="42" actId="2696"/>
+        <pc:sldMkLst>
+          <pc:docMk/>
+          <pc:sldMk cId="3330874013" sldId="2147483537"/>
+        </pc:sldMkLst>
+      </pc:sldChg>
+      <pc:sldChg chg="del">
+        <pc:chgData name="Alexane BAUDRON" userId="c4e72a19-1b71-4ae0-b940-702fdd1a721d" providerId="ADAL" clId="{08F0C1F7-0D3F-AD47-8214-16B984571863}" dt="2025-06-30T07:55:04.772" v="44" actId="2696"/>
+        <pc:sldMkLst>
+          <pc:docMk/>
+          <pc:sldMk cId="1186544563" sldId="2147483539"/>
+        </pc:sldMkLst>
+      </pc:sldChg>
+      <pc:sldChg chg="del">
+        <pc:chgData name="Alexane BAUDRON" userId="c4e72a19-1b71-4ae0-b940-702fdd1a721d" providerId="ADAL" clId="{08F0C1F7-0D3F-AD47-8214-16B984571863}" dt="2025-06-30T07:55:03.747" v="43" actId="2696"/>
+        <pc:sldMkLst>
+          <pc:docMk/>
+          <pc:sldMk cId="4133866324" sldId="2147483540"/>
+        </pc:sldMkLst>
+      </pc:sldChg>
+      <pc:sldChg chg="del">
+        <pc:chgData name="Alexane BAUDRON" userId="c4e72a19-1b71-4ae0-b940-702fdd1a721d" providerId="ADAL" clId="{08F0C1F7-0D3F-AD47-8214-16B984571863}" dt="2025-06-30T07:54:57.403" v="32" actId="2696"/>
+        <pc:sldMkLst>
+          <pc:docMk/>
+          <pc:sldMk cId="244232859" sldId="2147483541"/>
+        </pc:sldMkLst>
+      </pc:sldChg>
+      <pc:sldChg chg="del">
+        <pc:chgData name="Alexane BAUDRON" userId="c4e72a19-1b71-4ae0-b940-702fdd1a721d" providerId="ADAL" clId="{08F0C1F7-0D3F-AD47-8214-16B984571863}" dt="2025-06-30T07:54:57.398" v="31" actId="2696"/>
+        <pc:sldMkLst>
+          <pc:docMk/>
+          <pc:sldMk cId="12490850" sldId="2147483542"/>
+        </pc:sldMkLst>
+      </pc:sldChg>
+      <pc:sldChg chg="del">
+        <pc:chgData name="Alexane BAUDRON" userId="c4e72a19-1b71-4ae0-b940-702fdd1a721d" providerId="ADAL" clId="{08F0C1F7-0D3F-AD47-8214-16B984571863}" dt="2025-06-30T07:54:57.396" v="30" actId="2696"/>
+        <pc:sldMkLst>
+          <pc:docMk/>
+          <pc:sldMk cId="3141618727" sldId="2147483543"/>
+        </pc:sldMkLst>
+      </pc:sldChg>
+      <pc:sldChg chg="del">
+        <pc:chgData name="Alexane BAUDRON" userId="c4e72a19-1b71-4ae0-b940-702fdd1a721d" providerId="ADAL" clId="{08F0C1F7-0D3F-AD47-8214-16B984571863}" dt="2025-06-30T07:54:54.993" v="26" actId="2696"/>
+        <pc:sldMkLst>
+          <pc:docMk/>
+          <pc:sldMk cId="3452786207" sldId="2147483544"/>
+        </pc:sldMkLst>
+      </pc:sldChg>
+      <pc:sldChg chg="del">
+        <pc:chgData name="Alexane BAUDRON" userId="c4e72a19-1b71-4ae0-b940-702fdd1a721d" providerId="ADAL" clId="{08F0C1F7-0D3F-AD47-8214-16B984571863}" dt="2025-06-30T07:55:01.529" v="41" actId="2696"/>
+        <pc:sldMkLst>
+          <pc:docMk/>
+          <pc:sldMk cId="538564091" sldId="2147483545"/>
+        </pc:sldMkLst>
+      </pc:sldChg>
+      <pc:sldChg chg="del">
+        <pc:chgData name="Alexane BAUDRON" userId="c4e72a19-1b71-4ae0-b940-702fdd1a721d" providerId="ADAL" clId="{08F0C1F7-0D3F-AD47-8214-16B984571863}" dt="2025-06-30T07:55:01.490" v="36" actId="2696"/>
+        <pc:sldMkLst>
+          <pc:docMk/>
+          <pc:sldMk cId="323720210" sldId="2147483546"/>
+        </pc:sldMkLst>
+      </pc:sldChg>
+      <pc:sldChg chg="del">
+        <pc:chgData name="Alexane BAUDRON" userId="c4e72a19-1b71-4ae0-b940-702fdd1a721d" providerId="ADAL" clId="{08F0C1F7-0D3F-AD47-8214-16B984571863}" dt="2025-06-30T07:55:01.488" v="35" actId="2696"/>
+        <pc:sldMkLst>
+          <pc:docMk/>
+          <pc:sldMk cId="819472479" sldId="2147483547"/>
+        </pc:sldMkLst>
+      </pc:sldChg>
+      <pc:sldChg chg="del">
+        <pc:chgData name="Alexane BAUDRON" userId="c4e72a19-1b71-4ae0-b940-702fdd1a721d" providerId="ADAL" clId="{08F0C1F7-0D3F-AD47-8214-16B984571863}" dt="2025-06-30T07:55:01.507" v="40" actId="2696"/>
+        <pc:sldMkLst>
+          <pc:docMk/>
+          <pc:sldMk cId="3713441185" sldId="2147483549"/>
+        </pc:sldMkLst>
+      </pc:sldChg>
+      <pc:sldChg chg="del">
+        <pc:chgData name="Alexane BAUDRON" userId="c4e72a19-1b71-4ae0-b940-702fdd1a721d" providerId="ADAL" clId="{08F0C1F7-0D3F-AD47-8214-16B984571863}" dt="2025-06-30T07:55:01.495" v="38" actId="2696"/>
+        <pc:sldMkLst>
+          <pc:docMk/>
+          <pc:sldMk cId="3514001501" sldId="2147483550"/>
+        </pc:sldMkLst>
+      </pc:sldChg>
+      <pc:sldChg chg="del">
+        <pc:chgData name="Alexane BAUDRON" userId="c4e72a19-1b71-4ae0-b940-702fdd1a721d" providerId="ADAL" clId="{08F0C1F7-0D3F-AD47-8214-16B984571863}" dt="2025-06-30T07:55:01.493" v="37" actId="2696"/>
+        <pc:sldMkLst>
+          <pc:docMk/>
+          <pc:sldMk cId="3947401979" sldId="2147483551"/>
+        </pc:sldMkLst>
+      </pc:sldChg>
+      <pc:sldChg chg="del">
+        <pc:chgData name="Alexane BAUDRON" userId="c4e72a19-1b71-4ae0-b940-702fdd1a721d" providerId="ADAL" clId="{08F0C1F7-0D3F-AD47-8214-16B984571863}" dt="2025-06-30T07:55:01.485" v="34" actId="2696"/>
+        <pc:sldMkLst>
+          <pc:docMk/>
+          <pc:sldMk cId="237779500" sldId="2147483552"/>
+        </pc:sldMkLst>
+      </pc:sldChg>
+      <pc:sldChg chg="del">
+        <pc:chgData name="Alexane BAUDRON" userId="c4e72a19-1b71-4ae0-b940-702fdd1a721d" providerId="ADAL" clId="{08F0C1F7-0D3F-AD47-8214-16B984571863}" dt="2025-06-30T07:55:01.481" v="33" actId="2696"/>
+        <pc:sldMkLst>
+          <pc:docMk/>
+          <pc:sldMk cId="2159616718" sldId="2147483554"/>
+        </pc:sldMkLst>
+      </pc:sldChg>
+      <pc:sldChg chg="del">
+        <pc:chgData name="Alexane BAUDRON" userId="c4e72a19-1b71-4ae0-b940-702fdd1a721d" providerId="ADAL" clId="{08F0C1F7-0D3F-AD47-8214-16B984571863}" dt="2025-06-30T07:55:01.497" v="39" actId="2696"/>
+        <pc:sldMkLst>
+          <pc:docMk/>
+          <pc:sldMk cId="2971429069" sldId="2147483555"/>
+        </pc:sldMkLst>
+      </pc:sldChg>
+      <pc:sldChg chg="del">
+        <pc:chgData name="Alexane BAUDRON" userId="c4e72a19-1b71-4ae0-b940-702fdd1a721d" providerId="ADAL" clId="{08F0C1F7-0D3F-AD47-8214-16B984571863}" dt="2025-06-30T07:54:57.391" v="29" actId="2696"/>
+        <pc:sldMkLst>
+          <pc:docMk/>
+          <pc:sldMk cId="3792680044" sldId="2147483556"/>
+        </pc:sldMkLst>
+      </pc:sldChg>
+      <pc:sldChg chg="del">
+        <pc:chgData name="Alexane BAUDRON" userId="c4e72a19-1b71-4ae0-b940-702fdd1a721d" providerId="ADAL" clId="{08F0C1F7-0D3F-AD47-8214-16B984571863}" dt="2025-06-30T07:54:51.723" v="17" actId="2696"/>
+        <pc:sldMkLst>
+          <pc:docMk/>
+          <pc:sldMk cId="1289184987" sldId="2147483562"/>
+        </pc:sldMkLst>
+      </pc:sldChg>
+      <pc:sldChg chg="del">
+        <pc:chgData name="Alexane BAUDRON" userId="c4e72a19-1b71-4ae0-b940-702fdd1a721d" providerId="ADAL" clId="{08F0C1F7-0D3F-AD47-8214-16B984571863}" dt="2025-06-30T07:54:51.766" v="20" actId="2696"/>
+        <pc:sldMkLst>
+          <pc:docMk/>
+          <pc:sldMk cId="1404434608" sldId="2147483563"/>
+        </pc:sldMkLst>
+      </pc:sldChg>
+      <pc:sldChg chg="del">
+        <pc:chgData name="Alexane BAUDRON" userId="c4e72a19-1b71-4ae0-b940-702fdd1a721d" providerId="ADAL" clId="{08F0C1F7-0D3F-AD47-8214-16B984571863}" dt="2025-06-30T07:54:51.774" v="21" actId="2696"/>
+        <pc:sldMkLst>
+          <pc:docMk/>
+          <pc:sldMk cId="2755047218" sldId="2147483564"/>
+        </pc:sldMkLst>
+      </pc:sldChg>
+      <pc:sldChg chg="del">
+        <pc:chgData name="Alexane BAUDRON" userId="c4e72a19-1b71-4ae0-b940-702fdd1a721d" providerId="ADAL" clId="{08F0C1F7-0D3F-AD47-8214-16B984571863}" dt="2025-06-30T07:54:51.730" v="18" actId="2696"/>
+        <pc:sldMkLst>
+          <pc:docMk/>
+          <pc:sldMk cId="2235345609" sldId="2147483565"/>
+        </pc:sldMkLst>
+      </pc:sldChg>
+      <pc:sldChg chg="del">
+        <pc:chgData name="Alexane BAUDRON" userId="c4e72a19-1b71-4ae0-b940-702fdd1a721d" providerId="ADAL" clId="{08F0C1F7-0D3F-AD47-8214-16B984571863}" dt="2025-06-30T07:54:51.761" v="19" actId="2696"/>
+        <pc:sldMkLst>
+          <pc:docMk/>
+          <pc:sldMk cId="256682989" sldId="2147483566"/>
+        </pc:sldMkLst>
+      </pc:sldChg>
+      <pc:sldChg chg="del">
+        <pc:chgData name="Alexane BAUDRON" userId="c4e72a19-1b71-4ae0-b940-702fdd1a721d" providerId="ADAL" clId="{08F0C1F7-0D3F-AD47-8214-16B984571863}" dt="2025-06-30T07:54:51.717" v="16" actId="2696"/>
+        <pc:sldMkLst>
+          <pc:docMk/>
+          <pc:sldMk cId="3463449161" sldId="2147483567"/>
+        </pc:sldMkLst>
+      </pc:sldChg>
+      <pc:sldChg chg="del">
+        <pc:chgData name="Alexane BAUDRON" userId="c4e72a19-1b71-4ae0-b940-702fdd1a721d" providerId="ADAL" clId="{08F0C1F7-0D3F-AD47-8214-16B984571863}" dt="2025-06-30T07:54:49.176" v="11" actId="2696"/>
+        <pc:sldMkLst>
+          <pc:docMk/>
+          <pc:sldMk cId="534803942" sldId="2147483570"/>
+        </pc:sldMkLst>
+      </pc:sldChg>
+      <pc:sldChg chg="del">
+        <pc:chgData name="Alexane BAUDRON" userId="c4e72a19-1b71-4ae0-b940-702fdd1a721d" providerId="ADAL" clId="{08F0C1F7-0D3F-AD47-8214-16B984571863}" dt="2025-06-30T07:54:54.983" v="22" actId="2696"/>
+        <pc:sldMkLst>
+          <pc:docMk/>
+          <pc:sldMk cId="1851883643" sldId="2147483572"/>
+        </pc:sldMkLst>
+      </pc:sldChg>
+      <pc:sldChg chg="del">
+        <pc:chgData name="Alexane BAUDRON" userId="c4e72a19-1b71-4ae0-b940-702fdd1a721d" providerId="ADAL" clId="{08F0C1F7-0D3F-AD47-8214-16B984571863}" dt="2025-06-30T07:54:55.003" v="28" actId="2696"/>
+        <pc:sldMkLst>
+          <pc:docMk/>
+          <pc:sldMk cId="3904257479" sldId="2147483573"/>
+        </pc:sldMkLst>
+      </pc:sldChg>
+      <pc:sldChg chg="del">
+        <pc:chgData name="Alexane BAUDRON" userId="c4e72a19-1b71-4ae0-b940-702fdd1a721d" providerId="ADAL" clId="{08F0C1F7-0D3F-AD47-8214-16B984571863}" dt="2025-06-30T07:54:54.991" v="25" actId="2696"/>
+        <pc:sldMkLst>
+          <pc:docMk/>
+          <pc:sldMk cId="1584404665" sldId="2147483574"/>
+        </pc:sldMkLst>
+      </pc:sldChg>
+      <pc:sldChg chg="del">
+        <pc:chgData name="Alexane BAUDRON" userId="c4e72a19-1b71-4ae0-b940-702fdd1a721d" providerId="ADAL" clId="{08F0C1F7-0D3F-AD47-8214-16B984571863}" dt="2025-06-30T07:54:54.989" v="24" actId="2696"/>
+        <pc:sldMkLst>
+          <pc:docMk/>
+          <pc:sldMk cId="3593561478" sldId="2147483575"/>
+        </pc:sldMkLst>
+      </pc:sldChg>
+      <pc:sldChg chg="del">
+        <pc:chgData name="Alexane BAUDRON" userId="c4e72a19-1b71-4ae0-b940-702fdd1a721d" providerId="ADAL" clId="{08F0C1F7-0D3F-AD47-8214-16B984571863}" dt="2025-06-30T07:54:54.987" v="23" actId="2696"/>
+        <pc:sldMkLst>
+          <pc:docMk/>
+          <pc:sldMk cId="3395933212" sldId="2147483576"/>
+        </pc:sldMkLst>
+      </pc:sldChg>
+      <pc:sldChg chg="del">
+        <pc:chgData name="Alexane BAUDRON" userId="c4e72a19-1b71-4ae0-b940-702fdd1a721d" providerId="ADAL" clId="{08F0C1F7-0D3F-AD47-8214-16B984571863}" dt="2025-06-30T07:54:54.995" v="27" actId="2696"/>
+        <pc:sldMkLst>
+          <pc:docMk/>
+          <pc:sldMk cId="4045004320" sldId="2147483577"/>
+        </pc:sldMkLst>
+      </pc:sldChg>
+      <pc:sldChg chg="del">
+        <pc:chgData name="Alexane BAUDRON" userId="c4e72a19-1b71-4ae0-b940-702fdd1a721d" providerId="ADAL" clId="{08F0C1F7-0D3F-AD47-8214-16B984571863}" dt="2025-06-30T07:54:45.544" v="5" actId="2696"/>
+        <pc:sldMkLst>
+          <pc:docMk/>
+          <pc:sldMk cId="1703776386" sldId="2147483579"/>
+        </pc:sldMkLst>
+      </pc:sldChg>
+      <pc:sldChg chg="del">
+        <pc:chgData name="Alexane BAUDRON" userId="c4e72a19-1b71-4ae0-b940-702fdd1a721d" providerId="ADAL" clId="{08F0C1F7-0D3F-AD47-8214-16B984571863}" dt="2025-06-30T07:54:45.542" v="4" actId="2696"/>
+        <pc:sldMkLst>
+          <pc:docMk/>
+          <pc:sldMk cId="992121836" sldId="2147483580"/>
+        </pc:sldMkLst>
+      </pc:sldChg>
+      <pc:sldMasterChg chg="del">
+        <pc:chgData name="Alexane BAUDRON" userId="c4e72a19-1b71-4ae0-b940-702fdd1a721d" providerId="ADAL" clId="{08F0C1F7-0D3F-AD47-8214-16B984571863}" dt="2025-06-30T07:54:49.275" v="15" actId="2696"/>
+        <pc:sldMasterMkLst>
+          <pc:docMk/>
+          <pc:sldMasterMk cId="1825019530" sldId="2147483683"/>
+        </pc:sldMasterMkLst>
+      </pc:sldMasterChg>
+    </pc:docChg>
+  </pc:docChgLst>
+  <pc:docChgLst>
+    <pc:chgData name="Martin-Pierre GAULTIER" userId="S::mpgaultier@lemonway.com::0415e4a0-177e-4c12-b0e5-1f7bc3cae49f" providerId="AD" clId="Web-{2A2BA2AE-3932-975C-722C-A9BEC8235ADD}"/>
+    <pc:docChg chg="addSld delSld modSld">
+      <pc:chgData name="Martin-Pierre GAULTIER" userId="S::mpgaultier@lemonway.com::0415e4a0-177e-4c12-b0e5-1f7bc3cae49f" providerId="AD" clId="Web-{2A2BA2AE-3932-975C-722C-A9BEC8235ADD}" dt="2025-01-17T16:44:05.273" v="238" actId="1076"/>
+      <pc:docMkLst>
+        <pc:docMk/>
+      </pc:docMkLst>
+      <pc:sldChg chg="modSp">
+        <pc:chgData name="Martin-Pierre GAULTIER" userId="S::mpgaultier@lemonway.com::0415e4a0-177e-4c12-b0e5-1f7bc3cae49f" providerId="AD" clId="Web-{2A2BA2AE-3932-975C-722C-A9BEC8235ADD}" dt="2025-01-17T16:44:05.273" v="238" actId="1076"/>
+        <pc:sldMkLst>
+          <pc:docMk/>
+          <pc:sldMk cId="470428834" sldId="2147483492"/>
+        </pc:sldMkLst>
+      </pc:sldChg>
+      <pc:sldChg chg="addSp delSp modSp add mod replId modShow">
+        <pc:chgData name="Martin-Pierre GAULTIER" userId="S::mpgaultier@lemonway.com::0415e4a0-177e-4c12-b0e5-1f7bc3cae49f" providerId="AD" clId="Web-{2A2BA2AE-3932-975C-722C-A9BEC8235ADD}" dt="2025-01-17T14:16:30.754" v="214"/>
+        <pc:sldMkLst>
+          <pc:docMk/>
+          <pc:sldMk cId="1260531968" sldId="2147483524"/>
+        </pc:sldMkLst>
+      </pc:sldChg>
+      <pc:sldChg chg="add del replId">
+        <pc:chgData name="Martin-Pierre GAULTIER" userId="S::mpgaultier@lemonway.com::0415e4a0-177e-4c12-b0e5-1f7bc3cae49f" providerId="AD" clId="Web-{2A2BA2AE-3932-975C-722C-A9BEC8235ADD}" dt="2025-01-17T14:12:22.980" v="63"/>
+        <pc:sldMkLst>
+          <pc:docMk/>
+          <pc:sldMk cId="509090982" sldId="2147483525"/>
+        </pc:sldMkLst>
+      </pc:sldChg>
+      <pc:sldChg chg="add del replId">
+        <pc:chgData name="Martin-Pierre GAULTIER" userId="S::mpgaultier@lemonway.com::0415e4a0-177e-4c12-b0e5-1f7bc3cae49f" providerId="AD" clId="Web-{2A2BA2AE-3932-975C-722C-A9BEC8235ADD}" dt="2025-01-17T14:12:28.230" v="65"/>
+        <pc:sldMkLst>
+          <pc:docMk/>
+          <pc:sldMk cId="2126411302" sldId="2147483525"/>
+        </pc:sldMkLst>
+      </pc:sldChg>
+      <pc:sldChg chg="delSp modSp add replId modNotes">
+        <pc:chgData name="Martin-Pierre GAULTIER" userId="S::mpgaultier@lemonway.com::0415e4a0-177e-4c12-b0e5-1f7bc3cae49f" providerId="AD" clId="Web-{2A2BA2AE-3932-975C-722C-A9BEC8235ADD}" dt="2025-01-17T14:20:35.965" v="216"/>
+        <pc:sldMkLst>
+          <pc:docMk/>
+          <pc:sldMk cId="3207649941" sldId="2147483525"/>
+        </pc:sldMkLst>
+      </pc:sldChg>
+      <pc:sldChg chg="delSp modSp add replId">
+        <pc:chgData name="Martin-Pierre GAULTIER" userId="S::mpgaultier@lemonway.com::0415e4a0-177e-4c12-b0e5-1f7bc3cae49f" providerId="AD" clId="Web-{2A2BA2AE-3932-975C-722C-A9BEC8235ADD}" dt="2025-01-17T14:14:06.108" v="130"/>
+        <pc:sldMkLst>
+          <pc:docMk/>
+          <pc:sldMk cId="2246678326" sldId="2147483526"/>
+        </pc:sldMkLst>
+      </pc:sldChg>
+      <pc:sldChg chg="delSp modSp add replId">
+        <pc:chgData name="Martin-Pierre GAULTIER" userId="S::mpgaultier@lemonway.com::0415e4a0-177e-4c12-b0e5-1f7bc3cae49f" providerId="AD" clId="Web-{2A2BA2AE-3932-975C-722C-A9BEC8235ADD}" dt="2025-01-17T14:14:03.046" v="129"/>
+        <pc:sldMkLst>
+          <pc:docMk/>
+          <pc:sldMk cId="1040598806" sldId="2147483527"/>
+        </pc:sldMkLst>
+      </pc:sldChg>
+      <pc:sldChg chg="modSp add replId">
+        <pc:chgData name="Martin-Pierre GAULTIER" userId="S::mpgaultier@lemonway.com::0415e4a0-177e-4c12-b0e5-1f7bc3cae49f" providerId="AD" clId="Web-{2A2BA2AE-3932-975C-722C-A9BEC8235ADD}" dt="2025-01-17T14:21:17.576" v="236" actId="20577"/>
+        <pc:sldMkLst>
+          <pc:docMk/>
+          <pc:sldMk cId="4251313692" sldId="2147483528"/>
+        </pc:sldMkLst>
+      </pc:sldChg>
+    </pc:docChg>
+  </pc:docChgLst>
+  <pc:docChgLst>
+    <pc:chgData name="Martin-Pierre GAULTIER" userId="S::mpgaultier@lemonway.com::0415e4a0-177e-4c12-b0e5-1f7bc3cae49f" providerId="AD" clId="Web-{BAA7B3D3-4CEA-FBD7-03BF-9B5CD847D190}"/>
+    <pc:docChg chg="modSld sldOrd">
+      <pc:chgData name="Martin-Pierre GAULTIER" userId="S::mpgaultier@lemonway.com::0415e4a0-177e-4c12-b0e5-1f7bc3cae49f" providerId="AD" clId="Web-{BAA7B3D3-4CEA-FBD7-03BF-9B5CD847D190}" dt="2025-01-23T14:05:59.281" v="718" actId="20577"/>
+      <pc:docMkLst>
+        <pc:docMk/>
+      </pc:docMkLst>
+      <pc:sldChg chg="modSp">
+        <pc:chgData name="Martin-Pierre GAULTIER" userId="S::mpgaultier@lemonway.com::0415e4a0-177e-4c12-b0e5-1f7bc3cae49f" providerId="AD" clId="Web-{BAA7B3D3-4CEA-FBD7-03BF-9B5CD847D190}" dt="2025-01-23T12:47:57.803" v="575" actId="1076"/>
+        <pc:sldMkLst>
+          <pc:docMk/>
+          <pc:sldMk cId="520368926" sldId="2147483482"/>
+        </pc:sldMkLst>
+      </pc:sldChg>
+      <pc:sldChg chg="modSp">
+        <pc:chgData name="Martin-Pierre GAULTIER" userId="S::mpgaultier@lemonway.com::0415e4a0-177e-4c12-b0e5-1f7bc3cae49f" providerId="AD" clId="Web-{BAA7B3D3-4CEA-FBD7-03BF-9B5CD847D190}" dt="2025-01-23T12:27:12.923" v="12" actId="20577"/>
+        <pc:sldMkLst>
+          <pc:docMk/>
+          <pc:sldMk cId="1260531968" sldId="2147483524"/>
+        </pc:sldMkLst>
+      </pc:sldChg>
+      <pc:sldChg chg="addSp modSp">
+        <pc:chgData name="Martin-Pierre GAULTIER" userId="S::mpgaultier@lemonway.com::0415e4a0-177e-4c12-b0e5-1f7bc3cae49f" providerId="AD" clId="Web-{BAA7B3D3-4CEA-FBD7-03BF-9B5CD847D190}" dt="2025-01-23T12:35:23.159" v="327" actId="1076"/>
+        <pc:sldMkLst>
+          <pc:docMk/>
+          <pc:sldMk cId="3207649941" sldId="2147483525"/>
+        </pc:sldMkLst>
+      </pc:sldChg>
+      <pc:sldChg chg="addSp modSp">
+        <pc:chgData name="Martin-Pierre GAULTIER" userId="S::mpgaultier@lemonway.com::0415e4a0-177e-4c12-b0e5-1f7bc3cae49f" providerId="AD" clId="Web-{BAA7B3D3-4CEA-FBD7-03BF-9B5CD847D190}" dt="2025-01-23T12:39:48.238" v="535"/>
+        <pc:sldMkLst>
+          <pc:docMk/>
+          <pc:sldMk cId="2246678326" sldId="2147483526"/>
+        </pc:sldMkLst>
+      </pc:sldChg>
+      <pc:sldChg chg="addSp delSp modSp">
+        <pc:chgData name="Martin-Pierre GAULTIER" userId="S::mpgaultier@lemonway.com::0415e4a0-177e-4c12-b0e5-1f7bc3cae49f" providerId="AD" clId="Web-{BAA7B3D3-4CEA-FBD7-03BF-9B5CD847D190}" dt="2025-01-23T12:56:28.790" v="717" actId="20577"/>
+        <pc:sldMkLst>
+          <pc:docMk/>
+          <pc:sldMk cId="4251313692" sldId="2147483528"/>
+        </pc:sldMkLst>
+      </pc:sldChg>
+      <pc:sldChg chg="delSp modSp">
+        <pc:chgData name="Martin-Pierre GAULTIER" userId="S::mpgaultier@lemonway.com::0415e4a0-177e-4c12-b0e5-1f7bc3cae49f" providerId="AD" clId="Web-{BAA7B3D3-4CEA-FBD7-03BF-9B5CD847D190}" dt="2025-01-23T12:56:11.618" v="689" actId="20577"/>
+        <pc:sldMkLst>
+          <pc:docMk/>
+          <pc:sldMk cId="1326845705" sldId="2147483529"/>
+        </pc:sldMkLst>
+      </pc:sldChg>
+      <pc:sldChg chg="addSp modSp ord">
+        <pc:chgData name="Martin-Pierre GAULTIER" userId="S::mpgaultier@lemonway.com::0415e4a0-177e-4c12-b0e5-1f7bc3cae49f" providerId="AD" clId="Web-{BAA7B3D3-4CEA-FBD7-03BF-9B5CD847D190}" dt="2025-01-23T14:05:59.281" v="718" actId="20577"/>
+        <pc:sldMkLst>
+          <pc:docMk/>
+          <pc:sldMk cId="1584612849" sldId="2147483531"/>
+        </pc:sldMkLst>
+      </pc:sldChg>
+    </pc:docChg>
+  </pc:docChgLst>
+  <pc:docChgLst>
+    <pc:chgData name="Martin-Pierre GAULTIER" userId="S::mpgaultier@lemonway.com::0415e4a0-177e-4c12-b0e5-1f7bc3cae49f" providerId="AD" clId="Web-{FCD97ED3-3CB5-5DED-E90F-0AD5CF23EC2F}"/>
+    <pc:docChg chg="addSld delSld modSld sldOrd">
+      <pc:chgData name="Martin-Pierre GAULTIER" userId="S::mpgaultier@lemonway.com::0415e4a0-177e-4c12-b0e5-1f7bc3cae49f" providerId="AD" clId="Web-{FCD97ED3-3CB5-5DED-E90F-0AD5CF23EC2F}" dt="2025-01-27T15:44:58.287" v="1933"/>
+      <pc:docMkLst>
+        <pc:docMk/>
+      </pc:docMkLst>
+      <pc:sldChg chg="modSp">
+        <pc:chgData name="Martin-Pierre GAULTIER" userId="S::mpgaultier@lemonway.com::0415e4a0-177e-4c12-b0e5-1f7bc3cae49f" providerId="AD" clId="Web-{FCD97ED3-3CB5-5DED-E90F-0AD5CF23EC2F}" dt="2025-01-27T09:56:57.058" v="1692" actId="20577"/>
+        <pc:sldMkLst>
+          <pc:docMk/>
+          <pc:sldMk cId="520368926" sldId="2147483482"/>
+        </pc:sldMkLst>
+      </pc:sldChg>
+      <pc:sldChg chg="modSp">
+        <pc:chgData name="Martin-Pierre GAULTIER" userId="S::mpgaultier@lemonway.com::0415e4a0-177e-4c12-b0e5-1f7bc3cae49f" providerId="AD" clId="Web-{FCD97ED3-3CB5-5DED-E90F-0AD5CF23EC2F}" dt="2025-01-27T09:56:12.448" v="1684" actId="14100"/>
+        <pc:sldMkLst>
+          <pc:docMk/>
+          <pc:sldMk cId="1292861028" sldId="2147483484"/>
+        </pc:sldMkLst>
+      </pc:sldChg>
+      <pc:sldChg chg="modSp">
+        <pc:chgData name="Martin-Pierre GAULTIER" userId="S::mpgaultier@lemonway.com::0415e4a0-177e-4c12-b0e5-1f7bc3cae49f" providerId="AD" clId="Web-{FCD97ED3-3CB5-5DED-E90F-0AD5CF23EC2F}" dt="2025-01-27T09:58:58.919" v="1709" actId="20577"/>
+        <pc:sldMkLst>
+          <pc:docMk/>
+          <pc:sldMk cId="581994450" sldId="2147483485"/>
+        </pc:sldMkLst>
+      </pc:sldChg>
+      <pc:sldChg chg="ord">
+        <pc:chgData name="Martin-Pierre GAULTIER" userId="S::mpgaultier@lemonway.com::0415e4a0-177e-4c12-b0e5-1f7bc3cae49f" providerId="AD" clId="Web-{FCD97ED3-3CB5-5DED-E90F-0AD5CF23EC2F}" dt="2025-01-27T15:43:36.380" v="1901"/>
+        <pc:sldMkLst>
+          <pc:docMk/>
+          <pc:sldMk cId="787195809" sldId="2147483488"/>
+        </pc:sldMkLst>
+      </pc:sldChg>
+      <pc:sldChg chg="ord">
+        <pc:chgData name="Martin-Pierre GAULTIER" userId="S::mpgaultier@lemonway.com::0415e4a0-177e-4c12-b0e5-1f7bc3cae49f" providerId="AD" clId="Web-{FCD97ED3-3CB5-5DED-E90F-0AD5CF23EC2F}" dt="2025-01-27T15:44:58.287" v="1933"/>
+        <pc:sldMkLst>
+          <pc:docMk/>
+          <pc:sldMk cId="2391188043" sldId="2147483490"/>
+        </pc:sldMkLst>
+      </pc:sldChg>
+      <pc:sldChg chg="modSp">
+        <pc:chgData name="Martin-Pierre GAULTIER" userId="S::mpgaultier@lemonway.com::0415e4a0-177e-4c12-b0e5-1f7bc3cae49f" providerId="AD" clId="Web-{FCD97ED3-3CB5-5DED-E90F-0AD5CF23EC2F}" dt="2025-01-27T15:32:54.291" v="1712" actId="14100"/>
+        <pc:sldMkLst>
+          <pc:docMk/>
+          <pc:sldMk cId="1260531968" sldId="2147483524"/>
+        </pc:sldMkLst>
+      </pc:sldChg>
+      <pc:sldChg chg="modSp">
+        <pc:chgData name="Martin-Pierre GAULTIER" userId="S::mpgaultier@lemonway.com::0415e4a0-177e-4c12-b0e5-1f7bc3cae49f" providerId="AD" clId="Web-{FCD97ED3-3CB5-5DED-E90F-0AD5CF23EC2F}" dt="2025-01-27T09:21:13.747" v="1042" actId="1076"/>
+        <pc:sldMkLst>
+          <pc:docMk/>
+          <pc:sldMk cId="3207649941" sldId="2147483525"/>
+        </pc:sldMkLst>
+      </pc:sldChg>
+      <pc:sldChg chg="addSp delSp modSp">
+        <pc:chgData name="Martin-Pierre GAULTIER" userId="S::mpgaultier@lemonway.com::0415e4a0-177e-4c12-b0e5-1f7bc3cae49f" providerId="AD" clId="Web-{FCD97ED3-3CB5-5DED-E90F-0AD5CF23EC2F}" dt="2025-01-27T09:39:00.762" v="1424"/>
+        <pc:sldMkLst>
+          <pc:docMk/>
+          <pc:sldMk cId="4251313692" sldId="2147483528"/>
+        </pc:sldMkLst>
+      </pc:sldChg>
+      <pc:sldChg chg="addSp delSp modSp">
+        <pc:chgData name="Martin-Pierre GAULTIER" userId="S::mpgaultier@lemonway.com::0415e4a0-177e-4c12-b0e5-1f7bc3cae49f" providerId="AD" clId="Web-{FCD97ED3-3CB5-5DED-E90F-0AD5CF23EC2F}" dt="2025-01-27T09:54:12.040" v="1669" actId="20577"/>
+        <pc:sldMkLst>
+          <pc:docMk/>
+          <pc:sldMk cId="1326845705" sldId="2147483529"/>
+        </pc:sldMkLst>
+      </pc:sldChg>
+      <pc:sldChg chg="modSp del">
+        <pc:chgData name="Martin-Pierre GAULTIER" userId="S::mpgaultier@lemonway.com::0415e4a0-177e-4c12-b0e5-1f7bc3cae49f" providerId="AD" clId="Web-{FCD97ED3-3CB5-5DED-E90F-0AD5CF23EC2F}" dt="2025-01-27T15:39:07.141" v="1876"/>
+        <pc:sldMkLst>
+          <pc:docMk/>
+          <pc:sldMk cId="1824639407" sldId="2147483530"/>
+        </pc:sldMkLst>
+      </pc:sldChg>
+      <pc:sldChg chg="modSp">
+        <pc:chgData name="Martin-Pierre GAULTIER" userId="S::mpgaultier@lemonway.com::0415e4a0-177e-4c12-b0e5-1f7bc3cae49f" providerId="AD" clId="Web-{FCD97ED3-3CB5-5DED-E90F-0AD5CF23EC2F}" dt="2025-01-27T09:28:49.613" v="1287" actId="20577"/>
+        <pc:sldMkLst>
+          <pc:docMk/>
+          <pc:sldMk cId="1584612849" sldId="2147483531"/>
+        </pc:sldMkLst>
+      </pc:sldChg>
+      <pc:sldChg chg="modSp">
+        <pc:chgData name="Martin-Pierre GAULTIER" userId="S::mpgaultier@lemonway.com::0415e4a0-177e-4c12-b0e5-1f7bc3cae49f" providerId="AD" clId="Web-{FCD97ED3-3CB5-5DED-E90F-0AD5CF23EC2F}" dt="2025-01-27T15:42:31.082" v="1899" actId="20577"/>
+        <pc:sldMkLst>
+          <pc:docMk/>
+          <pc:sldMk cId="4133866324" sldId="2147483540"/>
+        </pc:sldMkLst>
+      </pc:sldChg>
+      <pc:sldChg chg="ord">
+        <pc:chgData name="Martin-Pierre GAULTIER" userId="S::mpgaultier@lemonway.com::0415e4a0-177e-4c12-b0e5-1f7bc3cae49f" providerId="AD" clId="Web-{FCD97ED3-3CB5-5DED-E90F-0AD5CF23EC2F}" dt="2025-01-27T15:44:58.287" v="1927"/>
+        <pc:sldMkLst>
+          <pc:docMk/>
+          <pc:sldMk cId="3452786207" sldId="2147483544"/>
+        </pc:sldMkLst>
+      </pc:sldChg>
+      <pc:sldChg chg="ord">
+        <pc:chgData name="Martin-Pierre GAULTIER" userId="S::mpgaultier@lemonway.com::0415e4a0-177e-4c12-b0e5-1f7bc3cae49f" providerId="AD" clId="Web-{FCD97ED3-3CB5-5DED-E90F-0AD5CF23EC2F}" dt="2025-01-27T15:44:58.287" v="1932"/>
+        <pc:sldMkLst>
+          <pc:docMk/>
+          <pc:sldMk cId="1851883643" sldId="2147483572"/>
+        </pc:sldMkLst>
+      </pc:sldChg>
+      <pc:sldChg chg="ord">
+        <pc:chgData name="Martin-Pierre GAULTIER" userId="S::mpgaultier@lemonway.com::0415e4a0-177e-4c12-b0e5-1f7bc3cae49f" providerId="AD" clId="Web-{FCD97ED3-3CB5-5DED-E90F-0AD5CF23EC2F}" dt="2025-01-27T15:44:58.287" v="1931"/>
+        <pc:sldMkLst>
+          <pc:docMk/>
+          <pc:sldMk cId="3904257479" sldId="2147483573"/>
+        </pc:sldMkLst>
+      </pc:sldChg>
+      <pc:sldChg chg="ord">
+        <pc:chgData name="Martin-Pierre GAULTIER" userId="S::mpgaultier@lemonway.com::0415e4a0-177e-4c12-b0e5-1f7bc3cae49f" providerId="AD" clId="Web-{FCD97ED3-3CB5-5DED-E90F-0AD5CF23EC2F}" dt="2025-01-27T15:44:58.287" v="1930"/>
+        <pc:sldMkLst>
+          <pc:docMk/>
+          <pc:sldMk cId="1584404665" sldId="2147483574"/>
+        </pc:sldMkLst>
+      </pc:sldChg>
+      <pc:sldChg chg="ord">
+        <pc:chgData name="Martin-Pierre GAULTIER" userId="S::mpgaultier@lemonway.com::0415e4a0-177e-4c12-b0e5-1f7bc3cae49f" providerId="AD" clId="Web-{FCD97ED3-3CB5-5DED-E90F-0AD5CF23EC2F}" dt="2025-01-27T15:44:58.287" v="1929"/>
+        <pc:sldMkLst>
+          <pc:docMk/>
+          <pc:sldMk cId="3593561478" sldId="2147483575"/>
+        </pc:sldMkLst>
+      </pc:sldChg>
+      <pc:sldChg chg="ord">
+        <pc:chgData name="Martin-Pierre GAULTIER" userId="S::mpgaultier@lemonway.com::0415e4a0-177e-4c12-b0e5-1f7bc3cae49f" providerId="AD" clId="Web-{FCD97ED3-3CB5-5DED-E90F-0AD5CF23EC2F}" dt="2025-01-27T15:44:58.287" v="1928"/>
+        <pc:sldMkLst>
+          <pc:docMk/>
+          <pc:sldMk cId="3395933212" sldId="2147483576"/>
+        </pc:sldMkLst>
+      </pc:sldChg>
+      <pc:sldChg chg="ord">
+        <pc:chgData name="Martin-Pierre GAULTIER" userId="S::mpgaultier@lemonway.com::0415e4a0-177e-4c12-b0e5-1f7bc3cae49f" providerId="AD" clId="Web-{FCD97ED3-3CB5-5DED-E90F-0AD5CF23EC2F}" dt="2025-01-27T15:44:58.287" v="1926"/>
+        <pc:sldMkLst>
+          <pc:docMk/>
+          <pc:sldMk cId="4045004320" sldId="2147483577"/>
+        </pc:sldMkLst>
+      </pc:sldChg>
+      <pc:sldChg chg="addSp delSp modSp add replId">
+        <pc:chgData name="Martin-Pierre GAULTIER" userId="S::mpgaultier@lemonway.com::0415e4a0-177e-4c12-b0e5-1f7bc3cae49f" providerId="AD" clId="Web-{FCD97ED3-3CB5-5DED-E90F-0AD5CF23EC2F}" dt="2025-01-27T15:33:38.808" v="1717" actId="1076"/>
+        <pc:sldMkLst>
+          <pc:docMk/>
+          <pc:sldMk cId="1703776386" sldId="2147483579"/>
+        </pc:sldMkLst>
+      </pc:sldChg>
+      <pc:sldChg chg="modSp mod modShow">
+        <pc:chgData name="Martin-Pierre GAULTIER" userId="S::mpgaultier@lemonway.com::0415e4a0-177e-4c12-b0e5-1f7bc3cae49f" providerId="AD" clId="Web-{FCD97ED3-3CB5-5DED-E90F-0AD5CF23EC2F}" dt="2025-01-27T15:38:52.953" v="1875" actId="20577"/>
+        <pc:sldMkLst>
+          <pc:docMk/>
+          <pc:sldMk cId="992121836" sldId="2147483580"/>
+        </pc:sldMkLst>
+      </pc:sldChg>
+    </pc:docChg>
+  </pc:docChgLst>
+  <pc:docChgLst>
+    <pc:chgData name="Matthieu BRIEND" userId="S::mbriend@lemonway.com::f43b7032-540d-4661-9645-e17125bf3d76" providerId="AD" clId="Web-{3A68BF28-9D63-1709-307F-9A042DD1F4DA}"/>
+    <pc:docChg chg="addSld delSld modSld sldOrd">
+      <pc:chgData name="Matthieu BRIEND" userId="S::mbriend@lemonway.com::f43b7032-540d-4661-9645-e17125bf3d76" providerId="AD" clId="Web-{3A68BF28-9D63-1709-307F-9A042DD1F4DA}" dt="2025-01-25T15:19:30.976" v="2447" actId="1076"/>
+      <pc:docMkLst>
+        <pc:docMk/>
+      </pc:docMkLst>
+      <pc:sldChg chg="addSp delSp modSp">
+        <pc:chgData name="Matthieu BRIEND" userId="S::mbriend@lemonway.com::f43b7032-540d-4661-9645-e17125bf3d76" providerId="AD" clId="Web-{3A68BF28-9D63-1709-307F-9A042DD1F4DA}" dt="2025-01-25T10:02:41.461" v="265"/>
+        <pc:sldMkLst>
+          <pc:docMk/>
+          <pc:sldMk cId="1605751462" sldId="529"/>
+        </pc:sldMkLst>
+      </pc:sldChg>
+      <pc:sldChg chg="addSp delSp modSp del ord">
+        <pc:chgData name="Matthieu BRIEND" userId="S::mbriend@lemonway.com::f43b7032-540d-4661-9645-e17125bf3d76" providerId="AD" clId="Web-{3A68BF28-9D63-1709-307F-9A042DD1F4DA}" dt="2025-01-25T14:25:48.901" v="2179"/>
+        <pc:sldMkLst>
+          <pc:docMk/>
+          <pc:sldMk cId="2478739768" sldId="2147483534"/>
+        </pc:sldMkLst>
+      </pc:sldChg>
+      <pc:sldChg chg="addSp delSp modSp">
+        <pc:chgData name="Matthieu BRIEND" userId="S::mbriend@lemonway.com::f43b7032-540d-4661-9645-e17125bf3d76" providerId="AD" clId="Web-{3A68BF28-9D63-1709-307F-9A042DD1F4DA}" dt="2025-01-25T15:04:58.708" v="2407" actId="20577"/>
+        <pc:sldMkLst>
+          <pc:docMk/>
+          <pc:sldMk cId="3613313698" sldId="2147483536"/>
+        </pc:sldMkLst>
+      </pc:sldChg>
+      <pc:sldChg chg="modSp">
+        <pc:chgData name="Matthieu BRIEND" userId="S::mbriend@lemonway.com::f43b7032-540d-4661-9645-e17125bf3d76" providerId="AD" clId="Web-{3A68BF28-9D63-1709-307F-9A042DD1F4DA}" dt="2025-01-25T13:33:05.565" v="1825" actId="20577"/>
+        <pc:sldMkLst>
+          <pc:docMk/>
+          <pc:sldMk cId="3330874013" sldId="2147483537"/>
+        </pc:sldMkLst>
+      </pc:sldChg>
+      <pc:sldChg chg="addSp delSp modSp del">
+        <pc:chgData name="Matthieu BRIEND" userId="S::mbriend@lemonway.com::f43b7032-540d-4661-9645-e17125bf3d76" providerId="AD" clId="Web-{3A68BF28-9D63-1709-307F-9A042DD1F4DA}" dt="2025-01-25T11:49:51.561" v="997"/>
+        <pc:sldMkLst>
+          <pc:docMk/>
+          <pc:sldMk cId="2996027476" sldId="2147483538"/>
+        </pc:sldMkLst>
+      </pc:sldChg>
+      <pc:sldChg chg="addSp delSp modSp add del replId">
+        <pc:chgData name="Matthieu BRIEND" userId="S::mbriend@lemonway.com::f43b7032-540d-4661-9645-e17125bf3d76" providerId="AD" clId="Web-{3A68BF28-9D63-1709-307F-9A042DD1F4DA}" dt="2025-01-25T12:48:00.362" v="1157"/>
+        <pc:sldMkLst>
+          <pc:docMk/>
+          <pc:sldMk cId="536582585" sldId="2147483544"/>
+        </pc:sldMkLst>
+      </pc:sldChg>
+      <pc:sldChg chg="addSp delSp modSp add replId">
+        <pc:chgData name="Matthieu BRIEND" userId="S::mbriend@lemonway.com::f43b7032-540d-4661-9645-e17125bf3d76" providerId="AD" clId="Web-{3A68BF28-9D63-1709-307F-9A042DD1F4DA}" dt="2025-01-25T15:19:30.976" v="2447" actId="1076"/>
+        <pc:sldMkLst>
+          <pc:docMk/>
+          <pc:sldMk cId="538564091" sldId="2147483545"/>
+        </pc:sldMkLst>
+      </pc:sldChg>
+      <pc:sldChg chg="addSp delSp modSp add replId">
+        <pc:chgData name="Matthieu BRIEND" userId="S::mbriend@lemonway.com::f43b7032-540d-4661-9645-e17125bf3d76" providerId="AD" clId="Web-{3A68BF28-9D63-1709-307F-9A042DD1F4DA}" dt="2025-01-25T15:18:14.722" v="2435"/>
+        <pc:sldMkLst>
+          <pc:docMk/>
+          <pc:sldMk cId="323720210" sldId="2147483546"/>
+        </pc:sldMkLst>
+      </pc:sldChg>
+      <pc:sldChg chg="addSp delSp modSp add replId">
+        <pc:chgData name="Matthieu BRIEND" userId="S::mbriend@lemonway.com::f43b7032-540d-4661-9645-e17125bf3d76" providerId="AD" clId="Web-{3A68BF28-9D63-1709-307F-9A042DD1F4DA}" dt="2025-01-25T15:17:52.392" v="2433" actId="1076"/>
+        <pc:sldMkLst>
+          <pc:docMk/>
+          <pc:sldMk cId="819472479" sldId="2147483547"/>
+        </pc:sldMkLst>
+      </pc:sldChg>
+      <pc:sldChg chg="modSp add del ord replId">
+        <pc:chgData name="Matthieu BRIEND" userId="S::mbriend@lemonway.com::f43b7032-540d-4661-9645-e17125bf3d76" providerId="AD" clId="Web-{3A68BF28-9D63-1709-307F-9A042DD1F4DA}" dt="2025-01-25T12:52:10.315" v="1176"/>
+        <pc:sldMkLst>
+          <pc:docMk/>
+          <pc:sldMk cId="894704204" sldId="2147483548"/>
+        </pc:sldMkLst>
+      </pc:sldChg>
+      <pc:sldChg chg="addSp delSp modSp add replId">
+        <pc:chgData name="Matthieu BRIEND" userId="S::mbriend@lemonway.com::f43b7032-540d-4661-9645-e17125bf3d76" providerId="AD" clId="Web-{3A68BF28-9D63-1709-307F-9A042DD1F4DA}" dt="2025-01-25T15:00:54.365" v="2386"/>
+        <pc:sldMkLst>
+          <pc:docMk/>
+          <pc:sldMk cId="3713441185" sldId="2147483549"/>
+        </pc:sldMkLst>
+      </pc:sldChg>
+      <pc:sldChg chg="addSp delSp modSp add replId">
+        <pc:chgData name="Matthieu BRIEND" userId="S::mbriend@lemonway.com::f43b7032-540d-4661-9645-e17125bf3d76" providerId="AD" clId="Web-{3A68BF28-9D63-1709-307F-9A042DD1F4DA}" dt="2025-01-25T15:19:02.881" v="2443" actId="1076"/>
+        <pc:sldMkLst>
+          <pc:docMk/>
+          <pc:sldMk cId="3514001501" sldId="2147483550"/>
+        </pc:sldMkLst>
+      </pc:sldChg>
+      <pc:sldChg chg="modSp add replId">
+        <pc:chgData name="Matthieu BRIEND" userId="S::mbriend@lemonway.com::f43b7032-540d-4661-9645-e17125bf3d76" providerId="AD" clId="Web-{3A68BF28-9D63-1709-307F-9A042DD1F4DA}" dt="2025-01-25T12:52:03.455" v="1175" actId="20577"/>
+        <pc:sldMkLst>
+          <pc:docMk/>
+          <pc:sldMk cId="3947401979" sldId="2147483551"/>
+        </pc:sldMkLst>
+      </pc:sldChg>
+      <pc:sldChg chg="modSp add replId">
+        <pc:chgData name="Matthieu BRIEND" userId="S::mbriend@lemonway.com::f43b7032-540d-4661-9645-e17125bf3d76" providerId="AD" clId="Web-{3A68BF28-9D63-1709-307F-9A042DD1F4DA}" dt="2025-01-25T14:04:13.040" v="1981" actId="20577"/>
+        <pc:sldMkLst>
+          <pc:docMk/>
+          <pc:sldMk cId="237779500" sldId="2147483552"/>
+        </pc:sldMkLst>
+      </pc:sldChg>
+      <pc:sldChg chg="addSp delSp modSp add replId">
+        <pc:chgData name="Matthieu BRIEND" userId="S::mbriend@lemonway.com::f43b7032-540d-4661-9645-e17125bf3d76" providerId="AD" clId="Web-{3A68BF28-9D63-1709-307F-9A042DD1F4DA}" dt="2025-01-25T13:29:27.708" v="1768" actId="20577"/>
+        <pc:sldMkLst>
+          <pc:docMk/>
+          <pc:sldMk cId="3834754012" sldId="2147483553"/>
+        </pc:sldMkLst>
+      </pc:sldChg>
+      <pc:sldChg chg="addSp delSp modSp add replId">
+        <pc:chgData name="Matthieu BRIEND" userId="S::mbriend@lemonway.com::f43b7032-540d-4661-9645-e17125bf3d76" providerId="AD" clId="Web-{3A68BF28-9D63-1709-307F-9A042DD1F4DA}" dt="2025-01-25T14:59:43.361" v="2385" actId="1076"/>
+        <pc:sldMkLst>
+          <pc:docMk/>
+          <pc:sldMk cId="2159616718" sldId="2147483554"/>
+        </pc:sldMkLst>
+      </pc:sldChg>
+      <pc:sldChg chg="modSp add del replId">
+        <pc:chgData name="Matthieu BRIEND" userId="S::mbriend@lemonway.com::f43b7032-540d-4661-9645-e17125bf3d76" providerId="AD" clId="Web-{3A68BF28-9D63-1709-307F-9A042DD1F4DA}" dt="2025-01-25T13:59:39.285" v="1918"/>
+        <pc:sldMkLst>
+          <pc:docMk/>
+          <pc:sldMk cId="4043880489" sldId="2147483554"/>
+        </pc:sldMkLst>
+      </pc:sldChg>
+    </pc:docChg>
+  </pc:docChgLst>
+  <pc:docChgLst>
+    <pc:chgData name="Matthieu BRIEND" userId="S::mbriend@lemonway.com::f43b7032-540d-4661-9645-e17125bf3d76" providerId="AD" clId="Web-{BC03D997-70C9-6060-AD01-703FF4DE0332}"/>
+    <pc:docChg chg="addSld delSld modSld">
+      <pc:chgData name="Matthieu BRIEND" userId="S::mbriend@lemonway.com::f43b7032-540d-4661-9645-e17125bf3d76" providerId="AD" clId="Web-{BC03D997-70C9-6060-AD01-703FF4DE0332}" dt="2025-01-25T15:45:00.778" v="119"/>
+      <pc:docMkLst>
+        <pc:docMk/>
+      </pc:docMkLst>
+      <pc:sldChg chg="addSp delSp modSp">
+        <pc:chgData name="Matthieu BRIEND" userId="S::mbriend@lemonway.com::f43b7032-540d-4661-9645-e17125bf3d76" providerId="AD" clId="Web-{BC03D997-70C9-6060-AD01-703FF4DE0332}" dt="2025-01-25T15:25:48.500" v="49"/>
+        <pc:sldMkLst>
+          <pc:docMk/>
+          <pc:sldMk cId="538564091" sldId="2147483545"/>
+        </pc:sldMkLst>
+      </pc:sldChg>
+      <pc:sldChg chg="addSp delSp modSp">
+        <pc:chgData name="Matthieu BRIEND" userId="S::mbriend@lemonway.com::f43b7032-540d-4661-9645-e17125bf3d76" providerId="AD" clId="Web-{BC03D997-70C9-6060-AD01-703FF4DE0332}" dt="2025-01-25T15:25:41.484" v="48"/>
+        <pc:sldMkLst>
+          <pc:docMk/>
+          <pc:sldMk cId="323720210" sldId="2147483546"/>
+        </pc:sldMkLst>
+      </pc:sldChg>
+      <pc:sldChg chg="modSp">
+        <pc:chgData name="Matthieu BRIEND" userId="S::mbriend@lemonway.com::f43b7032-540d-4661-9645-e17125bf3d76" providerId="AD" clId="Web-{BC03D997-70C9-6060-AD01-703FF4DE0332}" dt="2025-01-25T15:25:34.452" v="46" actId="1076"/>
+        <pc:sldMkLst>
+          <pc:docMk/>
+          <pc:sldMk cId="819472479" sldId="2147483547"/>
+        </pc:sldMkLst>
+      </pc:sldChg>
+      <pc:sldChg chg="addSp delSp modSp">
+        <pc:chgData name="Matthieu BRIEND" userId="S::mbriend@lemonway.com::f43b7032-540d-4661-9645-e17125bf3d76" providerId="AD" clId="Web-{BC03D997-70C9-6060-AD01-703FF4DE0332}" dt="2025-01-25T15:25:54.031" v="50"/>
+        <pc:sldMkLst>
+          <pc:docMk/>
+          <pc:sldMk cId="3514001501" sldId="2147483550"/>
+        </pc:sldMkLst>
+      </pc:sldChg>
+      <pc:sldChg chg="addSp delSp modSp">
+        <pc:chgData name="Matthieu BRIEND" userId="S::mbriend@lemonway.com::f43b7032-540d-4661-9645-e17125bf3d76" providerId="AD" clId="Web-{BC03D997-70C9-6060-AD01-703FF4DE0332}" dt="2025-01-25T15:37:40.071" v="103" actId="1076"/>
+        <pc:sldMkLst>
+          <pc:docMk/>
+          <pc:sldMk cId="2159616718" sldId="2147483554"/>
+        </pc:sldMkLst>
+      </pc:sldChg>
+      <pc:sldChg chg="addSp delSp modSp add del replId">
+        <pc:chgData name="Matthieu BRIEND" userId="S::mbriend@lemonway.com::f43b7032-540d-4661-9645-e17125bf3d76" providerId="AD" clId="Web-{BC03D997-70C9-6060-AD01-703FF4DE0332}" dt="2025-01-25T15:45:00.778" v="119"/>
+        <pc:sldMkLst>
+          <pc:docMk/>
+          <pc:sldMk cId="2728785092" sldId="2147483555"/>
+        </pc:sldMkLst>
+      </pc:sldChg>
+    </pc:docChg>
+  </pc:docChgLst>
+  <pc:docChgLst>
     <pc:chgData name="Matthieu BRIEND" userId="S::mbriend@lemonway.com::f43b7032-540d-4661-9645-e17125bf3d76" providerId="AD" clId="Web-{1DFB716E-A5F0-B515-D677-99EFFB0E8A2B}"/>
     <pc:docChg chg="addSld delSld modSld">
       <pc:chgData name="Matthieu BRIEND" userId="S::mbriend@lemonway.com::f43b7032-540d-4661-9645-e17125bf3d76" providerId="AD" clId="Web-{1DFB716E-A5F0-B515-D677-99EFFB0E8A2B}" dt="2025-01-22T16:37:47.349" v="484" actId="20577"/>
@@ -432,228 +1226,249 @@
     </pc:docChg>
   </pc:docChgLst>
   <pc:docChgLst>
-    <pc:chgData name="Stéphan DOMAGALA" userId="S::sdomagala@lemonway.com::1cc0081d-4eba-47b8-a881-e2990e5a4104" providerId="AD" clId="Web-{485B2B92-30F5-C909-FDB7-CC0E6F47BB02}"/>
-    <pc:docChg chg="addSld">
-      <pc:chgData name="Stéphan DOMAGALA" userId="S::sdomagala@lemonway.com::1cc0081d-4eba-47b8-a881-e2990e5a4104" providerId="AD" clId="Web-{485B2B92-30F5-C909-FDB7-CC0E6F47BB02}" dt="2025-01-27T07:49:23.727" v="2"/>
+    <pc:chgData name="Ludovic CIANNARELLA" userId="S::lciannarella@lemonway.com::f6c2df24-67a3-480d-9a94-03b4fbd1471c" providerId="AD" clId="Web-{5CAC2E96-BECC-677B-75E9-634AE2E57B4A}"/>
+    <pc:docChg chg="mod modSld">
+      <pc:chgData name="Ludovic CIANNARELLA" userId="S::lciannarella@lemonway.com::f6c2df24-67a3-480d-9a94-03b4fbd1471c" providerId="AD" clId="Web-{5CAC2E96-BECC-677B-75E9-634AE2E57B4A}" dt="2025-01-27T07:12:50.262" v="491"/>
+      <pc:docMkLst>
+        <pc:docMk/>
+      </pc:docMkLst>
+      <pc:sldChg chg="addSp delSp modSp">
+        <pc:chgData name="Ludovic CIANNARELLA" userId="S::lciannarella@lemonway.com::f6c2df24-67a3-480d-9a94-03b4fbd1471c" providerId="AD" clId="Web-{5CAC2E96-BECC-677B-75E9-634AE2E57B4A}" dt="2025-01-27T07:12:01.318" v="490" actId="20577"/>
+        <pc:sldMkLst>
+          <pc:docMk/>
+          <pc:sldMk cId="3141618727" sldId="2147483543"/>
+        </pc:sldMkLst>
+      </pc:sldChg>
+    </pc:docChg>
+  </pc:docChgLst>
+  <pc:docChgLst>
+    <pc:chgData name="Ambre SONOR" userId="S::asonor@lemonway.com::020792ae-fc4a-47d7-9e18-119d3ce04a29" providerId="AD" clId="Web-{4D18B488-37D8-3D51-D12A-741AA4A67C4E}"/>
+    <pc:docChg chg="addSld delSld modSld">
+      <pc:chgData name="Ambre SONOR" userId="S::asonor@lemonway.com::020792ae-fc4a-47d7-9e18-119d3ce04a29" providerId="AD" clId="Web-{4D18B488-37D8-3D51-D12A-741AA4A67C4E}" dt="2025-01-26T15:23:02.818" v="61" actId="20577"/>
+      <pc:docMkLst>
+        <pc:docMk/>
+      </pc:docMkLst>
+      <pc:sldChg chg="add del">
+        <pc:chgData name="Ambre SONOR" userId="S::asonor@lemonway.com::020792ae-fc4a-47d7-9e18-119d3ce04a29" providerId="AD" clId="Web-{4D18B488-37D8-3D51-D12A-741AA4A67C4E}" dt="2025-01-26T15:13:21.561" v="18"/>
+        <pc:sldMkLst>
+          <pc:docMk/>
+          <pc:sldMk cId="1650262097" sldId="551"/>
+        </pc:sldMkLst>
+      </pc:sldChg>
+      <pc:sldChg chg="del">
+        <pc:chgData name="Ambre SONOR" userId="S::asonor@lemonway.com::020792ae-fc4a-47d7-9e18-119d3ce04a29" providerId="AD" clId="Web-{4D18B488-37D8-3D51-D12A-741AA4A67C4E}" dt="2025-01-26T15:13:21.592" v="24"/>
+        <pc:sldMkLst>
+          <pc:docMk/>
+          <pc:sldMk cId="2736715337" sldId="2147483489"/>
+        </pc:sldMkLst>
+      </pc:sldChg>
+      <pc:sldChg chg="del">
+        <pc:chgData name="Ambre SONOR" userId="S::asonor@lemonway.com::020792ae-fc4a-47d7-9e18-119d3ce04a29" providerId="AD" clId="Web-{4D18B488-37D8-3D51-D12A-741AA4A67C4E}" dt="2025-01-26T15:12:15.746" v="3"/>
+        <pc:sldMkLst>
+          <pc:docMk/>
+          <pc:sldMk cId="3775625005" sldId="2147483557"/>
+        </pc:sldMkLst>
+      </pc:sldChg>
+      <pc:sldChg chg="add del">
+        <pc:chgData name="Ambre SONOR" userId="S::asonor@lemonway.com::020792ae-fc4a-47d7-9e18-119d3ce04a29" providerId="AD" clId="Web-{4D18B488-37D8-3D51-D12A-741AA4A67C4E}" dt="2025-01-26T15:13:21.592" v="23"/>
+        <pc:sldMkLst>
+          <pc:docMk/>
+          <pc:sldMk cId="4013152853" sldId="2147483557"/>
+        </pc:sldMkLst>
+      </pc:sldChg>
+      <pc:sldChg chg="add del">
+        <pc:chgData name="Ambre SONOR" userId="S::asonor@lemonway.com::020792ae-fc4a-47d7-9e18-119d3ce04a29" providerId="AD" clId="Web-{4D18B488-37D8-3D51-D12A-741AA4A67C4E}" dt="2025-01-26T15:13:21.592" v="22"/>
+        <pc:sldMkLst>
+          <pc:docMk/>
+          <pc:sldMk cId="1037370704" sldId="2147483558"/>
+        </pc:sldMkLst>
+      </pc:sldChg>
+      <pc:sldChg chg="del">
+        <pc:chgData name="Ambre SONOR" userId="S::asonor@lemonway.com::020792ae-fc4a-47d7-9e18-119d3ce04a29" providerId="AD" clId="Web-{4D18B488-37D8-3D51-D12A-741AA4A67C4E}" dt="2025-01-26T15:12:15.746" v="4"/>
+        <pc:sldMkLst>
+          <pc:docMk/>
+          <pc:sldMk cId="1144274074" sldId="2147483558"/>
+        </pc:sldMkLst>
+      </pc:sldChg>
+      <pc:sldChg chg="del">
+        <pc:chgData name="Ambre SONOR" userId="S::asonor@lemonway.com::020792ae-fc4a-47d7-9e18-119d3ce04a29" providerId="AD" clId="Web-{4D18B488-37D8-3D51-D12A-741AA4A67C4E}" dt="2025-01-26T15:12:15.746" v="2"/>
+        <pc:sldMkLst>
+          <pc:docMk/>
+          <pc:sldMk cId="1608452827" sldId="2147483559"/>
+        </pc:sldMkLst>
+      </pc:sldChg>
+      <pc:sldChg chg="add del">
+        <pc:chgData name="Ambre SONOR" userId="S::asonor@lemonway.com::020792ae-fc4a-47d7-9e18-119d3ce04a29" providerId="AD" clId="Web-{4D18B488-37D8-3D51-D12A-741AA4A67C4E}" dt="2025-01-26T15:13:21.592" v="21"/>
+        <pc:sldMkLst>
+          <pc:docMk/>
+          <pc:sldMk cId="3846675213" sldId="2147483559"/>
+        </pc:sldMkLst>
+      </pc:sldChg>
+      <pc:sldChg chg="del">
+        <pc:chgData name="Ambre SONOR" userId="S::asonor@lemonway.com::020792ae-fc4a-47d7-9e18-119d3ce04a29" providerId="AD" clId="Web-{4D18B488-37D8-3D51-D12A-741AA4A67C4E}" dt="2025-01-26T15:12:15.730" v="1"/>
+        <pc:sldMkLst>
+          <pc:docMk/>
+          <pc:sldMk cId="2840109025" sldId="2147483560"/>
+        </pc:sldMkLst>
+      </pc:sldChg>
+      <pc:sldChg chg="add del">
+        <pc:chgData name="Ambre SONOR" userId="S::asonor@lemonway.com::020792ae-fc4a-47d7-9e18-119d3ce04a29" providerId="AD" clId="Web-{4D18B488-37D8-3D51-D12A-741AA4A67C4E}" dt="2025-01-26T15:13:21.576" v="20"/>
+        <pc:sldMkLst>
+          <pc:docMk/>
+          <pc:sldMk cId="3092354881" sldId="2147483560"/>
+        </pc:sldMkLst>
+      </pc:sldChg>
+      <pc:sldChg chg="add del">
+        <pc:chgData name="Ambre SONOR" userId="S::asonor@lemonway.com::020792ae-fc4a-47d7-9e18-119d3ce04a29" providerId="AD" clId="Web-{4D18B488-37D8-3D51-D12A-741AA4A67C4E}" dt="2025-01-26T15:13:21.576" v="19"/>
+        <pc:sldMkLst>
+          <pc:docMk/>
+          <pc:sldMk cId="2402982292" sldId="2147483561"/>
+        </pc:sldMkLst>
+      </pc:sldChg>
+      <pc:sldChg chg="add replId">
+        <pc:chgData name="Ambre SONOR" userId="S::asonor@lemonway.com::020792ae-fc4a-47d7-9e18-119d3ce04a29" providerId="AD" clId="Web-{4D18B488-37D8-3D51-D12A-741AA4A67C4E}" dt="2025-01-26T15:13:12.576" v="11"/>
+        <pc:sldMkLst>
+          <pc:docMk/>
+          <pc:sldMk cId="1289184987" sldId="2147483562"/>
+        </pc:sldMkLst>
+      </pc:sldChg>
+      <pc:sldChg chg="add replId">
+        <pc:chgData name="Ambre SONOR" userId="S::asonor@lemonway.com::020792ae-fc4a-47d7-9e18-119d3ce04a29" providerId="AD" clId="Web-{4D18B488-37D8-3D51-D12A-741AA4A67C4E}" dt="2025-01-26T15:13:12.717" v="12"/>
+        <pc:sldMkLst>
+          <pc:docMk/>
+          <pc:sldMk cId="1404434608" sldId="2147483563"/>
+        </pc:sldMkLst>
+      </pc:sldChg>
+      <pc:sldChg chg="add replId">
+        <pc:chgData name="Ambre SONOR" userId="S::asonor@lemonway.com::020792ae-fc4a-47d7-9e18-119d3ce04a29" providerId="AD" clId="Web-{4D18B488-37D8-3D51-D12A-741AA4A67C4E}" dt="2025-01-26T15:13:12.826" v="13"/>
+        <pc:sldMkLst>
+          <pc:docMk/>
+          <pc:sldMk cId="2755047218" sldId="2147483564"/>
+        </pc:sldMkLst>
+      </pc:sldChg>
+      <pc:sldChg chg="modSp add replId">
+        <pc:chgData name="Ambre SONOR" userId="S::asonor@lemonway.com::020792ae-fc4a-47d7-9e18-119d3ce04a29" providerId="AD" clId="Web-{4D18B488-37D8-3D51-D12A-741AA4A67C4E}" dt="2025-01-26T15:23:02.818" v="61" actId="20577"/>
+        <pc:sldMkLst>
+          <pc:docMk/>
+          <pc:sldMk cId="2235345609" sldId="2147483565"/>
+        </pc:sldMkLst>
+      </pc:sldChg>
+      <pc:sldChg chg="add replId">
+        <pc:chgData name="Ambre SONOR" userId="S::asonor@lemonway.com::020792ae-fc4a-47d7-9e18-119d3ce04a29" providerId="AD" clId="Web-{4D18B488-37D8-3D51-D12A-741AA4A67C4E}" dt="2025-01-26T15:13:13.217" v="15"/>
+        <pc:sldMkLst>
+          <pc:docMk/>
+          <pc:sldMk cId="256682989" sldId="2147483566"/>
+        </pc:sldMkLst>
+      </pc:sldChg>
+      <pc:sldChg chg="addSp delSp modSp add replId">
+        <pc:chgData name="Ambre SONOR" userId="S::asonor@lemonway.com::020792ae-fc4a-47d7-9e18-119d3ce04a29" providerId="AD" clId="Web-{4D18B488-37D8-3D51-D12A-741AA4A67C4E}" dt="2025-01-26T15:22:43.240" v="59"/>
+        <pc:sldMkLst>
+          <pc:docMk/>
+          <pc:sldMk cId="3463449161" sldId="2147483567"/>
+        </pc:sldMkLst>
+      </pc:sldChg>
+      <pc:sldChg chg="add replId">
+        <pc:chgData name="Ambre SONOR" userId="S::asonor@lemonway.com::020792ae-fc4a-47d7-9e18-119d3ce04a29" providerId="AD" clId="Web-{4D18B488-37D8-3D51-D12A-741AA4A67C4E}" dt="2025-01-26T15:13:13.420" v="17"/>
+        <pc:sldMkLst>
+          <pc:docMk/>
+          <pc:sldMk cId="3993681143" sldId="2147483568"/>
+        </pc:sldMkLst>
+      </pc:sldChg>
+    </pc:docChg>
+  </pc:docChgLst>
+  <pc:docChgLst>
+    <pc:chgData name="Alexane BAUDRON" userId="c4e72a19-1b71-4ae0-b940-702fdd1a721d" providerId="ADAL" clId="{6A71322E-4FCE-3245-83CA-06CB33400DB1}"/>
+    <pc:docChg chg="modSld">
+      <pc:chgData name="Alexane BAUDRON" userId="c4e72a19-1b71-4ae0-b940-702fdd1a721d" providerId="ADAL" clId="{6A71322E-4FCE-3245-83CA-06CB33400DB1}" dt="2025-04-11T09:00:26.354" v="0" actId="207"/>
+      <pc:docMkLst>
+        <pc:docMk/>
+      </pc:docMkLst>
+      <pc:sldChg chg="modSp mod">
+        <pc:chgData name="Alexane BAUDRON" userId="c4e72a19-1b71-4ae0-b940-702fdd1a721d" providerId="ADAL" clId="{6A71322E-4FCE-3245-83CA-06CB33400DB1}" dt="2025-04-11T09:00:26.354" v="0" actId="207"/>
+        <pc:sldMkLst>
+          <pc:docMk/>
+          <pc:sldMk cId="1292861028" sldId="2147483484"/>
+        </pc:sldMkLst>
+      </pc:sldChg>
+    </pc:docChg>
+  </pc:docChgLst>
+  <pc:docChgLst>
+    <pc:chgData name="Martin-Pierre GAULTIER" userId="S::mpgaultier@lemonway.com::0415e4a0-177e-4c12-b0e5-1f7bc3cae49f" providerId="AD" clId="Web-{81F0FA31-1023-C8BC-B591-3193617A7462}"/>
+    <pc:docChg chg="addSld modSld">
+      <pc:chgData name="Martin-Pierre GAULTIER" userId="S::mpgaultier@lemonway.com::0415e4a0-177e-4c12-b0e5-1f7bc3cae49f" providerId="AD" clId="Web-{81F0FA31-1023-C8BC-B591-3193617A7462}" dt="2025-01-24T10:41:33.029" v="289" actId="20577"/>
+      <pc:docMkLst>
+        <pc:docMk/>
+      </pc:docMkLst>
+      <pc:sldChg chg="addSp modSp">
+        <pc:chgData name="Martin-Pierre GAULTIER" userId="S::mpgaultier@lemonway.com::0415e4a0-177e-4c12-b0e5-1f7bc3cae49f" providerId="AD" clId="Web-{81F0FA31-1023-C8BC-B591-3193617A7462}" dt="2025-01-24T10:41:33.029" v="289" actId="20577"/>
+        <pc:sldMkLst>
+          <pc:docMk/>
+          <pc:sldMk cId="1260531968" sldId="2147483524"/>
+        </pc:sldMkLst>
+      </pc:sldChg>
+      <pc:sldChg chg="delSp modSp add replId">
+        <pc:chgData name="Martin-Pierre GAULTIER" userId="S::mpgaultier@lemonway.com::0415e4a0-177e-4c12-b0e5-1f7bc3cae49f" providerId="AD" clId="Web-{81F0FA31-1023-C8BC-B591-3193617A7462}" dt="2025-01-24T09:41:49.808" v="61" actId="20577"/>
+        <pc:sldMkLst>
+          <pc:docMk/>
+          <pc:sldMk cId="1186544563" sldId="2147483539"/>
+        </pc:sldMkLst>
+      </pc:sldChg>
+      <pc:sldChg chg="modSp add replId">
+        <pc:chgData name="Martin-Pierre GAULTIER" userId="S::mpgaultier@lemonway.com::0415e4a0-177e-4c12-b0e5-1f7bc3cae49f" providerId="AD" clId="Web-{81F0FA31-1023-C8BC-B591-3193617A7462}" dt="2025-01-24T10:04:07.846" v="228" actId="20577"/>
+        <pc:sldMkLst>
+          <pc:docMk/>
+          <pc:sldMk cId="4133866324" sldId="2147483540"/>
+        </pc:sldMkLst>
+      </pc:sldChg>
+    </pc:docChg>
+  </pc:docChgLst>
+  <pc:docChgLst>
+    <pc:chgData name="Ambre SONOR" userId="S::asonor@lemonway.com::020792ae-fc4a-47d7-9e18-119d3ce04a29" providerId="AD" clId="Web-{3D15ABCA-DE2B-6C39-94C0-B697A87C14F8}"/>
+    <pc:docChg chg="addSld modSld sldOrd">
+      <pc:chgData name="Ambre SONOR" userId="S::asonor@lemonway.com::020792ae-fc4a-47d7-9e18-119d3ce04a29" providerId="AD" clId="Web-{3D15ABCA-DE2B-6C39-94C0-B697A87C14F8}" dt="2025-01-27T16:09:25.388" v="9" actId="14100"/>
       <pc:docMkLst>
         <pc:docMk/>
       </pc:docMkLst>
       <pc:sldChg chg="add">
-        <pc:chgData name="Stéphan DOMAGALA" userId="S::sdomagala@lemonway.com::1cc0081d-4eba-47b8-a881-e2990e5a4104" providerId="AD" clId="Web-{485B2B92-30F5-C909-FDB7-CC0E6F47BB02}" dt="2025-01-27T07:49:23.696" v="0"/>
-        <pc:sldMkLst>
-          <pc:docMk/>
-          <pc:sldMk cId="1636887273" sldId="2147483572"/>
+        <pc:chgData name="Ambre SONOR" userId="S::asonor@lemonway.com::020792ae-fc4a-47d7-9e18-119d3ce04a29" providerId="AD" clId="Web-{3D15ABCA-DE2B-6C39-94C0-B697A87C14F8}" dt="2025-01-26T14:31:44.819" v="4"/>
+        <pc:sldMkLst>
+          <pc:docMk/>
+          <pc:sldMk cId="1650262097" sldId="551"/>
+        </pc:sldMkLst>
+      </pc:sldChg>
+      <pc:sldChg chg="modSp">
+        <pc:chgData name="Ambre SONOR" userId="S::asonor@lemonway.com::020792ae-fc4a-47d7-9e18-119d3ce04a29" providerId="AD" clId="Web-{3D15ABCA-DE2B-6C39-94C0-B697A87C14F8}" dt="2025-01-27T16:09:25.388" v="9" actId="14100"/>
+        <pc:sldMkLst>
+          <pc:docMk/>
+          <pc:sldMk cId="1260531968" sldId="2147483524"/>
         </pc:sldMkLst>
       </pc:sldChg>
       <pc:sldChg chg="add">
-        <pc:chgData name="Stéphan DOMAGALA" userId="S::sdomagala@lemonway.com::1cc0081d-4eba-47b8-a881-e2990e5a4104" providerId="AD" clId="Web-{485B2B92-30F5-C909-FDB7-CC0E6F47BB02}" dt="2025-01-27T07:49:23.712" v="1"/>
-        <pc:sldMkLst>
-          <pc:docMk/>
-          <pc:sldMk cId="3904257479" sldId="2147483573"/>
+        <pc:chgData name="Ambre SONOR" userId="S::asonor@lemonway.com::020792ae-fc4a-47d7-9e18-119d3ce04a29" providerId="AD" clId="Web-{3D15ABCA-DE2B-6C39-94C0-B697A87C14F8}" dt="2025-01-26T14:31:44.710" v="0"/>
+        <pc:sldMkLst>
+          <pc:docMk/>
+          <pc:sldMk cId="3775625005" sldId="2147483557"/>
+        </pc:sldMkLst>
+      </pc:sldChg>
+      <pc:sldChg chg="add ord">
+        <pc:chgData name="Ambre SONOR" userId="S::asonor@lemonway.com::020792ae-fc4a-47d7-9e18-119d3ce04a29" providerId="AD" clId="Web-{3D15ABCA-DE2B-6C39-94C0-B697A87C14F8}" dt="2025-01-26T14:33:24.589" v="5"/>
+        <pc:sldMkLst>
+          <pc:docMk/>
+          <pc:sldMk cId="1144274074" sldId="2147483558"/>
         </pc:sldMkLst>
       </pc:sldChg>
       <pc:sldChg chg="add">
-        <pc:chgData name="Stéphan DOMAGALA" userId="S::sdomagala@lemonway.com::1cc0081d-4eba-47b8-a881-e2990e5a4104" providerId="AD" clId="Web-{485B2B92-30F5-C909-FDB7-CC0E6F47BB02}" dt="2025-01-27T07:49:23.727" v="2"/>
-        <pc:sldMkLst>
-          <pc:docMk/>
-          <pc:sldMk cId="3375371089" sldId="2147483574"/>
-        </pc:sldMkLst>
-      </pc:sldChg>
-    </pc:docChg>
-  </pc:docChgLst>
-  <pc:docChgLst>
-    <pc:chgData name="Pierre GAUVRY" userId="S::pgauvry@lemonway.com::83edf39d-5bbc-4918-af09-c2287799a21e" providerId="AD" clId="Web-{043BB0B3-314B-63D4-7B3F-13D2E81873A1}"/>
-    <pc:docChg chg="modSld">
-      <pc:chgData name="Pierre GAUVRY" userId="S::pgauvry@lemonway.com::83edf39d-5bbc-4918-af09-c2287799a21e" providerId="AD" clId="Web-{043BB0B3-314B-63D4-7B3F-13D2E81873A1}" dt="2025-01-27T21:35:59.470" v="76" actId="20577"/>
-      <pc:docMkLst>
-        <pc:docMk/>
-      </pc:docMkLst>
-      <pc:sldChg chg="modSp">
-        <pc:chgData name="Pierre GAUVRY" userId="S::pgauvry@lemonway.com::83edf39d-5bbc-4918-af09-c2287799a21e" providerId="AD" clId="Web-{043BB0B3-314B-63D4-7B3F-13D2E81873A1}" dt="2025-01-27T21:08:58.700" v="65" actId="20577"/>
-        <pc:sldMkLst>
-          <pc:docMk/>
-          <pc:sldMk cId="244232859" sldId="2147483541"/>
-        </pc:sldMkLst>
-      </pc:sldChg>
-      <pc:sldChg chg="modSp">
-        <pc:chgData name="Pierre GAUVRY" userId="S::pgauvry@lemonway.com::83edf39d-5bbc-4918-af09-c2287799a21e" providerId="AD" clId="Web-{043BB0B3-314B-63D4-7B3F-13D2E81873A1}" dt="2025-01-27T21:35:59.470" v="76" actId="20577"/>
-        <pc:sldMkLst>
-          <pc:docMk/>
-          <pc:sldMk cId="12490850" sldId="2147483542"/>
-        </pc:sldMkLst>
-      </pc:sldChg>
-    </pc:docChg>
-  </pc:docChgLst>
-  <pc:docChgLst>
-    <pc:chgData name="Pierre GAUVRY" userId="S::pgauvry@lemonway.com::83edf39d-5bbc-4918-af09-c2287799a21e" providerId="AD" clId="Web-{96091FD1-BE91-13D1-BB69-E973186F8B57}"/>
-    <pc:docChg chg="modSld">
-      <pc:chgData name="Pierre GAUVRY" userId="S::pgauvry@lemonway.com::83edf39d-5bbc-4918-af09-c2287799a21e" providerId="AD" clId="Web-{96091FD1-BE91-13D1-BB69-E973186F8B57}" dt="2025-01-27T07:37:39.898" v="5" actId="20577"/>
-      <pc:docMkLst>
-        <pc:docMk/>
-      </pc:docMkLst>
-      <pc:sldChg chg="modSp">
-        <pc:chgData name="Pierre GAUVRY" userId="S::pgauvry@lemonway.com::83edf39d-5bbc-4918-af09-c2287799a21e" providerId="AD" clId="Web-{96091FD1-BE91-13D1-BB69-E973186F8B57}" dt="2025-01-27T07:37:39.898" v="5" actId="20577"/>
-        <pc:sldMkLst>
-          <pc:docMk/>
-          <pc:sldMk cId="244232859" sldId="2147483541"/>
-        </pc:sldMkLst>
-      </pc:sldChg>
-      <pc:sldChg chg="addSp delSp modSp">
-        <pc:chgData name="Pierre GAUVRY" userId="S::pgauvry@lemonway.com::83edf39d-5bbc-4918-af09-c2287799a21e" providerId="AD" clId="Web-{96091FD1-BE91-13D1-BB69-E973186F8B57}" dt="2025-01-27T07:31:50.510" v="3" actId="20577"/>
-        <pc:sldMkLst>
-          <pc:docMk/>
-          <pc:sldMk cId="12490850" sldId="2147483542"/>
-        </pc:sldMkLst>
-      </pc:sldChg>
-    </pc:docChg>
-  </pc:docChgLst>
-  <pc:docChgLst>
-    <pc:chgData name="Martin-Pierre GAULTIER" userId="S::mpgaultier@lemonway.com::0415e4a0-177e-4c12-b0e5-1f7bc3cae49f" providerId="AD" clId="Web-{25F07FC2-B9C7-CFAD-4729-CEF50097650F}"/>
-    <pc:docChg chg="addSld delSld modSld sldOrd">
-      <pc:chgData name="Martin-Pierre GAULTIER" userId="S::mpgaultier@lemonway.com::0415e4a0-177e-4c12-b0e5-1f7bc3cae49f" providerId="AD" clId="Web-{25F07FC2-B9C7-CFAD-4729-CEF50097650F}" dt="2025-01-27T19:30:46.877" v="510"/>
-      <pc:docMkLst>
-        <pc:docMk/>
-      </pc:docMkLst>
-      <pc:sldChg chg="ord">
-        <pc:chgData name="Martin-Pierre GAULTIER" userId="S::mpgaultier@lemonway.com::0415e4a0-177e-4c12-b0e5-1f7bc3cae49f" providerId="AD" clId="Web-{25F07FC2-B9C7-CFAD-4729-CEF50097650F}" dt="2025-01-27T15:46:19.494" v="26"/>
-        <pc:sldMkLst>
-          <pc:docMk/>
-          <pc:sldMk cId="2391188043" sldId="2147483490"/>
-        </pc:sldMkLst>
-      </pc:sldChg>
-      <pc:sldChg chg="modSp">
-        <pc:chgData name="Martin-Pierre GAULTIER" userId="S::mpgaultier@lemonway.com::0415e4a0-177e-4c12-b0e5-1f7bc3cae49f" providerId="AD" clId="Web-{25F07FC2-B9C7-CFAD-4729-CEF50097650F}" dt="2025-01-27T19:30:46.877" v="510"/>
-        <pc:sldMkLst>
-          <pc:docMk/>
-          <pc:sldMk cId="2312050107" sldId="2147483522"/>
-        </pc:sldMkLst>
-      </pc:sldChg>
-      <pc:sldChg chg="modSp">
-        <pc:chgData name="Martin-Pierre GAULTIER" userId="S::mpgaultier@lemonway.com::0415e4a0-177e-4c12-b0e5-1f7bc3cae49f" providerId="AD" clId="Web-{25F07FC2-B9C7-CFAD-4729-CEF50097650F}" dt="2025-01-27T19:21:28.846" v="444" actId="20577"/>
-        <pc:sldMkLst>
-          <pc:docMk/>
-          <pc:sldMk cId="2246678326" sldId="2147483526"/>
-        </pc:sldMkLst>
-      </pc:sldChg>
-      <pc:sldChg chg="modSp">
-        <pc:chgData name="Martin-Pierre GAULTIER" userId="S::mpgaultier@lemonway.com::0415e4a0-177e-4c12-b0e5-1f7bc3cae49f" providerId="AD" clId="Web-{25F07FC2-B9C7-CFAD-4729-CEF50097650F}" dt="2025-01-27T19:17:09.308" v="288" actId="20577"/>
-        <pc:sldMkLst>
-          <pc:docMk/>
-          <pc:sldMk cId="4251313692" sldId="2147483528"/>
-        </pc:sldMkLst>
-      </pc:sldChg>
-      <pc:sldChg chg="addSp modSp">
-        <pc:chgData name="Martin-Pierre GAULTIER" userId="S::mpgaultier@lemonway.com::0415e4a0-177e-4c12-b0e5-1f7bc3cae49f" providerId="AD" clId="Web-{25F07FC2-B9C7-CFAD-4729-CEF50097650F}" dt="2025-01-27T19:29:07.515" v="476" actId="20577"/>
-        <pc:sldMkLst>
-          <pc:docMk/>
-          <pc:sldMk cId="1584612849" sldId="2147483531"/>
-        </pc:sldMkLst>
-      </pc:sldChg>
-      <pc:sldChg chg="ord">
-        <pc:chgData name="Martin-Pierre GAULTIER" userId="S::mpgaultier@lemonway.com::0415e4a0-177e-4c12-b0e5-1f7bc3cae49f" providerId="AD" clId="Web-{25F07FC2-B9C7-CFAD-4729-CEF50097650F}" dt="2025-01-27T15:46:19.494" v="20"/>
-        <pc:sldMkLst>
-          <pc:docMk/>
-          <pc:sldMk cId="3452786207" sldId="2147483544"/>
-        </pc:sldMkLst>
-      </pc:sldChg>
-      <pc:sldChg chg="ord">
-        <pc:chgData name="Martin-Pierre GAULTIER" userId="S::mpgaultier@lemonway.com::0415e4a0-177e-4c12-b0e5-1f7bc3cae49f" providerId="AD" clId="Web-{25F07FC2-B9C7-CFAD-4729-CEF50097650F}" dt="2025-01-27T15:46:19.494" v="25"/>
-        <pc:sldMkLst>
-          <pc:docMk/>
-          <pc:sldMk cId="1851883643" sldId="2147483572"/>
-        </pc:sldMkLst>
-      </pc:sldChg>
-      <pc:sldChg chg="ord">
-        <pc:chgData name="Martin-Pierre GAULTIER" userId="S::mpgaultier@lemonway.com::0415e4a0-177e-4c12-b0e5-1f7bc3cae49f" providerId="AD" clId="Web-{25F07FC2-B9C7-CFAD-4729-CEF50097650F}" dt="2025-01-27T15:46:19.494" v="24"/>
-        <pc:sldMkLst>
-          <pc:docMk/>
-          <pc:sldMk cId="3904257479" sldId="2147483573"/>
-        </pc:sldMkLst>
-      </pc:sldChg>
-      <pc:sldChg chg="ord">
-        <pc:chgData name="Martin-Pierre GAULTIER" userId="S::mpgaultier@lemonway.com::0415e4a0-177e-4c12-b0e5-1f7bc3cae49f" providerId="AD" clId="Web-{25F07FC2-B9C7-CFAD-4729-CEF50097650F}" dt="2025-01-27T15:46:19.494" v="23"/>
-        <pc:sldMkLst>
-          <pc:docMk/>
-          <pc:sldMk cId="1584404665" sldId="2147483574"/>
-        </pc:sldMkLst>
-      </pc:sldChg>
-      <pc:sldChg chg="ord">
-        <pc:chgData name="Martin-Pierre GAULTIER" userId="S::mpgaultier@lemonway.com::0415e4a0-177e-4c12-b0e5-1f7bc3cae49f" providerId="AD" clId="Web-{25F07FC2-B9C7-CFAD-4729-CEF50097650F}" dt="2025-01-27T15:46:19.494" v="22"/>
-        <pc:sldMkLst>
-          <pc:docMk/>
-          <pc:sldMk cId="3593561478" sldId="2147483575"/>
-        </pc:sldMkLst>
-      </pc:sldChg>
-      <pc:sldChg chg="ord">
-        <pc:chgData name="Martin-Pierre GAULTIER" userId="S::mpgaultier@lemonway.com::0415e4a0-177e-4c12-b0e5-1f7bc3cae49f" providerId="AD" clId="Web-{25F07FC2-B9C7-CFAD-4729-CEF50097650F}" dt="2025-01-27T15:46:19.494" v="21"/>
-        <pc:sldMkLst>
-          <pc:docMk/>
-          <pc:sldMk cId="3395933212" sldId="2147483576"/>
-        </pc:sldMkLst>
-      </pc:sldChg>
-      <pc:sldChg chg="ord">
-        <pc:chgData name="Martin-Pierre GAULTIER" userId="S::mpgaultier@lemonway.com::0415e4a0-177e-4c12-b0e5-1f7bc3cae49f" providerId="AD" clId="Web-{25F07FC2-B9C7-CFAD-4729-CEF50097650F}" dt="2025-01-27T15:46:19.478" v="19"/>
-        <pc:sldMkLst>
-          <pc:docMk/>
-          <pc:sldMk cId="4045004320" sldId="2147483577"/>
-        </pc:sldMkLst>
-      </pc:sldChg>
-      <pc:sldChg chg="addSp delSp modSp ord">
-        <pc:chgData name="Martin-Pierre GAULTIER" userId="S::mpgaultier@lemonway.com::0415e4a0-177e-4c12-b0e5-1f7bc3cae49f" providerId="AD" clId="Web-{25F07FC2-B9C7-CFAD-4729-CEF50097650F}" dt="2025-01-27T19:29:49.798" v="505" actId="20577"/>
-        <pc:sldMkLst>
-          <pc:docMk/>
-          <pc:sldMk cId="1703776386" sldId="2147483579"/>
-        </pc:sldMkLst>
-      </pc:sldChg>
-      <pc:sldChg chg="add del replId">
-        <pc:chgData name="Martin-Pierre GAULTIER" userId="S::mpgaultier@lemonway.com::0415e4a0-177e-4c12-b0e5-1f7bc3cae49f" providerId="AD" clId="Web-{25F07FC2-B9C7-CFAD-4729-CEF50097650F}" dt="2025-01-27T19:20:32.454" v="410"/>
-        <pc:sldMkLst>
-          <pc:docMk/>
-          <pc:sldMk cId="4246493447" sldId="2147483581"/>
-        </pc:sldMkLst>
-      </pc:sldChg>
-    </pc:docChg>
-  </pc:docChgLst>
-  <pc:docChgLst>
-    <pc:chgData name="Martin-Pierre GAULTIER" userId="S::mpgaultier@lemonway.com::0415e4a0-177e-4c12-b0e5-1f7bc3cae49f" providerId="AD" clId="Web-{52BC3E1A-D6D2-44C8-CFE8-C19A6AC6F661}"/>
-    <pc:docChg chg="modSld">
-      <pc:chgData name="Martin-Pierre GAULTIER" userId="S::mpgaultier@lemonway.com::0415e4a0-177e-4c12-b0e5-1f7bc3cae49f" providerId="AD" clId="Web-{52BC3E1A-D6D2-44C8-CFE8-C19A6AC6F661}" dt="2025-05-19T13:39:57.360" v="20" actId="20577"/>
-      <pc:docMkLst>
-        <pc:docMk/>
-      </pc:docMkLst>
-      <pc:sldChg chg="modSp">
-        <pc:chgData name="Martin-Pierre GAULTIER" userId="S::mpgaultier@lemonway.com::0415e4a0-177e-4c12-b0e5-1f7bc3cae49f" providerId="AD" clId="Web-{52BC3E1A-D6D2-44C8-CFE8-C19A6AC6F661}" dt="2025-05-19T13:29:07.557" v="15" actId="14100"/>
-        <pc:sldMkLst>
-          <pc:docMk/>
-          <pc:sldMk cId="2246678326" sldId="2147483526"/>
-        </pc:sldMkLst>
-      </pc:sldChg>
-      <pc:sldChg chg="addSp modSp">
-        <pc:chgData name="Martin-Pierre GAULTIER" userId="S::mpgaultier@lemonway.com::0415e4a0-177e-4c12-b0e5-1f7bc3cae49f" providerId="AD" clId="Web-{52BC3E1A-D6D2-44C8-CFE8-C19A6AC6F661}" dt="2025-05-19T13:26:37.412" v="7" actId="1076"/>
-        <pc:sldMkLst>
-          <pc:docMk/>
-          <pc:sldMk cId="1326845705" sldId="2147483529"/>
-        </pc:sldMkLst>
-      </pc:sldChg>
-      <pc:sldChg chg="addSp modSp">
-        <pc:chgData name="Martin-Pierre GAULTIER" userId="S::mpgaultier@lemonway.com::0415e4a0-177e-4c12-b0e5-1f7bc3cae49f" providerId="AD" clId="Web-{52BC3E1A-D6D2-44C8-CFE8-C19A6AC6F661}" dt="2025-05-19T13:39:04.623" v="19" actId="1076"/>
-        <pc:sldMkLst>
-          <pc:docMk/>
-          <pc:sldMk cId="3395933212" sldId="2147483576"/>
-        </pc:sldMkLst>
-      </pc:sldChg>
-      <pc:sldChg chg="modSp">
-        <pc:chgData name="Martin-Pierre GAULTIER" userId="S::mpgaultier@lemonway.com::0415e4a0-177e-4c12-b0e5-1f7bc3cae49f" providerId="AD" clId="Web-{52BC3E1A-D6D2-44C8-CFE8-C19A6AC6F661}" dt="2025-05-19T13:39:57.360" v="20" actId="20577"/>
-        <pc:sldMkLst>
-          <pc:docMk/>
-          <pc:sldMk cId="4045004320" sldId="2147483577"/>
-        </pc:sldMkLst>
-      </pc:sldChg>
-      <pc:sldChg chg="modSp">
-        <pc:chgData name="Martin-Pierre GAULTIER" userId="S::mpgaultier@lemonway.com::0415e4a0-177e-4c12-b0e5-1f7bc3cae49f" providerId="AD" clId="Web-{52BC3E1A-D6D2-44C8-CFE8-C19A6AC6F661}" dt="2025-05-19T13:15:25.999" v="1" actId="14100"/>
-        <pc:sldMkLst>
-          <pc:docMk/>
-          <pc:sldMk cId="1703776386" sldId="2147483579"/>
+        <pc:chgData name="Ambre SONOR" userId="S::asonor@lemonway.com::020792ae-fc4a-47d7-9e18-119d3ce04a29" providerId="AD" clId="Web-{3D15ABCA-DE2B-6C39-94C0-B697A87C14F8}" dt="2025-01-26T14:31:44.757" v="2"/>
+        <pc:sldMkLst>
+          <pc:docMk/>
+          <pc:sldMk cId="1608452827" sldId="2147483559"/>
+        </pc:sldMkLst>
+      </pc:sldChg>
+      <pc:sldChg chg="add">
+        <pc:chgData name="Ambre SONOR" userId="S::asonor@lemonway.com::020792ae-fc4a-47d7-9e18-119d3ce04a29" providerId="AD" clId="Web-{3D15ABCA-DE2B-6C39-94C0-B697A87C14F8}" dt="2025-01-26T14:31:44.788" v="3"/>
+        <pc:sldMkLst>
+          <pc:docMk/>
+          <pc:sldMk cId="2840109025" sldId="2147483560"/>
         </pc:sldMkLst>
       </pc:sldChg>
     </pc:docChg>
@@ -675,789 +1490,6 @@
     </pc:docChg>
   </pc:docChgLst>
   <pc:docChgLst>
-    <pc:chgData name="Romain MILECKI" userId="53d3c05e-b504-4371-8e77-d2aef7b9335c" providerId="ADAL" clId="{D55A2D77-A857-4928-B221-958258A0E265}"/>
-    <pc:docChg chg="undo custSel modSld">
-      <pc:chgData name="Romain MILECKI" userId="53d3c05e-b504-4371-8e77-d2aef7b9335c" providerId="ADAL" clId="{D55A2D77-A857-4928-B221-958258A0E265}" dt="2025-02-17T16:58:44.542" v="78" actId="12788"/>
-      <pc:docMkLst>
-        <pc:docMk/>
-      </pc:docMkLst>
-      <pc:sldChg chg="addSp delSp modSp mod">
-        <pc:chgData name="Romain MILECKI" userId="53d3c05e-b504-4371-8e77-d2aef7b9335c" providerId="ADAL" clId="{D55A2D77-A857-4928-B221-958258A0E265}" dt="2025-02-17T16:58:44.542" v="78" actId="12788"/>
-        <pc:sldMkLst>
-          <pc:docMk/>
-          <pc:sldMk cId="4133866324" sldId="2147483540"/>
-        </pc:sldMkLst>
-      </pc:sldChg>
-    </pc:docChg>
-  </pc:docChgLst>
-  <pc:docChgLst>
-    <pc:chgData name="Matthieu BRIEND" userId="S::mbriend@lemonway.com::f43b7032-540d-4661-9645-e17125bf3d76" providerId="AD" clId="Web-{BC03D997-70C9-6060-AD01-703FF4DE0332}"/>
-    <pc:docChg chg="addSld delSld modSld">
-      <pc:chgData name="Matthieu BRIEND" userId="S::mbriend@lemonway.com::f43b7032-540d-4661-9645-e17125bf3d76" providerId="AD" clId="Web-{BC03D997-70C9-6060-AD01-703FF4DE0332}" dt="2025-01-25T15:45:00.778" v="119"/>
-      <pc:docMkLst>
-        <pc:docMk/>
-      </pc:docMkLst>
-      <pc:sldChg chg="addSp delSp modSp">
-        <pc:chgData name="Matthieu BRIEND" userId="S::mbriend@lemonway.com::f43b7032-540d-4661-9645-e17125bf3d76" providerId="AD" clId="Web-{BC03D997-70C9-6060-AD01-703FF4DE0332}" dt="2025-01-25T15:25:48.500" v="49"/>
-        <pc:sldMkLst>
-          <pc:docMk/>
-          <pc:sldMk cId="538564091" sldId="2147483545"/>
-        </pc:sldMkLst>
-      </pc:sldChg>
-      <pc:sldChg chg="addSp delSp modSp">
-        <pc:chgData name="Matthieu BRIEND" userId="S::mbriend@lemonway.com::f43b7032-540d-4661-9645-e17125bf3d76" providerId="AD" clId="Web-{BC03D997-70C9-6060-AD01-703FF4DE0332}" dt="2025-01-25T15:25:41.484" v="48"/>
-        <pc:sldMkLst>
-          <pc:docMk/>
-          <pc:sldMk cId="323720210" sldId="2147483546"/>
-        </pc:sldMkLst>
-      </pc:sldChg>
-      <pc:sldChg chg="modSp">
-        <pc:chgData name="Matthieu BRIEND" userId="S::mbriend@lemonway.com::f43b7032-540d-4661-9645-e17125bf3d76" providerId="AD" clId="Web-{BC03D997-70C9-6060-AD01-703FF4DE0332}" dt="2025-01-25T15:25:34.452" v="46" actId="1076"/>
-        <pc:sldMkLst>
-          <pc:docMk/>
-          <pc:sldMk cId="819472479" sldId="2147483547"/>
-        </pc:sldMkLst>
-      </pc:sldChg>
-      <pc:sldChg chg="addSp delSp modSp">
-        <pc:chgData name="Matthieu BRIEND" userId="S::mbriend@lemonway.com::f43b7032-540d-4661-9645-e17125bf3d76" providerId="AD" clId="Web-{BC03D997-70C9-6060-AD01-703FF4DE0332}" dt="2025-01-25T15:25:54.031" v="50"/>
-        <pc:sldMkLst>
-          <pc:docMk/>
-          <pc:sldMk cId="3514001501" sldId="2147483550"/>
-        </pc:sldMkLst>
-      </pc:sldChg>
-      <pc:sldChg chg="addSp delSp modSp">
-        <pc:chgData name="Matthieu BRIEND" userId="S::mbriend@lemonway.com::f43b7032-540d-4661-9645-e17125bf3d76" providerId="AD" clId="Web-{BC03D997-70C9-6060-AD01-703FF4DE0332}" dt="2025-01-25T15:37:40.071" v="103" actId="1076"/>
-        <pc:sldMkLst>
-          <pc:docMk/>
-          <pc:sldMk cId="2159616718" sldId="2147483554"/>
-        </pc:sldMkLst>
-      </pc:sldChg>
-      <pc:sldChg chg="addSp delSp modSp add del replId">
-        <pc:chgData name="Matthieu BRIEND" userId="S::mbriend@lemonway.com::f43b7032-540d-4661-9645-e17125bf3d76" providerId="AD" clId="Web-{BC03D997-70C9-6060-AD01-703FF4DE0332}" dt="2025-01-25T15:45:00.778" v="119"/>
-        <pc:sldMkLst>
-          <pc:docMk/>
-          <pc:sldMk cId="2728785092" sldId="2147483555"/>
-        </pc:sldMkLst>
-      </pc:sldChg>
-    </pc:docChg>
-  </pc:docChgLst>
-  <pc:docChgLst>
-    <pc:chgData name="Ludovic CIANNARELLA" userId="S::lciannarella@lemonway.com::f6c2df24-67a3-480d-9a94-03b4fbd1471c" providerId="AD" clId="Web-{391CC01A-20F3-FA34-CA1E-BF53FC6DD29B}"/>
-    <pc:docChg chg="modSld">
-      <pc:chgData name="Ludovic CIANNARELLA" userId="S::lciannarella@lemonway.com::f6c2df24-67a3-480d-9a94-03b4fbd1471c" providerId="AD" clId="Web-{391CC01A-20F3-FA34-CA1E-BF53FC6DD29B}" dt="2025-01-27T06:28:40.093" v="271" actId="20577"/>
-      <pc:docMkLst>
-        <pc:docMk/>
-      </pc:docMkLst>
-      <pc:sldChg chg="addSp modSp">
-        <pc:chgData name="Ludovic CIANNARELLA" userId="S::lciannarella@lemonway.com::f6c2df24-67a3-480d-9a94-03b4fbd1471c" providerId="AD" clId="Web-{391CC01A-20F3-FA34-CA1E-BF53FC6DD29B}" dt="2025-01-27T06:28:40.093" v="271" actId="20577"/>
-        <pc:sldMkLst>
-          <pc:docMk/>
-          <pc:sldMk cId="3141618727" sldId="2147483543"/>
-        </pc:sldMkLst>
-      </pc:sldChg>
-    </pc:docChg>
-  </pc:docChgLst>
-  <pc:docChgLst>
-    <pc:chgData name="Matthieu BRIEND" userId="S::mbriend@lemonway.com::f43b7032-540d-4661-9645-e17125bf3d76" providerId="AD" clId="Web-{0DF03FCD-1247-6EC1-E17A-2CBB71DAF5EB}"/>
-    <pc:docChg chg="modSld">
-      <pc:chgData name="Matthieu BRIEND" userId="S::mbriend@lemonway.com::f43b7032-540d-4661-9645-e17125bf3d76" providerId="AD" clId="Web-{0DF03FCD-1247-6EC1-E17A-2CBB71DAF5EB}" dt="2025-01-27T10:18:12.042" v="202" actId="20577"/>
-      <pc:docMkLst>
-        <pc:docMk/>
-      </pc:docMkLst>
-      <pc:sldChg chg="modSp">
-        <pc:chgData name="Matthieu BRIEND" userId="S::mbriend@lemonway.com::f43b7032-540d-4661-9645-e17125bf3d76" providerId="AD" clId="Web-{0DF03FCD-1247-6EC1-E17A-2CBB71DAF5EB}" dt="2025-01-27T10:18:12.042" v="202" actId="20577"/>
-        <pc:sldMkLst>
-          <pc:docMk/>
-          <pc:sldMk cId="3947401979" sldId="2147483551"/>
-        </pc:sldMkLst>
-      </pc:sldChg>
-      <pc:sldChg chg="modSp">
-        <pc:chgData name="Matthieu BRIEND" userId="S::mbriend@lemonway.com::f43b7032-540d-4661-9645-e17125bf3d76" providerId="AD" clId="Web-{0DF03FCD-1247-6EC1-E17A-2CBB71DAF5EB}" dt="2025-01-27T10:09:45.415" v="144" actId="20577"/>
-        <pc:sldMkLst>
-          <pc:docMk/>
-          <pc:sldMk cId="237779500" sldId="2147483552"/>
-        </pc:sldMkLst>
-      </pc:sldChg>
-      <pc:sldChg chg="modSp">
-        <pc:chgData name="Matthieu BRIEND" userId="S::mbriend@lemonway.com::f43b7032-540d-4661-9645-e17125bf3d76" providerId="AD" clId="Web-{0DF03FCD-1247-6EC1-E17A-2CBB71DAF5EB}" dt="2025-01-27T10:04:21.590" v="0" actId="20577"/>
-        <pc:sldMkLst>
-          <pc:docMk/>
-          <pc:sldMk cId="2159616718" sldId="2147483554"/>
-        </pc:sldMkLst>
-      </pc:sldChg>
-      <pc:sldChg chg="modSp">
-        <pc:chgData name="Matthieu BRIEND" userId="S::mbriend@lemonway.com::f43b7032-540d-4661-9645-e17125bf3d76" providerId="AD" clId="Web-{0DF03FCD-1247-6EC1-E17A-2CBB71DAF5EB}" dt="2025-01-27T10:16:23.866" v="186" actId="20577"/>
-        <pc:sldMkLst>
-          <pc:docMk/>
-          <pc:sldMk cId="2971429069" sldId="2147483555"/>
-        </pc:sldMkLst>
-      </pc:sldChg>
-    </pc:docChg>
-  </pc:docChgLst>
-  <pc:docChgLst>
-    <pc:chgData name="Romain MILECKI" userId="53d3c05e-b504-4371-8e77-d2aef7b9335c" providerId="ADAL" clId="{698B9AE8-7644-476B-9468-4E2B59B1B816}"/>
-    <pc:docChg chg="undo custSel addSld delSld modSld sldOrd">
-      <pc:chgData name="Romain MILECKI" userId="53d3c05e-b504-4371-8e77-d2aef7b9335c" providerId="ADAL" clId="{698B9AE8-7644-476B-9468-4E2B59B1B816}" dt="2025-02-05T17:03:31.443" v="6332" actId="207"/>
-      <pc:docMkLst>
-        <pc:docMk/>
-      </pc:docMkLst>
-      <pc:sldChg chg="mod modShow">
-        <pc:chgData name="Romain MILECKI" userId="53d3c05e-b504-4371-8e77-d2aef7b9335c" providerId="ADAL" clId="{698B9AE8-7644-476B-9468-4E2B59B1B816}" dt="2025-01-27T20:10:06.768" v="6245" actId="729"/>
-        <pc:sldMkLst>
-          <pc:docMk/>
-          <pc:sldMk cId="0" sldId="261"/>
-        </pc:sldMkLst>
-      </pc:sldChg>
-      <pc:sldChg chg="mod modShow">
-        <pc:chgData name="Romain MILECKI" userId="53d3c05e-b504-4371-8e77-d2aef7b9335c" providerId="ADAL" clId="{698B9AE8-7644-476B-9468-4E2B59B1B816}" dt="2025-01-27T20:10:06.768" v="6245" actId="729"/>
-        <pc:sldMkLst>
-          <pc:docMk/>
-          <pc:sldMk cId="4185469777" sldId="262"/>
-        </pc:sldMkLst>
-      </pc:sldChg>
-      <pc:sldChg chg="mod modShow">
-        <pc:chgData name="Romain MILECKI" userId="53d3c05e-b504-4371-8e77-d2aef7b9335c" providerId="ADAL" clId="{698B9AE8-7644-476B-9468-4E2B59B1B816}" dt="2025-01-27T20:10:06.768" v="6245" actId="729"/>
-        <pc:sldMkLst>
-          <pc:docMk/>
-          <pc:sldMk cId="0" sldId="266"/>
-        </pc:sldMkLst>
-      </pc:sldChg>
-      <pc:sldChg chg="mod modShow">
-        <pc:chgData name="Romain MILECKI" userId="53d3c05e-b504-4371-8e77-d2aef7b9335c" providerId="ADAL" clId="{698B9AE8-7644-476B-9468-4E2B59B1B816}" dt="2025-01-27T20:10:06.768" v="6245" actId="729"/>
-        <pc:sldMkLst>
-          <pc:docMk/>
-          <pc:sldMk cId="0" sldId="280"/>
-        </pc:sldMkLst>
-      </pc:sldChg>
-      <pc:sldChg chg="mod modShow">
-        <pc:chgData name="Romain MILECKI" userId="53d3c05e-b504-4371-8e77-d2aef7b9335c" providerId="ADAL" clId="{698B9AE8-7644-476B-9468-4E2B59B1B816}" dt="2025-01-27T20:10:06.768" v="6245" actId="729"/>
-        <pc:sldMkLst>
-          <pc:docMk/>
-          <pc:sldMk cId="0" sldId="283"/>
-        </pc:sldMkLst>
-      </pc:sldChg>
-      <pc:sldChg chg="mod modShow">
-        <pc:chgData name="Romain MILECKI" userId="53d3c05e-b504-4371-8e77-d2aef7b9335c" providerId="ADAL" clId="{698B9AE8-7644-476B-9468-4E2B59B1B816}" dt="2025-01-27T20:10:06.768" v="6245" actId="729"/>
-        <pc:sldMkLst>
-          <pc:docMk/>
-          <pc:sldMk cId="0" sldId="284"/>
-        </pc:sldMkLst>
-      </pc:sldChg>
-      <pc:sldChg chg="mod modShow">
-        <pc:chgData name="Romain MILECKI" userId="53d3c05e-b504-4371-8e77-d2aef7b9335c" providerId="ADAL" clId="{698B9AE8-7644-476B-9468-4E2B59B1B816}" dt="2025-01-27T20:10:06.768" v="6245" actId="729"/>
-        <pc:sldMkLst>
-          <pc:docMk/>
-          <pc:sldMk cId="0" sldId="285"/>
-        </pc:sldMkLst>
-      </pc:sldChg>
-      <pc:sldChg chg="mod modShow">
-        <pc:chgData name="Romain MILECKI" userId="53d3c05e-b504-4371-8e77-d2aef7b9335c" providerId="ADAL" clId="{698B9AE8-7644-476B-9468-4E2B59B1B816}" dt="2025-01-27T20:10:06.768" v="6245" actId="729"/>
-        <pc:sldMkLst>
-          <pc:docMk/>
-          <pc:sldMk cId="2982750" sldId="297"/>
-        </pc:sldMkLst>
-      </pc:sldChg>
-      <pc:sldChg chg="mod modShow">
-        <pc:chgData name="Romain MILECKI" userId="53d3c05e-b504-4371-8e77-d2aef7b9335c" providerId="ADAL" clId="{698B9AE8-7644-476B-9468-4E2B59B1B816}" dt="2025-01-27T20:10:06.768" v="6245" actId="729"/>
-        <pc:sldMkLst>
-          <pc:docMk/>
-          <pc:sldMk cId="2963462230" sldId="298"/>
-        </pc:sldMkLst>
-      </pc:sldChg>
-      <pc:sldChg chg="mod modShow">
-        <pc:chgData name="Romain MILECKI" userId="53d3c05e-b504-4371-8e77-d2aef7b9335c" providerId="ADAL" clId="{698B9AE8-7644-476B-9468-4E2B59B1B816}" dt="2025-01-27T20:10:06.768" v="6245" actId="729"/>
-        <pc:sldMkLst>
-          <pc:docMk/>
-          <pc:sldMk cId="1160762198" sldId="392"/>
-        </pc:sldMkLst>
-      </pc:sldChg>
-      <pc:sldChg chg="mod modShow">
-        <pc:chgData name="Romain MILECKI" userId="53d3c05e-b504-4371-8e77-d2aef7b9335c" providerId="ADAL" clId="{698B9AE8-7644-476B-9468-4E2B59B1B816}" dt="2025-01-27T20:10:06.768" v="6245" actId="729"/>
-        <pc:sldMkLst>
-          <pc:docMk/>
-          <pc:sldMk cId="259634276" sldId="401"/>
-        </pc:sldMkLst>
-      </pc:sldChg>
-      <pc:sldChg chg="mod modShow">
-        <pc:chgData name="Romain MILECKI" userId="53d3c05e-b504-4371-8e77-d2aef7b9335c" providerId="ADAL" clId="{698B9AE8-7644-476B-9468-4E2B59B1B816}" dt="2025-01-27T20:10:06.768" v="6245" actId="729"/>
-        <pc:sldMkLst>
-          <pc:docMk/>
-          <pc:sldMk cId="455300412" sldId="432"/>
-        </pc:sldMkLst>
-      </pc:sldChg>
-      <pc:sldChg chg="mod modShow">
-        <pc:chgData name="Romain MILECKI" userId="53d3c05e-b504-4371-8e77-d2aef7b9335c" providerId="ADAL" clId="{698B9AE8-7644-476B-9468-4E2B59B1B816}" dt="2025-01-27T20:10:06.768" v="6245" actId="729"/>
-        <pc:sldMkLst>
-          <pc:docMk/>
-          <pc:sldMk cId="1605751462" sldId="529"/>
-        </pc:sldMkLst>
-      </pc:sldChg>
-      <pc:sldChg chg="mod modShow">
-        <pc:chgData name="Romain MILECKI" userId="53d3c05e-b504-4371-8e77-d2aef7b9335c" providerId="ADAL" clId="{698B9AE8-7644-476B-9468-4E2B59B1B816}" dt="2025-01-27T20:10:06.768" v="6245" actId="729"/>
-        <pc:sldMkLst>
-          <pc:docMk/>
-          <pc:sldMk cId="1426418202" sldId="543"/>
-        </pc:sldMkLst>
-      </pc:sldChg>
-      <pc:sldChg chg="mod modShow">
-        <pc:chgData name="Romain MILECKI" userId="53d3c05e-b504-4371-8e77-d2aef7b9335c" providerId="ADAL" clId="{698B9AE8-7644-476B-9468-4E2B59B1B816}" dt="2025-01-27T20:10:06.768" v="6245" actId="729"/>
-        <pc:sldMkLst>
-          <pc:docMk/>
-          <pc:sldMk cId="735989107" sldId="544"/>
-        </pc:sldMkLst>
-      </pc:sldChg>
-      <pc:sldChg chg="mod modShow">
-        <pc:chgData name="Romain MILECKI" userId="53d3c05e-b504-4371-8e77-d2aef7b9335c" providerId="ADAL" clId="{698B9AE8-7644-476B-9468-4E2B59B1B816}" dt="2025-01-27T20:10:06.768" v="6245" actId="729"/>
-        <pc:sldMkLst>
-          <pc:docMk/>
-          <pc:sldMk cId="3899232807" sldId="546"/>
-        </pc:sldMkLst>
-      </pc:sldChg>
-      <pc:sldChg chg="mod modShow">
-        <pc:chgData name="Romain MILECKI" userId="53d3c05e-b504-4371-8e77-d2aef7b9335c" providerId="ADAL" clId="{698B9AE8-7644-476B-9468-4E2B59B1B816}" dt="2025-01-27T20:10:06.768" v="6245" actId="729"/>
-        <pc:sldMkLst>
-          <pc:docMk/>
-          <pc:sldMk cId="3810240017" sldId="549"/>
-        </pc:sldMkLst>
-      </pc:sldChg>
-      <pc:sldChg chg="addSp delSp modSp add mod delAnim modAnim modShow modNotesTx">
-        <pc:chgData name="Romain MILECKI" userId="53d3c05e-b504-4371-8e77-d2aef7b9335c" providerId="ADAL" clId="{698B9AE8-7644-476B-9468-4E2B59B1B816}" dt="2025-01-27T20:14:43.845" v="6331" actId="20577"/>
-        <pc:sldMkLst>
-          <pc:docMk/>
-          <pc:sldMk cId="1836365198" sldId="2147483335"/>
-        </pc:sldMkLst>
-      </pc:sldChg>
-      <pc:sldChg chg="mod modShow">
-        <pc:chgData name="Romain MILECKI" userId="53d3c05e-b504-4371-8e77-d2aef7b9335c" providerId="ADAL" clId="{698B9AE8-7644-476B-9468-4E2B59B1B816}" dt="2025-01-27T20:10:06.768" v="6245" actId="729"/>
-        <pc:sldMkLst>
-          <pc:docMk/>
-          <pc:sldMk cId="567969834" sldId="2147483355"/>
-        </pc:sldMkLst>
-      </pc:sldChg>
-      <pc:sldChg chg="mod modShow">
-        <pc:chgData name="Romain MILECKI" userId="53d3c05e-b504-4371-8e77-d2aef7b9335c" providerId="ADAL" clId="{698B9AE8-7644-476B-9468-4E2B59B1B816}" dt="2025-01-27T20:10:06.768" v="6245" actId="729"/>
-        <pc:sldMkLst>
-          <pc:docMk/>
-          <pc:sldMk cId="3282966770" sldId="2147483427"/>
-        </pc:sldMkLst>
-      </pc:sldChg>
-      <pc:sldChg chg="mod modShow">
-        <pc:chgData name="Romain MILECKI" userId="53d3c05e-b504-4371-8e77-d2aef7b9335c" providerId="ADAL" clId="{698B9AE8-7644-476B-9468-4E2B59B1B816}" dt="2025-01-27T20:10:06.768" v="6245" actId="729"/>
-        <pc:sldMkLst>
-          <pc:docMk/>
-          <pc:sldMk cId="3826494038" sldId="2147483447"/>
-        </pc:sldMkLst>
-      </pc:sldChg>
-      <pc:sldChg chg="mod modShow">
-        <pc:chgData name="Romain MILECKI" userId="53d3c05e-b504-4371-8e77-d2aef7b9335c" providerId="ADAL" clId="{698B9AE8-7644-476B-9468-4E2B59B1B816}" dt="2025-01-27T20:10:06.768" v="6245" actId="729"/>
-        <pc:sldMkLst>
-          <pc:docMk/>
-          <pc:sldMk cId="3927243092" sldId="2147483453"/>
-        </pc:sldMkLst>
-      </pc:sldChg>
-      <pc:sldChg chg="mod modShow">
-        <pc:chgData name="Romain MILECKI" userId="53d3c05e-b504-4371-8e77-d2aef7b9335c" providerId="ADAL" clId="{698B9AE8-7644-476B-9468-4E2B59B1B816}" dt="2025-01-27T20:10:06.768" v="6245" actId="729"/>
-        <pc:sldMkLst>
-          <pc:docMk/>
-          <pc:sldMk cId="3047155839" sldId="2147483462"/>
-        </pc:sldMkLst>
-      </pc:sldChg>
-      <pc:sldChg chg="mod modShow">
-        <pc:chgData name="Romain MILECKI" userId="53d3c05e-b504-4371-8e77-d2aef7b9335c" providerId="ADAL" clId="{698B9AE8-7644-476B-9468-4E2B59B1B816}" dt="2025-01-27T20:10:06.768" v="6245" actId="729"/>
-        <pc:sldMkLst>
-          <pc:docMk/>
-          <pc:sldMk cId="1154325928" sldId="2147483478"/>
-        </pc:sldMkLst>
-      </pc:sldChg>
-      <pc:sldChg chg="mod modShow">
-        <pc:chgData name="Romain MILECKI" userId="53d3c05e-b504-4371-8e77-d2aef7b9335c" providerId="ADAL" clId="{698B9AE8-7644-476B-9468-4E2B59B1B816}" dt="2025-01-27T20:10:06.768" v="6245" actId="729"/>
-        <pc:sldMkLst>
-          <pc:docMk/>
-          <pc:sldMk cId="2648409912" sldId="2147483514"/>
-        </pc:sldMkLst>
-      </pc:sldChg>
-      <pc:sldChg chg="mod modShow">
-        <pc:chgData name="Romain MILECKI" userId="53d3c05e-b504-4371-8e77-d2aef7b9335c" providerId="ADAL" clId="{698B9AE8-7644-476B-9468-4E2B59B1B816}" dt="2025-01-27T20:10:06.768" v="6245" actId="729"/>
-        <pc:sldMkLst>
-          <pc:docMk/>
-          <pc:sldMk cId="3724949963" sldId="2147483515"/>
-        </pc:sldMkLst>
-      </pc:sldChg>
-      <pc:sldChg chg="modSp mod modShow">
-        <pc:chgData name="Romain MILECKI" userId="53d3c05e-b504-4371-8e77-d2aef7b9335c" providerId="ADAL" clId="{698B9AE8-7644-476B-9468-4E2B59B1B816}" dt="2025-02-05T17:03:31.443" v="6332" actId="207"/>
-        <pc:sldMkLst>
-          <pc:docMk/>
-          <pc:sldMk cId="2056008740" sldId="2147483519"/>
-        </pc:sldMkLst>
-      </pc:sldChg>
-      <pc:sldChg chg="addSp modSp add mod ord modAnim modShow">
-        <pc:chgData name="Romain MILECKI" userId="53d3c05e-b504-4371-8e77-d2aef7b9335c" providerId="ADAL" clId="{698B9AE8-7644-476B-9468-4E2B59B1B816}" dt="2025-01-27T18:14:56.298" v="6133" actId="20577"/>
-        <pc:sldMkLst>
-          <pc:docMk/>
-          <pc:sldMk cId="1425089493" sldId="2147483520"/>
-        </pc:sldMkLst>
-      </pc:sldChg>
-      <pc:sldChg chg="addSp delSp modSp add mod ord">
-        <pc:chgData name="Romain MILECKI" userId="53d3c05e-b504-4371-8e77-d2aef7b9335c" providerId="ADAL" clId="{698B9AE8-7644-476B-9468-4E2B59B1B816}" dt="2025-01-16T10:54:24.342" v="137" actId="478"/>
-        <pc:sldMkLst>
-          <pc:docMk/>
-          <pc:sldMk cId="696696546" sldId="2147483521"/>
-        </pc:sldMkLst>
-      </pc:sldChg>
-      <pc:sldChg chg="addSp delSp modSp add mod modAnim modShow">
-        <pc:chgData name="Romain MILECKI" userId="53d3c05e-b504-4371-8e77-d2aef7b9335c" providerId="ADAL" clId="{698B9AE8-7644-476B-9468-4E2B59B1B816}" dt="2025-01-27T20:13:36.286" v="6293" actId="404"/>
-        <pc:sldMkLst>
-          <pc:docMk/>
-          <pc:sldMk cId="2312050107" sldId="2147483522"/>
-        </pc:sldMkLst>
-      </pc:sldChg>
-      <pc:sldChg chg="addSp delSp modSp add mod ord delAnim modAnim modShow modNotesTx">
-        <pc:chgData name="Romain MILECKI" userId="53d3c05e-b504-4371-8e77-d2aef7b9335c" providerId="ADAL" clId="{698B9AE8-7644-476B-9468-4E2B59B1B816}" dt="2025-01-27T17:36:28.187" v="6112" actId="478"/>
-        <pc:sldMkLst>
-          <pc:docMk/>
-          <pc:sldMk cId="2474122460" sldId="2147483523"/>
-        </pc:sldMkLst>
-      </pc:sldChg>
-      <pc:sldChg chg="modSp mod">
-        <pc:chgData name="Romain MILECKI" userId="53d3c05e-b504-4371-8e77-d2aef7b9335c" providerId="ADAL" clId="{698B9AE8-7644-476B-9468-4E2B59B1B816}" dt="2025-01-27T19:56:29.191" v="6209" actId="20577"/>
-        <pc:sldMkLst>
-          <pc:docMk/>
-          <pc:sldMk cId="2246678326" sldId="2147483526"/>
-        </pc:sldMkLst>
-      </pc:sldChg>
-      <pc:sldChg chg="addSp modSp add mod ord modAnim modShow">
-        <pc:chgData name="Romain MILECKI" userId="53d3c05e-b504-4371-8e77-d2aef7b9335c" providerId="ADAL" clId="{698B9AE8-7644-476B-9468-4E2B59B1B816}" dt="2025-01-21T16:11:37.476" v="347" actId="729"/>
-        <pc:sldMkLst>
-          <pc:docMk/>
-          <pc:sldMk cId="1176860781" sldId="2147483532"/>
-        </pc:sldMkLst>
-      </pc:sldChg>
-      <pc:sldChg chg="addSp delSp modSp add mod ord modAnim modNotesTx">
-        <pc:chgData name="Romain MILECKI" userId="53d3c05e-b504-4371-8e77-d2aef7b9335c" providerId="ADAL" clId="{698B9AE8-7644-476B-9468-4E2B59B1B816}" dt="2025-01-27T20:14:27.124" v="6311" actId="20577"/>
-        <pc:sldMkLst>
-          <pc:docMk/>
-          <pc:sldMk cId="4213513957" sldId="2147483533"/>
-        </pc:sldMkLst>
-      </pc:sldChg>
-      <pc:sldChg chg="modSp mod">
-        <pc:chgData name="Romain MILECKI" userId="53d3c05e-b504-4371-8e77-d2aef7b9335c" providerId="ADAL" clId="{698B9AE8-7644-476B-9468-4E2B59B1B816}" dt="2025-01-26T18:36:41.628" v="3326" actId="20577"/>
-        <pc:sldMkLst>
-          <pc:docMk/>
-          <pc:sldMk cId="4133866324" sldId="2147483540"/>
-        </pc:sldMkLst>
-      </pc:sldChg>
-      <pc:sldChg chg="modSp mod">
-        <pc:chgData name="Romain MILECKI" userId="53d3c05e-b504-4371-8e77-d2aef7b9335c" providerId="ADAL" clId="{698B9AE8-7644-476B-9468-4E2B59B1B816}" dt="2025-01-27T20:07:02.582" v="6242" actId="20577"/>
-        <pc:sldMkLst>
-          <pc:docMk/>
-          <pc:sldMk cId="12490850" sldId="2147483542"/>
-        </pc:sldMkLst>
-      </pc:sldChg>
-      <pc:sldChg chg="addSp delSp modSp new del mod">
-        <pc:chgData name="Romain MILECKI" userId="53d3c05e-b504-4371-8e77-d2aef7b9335c" providerId="ADAL" clId="{698B9AE8-7644-476B-9468-4E2B59B1B816}" dt="2025-01-27T18:16:23.429" v="6173" actId="47"/>
-        <pc:sldMkLst>
-          <pc:docMk/>
-          <pc:sldMk cId="3060045808" sldId="2147483569"/>
-        </pc:sldMkLst>
-      </pc:sldChg>
-      <pc:sldChg chg="addSp delSp modSp add mod ord modAnim modNotesTx">
-        <pc:chgData name="Romain MILECKI" userId="53d3c05e-b504-4371-8e77-d2aef7b9335c" providerId="ADAL" clId="{698B9AE8-7644-476B-9468-4E2B59B1B816}" dt="2025-01-26T19:54:18.169" v="5640"/>
-        <pc:sldMkLst>
-          <pc:docMk/>
-          <pc:sldMk cId="534803942" sldId="2147483570"/>
-        </pc:sldMkLst>
-      </pc:sldChg>
-      <pc:sldChg chg="addSp delSp modSp add del mod ord modShow">
-        <pc:chgData name="Romain MILECKI" userId="53d3c05e-b504-4371-8e77-d2aef7b9335c" providerId="ADAL" clId="{698B9AE8-7644-476B-9468-4E2B59B1B816}" dt="2025-01-27T09:51:06.359" v="5677" actId="47"/>
-        <pc:sldMkLst>
-          <pc:docMk/>
-          <pc:sldMk cId="1035214269" sldId="2147483571"/>
-        </pc:sldMkLst>
-      </pc:sldChg>
-      <pc:sldChg chg="modSp mod">
-        <pc:chgData name="Romain MILECKI" userId="53d3c05e-b504-4371-8e77-d2aef7b9335c" providerId="ADAL" clId="{698B9AE8-7644-476B-9468-4E2B59B1B816}" dt="2025-01-27T20:03:34.946" v="6229" actId="20577"/>
-        <pc:sldMkLst>
-          <pc:docMk/>
-          <pc:sldMk cId="992121836" sldId="2147483580"/>
-        </pc:sldMkLst>
-      </pc:sldChg>
-    </pc:docChg>
-  </pc:docChgLst>
-  <pc:docChgLst>
-    <pc:chgData name="Ambre SONOR" userId="S::asonor@lemonway.com::020792ae-fc4a-47d7-9e18-119d3ce04a29" providerId="AD" clId="Web-{4D18B488-37D8-3D51-D12A-741AA4A67C4E}"/>
-    <pc:docChg chg="addSld delSld modSld">
-      <pc:chgData name="Ambre SONOR" userId="S::asonor@lemonway.com::020792ae-fc4a-47d7-9e18-119d3ce04a29" providerId="AD" clId="Web-{4D18B488-37D8-3D51-D12A-741AA4A67C4E}" dt="2025-01-26T15:23:02.818" v="61" actId="20577"/>
-      <pc:docMkLst>
-        <pc:docMk/>
-      </pc:docMkLst>
-      <pc:sldChg chg="add del">
-        <pc:chgData name="Ambre SONOR" userId="S::asonor@lemonway.com::020792ae-fc4a-47d7-9e18-119d3ce04a29" providerId="AD" clId="Web-{4D18B488-37D8-3D51-D12A-741AA4A67C4E}" dt="2025-01-26T15:13:21.561" v="18"/>
-        <pc:sldMkLst>
-          <pc:docMk/>
-          <pc:sldMk cId="1650262097" sldId="551"/>
-        </pc:sldMkLst>
-      </pc:sldChg>
-      <pc:sldChg chg="del">
-        <pc:chgData name="Ambre SONOR" userId="S::asonor@lemonway.com::020792ae-fc4a-47d7-9e18-119d3ce04a29" providerId="AD" clId="Web-{4D18B488-37D8-3D51-D12A-741AA4A67C4E}" dt="2025-01-26T15:13:21.592" v="24"/>
-        <pc:sldMkLst>
-          <pc:docMk/>
-          <pc:sldMk cId="2736715337" sldId="2147483489"/>
-        </pc:sldMkLst>
-      </pc:sldChg>
-      <pc:sldChg chg="del">
-        <pc:chgData name="Ambre SONOR" userId="S::asonor@lemonway.com::020792ae-fc4a-47d7-9e18-119d3ce04a29" providerId="AD" clId="Web-{4D18B488-37D8-3D51-D12A-741AA4A67C4E}" dt="2025-01-26T15:12:15.746" v="3"/>
-        <pc:sldMkLst>
-          <pc:docMk/>
-          <pc:sldMk cId="3775625005" sldId="2147483557"/>
-        </pc:sldMkLst>
-      </pc:sldChg>
-      <pc:sldChg chg="add del">
-        <pc:chgData name="Ambre SONOR" userId="S::asonor@lemonway.com::020792ae-fc4a-47d7-9e18-119d3ce04a29" providerId="AD" clId="Web-{4D18B488-37D8-3D51-D12A-741AA4A67C4E}" dt="2025-01-26T15:13:21.592" v="23"/>
-        <pc:sldMkLst>
-          <pc:docMk/>
-          <pc:sldMk cId="4013152853" sldId="2147483557"/>
-        </pc:sldMkLst>
-      </pc:sldChg>
-      <pc:sldChg chg="add del">
-        <pc:chgData name="Ambre SONOR" userId="S::asonor@lemonway.com::020792ae-fc4a-47d7-9e18-119d3ce04a29" providerId="AD" clId="Web-{4D18B488-37D8-3D51-D12A-741AA4A67C4E}" dt="2025-01-26T15:13:21.592" v="22"/>
-        <pc:sldMkLst>
-          <pc:docMk/>
-          <pc:sldMk cId="1037370704" sldId="2147483558"/>
-        </pc:sldMkLst>
-      </pc:sldChg>
-      <pc:sldChg chg="del">
-        <pc:chgData name="Ambre SONOR" userId="S::asonor@lemonway.com::020792ae-fc4a-47d7-9e18-119d3ce04a29" providerId="AD" clId="Web-{4D18B488-37D8-3D51-D12A-741AA4A67C4E}" dt="2025-01-26T15:12:15.746" v="4"/>
-        <pc:sldMkLst>
-          <pc:docMk/>
-          <pc:sldMk cId="1144274074" sldId="2147483558"/>
-        </pc:sldMkLst>
-      </pc:sldChg>
-      <pc:sldChg chg="del">
-        <pc:chgData name="Ambre SONOR" userId="S::asonor@lemonway.com::020792ae-fc4a-47d7-9e18-119d3ce04a29" providerId="AD" clId="Web-{4D18B488-37D8-3D51-D12A-741AA4A67C4E}" dt="2025-01-26T15:12:15.746" v="2"/>
-        <pc:sldMkLst>
-          <pc:docMk/>
-          <pc:sldMk cId="1608452827" sldId="2147483559"/>
-        </pc:sldMkLst>
-      </pc:sldChg>
-      <pc:sldChg chg="add del">
-        <pc:chgData name="Ambre SONOR" userId="S::asonor@lemonway.com::020792ae-fc4a-47d7-9e18-119d3ce04a29" providerId="AD" clId="Web-{4D18B488-37D8-3D51-D12A-741AA4A67C4E}" dt="2025-01-26T15:13:21.592" v="21"/>
-        <pc:sldMkLst>
-          <pc:docMk/>
-          <pc:sldMk cId="3846675213" sldId="2147483559"/>
-        </pc:sldMkLst>
-      </pc:sldChg>
-      <pc:sldChg chg="del">
-        <pc:chgData name="Ambre SONOR" userId="S::asonor@lemonway.com::020792ae-fc4a-47d7-9e18-119d3ce04a29" providerId="AD" clId="Web-{4D18B488-37D8-3D51-D12A-741AA4A67C4E}" dt="2025-01-26T15:12:15.730" v="1"/>
-        <pc:sldMkLst>
-          <pc:docMk/>
-          <pc:sldMk cId="2840109025" sldId="2147483560"/>
-        </pc:sldMkLst>
-      </pc:sldChg>
-      <pc:sldChg chg="add del">
-        <pc:chgData name="Ambre SONOR" userId="S::asonor@lemonway.com::020792ae-fc4a-47d7-9e18-119d3ce04a29" providerId="AD" clId="Web-{4D18B488-37D8-3D51-D12A-741AA4A67C4E}" dt="2025-01-26T15:13:21.576" v="20"/>
-        <pc:sldMkLst>
-          <pc:docMk/>
-          <pc:sldMk cId="3092354881" sldId="2147483560"/>
-        </pc:sldMkLst>
-      </pc:sldChg>
-      <pc:sldChg chg="add del">
-        <pc:chgData name="Ambre SONOR" userId="S::asonor@lemonway.com::020792ae-fc4a-47d7-9e18-119d3ce04a29" providerId="AD" clId="Web-{4D18B488-37D8-3D51-D12A-741AA4A67C4E}" dt="2025-01-26T15:13:21.576" v="19"/>
-        <pc:sldMkLst>
-          <pc:docMk/>
-          <pc:sldMk cId="2402982292" sldId="2147483561"/>
-        </pc:sldMkLst>
-      </pc:sldChg>
-      <pc:sldChg chg="add replId">
-        <pc:chgData name="Ambre SONOR" userId="S::asonor@lemonway.com::020792ae-fc4a-47d7-9e18-119d3ce04a29" providerId="AD" clId="Web-{4D18B488-37D8-3D51-D12A-741AA4A67C4E}" dt="2025-01-26T15:13:12.576" v="11"/>
-        <pc:sldMkLst>
-          <pc:docMk/>
-          <pc:sldMk cId="1289184987" sldId="2147483562"/>
-        </pc:sldMkLst>
-      </pc:sldChg>
-      <pc:sldChg chg="add replId">
-        <pc:chgData name="Ambre SONOR" userId="S::asonor@lemonway.com::020792ae-fc4a-47d7-9e18-119d3ce04a29" providerId="AD" clId="Web-{4D18B488-37D8-3D51-D12A-741AA4A67C4E}" dt="2025-01-26T15:13:12.717" v="12"/>
-        <pc:sldMkLst>
-          <pc:docMk/>
-          <pc:sldMk cId="1404434608" sldId="2147483563"/>
-        </pc:sldMkLst>
-      </pc:sldChg>
-      <pc:sldChg chg="add replId">
-        <pc:chgData name="Ambre SONOR" userId="S::asonor@lemonway.com::020792ae-fc4a-47d7-9e18-119d3ce04a29" providerId="AD" clId="Web-{4D18B488-37D8-3D51-D12A-741AA4A67C4E}" dt="2025-01-26T15:13:12.826" v="13"/>
-        <pc:sldMkLst>
-          <pc:docMk/>
-          <pc:sldMk cId="2755047218" sldId="2147483564"/>
-        </pc:sldMkLst>
-      </pc:sldChg>
-      <pc:sldChg chg="modSp add replId">
-        <pc:chgData name="Ambre SONOR" userId="S::asonor@lemonway.com::020792ae-fc4a-47d7-9e18-119d3ce04a29" providerId="AD" clId="Web-{4D18B488-37D8-3D51-D12A-741AA4A67C4E}" dt="2025-01-26T15:23:02.818" v="61" actId="20577"/>
-        <pc:sldMkLst>
-          <pc:docMk/>
-          <pc:sldMk cId="2235345609" sldId="2147483565"/>
-        </pc:sldMkLst>
-      </pc:sldChg>
-      <pc:sldChg chg="add replId">
-        <pc:chgData name="Ambre SONOR" userId="S::asonor@lemonway.com::020792ae-fc4a-47d7-9e18-119d3ce04a29" providerId="AD" clId="Web-{4D18B488-37D8-3D51-D12A-741AA4A67C4E}" dt="2025-01-26T15:13:13.217" v="15"/>
-        <pc:sldMkLst>
-          <pc:docMk/>
-          <pc:sldMk cId="256682989" sldId="2147483566"/>
-        </pc:sldMkLst>
-      </pc:sldChg>
-      <pc:sldChg chg="addSp delSp modSp add replId">
-        <pc:chgData name="Ambre SONOR" userId="S::asonor@lemonway.com::020792ae-fc4a-47d7-9e18-119d3ce04a29" providerId="AD" clId="Web-{4D18B488-37D8-3D51-D12A-741AA4A67C4E}" dt="2025-01-26T15:22:43.240" v="59"/>
-        <pc:sldMkLst>
-          <pc:docMk/>
-          <pc:sldMk cId="3463449161" sldId="2147483567"/>
-        </pc:sldMkLst>
-      </pc:sldChg>
-      <pc:sldChg chg="add replId">
-        <pc:chgData name="Ambre SONOR" userId="S::asonor@lemonway.com::020792ae-fc4a-47d7-9e18-119d3ce04a29" providerId="AD" clId="Web-{4D18B488-37D8-3D51-D12A-741AA4A67C4E}" dt="2025-01-26T15:13:13.420" v="17"/>
-        <pc:sldMkLst>
-          <pc:docMk/>
-          <pc:sldMk cId="3993681143" sldId="2147483568"/>
-        </pc:sldMkLst>
-      </pc:sldChg>
-    </pc:docChg>
-  </pc:docChgLst>
-  <pc:docChgLst>
-    <pc:chgData name="Ambre SONOR" userId="S::asonor@lemonway.com::020792ae-fc4a-47d7-9e18-119d3ce04a29" providerId="AD" clId="Web-{3D15ABCA-DE2B-6C39-94C0-B697A87C14F8}"/>
-    <pc:docChg chg="addSld modSld sldOrd">
-      <pc:chgData name="Ambre SONOR" userId="S::asonor@lemonway.com::020792ae-fc4a-47d7-9e18-119d3ce04a29" providerId="AD" clId="Web-{3D15ABCA-DE2B-6C39-94C0-B697A87C14F8}" dt="2025-01-27T16:09:25.388" v="9" actId="14100"/>
-      <pc:docMkLst>
-        <pc:docMk/>
-      </pc:docMkLst>
-      <pc:sldChg chg="add">
-        <pc:chgData name="Ambre SONOR" userId="S::asonor@lemonway.com::020792ae-fc4a-47d7-9e18-119d3ce04a29" providerId="AD" clId="Web-{3D15ABCA-DE2B-6C39-94C0-B697A87C14F8}" dt="2025-01-26T14:31:44.819" v="4"/>
-        <pc:sldMkLst>
-          <pc:docMk/>
-          <pc:sldMk cId="1650262097" sldId="551"/>
-        </pc:sldMkLst>
-      </pc:sldChg>
-      <pc:sldChg chg="modSp">
-        <pc:chgData name="Ambre SONOR" userId="S::asonor@lemonway.com::020792ae-fc4a-47d7-9e18-119d3ce04a29" providerId="AD" clId="Web-{3D15ABCA-DE2B-6C39-94C0-B697A87C14F8}" dt="2025-01-27T16:09:25.388" v="9" actId="14100"/>
-        <pc:sldMkLst>
-          <pc:docMk/>
-          <pc:sldMk cId="1260531968" sldId="2147483524"/>
-        </pc:sldMkLst>
-      </pc:sldChg>
-      <pc:sldChg chg="add">
-        <pc:chgData name="Ambre SONOR" userId="S::asonor@lemonway.com::020792ae-fc4a-47d7-9e18-119d3ce04a29" providerId="AD" clId="Web-{3D15ABCA-DE2B-6C39-94C0-B697A87C14F8}" dt="2025-01-26T14:31:44.710" v="0"/>
-        <pc:sldMkLst>
-          <pc:docMk/>
-          <pc:sldMk cId="3775625005" sldId="2147483557"/>
-        </pc:sldMkLst>
-      </pc:sldChg>
-      <pc:sldChg chg="add ord">
-        <pc:chgData name="Ambre SONOR" userId="S::asonor@lemonway.com::020792ae-fc4a-47d7-9e18-119d3ce04a29" providerId="AD" clId="Web-{3D15ABCA-DE2B-6C39-94C0-B697A87C14F8}" dt="2025-01-26T14:33:24.589" v="5"/>
-        <pc:sldMkLst>
-          <pc:docMk/>
-          <pc:sldMk cId="1144274074" sldId="2147483558"/>
-        </pc:sldMkLst>
-      </pc:sldChg>
-      <pc:sldChg chg="add">
-        <pc:chgData name="Ambre SONOR" userId="S::asonor@lemonway.com::020792ae-fc4a-47d7-9e18-119d3ce04a29" providerId="AD" clId="Web-{3D15ABCA-DE2B-6C39-94C0-B697A87C14F8}" dt="2025-01-26T14:31:44.757" v="2"/>
-        <pc:sldMkLst>
-          <pc:docMk/>
-          <pc:sldMk cId="1608452827" sldId="2147483559"/>
-        </pc:sldMkLst>
-      </pc:sldChg>
-      <pc:sldChg chg="add">
-        <pc:chgData name="Ambre SONOR" userId="S::asonor@lemonway.com::020792ae-fc4a-47d7-9e18-119d3ce04a29" providerId="AD" clId="Web-{3D15ABCA-DE2B-6C39-94C0-B697A87C14F8}" dt="2025-01-26T14:31:44.788" v="3"/>
-        <pc:sldMkLst>
-          <pc:docMk/>
-          <pc:sldMk cId="2840109025" sldId="2147483560"/>
-        </pc:sldMkLst>
-      </pc:sldChg>
-    </pc:docChg>
-  </pc:docChgLst>
-  <pc:docChgLst>
-    <pc:chgData name="Ludovic CIANNARELLA" userId="S::lciannarella@lemonway.com::f6c2df24-67a3-480d-9a94-03b4fbd1471c" providerId="AD" clId="Web-{5CAC2E96-BECC-677B-75E9-634AE2E57B4A}"/>
-    <pc:docChg chg="mod modSld">
-      <pc:chgData name="Ludovic CIANNARELLA" userId="S::lciannarella@lemonway.com::f6c2df24-67a3-480d-9a94-03b4fbd1471c" providerId="AD" clId="Web-{5CAC2E96-BECC-677B-75E9-634AE2E57B4A}" dt="2025-01-27T07:12:50.262" v="491"/>
-      <pc:docMkLst>
-        <pc:docMk/>
-      </pc:docMkLst>
-      <pc:sldChg chg="addSp delSp modSp">
-        <pc:chgData name="Ludovic CIANNARELLA" userId="S::lciannarella@lemonway.com::f6c2df24-67a3-480d-9a94-03b4fbd1471c" providerId="AD" clId="Web-{5CAC2E96-BECC-677B-75E9-634AE2E57B4A}" dt="2025-01-27T07:12:01.318" v="490" actId="20577"/>
-        <pc:sldMkLst>
-          <pc:docMk/>
-          <pc:sldMk cId="3141618727" sldId="2147483543"/>
-        </pc:sldMkLst>
-      </pc:sldChg>
-    </pc:docChg>
-  </pc:docChgLst>
-  <pc:docChgLst>
-    <pc:chgData name="Martin-Pierre GAULTIER" userId="S::mpgaultier@lemonway.com::0415e4a0-177e-4c12-b0e5-1f7bc3cae49f" providerId="AD" clId="Web-{FCD97ED3-3CB5-5DED-E90F-0AD5CF23EC2F}"/>
-    <pc:docChg chg="addSld delSld modSld sldOrd">
-      <pc:chgData name="Martin-Pierre GAULTIER" userId="S::mpgaultier@lemonway.com::0415e4a0-177e-4c12-b0e5-1f7bc3cae49f" providerId="AD" clId="Web-{FCD97ED3-3CB5-5DED-E90F-0AD5CF23EC2F}" dt="2025-01-27T15:44:58.287" v="1933"/>
-      <pc:docMkLst>
-        <pc:docMk/>
-      </pc:docMkLst>
-      <pc:sldChg chg="modSp">
-        <pc:chgData name="Martin-Pierre GAULTIER" userId="S::mpgaultier@lemonway.com::0415e4a0-177e-4c12-b0e5-1f7bc3cae49f" providerId="AD" clId="Web-{FCD97ED3-3CB5-5DED-E90F-0AD5CF23EC2F}" dt="2025-01-27T09:56:57.058" v="1692" actId="20577"/>
-        <pc:sldMkLst>
-          <pc:docMk/>
-          <pc:sldMk cId="520368926" sldId="2147483482"/>
-        </pc:sldMkLst>
-      </pc:sldChg>
-      <pc:sldChg chg="modSp">
-        <pc:chgData name="Martin-Pierre GAULTIER" userId="S::mpgaultier@lemonway.com::0415e4a0-177e-4c12-b0e5-1f7bc3cae49f" providerId="AD" clId="Web-{FCD97ED3-3CB5-5DED-E90F-0AD5CF23EC2F}" dt="2025-01-27T09:56:12.448" v="1684" actId="14100"/>
-        <pc:sldMkLst>
-          <pc:docMk/>
-          <pc:sldMk cId="1292861028" sldId="2147483484"/>
-        </pc:sldMkLst>
-      </pc:sldChg>
-      <pc:sldChg chg="modSp">
-        <pc:chgData name="Martin-Pierre GAULTIER" userId="S::mpgaultier@lemonway.com::0415e4a0-177e-4c12-b0e5-1f7bc3cae49f" providerId="AD" clId="Web-{FCD97ED3-3CB5-5DED-E90F-0AD5CF23EC2F}" dt="2025-01-27T09:58:58.919" v="1709" actId="20577"/>
-        <pc:sldMkLst>
-          <pc:docMk/>
-          <pc:sldMk cId="581994450" sldId="2147483485"/>
-        </pc:sldMkLst>
-      </pc:sldChg>
-      <pc:sldChg chg="ord">
-        <pc:chgData name="Martin-Pierre GAULTIER" userId="S::mpgaultier@lemonway.com::0415e4a0-177e-4c12-b0e5-1f7bc3cae49f" providerId="AD" clId="Web-{FCD97ED3-3CB5-5DED-E90F-0AD5CF23EC2F}" dt="2025-01-27T15:43:36.380" v="1901"/>
-        <pc:sldMkLst>
-          <pc:docMk/>
-          <pc:sldMk cId="787195809" sldId="2147483488"/>
-        </pc:sldMkLst>
-      </pc:sldChg>
-      <pc:sldChg chg="ord">
-        <pc:chgData name="Martin-Pierre GAULTIER" userId="S::mpgaultier@lemonway.com::0415e4a0-177e-4c12-b0e5-1f7bc3cae49f" providerId="AD" clId="Web-{FCD97ED3-3CB5-5DED-E90F-0AD5CF23EC2F}" dt="2025-01-27T15:44:58.287" v="1933"/>
-        <pc:sldMkLst>
-          <pc:docMk/>
-          <pc:sldMk cId="2391188043" sldId="2147483490"/>
-        </pc:sldMkLst>
-      </pc:sldChg>
-      <pc:sldChg chg="modSp">
-        <pc:chgData name="Martin-Pierre GAULTIER" userId="S::mpgaultier@lemonway.com::0415e4a0-177e-4c12-b0e5-1f7bc3cae49f" providerId="AD" clId="Web-{FCD97ED3-3CB5-5DED-E90F-0AD5CF23EC2F}" dt="2025-01-27T15:32:54.291" v="1712" actId="14100"/>
-        <pc:sldMkLst>
-          <pc:docMk/>
-          <pc:sldMk cId="1260531968" sldId="2147483524"/>
-        </pc:sldMkLst>
-      </pc:sldChg>
-      <pc:sldChg chg="modSp">
-        <pc:chgData name="Martin-Pierre GAULTIER" userId="S::mpgaultier@lemonway.com::0415e4a0-177e-4c12-b0e5-1f7bc3cae49f" providerId="AD" clId="Web-{FCD97ED3-3CB5-5DED-E90F-0AD5CF23EC2F}" dt="2025-01-27T09:21:13.747" v="1042" actId="1076"/>
-        <pc:sldMkLst>
-          <pc:docMk/>
-          <pc:sldMk cId="3207649941" sldId="2147483525"/>
-        </pc:sldMkLst>
-      </pc:sldChg>
-      <pc:sldChg chg="addSp delSp modSp">
-        <pc:chgData name="Martin-Pierre GAULTIER" userId="S::mpgaultier@lemonway.com::0415e4a0-177e-4c12-b0e5-1f7bc3cae49f" providerId="AD" clId="Web-{FCD97ED3-3CB5-5DED-E90F-0AD5CF23EC2F}" dt="2025-01-27T09:39:00.762" v="1424"/>
-        <pc:sldMkLst>
-          <pc:docMk/>
-          <pc:sldMk cId="4251313692" sldId="2147483528"/>
-        </pc:sldMkLst>
-      </pc:sldChg>
-      <pc:sldChg chg="addSp delSp modSp">
-        <pc:chgData name="Martin-Pierre GAULTIER" userId="S::mpgaultier@lemonway.com::0415e4a0-177e-4c12-b0e5-1f7bc3cae49f" providerId="AD" clId="Web-{FCD97ED3-3CB5-5DED-E90F-0AD5CF23EC2F}" dt="2025-01-27T09:54:12.040" v="1669" actId="20577"/>
-        <pc:sldMkLst>
-          <pc:docMk/>
-          <pc:sldMk cId="1326845705" sldId="2147483529"/>
-        </pc:sldMkLst>
-      </pc:sldChg>
-      <pc:sldChg chg="modSp del">
-        <pc:chgData name="Martin-Pierre GAULTIER" userId="S::mpgaultier@lemonway.com::0415e4a0-177e-4c12-b0e5-1f7bc3cae49f" providerId="AD" clId="Web-{FCD97ED3-3CB5-5DED-E90F-0AD5CF23EC2F}" dt="2025-01-27T15:39:07.141" v="1876"/>
-        <pc:sldMkLst>
-          <pc:docMk/>
-          <pc:sldMk cId="1824639407" sldId="2147483530"/>
-        </pc:sldMkLst>
-      </pc:sldChg>
-      <pc:sldChg chg="modSp">
-        <pc:chgData name="Martin-Pierre GAULTIER" userId="S::mpgaultier@lemonway.com::0415e4a0-177e-4c12-b0e5-1f7bc3cae49f" providerId="AD" clId="Web-{FCD97ED3-3CB5-5DED-E90F-0AD5CF23EC2F}" dt="2025-01-27T09:28:49.613" v="1287" actId="20577"/>
-        <pc:sldMkLst>
-          <pc:docMk/>
-          <pc:sldMk cId="1584612849" sldId="2147483531"/>
-        </pc:sldMkLst>
-      </pc:sldChg>
-      <pc:sldChg chg="modSp">
-        <pc:chgData name="Martin-Pierre GAULTIER" userId="S::mpgaultier@lemonway.com::0415e4a0-177e-4c12-b0e5-1f7bc3cae49f" providerId="AD" clId="Web-{FCD97ED3-3CB5-5DED-E90F-0AD5CF23EC2F}" dt="2025-01-27T15:42:31.082" v="1899" actId="20577"/>
-        <pc:sldMkLst>
-          <pc:docMk/>
-          <pc:sldMk cId="4133866324" sldId="2147483540"/>
-        </pc:sldMkLst>
-      </pc:sldChg>
-      <pc:sldChg chg="ord">
-        <pc:chgData name="Martin-Pierre GAULTIER" userId="S::mpgaultier@lemonway.com::0415e4a0-177e-4c12-b0e5-1f7bc3cae49f" providerId="AD" clId="Web-{FCD97ED3-3CB5-5DED-E90F-0AD5CF23EC2F}" dt="2025-01-27T15:44:58.287" v="1927"/>
-        <pc:sldMkLst>
-          <pc:docMk/>
-          <pc:sldMk cId="3452786207" sldId="2147483544"/>
-        </pc:sldMkLst>
-      </pc:sldChg>
-      <pc:sldChg chg="ord">
-        <pc:chgData name="Martin-Pierre GAULTIER" userId="S::mpgaultier@lemonway.com::0415e4a0-177e-4c12-b0e5-1f7bc3cae49f" providerId="AD" clId="Web-{FCD97ED3-3CB5-5DED-E90F-0AD5CF23EC2F}" dt="2025-01-27T15:44:58.287" v="1932"/>
-        <pc:sldMkLst>
-          <pc:docMk/>
-          <pc:sldMk cId="1851883643" sldId="2147483572"/>
-        </pc:sldMkLst>
-      </pc:sldChg>
-      <pc:sldChg chg="ord">
-        <pc:chgData name="Martin-Pierre GAULTIER" userId="S::mpgaultier@lemonway.com::0415e4a0-177e-4c12-b0e5-1f7bc3cae49f" providerId="AD" clId="Web-{FCD97ED3-3CB5-5DED-E90F-0AD5CF23EC2F}" dt="2025-01-27T15:44:58.287" v="1931"/>
-        <pc:sldMkLst>
-          <pc:docMk/>
-          <pc:sldMk cId="3904257479" sldId="2147483573"/>
-        </pc:sldMkLst>
-      </pc:sldChg>
-      <pc:sldChg chg="ord">
-        <pc:chgData name="Martin-Pierre GAULTIER" userId="S::mpgaultier@lemonway.com::0415e4a0-177e-4c12-b0e5-1f7bc3cae49f" providerId="AD" clId="Web-{FCD97ED3-3CB5-5DED-E90F-0AD5CF23EC2F}" dt="2025-01-27T15:44:58.287" v="1930"/>
-        <pc:sldMkLst>
-          <pc:docMk/>
-          <pc:sldMk cId="1584404665" sldId="2147483574"/>
-        </pc:sldMkLst>
-      </pc:sldChg>
-      <pc:sldChg chg="ord">
-        <pc:chgData name="Martin-Pierre GAULTIER" userId="S::mpgaultier@lemonway.com::0415e4a0-177e-4c12-b0e5-1f7bc3cae49f" providerId="AD" clId="Web-{FCD97ED3-3CB5-5DED-E90F-0AD5CF23EC2F}" dt="2025-01-27T15:44:58.287" v="1929"/>
-        <pc:sldMkLst>
-          <pc:docMk/>
-          <pc:sldMk cId="3593561478" sldId="2147483575"/>
-        </pc:sldMkLst>
-      </pc:sldChg>
-      <pc:sldChg chg="ord">
-        <pc:chgData name="Martin-Pierre GAULTIER" userId="S::mpgaultier@lemonway.com::0415e4a0-177e-4c12-b0e5-1f7bc3cae49f" providerId="AD" clId="Web-{FCD97ED3-3CB5-5DED-E90F-0AD5CF23EC2F}" dt="2025-01-27T15:44:58.287" v="1928"/>
-        <pc:sldMkLst>
-          <pc:docMk/>
-          <pc:sldMk cId="3395933212" sldId="2147483576"/>
-        </pc:sldMkLst>
-      </pc:sldChg>
-      <pc:sldChg chg="ord">
-        <pc:chgData name="Martin-Pierre GAULTIER" userId="S::mpgaultier@lemonway.com::0415e4a0-177e-4c12-b0e5-1f7bc3cae49f" providerId="AD" clId="Web-{FCD97ED3-3CB5-5DED-E90F-0AD5CF23EC2F}" dt="2025-01-27T15:44:58.287" v="1926"/>
-        <pc:sldMkLst>
-          <pc:docMk/>
-          <pc:sldMk cId="4045004320" sldId="2147483577"/>
-        </pc:sldMkLst>
-      </pc:sldChg>
-      <pc:sldChg chg="addSp delSp modSp add replId">
-        <pc:chgData name="Martin-Pierre GAULTIER" userId="S::mpgaultier@lemonway.com::0415e4a0-177e-4c12-b0e5-1f7bc3cae49f" providerId="AD" clId="Web-{FCD97ED3-3CB5-5DED-E90F-0AD5CF23EC2F}" dt="2025-01-27T15:33:38.808" v="1717" actId="1076"/>
-        <pc:sldMkLst>
-          <pc:docMk/>
-          <pc:sldMk cId="1703776386" sldId="2147483579"/>
-        </pc:sldMkLst>
-      </pc:sldChg>
-      <pc:sldChg chg="modSp mod modShow">
-        <pc:chgData name="Martin-Pierre GAULTIER" userId="S::mpgaultier@lemonway.com::0415e4a0-177e-4c12-b0e5-1f7bc3cae49f" providerId="AD" clId="Web-{FCD97ED3-3CB5-5DED-E90F-0AD5CF23EC2F}" dt="2025-01-27T15:38:52.953" v="1875" actId="20577"/>
-        <pc:sldMkLst>
-          <pc:docMk/>
-          <pc:sldMk cId="992121836" sldId="2147483580"/>
-        </pc:sldMkLst>
-      </pc:sldChg>
-    </pc:docChg>
-  </pc:docChgLst>
-  <pc:docChgLst>
-    <pc:chgData name="Martin-Pierre GAULTIER" userId="S::mpgaultier@lemonway.com::0415e4a0-177e-4c12-b0e5-1f7bc3cae49f" providerId="AD" clId="Web-{861B3FCE-6523-B8CA-B9C5-5DD6C039EE29}"/>
-    <pc:docChg chg="modSld">
-      <pc:chgData name="Martin-Pierre GAULTIER" userId="S::mpgaultier@lemonway.com::0415e4a0-177e-4c12-b0e5-1f7bc3cae49f" providerId="AD" clId="Web-{861B3FCE-6523-B8CA-B9C5-5DD6C039EE29}" dt="2025-01-27T08:25:34.032" v="143" actId="20577"/>
-      <pc:docMkLst>
-        <pc:docMk/>
-      </pc:docMkLst>
-      <pc:sldChg chg="modSp">
-        <pc:chgData name="Martin-Pierre GAULTIER" userId="S::mpgaultier@lemonway.com::0415e4a0-177e-4c12-b0e5-1f7bc3cae49f" providerId="AD" clId="Web-{861B3FCE-6523-B8CA-B9C5-5DD6C039EE29}" dt="2025-01-27T08:25:34.032" v="143" actId="20577"/>
-        <pc:sldMkLst>
-          <pc:docMk/>
-          <pc:sldMk cId="1292861028" sldId="2147483484"/>
-        </pc:sldMkLst>
-      </pc:sldChg>
-    </pc:docChg>
-  </pc:docChgLst>
-  <pc:docChgLst>
     <pc:chgData name="Pierre GAUVRY" userId="83edf39d-5bbc-4918-af09-c2287799a21e" providerId="ADAL" clId="{A776891F-67A0-B649-A07F-6D9E57C42EA1}"/>
     <pc:docChg chg="undo custSel addSld modSld">
       <pc:chgData name="Pierre GAUVRY" userId="83edf39d-5bbc-4918-af09-c2287799a21e" providerId="ADAL" clId="{A776891F-67A0-B649-A07F-6D9E57C42EA1}" dt="2025-01-27T18:58:31.751" v="1879" actId="20577"/>
@@ -1504,6 +1536,509 @@
         <pc:sldMkLst>
           <pc:docMk/>
           <pc:sldMk cId="3792680044" sldId="2147483556"/>
+        </pc:sldMkLst>
+      </pc:sldChg>
+    </pc:docChg>
+  </pc:docChgLst>
+  <pc:docChgLst>
+    <pc:chgData name="Alexane BAUDRON" userId="c4e72a19-1b71-4ae0-b940-702fdd1a721d" providerId="ADAL" clId="{D4F44FF1-7F2C-FA40-AF24-8A4D60D10BFE}"/>
+    <pc:docChg chg="undo custSel addSld delSld modSld">
+      <pc:chgData name="Alexane BAUDRON" userId="c4e72a19-1b71-4ae0-b940-702fdd1a721d" providerId="ADAL" clId="{D4F44FF1-7F2C-FA40-AF24-8A4D60D10BFE}" dt="2025-02-19T14:16:44.961" v="3362" actId="1076"/>
+      <pc:docMkLst>
+        <pc:docMk/>
+      </pc:docMkLst>
+      <pc:sldChg chg="modSp mod">
+        <pc:chgData name="Alexane BAUDRON" userId="c4e72a19-1b71-4ae0-b940-702fdd1a721d" providerId="ADAL" clId="{D4F44FF1-7F2C-FA40-AF24-8A4D60D10BFE}" dt="2025-01-27T15:37:35.932" v="3183"/>
+        <pc:sldMkLst>
+          <pc:docMk/>
+          <pc:sldMk cId="1292861028" sldId="2147483484"/>
+        </pc:sldMkLst>
+      </pc:sldChg>
+      <pc:sldChg chg="addSp delSp modSp mod">
+        <pc:chgData name="Alexane BAUDRON" userId="c4e72a19-1b71-4ae0-b940-702fdd1a721d" providerId="ADAL" clId="{D4F44FF1-7F2C-FA40-AF24-8A4D60D10BFE}" dt="2025-01-15T16:43:11.970" v="171" actId="18131"/>
+        <pc:sldMkLst>
+          <pc:docMk/>
+          <pc:sldMk cId="581994450" sldId="2147483485"/>
+        </pc:sldMkLst>
+      </pc:sldChg>
+      <pc:sldChg chg="addSp delSp modSp mod">
+        <pc:chgData name="Alexane BAUDRON" userId="c4e72a19-1b71-4ae0-b940-702fdd1a721d" providerId="ADAL" clId="{D4F44FF1-7F2C-FA40-AF24-8A4D60D10BFE}" dt="2025-01-24T10:22:15.848" v="396" actId="1035"/>
+        <pc:sldMkLst>
+          <pc:docMk/>
+          <pc:sldMk cId="3904141368" sldId="2147483486"/>
+        </pc:sldMkLst>
+      </pc:sldChg>
+      <pc:sldChg chg="addSp delSp modSp mod">
+        <pc:chgData name="Alexane BAUDRON" userId="c4e72a19-1b71-4ae0-b940-702fdd1a721d" providerId="ADAL" clId="{D4F44FF1-7F2C-FA40-AF24-8A4D60D10BFE}" dt="2025-01-27T14:27:44.630" v="1797" actId="14826"/>
+        <pc:sldMkLst>
+          <pc:docMk/>
+          <pc:sldMk cId="1096040518" sldId="2147483487"/>
+        </pc:sldMkLst>
+      </pc:sldChg>
+      <pc:sldChg chg="addSp delSp modSp mod">
+        <pc:chgData name="Alexane BAUDRON" userId="c4e72a19-1b71-4ae0-b940-702fdd1a721d" providerId="ADAL" clId="{D4F44FF1-7F2C-FA40-AF24-8A4D60D10BFE}" dt="2025-01-22T16:45:47.365" v="247" actId="1076"/>
+        <pc:sldMkLst>
+          <pc:docMk/>
+          <pc:sldMk cId="2736715337" sldId="2147483489"/>
+        </pc:sldMkLst>
+      </pc:sldChg>
+      <pc:sldChg chg="addSp delSp modSp mod">
+        <pc:chgData name="Alexane BAUDRON" userId="c4e72a19-1b71-4ae0-b940-702fdd1a721d" providerId="ADAL" clId="{D4F44FF1-7F2C-FA40-AF24-8A4D60D10BFE}" dt="2025-01-22T16:52:02.680" v="349" actId="478"/>
+        <pc:sldMkLst>
+          <pc:docMk/>
+          <pc:sldMk cId="2391188043" sldId="2147483490"/>
+        </pc:sldMkLst>
+      </pc:sldChg>
+      <pc:sldChg chg="addSp delSp modSp mod delAnim modAnim">
+        <pc:chgData name="Alexane BAUDRON" userId="c4e72a19-1b71-4ae0-b940-702fdd1a721d" providerId="ADAL" clId="{D4F44FF1-7F2C-FA40-AF24-8A4D60D10BFE}" dt="2025-02-19T14:16:44.961" v="3362" actId="1076"/>
+        <pc:sldMkLst>
+          <pc:docMk/>
+          <pc:sldMk cId="470428834" sldId="2147483492"/>
+        </pc:sldMkLst>
+      </pc:sldChg>
+      <pc:sldChg chg="del">
+        <pc:chgData name="Alexane BAUDRON" userId="c4e72a19-1b71-4ae0-b940-702fdd1a721d" providerId="ADAL" clId="{D4F44FF1-7F2C-FA40-AF24-8A4D60D10BFE}" dt="2025-01-15T16:36:41.925" v="41" actId="2696"/>
+        <pc:sldMkLst>
+          <pc:docMk/>
+          <pc:sldMk cId="1278056561" sldId="2147483493"/>
+        </pc:sldMkLst>
+      </pc:sldChg>
+      <pc:sldChg chg="delSp modSp mod delAnim">
+        <pc:chgData name="Alexane BAUDRON" userId="c4e72a19-1b71-4ae0-b940-702fdd1a721d" providerId="ADAL" clId="{D4F44FF1-7F2C-FA40-AF24-8A4D60D10BFE}" dt="2025-01-27T14:18:14.732" v="1707" actId="14100"/>
+        <pc:sldMkLst>
+          <pc:docMk/>
+          <pc:sldMk cId="1425089493" sldId="2147483520"/>
+        </pc:sldMkLst>
+      </pc:sldChg>
+      <pc:sldChg chg="addSp delSp modSp mod">
+        <pc:chgData name="Alexane BAUDRON" userId="c4e72a19-1b71-4ae0-b940-702fdd1a721d" providerId="ADAL" clId="{D4F44FF1-7F2C-FA40-AF24-8A4D60D10BFE}" dt="2025-01-27T09:06:06.784" v="416" actId="14826"/>
+        <pc:sldMkLst>
+          <pc:docMk/>
+          <pc:sldMk cId="696696546" sldId="2147483521"/>
+        </pc:sldMkLst>
+      </pc:sldChg>
+      <pc:sldChg chg="modSp mod">
+        <pc:chgData name="Alexane BAUDRON" userId="c4e72a19-1b71-4ae0-b940-702fdd1a721d" providerId="ADAL" clId="{D4F44FF1-7F2C-FA40-AF24-8A4D60D10BFE}" dt="2025-01-27T15:12:05.070" v="2520" actId="1035"/>
+        <pc:sldMkLst>
+          <pc:docMk/>
+          <pc:sldMk cId="2312050107" sldId="2147483522"/>
+        </pc:sldMkLst>
+      </pc:sldChg>
+      <pc:sldChg chg="modSp mod">
+        <pc:chgData name="Alexane BAUDRON" userId="c4e72a19-1b71-4ae0-b940-702fdd1a721d" providerId="ADAL" clId="{D4F44FF1-7F2C-FA40-AF24-8A4D60D10BFE}" dt="2025-01-27T15:12:11.672" v="2527" actId="1035"/>
+        <pc:sldMkLst>
+          <pc:docMk/>
+          <pc:sldMk cId="2474122460" sldId="2147483523"/>
+        </pc:sldMkLst>
+      </pc:sldChg>
+      <pc:sldChg chg="addSp delSp modSp mod modAnim">
+        <pc:chgData name="Alexane BAUDRON" userId="c4e72a19-1b71-4ae0-b940-702fdd1a721d" providerId="ADAL" clId="{D4F44FF1-7F2C-FA40-AF24-8A4D60D10BFE}" dt="2025-01-27T13:39:33.069" v="1420" actId="14100"/>
+        <pc:sldMkLst>
+          <pc:docMk/>
+          <pc:sldMk cId="1260531968" sldId="2147483524"/>
+        </pc:sldMkLst>
+      </pc:sldChg>
+      <pc:sldChg chg="modSp mod">
+        <pc:chgData name="Alexane BAUDRON" userId="c4e72a19-1b71-4ae0-b940-702fdd1a721d" providerId="ADAL" clId="{D4F44FF1-7F2C-FA40-AF24-8A4D60D10BFE}" dt="2025-01-27T14:12:27.921" v="1447" actId="20577"/>
+        <pc:sldMkLst>
+          <pc:docMk/>
+          <pc:sldMk cId="3207649941" sldId="2147483525"/>
+        </pc:sldMkLst>
+      </pc:sldChg>
+      <pc:sldChg chg="modSp mod">
+        <pc:chgData name="Alexane BAUDRON" userId="c4e72a19-1b71-4ae0-b940-702fdd1a721d" providerId="ADAL" clId="{D4F44FF1-7F2C-FA40-AF24-8A4D60D10BFE}" dt="2025-01-27T15:34:14.920" v="3123" actId="14861"/>
+        <pc:sldMkLst>
+          <pc:docMk/>
+          <pc:sldMk cId="2246678326" sldId="2147483526"/>
+        </pc:sldMkLst>
+      </pc:sldChg>
+      <pc:sldChg chg="addSp delSp modSp mod">
+        <pc:chgData name="Alexane BAUDRON" userId="c4e72a19-1b71-4ae0-b940-702fdd1a721d" providerId="ADAL" clId="{D4F44FF1-7F2C-FA40-AF24-8A4D60D10BFE}" dt="2025-01-27T15:35:43.618" v="3176" actId="1036"/>
+        <pc:sldMkLst>
+          <pc:docMk/>
+          <pc:sldMk cId="4251313692" sldId="2147483528"/>
+        </pc:sldMkLst>
+      </pc:sldChg>
+      <pc:sldChg chg="modSp mod">
+        <pc:chgData name="Alexane BAUDRON" userId="c4e72a19-1b71-4ae0-b940-702fdd1a721d" providerId="ADAL" clId="{D4F44FF1-7F2C-FA40-AF24-8A4D60D10BFE}" dt="2025-01-27T14:12:43.534" v="1448" actId="2711"/>
+        <pc:sldMkLst>
+          <pc:docMk/>
+          <pc:sldMk cId="1326845705" sldId="2147483529"/>
+        </pc:sldMkLst>
+      </pc:sldChg>
+      <pc:sldChg chg="addSp delSp modSp mod modNotesTx">
+        <pc:chgData name="Alexane BAUDRON" userId="c4e72a19-1b71-4ae0-b940-702fdd1a721d" providerId="ADAL" clId="{D4F44FF1-7F2C-FA40-AF24-8A4D60D10BFE}" dt="2025-01-27T14:16:22.240" v="1692" actId="1076"/>
+        <pc:sldMkLst>
+          <pc:docMk/>
+          <pc:sldMk cId="1824639407" sldId="2147483530"/>
+        </pc:sldMkLst>
+      </pc:sldChg>
+      <pc:sldChg chg="addSp modSp mod">
+        <pc:chgData name="Alexane BAUDRON" userId="c4e72a19-1b71-4ae0-b940-702fdd1a721d" providerId="ADAL" clId="{D4F44FF1-7F2C-FA40-AF24-8A4D60D10BFE}" dt="2025-01-27T11:20:43.140" v="1210" actId="1035"/>
+        <pc:sldMkLst>
+          <pc:docMk/>
+          <pc:sldMk cId="1584612849" sldId="2147483531"/>
+        </pc:sldMkLst>
+      </pc:sldChg>
+      <pc:sldChg chg="modSp mod">
+        <pc:chgData name="Alexane BAUDRON" userId="c4e72a19-1b71-4ae0-b940-702fdd1a721d" providerId="ADAL" clId="{D4F44FF1-7F2C-FA40-AF24-8A4D60D10BFE}" dt="2025-01-27T15:09:51.995" v="2470" actId="1076"/>
+        <pc:sldMkLst>
+          <pc:docMk/>
+          <pc:sldMk cId="1176860781" sldId="2147483532"/>
+        </pc:sldMkLst>
+      </pc:sldChg>
+      <pc:sldChg chg="addSp delSp modSp mod delAnim modAnim">
+        <pc:chgData name="Alexane BAUDRON" userId="c4e72a19-1b71-4ae0-b940-702fdd1a721d" providerId="ADAL" clId="{D4F44FF1-7F2C-FA40-AF24-8A4D60D10BFE}" dt="2025-01-27T15:32:13.475" v="2842" actId="207"/>
+        <pc:sldMkLst>
+          <pc:docMk/>
+          <pc:sldMk cId="4213513957" sldId="2147483533"/>
+        </pc:sldMkLst>
+      </pc:sldChg>
+      <pc:sldChg chg="delSp modSp mod">
+        <pc:chgData name="Alexane BAUDRON" userId="c4e72a19-1b71-4ae0-b940-702fdd1a721d" providerId="ADAL" clId="{D4F44FF1-7F2C-FA40-AF24-8A4D60D10BFE}" dt="2025-01-27T15:14:07.476" v="2537" actId="20577"/>
+        <pc:sldMkLst>
+          <pc:docMk/>
+          <pc:sldMk cId="3330874013" sldId="2147483537"/>
+        </pc:sldMkLst>
+      </pc:sldChg>
+      <pc:sldChg chg="addSp delSp modSp mod modAnim">
+        <pc:chgData name="Alexane BAUDRON" userId="c4e72a19-1b71-4ae0-b940-702fdd1a721d" providerId="ADAL" clId="{D4F44FF1-7F2C-FA40-AF24-8A4D60D10BFE}" dt="2025-01-27T13:32:20.091" v="1415"/>
+        <pc:sldMkLst>
+          <pc:docMk/>
+          <pc:sldMk cId="1186544563" sldId="2147483539"/>
+        </pc:sldMkLst>
+      </pc:sldChg>
+      <pc:sldChg chg="addSp delSp modSp add del mod delAnim modAnim">
+        <pc:chgData name="Alexane BAUDRON" userId="c4e72a19-1b71-4ae0-b940-702fdd1a721d" providerId="ADAL" clId="{D4F44FF1-7F2C-FA40-AF24-8A4D60D10BFE}" dt="2025-01-22T16:43:15.157" v="223" actId="2696"/>
+        <pc:sldMkLst>
+          <pc:docMk/>
+          <pc:sldMk cId="3314548321" sldId="2147483539"/>
+        </pc:sldMkLst>
+      </pc:sldChg>
+      <pc:sldChg chg="modSp mod">
+        <pc:chgData name="Alexane BAUDRON" userId="c4e72a19-1b71-4ae0-b940-702fdd1a721d" providerId="ADAL" clId="{D4F44FF1-7F2C-FA40-AF24-8A4D60D10BFE}" dt="2025-01-27T15:27:23.431" v="2809"/>
+        <pc:sldMkLst>
+          <pc:docMk/>
+          <pc:sldMk cId="4133866324" sldId="2147483540"/>
+        </pc:sldMkLst>
+      </pc:sldChg>
+      <pc:sldChg chg="modSp mod">
+        <pc:chgData name="Alexane BAUDRON" userId="c4e72a19-1b71-4ae0-b940-702fdd1a721d" providerId="ADAL" clId="{D4F44FF1-7F2C-FA40-AF24-8A4D60D10BFE}" dt="2025-01-27T14:48:29.245" v="2122"/>
+        <pc:sldMkLst>
+          <pc:docMk/>
+          <pc:sldMk cId="244232859" sldId="2147483541"/>
+        </pc:sldMkLst>
+      </pc:sldChg>
+      <pc:sldChg chg="modSp mod">
+        <pc:chgData name="Alexane BAUDRON" userId="c4e72a19-1b71-4ae0-b940-702fdd1a721d" providerId="ADAL" clId="{D4F44FF1-7F2C-FA40-AF24-8A4D60D10BFE}" dt="2025-01-27T15:30:00.171" v="2835" actId="1076"/>
+        <pc:sldMkLst>
+          <pc:docMk/>
+          <pc:sldMk cId="12490850" sldId="2147483542"/>
+        </pc:sldMkLst>
+      </pc:sldChg>
+      <pc:sldChg chg="addSp delSp modSp mod setBg">
+        <pc:chgData name="Alexane BAUDRON" userId="c4e72a19-1b71-4ae0-b940-702fdd1a721d" providerId="ADAL" clId="{D4F44FF1-7F2C-FA40-AF24-8A4D60D10BFE}" dt="2025-01-27T15:12:46.286" v="2531"/>
+        <pc:sldMkLst>
+          <pc:docMk/>
+          <pc:sldMk cId="3141618727" sldId="2147483543"/>
+        </pc:sldMkLst>
+      </pc:sldChg>
+      <pc:sldChg chg="modSp mod">
+        <pc:chgData name="Alexane BAUDRON" userId="c4e72a19-1b71-4ae0-b940-702fdd1a721d" providerId="ADAL" clId="{D4F44FF1-7F2C-FA40-AF24-8A4D60D10BFE}" dt="2025-01-27T15:25:17.351" v="2785" actId="1038"/>
+        <pc:sldMkLst>
+          <pc:docMk/>
+          <pc:sldMk cId="3452786207" sldId="2147483544"/>
+        </pc:sldMkLst>
+      </pc:sldChg>
+      <pc:sldChg chg="addSp delSp modSp mod">
+        <pc:chgData name="Alexane BAUDRON" userId="c4e72a19-1b71-4ae0-b940-702fdd1a721d" providerId="ADAL" clId="{D4F44FF1-7F2C-FA40-AF24-8A4D60D10BFE}" dt="2025-01-27T15:00:16.493" v="2360"/>
+        <pc:sldMkLst>
+          <pc:docMk/>
+          <pc:sldMk cId="538564091" sldId="2147483545"/>
+        </pc:sldMkLst>
+      </pc:sldChg>
+      <pc:sldChg chg="addSp delSp modSp mod">
+        <pc:chgData name="Alexane BAUDRON" userId="c4e72a19-1b71-4ae0-b940-702fdd1a721d" providerId="ADAL" clId="{D4F44FF1-7F2C-FA40-AF24-8A4D60D10BFE}" dt="2025-01-27T15:05:47.042" v="2430" actId="1038"/>
+        <pc:sldMkLst>
+          <pc:docMk/>
+          <pc:sldMk cId="323720210" sldId="2147483546"/>
+        </pc:sldMkLst>
+      </pc:sldChg>
+      <pc:sldChg chg="addSp delSp modSp mod">
+        <pc:chgData name="Alexane BAUDRON" userId="c4e72a19-1b71-4ae0-b940-702fdd1a721d" providerId="ADAL" clId="{D4F44FF1-7F2C-FA40-AF24-8A4D60D10BFE}" dt="2025-01-27T15:06:36.214" v="2440" actId="1076"/>
+        <pc:sldMkLst>
+          <pc:docMk/>
+          <pc:sldMk cId="819472479" sldId="2147483547"/>
+        </pc:sldMkLst>
+      </pc:sldChg>
+      <pc:sldChg chg="modSp mod">
+        <pc:chgData name="Alexane BAUDRON" userId="c4e72a19-1b71-4ae0-b940-702fdd1a721d" providerId="ADAL" clId="{D4F44FF1-7F2C-FA40-AF24-8A4D60D10BFE}" dt="2025-01-27T15:13:04.322" v="2533" actId="207"/>
+        <pc:sldMkLst>
+          <pc:docMk/>
+          <pc:sldMk cId="3713441185" sldId="2147483549"/>
+        </pc:sldMkLst>
+      </pc:sldChg>
+      <pc:sldChg chg="modSp mod">
+        <pc:chgData name="Alexane BAUDRON" userId="c4e72a19-1b71-4ae0-b940-702fdd1a721d" providerId="ADAL" clId="{D4F44FF1-7F2C-FA40-AF24-8A4D60D10BFE}" dt="2025-01-27T14:55:35.228" v="2246" actId="14861"/>
+        <pc:sldMkLst>
+          <pc:docMk/>
+          <pc:sldMk cId="3514001501" sldId="2147483550"/>
+        </pc:sldMkLst>
+      </pc:sldChg>
+      <pc:sldChg chg="modSp mod">
+        <pc:chgData name="Alexane BAUDRON" userId="c4e72a19-1b71-4ae0-b940-702fdd1a721d" providerId="ADAL" clId="{D4F44FF1-7F2C-FA40-AF24-8A4D60D10BFE}" dt="2025-01-27T17:02:53.551" v="3360" actId="1035"/>
+        <pc:sldMkLst>
+          <pc:docMk/>
+          <pc:sldMk cId="3947401979" sldId="2147483551"/>
+        </pc:sldMkLst>
+      </pc:sldChg>
+      <pc:sldChg chg="modSp mod">
+        <pc:chgData name="Alexane BAUDRON" userId="c4e72a19-1b71-4ae0-b940-702fdd1a721d" providerId="ADAL" clId="{D4F44FF1-7F2C-FA40-AF24-8A4D60D10BFE}" dt="2025-01-27T15:04:45.622" v="2418" actId="1036"/>
+        <pc:sldMkLst>
+          <pc:docMk/>
+          <pc:sldMk cId="237779500" sldId="2147483552"/>
+        </pc:sldMkLst>
+      </pc:sldChg>
+      <pc:sldChg chg="modSp mod">
+        <pc:chgData name="Alexane BAUDRON" userId="c4e72a19-1b71-4ae0-b940-702fdd1a721d" providerId="ADAL" clId="{D4F44FF1-7F2C-FA40-AF24-8A4D60D10BFE}" dt="2025-01-27T14:51:47.045" v="2210" actId="1035"/>
+        <pc:sldMkLst>
+          <pc:docMk/>
+          <pc:sldMk cId="2159616718" sldId="2147483554"/>
+        </pc:sldMkLst>
+      </pc:sldChg>
+      <pc:sldChg chg="modSp">
+        <pc:chgData name="Alexane BAUDRON" userId="c4e72a19-1b71-4ae0-b940-702fdd1a721d" providerId="ADAL" clId="{D4F44FF1-7F2C-FA40-AF24-8A4D60D10BFE}" dt="2025-01-27T15:01:02.263" v="2369"/>
+        <pc:sldMkLst>
+          <pc:docMk/>
+          <pc:sldMk cId="2971429069" sldId="2147483555"/>
+        </pc:sldMkLst>
+      </pc:sldChg>
+      <pc:sldChg chg="modSp mod">
+        <pc:chgData name="Alexane BAUDRON" userId="c4e72a19-1b71-4ae0-b940-702fdd1a721d" providerId="ADAL" clId="{D4F44FF1-7F2C-FA40-AF24-8A4D60D10BFE}" dt="2025-01-27T14:40:05.254" v="1988" actId="20577"/>
+        <pc:sldMkLst>
+          <pc:docMk/>
+          <pc:sldMk cId="3792680044" sldId="2147483556"/>
+        </pc:sldMkLst>
+      </pc:sldChg>
+      <pc:sldChg chg="modSp mod">
+        <pc:chgData name="Alexane BAUDRON" userId="c4e72a19-1b71-4ae0-b940-702fdd1a721d" providerId="ADAL" clId="{D4F44FF1-7F2C-FA40-AF24-8A4D60D10BFE}" dt="2025-01-27T14:36:35.351" v="1941" actId="1076"/>
+        <pc:sldMkLst>
+          <pc:docMk/>
+          <pc:sldMk cId="1289184987" sldId="2147483562"/>
+        </pc:sldMkLst>
+      </pc:sldChg>
+      <pc:sldChg chg="modSp mod">
+        <pc:chgData name="Alexane BAUDRON" userId="c4e72a19-1b71-4ae0-b940-702fdd1a721d" providerId="ADAL" clId="{D4F44FF1-7F2C-FA40-AF24-8A4D60D10BFE}" dt="2025-01-27T14:36:24.792" v="1939" actId="14100"/>
+        <pc:sldMkLst>
+          <pc:docMk/>
+          <pc:sldMk cId="1404434608" sldId="2147483563"/>
+        </pc:sldMkLst>
+      </pc:sldChg>
+      <pc:sldChg chg="modSp mod">
+        <pc:chgData name="Alexane BAUDRON" userId="c4e72a19-1b71-4ae0-b940-702fdd1a721d" providerId="ADAL" clId="{D4F44FF1-7F2C-FA40-AF24-8A4D60D10BFE}" dt="2025-01-27T14:32:24.333" v="1846" actId="208"/>
+        <pc:sldMkLst>
+          <pc:docMk/>
+          <pc:sldMk cId="2755047218" sldId="2147483564"/>
+        </pc:sldMkLst>
+      </pc:sldChg>
+      <pc:sldChg chg="modSp mod">
+        <pc:chgData name="Alexane BAUDRON" userId="c4e72a19-1b71-4ae0-b940-702fdd1a721d" providerId="ADAL" clId="{D4F44FF1-7F2C-FA40-AF24-8A4D60D10BFE}" dt="2025-01-27T14:29:46.378" v="1809" actId="1035"/>
+        <pc:sldMkLst>
+          <pc:docMk/>
+          <pc:sldMk cId="2235345609" sldId="2147483565"/>
+        </pc:sldMkLst>
+      </pc:sldChg>
+      <pc:sldChg chg="modSp mod setBg">
+        <pc:chgData name="Alexane BAUDRON" userId="c4e72a19-1b71-4ae0-b940-702fdd1a721d" providerId="ADAL" clId="{D4F44FF1-7F2C-FA40-AF24-8A4D60D10BFE}" dt="2025-01-27T15:30:48.101" v="2837"/>
+        <pc:sldMkLst>
+          <pc:docMk/>
+          <pc:sldMk cId="256682989" sldId="2147483566"/>
+        </pc:sldMkLst>
+      </pc:sldChg>
+      <pc:sldChg chg="modSp mod">
+        <pc:chgData name="Alexane BAUDRON" userId="c4e72a19-1b71-4ae0-b940-702fdd1a721d" providerId="ADAL" clId="{D4F44FF1-7F2C-FA40-AF24-8A4D60D10BFE}" dt="2025-01-27T13:40:30.828" v="1421" actId="1076"/>
+        <pc:sldMkLst>
+          <pc:docMk/>
+          <pc:sldMk cId="3463449161" sldId="2147483567"/>
+        </pc:sldMkLst>
+      </pc:sldChg>
+      <pc:sldChg chg="modSp mod">
+        <pc:chgData name="Alexane BAUDRON" userId="c4e72a19-1b71-4ae0-b940-702fdd1a721d" providerId="ADAL" clId="{D4F44FF1-7F2C-FA40-AF24-8A4D60D10BFE}" dt="2025-01-27T15:31:33.389" v="2840" actId="1076"/>
+        <pc:sldMkLst>
+          <pc:docMk/>
+          <pc:sldMk cId="534803942" sldId="2147483570"/>
+        </pc:sldMkLst>
+      </pc:sldChg>
+      <pc:sldChg chg="modSp mod">
+        <pc:chgData name="Alexane BAUDRON" userId="c4e72a19-1b71-4ae0-b940-702fdd1a721d" providerId="ADAL" clId="{D4F44FF1-7F2C-FA40-AF24-8A4D60D10BFE}" dt="2025-01-27T15:09:30.508" v="2469"/>
+        <pc:sldMkLst>
+          <pc:docMk/>
+          <pc:sldMk cId="1851883643" sldId="2147483572"/>
+        </pc:sldMkLst>
+      </pc:sldChg>
+      <pc:sldChg chg="modSp mod">
+        <pc:chgData name="Alexane BAUDRON" userId="c4e72a19-1b71-4ae0-b940-702fdd1a721d" providerId="ADAL" clId="{D4F44FF1-7F2C-FA40-AF24-8A4D60D10BFE}" dt="2025-01-27T15:26:32.733" v="2804" actId="207"/>
+        <pc:sldMkLst>
+          <pc:docMk/>
+          <pc:sldMk cId="3904257479" sldId="2147483573"/>
+        </pc:sldMkLst>
+      </pc:sldChg>
+      <pc:sldChg chg="modSp mod">
+        <pc:chgData name="Alexane BAUDRON" userId="c4e72a19-1b71-4ae0-b940-702fdd1a721d" providerId="ADAL" clId="{D4F44FF1-7F2C-FA40-AF24-8A4D60D10BFE}" dt="2025-01-27T15:26:27.003" v="2803" actId="207"/>
+        <pc:sldMkLst>
+          <pc:docMk/>
+          <pc:sldMk cId="1584404665" sldId="2147483574"/>
+        </pc:sldMkLst>
+      </pc:sldChg>
+      <pc:sldChg chg="modSp mod">
+        <pc:chgData name="Alexane BAUDRON" userId="c4e72a19-1b71-4ae0-b940-702fdd1a721d" providerId="ADAL" clId="{D4F44FF1-7F2C-FA40-AF24-8A4D60D10BFE}" dt="2025-01-27T15:26:09.348" v="2800" actId="207"/>
+        <pc:sldMkLst>
+          <pc:docMk/>
+          <pc:sldMk cId="3593561478" sldId="2147483575"/>
+        </pc:sldMkLst>
+      </pc:sldChg>
+      <pc:sldChg chg="modSp mod">
+        <pc:chgData name="Alexane BAUDRON" userId="c4e72a19-1b71-4ae0-b940-702fdd1a721d" providerId="ADAL" clId="{D4F44FF1-7F2C-FA40-AF24-8A4D60D10BFE}" dt="2025-01-27T15:26:14.963" v="2801" actId="207"/>
+        <pc:sldMkLst>
+          <pc:docMk/>
+          <pc:sldMk cId="3395933212" sldId="2147483576"/>
+        </pc:sldMkLst>
+      </pc:sldChg>
+      <pc:sldChg chg="modSp mod">
+        <pc:chgData name="Alexane BAUDRON" userId="c4e72a19-1b71-4ae0-b940-702fdd1a721d" providerId="ADAL" clId="{D4F44FF1-7F2C-FA40-AF24-8A4D60D10BFE}" dt="2025-01-27T15:26:19.392" v="2802" actId="207"/>
+        <pc:sldMkLst>
+          <pc:docMk/>
+          <pc:sldMk cId="4045004320" sldId="2147483577"/>
+        </pc:sldMkLst>
+      </pc:sldChg>
+      <pc:sldChg chg="delSp modSp add mod">
+        <pc:chgData name="Alexane BAUDRON" userId="c4e72a19-1b71-4ae0-b940-702fdd1a721d" providerId="ADAL" clId="{D4F44FF1-7F2C-FA40-AF24-8A4D60D10BFE}" dt="2025-01-27T09:11:46.599" v="478" actId="20577"/>
+        <pc:sldMkLst>
+          <pc:docMk/>
+          <pc:sldMk cId="4053336332" sldId="2147483578"/>
+        </pc:sldMkLst>
+      </pc:sldChg>
+      <pc:sldChg chg="addSp delSp modSp mod">
+        <pc:chgData name="Alexane BAUDRON" userId="c4e72a19-1b71-4ae0-b940-702fdd1a721d" providerId="ADAL" clId="{D4F44FF1-7F2C-FA40-AF24-8A4D60D10BFE}" dt="2025-01-27T16:29:45.485" v="3266" actId="404"/>
+        <pc:sldMkLst>
+          <pc:docMk/>
+          <pc:sldMk cId="1703776386" sldId="2147483579"/>
+        </pc:sldMkLst>
+      </pc:sldChg>
+      <pc:sldChg chg="add mod modShow">
+        <pc:chgData name="Alexane BAUDRON" userId="c4e72a19-1b71-4ae0-b940-702fdd1a721d" providerId="ADAL" clId="{D4F44FF1-7F2C-FA40-AF24-8A4D60D10BFE}" dt="2025-01-27T14:14:28.434" v="1459" actId="729"/>
+        <pc:sldMkLst>
+          <pc:docMk/>
+          <pc:sldMk cId="992121836" sldId="2147483580"/>
+        </pc:sldMkLst>
+      </pc:sldChg>
+    </pc:docChg>
+  </pc:docChgLst>
+  <pc:docChgLst>
+    <pc:chgData name="Matthieu BRIEND" userId="S::mbriend@lemonway.com::f43b7032-540d-4661-9645-e17125bf3d76" providerId="AD" clId="Web-{8C3DAA53-8698-68DA-30E7-EA269715A3AF}"/>
+    <pc:docChg chg="addSld delSld modSld">
+      <pc:chgData name="Matthieu BRIEND" userId="S::mbriend@lemonway.com::f43b7032-540d-4661-9645-e17125bf3d76" providerId="AD" clId="Web-{8C3DAA53-8698-68DA-30E7-EA269715A3AF}" dt="2025-01-26T12:12:26.309" v="1161"/>
+      <pc:docMkLst>
+        <pc:docMk/>
+      </pc:docMkLst>
+      <pc:sldChg chg="addSp delSp modSp">
+        <pc:chgData name="Matthieu BRIEND" userId="S::mbriend@lemonway.com::f43b7032-540d-4661-9645-e17125bf3d76" providerId="AD" clId="Web-{8C3DAA53-8698-68DA-30E7-EA269715A3AF}" dt="2025-01-26T11:32:46.567" v="811"/>
+        <pc:sldMkLst>
+          <pc:docMk/>
+          <pc:sldMk cId="2982750" sldId="297"/>
+        </pc:sldMkLst>
+      </pc:sldChg>
+      <pc:sldChg chg="modSp del">
+        <pc:chgData name="Matthieu BRIEND" userId="S::mbriend@lemonway.com::f43b7032-540d-4661-9645-e17125bf3d76" providerId="AD" clId="Web-{8C3DAA53-8698-68DA-30E7-EA269715A3AF}" dt="2025-01-26T11:04:28.555" v="332"/>
+        <pc:sldMkLst>
+          <pc:docMk/>
+          <pc:sldMk cId="3613313698" sldId="2147483536"/>
+        </pc:sldMkLst>
+      </pc:sldChg>
+      <pc:sldChg chg="modSp">
+        <pc:chgData name="Matthieu BRIEND" userId="S::mbriend@lemonway.com::f43b7032-540d-4661-9645-e17125bf3d76" providerId="AD" clId="Web-{8C3DAA53-8698-68DA-30E7-EA269715A3AF}" dt="2025-01-26T12:01:06.553" v="1111" actId="20577"/>
+        <pc:sldMkLst>
+          <pc:docMk/>
+          <pc:sldMk cId="3330874013" sldId="2147483537"/>
+        </pc:sldMkLst>
+      </pc:sldChg>
+      <pc:sldChg chg="addSp delSp modSp mod setBg">
+        <pc:chgData name="Matthieu BRIEND" userId="S::mbriend@lemonway.com::f43b7032-540d-4661-9645-e17125bf3d76" providerId="AD" clId="Web-{8C3DAA53-8698-68DA-30E7-EA269715A3AF}" dt="2025-01-26T12:12:23.668" v="1160"/>
+        <pc:sldMkLst>
+          <pc:docMk/>
+          <pc:sldMk cId="3713441185" sldId="2147483549"/>
+        </pc:sldMkLst>
+      </pc:sldChg>
+      <pc:sldChg chg="addSp delSp modSp">
+        <pc:chgData name="Matthieu BRIEND" userId="S::mbriend@lemonway.com::f43b7032-540d-4661-9645-e17125bf3d76" providerId="AD" clId="Web-{8C3DAA53-8698-68DA-30E7-EA269715A3AF}" dt="2025-01-26T11:10:00.048" v="394" actId="1076"/>
+        <pc:sldMkLst>
+          <pc:docMk/>
+          <pc:sldMk cId="3947401979" sldId="2147483551"/>
+        </pc:sldMkLst>
+      </pc:sldChg>
+      <pc:sldChg chg="addSp delSp modSp">
+        <pc:chgData name="Matthieu BRIEND" userId="S::mbriend@lemonway.com::f43b7032-540d-4661-9645-e17125bf3d76" providerId="AD" clId="Web-{8C3DAA53-8698-68DA-30E7-EA269715A3AF}" dt="2025-01-26T11:37:37.839" v="898" actId="1076"/>
+        <pc:sldMkLst>
+          <pc:docMk/>
+          <pc:sldMk cId="237779500" sldId="2147483552"/>
+        </pc:sldMkLst>
+      </pc:sldChg>
+      <pc:sldChg chg="del">
+        <pc:chgData name="Matthieu BRIEND" userId="S::mbriend@lemonway.com::f43b7032-540d-4661-9645-e17125bf3d76" providerId="AD" clId="Web-{8C3DAA53-8698-68DA-30E7-EA269715A3AF}" dt="2025-01-26T11:41:22.378" v="936"/>
+        <pc:sldMkLst>
+          <pc:docMk/>
+          <pc:sldMk cId="3834754012" sldId="2147483553"/>
+        </pc:sldMkLst>
+      </pc:sldChg>
+      <pc:sldChg chg="modSp">
+        <pc:chgData name="Matthieu BRIEND" userId="S::mbriend@lemonway.com::f43b7032-540d-4661-9645-e17125bf3d76" providerId="AD" clId="Web-{8C3DAA53-8698-68DA-30E7-EA269715A3AF}" dt="2025-01-26T12:06:23.175" v="1130" actId="1076"/>
+        <pc:sldMkLst>
+          <pc:docMk/>
+          <pc:sldMk cId="2159616718" sldId="2147483554"/>
+        </pc:sldMkLst>
+      </pc:sldChg>
+      <pc:sldChg chg="addSp delSp modSp add replId">
+        <pc:chgData name="Matthieu BRIEND" userId="S::mbriend@lemonway.com::f43b7032-540d-4661-9645-e17125bf3d76" providerId="AD" clId="Web-{8C3DAA53-8698-68DA-30E7-EA269715A3AF}" dt="2025-01-26T12:00:43.693" v="1107" actId="20577"/>
+        <pc:sldMkLst>
+          <pc:docMk/>
+          <pc:sldMk cId="2971429069" sldId="2147483555"/>
+        </pc:sldMkLst>
+      </pc:sldChg>
+      <pc:sldChg chg="addSp delSp modSp add del replId">
+        <pc:chgData name="Matthieu BRIEND" userId="S::mbriend@lemonway.com::f43b7032-540d-4661-9645-e17125bf3d76" providerId="AD" clId="Web-{8C3DAA53-8698-68DA-30E7-EA269715A3AF}" dt="2025-01-26T12:12:26.309" v="1161"/>
+        <pc:sldMkLst>
+          <pc:docMk/>
+          <pc:sldMk cId="1968811102" sldId="2147483556"/>
+        </pc:sldMkLst>
+      </pc:sldChg>
+    </pc:docChg>
+  </pc:docChgLst>
+  <pc:docChgLst>
+    <pc:chgData name="Matthieu BRIEND" userId="S::mbriend@lemonway.com::f43b7032-540d-4661-9645-e17125bf3d76" providerId="AD" clId="Web-{EEF5B358-098F-D7F4-DDA6-18B13C2BB593}"/>
+    <pc:docChg chg="modSld">
+      <pc:chgData name="Matthieu BRIEND" userId="S::mbriend@lemonway.com::f43b7032-540d-4661-9645-e17125bf3d76" providerId="AD" clId="Web-{EEF5B358-098F-D7F4-DDA6-18B13C2BB593}" dt="2025-01-22T17:41:08.148" v="142" actId="20577"/>
+      <pc:docMkLst>
+        <pc:docMk/>
+      </pc:docMkLst>
+      <pc:sldChg chg="modSp">
+        <pc:chgData name="Matthieu BRIEND" userId="S::mbriend@lemonway.com::f43b7032-540d-4661-9645-e17125bf3d76" providerId="AD" clId="Web-{EEF5B358-098F-D7F4-DDA6-18B13C2BB593}" dt="2025-01-22T17:41:08.148" v="142" actId="20577"/>
+        <pc:sldMkLst>
+          <pc:docMk/>
+          <pc:sldMk cId="3613313698" sldId="2147483536"/>
+        </pc:sldMkLst>
+      </pc:sldChg>
+      <pc:sldChg chg="modSp">
+        <pc:chgData name="Matthieu BRIEND" userId="S::mbriend@lemonway.com::f43b7032-540d-4661-9645-e17125bf3d76" providerId="AD" clId="Web-{EEF5B358-098F-D7F4-DDA6-18B13C2BB593}" dt="2025-01-22T17:36:57.857" v="89" actId="20577"/>
+        <pc:sldMkLst>
+          <pc:docMk/>
+          <pc:sldMk cId="3330874013" sldId="2147483537"/>
+        </pc:sldMkLst>
+      </pc:sldChg>
+      <pc:sldChg chg="addSp modSp">
+        <pc:chgData name="Matthieu BRIEND" userId="S::mbriend@lemonway.com::f43b7032-540d-4661-9645-e17125bf3d76" providerId="AD" clId="Web-{EEF5B358-098F-D7F4-DDA6-18B13C2BB593}" dt="2025-01-22T17:35:37.464" v="84" actId="1076"/>
+        <pc:sldMkLst>
+          <pc:docMk/>
+          <pc:sldMk cId="2996027476" sldId="2147483538"/>
         </pc:sldMkLst>
       </pc:sldChg>
     </pc:docChg>
@@ -2000,73 +2535,198 @@
     </pc:docChg>
   </pc:docChgLst>
   <pc:docChgLst>
-    <pc:chgData name="Stéphan DOMAGALA" userId="1cc0081d-4eba-47b8-a881-e2990e5a4104" providerId="ADAL" clId="{0B12B3CC-D8E7-4D55-8BE7-84A045DD8A00}"/>
-    <pc:docChg chg="undo custSel addSld delSld modSld">
-      <pc:chgData name="Stéphan DOMAGALA" userId="1cc0081d-4eba-47b8-a881-e2990e5a4104" providerId="ADAL" clId="{0B12B3CC-D8E7-4D55-8BE7-84A045DD8A00}" dt="2025-01-27T16:34:14.880" v="603" actId="20577"/>
+    <pc:chgData name="Martin-Pierre GAULTIER" userId="S::mpgaultier@lemonway.com::0415e4a0-177e-4c12-b0e5-1f7bc3cae49f" providerId="AD" clId="Web-{25F07FC2-B9C7-CFAD-4729-CEF50097650F}"/>
+    <pc:docChg chg="addSld delSld modSld sldOrd">
+      <pc:chgData name="Martin-Pierre GAULTIER" userId="S::mpgaultier@lemonway.com::0415e4a0-177e-4c12-b0e5-1f7bc3cae49f" providerId="AD" clId="Web-{25F07FC2-B9C7-CFAD-4729-CEF50097650F}" dt="2025-01-27T19:30:46.877" v="510"/>
       <pc:docMkLst>
         <pc:docMk/>
       </pc:docMkLst>
-      <pc:sldChg chg="addSp delSp modSp add del mod">
-        <pc:chgData name="Stéphan DOMAGALA" userId="1cc0081d-4eba-47b8-a881-e2990e5a4104" providerId="ADAL" clId="{0B12B3CC-D8E7-4D55-8BE7-84A045DD8A00}" dt="2025-01-27T08:51:20.999" v="371" actId="20577"/>
+      <pc:sldChg chg="ord">
+        <pc:chgData name="Martin-Pierre GAULTIER" userId="S::mpgaultier@lemonway.com::0415e4a0-177e-4c12-b0e5-1f7bc3cae49f" providerId="AD" clId="Web-{25F07FC2-B9C7-CFAD-4729-CEF50097650F}" dt="2025-01-27T15:46:19.494" v="26"/>
+        <pc:sldMkLst>
+          <pc:docMk/>
+          <pc:sldMk cId="2391188043" sldId="2147483490"/>
+        </pc:sldMkLst>
+      </pc:sldChg>
+      <pc:sldChg chg="modSp">
+        <pc:chgData name="Martin-Pierre GAULTIER" userId="S::mpgaultier@lemonway.com::0415e4a0-177e-4c12-b0e5-1f7bc3cae49f" providerId="AD" clId="Web-{25F07FC2-B9C7-CFAD-4729-CEF50097650F}" dt="2025-01-27T19:30:46.877" v="510"/>
+        <pc:sldMkLst>
+          <pc:docMk/>
+          <pc:sldMk cId="2312050107" sldId="2147483522"/>
+        </pc:sldMkLst>
+      </pc:sldChg>
+      <pc:sldChg chg="modSp">
+        <pc:chgData name="Martin-Pierre GAULTIER" userId="S::mpgaultier@lemonway.com::0415e4a0-177e-4c12-b0e5-1f7bc3cae49f" providerId="AD" clId="Web-{25F07FC2-B9C7-CFAD-4729-CEF50097650F}" dt="2025-01-27T19:21:28.846" v="444" actId="20577"/>
+        <pc:sldMkLst>
+          <pc:docMk/>
+          <pc:sldMk cId="2246678326" sldId="2147483526"/>
+        </pc:sldMkLst>
+      </pc:sldChg>
+      <pc:sldChg chg="modSp">
+        <pc:chgData name="Martin-Pierre GAULTIER" userId="S::mpgaultier@lemonway.com::0415e4a0-177e-4c12-b0e5-1f7bc3cae49f" providerId="AD" clId="Web-{25F07FC2-B9C7-CFAD-4729-CEF50097650F}" dt="2025-01-27T19:17:09.308" v="288" actId="20577"/>
+        <pc:sldMkLst>
+          <pc:docMk/>
+          <pc:sldMk cId="4251313692" sldId="2147483528"/>
+        </pc:sldMkLst>
+      </pc:sldChg>
+      <pc:sldChg chg="addSp modSp">
+        <pc:chgData name="Martin-Pierre GAULTIER" userId="S::mpgaultier@lemonway.com::0415e4a0-177e-4c12-b0e5-1f7bc3cae49f" providerId="AD" clId="Web-{25F07FC2-B9C7-CFAD-4729-CEF50097650F}" dt="2025-01-27T19:29:07.515" v="476" actId="20577"/>
+        <pc:sldMkLst>
+          <pc:docMk/>
+          <pc:sldMk cId="1584612849" sldId="2147483531"/>
+        </pc:sldMkLst>
+      </pc:sldChg>
+      <pc:sldChg chg="ord">
+        <pc:chgData name="Martin-Pierre GAULTIER" userId="S::mpgaultier@lemonway.com::0415e4a0-177e-4c12-b0e5-1f7bc3cae49f" providerId="AD" clId="Web-{25F07FC2-B9C7-CFAD-4729-CEF50097650F}" dt="2025-01-27T15:46:19.494" v="20"/>
         <pc:sldMkLst>
           <pc:docMk/>
           <pc:sldMk cId="3452786207" sldId="2147483544"/>
         </pc:sldMkLst>
       </pc:sldChg>
-      <pc:sldChg chg="del">
-        <pc:chgData name="Stéphan DOMAGALA" userId="1cc0081d-4eba-47b8-a881-e2990e5a4104" providerId="ADAL" clId="{0B12B3CC-D8E7-4D55-8BE7-84A045DD8A00}" dt="2025-01-27T08:35:24.506" v="0" actId="47"/>
-        <pc:sldMkLst>
-          <pc:docMk/>
-          <pc:sldMk cId="1636887273" sldId="2147483572"/>
-        </pc:sldMkLst>
-      </pc:sldChg>
-      <pc:sldChg chg="modSp add del mod">
-        <pc:chgData name="Stéphan DOMAGALA" userId="1cc0081d-4eba-47b8-a881-e2990e5a4104" providerId="ADAL" clId="{0B12B3CC-D8E7-4D55-8BE7-84A045DD8A00}" dt="2025-01-27T16:34:14.880" v="603" actId="20577"/>
+      <pc:sldChg chg="ord">
+        <pc:chgData name="Martin-Pierre GAULTIER" userId="S::mpgaultier@lemonway.com::0415e4a0-177e-4c12-b0e5-1f7bc3cae49f" providerId="AD" clId="Web-{25F07FC2-B9C7-CFAD-4729-CEF50097650F}" dt="2025-01-27T15:46:19.494" v="25"/>
         <pc:sldMkLst>
           <pc:docMk/>
           <pc:sldMk cId="1851883643" sldId="2147483572"/>
         </pc:sldMkLst>
       </pc:sldChg>
-      <pc:sldChg chg="add del">
-        <pc:chgData name="Stéphan DOMAGALA" userId="1cc0081d-4eba-47b8-a881-e2990e5a4104" providerId="ADAL" clId="{0B12B3CC-D8E7-4D55-8BE7-84A045DD8A00}" dt="2025-01-27T08:35:43.434" v="3"/>
+      <pc:sldChg chg="ord">
+        <pc:chgData name="Martin-Pierre GAULTIER" userId="S::mpgaultier@lemonway.com::0415e4a0-177e-4c12-b0e5-1f7bc3cae49f" providerId="AD" clId="Web-{25F07FC2-B9C7-CFAD-4729-CEF50097650F}" dt="2025-01-27T15:46:19.494" v="24"/>
         <pc:sldMkLst>
           <pc:docMk/>
           <pc:sldMk cId="3904257479" sldId="2147483573"/>
         </pc:sldMkLst>
       </pc:sldChg>
-      <pc:sldChg chg="add del">
-        <pc:chgData name="Stéphan DOMAGALA" userId="1cc0081d-4eba-47b8-a881-e2990e5a4104" providerId="ADAL" clId="{0B12B3CC-D8E7-4D55-8BE7-84A045DD8A00}" dt="2025-01-27T08:35:43.434" v="3"/>
+      <pc:sldChg chg="ord">
+        <pc:chgData name="Martin-Pierre GAULTIER" userId="S::mpgaultier@lemonway.com::0415e4a0-177e-4c12-b0e5-1f7bc3cae49f" providerId="AD" clId="Web-{25F07FC2-B9C7-CFAD-4729-CEF50097650F}" dt="2025-01-27T15:46:19.494" v="23"/>
         <pc:sldMkLst>
           <pc:docMk/>
           <pc:sldMk cId="1584404665" sldId="2147483574"/>
         </pc:sldMkLst>
       </pc:sldChg>
-      <pc:sldChg chg="del">
-        <pc:chgData name="Stéphan DOMAGALA" userId="1cc0081d-4eba-47b8-a881-e2990e5a4104" providerId="ADAL" clId="{0B12B3CC-D8E7-4D55-8BE7-84A045DD8A00}" dt="2025-01-27T08:35:24.506" v="0" actId="47"/>
-        <pc:sldMkLst>
-          <pc:docMk/>
-          <pc:sldMk cId="3375371089" sldId="2147483574"/>
-        </pc:sldMkLst>
-      </pc:sldChg>
-      <pc:sldChg chg="modSp add del mod">
-        <pc:chgData name="Stéphan DOMAGALA" userId="1cc0081d-4eba-47b8-a881-e2990e5a4104" providerId="ADAL" clId="{0B12B3CC-D8E7-4D55-8BE7-84A045DD8A00}" dt="2025-01-27T14:45:08.033" v="580" actId="20577"/>
+      <pc:sldChg chg="ord">
+        <pc:chgData name="Martin-Pierre GAULTIER" userId="S::mpgaultier@lemonway.com::0415e4a0-177e-4c12-b0e5-1f7bc3cae49f" providerId="AD" clId="Web-{25F07FC2-B9C7-CFAD-4729-CEF50097650F}" dt="2025-01-27T15:46:19.494" v="22"/>
         <pc:sldMkLst>
           <pc:docMk/>
           <pc:sldMk cId="3593561478" sldId="2147483575"/>
         </pc:sldMkLst>
       </pc:sldChg>
-      <pc:sldChg chg="addSp modSp add del mod">
-        <pc:chgData name="Stéphan DOMAGALA" userId="1cc0081d-4eba-47b8-a881-e2990e5a4104" providerId="ADAL" clId="{0B12B3CC-D8E7-4D55-8BE7-84A045DD8A00}" dt="2025-01-27T14:47:33.623" v="595" actId="20577"/>
+      <pc:sldChg chg="ord">
+        <pc:chgData name="Martin-Pierre GAULTIER" userId="S::mpgaultier@lemonway.com::0415e4a0-177e-4c12-b0e5-1f7bc3cae49f" providerId="AD" clId="Web-{25F07FC2-B9C7-CFAD-4729-CEF50097650F}" dt="2025-01-27T15:46:19.494" v="21"/>
         <pc:sldMkLst>
           <pc:docMk/>
           <pc:sldMk cId="3395933212" sldId="2147483576"/>
         </pc:sldMkLst>
       </pc:sldChg>
-      <pc:sldChg chg="addSp modSp add del mod">
-        <pc:chgData name="Stéphan DOMAGALA" userId="1cc0081d-4eba-47b8-a881-e2990e5a4104" providerId="ADAL" clId="{0B12B3CC-D8E7-4D55-8BE7-84A045DD8A00}" dt="2025-01-27T08:52:54.066" v="498" actId="12"/>
+      <pc:sldChg chg="ord">
+        <pc:chgData name="Martin-Pierre GAULTIER" userId="S::mpgaultier@lemonway.com::0415e4a0-177e-4c12-b0e5-1f7bc3cae49f" providerId="AD" clId="Web-{25F07FC2-B9C7-CFAD-4729-CEF50097650F}" dt="2025-01-27T15:46:19.478" v="19"/>
         <pc:sldMkLst>
           <pc:docMk/>
           <pc:sldMk cId="4045004320" sldId="2147483577"/>
+        </pc:sldMkLst>
+      </pc:sldChg>
+      <pc:sldChg chg="addSp delSp modSp ord">
+        <pc:chgData name="Martin-Pierre GAULTIER" userId="S::mpgaultier@lemonway.com::0415e4a0-177e-4c12-b0e5-1f7bc3cae49f" providerId="AD" clId="Web-{25F07FC2-B9C7-CFAD-4729-CEF50097650F}" dt="2025-01-27T19:29:49.798" v="505" actId="20577"/>
+        <pc:sldMkLst>
+          <pc:docMk/>
+          <pc:sldMk cId="1703776386" sldId="2147483579"/>
+        </pc:sldMkLst>
+      </pc:sldChg>
+      <pc:sldChg chg="add del replId">
+        <pc:chgData name="Martin-Pierre GAULTIER" userId="S::mpgaultier@lemonway.com::0415e4a0-177e-4c12-b0e5-1f7bc3cae49f" providerId="AD" clId="Web-{25F07FC2-B9C7-CFAD-4729-CEF50097650F}" dt="2025-01-27T19:20:32.454" v="410"/>
+        <pc:sldMkLst>
+          <pc:docMk/>
+          <pc:sldMk cId="4246493447" sldId="2147483581"/>
+        </pc:sldMkLst>
+      </pc:sldChg>
+    </pc:docChg>
+  </pc:docChgLst>
+  <pc:docChgLst>
+    <pc:chgData name="Ambre SONOR" userId="S::asonor@lemonway.com::020792ae-fc4a-47d7-9e18-119d3ce04a29" providerId="AD" clId="Web-{6C9DDDB3-7D92-1BC6-4C9F-632BF1CD77DA}"/>
+    <pc:docChg chg="addSld delSld modSld">
+      <pc:chgData name="Ambre SONOR" userId="S::asonor@lemonway.com::020792ae-fc4a-47d7-9e18-119d3ce04a29" providerId="AD" clId="Web-{6C9DDDB3-7D92-1BC6-4C9F-632BF1CD77DA}" dt="2025-01-27T21:09:20.552" v="140" actId="20577"/>
+      <pc:docMkLst>
+        <pc:docMk/>
+      </pc:docMkLst>
+      <pc:sldChg chg="addSp delSp modSp">
+        <pc:chgData name="Ambre SONOR" userId="S::asonor@lemonway.com::020792ae-fc4a-47d7-9e18-119d3ce04a29" providerId="AD" clId="Web-{6C9DDDB3-7D92-1BC6-4C9F-632BF1CD77DA}" dt="2025-01-27T20:32:14.504" v="34" actId="1076"/>
+        <pc:sldMkLst>
+          <pc:docMk/>
+          <pc:sldMk cId="1404434608" sldId="2147483563"/>
+        </pc:sldMkLst>
+      </pc:sldChg>
+      <pc:sldChg chg="modSp">
+        <pc:chgData name="Ambre SONOR" userId="S::asonor@lemonway.com::020792ae-fc4a-47d7-9e18-119d3ce04a29" providerId="AD" clId="Web-{6C9DDDB3-7D92-1BC6-4C9F-632BF1CD77DA}" dt="2025-01-27T21:09:20.552" v="140" actId="20577"/>
+        <pc:sldMkLst>
+          <pc:docMk/>
+          <pc:sldMk cId="256682989" sldId="2147483566"/>
+        </pc:sldMkLst>
+      </pc:sldChg>
+      <pc:sldChg chg="add del replId">
+        <pc:chgData name="Ambre SONOR" userId="S::asonor@lemonway.com::020792ae-fc4a-47d7-9e18-119d3ce04a29" providerId="AD" clId="Web-{6C9DDDB3-7D92-1BC6-4C9F-632BF1CD77DA}" dt="2025-01-27T20:31:10.893" v="27"/>
+        <pc:sldMkLst>
+          <pc:docMk/>
+          <pc:sldMk cId="2637422908" sldId="2147483581"/>
+        </pc:sldMkLst>
+      </pc:sldChg>
+    </pc:docChg>
+  </pc:docChgLst>
+  <pc:docChgLst>
+    <pc:chgData name="Ambre SONOR" userId="S::asonor@lemonway.com::020792ae-fc4a-47d7-9e18-119d3ce04a29" providerId="AD" clId="Web-{0439425D-BD67-172D-A5EA-E1218579A8CF}"/>
+    <pc:docChg chg="modSld">
+      <pc:chgData name="Ambre SONOR" userId="S::asonor@lemonway.com::020792ae-fc4a-47d7-9e18-119d3ce04a29" providerId="AD" clId="Web-{0439425D-BD67-172D-A5EA-E1218579A8CF}" dt="2025-01-23T14:00:36.062" v="9" actId="1076"/>
+      <pc:docMkLst>
+        <pc:docMk/>
+      </pc:docMkLst>
+      <pc:sldChg chg="modSp">
+        <pc:chgData name="Ambre SONOR" userId="S::asonor@lemonway.com::020792ae-fc4a-47d7-9e18-119d3ce04a29" providerId="AD" clId="Web-{0439425D-BD67-172D-A5EA-E1218579A8CF}" dt="2025-01-23T14:00:36.062" v="9" actId="1076"/>
+        <pc:sldMkLst>
+          <pc:docMk/>
+          <pc:sldMk cId="520368926" sldId="2147483482"/>
+        </pc:sldMkLst>
+      </pc:sldChg>
+    </pc:docChg>
+  </pc:docChgLst>
+  <pc:docChgLst>
+    <pc:chgData name="Martin-Pierre GAULTIER" userId="S::mpgaultier@lemonway.com::0415e4a0-177e-4c12-b0e5-1f7bc3cae49f" providerId="AD" clId="Web-{52BC3E1A-D6D2-44C8-CFE8-C19A6AC6F661}"/>
+    <pc:docChg chg="modSld">
+      <pc:chgData name="Martin-Pierre GAULTIER" userId="S::mpgaultier@lemonway.com::0415e4a0-177e-4c12-b0e5-1f7bc3cae49f" providerId="AD" clId="Web-{52BC3E1A-D6D2-44C8-CFE8-C19A6AC6F661}" dt="2025-05-19T13:39:57.360" v="20" actId="20577"/>
+      <pc:docMkLst>
+        <pc:docMk/>
+      </pc:docMkLst>
+      <pc:sldChg chg="modSp">
+        <pc:chgData name="Martin-Pierre GAULTIER" userId="S::mpgaultier@lemonway.com::0415e4a0-177e-4c12-b0e5-1f7bc3cae49f" providerId="AD" clId="Web-{52BC3E1A-D6D2-44C8-CFE8-C19A6AC6F661}" dt="2025-05-19T13:29:07.557" v="15" actId="14100"/>
+        <pc:sldMkLst>
+          <pc:docMk/>
+          <pc:sldMk cId="2246678326" sldId="2147483526"/>
+        </pc:sldMkLst>
+      </pc:sldChg>
+      <pc:sldChg chg="addSp modSp">
+        <pc:chgData name="Martin-Pierre GAULTIER" userId="S::mpgaultier@lemonway.com::0415e4a0-177e-4c12-b0e5-1f7bc3cae49f" providerId="AD" clId="Web-{52BC3E1A-D6D2-44C8-CFE8-C19A6AC6F661}" dt="2025-05-19T13:26:37.412" v="7" actId="1076"/>
+        <pc:sldMkLst>
+          <pc:docMk/>
+          <pc:sldMk cId="1326845705" sldId="2147483529"/>
+        </pc:sldMkLst>
+      </pc:sldChg>
+      <pc:sldChg chg="addSp modSp">
+        <pc:chgData name="Martin-Pierre GAULTIER" userId="S::mpgaultier@lemonway.com::0415e4a0-177e-4c12-b0e5-1f7bc3cae49f" providerId="AD" clId="Web-{52BC3E1A-D6D2-44C8-CFE8-C19A6AC6F661}" dt="2025-05-19T13:39:04.623" v="19" actId="1076"/>
+        <pc:sldMkLst>
+          <pc:docMk/>
+          <pc:sldMk cId="3395933212" sldId="2147483576"/>
+        </pc:sldMkLst>
+      </pc:sldChg>
+      <pc:sldChg chg="modSp">
+        <pc:chgData name="Martin-Pierre GAULTIER" userId="S::mpgaultier@lemonway.com::0415e4a0-177e-4c12-b0e5-1f7bc3cae49f" providerId="AD" clId="Web-{52BC3E1A-D6D2-44C8-CFE8-C19A6AC6F661}" dt="2025-05-19T13:39:57.360" v="20" actId="20577"/>
+        <pc:sldMkLst>
+          <pc:docMk/>
+          <pc:sldMk cId="4045004320" sldId="2147483577"/>
+        </pc:sldMkLst>
+      </pc:sldChg>
+      <pc:sldChg chg="modSp">
+        <pc:chgData name="Martin-Pierre GAULTIER" userId="S::mpgaultier@lemonway.com::0415e4a0-177e-4c12-b0e5-1f7bc3cae49f" providerId="AD" clId="Web-{52BC3E1A-D6D2-44C8-CFE8-C19A6AC6F661}" dt="2025-05-19T13:15:25.999" v="1" actId="14100"/>
+        <pc:sldMkLst>
+          <pc:docMk/>
+          <pc:sldMk cId="1703776386" sldId="2147483579"/>
         </pc:sldMkLst>
       </pc:sldChg>
     </pc:docChg>
@@ -2095,154 +2755,634 @@
     </pc:docChg>
   </pc:docChgLst>
   <pc:docChgLst>
-    <pc:chgData name="Alexane BAUDRON" userId="c4e72a19-1b71-4ae0-b940-702fdd1a721d" providerId="ADAL" clId="{6A71322E-4FCE-3245-83CA-06CB33400DB1}"/>
+    <pc:chgData name="Matthieu BRIEND" userId="S::mbriend@lemonway.com::f43b7032-540d-4661-9645-e17125bf3d76" providerId="AD" clId="Web-{0DF03FCD-1247-6EC1-E17A-2CBB71DAF5EB}"/>
     <pc:docChg chg="modSld">
-      <pc:chgData name="Alexane BAUDRON" userId="c4e72a19-1b71-4ae0-b940-702fdd1a721d" providerId="ADAL" clId="{6A71322E-4FCE-3245-83CA-06CB33400DB1}" dt="2025-04-11T09:00:26.354" v="0" actId="207"/>
+      <pc:chgData name="Matthieu BRIEND" userId="S::mbriend@lemonway.com::f43b7032-540d-4661-9645-e17125bf3d76" providerId="AD" clId="Web-{0DF03FCD-1247-6EC1-E17A-2CBB71DAF5EB}" dt="2025-01-27T10:18:12.042" v="202" actId="20577"/>
       <pc:docMkLst>
         <pc:docMk/>
       </pc:docMkLst>
-      <pc:sldChg chg="modSp mod">
-        <pc:chgData name="Alexane BAUDRON" userId="c4e72a19-1b71-4ae0-b940-702fdd1a721d" providerId="ADAL" clId="{6A71322E-4FCE-3245-83CA-06CB33400DB1}" dt="2025-04-11T09:00:26.354" v="0" actId="207"/>
-        <pc:sldMkLst>
-          <pc:docMk/>
-          <pc:sldMk cId="1292861028" sldId="2147483484"/>
+      <pc:sldChg chg="modSp">
+        <pc:chgData name="Matthieu BRIEND" userId="S::mbriend@lemonway.com::f43b7032-540d-4661-9645-e17125bf3d76" providerId="AD" clId="Web-{0DF03FCD-1247-6EC1-E17A-2CBB71DAF5EB}" dt="2025-01-27T10:18:12.042" v="202" actId="20577"/>
+        <pc:sldMkLst>
+          <pc:docMk/>
+          <pc:sldMk cId="3947401979" sldId="2147483551"/>
+        </pc:sldMkLst>
+      </pc:sldChg>
+      <pc:sldChg chg="modSp">
+        <pc:chgData name="Matthieu BRIEND" userId="S::mbriend@lemonway.com::f43b7032-540d-4661-9645-e17125bf3d76" providerId="AD" clId="Web-{0DF03FCD-1247-6EC1-E17A-2CBB71DAF5EB}" dt="2025-01-27T10:09:45.415" v="144" actId="20577"/>
+        <pc:sldMkLst>
+          <pc:docMk/>
+          <pc:sldMk cId="237779500" sldId="2147483552"/>
+        </pc:sldMkLst>
+      </pc:sldChg>
+      <pc:sldChg chg="modSp">
+        <pc:chgData name="Matthieu BRIEND" userId="S::mbriend@lemonway.com::f43b7032-540d-4661-9645-e17125bf3d76" providerId="AD" clId="Web-{0DF03FCD-1247-6EC1-E17A-2CBB71DAF5EB}" dt="2025-01-27T10:04:21.590" v="0" actId="20577"/>
+        <pc:sldMkLst>
+          <pc:docMk/>
+          <pc:sldMk cId="2159616718" sldId="2147483554"/>
+        </pc:sldMkLst>
+      </pc:sldChg>
+      <pc:sldChg chg="modSp">
+        <pc:chgData name="Matthieu BRIEND" userId="S::mbriend@lemonway.com::f43b7032-540d-4661-9645-e17125bf3d76" providerId="AD" clId="Web-{0DF03FCD-1247-6EC1-E17A-2CBB71DAF5EB}" dt="2025-01-27T10:16:23.866" v="186" actId="20577"/>
+        <pc:sldMkLst>
+          <pc:docMk/>
+          <pc:sldMk cId="2971429069" sldId="2147483555"/>
         </pc:sldMkLst>
       </pc:sldChg>
     </pc:docChg>
   </pc:docChgLst>
   <pc:docChgLst>
-    <pc:chgData name="Matthieu BRIEND" userId="S::mbriend@lemonway.com::f43b7032-540d-4661-9645-e17125bf3d76" providerId="AD" clId="Web-{8C3DAA53-8698-68DA-30E7-EA269715A3AF}"/>
-    <pc:docChg chg="addSld delSld modSld">
-      <pc:chgData name="Matthieu BRIEND" userId="S::mbriend@lemonway.com::f43b7032-540d-4661-9645-e17125bf3d76" providerId="AD" clId="Web-{8C3DAA53-8698-68DA-30E7-EA269715A3AF}" dt="2025-01-26T12:12:26.309" v="1161"/>
+    <pc:chgData name="Evgenia ALLARD" userId="9bb97281-2b39-487c-8a77-b016b3e829ec" providerId="ADAL" clId="{28D5A143-6BD1-4FF3-B40C-0461113B5D4F}"/>
+    <pc:docChg chg="sldOrd">
+      <pc:chgData name="Evgenia ALLARD" userId="9bb97281-2b39-487c-8a77-b016b3e829ec" providerId="ADAL" clId="{28D5A143-6BD1-4FF3-B40C-0461113B5D4F}" dt="2025-03-31T14:12:10.012" v="0" actId="20578"/>
+      <pc:docMkLst>
+        <pc:docMk/>
+      </pc:docMkLst>
+      <pc:sldChg chg="ord">
+        <pc:chgData name="Evgenia ALLARD" userId="9bb97281-2b39-487c-8a77-b016b3e829ec" providerId="ADAL" clId="{28D5A143-6BD1-4FF3-B40C-0461113B5D4F}" dt="2025-03-31T14:12:10.012" v="0" actId="20578"/>
+        <pc:sldMkLst>
+          <pc:docMk/>
+          <pc:sldMk cId="4251313692" sldId="2147483528"/>
+        </pc:sldMkLst>
+      </pc:sldChg>
+    </pc:docChg>
+  </pc:docChgLst>
+  <pc:docChgLst>
+    <pc:chgData name="Stéphan DOMAGALA" userId="1cc0081d-4eba-47b8-a881-e2990e5a4104" providerId="ADAL" clId="{0B12B3CC-D8E7-4D55-8BE7-84A045DD8A00}"/>
+    <pc:docChg chg="undo custSel addSld delSld modSld">
+      <pc:chgData name="Stéphan DOMAGALA" userId="1cc0081d-4eba-47b8-a881-e2990e5a4104" providerId="ADAL" clId="{0B12B3CC-D8E7-4D55-8BE7-84A045DD8A00}" dt="2025-01-27T16:34:14.880" v="603" actId="20577"/>
+      <pc:docMkLst>
+        <pc:docMk/>
+      </pc:docMkLst>
+      <pc:sldChg chg="addSp delSp modSp add del mod">
+        <pc:chgData name="Stéphan DOMAGALA" userId="1cc0081d-4eba-47b8-a881-e2990e5a4104" providerId="ADAL" clId="{0B12B3CC-D8E7-4D55-8BE7-84A045DD8A00}" dt="2025-01-27T08:51:20.999" v="371" actId="20577"/>
+        <pc:sldMkLst>
+          <pc:docMk/>
+          <pc:sldMk cId="3452786207" sldId="2147483544"/>
+        </pc:sldMkLst>
+      </pc:sldChg>
+      <pc:sldChg chg="del">
+        <pc:chgData name="Stéphan DOMAGALA" userId="1cc0081d-4eba-47b8-a881-e2990e5a4104" providerId="ADAL" clId="{0B12B3CC-D8E7-4D55-8BE7-84A045DD8A00}" dt="2025-01-27T08:35:24.506" v="0" actId="47"/>
+        <pc:sldMkLst>
+          <pc:docMk/>
+          <pc:sldMk cId="1636887273" sldId="2147483572"/>
+        </pc:sldMkLst>
+      </pc:sldChg>
+      <pc:sldChg chg="modSp add del mod">
+        <pc:chgData name="Stéphan DOMAGALA" userId="1cc0081d-4eba-47b8-a881-e2990e5a4104" providerId="ADAL" clId="{0B12B3CC-D8E7-4D55-8BE7-84A045DD8A00}" dt="2025-01-27T16:34:14.880" v="603" actId="20577"/>
+        <pc:sldMkLst>
+          <pc:docMk/>
+          <pc:sldMk cId="1851883643" sldId="2147483572"/>
+        </pc:sldMkLst>
+      </pc:sldChg>
+      <pc:sldChg chg="add del">
+        <pc:chgData name="Stéphan DOMAGALA" userId="1cc0081d-4eba-47b8-a881-e2990e5a4104" providerId="ADAL" clId="{0B12B3CC-D8E7-4D55-8BE7-84A045DD8A00}" dt="2025-01-27T08:35:43.434" v="3"/>
+        <pc:sldMkLst>
+          <pc:docMk/>
+          <pc:sldMk cId="3904257479" sldId="2147483573"/>
+        </pc:sldMkLst>
+      </pc:sldChg>
+      <pc:sldChg chg="add del">
+        <pc:chgData name="Stéphan DOMAGALA" userId="1cc0081d-4eba-47b8-a881-e2990e5a4104" providerId="ADAL" clId="{0B12B3CC-D8E7-4D55-8BE7-84A045DD8A00}" dt="2025-01-27T08:35:43.434" v="3"/>
+        <pc:sldMkLst>
+          <pc:docMk/>
+          <pc:sldMk cId="1584404665" sldId="2147483574"/>
+        </pc:sldMkLst>
+      </pc:sldChg>
+      <pc:sldChg chg="del">
+        <pc:chgData name="Stéphan DOMAGALA" userId="1cc0081d-4eba-47b8-a881-e2990e5a4104" providerId="ADAL" clId="{0B12B3CC-D8E7-4D55-8BE7-84A045DD8A00}" dt="2025-01-27T08:35:24.506" v="0" actId="47"/>
+        <pc:sldMkLst>
+          <pc:docMk/>
+          <pc:sldMk cId="3375371089" sldId="2147483574"/>
+        </pc:sldMkLst>
+      </pc:sldChg>
+      <pc:sldChg chg="modSp add del mod">
+        <pc:chgData name="Stéphan DOMAGALA" userId="1cc0081d-4eba-47b8-a881-e2990e5a4104" providerId="ADAL" clId="{0B12B3CC-D8E7-4D55-8BE7-84A045DD8A00}" dt="2025-01-27T14:45:08.033" v="580" actId="20577"/>
+        <pc:sldMkLst>
+          <pc:docMk/>
+          <pc:sldMk cId="3593561478" sldId="2147483575"/>
+        </pc:sldMkLst>
+      </pc:sldChg>
+      <pc:sldChg chg="addSp modSp add del mod">
+        <pc:chgData name="Stéphan DOMAGALA" userId="1cc0081d-4eba-47b8-a881-e2990e5a4104" providerId="ADAL" clId="{0B12B3CC-D8E7-4D55-8BE7-84A045DD8A00}" dt="2025-01-27T14:47:33.623" v="595" actId="20577"/>
+        <pc:sldMkLst>
+          <pc:docMk/>
+          <pc:sldMk cId="3395933212" sldId="2147483576"/>
+        </pc:sldMkLst>
+      </pc:sldChg>
+      <pc:sldChg chg="addSp modSp add del mod">
+        <pc:chgData name="Stéphan DOMAGALA" userId="1cc0081d-4eba-47b8-a881-e2990e5a4104" providerId="ADAL" clId="{0B12B3CC-D8E7-4D55-8BE7-84A045DD8A00}" dt="2025-01-27T08:52:54.066" v="498" actId="12"/>
+        <pc:sldMkLst>
+          <pc:docMk/>
+          <pc:sldMk cId="4045004320" sldId="2147483577"/>
+        </pc:sldMkLst>
+      </pc:sldChg>
+    </pc:docChg>
+  </pc:docChgLst>
+  <pc:docChgLst>
+    <pc:chgData name="Martin-Pierre GAULTIER" userId="S::mpgaultier@lemonway.com::0415e4a0-177e-4c12-b0e5-1f7bc3cae49f" providerId="AD" clId="Web-{D1A6D2F5-8EFB-5496-D2B7-47C150E8D88B}"/>
+    <pc:docChg chg="modSld">
+      <pc:chgData name="Martin-Pierre GAULTIER" userId="S::mpgaultier@lemonway.com::0415e4a0-177e-4c12-b0e5-1f7bc3cae49f" providerId="AD" clId="Web-{D1A6D2F5-8EFB-5496-D2B7-47C150E8D88B}" dt="2025-01-24T10:46:39.187" v="2" actId="20577"/>
+      <pc:docMkLst>
+        <pc:docMk/>
+      </pc:docMkLst>
+      <pc:sldChg chg="modSp">
+        <pc:chgData name="Martin-Pierre GAULTIER" userId="S::mpgaultier@lemonway.com::0415e4a0-177e-4c12-b0e5-1f7bc3cae49f" providerId="AD" clId="Web-{D1A6D2F5-8EFB-5496-D2B7-47C150E8D88B}" dt="2025-01-24T10:46:39.187" v="2" actId="20577"/>
+        <pc:sldMkLst>
+          <pc:docMk/>
+          <pc:sldMk cId="1260531968" sldId="2147483524"/>
+        </pc:sldMkLst>
+      </pc:sldChg>
+    </pc:docChg>
+  </pc:docChgLst>
+  <pc:docChgLst>
+    <pc:chgData name="Martin-Pierre GAULTIER" userId="S::mpgaultier@lemonway.com::0415e4a0-177e-4c12-b0e5-1f7bc3cae49f" providerId="AD" clId="Web-{A81C5468-6079-3FC8-ECA1-04359424BAF0}"/>
+    <pc:docChg chg="addSld modSld sldOrd">
+      <pc:chgData name="Martin-Pierre GAULTIER" userId="S::mpgaultier@lemonway.com::0415e4a0-177e-4c12-b0e5-1f7bc3cae49f" providerId="AD" clId="Web-{A81C5468-6079-3FC8-ECA1-04359424BAF0}" dt="2025-01-20T11:27:53.943" v="179"/>
       <pc:docMkLst>
         <pc:docMk/>
       </pc:docMkLst>
       <pc:sldChg chg="addSp delSp modSp">
-        <pc:chgData name="Matthieu BRIEND" userId="S::mbriend@lemonway.com::f43b7032-540d-4661-9645-e17125bf3d76" providerId="AD" clId="Web-{8C3DAA53-8698-68DA-30E7-EA269715A3AF}" dt="2025-01-26T11:32:46.567" v="811"/>
-        <pc:sldMkLst>
-          <pc:docMk/>
-          <pc:sldMk cId="2982750" sldId="297"/>
-        </pc:sldMkLst>
-      </pc:sldChg>
-      <pc:sldChg chg="modSp del">
-        <pc:chgData name="Matthieu BRIEND" userId="S::mbriend@lemonway.com::f43b7032-540d-4661-9645-e17125bf3d76" providerId="AD" clId="Web-{8C3DAA53-8698-68DA-30E7-EA269715A3AF}" dt="2025-01-26T11:04:28.555" v="332"/>
-        <pc:sldMkLst>
-          <pc:docMk/>
-          <pc:sldMk cId="3613313698" sldId="2147483536"/>
-        </pc:sldMkLst>
-      </pc:sldChg>
-      <pc:sldChg chg="modSp">
-        <pc:chgData name="Matthieu BRIEND" userId="S::mbriend@lemonway.com::f43b7032-540d-4661-9645-e17125bf3d76" providerId="AD" clId="Web-{8C3DAA53-8698-68DA-30E7-EA269715A3AF}" dt="2025-01-26T12:01:06.553" v="1111" actId="20577"/>
-        <pc:sldMkLst>
-          <pc:docMk/>
-          <pc:sldMk cId="3330874013" sldId="2147483537"/>
-        </pc:sldMkLst>
-      </pc:sldChg>
-      <pc:sldChg chg="addSp delSp modSp mod setBg">
-        <pc:chgData name="Matthieu BRIEND" userId="S::mbriend@lemonway.com::f43b7032-540d-4661-9645-e17125bf3d76" providerId="AD" clId="Web-{8C3DAA53-8698-68DA-30E7-EA269715A3AF}" dt="2025-01-26T12:12:23.668" v="1160"/>
-        <pc:sldMkLst>
-          <pc:docMk/>
-          <pc:sldMk cId="3713441185" sldId="2147483549"/>
+        <pc:chgData name="Martin-Pierre GAULTIER" userId="S::mpgaultier@lemonway.com::0415e4a0-177e-4c12-b0e5-1f7bc3cae49f" providerId="AD" clId="Web-{A81C5468-6079-3FC8-ECA1-04359424BAF0}" dt="2025-01-20T10:52:17.212" v="23" actId="1076"/>
+        <pc:sldMkLst>
+          <pc:docMk/>
+          <pc:sldMk cId="1260531968" sldId="2147483524"/>
         </pc:sldMkLst>
       </pc:sldChg>
       <pc:sldChg chg="addSp delSp modSp">
-        <pc:chgData name="Matthieu BRIEND" userId="S::mbriend@lemonway.com::f43b7032-540d-4661-9645-e17125bf3d76" providerId="AD" clId="Web-{8C3DAA53-8698-68DA-30E7-EA269715A3AF}" dt="2025-01-26T11:10:00.048" v="394" actId="1076"/>
-        <pc:sldMkLst>
-          <pc:docMk/>
-          <pc:sldMk cId="3947401979" sldId="2147483551"/>
+        <pc:chgData name="Martin-Pierre GAULTIER" userId="S::mpgaultier@lemonway.com::0415e4a0-177e-4c12-b0e5-1f7bc3cae49f" providerId="AD" clId="Web-{A81C5468-6079-3FC8-ECA1-04359424BAF0}" dt="2025-01-20T11:06:40.989" v="84" actId="20577"/>
+        <pc:sldMkLst>
+          <pc:docMk/>
+          <pc:sldMk cId="3207649941" sldId="2147483525"/>
         </pc:sldMkLst>
       </pc:sldChg>
       <pc:sldChg chg="addSp delSp modSp">
-        <pc:chgData name="Matthieu BRIEND" userId="S::mbriend@lemonway.com::f43b7032-540d-4661-9645-e17125bf3d76" providerId="AD" clId="Web-{8C3DAA53-8698-68DA-30E7-EA269715A3AF}" dt="2025-01-26T11:37:37.839" v="898" actId="1076"/>
-        <pc:sldMkLst>
-          <pc:docMk/>
-          <pc:sldMk cId="237779500" sldId="2147483552"/>
-        </pc:sldMkLst>
-      </pc:sldChg>
-      <pc:sldChg chg="del">
-        <pc:chgData name="Matthieu BRIEND" userId="S::mbriend@lemonway.com::f43b7032-540d-4661-9645-e17125bf3d76" providerId="AD" clId="Web-{8C3DAA53-8698-68DA-30E7-EA269715A3AF}" dt="2025-01-26T11:41:22.378" v="936"/>
-        <pc:sldMkLst>
-          <pc:docMk/>
-          <pc:sldMk cId="3834754012" sldId="2147483553"/>
-        </pc:sldMkLst>
-      </pc:sldChg>
-      <pc:sldChg chg="modSp">
-        <pc:chgData name="Matthieu BRIEND" userId="S::mbriend@lemonway.com::f43b7032-540d-4661-9645-e17125bf3d76" providerId="AD" clId="Web-{8C3DAA53-8698-68DA-30E7-EA269715A3AF}" dt="2025-01-26T12:06:23.175" v="1130" actId="1076"/>
-        <pc:sldMkLst>
-          <pc:docMk/>
-          <pc:sldMk cId="2159616718" sldId="2147483554"/>
-        </pc:sldMkLst>
-      </pc:sldChg>
-      <pc:sldChg chg="addSp delSp modSp add replId">
-        <pc:chgData name="Matthieu BRIEND" userId="S::mbriend@lemonway.com::f43b7032-540d-4661-9645-e17125bf3d76" providerId="AD" clId="Web-{8C3DAA53-8698-68DA-30E7-EA269715A3AF}" dt="2025-01-26T12:00:43.693" v="1107" actId="20577"/>
-        <pc:sldMkLst>
-          <pc:docMk/>
-          <pc:sldMk cId="2971429069" sldId="2147483555"/>
-        </pc:sldMkLst>
-      </pc:sldChg>
-      <pc:sldChg chg="addSp delSp modSp add del replId">
-        <pc:chgData name="Matthieu BRIEND" userId="S::mbriend@lemonway.com::f43b7032-540d-4661-9645-e17125bf3d76" providerId="AD" clId="Web-{8C3DAA53-8698-68DA-30E7-EA269715A3AF}" dt="2025-01-26T12:12:26.309" v="1161"/>
-        <pc:sldMkLst>
-          <pc:docMk/>
-          <pc:sldMk cId="1968811102" sldId="2147483556"/>
+        <pc:chgData name="Martin-Pierre GAULTIER" userId="S::mpgaultier@lemonway.com::0415e4a0-177e-4c12-b0e5-1f7bc3cae49f" providerId="AD" clId="Web-{A81C5468-6079-3FC8-ECA1-04359424BAF0}" dt="2025-01-20T11:12:55.150" v="162" actId="20577"/>
+        <pc:sldMkLst>
+          <pc:docMk/>
+          <pc:sldMk cId="2246678326" sldId="2147483526"/>
+        </pc:sldMkLst>
+      </pc:sldChg>
+      <pc:sldChg chg="addSp modSp">
+        <pc:chgData name="Martin-Pierre GAULTIER" userId="S::mpgaultier@lemonway.com::0415e4a0-177e-4c12-b0e5-1f7bc3cae49f" providerId="AD" clId="Web-{A81C5468-6079-3FC8-ECA1-04359424BAF0}" dt="2025-01-20T11:27:53.943" v="179"/>
+        <pc:sldMkLst>
+          <pc:docMk/>
+          <pc:sldMk cId="4251313692" sldId="2147483528"/>
+        </pc:sldMkLst>
+      </pc:sldChg>
+      <pc:sldChg chg="addSp modSp add ord replId">
+        <pc:chgData name="Martin-Pierre GAULTIER" userId="S::mpgaultier@lemonway.com::0415e4a0-177e-4c12-b0e5-1f7bc3cae49f" providerId="AD" clId="Web-{A81C5468-6079-3FC8-ECA1-04359424BAF0}" dt="2025-01-20T11:20:07.780" v="178"/>
+        <pc:sldMkLst>
+          <pc:docMk/>
+          <pc:sldMk cId="1326845705" sldId="2147483529"/>
         </pc:sldMkLst>
       </pc:sldChg>
     </pc:docChg>
   </pc:docChgLst>
   <pc:docChgLst>
-    <pc:chgData name="Martin-Pierre GAULTIER" userId="S::mpgaultier@lemonway.com::0415e4a0-177e-4c12-b0e5-1f7bc3cae49f" providerId="AD" clId="Web-{BAA7B3D3-4CEA-FBD7-03BF-9B5CD847D190}"/>
-    <pc:docChg chg="modSld sldOrd">
-      <pc:chgData name="Martin-Pierre GAULTIER" userId="S::mpgaultier@lemonway.com::0415e4a0-177e-4c12-b0e5-1f7bc3cae49f" providerId="AD" clId="Web-{BAA7B3D3-4CEA-FBD7-03BF-9B5CD847D190}" dt="2025-01-23T14:05:59.281" v="718" actId="20577"/>
+    <pc:chgData name="Martin-Pierre GAULTIER" userId="S::mpgaultier@lemonway.com::0415e4a0-177e-4c12-b0e5-1f7bc3cae49f" providerId="AD" clId="Web-{861B3FCE-6523-B8CA-B9C5-5DD6C039EE29}"/>
+    <pc:docChg chg="modSld">
+      <pc:chgData name="Martin-Pierre GAULTIER" userId="S::mpgaultier@lemonway.com::0415e4a0-177e-4c12-b0e5-1f7bc3cae49f" providerId="AD" clId="Web-{861B3FCE-6523-B8CA-B9C5-5DD6C039EE29}" dt="2025-01-27T08:25:34.032" v="143" actId="20577"/>
       <pc:docMkLst>
         <pc:docMk/>
       </pc:docMkLst>
       <pc:sldChg chg="modSp">
-        <pc:chgData name="Martin-Pierre GAULTIER" userId="S::mpgaultier@lemonway.com::0415e4a0-177e-4c12-b0e5-1f7bc3cae49f" providerId="AD" clId="Web-{BAA7B3D3-4CEA-FBD7-03BF-9B5CD847D190}" dt="2025-01-23T12:47:57.803" v="575" actId="1076"/>
-        <pc:sldMkLst>
-          <pc:docMk/>
-          <pc:sldMk cId="520368926" sldId="2147483482"/>
-        </pc:sldMkLst>
-      </pc:sldChg>
+        <pc:chgData name="Martin-Pierre GAULTIER" userId="S::mpgaultier@lemonway.com::0415e4a0-177e-4c12-b0e5-1f7bc3cae49f" providerId="AD" clId="Web-{861B3FCE-6523-B8CA-B9C5-5DD6C039EE29}" dt="2025-01-27T08:25:34.032" v="143" actId="20577"/>
+        <pc:sldMkLst>
+          <pc:docMk/>
+          <pc:sldMk cId="1292861028" sldId="2147483484"/>
+        </pc:sldMkLst>
+      </pc:sldChg>
+    </pc:docChg>
+  </pc:docChgLst>
+  <pc:docChgLst>
+    <pc:chgData name="Stéphan DOMAGALA" userId="S::sdomagala@lemonway.com::1cc0081d-4eba-47b8-a881-e2990e5a4104" providerId="AD" clId="Web-{485B2B92-30F5-C909-FDB7-CC0E6F47BB02}"/>
+    <pc:docChg chg="addSld">
+      <pc:chgData name="Stéphan DOMAGALA" userId="S::sdomagala@lemonway.com::1cc0081d-4eba-47b8-a881-e2990e5a4104" providerId="AD" clId="Web-{485B2B92-30F5-C909-FDB7-CC0E6F47BB02}" dt="2025-01-27T07:49:23.727" v="2"/>
+      <pc:docMkLst>
+        <pc:docMk/>
+      </pc:docMkLst>
+      <pc:sldChg chg="add">
+        <pc:chgData name="Stéphan DOMAGALA" userId="S::sdomagala@lemonway.com::1cc0081d-4eba-47b8-a881-e2990e5a4104" providerId="AD" clId="Web-{485B2B92-30F5-C909-FDB7-CC0E6F47BB02}" dt="2025-01-27T07:49:23.696" v="0"/>
+        <pc:sldMkLst>
+          <pc:docMk/>
+          <pc:sldMk cId="1636887273" sldId="2147483572"/>
+        </pc:sldMkLst>
+      </pc:sldChg>
+      <pc:sldChg chg="add">
+        <pc:chgData name="Stéphan DOMAGALA" userId="S::sdomagala@lemonway.com::1cc0081d-4eba-47b8-a881-e2990e5a4104" providerId="AD" clId="Web-{485B2B92-30F5-C909-FDB7-CC0E6F47BB02}" dt="2025-01-27T07:49:23.712" v="1"/>
+        <pc:sldMkLst>
+          <pc:docMk/>
+          <pc:sldMk cId="3904257479" sldId="2147483573"/>
+        </pc:sldMkLst>
+      </pc:sldChg>
+      <pc:sldChg chg="add">
+        <pc:chgData name="Stéphan DOMAGALA" userId="S::sdomagala@lemonway.com::1cc0081d-4eba-47b8-a881-e2990e5a4104" providerId="AD" clId="Web-{485B2B92-30F5-C909-FDB7-CC0E6F47BB02}" dt="2025-01-27T07:49:23.727" v="2"/>
+        <pc:sldMkLst>
+          <pc:docMk/>
+          <pc:sldMk cId="3375371089" sldId="2147483574"/>
+        </pc:sldMkLst>
+      </pc:sldChg>
+    </pc:docChg>
+  </pc:docChgLst>
+  <pc:docChgLst>
+    <pc:chgData name="Pierre GAUVRY" userId="S::pgauvry@lemonway.com::83edf39d-5bbc-4918-af09-c2287799a21e" providerId="AD" clId="Web-{96091FD1-BE91-13D1-BB69-E973186F8B57}"/>
+    <pc:docChg chg="modSld">
+      <pc:chgData name="Pierre GAUVRY" userId="S::pgauvry@lemonway.com::83edf39d-5bbc-4918-af09-c2287799a21e" providerId="AD" clId="Web-{96091FD1-BE91-13D1-BB69-E973186F8B57}" dt="2025-01-27T07:37:39.898" v="5" actId="20577"/>
+      <pc:docMkLst>
+        <pc:docMk/>
+      </pc:docMkLst>
       <pc:sldChg chg="modSp">
-        <pc:chgData name="Martin-Pierre GAULTIER" userId="S::mpgaultier@lemonway.com::0415e4a0-177e-4c12-b0e5-1f7bc3cae49f" providerId="AD" clId="Web-{BAA7B3D3-4CEA-FBD7-03BF-9B5CD847D190}" dt="2025-01-23T12:27:12.923" v="12" actId="20577"/>
-        <pc:sldMkLst>
-          <pc:docMk/>
-          <pc:sldMk cId="1260531968" sldId="2147483524"/>
-        </pc:sldMkLst>
-      </pc:sldChg>
+        <pc:chgData name="Pierre GAUVRY" userId="S::pgauvry@lemonway.com::83edf39d-5bbc-4918-af09-c2287799a21e" providerId="AD" clId="Web-{96091FD1-BE91-13D1-BB69-E973186F8B57}" dt="2025-01-27T07:37:39.898" v="5" actId="20577"/>
+        <pc:sldMkLst>
+          <pc:docMk/>
+          <pc:sldMk cId="244232859" sldId="2147483541"/>
+        </pc:sldMkLst>
+      </pc:sldChg>
+      <pc:sldChg chg="addSp delSp modSp">
+        <pc:chgData name="Pierre GAUVRY" userId="S::pgauvry@lemonway.com::83edf39d-5bbc-4918-af09-c2287799a21e" providerId="AD" clId="Web-{96091FD1-BE91-13D1-BB69-E973186F8B57}" dt="2025-01-27T07:31:50.510" v="3" actId="20577"/>
+        <pc:sldMkLst>
+          <pc:docMk/>
+          <pc:sldMk cId="12490850" sldId="2147483542"/>
+        </pc:sldMkLst>
+      </pc:sldChg>
+    </pc:docChg>
+  </pc:docChgLst>
+  <pc:docChgLst>
+    <pc:chgData name="Ludovic CIANNARELLA" userId="S::lciannarella@lemonway.com::f6c2df24-67a3-480d-9a94-03b4fbd1471c" providerId="AD" clId="Web-{391CC01A-20F3-FA34-CA1E-BF53FC6DD29B}"/>
+    <pc:docChg chg="modSld">
+      <pc:chgData name="Ludovic CIANNARELLA" userId="S::lciannarella@lemonway.com::f6c2df24-67a3-480d-9a94-03b4fbd1471c" providerId="AD" clId="Web-{391CC01A-20F3-FA34-CA1E-BF53FC6DD29B}" dt="2025-01-27T06:28:40.093" v="271" actId="20577"/>
+      <pc:docMkLst>
+        <pc:docMk/>
+      </pc:docMkLst>
       <pc:sldChg chg="addSp modSp">
-        <pc:chgData name="Martin-Pierre GAULTIER" userId="S::mpgaultier@lemonway.com::0415e4a0-177e-4c12-b0e5-1f7bc3cae49f" providerId="AD" clId="Web-{BAA7B3D3-4CEA-FBD7-03BF-9B5CD847D190}" dt="2025-01-23T12:35:23.159" v="327" actId="1076"/>
+        <pc:chgData name="Ludovic CIANNARELLA" userId="S::lciannarella@lemonway.com::f6c2df24-67a3-480d-9a94-03b4fbd1471c" providerId="AD" clId="Web-{391CC01A-20F3-FA34-CA1E-BF53FC6DD29B}" dt="2025-01-27T06:28:40.093" v="271" actId="20577"/>
+        <pc:sldMkLst>
+          <pc:docMk/>
+          <pc:sldMk cId="3141618727" sldId="2147483543"/>
+        </pc:sldMkLst>
+      </pc:sldChg>
+    </pc:docChg>
+  </pc:docChgLst>
+  <pc:docChgLst>
+    <pc:chgData name="Martin-Pierre GAULTIER" userId="S::mpgaultier@lemonway.com::0415e4a0-177e-4c12-b0e5-1f7bc3cae49f" providerId="AD" clId="Web-{9BE88384-19AE-F508-027C-2BB94268892E}"/>
+    <pc:docChg chg="addSld delSld modSld">
+      <pc:chgData name="Martin-Pierre GAULTIER" userId="S::mpgaultier@lemonway.com::0415e4a0-177e-4c12-b0e5-1f7bc3cae49f" providerId="AD" clId="Web-{9BE88384-19AE-F508-027C-2BB94268892E}" dt="2025-01-21T12:04:22.151" v="597" actId="20577"/>
+      <pc:docMkLst>
+        <pc:docMk/>
+      </pc:docMkLst>
+      <pc:sldChg chg="modSp add del">
+        <pc:chgData name="Martin-Pierre GAULTIER" userId="S::mpgaultier@lemonway.com::0415e4a0-177e-4c12-b0e5-1f7bc3cae49f" providerId="AD" clId="Web-{9BE88384-19AE-F508-027C-2BB94268892E}" dt="2025-01-21T11:44:34.789" v="86" actId="20577"/>
         <pc:sldMkLst>
           <pc:docMk/>
           <pc:sldMk cId="3207649941" sldId="2147483525"/>
         </pc:sldMkLst>
       </pc:sldChg>
-      <pc:sldChg chg="addSp modSp">
-        <pc:chgData name="Martin-Pierre GAULTIER" userId="S::mpgaultier@lemonway.com::0415e4a0-177e-4c12-b0e5-1f7bc3cae49f" providerId="AD" clId="Web-{BAA7B3D3-4CEA-FBD7-03BF-9B5CD847D190}" dt="2025-01-23T12:39:48.238" v="535"/>
+      <pc:sldChg chg="addSp modSp add del">
+        <pc:chgData name="Martin-Pierre GAULTIER" userId="S::mpgaultier@lemonway.com::0415e4a0-177e-4c12-b0e5-1f7bc3cae49f" providerId="AD" clId="Web-{9BE88384-19AE-F508-027C-2BB94268892E}" dt="2025-01-21T11:46:04.228" v="90" actId="1076"/>
         <pc:sldMkLst>
           <pc:docMk/>
           <pc:sldMk cId="2246678326" sldId="2147483526"/>
         </pc:sldMkLst>
       </pc:sldChg>
-      <pc:sldChg chg="addSp delSp modSp">
-        <pc:chgData name="Martin-Pierre GAULTIER" userId="S::mpgaultier@lemonway.com::0415e4a0-177e-4c12-b0e5-1f7bc3cae49f" providerId="AD" clId="Web-{BAA7B3D3-4CEA-FBD7-03BF-9B5CD847D190}" dt="2025-01-23T12:56:28.790" v="717" actId="20577"/>
+      <pc:sldChg chg="del">
+        <pc:chgData name="Martin-Pierre GAULTIER" userId="S::mpgaultier@lemonway.com::0415e4a0-177e-4c12-b0e5-1f7bc3cae49f" providerId="AD" clId="Web-{9BE88384-19AE-F508-027C-2BB94268892E}" dt="2025-01-21T11:23:53.640" v="5"/>
+        <pc:sldMkLst>
+          <pc:docMk/>
+          <pc:sldMk cId="1040598806" sldId="2147483527"/>
+        </pc:sldMkLst>
+      </pc:sldChg>
+      <pc:sldChg chg="add del">
+        <pc:chgData name="Martin-Pierre GAULTIER" userId="S::mpgaultier@lemonway.com::0415e4a0-177e-4c12-b0e5-1f7bc3cae49f" providerId="AD" clId="Web-{9BE88384-19AE-F508-027C-2BB94268892E}" dt="2025-01-21T11:24:00.515" v="8"/>
         <pc:sldMkLst>
           <pc:docMk/>
           <pc:sldMk cId="4251313692" sldId="2147483528"/>
         </pc:sldMkLst>
       </pc:sldChg>
-      <pc:sldChg chg="delSp modSp">
-        <pc:chgData name="Martin-Pierre GAULTIER" userId="S::mpgaultier@lemonway.com::0415e4a0-177e-4c12-b0e5-1f7bc3cae49f" providerId="AD" clId="Web-{BAA7B3D3-4CEA-FBD7-03BF-9B5CD847D190}" dt="2025-01-23T12:56:11.618" v="689" actId="20577"/>
+      <pc:sldChg chg="add del">
+        <pc:chgData name="Martin-Pierre GAULTIER" userId="S::mpgaultier@lemonway.com::0415e4a0-177e-4c12-b0e5-1f7bc3cae49f" providerId="AD" clId="Web-{9BE88384-19AE-F508-027C-2BB94268892E}" dt="2025-01-21T11:24:00.530" v="9"/>
         <pc:sldMkLst>
           <pc:docMk/>
           <pc:sldMk cId="1326845705" sldId="2147483529"/>
         </pc:sldMkLst>
       </pc:sldChg>
-      <pc:sldChg chg="addSp modSp ord">
-        <pc:chgData name="Martin-Pierre GAULTIER" userId="S::mpgaultier@lemonway.com::0415e4a0-177e-4c12-b0e5-1f7bc3cae49f" providerId="AD" clId="Web-{BAA7B3D3-4CEA-FBD7-03BF-9B5CD847D190}" dt="2025-01-23T14:05:59.281" v="718" actId="20577"/>
+      <pc:sldChg chg="addSp modSp add">
+        <pc:chgData name="Martin-Pierre GAULTIER" userId="S::mpgaultier@lemonway.com::0415e4a0-177e-4c12-b0e5-1f7bc3cae49f" providerId="AD" clId="Web-{9BE88384-19AE-F508-027C-2BB94268892E}" dt="2025-01-21T12:04:22.151" v="597" actId="20577"/>
+        <pc:sldMkLst>
+          <pc:docMk/>
+          <pc:sldMk cId="1824639407" sldId="2147483530"/>
+        </pc:sldMkLst>
+      </pc:sldChg>
+      <pc:sldChg chg="modSp add replId">
+        <pc:chgData name="Martin-Pierre GAULTIER" userId="S::mpgaultier@lemonway.com::0415e4a0-177e-4c12-b0e5-1f7bc3cae49f" providerId="AD" clId="Web-{9BE88384-19AE-F508-027C-2BB94268892E}" dt="2025-01-21T12:03:28.244" v="531" actId="20577"/>
         <pc:sldMkLst>
           <pc:docMk/>
           <pc:sldMk cId="1584612849" sldId="2147483531"/>
+        </pc:sldMkLst>
+      </pc:sldChg>
+    </pc:docChg>
+  </pc:docChgLst>
+  <pc:docChgLst>
+    <pc:chgData name="Romain MILECKI" userId="53d3c05e-b504-4371-8e77-d2aef7b9335c" providerId="ADAL" clId="{698B9AE8-7644-476B-9468-4E2B59B1B816}"/>
+    <pc:docChg chg="undo custSel addSld delSld modSld sldOrd">
+      <pc:chgData name="Romain MILECKI" userId="53d3c05e-b504-4371-8e77-d2aef7b9335c" providerId="ADAL" clId="{698B9AE8-7644-476B-9468-4E2B59B1B816}" dt="2025-02-05T17:03:31.443" v="6332" actId="207"/>
+      <pc:docMkLst>
+        <pc:docMk/>
+      </pc:docMkLst>
+      <pc:sldChg chg="mod modShow">
+        <pc:chgData name="Romain MILECKI" userId="53d3c05e-b504-4371-8e77-d2aef7b9335c" providerId="ADAL" clId="{698B9AE8-7644-476B-9468-4E2B59B1B816}" dt="2025-01-27T20:10:06.768" v="6245" actId="729"/>
+        <pc:sldMkLst>
+          <pc:docMk/>
+          <pc:sldMk cId="0" sldId="261"/>
+        </pc:sldMkLst>
+      </pc:sldChg>
+      <pc:sldChg chg="mod modShow">
+        <pc:chgData name="Romain MILECKI" userId="53d3c05e-b504-4371-8e77-d2aef7b9335c" providerId="ADAL" clId="{698B9AE8-7644-476B-9468-4E2B59B1B816}" dt="2025-01-27T20:10:06.768" v="6245" actId="729"/>
+        <pc:sldMkLst>
+          <pc:docMk/>
+          <pc:sldMk cId="4185469777" sldId="262"/>
+        </pc:sldMkLst>
+      </pc:sldChg>
+      <pc:sldChg chg="mod modShow">
+        <pc:chgData name="Romain MILECKI" userId="53d3c05e-b504-4371-8e77-d2aef7b9335c" providerId="ADAL" clId="{698B9AE8-7644-476B-9468-4E2B59B1B816}" dt="2025-01-27T20:10:06.768" v="6245" actId="729"/>
+        <pc:sldMkLst>
+          <pc:docMk/>
+          <pc:sldMk cId="0" sldId="266"/>
+        </pc:sldMkLst>
+      </pc:sldChg>
+      <pc:sldChg chg="mod modShow">
+        <pc:chgData name="Romain MILECKI" userId="53d3c05e-b504-4371-8e77-d2aef7b9335c" providerId="ADAL" clId="{698B9AE8-7644-476B-9468-4E2B59B1B816}" dt="2025-01-27T20:10:06.768" v="6245" actId="729"/>
+        <pc:sldMkLst>
+          <pc:docMk/>
+          <pc:sldMk cId="0" sldId="280"/>
+        </pc:sldMkLst>
+      </pc:sldChg>
+      <pc:sldChg chg="mod modShow">
+        <pc:chgData name="Romain MILECKI" userId="53d3c05e-b504-4371-8e77-d2aef7b9335c" providerId="ADAL" clId="{698B9AE8-7644-476B-9468-4E2B59B1B816}" dt="2025-01-27T20:10:06.768" v="6245" actId="729"/>
+        <pc:sldMkLst>
+          <pc:docMk/>
+          <pc:sldMk cId="0" sldId="283"/>
+        </pc:sldMkLst>
+      </pc:sldChg>
+      <pc:sldChg chg="mod modShow">
+        <pc:chgData name="Romain MILECKI" userId="53d3c05e-b504-4371-8e77-d2aef7b9335c" providerId="ADAL" clId="{698B9AE8-7644-476B-9468-4E2B59B1B816}" dt="2025-01-27T20:10:06.768" v="6245" actId="729"/>
+        <pc:sldMkLst>
+          <pc:docMk/>
+          <pc:sldMk cId="0" sldId="284"/>
+        </pc:sldMkLst>
+      </pc:sldChg>
+      <pc:sldChg chg="mod modShow">
+        <pc:chgData name="Romain MILECKI" userId="53d3c05e-b504-4371-8e77-d2aef7b9335c" providerId="ADAL" clId="{698B9AE8-7644-476B-9468-4E2B59B1B816}" dt="2025-01-27T20:10:06.768" v="6245" actId="729"/>
+        <pc:sldMkLst>
+          <pc:docMk/>
+          <pc:sldMk cId="0" sldId="285"/>
+        </pc:sldMkLst>
+      </pc:sldChg>
+      <pc:sldChg chg="mod modShow">
+        <pc:chgData name="Romain MILECKI" userId="53d3c05e-b504-4371-8e77-d2aef7b9335c" providerId="ADAL" clId="{698B9AE8-7644-476B-9468-4E2B59B1B816}" dt="2025-01-27T20:10:06.768" v="6245" actId="729"/>
+        <pc:sldMkLst>
+          <pc:docMk/>
+          <pc:sldMk cId="2982750" sldId="297"/>
+        </pc:sldMkLst>
+      </pc:sldChg>
+      <pc:sldChg chg="mod modShow">
+        <pc:chgData name="Romain MILECKI" userId="53d3c05e-b504-4371-8e77-d2aef7b9335c" providerId="ADAL" clId="{698B9AE8-7644-476B-9468-4E2B59B1B816}" dt="2025-01-27T20:10:06.768" v="6245" actId="729"/>
+        <pc:sldMkLst>
+          <pc:docMk/>
+          <pc:sldMk cId="2963462230" sldId="298"/>
+        </pc:sldMkLst>
+      </pc:sldChg>
+      <pc:sldChg chg="mod modShow">
+        <pc:chgData name="Romain MILECKI" userId="53d3c05e-b504-4371-8e77-d2aef7b9335c" providerId="ADAL" clId="{698B9AE8-7644-476B-9468-4E2B59B1B816}" dt="2025-01-27T20:10:06.768" v="6245" actId="729"/>
+        <pc:sldMkLst>
+          <pc:docMk/>
+          <pc:sldMk cId="1160762198" sldId="392"/>
+        </pc:sldMkLst>
+      </pc:sldChg>
+      <pc:sldChg chg="mod modShow">
+        <pc:chgData name="Romain MILECKI" userId="53d3c05e-b504-4371-8e77-d2aef7b9335c" providerId="ADAL" clId="{698B9AE8-7644-476B-9468-4E2B59B1B816}" dt="2025-01-27T20:10:06.768" v="6245" actId="729"/>
+        <pc:sldMkLst>
+          <pc:docMk/>
+          <pc:sldMk cId="259634276" sldId="401"/>
+        </pc:sldMkLst>
+      </pc:sldChg>
+      <pc:sldChg chg="mod modShow">
+        <pc:chgData name="Romain MILECKI" userId="53d3c05e-b504-4371-8e77-d2aef7b9335c" providerId="ADAL" clId="{698B9AE8-7644-476B-9468-4E2B59B1B816}" dt="2025-01-27T20:10:06.768" v="6245" actId="729"/>
+        <pc:sldMkLst>
+          <pc:docMk/>
+          <pc:sldMk cId="455300412" sldId="432"/>
+        </pc:sldMkLst>
+      </pc:sldChg>
+      <pc:sldChg chg="mod modShow">
+        <pc:chgData name="Romain MILECKI" userId="53d3c05e-b504-4371-8e77-d2aef7b9335c" providerId="ADAL" clId="{698B9AE8-7644-476B-9468-4E2B59B1B816}" dt="2025-01-27T20:10:06.768" v="6245" actId="729"/>
+        <pc:sldMkLst>
+          <pc:docMk/>
+          <pc:sldMk cId="1605751462" sldId="529"/>
+        </pc:sldMkLst>
+      </pc:sldChg>
+      <pc:sldChg chg="mod modShow">
+        <pc:chgData name="Romain MILECKI" userId="53d3c05e-b504-4371-8e77-d2aef7b9335c" providerId="ADAL" clId="{698B9AE8-7644-476B-9468-4E2B59B1B816}" dt="2025-01-27T20:10:06.768" v="6245" actId="729"/>
+        <pc:sldMkLst>
+          <pc:docMk/>
+          <pc:sldMk cId="1426418202" sldId="543"/>
+        </pc:sldMkLst>
+      </pc:sldChg>
+      <pc:sldChg chg="mod modShow">
+        <pc:chgData name="Romain MILECKI" userId="53d3c05e-b504-4371-8e77-d2aef7b9335c" providerId="ADAL" clId="{698B9AE8-7644-476B-9468-4E2B59B1B816}" dt="2025-01-27T20:10:06.768" v="6245" actId="729"/>
+        <pc:sldMkLst>
+          <pc:docMk/>
+          <pc:sldMk cId="735989107" sldId="544"/>
+        </pc:sldMkLst>
+      </pc:sldChg>
+      <pc:sldChg chg="mod modShow">
+        <pc:chgData name="Romain MILECKI" userId="53d3c05e-b504-4371-8e77-d2aef7b9335c" providerId="ADAL" clId="{698B9AE8-7644-476B-9468-4E2B59B1B816}" dt="2025-01-27T20:10:06.768" v="6245" actId="729"/>
+        <pc:sldMkLst>
+          <pc:docMk/>
+          <pc:sldMk cId="3899232807" sldId="546"/>
+        </pc:sldMkLst>
+      </pc:sldChg>
+      <pc:sldChg chg="mod modShow">
+        <pc:chgData name="Romain MILECKI" userId="53d3c05e-b504-4371-8e77-d2aef7b9335c" providerId="ADAL" clId="{698B9AE8-7644-476B-9468-4E2B59B1B816}" dt="2025-01-27T20:10:06.768" v="6245" actId="729"/>
+        <pc:sldMkLst>
+          <pc:docMk/>
+          <pc:sldMk cId="3810240017" sldId="549"/>
+        </pc:sldMkLst>
+      </pc:sldChg>
+      <pc:sldChg chg="addSp delSp modSp add mod delAnim modAnim modShow modNotesTx">
+        <pc:chgData name="Romain MILECKI" userId="53d3c05e-b504-4371-8e77-d2aef7b9335c" providerId="ADAL" clId="{698B9AE8-7644-476B-9468-4E2B59B1B816}" dt="2025-01-27T20:14:43.845" v="6331" actId="20577"/>
+        <pc:sldMkLst>
+          <pc:docMk/>
+          <pc:sldMk cId="1836365198" sldId="2147483335"/>
+        </pc:sldMkLst>
+      </pc:sldChg>
+      <pc:sldChg chg="mod modShow">
+        <pc:chgData name="Romain MILECKI" userId="53d3c05e-b504-4371-8e77-d2aef7b9335c" providerId="ADAL" clId="{698B9AE8-7644-476B-9468-4E2B59B1B816}" dt="2025-01-27T20:10:06.768" v="6245" actId="729"/>
+        <pc:sldMkLst>
+          <pc:docMk/>
+          <pc:sldMk cId="567969834" sldId="2147483355"/>
+        </pc:sldMkLst>
+      </pc:sldChg>
+      <pc:sldChg chg="mod modShow">
+        <pc:chgData name="Romain MILECKI" userId="53d3c05e-b504-4371-8e77-d2aef7b9335c" providerId="ADAL" clId="{698B9AE8-7644-476B-9468-4E2B59B1B816}" dt="2025-01-27T20:10:06.768" v="6245" actId="729"/>
+        <pc:sldMkLst>
+          <pc:docMk/>
+          <pc:sldMk cId="3282966770" sldId="2147483427"/>
+        </pc:sldMkLst>
+      </pc:sldChg>
+      <pc:sldChg chg="mod modShow">
+        <pc:chgData name="Romain MILECKI" userId="53d3c05e-b504-4371-8e77-d2aef7b9335c" providerId="ADAL" clId="{698B9AE8-7644-476B-9468-4E2B59B1B816}" dt="2025-01-27T20:10:06.768" v="6245" actId="729"/>
+        <pc:sldMkLst>
+          <pc:docMk/>
+          <pc:sldMk cId="3826494038" sldId="2147483447"/>
+        </pc:sldMkLst>
+      </pc:sldChg>
+      <pc:sldChg chg="mod modShow">
+        <pc:chgData name="Romain MILECKI" userId="53d3c05e-b504-4371-8e77-d2aef7b9335c" providerId="ADAL" clId="{698B9AE8-7644-476B-9468-4E2B59B1B816}" dt="2025-01-27T20:10:06.768" v="6245" actId="729"/>
+        <pc:sldMkLst>
+          <pc:docMk/>
+          <pc:sldMk cId="3927243092" sldId="2147483453"/>
+        </pc:sldMkLst>
+      </pc:sldChg>
+      <pc:sldChg chg="mod modShow">
+        <pc:chgData name="Romain MILECKI" userId="53d3c05e-b504-4371-8e77-d2aef7b9335c" providerId="ADAL" clId="{698B9AE8-7644-476B-9468-4E2B59B1B816}" dt="2025-01-27T20:10:06.768" v="6245" actId="729"/>
+        <pc:sldMkLst>
+          <pc:docMk/>
+          <pc:sldMk cId="3047155839" sldId="2147483462"/>
+        </pc:sldMkLst>
+      </pc:sldChg>
+      <pc:sldChg chg="mod modShow">
+        <pc:chgData name="Romain MILECKI" userId="53d3c05e-b504-4371-8e77-d2aef7b9335c" providerId="ADAL" clId="{698B9AE8-7644-476B-9468-4E2B59B1B816}" dt="2025-01-27T20:10:06.768" v="6245" actId="729"/>
+        <pc:sldMkLst>
+          <pc:docMk/>
+          <pc:sldMk cId="1154325928" sldId="2147483478"/>
+        </pc:sldMkLst>
+      </pc:sldChg>
+      <pc:sldChg chg="mod modShow">
+        <pc:chgData name="Romain MILECKI" userId="53d3c05e-b504-4371-8e77-d2aef7b9335c" providerId="ADAL" clId="{698B9AE8-7644-476B-9468-4E2B59B1B816}" dt="2025-01-27T20:10:06.768" v="6245" actId="729"/>
+        <pc:sldMkLst>
+          <pc:docMk/>
+          <pc:sldMk cId="2648409912" sldId="2147483514"/>
+        </pc:sldMkLst>
+      </pc:sldChg>
+      <pc:sldChg chg="mod modShow">
+        <pc:chgData name="Romain MILECKI" userId="53d3c05e-b504-4371-8e77-d2aef7b9335c" providerId="ADAL" clId="{698B9AE8-7644-476B-9468-4E2B59B1B816}" dt="2025-01-27T20:10:06.768" v="6245" actId="729"/>
+        <pc:sldMkLst>
+          <pc:docMk/>
+          <pc:sldMk cId="3724949963" sldId="2147483515"/>
+        </pc:sldMkLst>
+      </pc:sldChg>
+      <pc:sldChg chg="modSp mod modShow">
+        <pc:chgData name="Romain MILECKI" userId="53d3c05e-b504-4371-8e77-d2aef7b9335c" providerId="ADAL" clId="{698B9AE8-7644-476B-9468-4E2B59B1B816}" dt="2025-02-05T17:03:31.443" v="6332" actId="207"/>
+        <pc:sldMkLst>
+          <pc:docMk/>
+          <pc:sldMk cId="2056008740" sldId="2147483519"/>
+        </pc:sldMkLst>
+      </pc:sldChg>
+      <pc:sldChg chg="addSp modSp add mod ord modAnim modShow">
+        <pc:chgData name="Romain MILECKI" userId="53d3c05e-b504-4371-8e77-d2aef7b9335c" providerId="ADAL" clId="{698B9AE8-7644-476B-9468-4E2B59B1B816}" dt="2025-01-27T18:14:56.298" v="6133" actId="20577"/>
+        <pc:sldMkLst>
+          <pc:docMk/>
+          <pc:sldMk cId="1425089493" sldId="2147483520"/>
+        </pc:sldMkLst>
+      </pc:sldChg>
+      <pc:sldChg chg="addSp delSp modSp add mod ord">
+        <pc:chgData name="Romain MILECKI" userId="53d3c05e-b504-4371-8e77-d2aef7b9335c" providerId="ADAL" clId="{698B9AE8-7644-476B-9468-4E2B59B1B816}" dt="2025-01-16T10:54:24.342" v="137" actId="478"/>
+        <pc:sldMkLst>
+          <pc:docMk/>
+          <pc:sldMk cId="696696546" sldId="2147483521"/>
+        </pc:sldMkLst>
+      </pc:sldChg>
+      <pc:sldChg chg="addSp delSp modSp add mod modAnim modShow">
+        <pc:chgData name="Romain MILECKI" userId="53d3c05e-b504-4371-8e77-d2aef7b9335c" providerId="ADAL" clId="{698B9AE8-7644-476B-9468-4E2B59B1B816}" dt="2025-01-27T20:13:36.286" v="6293" actId="404"/>
+        <pc:sldMkLst>
+          <pc:docMk/>
+          <pc:sldMk cId="2312050107" sldId="2147483522"/>
+        </pc:sldMkLst>
+      </pc:sldChg>
+      <pc:sldChg chg="addSp delSp modSp add mod ord delAnim modAnim modShow modNotesTx">
+        <pc:chgData name="Romain MILECKI" userId="53d3c05e-b504-4371-8e77-d2aef7b9335c" providerId="ADAL" clId="{698B9AE8-7644-476B-9468-4E2B59B1B816}" dt="2025-01-27T17:36:28.187" v="6112" actId="478"/>
+        <pc:sldMkLst>
+          <pc:docMk/>
+          <pc:sldMk cId="2474122460" sldId="2147483523"/>
+        </pc:sldMkLst>
+      </pc:sldChg>
+      <pc:sldChg chg="modSp mod">
+        <pc:chgData name="Romain MILECKI" userId="53d3c05e-b504-4371-8e77-d2aef7b9335c" providerId="ADAL" clId="{698B9AE8-7644-476B-9468-4E2B59B1B816}" dt="2025-01-27T19:56:29.191" v="6209" actId="20577"/>
+        <pc:sldMkLst>
+          <pc:docMk/>
+          <pc:sldMk cId="2246678326" sldId="2147483526"/>
+        </pc:sldMkLst>
+      </pc:sldChg>
+      <pc:sldChg chg="addSp modSp add mod ord modAnim modShow">
+        <pc:chgData name="Romain MILECKI" userId="53d3c05e-b504-4371-8e77-d2aef7b9335c" providerId="ADAL" clId="{698B9AE8-7644-476B-9468-4E2B59B1B816}" dt="2025-01-21T16:11:37.476" v="347" actId="729"/>
+        <pc:sldMkLst>
+          <pc:docMk/>
+          <pc:sldMk cId="1176860781" sldId="2147483532"/>
+        </pc:sldMkLst>
+      </pc:sldChg>
+      <pc:sldChg chg="addSp delSp modSp add mod ord modAnim modNotesTx">
+        <pc:chgData name="Romain MILECKI" userId="53d3c05e-b504-4371-8e77-d2aef7b9335c" providerId="ADAL" clId="{698B9AE8-7644-476B-9468-4E2B59B1B816}" dt="2025-01-27T20:14:27.124" v="6311" actId="20577"/>
+        <pc:sldMkLst>
+          <pc:docMk/>
+          <pc:sldMk cId="4213513957" sldId="2147483533"/>
+        </pc:sldMkLst>
+      </pc:sldChg>
+      <pc:sldChg chg="modSp mod">
+        <pc:chgData name="Romain MILECKI" userId="53d3c05e-b504-4371-8e77-d2aef7b9335c" providerId="ADAL" clId="{698B9AE8-7644-476B-9468-4E2B59B1B816}" dt="2025-01-26T18:36:41.628" v="3326" actId="20577"/>
+        <pc:sldMkLst>
+          <pc:docMk/>
+          <pc:sldMk cId="4133866324" sldId="2147483540"/>
+        </pc:sldMkLst>
+      </pc:sldChg>
+      <pc:sldChg chg="modSp mod">
+        <pc:chgData name="Romain MILECKI" userId="53d3c05e-b504-4371-8e77-d2aef7b9335c" providerId="ADAL" clId="{698B9AE8-7644-476B-9468-4E2B59B1B816}" dt="2025-01-27T20:07:02.582" v="6242" actId="20577"/>
+        <pc:sldMkLst>
+          <pc:docMk/>
+          <pc:sldMk cId="12490850" sldId="2147483542"/>
+        </pc:sldMkLst>
+      </pc:sldChg>
+      <pc:sldChg chg="addSp delSp modSp new del mod">
+        <pc:chgData name="Romain MILECKI" userId="53d3c05e-b504-4371-8e77-d2aef7b9335c" providerId="ADAL" clId="{698B9AE8-7644-476B-9468-4E2B59B1B816}" dt="2025-01-27T18:16:23.429" v="6173" actId="47"/>
+        <pc:sldMkLst>
+          <pc:docMk/>
+          <pc:sldMk cId="3060045808" sldId="2147483569"/>
+        </pc:sldMkLst>
+      </pc:sldChg>
+      <pc:sldChg chg="addSp delSp modSp add mod ord modAnim modNotesTx">
+        <pc:chgData name="Romain MILECKI" userId="53d3c05e-b504-4371-8e77-d2aef7b9335c" providerId="ADAL" clId="{698B9AE8-7644-476B-9468-4E2B59B1B816}" dt="2025-01-26T19:54:18.169" v="5640"/>
+        <pc:sldMkLst>
+          <pc:docMk/>
+          <pc:sldMk cId="534803942" sldId="2147483570"/>
+        </pc:sldMkLst>
+      </pc:sldChg>
+      <pc:sldChg chg="addSp delSp modSp add del mod ord modShow">
+        <pc:chgData name="Romain MILECKI" userId="53d3c05e-b504-4371-8e77-d2aef7b9335c" providerId="ADAL" clId="{698B9AE8-7644-476B-9468-4E2B59B1B816}" dt="2025-01-27T09:51:06.359" v="5677" actId="47"/>
+        <pc:sldMkLst>
+          <pc:docMk/>
+          <pc:sldMk cId="1035214269" sldId="2147483571"/>
+        </pc:sldMkLst>
+      </pc:sldChg>
+      <pc:sldChg chg="modSp mod">
+        <pc:chgData name="Romain MILECKI" userId="53d3c05e-b504-4371-8e77-d2aef7b9335c" providerId="ADAL" clId="{698B9AE8-7644-476B-9468-4E2B59B1B816}" dt="2025-01-27T20:03:34.946" v="6229" actId="20577"/>
+        <pc:sldMkLst>
+          <pc:docMk/>
+          <pc:sldMk cId="992121836" sldId="2147483580"/>
+        </pc:sldMkLst>
+      </pc:sldChg>
+    </pc:docChg>
+  </pc:docChgLst>
+  <pc:docChgLst>
+    <pc:chgData name="Romain MILECKI" userId="53d3c05e-b504-4371-8e77-d2aef7b9335c" providerId="ADAL" clId="{D55A2D77-A857-4928-B221-958258A0E265}"/>
+    <pc:docChg chg="undo custSel modSld">
+      <pc:chgData name="Romain MILECKI" userId="53d3c05e-b504-4371-8e77-d2aef7b9335c" providerId="ADAL" clId="{D55A2D77-A857-4928-B221-958258A0E265}" dt="2025-02-17T16:58:44.542" v="78" actId="12788"/>
+      <pc:docMkLst>
+        <pc:docMk/>
+      </pc:docMkLst>
+      <pc:sldChg chg="addSp delSp modSp mod">
+        <pc:chgData name="Romain MILECKI" userId="53d3c05e-b504-4371-8e77-d2aef7b9335c" providerId="ADAL" clId="{D55A2D77-A857-4928-B221-958258A0E265}" dt="2025-02-17T16:58:44.542" v="78" actId="12788"/>
+        <pc:sldMkLst>
+          <pc:docMk/>
+          <pc:sldMk cId="4133866324" sldId="2147483540"/>
         </pc:sldMkLst>
       </pc:sldChg>
     </pc:docChg>
@@ -2264,1168 +3404,24 @@
     </pc:docChg>
   </pc:docChgLst>
   <pc:docChgLst>
-    <pc:chgData name="Ambre SONOR" userId="S::asonor@lemonway.com::020792ae-fc4a-47d7-9e18-119d3ce04a29" providerId="AD" clId="Web-{6C9DDDB3-7D92-1BC6-4C9F-632BF1CD77DA}"/>
-    <pc:docChg chg="addSld delSld modSld">
-      <pc:chgData name="Ambre SONOR" userId="S::asonor@lemonway.com::020792ae-fc4a-47d7-9e18-119d3ce04a29" providerId="AD" clId="Web-{6C9DDDB3-7D92-1BC6-4C9F-632BF1CD77DA}" dt="2025-01-27T21:09:20.552" v="140" actId="20577"/>
-      <pc:docMkLst>
-        <pc:docMk/>
-      </pc:docMkLst>
-      <pc:sldChg chg="addSp delSp modSp">
-        <pc:chgData name="Ambre SONOR" userId="S::asonor@lemonway.com::020792ae-fc4a-47d7-9e18-119d3ce04a29" providerId="AD" clId="Web-{6C9DDDB3-7D92-1BC6-4C9F-632BF1CD77DA}" dt="2025-01-27T20:32:14.504" v="34" actId="1076"/>
-        <pc:sldMkLst>
-          <pc:docMk/>
-          <pc:sldMk cId="1404434608" sldId="2147483563"/>
-        </pc:sldMkLst>
-      </pc:sldChg>
-      <pc:sldChg chg="modSp">
-        <pc:chgData name="Ambre SONOR" userId="S::asonor@lemonway.com::020792ae-fc4a-47d7-9e18-119d3ce04a29" providerId="AD" clId="Web-{6C9DDDB3-7D92-1BC6-4C9F-632BF1CD77DA}" dt="2025-01-27T21:09:20.552" v="140" actId="20577"/>
-        <pc:sldMkLst>
-          <pc:docMk/>
-          <pc:sldMk cId="256682989" sldId="2147483566"/>
-        </pc:sldMkLst>
-      </pc:sldChg>
-      <pc:sldChg chg="add del replId">
-        <pc:chgData name="Ambre SONOR" userId="S::asonor@lemonway.com::020792ae-fc4a-47d7-9e18-119d3ce04a29" providerId="AD" clId="Web-{6C9DDDB3-7D92-1BC6-4C9F-632BF1CD77DA}" dt="2025-01-27T20:31:10.893" v="27"/>
-        <pc:sldMkLst>
-          <pc:docMk/>
-          <pc:sldMk cId="2637422908" sldId="2147483581"/>
-        </pc:sldMkLst>
-      </pc:sldChg>
-    </pc:docChg>
-  </pc:docChgLst>
-  <pc:docChgLst>
-    <pc:chgData name="Alexane BAUDRON" userId="c4e72a19-1b71-4ae0-b940-702fdd1a721d" providerId="ADAL" clId="{08F0C1F7-0D3F-AD47-8214-16B984571863}"/>
-    <pc:docChg chg="delSld delMainMaster">
-      <pc:chgData name="Alexane BAUDRON" userId="c4e72a19-1b71-4ae0-b940-702fdd1a721d" providerId="ADAL" clId="{08F0C1F7-0D3F-AD47-8214-16B984571863}" dt="2025-06-30T07:55:04.772" v="44" actId="2696"/>
-      <pc:docMkLst>
-        <pc:docMk/>
-      </pc:docMkLst>
-      <pc:sldChg chg="del">
-        <pc:chgData name="Alexane BAUDRON" userId="c4e72a19-1b71-4ae0-b940-702fdd1a721d" providerId="ADAL" clId="{08F0C1F7-0D3F-AD47-8214-16B984571863}" dt="2025-06-30T07:54:49.266" v="14" actId="2696"/>
-        <pc:sldMkLst>
-          <pc:docMk/>
-          <pc:sldMk cId="1836365198" sldId="2147483335"/>
-        </pc:sldMkLst>
-      </pc:sldChg>
-      <pc:sldChg chg="del">
-        <pc:chgData name="Alexane BAUDRON" userId="c4e72a19-1b71-4ae0-b940-702fdd1a721d" providerId="ADAL" clId="{08F0C1F7-0D3F-AD47-8214-16B984571863}" dt="2025-06-30T07:54:49.163" v="8" actId="2696"/>
-        <pc:sldMkLst>
-          <pc:docMk/>
-          <pc:sldMk cId="1425089493" sldId="2147483520"/>
-        </pc:sldMkLst>
-      </pc:sldChg>
-      <pc:sldChg chg="del">
-        <pc:chgData name="Alexane BAUDRON" userId="c4e72a19-1b71-4ae0-b940-702fdd1a721d" providerId="ADAL" clId="{08F0C1F7-0D3F-AD47-8214-16B984571863}" dt="2025-06-30T07:54:49.174" v="10" actId="2696"/>
-        <pc:sldMkLst>
-          <pc:docMk/>
-          <pc:sldMk cId="2312050107" sldId="2147483522"/>
-        </pc:sldMkLst>
-      </pc:sldChg>
-      <pc:sldChg chg="del">
-        <pc:chgData name="Alexane BAUDRON" userId="c4e72a19-1b71-4ae0-b940-702fdd1a721d" providerId="ADAL" clId="{08F0C1F7-0D3F-AD47-8214-16B984571863}" dt="2025-06-30T07:54:49.169" v="9" actId="2696"/>
-        <pc:sldMkLst>
-          <pc:docMk/>
-          <pc:sldMk cId="2474122460" sldId="2147483523"/>
-        </pc:sldMkLst>
-      </pc:sldChg>
-      <pc:sldChg chg="del">
-        <pc:chgData name="Alexane BAUDRON" userId="c4e72a19-1b71-4ae0-b940-702fdd1a721d" providerId="ADAL" clId="{08F0C1F7-0D3F-AD47-8214-16B984571863}" dt="2025-06-30T07:54:45.531" v="0" actId="2696"/>
-        <pc:sldMkLst>
-          <pc:docMk/>
-          <pc:sldMk cId="1260531968" sldId="2147483524"/>
-        </pc:sldMkLst>
-      </pc:sldChg>
-      <pc:sldChg chg="del">
-        <pc:chgData name="Alexane BAUDRON" userId="c4e72a19-1b71-4ae0-b940-702fdd1a721d" providerId="ADAL" clId="{08F0C1F7-0D3F-AD47-8214-16B984571863}" dt="2025-06-30T07:54:45.546" v="6" actId="2696"/>
-        <pc:sldMkLst>
-          <pc:docMk/>
-          <pc:sldMk cId="3207649941" sldId="2147483525"/>
-        </pc:sldMkLst>
-      </pc:sldChg>
-      <pc:sldChg chg="del">
-        <pc:chgData name="Alexane BAUDRON" userId="c4e72a19-1b71-4ae0-b940-702fdd1a721d" providerId="ADAL" clId="{08F0C1F7-0D3F-AD47-8214-16B984571863}" dt="2025-06-30T07:54:45.539" v="3" actId="2696"/>
-        <pc:sldMkLst>
-          <pc:docMk/>
-          <pc:sldMk cId="2246678326" sldId="2147483526"/>
-        </pc:sldMkLst>
-      </pc:sldChg>
-      <pc:sldChg chg="del">
-        <pc:chgData name="Alexane BAUDRON" userId="c4e72a19-1b71-4ae0-b940-702fdd1a721d" providerId="ADAL" clId="{08F0C1F7-0D3F-AD47-8214-16B984571863}" dt="2025-06-30T07:54:45.535" v="1" actId="2696"/>
-        <pc:sldMkLst>
-          <pc:docMk/>
-          <pc:sldMk cId="4251313692" sldId="2147483528"/>
-        </pc:sldMkLst>
-      </pc:sldChg>
-      <pc:sldChg chg="del">
-        <pc:chgData name="Alexane BAUDRON" userId="c4e72a19-1b71-4ae0-b940-702fdd1a721d" providerId="ADAL" clId="{08F0C1F7-0D3F-AD47-8214-16B984571863}" dt="2025-06-30T07:54:45.538" v="2" actId="2696"/>
-        <pc:sldMkLst>
-          <pc:docMk/>
-          <pc:sldMk cId="1326845705" sldId="2147483529"/>
-        </pc:sldMkLst>
-      </pc:sldChg>
-      <pc:sldChg chg="del">
-        <pc:chgData name="Alexane BAUDRON" userId="c4e72a19-1b71-4ae0-b940-702fdd1a721d" providerId="ADAL" clId="{08F0C1F7-0D3F-AD47-8214-16B984571863}" dt="2025-06-30T07:54:45.604" v="7" actId="2696"/>
-        <pc:sldMkLst>
-          <pc:docMk/>
-          <pc:sldMk cId="1584612849" sldId="2147483531"/>
-        </pc:sldMkLst>
-      </pc:sldChg>
-      <pc:sldChg chg="del">
-        <pc:chgData name="Alexane BAUDRON" userId="c4e72a19-1b71-4ae0-b940-702fdd1a721d" providerId="ADAL" clId="{08F0C1F7-0D3F-AD47-8214-16B984571863}" dt="2025-06-30T07:54:49.203" v="12" actId="2696"/>
-        <pc:sldMkLst>
-          <pc:docMk/>
-          <pc:sldMk cId="1176860781" sldId="2147483532"/>
-        </pc:sldMkLst>
-      </pc:sldChg>
-      <pc:sldChg chg="del">
-        <pc:chgData name="Alexane BAUDRON" userId="c4e72a19-1b71-4ae0-b940-702fdd1a721d" providerId="ADAL" clId="{08F0C1F7-0D3F-AD47-8214-16B984571863}" dt="2025-06-30T07:54:49.251" v="13" actId="2696"/>
-        <pc:sldMkLst>
-          <pc:docMk/>
-          <pc:sldMk cId="4213513957" sldId="2147483533"/>
-        </pc:sldMkLst>
-      </pc:sldChg>
-      <pc:sldChg chg="del">
-        <pc:chgData name="Alexane BAUDRON" userId="c4e72a19-1b71-4ae0-b940-702fdd1a721d" providerId="ADAL" clId="{08F0C1F7-0D3F-AD47-8214-16B984571863}" dt="2025-06-30T07:55:01.535" v="42" actId="2696"/>
-        <pc:sldMkLst>
-          <pc:docMk/>
-          <pc:sldMk cId="3330874013" sldId="2147483537"/>
-        </pc:sldMkLst>
-      </pc:sldChg>
-      <pc:sldChg chg="del">
-        <pc:chgData name="Alexane BAUDRON" userId="c4e72a19-1b71-4ae0-b940-702fdd1a721d" providerId="ADAL" clId="{08F0C1F7-0D3F-AD47-8214-16B984571863}" dt="2025-06-30T07:55:04.772" v="44" actId="2696"/>
-        <pc:sldMkLst>
-          <pc:docMk/>
-          <pc:sldMk cId="1186544563" sldId="2147483539"/>
-        </pc:sldMkLst>
-      </pc:sldChg>
-      <pc:sldChg chg="del">
-        <pc:chgData name="Alexane BAUDRON" userId="c4e72a19-1b71-4ae0-b940-702fdd1a721d" providerId="ADAL" clId="{08F0C1F7-0D3F-AD47-8214-16B984571863}" dt="2025-06-30T07:55:03.747" v="43" actId="2696"/>
-        <pc:sldMkLst>
-          <pc:docMk/>
-          <pc:sldMk cId="4133866324" sldId="2147483540"/>
-        </pc:sldMkLst>
-      </pc:sldChg>
-      <pc:sldChg chg="del">
-        <pc:chgData name="Alexane BAUDRON" userId="c4e72a19-1b71-4ae0-b940-702fdd1a721d" providerId="ADAL" clId="{08F0C1F7-0D3F-AD47-8214-16B984571863}" dt="2025-06-30T07:54:57.403" v="32" actId="2696"/>
-        <pc:sldMkLst>
-          <pc:docMk/>
-          <pc:sldMk cId="244232859" sldId="2147483541"/>
-        </pc:sldMkLst>
-      </pc:sldChg>
-      <pc:sldChg chg="del">
-        <pc:chgData name="Alexane BAUDRON" userId="c4e72a19-1b71-4ae0-b940-702fdd1a721d" providerId="ADAL" clId="{08F0C1F7-0D3F-AD47-8214-16B984571863}" dt="2025-06-30T07:54:57.398" v="31" actId="2696"/>
-        <pc:sldMkLst>
-          <pc:docMk/>
-          <pc:sldMk cId="12490850" sldId="2147483542"/>
-        </pc:sldMkLst>
-      </pc:sldChg>
-      <pc:sldChg chg="del">
-        <pc:chgData name="Alexane BAUDRON" userId="c4e72a19-1b71-4ae0-b940-702fdd1a721d" providerId="ADAL" clId="{08F0C1F7-0D3F-AD47-8214-16B984571863}" dt="2025-06-30T07:54:57.396" v="30" actId="2696"/>
-        <pc:sldMkLst>
-          <pc:docMk/>
-          <pc:sldMk cId="3141618727" sldId="2147483543"/>
-        </pc:sldMkLst>
-      </pc:sldChg>
-      <pc:sldChg chg="del">
-        <pc:chgData name="Alexane BAUDRON" userId="c4e72a19-1b71-4ae0-b940-702fdd1a721d" providerId="ADAL" clId="{08F0C1F7-0D3F-AD47-8214-16B984571863}" dt="2025-06-30T07:54:54.993" v="26" actId="2696"/>
-        <pc:sldMkLst>
-          <pc:docMk/>
-          <pc:sldMk cId="3452786207" sldId="2147483544"/>
-        </pc:sldMkLst>
-      </pc:sldChg>
-      <pc:sldChg chg="del">
-        <pc:chgData name="Alexane BAUDRON" userId="c4e72a19-1b71-4ae0-b940-702fdd1a721d" providerId="ADAL" clId="{08F0C1F7-0D3F-AD47-8214-16B984571863}" dt="2025-06-30T07:55:01.529" v="41" actId="2696"/>
-        <pc:sldMkLst>
-          <pc:docMk/>
-          <pc:sldMk cId="538564091" sldId="2147483545"/>
-        </pc:sldMkLst>
-      </pc:sldChg>
-      <pc:sldChg chg="del">
-        <pc:chgData name="Alexane BAUDRON" userId="c4e72a19-1b71-4ae0-b940-702fdd1a721d" providerId="ADAL" clId="{08F0C1F7-0D3F-AD47-8214-16B984571863}" dt="2025-06-30T07:55:01.490" v="36" actId="2696"/>
-        <pc:sldMkLst>
-          <pc:docMk/>
-          <pc:sldMk cId="323720210" sldId="2147483546"/>
-        </pc:sldMkLst>
-      </pc:sldChg>
-      <pc:sldChg chg="del">
-        <pc:chgData name="Alexane BAUDRON" userId="c4e72a19-1b71-4ae0-b940-702fdd1a721d" providerId="ADAL" clId="{08F0C1F7-0D3F-AD47-8214-16B984571863}" dt="2025-06-30T07:55:01.488" v="35" actId="2696"/>
-        <pc:sldMkLst>
-          <pc:docMk/>
-          <pc:sldMk cId="819472479" sldId="2147483547"/>
-        </pc:sldMkLst>
-      </pc:sldChg>
-      <pc:sldChg chg="del">
-        <pc:chgData name="Alexane BAUDRON" userId="c4e72a19-1b71-4ae0-b940-702fdd1a721d" providerId="ADAL" clId="{08F0C1F7-0D3F-AD47-8214-16B984571863}" dt="2025-06-30T07:55:01.507" v="40" actId="2696"/>
-        <pc:sldMkLst>
-          <pc:docMk/>
-          <pc:sldMk cId="3713441185" sldId="2147483549"/>
-        </pc:sldMkLst>
-      </pc:sldChg>
-      <pc:sldChg chg="del">
-        <pc:chgData name="Alexane BAUDRON" userId="c4e72a19-1b71-4ae0-b940-702fdd1a721d" providerId="ADAL" clId="{08F0C1F7-0D3F-AD47-8214-16B984571863}" dt="2025-06-30T07:55:01.495" v="38" actId="2696"/>
-        <pc:sldMkLst>
-          <pc:docMk/>
-          <pc:sldMk cId="3514001501" sldId="2147483550"/>
-        </pc:sldMkLst>
-      </pc:sldChg>
-      <pc:sldChg chg="del">
-        <pc:chgData name="Alexane BAUDRON" userId="c4e72a19-1b71-4ae0-b940-702fdd1a721d" providerId="ADAL" clId="{08F0C1F7-0D3F-AD47-8214-16B984571863}" dt="2025-06-30T07:55:01.493" v="37" actId="2696"/>
-        <pc:sldMkLst>
-          <pc:docMk/>
-          <pc:sldMk cId="3947401979" sldId="2147483551"/>
-        </pc:sldMkLst>
-      </pc:sldChg>
-      <pc:sldChg chg="del">
-        <pc:chgData name="Alexane BAUDRON" userId="c4e72a19-1b71-4ae0-b940-702fdd1a721d" providerId="ADAL" clId="{08F0C1F7-0D3F-AD47-8214-16B984571863}" dt="2025-06-30T07:55:01.485" v="34" actId="2696"/>
-        <pc:sldMkLst>
-          <pc:docMk/>
-          <pc:sldMk cId="237779500" sldId="2147483552"/>
-        </pc:sldMkLst>
-      </pc:sldChg>
-      <pc:sldChg chg="del">
-        <pc:chgData name="Alexane BAUDRON" userId="c4e72a19-1b71-4ae0-b940-702fdd1a721d" providerId="ADAL" clId="{08F0C1F7-0D3F-AD47-8214-16B984571863}" dt="2025-06-30T07:55:01.481" v="33" actId="2696"/>
-        <pc:sldMkLst>
-          <pc:docMk/>
-          <pc:sldMk cId="2159616718" sldId="2147483554"/>
-        </pc:sldMkLst>
-      </pc:sldChg>
-      <pc:sldChg chg="del">
-        <pc:chgData name="Alexane BAUDRON" userId="c4e72a19-1b71-4ae0-b940-702fdd1a721d" providerId="ADAL" clId="{08F0C1F7-0D3F-AD47-8214-16B984571863}" dt="2025-06-30T07:55:01.497" v="39" actId="2696"/>
-        <pc:sldMkLst>
-          <pc:docMk/>
-          <pc:sldMk cId="2971429069" sldId="2147483555"/>
-        </pc:sldMkLst>
-      </pc:sldChg>
-      <pc:sldChg chg="del">
-        <pc:chgData name="Alexane BAUDRON" userId="c4e72a19-1b71-4ae0-b940-702fdd1a721d" providerId="ADAL" clId="{08F0C1F7-0D3F-AD47-8214-16B984571863}" dt="2025-06-30T07:54:57.391" v="29" actId="2696"/>
-        <pc:sldMkLst>
-          <pc:docMk/>
-          <pc:sldMk cId="3792680044" sldId="2147483556"/>
-        </pc:sldMkLst>
-      </pc:sldChg>
-      <pc:sldChg chg="del">
-        <pc:chgData name="Alexane BAUDRON" userId="c4e72a19-1b71-4ae0-b940-702fdd1a721d" providerId="ADAL" clId="{08F0C1F7-0D3F-AD47-8214-16B984571863}" dt="2025-06-30T07:54:51.723" v="17" actId="2696"/>
-        <pc:sldMkLst>
-          <pc:docMk/>
-          <pc:sldMk cId="1289184987" sldId="2147483562"/>
-        </pc:sldMkLst>
-      </pc:sldChg>
-      <pc:sldChg chg="del">
-        <pc:chgData name="Alexane BAUDRON" userId="c4e72a19-1b71-4ae0-b940-702fdd1a721d" providerId="ADAL" clId="{08F0C1F7-0D3F-AD47-8214-16B984571863}" dt="2025-06-30T07:54:51.766" v="20" actId="2696"/>
-        <pc:sldMkLst>
-          <pc:docMk/>
-          <pc:sldMk cId="1404434608" sldId="2147483563"/>
-        </pc:sldMkLst>
-      </pc:sldChg>
-      <pc:sldChg chg="del">
-        <pc:chgData name="Alexane BAUDRON" userId="c4e72a19-1b71-4ae0-b940-702fdd1a721d" providerId="ADAL" clId="{08F0C1F7-0D3F-AD47-8214-16B984571863}" dt="2025-06-30T07:54:51.774" v="21" actId="2696"/>
-        <pc:sldMkLst>
-          <pc:docMk/>
-          <pc:sldMk cId="2755047218" sldId="2147483564"/>
-        </pc:sldMkLst>
-      </pc:sldChg>
-      <pc:sldChg chg="del">
-        <pc:chgData name="Alexane BAUDRON" userId="c4e72a19-1b71-4ae0-b940-702fdd1a721d" providerId="ADAL" clId="{08F0C1F7-0D3F-AD47-8214-16B984571863}" dt="2025-06-30T07:54:51.730" v="18" actId="2696"/>
-        <pc:sldMkLst>
-          <pc:docMk/>
-          <pc:sldMk cId="2235345609" sldId="2147483565"/>
-        </pc:sldMkLst>
-      </pc:sldChg>
-      <pc:sldChg chg="del">
-        <pc:chgData name="Alexane BAUDRON" userId="c4e72a19-1b71-4ae0-b940-702fdd1a721d" providerId="ADAL" clId="{08F0C1F7-0D3F-AD47-8214-16B984571863}" dt="2025-06-30T07:54:51.761" v="19" actId="2696"/>
-        <pc:sldMkLst>
-          <pc:docMk/>
-          <pc:sldMk cId="256682989" sldId="2147483566"/>
-        </pc:sldMkLst>
-      </pc:sldChg>
-      <pc:sldChg chg="del">
-        <pc:chgData name="Alexane BAUDRON" userId="c4e72a19-1b71-4ae0-b940-702fdd1a721d" providerId="ADAL" clId="{08F0C1F7-0D3F-AD47-8214-16B984571863}" dt="2025-06-30T07:54:51.717" v="16" actId="2696"/>
-        <pc:sldMkLst>
-          <pc:docMk/>
-          <pc:sldMk cId="3463449161" sldId="2147483567"/>
-        </pc:sldMkLst>
-      </pc:sldChg>
-      <pc:sldChg chg="del">
-        <pc:chgData name="Alexane BAUDRON" userId="c4e72a19-1b71-4ae0-b940-702fdd1a721d" providerId="ADAL" clId="{08F0C1F7-0D3F-AD47-8214-16B984571863}" dt="2025-06-30T07:54:49.176" v="11" actId="2696"/>
-        <pc:sldMkLst>
-          <pc:docMk/>
-          <pc:sldMk cId="534803942" sldId="2147483570"/>
-        </pc:sldMkLst>
-      </pc:sldChg>
-      <pc:sldChg chg="del">
-        <pc:chgData name="Alexane BAUDRON" userId="c4e72a19-1b71-4ae0-b940-702fdd1a721d" providerId="ADAL" clId="{08F0C1F7-0D3F-AD47-8214-16B984571863}" dt="2025-06-30T07:54:54.983" v="22" actId="2696"/>
-        <pc:sldMkLst>
-          <pc:docMk/>
-          <pc:sldMk cId="1851883643" sldId="2147483572"/>
-        </pc:sldMkLst>
-      </pc:sldChg>
-      <pc:sldChg chg="del">
-        <pc:chgData name="Alexane BAUDRON" userId="c4e72a19-1b71-4ae0-b940-702fdd1a721d" providerId="ADAL" clId="{08F0C1F7-0D3F-AD47-8214-16B984571863}" dt="2025-06-30T07:54:55.003" v="28" actId="2696"/>
-        <pc:sldMkLst>
-          <pc:docMk/>
-          <pc:sldMk cId="3904257479" sldId="2147483573"/>
-        </pc:sldMkLst>
-      </pc:sldChg>
-      <pc:sldChg chg="del">
-        <pc:chgData name="Alexane BAUDRON" userId="c4e72a19-1b71-4ae0-b940-702fdd1a721d" providerId="ADAL" clId="{08F0C1F7-0D3F-AD47-8214-16B984571863}" dt="2025-06-30T07:54:54.991" v="25" actId="2696"/>
-        <pc:sldMkLst>
-          <pc:docMk/>
-          <pc:sldMk cId="1584404665" sldId="2147483574"/>
-        </pc:sldMkLst>
-      </pc:sldChg>
-      <pc:sldChg chg="del">
-        <pc:chgData name="Alexane BAUDRON" userId="c4e72a19-1b71-4ae0-b940-702fdd1a721d" providerId="ADAL" clId="{08F0C1F7-0D3F-AD47-8214-16B984571863}" dt="2025-06-30T07:54:54.989" v="24" actId="2696"/>
-        <pc:sldMkLst>
-          <pc:docMk/>
-          <pc:sldMk cId="3593561478" sldId="2147483575"/>
-        </pc:sldMkLst>
-      </pc:sldChg>
-      <pc:sldChg chg="del">
-        <pc:chgData name="Alexane BAUDRON" userId="c4e72a19-1b71-4ae0-b940-702fdd1a721d" providerId="ADAL" clId="{08F0C1F7-0D3F-AD47-8214-16B984571863}" dt="2025-06-30T07:54:54.987" v="23" actId="2696"/>
-        <pc:sldMkLst>
-          <pc:docMk/>
-          <pc:sldMk cId="3395933212" sldId="2147483576"/>
-        </pc:sldMkLst>
-      </pc:sldChg>
-      <pc:sldChg chg="del">
-        <pc:chgData name="Alexane BAUDRON" userId="c4e72a19-1b71-4ae0-b940-702fdd1a721d" providerId="ADAL" clId="{08F0C1F7-0D3F-AD47-8214-16B984571863}" dt="2025-06-30T07:54:54.995" v="27" actId="2696"/>
-        <pc:sldMkLst>
-          <pc:docMk/>
-          <pc:sldMk cId="4045004320" sldId="2147483577"/>
-        </pc:sldMkLst>
-      </pc:sldChg>
-      <pc:sldChg chg="del">
-        <pc:chgData name="Alexane BAUDRON" userId="c4e72a19-1b71-4ae0-b940-702fdd1a721d" providerId="ADAL" clId="{08F0C1F7-0D3F-AD47-8214-16B984571863}" dt="2025-06-30T07:54:45.544" v="5" actId="2696"/>
-        <pc:sldMkLst>
-          <pc:docMk/>
-          <pc:sldMk cId="1703776386" sldId="2147483579"/>
-        </pc:sldMkLst>
-      </pc:sldChg>
-      <pc:sldChg chg="del">
-        <pc:chgData name="Alexane BAUDRON" userId="c4e72a19-1b71-4ae0-b940-702fdd1a721d" providerId="ADAL" clId="{08F0C1F7-0D3F-AD47-8214-16B984571863}" dt="2025-06-30T07:54:45.542" v="4" actId="2696"/>
-        <pc:sldMkLst>
-          <pc:docMk/>
-          <pc:sldMk cId="992121836" sldId="2147483580"/>
-        </pc:sldMkLst>
-      </pc:sldChg>
-      <pc:sldMasterChg chg="del">
-        <pc:chgData name="Alexane BAUDRON" userId="c4e72a19-1b71-4ae0-b940-702fdd1a721d" providerId="ADAL" clId="{08F0C1F7-0D3F-AD47-8214-16B984571863}" dt="2025-06-30T07:54:49.275" v="15" actId="2696"/>
-        <pc:sldMasterMkLst>
-          <pc:docMk/>
-          <pc:sldMasterMk cId="1825019530" sldId="2147483683"/>
-        </pc:sldMasterMkLst>
-      </pc:sldMasterChg>
-    </pc:docChg>
-  </pc:docChgLst>
-  <pc:docChgLst>
-    <pc:chgData name="Evgenia ALLARD" userId="9bb97281-2b39-487c-8a77-b016b3e829ec" providerId="ADAL" clId="{28D5A143-6BD1-4FF3-B40C-0461113B5D4F}"/>
-    <pc:docChg chg="sldOrd">
-      <pc:chgData name="Evgenia ALLARD" userId="9bb97281-2b39-487c-8a77-b016b3e829ec" providerId="ADAL" clId="{28D5A143-6BD1-4FF3-B40C-0461113B5D4F}" dt="2025-03-31T14:12:10.012" v="0" actId="20578"/>
-      <pc:docMkLst>
-        <pc:docMk/>
-      </pc:docMkLst>
-      <pc:sldChg chg="ord">
-        <pc:chgData name="Evgenia ALLARD" userId="9bb97281-2b39-487c-8a77-b016b3e829ec" providerId="ADAL" clId="{28D5A143-6BD1-4FF3-B40C-0461113B5D4F}" dt="2025-03-31T14:12:10.012" v="0" actId="20578"/>
-        <pc:sldMkLst>
-          <pc:docMk/>
-          <pc:sldMk cId="4251313692" sldId="2147483528"/>
-        </pc:sldMkLst>
-      </pc:sldChg>
-    </pc:docChg>
-  </pc:docChgLst>
-  <pc:docChgLst>
-    <pc:chgData name="Matthieu BRIEND" userId="S::mbriend@lemonway.com::f43b7032-540d-4661-9645-e17125bf3d76" providerId="AD" clId="Web-{EEF5B358-098F-D7F4-DDA6-18B13C2BB593}"/>
+    <pc:chgData name="Pierre GAUVRY" userId="S::pgauvry@lemonway.com::83edf39d-5bbc-4918-af09-c2287799a21e" providerId="AD" clId="Web-{043BB0B3-314B-63D4-7B3F-13D2E81873A1}"/>
     <pc:docChg chg="modSld">
-      <pc:chgData name="Matthieu BRIEND" userId="S::mbriend@lemonway.com::f43b7032-540d-4661-9645-e17125bf3d76" providerId="AD" clId="Web-{EEF5B358-098F-D7F4-DDA6-18B13C2BB593}" dt="2025-01-22T17:41:08.148" v="142" actId="20577"/>
+      <pc:chgData name="Pierre GAUVRY" userId="S::pgauvry@lemonway.com::83edf39d-5bbc-4918-af09-c2287799a21e" providerId="AD" clId="Web-{043BB0B3-314B-63D4-7B3F-13D2E81873A1}" dt="2025-01-27T21:35:59.470" v="76" actId="20577"/>
       <pc:docMkLst>
         <pc:docMk/>
       </pc:docMkLst>
       <pc:sldChg chg="modSp">
-        <pc:chgData name="Matthieu BRIEND" userId="S::mbriend@lemonway.com::f43b7032-540d-4661-9645-e17125bf3d76" providerId="AD" clId="Web-{EEF5B358-098F-D7F4-DDA6-18B13C2BB593}" dt="2025-01-22T17:41:08.148" v="142" actId="20577"/>
-        <pc:sldMkLst>
-          <pc:docMk/>
-          <pc:sldMk cId="3613313698" sldId="2147483536"/>
+        <pc:chgData name="Pierre GAUVRY" userId="S::pgauvry@lemonway.com::83edf39d-5bbc-4918-af09-c2287799a21e" providerId="AD" clId="Web-{043BB0B3-314B-63D4-7B3F-13D2E81873A1}" dt="2025-01-27T21:08:58.700" v="65" actId="20577"/>
+        <pc:sldMkLst>
+          <pc:docMk/>
+          <pc:sldMk cId="244232859" sldId="2147483541"/>
         </pc:sldMkLst>
       </pc:sldChg>
       <pc:sldChg chg="modSp">
-        <pc:chgData name="Matthieu BRIEND" userId="S::mbriend@lemonway.com::f43b7032-540d-4661-9645-e17125bf3d76" providerId="AD" clId="Web-{EEF5B358-098F-D7F4-DDA6-18B13C2BB593}" dt="2025-01-22T17:36:57.857" v="89" actId="20577"/>
-        <pc:sldMkLst>
-          <pc:docMk/>
-          <pc:sldMk cId="3330874013" sldId="2147483537"/>
-        </pc:sldMkLst>
-      </pc:sldChg>
-      <pc:sldChg chg="addSp modSp">
-        <pc:chgData name="Matthieu BRIEND" userId="S::mbriend@lemonway.com::f43b7032-540d-4661-9645-e17125bf3d76" providerId="AD" clId="Web-{EEF5B358-098F-D7F4-DDA6-18B13C2BB593}" dt="2025-01-22T17:35:37.464" v="84" actId="1076"/>
-        <pc:sldMkLst>
-          <pc:docMk/>
-          <pc:sldMk cId="2996027476" sldId="2147483538"/>
-        </pc:sldMkLst>
-      </pc:sldChg>
-    </pc:docChg>
-  </pc:docChgLst>
-  <pc:docChgLst>
-    <pc:chgData name="Martin-Pierre GAULTIER" userId="S::mpgaultier@lemonway.com::0415e4a0-177e-4c12-b0e5-1f7bc3cae49f" providerId="AD" clId="Web-{9BE88384-19AE-F508-027C-2BB94268892E}"/>
-    <pc:docChg chg="addSld delSld modSld">
-      <pc:chgData name="Martin-Pierre GAULTIER" userId="S::mpgaultier@lemonway.com::0415e4a0-177e-4c12-b0e5-1f7bc3cae49f" providerId="AD" clId="Web-{9BE88384-19AE-F508-027C-2BB94268892E}" dt="2025-01-21T12:04:22.151" v="597" actId="20577"/>
-      <pc:docMkLst>
-        <pc:docMk/>
-      </pc:docMkLst>
-      <pc:sldChg chg="modSp add del">
-        <pc:chgData name="Martin-Pierre GAULTIER" userId="S::mpgaultier@lemonway.com::0415e4a0-177e-4c12-b0e5-1f7bc3cae49f" providerId="AD" clId="Web-{9BE88384-19AE-F508-027C-2BB94268892E}" dt="2025-01-21T11:44:34.789" v="86" actId="20577"/>
-        <pc:sldMkLst>
-          <pc:docMk/>
-          <pc:sldMk cId="3207649941" sldId="2147483525"/>
-        </pc:sldMkLst>
-      </pc:sldChg>
-      <pc:sldChg chg="addSp modSp add del">
-        <pc:chgData name="Martin-Pierre GAULTIER" userId="S::mpgaultier@lemonway.com::0415e4a0-177e-4c12-b0e5-1f7bc3cae49f" providerId="AD" clId="Web-{9BE88384-19AE-F508-027C-2BB94268892E}" dt="2025-01-21T11:46:04.228" v="90" actId="1076"/>
-        <pc:sldMkLst>
-          <pc:docMk/>
-          <pc:sldMk cId="2246678326" sldId="2147483526"/>
-        </pc:sldMkLst>
-      </pc:sldChg>
-      <pc:sldChg chg="del">
-        <pc:chgData name="Martin-Pierre GAULTIER" userId="S::mpgaultier@lemonway.com::0415e4a0-177e-4c12-b0e5-1f7bc3cae49f" providerId="AD" clId="Web-{9BE88384-19AE-F508-027C-2BB94268892E}" dt="2025-01-21T11:23:53.640" v="5"/>
-        <pc:sldMkLst>
-          <pc:docMk/>
-          <pc:sldMk cId="1040598806" sldId="2147483527"/>
-        </pc:sldMkLst>
-      </pc:sldChg>
-      <pc:sldChg chg="add del">
-        <pc:chgData name="Martin-Pierre GAULTIER" userId="S::mpgaultier@lemonway.com::0415e4a0-177e-4c12-b0e5-1f7bc3cae49f" providerId="AD" clId="Web-{9BE88384-19AE-F508-027C-2BB94268892E}" dt="2025-01-21T11:24:00.515" v="8"/>
-        <pc:sldMkLst>
-          <pc:docMk/>
-          <pc:sldMk cId="4251313692" sldId="2147483528"/>
-        </pc:sldMkLst>
-      </pc:sldChg>
-      <pc:sldChg chg="add del">
-        <pc:chgData name="Martin-Pierre GAULTIER" userId="S::mpgaultier@lemonway.com::0415e4a0-177e-4c12-b0e5-1f7bc3cae49f" providerId="AD" clId="Web-{9BE88384-19AE-F508-027C-2BB94268892E}" dt="2025-01-21T11:24:00.530" v="9"/>
-        <pc:sldMkLst>
-          <pc:docMk/>
-          <pc:sldMk cId="1326845705" sldId="2147483529"/>
-        </pc:sldMkLst>
-      </pc:sldChg>
-      <pc:sldChg chg="addSp modSp add">
-        <pc:chgData name="Martin-Pierre GAULTIER" userId="S::mpgaultier@lemonway.com::0415e4a0-177e-4c12-b0e5-1f7bc3cae49f" providerId="AD" clId="Web-{9BE88384-19AE-F508-027C-2BB94268892E}" dt="2025-01-21T12:04:22.151" v="597" actId="20577"/>
-        <pc:sldMkLst>
-          <pc:docMk/>
-          <pc:sldMk cId="1824639407" sldId="2147483530"/>
-        </pc:sldMkLst>
-      </pc:sldChg>
-      <pc:sldChg chg="modSp add replId">
-        <pc:chgData name="Martin-Pierre GAULTIER" userId="S::mpgaultier@lemonway.com::0415e4a0-177e-4c12-b0e5-1f7bc3cae49f" providerId="AD" clId="Web-{9BE88384-19AE-F508-027C-2BB94268892E}" dt="2025-01-21T12:03:28.244" v="531" actId="20577"/>
-        <pc:sldMkLst>
-          <pc:docMk/>
-          <pc:sldMk cId="1584612849" sldId="2147483531"/>
-        </pc:sldMkLst>
-      </pc:sldChg>
-    </pc:docChg>
-  </pc:docChgLst>
-  <pc:docChgLst>
-    <pc:chgData name="Martin-Pierre GAULTIER" userId="S::mpgaultier@lemonway.com::0415e4a0-177e-4c12-b0e5-1f7bc3cae49f" providerId="AD" clId="Web-{2A2BA2AE-3932-975C-722C-A9BEC8235ADD}"/>
-    <pc:docChg chg="addSld delSld modSld">
-      <pc:chgData name="Martin-Pierre GAULTIER" userId="S::mpgaultier@lemonway.com::0415e4a0-177e-4c12-b0e5-1f7bc3cae49f" providerId="AD" clId="Web-{2A2BA2AE-3932-975C-722C-A9BEC8235ADD}" dt="2025-01-17T16:44:05.273" v="238" actId="1076"/>
-      <pc:docMkLst>
-        <pc:docMk/>
-      </pc:docMkLst>
-      <pc:sldChg chg="modSp">
-        <pc:chgData name="Martin-Pierre GAULTIER" userId="S::mpgaultier@lemonway.com::0415e4a0-177e-4c12-b0e5-1f7bc3cae49f" providerId="AD" clId="Web-{2A2BA2AE-3932-975C-722C-A9BEC8235ADD}" dt="2025-01-17T16:44:05.273" v="238" actId="1076"/>
-        <pc:sldMkLst>
-          <pc:docMk/>
-          <pc:sldMk cId="470428834" sldId="2147483492"/>
-        </pc:sldMkLst>
-      </pc:sldChg>
-      <pc:sldChg chg="addSp delSp modSp add mod replId modShow">
-        <pc:chgData name="Martin-Pierre GAULTIER" userId="S::mpgaultier@lemonway.com::0415e4a0-177e-4c12-b0e5-1f7bc3cae49f" providerId="AD" clId="Web-{2A2BA2AE-3932-975C-722C-A9BEC8235ADD}" dt="2025-01-17T14:16:30.754" v="214"/>
-        <pc:sldMkLst>
-          <pc:docMk/>
-          <pc:sldMk cId="1260531968" sldId="2147483524"/>
-        </pc:sldMkLst>
-      </pc:sldChg>
-      <pc:sldChg chg="add del replId">
-        <pc:chgData name="Martin-Pierre GAULTIER" userId="S::mpgaultier@lemonway.com::0415e4a0-177e-4c12-b0e5-1f7bc3cae49f" providerId="AD" clId="Web-{2A2BA2AE-3932-975C-722C-A9BEC8235ADD}" dt="2025-01-17T14:12:22.980" v="63"/>
-        <pc:sldMkLst>
-          <pc:docMk/>
-          <pc:sldMk cId="509090982" sldId="2147483525"/>
-        </pc:sldMkLst>
-      </pc:sldChg>
-      <pc:sldChg chg="add del replId">
-        <pc:chgData name="Martin-Pierre GAULTIER" userId="S::mpgaultier@lemonway.com::0415e4a0-177e-4c12-b0e5-1f7bc3cae49f" providerId="AD" clId="Web-{2A2BA2AE-3932-975C-722C-A9BEC8235ADD}" dt="2025-01-17T14:12:28.230" v="65"/>
-        <pc:sldMkLst>
-          <pc:docMk/>
-          <pc:sldMk cId="2126411302" sldId="2147483525"/>
-        </pc:sldMkLst>
-      </pc:sldChg>
-      <pc:sldChg chg="delSp modSp add replId modNotes">
-        <pc:chgData name="Martin-Pierre GAULTIER" userId="S::mpgaultier@lemonway.com::0415e4a0-177e-4c12-b0e5-1f7bc3cae49f" providerId="AD" clId="Web-{2A2BA2AE-3932-975C-722C-A9BEC8235ADD}" dt="2025-01-17T14:20:35.965" v="216"/>
-        <pc:sldMkLst>
-          <pc:docMk/>
-          <pc:sldMk cId="3207649941" sldId="2147483525"/>
-        </pc:sldMkLst>
-      </pc:sldChg>
-      <pc:sldChg chg="delSp modSp add replId">
-        <pc:chgData name="Martin-Pierre GAULTIER" userId="S::mpgaultier@lemonway.com::0415e4a0-177e-4c12-b0e5-1f7bc3cae49f" providerId="AD" clId="Web-{2A2BA2AE-3932-975C-722C-A9BEC8235ADD}" dt="2025-01-17T14:14:06.108" v="130"/>
-        <pc:sldMkLst>
-          <pc:docMk/>
-          <pc:sldMk cId="2246678326" sldId="2147483526"/>
-        </pc:sldMkLst>
-      </pc:sldChg>
-      <pc:sldChg chg="delSp modSp add replId">
-        <pc:chgData name="Martin-Pierre GAULTIER" userId="S::mpgaultier@lemonway.com::0415e4a0-177e-4c12-b0e5-1f7bc3cae49f" providerId="AD" clId="Web-{2A2BA2AE-3932-975C-722C-A9BEC8235ADD}" dt="2025-01-17T14:14:03.046" v="129"/>
-        <pc:sldMkLst>
-          <pc:docMk/>
-          <pc:sldMk cId="1040598806" sldId="2147483527"/>
-        </pc:sldMkLst>
-      </pc:sldChg>
-      <pc:sldChg chg="modSp add replId">
-        <pc:chgData name="Martin-Pierre GAULTIER" userId="S::mpgaultier@lemonway.com::0415e4a0-177e-4c12-b0e5-1f7bc3cae49f" providerId="AD" clId="Web-{2A2BA2AE-3932-975C-722C-A9BEC8235ADD}" dt="2025-01-17T14:21:17.576" v="236" actId="20577"/>
-        <pc:sldMkLst>
-          <pc:docMk/>
-          <pc:sldMk cId="4251313692" sldId="2147483528"/>
-        </pc:sldMkLst>
-      </pc:sldChg>
-    </pc:docChg>
-  </pc:docChgLst>
-  <pc:docChgLst>
-    <pc:chgData name="Martin-Pierre GAULTIER" userId="S::mpgaultier@lemonway.com::0415e4a0-177e-4c12-b0e5-1f7bc3cae49f" providerId="AD" clId="Web-{A81C5468-6079-3FC8-ECA1-04359424BAF0}"/>
-    <pc:docChg chg="addSld modSld sldOrd">
-      <pc:chgData name="Martin-Pierre GAULTIER" userId="S::mpgaultier@lemonway.com::0415e4a0-177e-4c12-b0e5-1f7bc3cae49f" providerId="AD" clId="Web-{A81C5468-6079-3FC8-ECA1-04359424BAF0}" dt="2025-01-20T11:27:53.943" v="179"/>
-      <pc:docMkLst>
-        <pc:docMk/>
-      </pc:docMkLst>
-      <pc:sldChg chg="addSp delSp modSp">
-        <pc:chgData name="Martin-Pierre GAULTIER" userId="S::mpgaultier@lemonway.com::0415e4a0-177e-4c12-b0e5-1f7bc3cae49f" providerId="AD" clId="Web-{A81C5468-6079-3FC8-ECA1-04359424BAF0}" dt="2025-01-20T10:52:17.212" v="23" actId="1076"/>
-        <pc:sldMkLst>
-          <pc:docMk/>
-          <pc:sldMk cId="1260531968" sldId="2147483524"/>
-        </pc:sldMkLst>
-      </pc:sldChg>
-      <pc:sldChg chg="addSp delSp modSp">
-        <pc:chgData name="Martin-Pierre GAULTIER" userId="S::mpgaultier@lemonway.com::0415e4a0-177e-4c12-b0e5-1f7bc3cae49f" providerId="AD" clId="Web-{A81C5468-6079-3FC8-ECA1-04359424BAF0}" dt="2025-01-20T11:06:40.989" v="84" actId="20577"/>
-        <pc:sldMkLst>
-          <pc:docMk/>
-          <pc:sldMk cId="3207649941" sldId="2147483525"/>
-        </pc:sldMkLst>
-      </pc:sldChg>
-      <pc:sldChg chg="addSp delSp modSp">
-        <pc:chgData name="Martin-Pierre GAULTIER" userId="S::mpgaultier@lemonway.com::0415e4a0-177e-4c12-b0e5-1f7bc3cae49f" providerId="AD" clId="Web-{A81C5468-6079-3FC8-ECA1-04359424BAF0}" dt="2025-01-20T11:12:55.150" v="162" actId="20577"/>
-        <pc:sldMkLst>
-          <pc:docMk/>
-          <pc:sldMk cId="2246678326" sldId="2147483526"/>
-        </pc:sldMkLst>
-      </pc:sldChg>
-      <pc:sldChg chg="addSp modSp">
-        <pc:chgData name="Martin-Pierre GAULTIER" userId="S::mpgaultier@lemonway.com::0415e4a0-177e-4c12-b0e5-1f7bc3cae49f" providerId="AD" clId="Web-{A81C5468-6079-3FC8-ECA1-04359424BAF0}" dt="2025-01-20T11:27:53.943" v="179"/>
-        <pc:sldMkLst>
-          <pc:docMk/>
-          <pc:sldMk cId="4251313692" sldId="2147483528"/>
-        </pc:sldMkLst>
-      </pc:sldChg>
-      <pc:sldChg chg="addSp modSp add ord replId">
-        <pc:chgData name="Martin-Pierre GAULTIER" userId="S::mpgaultier@lemonway.com::0415e4a0-177e-4c12-b0e5-1f7bc3cae49f" providerId="AD" clId="Web-{A81C5468-6079-3FC8-ECA1-04359424BAF0}" dt="2025-01-20T11:20:07.780" v="178"/>
-        <pc:sldMkLst>
-          <pc:docMk/>
-          <pc:sldMk cId="1326845705" sldId="2147483529"/>
-        </pc:sldMkLst>
-      </pc:sldChg>
-    </pc:docChg>
-  </pc:docChgLst>
-  <pc:docChgLst>
-    <pc:chgData name="Martin-Pierre GAULTIER" userId="S::mpgaultier@lemonway.com::0415e4a0-177e-4c12-b0e5-1f7bc3cae49f" providerId="AD" clId="Web-{D1A6D2F5-8EFB-5496-D2B7-47C150E8D88B}"/>
-    <pc:docChg chg="modSld">
-      <pc:chgData name="Martin-Pierre GAULTIER" userId="S::mpgaultier@lemonway.com::0415e4a0-177e-4c12-b0e5-1f7bc3cae49f" providerId="AD" clId="Web-{D1A6D2F5-8EFB-5496-D2B7-47C150E8D88B}" dt="2025-01-24T10:46:39.187" v="2" actId="20577"/>
-      <pc:docMkLst>
-        <pc:docMk/>
-      </pc:docMkLst>
-      <pc:sldChg chg="modSp">
-        <pc:chgData name="Martin-Pierre GAULTIER" userId="S::mpgaultier@lemonway.com::0415e4a0-177e-4c12-b0e5-1f7bc3cae49f" providerId="AD" clId="Web-{D1A6D2F5-8EFB-5496-D2B7-47C150E8D88B}" dt="2025-01-24T10:46:39.187" v="2" actId="20577"/>
-        <pc:sldMkLst>
-          <pc:docMk/>
-          <pc:sldMk cId="1260531968" sldId="2147483524"/>
-        </pc:sldMkLst>
-      </pc:sldChg>
-    </pc:docChg>
-  </pc:docChgLst>
-  <pc:docChgLst>
-    <pc:chgData name="Matthieu BRIEND" userId="S::mbriend@lemonway.com::f43b7032-540d-4661-9645-e17125bf3d76" providerId="AD" clId="Web-{3A68BF28-9D63-1709-307F-9A042DD1F4DA}"/>
-    <pc:docChg chg="addSld delSld modSld sldOrd">
-      <pc:chgData name="Matthieu BRIEND" userId="S::mbriend@lemonway.com::f43b7032-540d-4661-9645-e17125bf3d76" providerId="AD" clId="Web-{3A68BF28-9D63-1709-307F-9A042DD1F4DA}" dt="2025-01-25T15:19:30.976" v="2447" actId="1076"/>
-      <pc:docMkLst>
-        <pc:docMk/>
-      </pc:docMkLst>
-      <pc:sldChg chg="addSp delSp modSp">
-        <pc:chgData name="Matthieu BRIEND" userId="S::mbriend@lemonway.com::f43b7032-540d-4661-9645-e17125bf3d76" providerId="AD" clId="Web-{3A68BF28-9D63-1709-307F-9A042DD1F4DA}" dt="2025-01-25T10:02:41.461" v="265"/>
-        <pc:sldMkLst>
-          <pc:docMk/>
-          <pc:sldMk cId="1605751462" sldId="529"/>
-        </pc:sldMkLst>
-      </pc:sldChg>
-      <pc:sldChg chg="addSp delSp modSp del ord">
-        <pc:chgData name="Matthieu BRIEND" userId="S::mbriend@lemonway.com::f43b7032-540d-4661-9645-e17125bf3d76" providerId="AD" clId="Web-{3A68BF28-9D63-1709-307F-9A042DD1F4DA}" dt="2025-01-25T14:25:48.901" v="2179"/>
-        <pc:sldMkLst>
-          <pc:docMk/>
-          <pc:sldMk cId="2478739768" sldId="2147483534"/>
-        </pc:sldMkLst>
-      </pc:sldChg>
-      <pc:sldChg chg="addSp delSp modSp">
-        <pc:chgData name="Matthieu BRIEND" userId="S::mbriend@lemonway.com::f43b7032-540d-4661-9645-e17125bf3d76" providerId="AD" clId="Web-{3A68BF28-9D63-1709-307F-9A042DD1F4DA}" dt="2025-01-25T15:04:58.708" v="2407" actId="20577"/>
-        <pc:sldMkLst>
-          <pc:docMk/>
-          <pc:sldMk cId="3613313698" sldId="2147483536"/>
-        </pc:sldMkLst>
-      </pc:sldChg>
-      <pc:sldChg chg="modSp">
-        <pc:chgData name="Matthieu BRIEND" userId="S::mbriend@lemonway.com::f43b7032-540d-4661-9645-e17125bf3d76" providerId="AD" clId="Web-{3A68BF28-9D63-1709-307F-9A042DD1F4DA}" dt="2025-01-25T13:33:05.565" v="1825" actId="20577"/>
-        <pc:sldMkLst>
-          <pc:docMk/>
-          <pc:sldMk cId="3330874013" sldId="2147483537"/>
-        </pc:sldMkLst>
-      </pc:sldChg>
-      <pc:sldChg chg="addSp delSp modSp del">
-        <pc:chgData name="Matthieu BRIEND" userId="S::mbriend@lemonway.com::f43b7032-540d-4661-9645-e17125bf3d76" providerId="AD" clId="Web-{3A68BF28-9D63-1709-307F-9A042DD1F4DA}" dt="2025-01-25T11:49:51.561" v="997"/>
-        <pc:sldMkLst>
-          <pc:docMk/>
-          <pc:sldMk cId="2996027476" sldId="2147483538"/>
-        </pc:sldMkLst>
-      </pc:sldChg>
-      <pc:sldChg chg="addSp delSp modSp add del replId">
-        <pc:chgData name="Matthieu BRIEND" userId="S::mbriend@lemonway.com::f43b7032-540d-4661-9645-e17125bf3d76" providerId="AD" clId="Web-{3A68BF28-9D63-1709-307F-9A042DD1F4DA}" dt="2025-01-25T12:48:00.362" v="1157"/>
-        <pc:sldMkLst>
-          <pc:docMk/>
-          <pc:sldMk cId="536582585" sldId="2147483544"/>
-        </pc:sldMkLst>
-      </pc:sldChg>
-      <pc:sldChg chg="addSp delSp modSp add replId">
-        <pc:chgData name="Matthieu BRIEND" userId="S::mbriend@lemonway.com::f43b7032-540d-4661-9645-e17125bf3d76" providerId="AD" clId="Web-{3A68BF28-9D63-1709-307F-9A042DD1F4DA}" dt="2025-01-25T15:19:30.976" v="2447" actId="1076"/>
-        <pc:sldMkLst>
-          <pc:docMk/>
-          <pc:sldMk cId="538564091" sldId="2147483545"/>
-        </pc:sldMkLst>
-      </pc:sldChg>
-      <pc:sldChg chg="addSp delSp modSp add replId">
-        <pc:chgData name="Matthieu BRIEND" userId="S::mbriend@lemonway.com::f43b7032-540d-4661-9645-e17125bf3d76" providerId="AD" clId="Web-{3A68BF28-9D63-1709-307F-9A042DD1F4DA}" dt="2025-01-25T15:18:14.722" v="2435"/>
-        <pc:sldMkLst>
-          <pc:docMk/>
-          <pc:sldMk cId="323720210" sldId="2147483546"/>
-        </pc:sldMkLst>
-      </pc:sldChg>
-      <pc:sldChg chg="addSp delSp modSp add replId">
-        <pc:chgData name="Matthieu BRIEND" userId="S::mbriend@lemonway.com::f43b7032-540d-4661-9645-e17125bf3d76" providerId="AD" clId="Web-{3A68BF28-9D63-1709-307F-9A042DD1F4DA}" dt="2025-01-25T15:17:52.392" v="2433" actId="1076"/>
-        <pc:sldMkLst>
-          <pc:docMk/>
-          <pc:sldMk cId="819472479" sldId="2147483547"/>
-        </pc:sldMkLst>
-      </pc:sldChg>
-      <pc:sldChg chg="modSp add del ord replId">
-        <pc:chgData name="Matthieu BRIEND" userId="S::mbriend@lemonway.com::f43b7032-540d-4661-9645-e17125bf3d76" providerId="AD" clId="Web-{3A68BF28-9D63-1709-307F-9A042DD1F4DA}" dt="2025-01-25T12:52:10.315" v="1176"/>
-        <pc:sldMkLst>
-          <pc:docMk/>
-          <pc:sldMk cId="894704204" sldId="2147483548"/>
-        </pc:sldMkLst>
-      </pc:sldChg>
-      <pc:sldChg chg="addSp delSp modSp add replId">
-        <pc:chgData name="Matthieu BRIEND" userId="S::mbriend@lemonway.com::f43b7032-540d-4661-9645-e17125bf3d76" providerId="AD" clId="Web-{3A68BF28-9D63-1709-307F-9A042DD1F4DA}" dt="2025-01-25T15:00:54.365" v="2386"/>
-        <pc:sldMkLst>
-          <pc:docMk/>
-          <pc:sldMk cId="3713441185" sldId="2147483549"/>
-        </pc:sldMkLst>
-      </pc:sldChg>
-      <pc:sldChg chg="addSp delSp modSp add replId">
-        <pc:chgData name="Matthieu BRIEND" userId="S::mbriend@lemonway.com::f43b7032-540d-4661-9645-e17125bf3d76" providerId="AD" clId="Web-{3A68BF28-9D63-1709-307F-9A042DD1F4DA}" dt="2025-01-25T15:19:02.881" v="2443" actId="1076"/>
-        <pc:sldMkLst>
-          <pc:docMk/>
-          <pc:sldMk cId="3514001501" sldId="2147483550"/>
-        </pc:sldMkLst>
-      </pc:sldChg>
-      <pc:sldChg chg="modSp add replId">
-        <pc:chgData name="Matthieu BRIEND" userId="S::mbriend@lemonway.com::f43b7032-540d-4661-9645-e17125bf3d76" providerId="AD" clId="Web-{3A68BF28-9D63-1709-307F-9A042DD1F4DA}" dt="2025-01-25T12:52:03.455" v="1175" actId="20577"/>
-        <pc:sldMkLst>
-          <pc:docMk/>
-          <pc:sldMk cId="3947401979" sldId="2147483551"/>
-        </pc:sldMkLst>
-      </pc:sldChg>
-      <pc:sldChg chg="modSp add replId">
-        <pc:chgData name="Matthieu BRIEND" userId="S::mbriend@lemonway.com::f43b7032-540d-4661-9645-e17125bf3d76" providerId="AD" clId="Web-{3A68BF28-9D63-1709-307F-9A042DD1F4DA}" dt="2025-01-25T14:04:13.040" v="1981" actId="20577"/>
-        <pc:sldMkLst>
-          <pc:docMk/>
-          <pc:sldMk cId="237779500" sldId="2147483552"/>
-        </pc:sldMkLst>
-      </pc:sldChg>
-      <pc:sldChg chg="addSp delSp modSp add replId">
-        <pc:chgData name="Matthieu BRIEND" userId="S::mbriend@lemonway.com::f43b7032-540d-4661-9645-e17125bf3d76" providerId="AD" clId="Web-{3A68BF28-9D63-1709-307F-9A042DD1F4DA}" dt="2025-01-25T13:29:27.708" v="1768" actId="20577"/>
-        <pc:sldMkLst>
-          <pc:docMk/>
-          <pc:sldMk cId="3834754012" sldId="2147483553"/>
-        </pc:sldMkLst>
-      </pc:sldChg>
-      <pc:sldChg chg="addSp delSp modSp add replId">
-        <pc:chgData name="Matthieu BRIEND" userId="S::mbriend@lemonway.com::f43b7032-540d-4661-9645-e17125bf3d76" providerId="AD" clId="Web-{3A68BF28-9D63-1709-307F-9A042DD1F4DA}" dt="2025-01-25T14:59:43.361" v="2385" actId="1076"/>
-        <pc:sldMkLst>
-          <pc:docMk/>
-          <pc:sldMk cId="2159616718" sldId="2147483554"/>
-        </pc:sldMkLst>
-      </pc:sldChg>
-      <pc:sldChg chg="modSp add del replId">
-        <pc:chgData name="Matthieu BRIEND" userId="S::mbriend@lemonway.com::f43b7032-540d-4661-9645-e17125bf3d76" providerId="AD" clId="Web-{3A68BF28-9D63-1709-307F-9A042DD1F4DA}" dt="2025-01-25T13:59:39.285" v="1918"/>
-        <pc:sldMkLst>
-          <pc:docMk/>
-          <pc:sldMk cId="4043880489" sldId="2147483554"/>
-        </pc:sldMkLst>
-      </pc:sldChg>
-    </pc:docChg>
-  </pc:docChgLst>
-  <pc:docChgLst>
-    <pc:chgData name="Ambre SONOR" userId="S::asonor@lemonway.com::020792ae-fc4a-47d7-9e18-119d3ce04a29" providerId="AD" clId="Web-{0439425D-BD67-172D-A5EA-E1218579A8CF}"/>
-    <pc:docChg chg="modSld">
-      <pc:chgData name="Ambre SONOR" userId="S::asonor@lemonway.com::020792ae-fc4a-47d7-9e18-119d3ce04a29" providerId="AD" clId="Web-{0439425D-BD67-172D-A5EA-E1218579A8CF}" dt="2025-01-23T14:00:36.062" v="9" actId="1076"/>
-      <pc:docMkLst>
-        <pc:docMk/>
-      </pc:docMkLst>
-      <pc:sldChg chg="modSp">
-        <pc:chgData name="Ambre SONOR" userId="S::asonor@lemonway.com::020792ae-fc4a-47d7-9e18-119d3ce04a29" providerId="AD" clId="Web-{0439425D-BD67-172D-A5EA-E1218579A8CF}" dt="2025-01-23T14:00:36.062" v="9" actId="1076"/>
-        <pc:sldMkLst>
-          <pc:docMk/>
-          <pc:sldMk cId="520368926" sldId="2147483482"/>
-        </pc:sldMkLst>
-      </pc:sldChg>
-    </pc:docChg>
-  </pc:docChgLst>
-  <pc:docChgLst>
-    <pc:chgData name="Martin-Pierre GAULTIER" userId="S::mpgaultier@lemonway.com::0415e4a0-177e-4c12-b0e5-1f7bc3cae49f" providerId="AD" clId="Web-{81F0FA31-1023-C8BC-B591-3193617A7462}"/>
-    <pc:docChg chg="addSld modSld">
-      <pc:chgData name="Martin-Pierre GAULTIER" userId="S::mpgaultier@lemonway.com::0415e4a0-177e-4c12-b0e5-1f7bc3cae49f" providerId="AD" clId="Web-{81F0FA31-1023-C8BC-B591-3193617A7462}" dt="2025-01-24T10:41:33.029" v="289" actId="20577"/>
-      <pc:docMkLst>
-        <pc:docMk/>
-      </pc:docMkLst>
-      <pc:sldChg chg="addSp modSp">
-        <pc:chgData name="Martin-Pierre GAULTIER" userId="S::mpgaultier@lemonway.com::0415e4a0-177e-4c12-b0e5-1f7bc3cae49f" providerId="AD" clId="Web-{81F0FA31-1023-C8BC-B591-3193617A7462}" dt="2025-01-24T10:41:33.029" v="289" actId="20577"/>
-        <pc:sldMkLst>
-          <pc:docMk/>
-          <pc:sldMk cId="1260531968" sldId="2147483524"/>
-        </pc:sldMkLst>
-      </pc:sldChg>
-      <pc:sldChg chg="delSp modSp add replId">
-        <pc:chgData name="Martin-Pierre GAULTIER" userId="S::mpgaultier@lemonway.com::0415e4a0-177e-4c12-b0e5-1f7bc3cae49f" providerId="AD" clId="Web-{81F0FA31-1023-C8BC-B591-3193617A7462}" dt="2025-01-24T09:41:49.808" v="61" actId="20577"/>
-        <pc:sldMkLst>
-          <pc:docMk/>
-          <pc:sldMk cId="1186544563" sldId="2147483539"/>
-        </pc:sldMkLst>
-      </pc:sldChg>
-      <pc:sldChg chg="modSp add replId">
-        <pc:chgData name="Martin-Pierre GAULTIER" userId="S::mpgaultier@lemonway.com::0415e4a0-177e-4c12-b0e5-1f7bc3cae49f" providerId="AD" clId="Web-{81F0FA31-1023-C8BC-B591-3193617A7462}" dt="2025-01-24T10:04:07.846" v="228" actId="20577"/>
-        <pc:sldMkLst>
-          <pc:docMk/>
-          <pc:sldMk cId="4133866324" sldId="2147483540"/>
-        </pc:sldMkLst>
-      </pc:sldChg>
-    </pc:docChg>
-  </pc:docChgLst>
-  <pc:docChgLst>
-    <pc:chgData name="Matthieu BRIEND" userId="S::mbriend@lemonway.com::f43b7032-540d-4661-9645-e17125bf3d76" providerId="AD" clId="Web-{F930BDFE-BCF0-0160-1E04-9F852A197BC3}"/>
-    <pc:docChg chg="modSld">
-      <pc:chgData name="Matthieu BRIEND" userId="S::mbriend@lemonway.com::f43b7032-540d-4661-9645-e17125bf3d76" providerId="AD" clId="Web-{F930BDFE-BCF0-0160-1E04-9F852A197BC3}" dt="2025-01-27T14:11:15.531" v="1" actId="1076"/>
-      <pc:docMkLst>
-        <pc:docMk/>
-      </pc:docMkLst>
-      <pc:sldChg chg="modSp">
-        <pc:chgData name="Matthieu BRIEND" userId="S::mbriend@lemonway.com::f43b7032-540d-4661-9645-e17125bf3d76" providerId="AD" clId="Web-{F930BDFE-BCF0-0160-1E04-9F852A197BC3}" dt="2025-01-27T14:11:15.531" v="1" actId="1076"/>
-        <pc:sldMkLst>
-          <pc:docMk/>
-          <pc:sldMk cId="1096040518" sldId="2147483487"/>
-        </pc:sldMkLst>
-      </pc:sldChg>
-    </pc:docChg>
-  </pc:docChgLst>
-  <pc:docChgLst>
-    <pc:chgData name="Alexane BAUDRON" userId="c4e72a19-1b71-4ae0-b940-702fdd1a721d" providerId="ADAL" clId="{D4F44FF1-7F2C-FA40-AF24-8A4D60D10BFE}"/>
-    <pc:docChg chg="undo custSel addSld delSld modSld">
-      <pc:chgData name="Alexane BAUDRON" userId="c4e72a19-1b71-4ae0-b940-702fdd1a721d" providerId="ADAL" clId="{D4F44FF1-7F2C-FA40-AF24-8A4D60D10BFE}" dt="2025-02-19T14:16:44.961" v="3362" actId="1076"/>
-      <pc:docMkLst>
-        <pc:docMk/>
-      </pc:docMkLst>
-      <pc:sldChg chg="modSp mod">
-        <pc:chgData name="Alexane BAUDRON" userId="c4e72a19-1b71-4ae0-b940-702fdd1a721d" providerId="ADAL" clId="{D4F44FF1-7F2C-FA40-AF24-8A4D60D10BFE}" dt="2025-01-27T15:37:35.932" v="3183"/>
-        <pc:sldMkLst>
-          <pc:docMk/>
-          <pc:sldMk cId="1292861028" sldId="2147483484"/>
-        </pc:sldMkLst>
-      </pc:sldChg>
-      <pc:sldChg chg="addSp delSp modSp mod">
-        <pc:chgData name="Alexane BAUDRON" userId="c4e72a19-1b71-4ae0-b940-702fdd1a721d" providerId="ADAL" clId="{D4F44FF1-7F2C-FA40-AF24-8A4D60D10BFE}" dt="2025-01-15T16:43:11.970" v="171" actId="18131"/>
-        <pc:sldMkLst>
-          <pc:docMk/>
-          <pc:sldMk cId="581994450" sldId="2147483485"/>
-        </pc:sldMkLst>
-      </pc:sldChg>
-      <pc:sldChg chg="addSp delSp modSp mod">
-        <pc:chgData name="Alexane BAUDRON" userId="c4e72a19-1b71-4ae0-b940-702fdd1a721d" providerId="ADAL" clId="{D4F44FF1-7F2C-FA40-AF24-8A4D60D10BFE}" dt="2025-01-24T10:22:15.848" v="396" actId="1035"/>
-        <pc:sldMkLst>
-          <pc:docMk/>
-          <pc:sldMk cId="3904141368" sldId="2147483486"/>
-        </pc:sldMkLst>
-      </pc:sldChg>
-      <pc:sldChg chg="addSp delSp modSp mod">
-        <pc:chgData name="Alexane BAUDRON" userId="c4e72a19-1b71-4ae0-b940-702fdd1a721d" providerId="ADAL" clId="{D4F44FF1-7F2C-FA40-AF24-8A4D60D10BFE}" dt="2025-01-27T14:27:44.630" v="1797" actId="14826"/>
-        <pc:sldMkLst>
-          <pc:docMk/>
-          <pc:sldMk cId="1096040518" sldId="2147483487"/>
-        </pc:sldMkLst>
-      </pc:sldChg>
-      <pc:sldChg chg="addSp delSp modSp mod">
-        <pc:chgData name="Alexane BAUDRON" userId="c4e72a19-1b71-4ae0-b940-702fdd1a721d" providerId="ADAL" clId="{D4F44FF1-7F2C-FA40-AF24-8A4D60D10BFE}" dt="2025-01-22T16:45:47.365" v="247" actId="1076"/>
-        <pc:sldMkLst>
-          <pc:docMk/>
-          <pc:sldMk cId="2736715337" sldId="2147483489"/>
-        </pc:sldMkLst>
-      </pc:sldChg>
-      <pc:sldChg chg="addSp delSp modSp mod">
-        <pc:chgData name="Alexane BAUDRON" userId="c4e72a19-1b71-4ae0-b940-702fdd1a721d" providerId="ADAL" clId="{D4F44FF1-7F2C-FA40-AF24-8A4D60D10BFE}" dt="2025-01-22T16:52:02.680" v="349" actId="478"/>
-        <pc:sldMkLst>
-          <pc:docMk/>
-          <pc:sldMk cId="2391188043" sldId="2147483490"/>
-        </pc:sldMkLst>
-      </pc:sldChg>
-      <pc:sldChg chg="addSp delSp modSp mod delAnim modAnim">
-        <pc:chgData name="Alexane BAUDRON" userId="c4e72a19-1b71-4ae0-b940-702fdd1a721d" providerId="ADAL" clId="{D4F44FF1-7F2C-FA40-AF24-8A4D60D10BFE}" dt="2025-02-19T14:16:44.961" v="3362" actId="1076"/>
-        <pc:sldMkLst>
-          <pc:docMk/>
-          <pc:sldMk cId="470428834" sldId="2147483492"/>
-        </pc:sldMkLst>
-      </pc:sldChg>
-      <pc:sldChg chg="del">
-        <pc:chgData name="Alexane BAUDRON" userId="c4e72a19-1b71-4ae0-b940-702fdd1a721d" providerId="ADAL" clId="{D4F44FF1-7F2C-FA40-AF24-8A4D60D10BFE}" dt="2025-01-15T16:36:41.925" v="41" actId="2696"/>
-        <pc:sldMkLst>
-          <pc:docMk/>
-          <pc:sldMk cId="1278056561" sldId="2147483493"/>
-        </pc:sldMkLst>
-      </pc:sldChg>
-      <pc:sldChg chg="delSp modSp mod delAnim">
-        <pc:chgData name="Alexane BAUDRON" userId="c4e72a19-1b71-4ae0-b940-702fdd1a721d" providerId="ADAL" clId="{D4F44FF1-7F2C-FA40-AF24-8A4D60D10BFE}" dt="2025-01-27T14:18:14.732" v="1707" actId="14100"/>
-        <pc:sldMkLst>
-          <pc:docMk/>
-          <pc:sldMk cId="1425089493" sldId="2147483520"/>
-        </pc:sldMkLst>
-      </pc:sldChg>
-      <pc:sldChg chg="addSp delSp modSp mod">
-        <pc:chgData name="Alexane BAUDRON" userId="c4e72a19-1b71-4ae0-b940-702fdd1a721d" providerId="ADAL" clId="{D4F44FF1-7F2C-FA40-AF24-8A4D60D10BFE}" dt="2025-01-27T09:06:06.784" v="416" actId="14826"/>
-        <pc:sldMkLst>
-          <pc:docMk/>
-          <pc:sldMk cId="696696546" sldId="2147483521"/>
-        </pc:sldMkLst>
-      </pc:sldChg>
-      <pc:sldChg chg="modSp mod">
-        <pc:chgData name="Alexane BAUDRON" userId="c4e72a19-1b71-4ae0-b940-702fdd1a721d" providerId="ADAL" clId="{D4F44FF1-7F2C-FA40-AF24-8A4D60D10BFE}" dt="2025-01-27T15:12:05.070" v="2520" actId="1035"/>
-        <pc:sldMkLst>
-          <pc:docMk/>
-          <pc:sldMk cId="2312050107" sldId="2147483522"/>
-        </pc:sldMkLst>
-      </pc:sldChg>
-      <pc:sldChg chg="modSp mod">
-        <pc:chgData name="Alexane BAUDRON" userId="c4e72a19-1b71-4ae0-b940-702fdd1a721d" providerId="ADAL" clId="{D4F44FF1-7F2C-FA40-AF24-8A4D60D10BFE}" dt="2025-01-27T15:12:11.672" v="2527" actId="1035"/>
-        <pc:sldMkLst>
-          <pc:docMk/>
-          <pc:sldMk cId="2474122460" sldId="2147483523"/>
-        </pc:sldMkLst>
-      </pc:sldChg>
-      <pc:sldChg chg="addSp delSp modSp mod modAnim">
-        <pc:chgData name="Alexane BAUDRON" userId="c4e72a19-1b71-4ae0-b940-702fdd1a721d" providerId="ADAL" clId="{D4F44FF1-7F2C-FA40-AF24-8A4D60D10BFE}" dt="2025-01-27T13:39:33.069" v="1420" actId="14100"/>
-        <pc:sldMkLst>
-          <pc:docMk/>
-          <pc:sldMk cId="1260531968" sldId="2147483524"/>
-        </pc:sldMkLst>
-      </pc:sldChg>
-      <pc:sldChg chg="modSp mod">
-        <pc:chgData name="Alexane BAUDRON" userId="c4e72a19-1b71-4ae0-b940-702fdd1a721d" providerId="ADAL" clId="{D4F44FF1-7F2C-FA40-AF24-8A4D60D10BFE}" dt="2025-01-27T14:12:27.921" v="1447" actId="20577"/>
-        <pc:sldMkLst>
-          <pc:docMk/>
-          <pc:sldMk cId="3207649941" sldId="2147483525"/>
-        </pc:sldMkLst>
-      </pc:sldChg>
-      <pc:sldChg chg="modSp mod">
-        <pc:chgData name="Alexane BAUDRON" userId="c4e72a19-1b71-4ae0-b940-702fdd1a721d" providerId="ADAL" clId="{D4F44FF1-7F2C-FA40-AF24-8A4D60D10BFE}" dt="2025-01-27T15:34:14.920" v="3123" actId="14861"/>
-        <pc:sldMkLst>
-          <pc:docMk/>
-          <pc:sldMk cId="2246678326" sldId="2147483526"/>
-        </pc:sldMkLst>
-      </pc:sldChg>
-      <pc:sldChg chg="addSp delSp modSp mod">
-        <pc:chgData name="Alexane BAUDRON" userId="c4e72a19-1b71-4ae0-b940-702fdd1a721d" providerId="ADAL" clId="{D4F44FF1-7F2C-FA40-AF24-8A4D60D10BFE}" dt="2025-01-27T15:35:43.618" v="3176" actId="1036"/>
-        <pc:sldMkLst>
-          <pc:docMk/>
-          <pc:sldMk cId="4251313692" sldId="2147483528"/>
-        </pc:sldMkLst>
-      </pc:sldChg>
-      <pc:sldChg chg="modSp mod">
-        <pc:chgData name="Alexane BAUDRON" userId="c4e72a19-1b71-4ae0-b940-702fdd1a721d" providerId="ADAL" clId="{D4F44FF1-7F2C-FA40-AF24-8A4D60D10BFE}" dt="2025-01-27T14:12:43.534" v="1448" actId="2711"/>
-        <pc:sldMkLst>
-          <pc:docMk/>
-          <pc:sldMk cId="1326845705" sldId="2147483529"/>
-        </pc:sldMkLst>
-      </pc:sldChg>
-      <pc:sldChg chg="addSp delSp modSp mod modNotesTx">
-        <pc:chgData name="Alexane BAUDRON" userId="c4e72a19-1b71-4ae0-b940-702fdd1a721d" providerId="ADAL" clId="{D4F44FF1-7F2C-FA40-AF24-8A4D60D10BFE}" dt="2025-01-27T14:16:22.240" v="1692" actId="1076"/>
-        <pc:sldMkLst>
-          <pc:docMk/>
-          <pc:sldMk cId="1824639407" sldId="2147483530"/>
-        </pc:sldMkLst>
-      </pc:sldChg>
-      <pc:sldChg chg="addSp modSp mod">
-        <pc:chgData name="Alexane BAUDRON" userId="c4e72a19-1b71-4ae0-b940-702fdd1a721d" providerId="ADAL" clId="{D4F44FF1-7F2C-FA40-AF24-8A4D60D10BFE}" dt="2025-01-27T11:20:43.140" v="1210" actId="1035"/>
-        <pc:sldMkLst>
-          <pc:docMk/>
-          <pc:sldMk cId="1584612849" sldId="2147483531"/>
-        </pc:sldMkLst>
-      </pc:sldChg>
-      <pc:sldChg chg="modSp mod">
-        <pc:chgData name="Alexane BAUDRON" userId="c4e72a19-1b71-4ae0-b940-702fdd1a721d" providerId="ADAL" clId="{D4F44FF1-7F2C-FA40-AF24-8A4D60D10BFE}" dt="2025-01-27T15:09:51.995" v="2470" actId="1076"/>
-        <pc:sldMkLst>
-          <pc:docMk/>
-          <pc:sldMk cId="1176860781" sldId="2147483532"/>
-        </pc:sldMkLst>
-      </pc:sldChg>
-      <pc:sldChg chg="addSp delSp modSp mod delAnim modAnim">
-        <pc:chgData name="Alexane BAUDRON" userId="c4e72a19-1b71-4ae0-b940-702fdd1a721d" providerId="ADAL" clId="{D4F44FF1-7F2C-FA40-AF24-8A4D60D10BFE}" dt="2025-01-27T15:32:13.475" v="2842" actId="207"/>
-        <pc:sldMkLst>
-          <pc:docMk/>
-          <pc:sldMk cId="4213513957" sldId="2147483533"/>
-        </pc:sldMkLst>
-      </pc:sldChg>
-      <pc:sldChg chg="delSp modSp mod">
-        <pc:chgData name="Alexane BAUDRON" userId="c4e72a19-1b71-4ae0-b940-702fdd1a721d" providerId="ADAL" clId="{D4F44FF1-7F2C-FA40-AF24-8A4D60D10BFE}" dt="2025-01-27T15:14:07.476" v="2537" actId="20577"/>
-        <pc:sldMkLst>
-          <pc:docMk/>
-          <pc:sldMk cId="3330874013" sldId="2147483537"/>
-        </pc:sldMkLst>
-      </pc:sldChg>
-      <pc:sldChg chg="addSp delSp modSp mod modAnim">
-        <pc:chgData name="Alexane BAUDRON" userId="c4e72a19-1b71-4ae0-b940-702fdd1a721d" providerId="ADAL" clId="{D4F44FF1-7F2C-FA40-AF24-8A4D60D10BFE}" dt="2025-01-27T13:32:20.091" v="1415"/>
-        <pc:sldMkLst>
-          <pc:docMk/>
-          <pc:sldMk cId="1186544563" sldId="2147483539"/>
-        </pc:sldMkLst>
-      </pc:sldChg>
-      <pc:sldChg chg="addSp delSp modSp add del mod delAnim modAnim">
-        <pc:chgData name="Alexane BAUDRON" userId="c4e72a19-1b71-4ae0-b940-702fdd1a721d" providerId="ADAL" clId="{D4F44FF1-7F2C-FA40-AF24-8A4D60D10BFE}" dt="2025-01-22T16:43:15.157" v="223" actId="2696"/>
-        <pc:sldMkLst>
-          <pc:docMk/>
-          <pc:sldMk cId="3314548321" sldId="2147483539"/>
-        </pc:sldMkLst>
-      </pc:sldChg>
-      <pc:sldChg chg="modSp mod">
-        <pc:chgData name="Alexane BAUDRON" userId="c4e72a19-1b71-4ae0-b940-702fdd1a721d" providerId="ADAL" clId="{D4F44FF1-7F2C-FA40-AF24-8A4D60D10BFE}" dt="2025-01-27T15:27:23.431" v="2809"/>
-        <pc:sldMkLst>
-          <pc:docMk/>
-          <pc:sldMk cId="4133866324" sldId="2147483540"/>
-        </pc:sldMkLst>
-      </pc:sldChg>
-      <pc:sldChg chg="modSp mod">
-        <pc:chgData name="Alexane BAUDRON" userId="c4e72a19-1b71-4ae0-b940-702fdd1a721d" providerId="ADAL" clId="{D4F44FF1-7F2C-FA40-AF24-8A4D60D10BFE}" dt="2025-01-27T14:48:29.245" v="2122"/>
-        <pc:sldMkLst>
-          <pc:docMk/>
-          <pc:sldMk cId="244232859" sldId="2147483541"/>
-        </pc:sldMkLst>
-      </pc:sldChg>
-      <pc:sldChg chg="modSp mod">
-        <pc:chgData name="Alexane BAUDRON" userId="c4e72a19-1b71-4ae0-b940-702fdd1a721d" providerId="ADAL" clId="{D4F44FF1-7F2C-FA40-AF24-8A4D60D10BFE}" dt="2025-01-27T15:30:00.171" v="2835" actId="1076"/>
+        <pc:chgData name="Pierre GAUVRY" userId="S::pgauvry@lemonway.com::83edf39d-5bbc-4918-af09-c2287799a21e" providerId="AD" clId="Web-{043BB0B3-314B-63D4-7B3F-13D2E81873A1}" dt="2025-01-27T21:35:59.470" v="76" actId="20577"/>
         <pc:sldMkLst>
           <pc:docMk/>
           <pc:sldMk cId="12490850" sldId="2147483542"/>
-        </pc:sldMkLst>
-      </pc:sldChg>
-      <pc:sldChg chg="addSp delSp modSp mod setBg">
-        <pc:chgData name="Alexane BAUDRON" userId="c4e72a19-1b71-4ae0-b940-702fdd1a721d" providerId="ADAL" clId="{D4F44FF1-7F2C-FA40-AF24-8A4D60D10BFE}" dt="2025-01-27T15:12:46.286" v="2531"/>
-        <pc:sldMkLst>
-          <pc:docMk/>
-          <pc:sldMk cId="3141618727" sldId="2147483543"/>
-        </pc:sldMkLst>
-      </pc:sldChg>
-      <pc:sldChg chg="modSp mod">
-        <pc:chgData name="Alexane BAUDRON" userId="c4e72a19-1b71-4ae0-b940-702fdd1a721d" providerId="ADAL" clId="{D4F44FF1-7F2C-FA40-AF24-8A4D60D10BFE}" dt="2025-01-27T15:25:17.351" v="2785" actId="1038"/>
-        <pc:sldMkLst>
-          <pc:docMk/>
-          <pc:sldMk cId="3452786207" sldId="2147483544"/>
-        </pc:sldMkLst>
-      </pc:sldChg>
-      <pc:sldChg chg="addSp delSp modSp mod">
-        <pc:chgData name="Alexane BAUDRON" userId="c4e72a19-1b71-4ae0-b940-702fdd1a721d" providerId="ADAL" clId="{D4F44FF1-7F2C-FA40-AF24-8A4D60D10BFE}" dt="2025-01-27T15:00:16.493" v="2360"/>
-        <pc:sldMkLst>
-          <pc:docMk/>
-          <pc:sldMk cId="538564091" sldId="2147483545"/>
-        </pc:sldMkLst>
-      </pc:sldChg>
-      <pc:sldChg chg="addSp delSp modSp mod">
-        <pc:chgData name="Alexane BAUDRON" userId="c4e72a19-1b71-4ae0-b940-702fdd1a721d" providerId="ADAL" clId="{D4F44FF1-7F2C-FA40-AF24-8A4D60D10BFE}" dt="2025-01-27T15:05:47.042" v="2430" actId="1038"/>
-        <pc:sldMkLst>
-          <pc:docMk/>
-          <pc:sldMk cId="323720210" sldId="2147483546"/>
-        </pc:sldMkLst>
-      </pc:sldChg>
-      <pc:sldChg chg="addSp delSp modSp mod">
-        <pc:chgData name="Alexane BAUDRON" userId="c4e72a19-1b71-4ae0-b940-702fdd1a721d" providerId="ADAL" clId="{D4F44FF1-7F2C-FA40-AF24-8A4D60D10BFE}" dt="2025-01-27T15:06:36.214" v="2440" actId="1076"/>
-        <pc:sldMkLst>
-          <pc:docMk/>
-          <pc:sldMk cId="819472479" sldId="2147483547"/>
-        </pc:sldMkLst>
-      </pc:sldChg>
-      <pc:sldChg chg="modSp mod">
-        <pc:chgData name="Alexane BAUDRON" userId="c4e72a19-1b71-4ae0-b940-702fdd1a721d" providerId="ADAL" clId="{D4F44FF1-7F2C-FA40-AF24-8A4D60D10BFE}" dt="2025-01-27T15:13:04.322" v="2533" actId="207"/>
-        <pc:sldMkLst>
-          <pc:docMk/>
-          <pc:sldMk cId="3713441185" sldId="2147483549"/>
-        </pc:sldMkLst>
-      </pc:sldChg>
-      <pc:sldChg chg="modSp mod">
-        <pc:chgData name="Alexane BAUDRON" userId="c4e72a19-1b71-4ae0-b940-702fdd1a721d" providerId="ADAL" clId="{D4F44FF1-7F2C-FA40-AF24-8A4D60D10BFE}" dt="2025-01-27T14:55:35.228" v="2246" actId="14861"/>
-        <pc:sldMkLst>
-          <pc:docMk/>
-          <pc:sldMk cId="3514001501" sldId="2147483550"/>
-        </pc:sldMkLst>
-      </pc:sldChg>
-      <pc:sldChg chg="modSp mod">
-        <pc:chgData name="Alexane BAUDRON" userId="c4e72a19-1b71-4ae0-b940-702fdd1a721d" providerId="ADAL" clId="{D4F44FF1-7F2C-FA40-AF24-8A4D60D10BFE}" dt="2025-01-27T17:02:53.551" v="3360" actId="1035"/>
-        <pc:sldMkLst>
-          <pc:docMk/>
-          <pc:sldMk cId="3947401979" sldId="2147483551"/>
-        </pc:sldMkLst>
-      </pc:sldChg>
-      <pc:sldChg chg="modSp mod">
-        <pc:chgData name="Alexane BAUDRON" userId="c4e72a19-1b71-4ae0-b940-702fdd1a721d" providerId="ADAL" clId="{D4F44FF1-7F2C-FA40-AF24-8A4D60D10BFE}" dt="2025-01-27T15:04:45.622" v="2418" actId="1036"/>
-        <pc:sldMkLst>
-          <pc:docMk/>
-          <pc:sldMk cId="237779500" sldId="2147483552"/>
-        </pc:sldMkLst>
-      </pc:sldChg>
-      <pc:sldChg chg="modSp mod">
-        <pc:chgData name="Alexane BAUDRON" userId="c4e72a19-1b71-4ae0-b940-702fdd1a721d" providerId="ADAL" clId="{D4F44FF1-7F2C-FA40-AF24-8A4D60D10BFE}" dt="2025-01-27T14:51:47.045" v="2210" actId="1035"/>
-        <pc:sldMkLst>
-          <pc:docMk/>
-          <pc:sldMk cId="2159616718" sldId="2147483554"/>
-        </pc:sldMkLst>
-      </pc:sldChg>
-      <pc:sldChg chg="modSp">
-        <pc:chgData name="Alexane BAUDRON" userId="c4e72a19-1b71-4ae0-b940-702fdd1a721d" providerId="ADAL" clId="{D4F44FF1-7F2C-FA40-AF24-8A4D60D10BFE}" dt="2025-01-27T15:01:02.263" v="2369"/>
-        <pc:sldMkLst>
-          <pc:docMk/>
-          <pc:sldMk cId="2971429069" sldId="2147483555"/>
-        </pc:sldMkLst>
-      </pc:sldChg>
-      <pc:sldChg chg="modSp mod">
-        <pc:chgData name="Alexane BAUDRON" userId="c4e72a19-1b71-4ae0-b940-702fdd1a721d" providerId="ADAL" clId="{D4F44FF1-7F2C-FA40-AF24-8A4D60D10BFE}" dt="2025-01-27T14:40:05.254" v="1988" actId="20577"/>
-        <pc:sldMkLst>
-          <pc:docMk/>
-          <pc:sldMk cId="3792680044" sldId="2147483556"/>
-        </pc:sldMkLst>
-      </pc:sldChg>
-      <pc:sldChg chg="modSp mod">
-        <pc:chgData name="Alexane BAUDRON" userId="c4e72a19-1b71-4ae0-b940-702fdd1a721d" providerId="ADAL" clId="{D4F44FF1-7F2C-FA40-AF24-8A4D60D10BFE}" dt="2025-01-27T14:36:35.351" v="1941" actId="1076"/>
-        <pc:sldMkLst>
-          <pc:docMk/>
-          <pc:sldMk cId="1289184987" sldId="2147483562"/>
-        </pc:sldMkLst>
-      </pc:sldChg>
-      <pc:sldChg chg="modSp mod">
-        <pc:chgData name="Alexane BAUDRON" userId="c4e72a19-1b71-4ae0-b940-702fdd1a721d" providerId="ADAL" clId="{D4F44FF1-7F2C-FA40-AF24-8A4D60D10BFE}" dt="2025-01-27T14:36:24.792" v="1939" actId="14100"/>
-        <pc:sldMkLst>
-          <pc:docMk/>
-          <pc:sldMk cId="1404434608" sldId="2147483563"/>
-        </pc:sldMkLst>
-      </pc:sldChg>
-      <pc:sldChg chg="modSp mod">
-        <pc:chgData name="Alexane BAUDRON" userId="c4e72a19-1b71-4ae0-b940-702fdd1a721d" providerId="ADAL" clId="{D4F44FF1-7F2C-FA40-AF24-8A4D60D10BFE}" dt="2025-01-27T14:32:24.333" v="1846" actId="208"/>
-        <pc:sldMkLst>
-          <pc:docMk/>
-          <pc:sldMk cId="2755047218" sldId="2147483564"/>
-        </pc:sldMkLst>
-      </pc:sldChg>
-      <pc:sldChg chg="modSp mod">
-        <pc:chgData name="Alexane BAUDRON" userId="c4e72a19-1b71-4ae0-b940-702fdd1a721d" providerId="ADAL" clId="{D4F44FF1-7F2C-FA40-AF24-8A4D60D10BFE}" dt="2025-01-27T14:29:46.378" v="1809" actId="1035"/>
-        <pc:sldMkLst>
-          <pc:docMk/>
-          <pc:sldMk cId="2235345609" sldId="2147483565"/>
-        </pc:sldMkLst>
-      </pc:sldChg>
-      <pc:sldChg chg="modSp mod setBg">
-        <pc:chgData name="Alexane BAUDRON" userId="c4e72a19-1b71-4ae0-b940-702fdd1a721d" providerId="ADAL" clId="{D4F44FF1-7F2C-FA40-AF24-8A4D60D10BFE}" dt="2025-01-27T15:30:48.101" v="2837"/>
-        <pc:sldMkLst>
-          <pc:docMk/>
-          <pc:sldMk cId="256682989" sldId="2147483566"/>
-        </pc:sldMkLst>
-      </pc:sldChg>
-      <pc:sldChg chg="modSp mod">
-        <pc:chgData name="Alexane BAUDRON" userId="c4e72a19-1b71-4ae0-b940-702fdd1a721d" providerId="ADAL" clId="{D4F44FF1-7F2C-FA40-AF24-8A4D60D10BFE}" dt="2025-01-27T13:40:30.828" v="1421" actId="1076"/>
-        <pc:sldMkLst>
-          <pc:docMk/>
-          <pc:sldMk cId="3463449161" sldId="2147483567"/>
-        </pc:sldMkLst>
-      </pc:sldChg>
-      <pc:sldChg chg="modSp mod">
-        <pc:chgData name="Alexane BAUDRON" userId="c4e72a19-1b71-4ae0-b940-702fdd1a721d" providerId="ADAL" clId="{D4F44FF1-7F2C-FA40-AF24-8A4D60D10BFE}" dt="2025-01-27T15:31:33.389" v="2840" actId="1076"/>
-        <pc:sldMkLst>
-          <pc:docMk/>
-          <pc:sldMk cId="534803942" sldId="2147483570"/>
-        </pc:sldMkLst>
-      </pc:sldChg>
-      <pc:sldChg chg="modSp mod">
-        <pc:chgData name="Alexane BAUDRON" userId="c4e72a19-1b71-4ae0-b940-702fdd1a721d" providerId="ADAL" clId="{D4F44FF1-7F2C-FA40-AF24-8A4D60D10BFE}" dt="2025-01-27T15:09:30.508" v="2469"/>
-        <pc:sldMkLst>
-          <pc:docMk/>
-          <pc:sldMk cId="1851883643" sldId="2147483572"/>
-        </pc:sldMkLst>
-      </pc:sldChg>
-      <pc:sldChg chg="modSp mod">
-        <pc:chgData name="Alexane BAUDRON" userId="c4e72a19-1b71-4ae0-b940-702fdd1a721d" providerId="ADAL" clId="{D4F44FF1-7F2C-FA40-AF24-8A4D60D10BFE}" dt="2025-01-27T15:26:32.733" v="2804" actId="207"/>
-        <pc:sldMkLst>
-          <pc:docMk/>
-          <pc:sldMk cId="3904257479" sldId="2147483573"/>
-        </pc:sldMkLst>
-      </pc:sldChg>
-      <pc:sldChg chg="modSp mod">
-        <pc:chgData name="Alexane BAUDRON" userId="c4e72a19-1b71-4ae0-b940-702fdd1a721d" providerId="ADAL" clId="{D4F44FF1-7F2C-FA40-AF24-8A4D60D10BFE}" dt="2025-01-27T15:26:27.003" v="2803" actId="207"/>
-        <pc:sldMkLst>
-          <pc:docMk/>
-          <pc:sldMk cId="1584404665" sldId="2147483574"/>
-        </pc:sldMkLst>
-      </pc:sldChg>
-      <pc:sldChg chg="modSp mod">
-        <pc:chgData name="Alexane BAUDRON" userId="c4e72a19-1b71-4ae0-b940-702fdd1a721d" providerId="ADAL" clId="{D4F44FF1-7F2C-FA40-AF24-8A4D60D10BFE}" dt="2025-01-27T15:26:09.348" v="2800" actId="207"/>
-        <pc:sldMkLst>
-          <pc:docMk/>
-          <pc:sldMk cId="3593561478" sldId="2147483575"/>
-        </pc:sldMkLst>
-      </pc:sldChg>
-      <pc:sldChg chg="modSp mod">
-        <pc:chgData name="Alexane BAUDRON" userId="c4e72a19-1b71-4ae0-b940-702fdd1a721d" providerId="ADAL" clId="{D4F44FF1-7F2C-FA40-AF24-8A4D60D10BFE}" dt="2025-01-27T15:26:14.963" v="2801" actId="207"/>
-        <pc:sldMkLst>
-          <pc:docMk/>
-          <pc:sldMk cId="3395933212" sldId="2147483576"/>
-        </pc:sldMkLst>
-      </pc:sldChg>
-      <pc:sldChg chg="modSp mod">
-        <pc:chgData name="Alexane BAUDRON" userId="c4e72a19-1b71-4ae0-b940-702fdd1a721d" providerId="ADAL" clId="{D4F44FF1-7F2C-FA40-AF24-8A4D60D10BFE}" dt="2025-01-27T15:26:19.392" v="2802" actId="207"/>
-        <pc:sldMkLst>
-          <pc:docMk/>
-          <pc:sldMk cId="4045004320" sldId="2147483577"/>
-        </pc:sldMkLst>
-      </pc:sldChg>
-      <pc:sldChg chg="delSp modSp add mod">
-        <pc:chgData name="Alexane BAUDRON" userId="c4e72a19-1b71-4ae0-b940-702fdd1a721d" providerId="ADAL" clId="{D4F44FF1-7F2C-FA40-AF24-8A4D60D10BFE}" dt="2025-01-27T09:11:46.599" v="478" actId="20577"/>
-        <pc:sldMkLst>
-          <pc:docMk/>
-          <pc:sldMk cId="4053336332" sldId="2147483578"/>
-        </pc:sldMkLst>
-      </pc:sldChg>
-      <pc:sldChg chg="addSp delSp modSp mod">
-        <pc:chgData name="Alexane BAUDRON" userId="c4e72a19-1b71-4ae0-b940-702fdd1a721d" providerId="ADAL" clId="{D4F44FF1-7F2C-FA40-AF24-8A4D60D10BFE}" dt="2025-01-27T16:29:45.485" v="3266" actId="404"/>
-        <pc:sldMkLst>
-          <pc:docMk/>
-          <pc:sldMk cId="1703776386" sldId="2147483579"/>
-        </pc:sldMkLst>
-      </pc:sldChg>
-      <pc:sldChg chg="add mod modShow">
-        <pc:chgData name="Alexane BAUDRON" userId="c4e72a19-1b71-4ae0-b940-702fdd1a721d" providerId="ADAL" clId="{D4F44FF1-7F2C-FA40-AF24-8A4D60D10BFE}" dt="2025-01-27T14:14:28.434" v="1459" actId="729"/>
-        <pc:sldMkLst>
-          <pc:docMk/>
-          <pc:sldMk cId="992121836" sldId="2147483580"/>
         </pc:sldMkLst>
       </pc:sldChg>
     </pc:docChg>
@@ -4169,406 +4165,6 @@
         <p:cNvPr id="1" name="Shape 9672">
           <a:extLst>
             <a:ext uri="{FF2B5EF4-FFF2-40B4-BE49-F238E27FC236}">
-              <a16:creationId xmlns:a16="http://schemas.microsoft.com/office/drawing/2014/main" id="{9F559F7F-AED9-E819-DE0F-5E49B6C792A8}"/>
-            </a:ext>
-          </a:extLst>
-        </p:cNvPr>
-        <p:cNvGrpSpPr/>
-        <p:nvPr/>
-      </p:nvGrpSpPr>
-      <p:grpSpPr>
-        <a:xfrm>
-          <a:off x="0" y="0"/>
-          <a:ext cx="0" cy="0"/>
-          <a:chOff x="0" y="0"/>
-          <a:chExt cx="0" cy="0"/>
-        </a:xfrm>
-      </p:grpSpPr>
-      <p:sp>
-        <p:nvSpPr>
-          <p:cNvPr id="9673" name="Google Shape;9673;g10923e46cd9_0_515:notes">
-            <a:extLst>
-              <a:ext uri="{FF2B5EF4-FFF2-40B4-BE49-F238E27FC236}">
-                <a16:creationId xmlns:a16="http://schemas.microsoft.com/office/drawing/2014/main" id="{0599AC9D-706C-B952-8ABF-88AD3DFBD9F0}"/>
-              </a:ext>
-            </a:extLst>
-          </p:cNvPr>
-          <p:cNvSpPr>
-            <a:spLocks noGrp="1" noRot="1" noChangeAspect="1"/>
-          </p:cNvSpPr>
-          <p:nvPr>
-            <p:ph type="sldImg" idx="2"/>
-          </p:nvPr>
-        </p:nvSpPr>
-        <p:spPr>
-          <a:xfrm>
-            <a:off x="685800" y="1143000"/>
-            <a:ext cx="5486400" cy="3086100"/>
-          </a:xfrm>
-          <a:custGeom>
-            <a:avLst/>
-            <a:gdLst/>
-            <a:ahLst/>
-            <a:cxnLst/>
-            <a:rect l="l" t="t" r="r" b="b"/>
-            <a:pathLst>
-              <a:path w="120000" h="120000" extrusionOk="0">
-                <a:moveTo>
-                  <a:pt x="0" y="0"/>
-                </a:moveTo>
-                <a:lnTo>
-                  <a:pt x="120000" y="0"/>
-                </a:lnTo>
-                <a:lnTo>
-                  <a:pt x="120000" y="120000"/>
-                </a:lnTo>
-                <a:lnTo>
-                  <a:pt x="0" y="120000"/>
-                </a:lnTo>
-                <a:close/>
-              </a:path>
-            </a:pathLst>
-          </a:custGeom>
-          <a:noFill/>
-          <a:ln w="12700" cap="flat" cmpd="sng">
-            <a:solidFill>
-              <a:srgbClr val="000000"/>
-            </a:solidFill>
-            <a:prstDash val="solid"/>
-            <a:round/>
-            <a:headEnd type="none" w="sm" len="sm"/>
-            <a:tailEnd type="none" w="sm" len="sm"/>
-          </a:ln>
-        </p:spPr>
-        <p:txBody>
-          <a:bodyPr/>
-          <a:lstStyle/>
-          <a:p>
-            <a:endParaRPr lang="fr-FR"/>
-          </a:p>
-        </p:txBody>
-      </p:sp>
-      <p:sp>
-        <p:nvSpPr>
-          <p:cNvPr id="9674" name="Google Shape;9674;g10923e46cd9_0_515:notes">
-            <a:extLst>
-              <a:ext uri="{FF2B5EF4-FFF2-40B4-BE49-F238E27FC236}">
-                <a16:creationId xmlns:a16="http://schemas.microsoft.com/office/drawing/2014/main" id="{292A813E-1829-0652-3161-D710E86DCB6E}"/>
-              </a:ext>
-            </a:extLst>
-          </p:cNvPr>
-          <p:cNvSpPr txBox="1">
-            <a:spLocks noGrp="1"/>
-          </p:cNvSpPr>
-          <p:nvPr>
-            <p:ph type="body" idx="1"/>
-          </p:nvPr>
-        </p:nvSpPr>
-        <p:spPr>
-          <a:xfrm>
-            <a:off x="685800" y="4400550"/>
-            <a:ext cx="5486400" cy="3600600"/>
-          </a:xfrm>
-          <a:prstGeom prst="rect">
-            <a:avLst/>
-          </a:prstGeom>
-          <a:noFill/>
-          <a:ln>
-            <a:noFill/>
-          </a:ln>
-        </p:spPr>
-        <p:txBody>
-          <a:bodyPr spcFirstLastPara="1" wrap="square" lIns="91425" tIns="45700" rIns="91425" bIns="45700" anchor="t" anchorCtr="0">
-            <a:noAutofit/>
-          </a:bodyPr>
-          <a:lstStyle/>
-          <a:p>
-            <a:pPr marL="0" lvl="0" indent="0" algn="l" rtl="0">
-              <a:spcBef>
-                <a:spcPts val="0"/>
-              </a:spcBef>
-              <a:spcAft>
-                <a:spcPts val="0"/>
-              </a:spcAft>
-              <a:buNone/>
-            </a:pPr>
-            <a:endParaRPr dirty="0"/>
-          </a:p>
-        </p:txBody>
-      </p:sp>
-      <p:sp>
-        <p:nvSpPr>
-          <p:cNvPr id="9675" name="Google Shape;9675;g10923e46cd9_0_515:notes">
-            <a:extLst>
-              <a:ext uri="{FF2B5EF4-FFF2-40B4-BE49-F238E27FC236}">
-                <a16:creationId xmlns:a16="http://schemas.microsoft.com/office/drawing/2014/main" id="{B1AD4128-58AC-3511-522E-44FDF8C06D70}"/>
-              </a:ext>
-            </a:extLst>
-          </p:cNvPr>
-          <p:cNvSpPr txBox="1">
-            <a:spLocks noGrp="1"/>
-          </p:cNvSpPr>
-          <p:nvPr>
-            <p:ph type="sldNum" idx="12"/>
-          </p:nvPr>
-        </p:nvSpPr>
-        <p:spPr>
-          <a:xfrm>
-            <a:off x="3884613" y="8685213"/>
-            <a:ext cx="2971800" cy="458700"/>
-          </a:xfrm>
-          <a:prstGeom prst="rect">
-            <a:avLst/>
-          </a:prstGeom>
-          <a:noFill/>
-          <a:ln>
-            <a:noFill/>
-          </a:ln>
-        </p:spPr>
-        <p:txBody>
-          <a:bodyPr spcFirstLastPara="1" wrap="square" lIns="91425" tIns="45700" rIns="91425" bIns="45700" anchor="b" anchorCtr="0">
-            <a:noAutofit/>
-          </a:bodyPr>
-          <a:lstStyle/>
-          <a:p>
-            <a:pPr marL="0" lvl="0" indent="0" algn="r" rtl="0">
-              <a:spcBef>
-                <a:spcPts val="0"/>
-              </a:spcBef>
-              <a:spcAft>
-                <a:spcPts val="0"/>
-              </a:spcAft>
-              <a:buNone/>
-            </a:pPr>
-            <a:fld id="{00000000-1234-1234-1234-123412341234}" type="slidenum">
-              <a:rPr lang="fr"/>
-              <a:t>11</a:t>
-            </a:fld>
-            <a:endParaRPr/>
-          </a:p>
-        </p:txBody>
-      </p:sp>
-    </p:spTree>
-    <p:extLst>
-      <p:ext uri="{BB962C8B-B14F-4D97-AF65-F5344CB8AC3E}">
-        <p14:creationId xmlns:p14="http://schemas.microsoft.com/office/powerpoint/2010/main" val="4138554897"/>
-      </p:ext>
-    </p:extLst>
-  </p:cSld>
-  <p:clrMapOvr>
-    <a:masterClrMapping/>
-  </p:clrMapOvr>
-</p:notes>
-</file>
-
-<file path=ppt/notesSlides/notesSlide11.xml><?xml version="1.0" encoding="utf-8"?>
-<p:notes xmlns:a="http://schemas.openxmlformats.org/drawingml/2006/main" xmlns:r="http://schemas.openxmlformats.org/officeDocument/2006/relationships" xmlns:p="http://schemas.openxmlformats.org/presentationml/2006/main" showMasterSp="0" showMasterPhAnim="0">
-  <p:cSld>
-    <p:spTree>
-      <p:nvGrpSpPr>
-        <p:cNvPr id="1" name="Shape 9672">
-          <a:extLst>
-            <a:ext uri="{FF2B5EF4-FFF2-40B4-BE49-F238E27FC236}">
-              <a16:creationId xmlns:a16="http://schemas.microsoft.com/office/drawing/2014/main" id="{DAEDED17-C4A0-73BD-B4DB-CBF4AB24E2DB}"/>
-            </a:ext>
-          </a:extLst>
-        </p:cNvPr>
-        <p:cNvGrpSpPr/>
-        <p:nvPr/>
-      </p:nvGrpSpPr>
-      <p:grpSpPr>
-        <a:xfrm>
-          <a:off x="0" y="0"/>
-          <a:ext cx="0" cy="0"/>
-          <a:chOff x="0" y="0"/>
-          <a:chExt cx="0" cy="0"/>
-        </a:xfrm>
-      </p:grpSpPr>
-      <p:sp>
-        <p:nvSpPr>
-          <p:cNvPr id="9673" name="Google Shape;9673;g10923e46cd9_0_515:notes">
-            <a:extLst>
-              <a:ext uri="{FF2B5EF4-FFF2-40B4-BE49-F238E27FC236}">
-                <a16:creationId xmlns:a16="http://schemas.microsoft.com/office/drawing/2014/main" id="{974AC71B-8056-6D30-4917-5EE8CC29A67F}"/>
-              </a:ext>
-            </a:extLst>
-          </p:cNvPr>
-          <p:cNvSpPr>
-            <a:spLocks noGrp="1" noRot="1" noChangeAspect="1"/>
-          </p:cNvSpPr>
-          <p:nvPr>
-            <p:ph type="sldImg" idx="2"/>
-          </p:nvPr>
-        </p:nvSpPr>
-        <p:spPr>
-          <a:xfrm>
-            <a:off x="685800" y="1143000"/>
-            <a:ext cx="5486400" cy="3086100"/>
-          </a:xfrm>
-          <a:custGeom>
-            <a:avLst/>
-            <a:gdLst/>
-            <a:ahLst/>
-            <a:cxnLst/>
-            <a:rect l="l" t="t" r="r" b="b"/>
-            <a:pathLst>
-              <a:path w="120000" h="120000" extrusionOk="0">
-                <a:moveTo>
-                  <a:pt x="0" y="0"/>
-                </a:moveTo>
-                <a:lnTo>
-                  <a:pt x="120000" y="0"/>
-                </a:lnTo>
-                <a:lnTo>
-                  <a:pt x="120000" y="120000"/>
-                </a:lnTo>
-                <a:lnTo>
-                  <a:pt x="0" y="120000"/>
-                </a:lnTo>
-                <a:close/>
-              </a:path>
-            </a:pathLst>
-          </a:custGeom>
-          <a:noFill/>
-          <a:ln w="12700" cap="flat" cmpd="sng">
-            <a:solidFill>
-              <a:srgbClr val="000000"/>
-            </a:solidFill>
-            <a:prstDash val="solid"/>
-            <a:round/>
-            <a:headEnd type="none" w="sm" len="sm"/>
-            <a:tailEnd type="none" w="sm" len="sm"/>
-          </a:ln>
-        </p:spPr>
-        <p:txBody>
-          <a:bodyPr/>
-          <a:lstStyle/>
-          <a:p>
-            <a:endParaRPr lang="fr-FR"/>
-          </a:p>
-        </p:txBody>
-      </p:sp>
-      <p:sp>
-        <p:nvSpPr>
-          <p:cNvPr id="9674" name="Google Shape;9674;g10923e46cd9_0_515:notes">
-            <a:extLst>
-              <a:ext uri="{FF2B5EF4-FFF2-40B4-BE49-F238E27FC236}">
-                <a16:creationId xmlns:a16="http://schemas.microsoft.com/office/drawing/2014/main" id="{058C747D-6476-BB5A-475A-5765EFECBF0C}"/>
-              </a:ext>
-            </a:extLst>
-          </p:cNvPr>
-          <p:cNvSpPr txBox="1">
-            <a:spLocks noGrp="1"/>
-          </p:cNvSpPr>
-          <p:nvPr>
-            <p:ph type="body" idx="1"/>
-          </p:nvPr>
-        </p:nvSpPr>
-        <p:spPr>
-          <a:xfrm>
-            <a:off x="685800" y="4400550"/>
-            <a:ext cx="5486400" cy="3600600"/>
-          </a:xfrm>
-          <a:prstGeom prst="rect">
-            <a:avLst/>
-          </a:prstGeom>
-          <a:noFill/>
-          <a:ln>
-            <a:noFill/>
-          </a:ln>
-        </p:spPr>
-        <p:txBody>
-          <a:bodyPr spcFirstLastPara="1" wrap="square" lIns="91425" tIns="45700" rIns="91425" bIns="45700" anchor="t" anchorCtr="0">
-            <a:noAutofit/>
-          </a:bodyPr>
-          <a:lstStyle/>
-          <a:p>
-            <a:pPr marL="0" lvl="0" indent="0" algn="l" rtl="0">
-              <a:spcBef>
-                <a:spcPts val="0"/>
-              </a:spcBef>
-              <a:spcAft>
-                <a:spcPts val="0"/>
-              </a:spcAft>
-              <a:buNone/>
-            </a:pPr>
-            <a:endParaRPr dirty="0"/>
-          </a:p>
-        </p:txBody>
-      </p:sp>
-      <p:sp>
-        <p:nvSpPr>
-          <p:cNvPr id="9675" name="Google Shape;9675;g10923e46cd9_0_515:notes">
-            <a:extLst>
-              <a:ext uri="{FF2B5EF4-FFF2-40B4-BE49-F238E27FC236}">
-                <a16:creationId xmlns:a16="http://schemas.microsoft.com/office/drawing/2014/main" id="{46B742AE-35A5-47BF-72F0-288C13D6006D}"/>
-              </a:ext>
-            </a:extLst>
-          </p:cNvPr>
-          <p:cNvSpPr txBox="1">
-            <a:spLocks noGrp="1"/>
-          </p:cNvSpPr>
-          <p:nvPr>
-            <p:ph type="sldNum" idx="12"/>
-          </p:nvPr>
-        </p:nvSpPr>
-        <p:spPr>
-          <a:xfrm>
-            <a:off x="3884613" y="8685213"/>
-            <a:ext cx="2971800" cy="458700"/>
-          </a:xfrm>
-          <a:prstGeom prst="rect">
-            <a:avLst/>
-          </a:prstGeom>
-          <a:noFill/>
-          <a:ln>
-            <a:noFill/>
-          </a:ln>
-        </p:spPr>
-        <p:txBody>
-          <a:bodyPr spcFirstLastPara="1" wrap="square" lIns="91425" tIns="45700" rIns="91425" bIns="45700" anchor="b" anchorCtr="0">
-            <a:noAutofit/>
-          </a:bodyPr>
-          <a:lstStyle/>
-          <a:p>
-            <a:pPr marL="0" lvl="0" indent="0" algn="r" rtl="0">
-              <a:spcBef>
-                <a:spcPts val="0"/>
-              </a:spcBef>
-              <a:spcAft>
-                <a:spcPts val="0"/>
-              </a:spcAft>
-              <a:buNone/>
-            </a:pPr>
-            <a:fld id="{00000000-1234-1234-1234-123412341234}" type="slidenum">
-              <a:rPr lang="fr"/>
-              <a:t>12</a:t>
-            </a:fld>
-            <a:endParaRPr/>
-          </a:p>
-        </p:txBody>
-      </p:sp>
-    </p:spTree>
-    <p:extLst>
-      <p:ext uri="{BB962C8B-B14F-4D97-AF65-F5344CB8AC3E}">
-        <p14:creationId xmlns:p14="http://schemas.microsoft.com/office/powerpoint/2010/main" val="3134665114"/>
-      </p:ext>
-    </p:extLst>
-  </p:cSld>
-  <p:clrMapOvr>
-    <a:masterClrMapping/>
-  </p:clrMapOvr>
-</p:notes>
-</file>
-
-<file path=ppt/notesSlides/notesSlide12.xml><?xml version="1.0" encoding="utf-8"?>
-<p:notes xmlns:a="http://schemas.openxmlformats.org/drawingml/2006/main" xmlns:r="http://schemas.openxmlformats.org/officeDocument/2006/relationships" xmlns:p="http://schemas.openxmlformats.org/presentationml/2006/main" showMasterSp="0" showMasterPhAnim="0">
-  <p:cSld>
-    <p:spTree>
-      <p:nvGrpSpPr>
-        <p:cNvPr id="1" name="Shape 9672">
-          <a:extLst>
-            <a:ext uri="{FF2B5EF4-FFF2-40B4-BE49-F238E27FC236}">
               <a16:creationId xmlns:a16="http://schemas.microsoft.com/office/drawing/2014/main" id="{D326DEE8-690A-371F-1838-3B84D7B296F2}"/>
             </a:ext>
           </a:extLst>
@@ -4742,7 +4338,7 @@
             </a:pPr>
             <a:fld id="{00000000-1234-1234-1234-123412341234}" type="slidenum">
               <a:rPr lang="fr"/>
-              <a:t>13</a:t>
+              <a:t>11</a:t>
             </a:fld>
             <a:endParaRPr/>
           </a:p>
@@ -4761,7 +4357,7 @@
 </p:notes>
 </file>
 
-<file path=ppt/notesSlides/notesSlide13.xml><?xml version="1.0" encoding="utf-8"?>
+<file path=ppt/notesSlides/notesSlide11.xml><?xml version="1.0" encoding="utf-8"?>
 <p:notes xmlns:a="http://schemas.openxmlformats.org/drawingml/2006/main" xmlns:r="http://schemas.openxmlformats.org/officeDocument/2006/relationships" xmlns:p="http://schemas.openxmlformats.org/presentationml/2006/main" showMasterSp="0" showMasterPhAnim="0">
   <p:cSld>
     <p:spTree>
@@ -4890,7 +4486,7 @@
 </p:notes>
 </file>
 
-<file path=ppt/notesSlides/notesSlide14.xml><?xml version="1.0" encoding="utf-8"?>
+<file path=ppt/notesSlides/notesSlide12.xml><?xml version="1.0" encoding="utf-8"?>
 <p:notes xmlns:a="http://schemas.openxmlformats.org/drawingml/2006/main" xmlns:r="http://schemas.openxmlformats.org/officeDocument/2006/relationships" xmlns:p="http://schemas.openxmlformats.org/presentationml/2006/main">
   <p:cSld>
     <p:spTree>
@@ -4981,7 +4577,7 @@
 </p:notes>
 </file>
 
-<file path=ppt/notesSlides/notesSlide15.xml><?xml version="1.0" encoding="utf-8"?>
+<file path=ppt/notesSlides/notesSlide13.xml><?xml version="1.0" encoding="utf-8"?>
 <p:notes xmlns:a="http://schemas.openxmlformats.org/drawingml/2006/main" xmlns:r="http://schemas.openxmlformats.org/officeDocument/2006/relationships" xmlns:p="http://schemas.openxmlformats.org/presentationml/2006/main">
   <p:cSld>
     <p:spTree>
@@ -5072,7 +4668,7 @@
 </p:notes>
 </file>
 
-<file path=ppt/notesSlides/notesSlide16.xml><?xml version="1.0" encoding="utf-8"?>
+<file path=ppt/notesSlides/notesSlide14.xml><?xml version="1.0" encoding="utf-8"?>
 <p:notes xmlns:a="http://schemas.openxmlformats.org/drawingml/2006/main" xmlns:r="http://schemas.openxmlformats.org/officeDocument/2006/relationships" xmlns:p="http://schemas.openxmlformats.org/presentationml/2006/main">
   <p:cSld>
     <p:spTree>
@@ -5154,274 +4750,6 @@
     <p:extLst>
       <p:ext uri="{BB962C8B-B14F-4D97-AF65-F5344CB8AC3E}">
         <p14:creationId xmlns:p14="http://schemas.microsoft.com/office/powerpoint/2010/main" val="4087539028"/>
-      </p:ext>
-    </p:extLst>
-  </p:cSld>
-  <p:clrMapOvr>
-    <a:masterClrMapping/>
-  </p:clrMapOvr>
-</p:notes>
-</file>
-
-<file path=ppt/notesSlides/notesSlide17.xml><?xml version="1.0" encoding="utf-8"?>
-<p:notes xmlns:a="http://schemas.openxmlformats.org/drawingml/2006/main" xmlns:r="http://schemas.openxmlformats.org/officeDocument/2006/relationships" xmlns:p="http://schemas.openxmlformats.org/presentationml/2006/main" showMasterSp="0" showMasterPhAnim="0">
-  <p:cSld>
-    <p:spTree>
-      <p:nvGrpSpPr>
-        <p:cNvPr id="1" name="Shape 943">
-          <a:extLst>
-            <a:ext uri="{FF2B5EF4-FFF2-40B4-BE49-F238E27FC236}">
-              <a16:creationId xmlns:a16="http://schemas.microsoft.com/office/drawing/2014/main" id="{3198306F-2C63-ADB9-BE98-A10699ABDA46}"/>
-            </a:ext>
-          </a:extLst>
-        </p:cNvPr>
-        <p:cNvGrpSpPr/>
-        <p:nvPr/>
-      </p:nvGrpSpPr>
-      <p:grpSpPr>
-        <a:xfrm>
-          <a:off x="0" y="0"/>
-          <a:ext cx="0" cy="0"/>
-          <a:chOff x="0" y="0"/>
-          <a:chExt cx="0" cy="0"/>
-        </a:xfrm>
-      </p:grpSpPr>
-      <p:sp>
-        <p:nvSpPr>
-          <p:cNvPr id="944" name="Google Shape;944;gf4faa77325_0_3283:notes">
-            <a:extLst>
-              <a:ext uri="{FF2B5EF4-FFF2-40B4-BE49-F238E27FC236}">
-                <a16:creationId xmlns:a16="http://schemas.microsoft.com/office/drawing/2014/main" id="{28E70D2F-A690-3947-DFED-1BE79F7DC57C}"/>
-              </a:ext>
-            </a:extLst>
-          </p:cNvPr>
-          <p:cNvSpPr txBox="1">
-            <a:spLocks noGrp="1"/>
-          </p:cNvSpPr>
-          <p:nvPr>
-            <p:ph type="body" idx="1"/>
-          </p:nvPr>
-        </p:nvSpPr>
-        <p:spPr>
-          <a:xfrm>
-            <a:off x="685800" y="4400550"/>
-            <a:ext cx="5486400" cy="3600600"/>
-          </a:xfrm>
-          <a:prstGeom prst="rect">
-            <a:avLst/>
-          </a:prstGeom>
-        </p:spPr>
-        <p:txBody>
-          <a:bodyPr spcFirstLastPara="1" wrap="square" lIns="91425" tIns="91425" rIns="91425" bIns="91425" anchor="t" anchorCtr="0">
-            <a:noAutofit/>
-          </a:bodyPr>
-          <a:lstStyle/>
-          <a:p>
-            <a:pPr marL="0" lvl="0" indent="0" algn="l" rtl="0">
-              <a:spcBef>
-                <a:spcPts val="0"/>
-              </a:spcBef>
-              <a:spcAft>
-                <a:spcPts val="0"/>
-              </a:spcAft>
-              <a:buNone/>
-            </a:pPr>
-            <a:endParaRPr/>
-          </a:p>
-        </p:txBody>
-      </p:sp>
-      <p:sp>
-        <p:nvSpPr>
-          <p:cNvPr id="945" name="Google Shape;945;gf4faa77325_0_3283:notes">
-            <a:extLst>
-              <a:ext uri="{FF2B5EF4-FFF2-40B4-BE49-F238E27FC236}">
-                <a16:creationId xmlns:a16="http://schemas.microsoft.com/office/drawing/2014/main" id="{85FBE47B-3149-39D1-568E-915A99CDDDF2}"/>
-              </a:ext>
-            </a:extLst>
-          </p:cNvPr>
-          <p:cNvSpPr>
-            <a:spLocks noGrp="1" noRot="1" noChangeAspect="1"/>
-          </p:cNvSpPr>
-          <p:nvPr>
-            <p:ph type="sldImg" idx="2"/>
-          </p:nvPr>
-        </p:nvSpPr>
-        <p:spPr>
-          <a:xfrm>
-            <a:off x="685800" y="1143000"/>
-            <a:ext cx="5486400" cy="3086100"/>
-          </a:xfrm>
-          <a:custGeom>
-            <a:avLst/>
-            <a:gdLst/>
-            <a:ahLst/>
-            <a:cxnLst/>
-            <a:rect l="l" t="t" r="r" b="b"/>
-            <a:pathLst>
-              <a:path w="120000" h="120000" extrusionOk="0">
-                <a:moveTo>
-                  <a:pt x="0" y="0"/>
-                </a:moveTo>
-                <a:lnTo>
-                  <a:pt x="120000" y="0"/>
-                </a:lnTo>
-                <a:lnTo>
-                  <a:pt x="120000" y="120000"/>
-                </a:lnTo>
-                <a:lnTo>
-                  <a:pt x="0" y="120000"/>
-                </a:lnTo>
-                <a:close/>
-              </a:path>
-            </a:pathLst>
-          </a:custGeom>
-        </p:spPr>
-        <p:txBody>
-          <a:bodyPr/>
-          <a:lstStyle/>
-          <a:p>
-            <a:endParaRPr lang="fr-FR"/>
-          </a:p>
-        </p:txBody>
-      </p:sp>
-    </p:spTree>
-    <p:extLst>
-      <p:ext uri="{BB962C8B-B14F-4D97-AF65-F5344CB8AC3E}">
-        <p14:creationId xmlns:p14="http://schemas.microsoft.com/office/powerpoint/2010/main" val="575347016"/>
-      </p:ext>
-    </p:extLst>
-  </p:cSld>
-  <p:clrMapOvr>
-    <a:masterClrMapping/>
-  </p:clrMapOvr>
-</p:notes>
-</file>
-
-<file path=ppt/notesSlides/notesSlide18.xml><?xml version="1.0" encoding="utf-8"?>
-<p:notes xmlns:a="http://schemas.openxmlformats.org/drawingml/2006/main" xmlns:r="http://schemas.openxmlformats.org/officeDocument/2006/relationships" xmlns:p="http://schemas.openxmlformats.org/presentationml/2006/main" showMasterSp="0" showMasterPhAnim="0">
-  <p:cSld>
-    <p:spTree>
-      <p:nvGrpSpPr>
-        <p:cNvPr id="1" name="Shape 943">
-          <a:extLst>
-            <a:ext uri="{FF2B5EF4-FFF2-40B4-BE49-F238E27FC236}">
-              <a16:creationId xmlns:a16="http://schemas.microsoft.com/office/drawing/2014/main" id="{51AEF1A4-03F5-13BC-4AC1-499F346C6C6D}"/>
-            </a:ext>
-          </a:extLst>
-        </p:cNvPr>
-        <p:cNvGrpSpPr/>
-        <p:nvPr/>
-      </p:nvGrpSpPr>
-      <p:grpSpPr>
-        <a:xfrm>
-          <a:off x="0" y="0"/>
-          <a:ext cx="0" cy="0"/>
-          <a:chOff x="0" y="0"/>
-          <a:chExt cx="0" cy="0"/>
-        </a:xfrm>
-      </p:grpSpPr>
-      <p:sp>
-        <p:nvSpPr>
-          <p:cNvPr id="944" name="Google Shape;944;gf4faa77325_0_3283:notes">
-            <a:extLst>
-              <a:ext uri="{FF2B5EF4-FFF2-40B4-BE49-F238E27FC236}">
-                <a16:creationId xmlns:a16="http://schemas.microsoft.com/office/drawing/2014/main" id="{9FA4F0EE-7456-8FA0-3331-007C8A8200CB}"/>
-              </a:ext>
-            </a:extLst>
-          </p:cNvPr>
-          <p:cNvSpPr txBox="1">
-            <a:spLocks noGrp="1"/>
-          </p:cNvSpPr>
-          <p:nvPr>
-            <p:ph type="body" idx="1"/>
-          </p:nvPr>
-        </p:nvSpPr>
-        <p:spPr>
-          <a:xfrm>
-            <a:off x="685800" y="4400550"/>
-            <a:ext cx="5486400" cy="3600600"/>
-          </a:xfrm>
-          <a:prstGeom prst="rect">
-            <a:avLst/>
-          </a:prstGeom>
-        </p:spPr>
-        <p:txBody>
-          <a:bodyPr spcFirstLastPara="1" wrap="square" lIns="91425" tIns="91425" rIns="91425" bIns="91425" anchor="t" anchorCtr="0">
-            <a:noAutofit/>
-          </a:bodyPr>
-          <a:lstStyle/>
-          <a:p>
-            <a:pPr marL="0" lvl="0" indent="0" algn="l" rtl="0">
-              <a:spcBef>
-                <a:spcPts val="0"/>
-              </a:spcBef>
-              <a:spcAft>
-                <a:spcPts val="0"/>
-              </a:spcAft>
-              <a:buNone/>
-            </a:pPr>
-            <a:endParaRPr/>
-          </a:p>
-        </p:txBody>
-      </p:sp>
-      <p:sp>
-        <p:nvSpPr>
-          <p:cNvPr id="945" name="Google Shape;945;gf4faa77325_0_3283:notes">
-            <a:extLst>
-              <a:ext uri="{FF2B5EF4-FFF2-40B4-BE49-F238E27FC236}">
-                <a16:creationId xmlns:a16="http://schemas.microsoft.com/office/drawing/2014/main" id="{90ECA67E-9C67-178F-F8AC-131E5367471B}"/>
-              </a:ext>
-            </a:extLst>
-          </p:cNvPr>
-          <p:cNvSpPr>
-            <a:spLocks noGrp="1" noRot="1" noChangeAspect="1"/>
-          </p:cNvSpPr>
-          <p:nvPr>
-            <p:ph type="sldImg" idx="2"/>
-          </p:nvPr>
-        </p:nvSpPr>
-        <p:spPr>
-          <a:xfrm>
-            <a:off x="685800" y="1143000"/>
-            <a:ext cx="5486400" cy="3086100"/>
-          </a:xfrm>
-          <a:custGeom>
-            <a:avLst/>
-            <a:gdLst/>
-            <a:ahLst/>
-            <a:cxnLst/>
-            <a:rect l="l" t="t" r="r" b="b"/>
-            <a:pathLst>
-              <a:path w="120000" h="120000" extrusionOk="0">
-                <a:moveTo>
-                  <a:pt x="0" y="0"/>
-                </a:moveTo>
-                <a:lnTo>
-                  <a:pt x="120000" y="0"/>
-                </a:lnTo>
-                <a:lnTo>
-                  <a:pt x="120000" y="120000"/>
-                </a:lnTo>
-                <a:lnTo>
-                  <a:pt x="0" y="120000"/>
-                </a:lnTo>
-                <a:close/>
-              </a:path>
-            </a:pathLst>
-          </a:custGeom>
-        </p:spPr>
-        <p:txBody>
-          <a:bodyPr/>
-          <a:lstStyle/>
-          <a:p>
-            <a:endParaRPr lang="fr-FR"/>
-          </a:p>
-        </p:txBody>
-      </p:sp>
-    </p:spTree>
-    <p:extLst>
-      <p:ext uri="{BB962C8B-B14F-4D97-AF65-F5344CB8AC3E}">
-        <p14:creationId xmlns:p14="http://schemas.microsoft.com/office/powerpoint/2010/main" val="1971822005"/>
       </p:ext>
     </p:extLst>
   </p:cSld>
@@ -6290,315 +5618,6 @@
         <p:cNvPr id="1" name="Shape 9672">
           <a:extLst>
             <a:ext uri="{FF2B5EF4-FFF2-40B4-BE49-F238E27FC236}">
-              <a16:creationId xmlns:a16="http://schemas.microsoft.com/office/drawing/2014/main" id="{937B1667-7E07-2690-C425-456D4CEF5406}"/>
-            </a:ext>
-          </a:extLst>
-        </p:cNvPr>
-        <p:cNvGrpSpPr/>
-        <p:nvPr/>
-      </p:nvGrpSpPr>
-      <p:grpSpPr>
-        <a:xfrm>
-          <a:off x="0" y="0"/>
-          <a:ext cx="0" cy="0"/>
-          <a:chOff x="0" y="0"/>
-          <a:chExt cx="0" cy="0"/>
-        </a:xfrm>
-      </p:grpSpPr>
-      <p:sp>
-        <p:nvSpPr>
-          <p:cNvPr id="9673" name="Google Shape;9673;g10923e46cd9_0_515:notes">
-            <a:extLst>
-              <a:ext uri="{FF2B5EF4-FFF2-40B4-BE49-F238E27FC236}">
-                <a16:creationId xmlns:a16="http://schemas.microsoft.com/office/drawing/2014/main" id="{EE3ACB0D-C196-F59A-AEC0-7D4D1CCCDD70}"/>
-              </a:ext>
-            </a:extLst>
-          </p:cNvPr>
-          <p:cNvSpPr>
-            <a:spLocks noGrp="1" noRot="1" noChangeAspect="1"/>
-          </p:cNvSpPr>
-          <p:nvPr>
-            <p:ph type="sldImg" idx="2"/>
-          </p:nvPr>
-        </p:nvSpPr>
-        <p:spPr>
-          <a:xfrm>
-            <a:off x="685800" y="1143000"/>
-            <a:ext cx="5486400" cy="3086100"/>
-          </a:xfrm>
-          <a:custGeom>
-            <a:avLst/>
-            <a:gdLst/>
-            <a:ahLst/>
-            <a:cxnLst/>
-            <a:rect l="l" t="t" r="r" b="b"/>
-            <a:pathLst>
-              <a:path w="120000" h="120000" extrusionOk="0">
-                <a:moveTo>
-                  <a:pt x="0" y="0"/>
-                </a:moveTo>
-                <a:lnTo>
-                  <a:pt x="120000" y="0"/>
-                </a:lnTo>
-                <a:lnTo>
-                  <a:pt x="120000" y="120000"/>
-                </a:lnTo>
-                <a:lnTo>
-                  <a:pt x="0" y="120000"/>
-                </a:lnTo>
-                <a:close/>
-              </a:path>
-            </a:pathLst>
-          </a:custGeom>
-          <a:noFill/>
-          <a:ln w="12700" cap="flat" cmpd="sng">
-            <a:solidFill>
-              <a:srgbClr val="000000"/>
-            </a:solidFill>
-            <a:prstDash val="solid"/>
-            <a:round/>
-            <a:headEnd type="none" w="sm" len="sm"/>
-            <a:tailEnd type="none" w="sm" len="sm"/>
-          </a:ln>
-        </p:spPr>
-        <p:txBody>
-          <a:bodyPr/>
-          <a:lstStyle/>
-          <a:p>
-            <a:endParaRPr lang="fr-FR"/>
-          </a:p>
-        </p:txBody>
-      </p:sp>
-      <p:sp>
-        <p:nvSpPr>
-          <p:cNvPr id="9674" name="Google Shape;9674;g10923e46cd9_0_515:notes">
-            <a:extLst>
-              <a:ext uri="{FF2B5EF4-FFF2-40B4-BE49-F238E27FC236}">
-                <a16:creationId xmlns:a16="http://schemas.microsoft.com/office/drawing/2014/main" id="{439E9C7A-CA91-BB18-62E2-188E9389475D}"/>
-              </a:ext>
-            </a:extLst>
-          </p:cNvPr>
-          <p:cNvSpPr txBox="1">
-            <a:spLocks noGrp="1"/>
-          </p:cNvSpPr>
-          <p:nvPr>
-            <p:ph type="body" idx="1"/>
-          </p:nvPr>
-        </p:nvSpPr>
-        <p:spPr>
-          <a:xfrm>
-            <a:off x="685800" y="4400550"/>
-            <a:ext cx="5486400" cy="3600600"/>
-          </a:xfrm>
-          <a:prstGeom prst="rect">
-            <a:avLst/>
-          </a:prstGeom>
-          <a:noFill/>
-          <a:ln>
-            <a:noFill/>
-          </a:ln>
-        </p:spPr>
-        <p:txBody>
-          <a:bodyPr spcFirstLastPara="1" wrap="square" lIns="91425" tIns="45700" rIns="91425" bIns="45700" anchor="t" anchorCtr="0">
-            <a:noAutofit/>
-          </a:bodyPr>
-          <a:lstStyle/>
-          <a:p>
-            <a:pPr marL="171450" lvl="0" indent="-171450" algn="l" rtl="0">
-              <a:spcBef>
-                <a:spcPts val="0"/>
-              </a:spcBef>
-              <a:spcAft>
-                <a:spcPts val="0"/>
-              </a:spcAft>
-              <a:buFontTx/>
-              <a:buChar char="-"/>
-            </a:pPr>
-            <a:r>
-              <a:rPr lang="fr-FR" dirty="0"/>
-              <a:t>TODO ANP : Scinder le bloc « Dynamic Forms » pour identifier le front et le back : prendre le prompt de l’utilisateur et l’améliorer pour qu’il puisse être compris par </a:t>
-            </a:r>
-            <a:r>
-              <a:rPr lang="fr-FR" dirty="0" err="1"/>
-              <a:t>OpenAI</a:t>
-            </a:r>
-            <a:r>
-              <a:rPr lang="fr-FR" dirty="0"/>
-              <a:t>.</a:t>
-            </a:r>
-          </a:p>
-          <a:p>
-            <a:pPr marL="171450" lvl="0" indent="-171450" algn="l" rtl="0">
-              <a:spcBef>
-                <a:spcPts val="0"/>
-              </a:spcBef>
-              <a:spcAft>
-                <a:spcPts val="0"/>
-              </a:spcAft>
-              <a:buFontTx/>
-              <a:buChar char="-"/>
-            </a:pPr>
-            <a:endParaRPr lang="fr-FR" dirty="0"/>
-          </a:p>
-          <a:p>
-            <a:pPr marL="0" lvl="0" indent="0" algn="l" rtl="0">
-              <a:spcBef>
-                <a:spcPts val="0"/>
-              </a:spcBef>
-              <a:spcAft>
-                <a:spcPts val="0"/>
-              </a:spcAft>
-              <a:buNone/>
-            </a:pPr>
-            <a:r>
-              <a:rPr lang="fr-FR" dirty="0"/>
-              <a:t>Ajout de restrictions/sécurités avec l’IA :</a:t>
-            </a:r>
-          </a:p>
-          <a:p>
-            <a:pPr marL="171450" lvl="0" indent="-171450" algn="l" rtl="0">
-              <a:spcBef>
-                <a:spcPts val="0"/>
-              </a:spcBef>
-              <a:spcAft>
-                <a:spcPts val="0"/>
-              </a:spcAft>
-              <a:buFontTx/>
-              <a:buChar char="-"/>
-            </a:pPr>
-            <a:r>
-              <a:rPr lang="fr-FR" dirty="0"/>
-              <a:t>Pas de doublon possible avec les champs initiaux (</a:t>
-            </a:r>
-            <a:r>
-              <a:rPr lang="fr-FR" dirty="0" err="1"/>
-              <a:t>locked</a:t>
-            </a:r>
-            <a:r>
-              <a:rPr lang="fr-FR" dirty="0"/>
-              <a:t>).</a:t>
-            </a:r>
-          </a:p>
-          <a:p>
-            <a:pPr marL="171450" lvl="0" indent="-171450" algn="l" rtl="0">
-              <a:spcBef>
-                <a:spcPts val="0"/>
-              </a:spcBef>
-              <a:spcAft>
-                <a:spcPts val="0"/>
-              </a:spcAft>
-              <a:buFontTx/>
-              <a:buChar char="-"/>
-            </a:pPr>
-            <a:r>
-              <a:rPr lang="fr-FR" dirty="0"/>
-              <a:t>Gestion de l’ajout et de suppression de customisations.</a:t>
-            </a:r>
-          </a:p>
-          <a:p>
-            <a:pPr marL="171450" lvl="0" indent="-171450" algn="l" rtl="0">
-              <a:spcBef>
-                <a:spcPts val="0"/>
-              </a:spcBef>
-              <a:spcAft>
-                <a:spcPts val="0"/>
-              </a:spcAft>
-              <a:buFontTx/>
-              <a:buChar char="-"/>
-            </a:pPr>
-            <a:r>
-              <a:rPr lang="fr-FR" dirty="0"/>
-              <a:t>Prise en compte des abréviations.</a:t>
-            </a:r>
-          </a:p>
-          <a:p>
-            <a:pPr marL="171450" lvl="0" indent="-171450" algn="l" rtl="0">
-              <a:spcBef>
-                <a:spcPts val="0"/>
-              </a:spcBef>
-              <a:spcAft>
-                <a:spcPts val="0"/>
-              </a:spcAft>
-              <a:buFontTx/>
-              <a:buChar char="-"/>
-            </a:pPr>
-            <a:endParaRPr dirty="0"/>
-          </a:p>
-        </p:txBody>
-      </p:sp>
-      <p:sp>
-        <p:nvSpPr>
-          <p:cNvPr id="9675" name="Google Shape;9675;g10923e46cd9_0_515:notes">
-            <a:extLst>
-              <a:ext uri="{FF2B5EF4-FFF2-40B4-BE49-F238E27FC236}">
-                <a16:creationId xmlns:a16="http://schemas.microsoft.com/office/drawing/2014/main" id="{B57746AB-110F-EABF-5F26-4139D1986333}"/>
-              </a:ext>
-            </a:extLst>
-          </p:cNvPr>
-          <p:cNvSpPr txBox="1">
-            <a:spLocks noGrp="1"/>
-          </p:cNvSpPr>
-          <p:nvPr>
-            <p:ph type="sldNum" idx="12"/>
-          </p:nvPr>
-        </p:nvSpPr>
-        <p:spPr>
-          <a:xfrm>
-            <a:off x="3884613" y="8685213"/>
-            <a:ext cx="2971800" cy="458700"/>
-          </a:xfrm>
-          <a:prstGeom prst="rect">
-            <a:avLst/>
-          </a:prstGeom>
-          <a:noFill/>
-          <a:ln>
-            <a:noFill/>
-          </a:ln>
-        </p:spPr>
-        <p:txBody>
-          <a:bodyPr spcFirstLastPara="1" wrap="square" lIns="91425" tIns="45700" rIns="91425" bIns="45700" anchor="b" anchorCtr="0">
-            <a:noAutofit/>
-          </a:bodyPr>
-          <a:lstStyle/>
-          <a:p>
-            <a:pPr marL="0" lvl="0" indent="0" algn="r" rtl="0">
-              <a:spcBef>
-                <a:spcPts val="0"/>
-              </a:spcBef>
-              <a:spcAft>
-                <a:spcPts val="0"/>
-              </a:spcAft>
-              <a:buNone/>
-            </a:pPr>
-            <a:fld id="{00000000-1234-1234-1234-123412341234}" type="slidenum">
-              <a:rPr lang="fr"/>
-              <a:t>9</a:t>
-            </a:fld>
-            <a:endParaRPr/>
-          </a:p>
-        </p:txBody>
-      </p:sp>
-    </p:spTree>
-    <p:extLst>
-      <p:ext uri="{BB962C8B-B14F-4D97-AF65-F5344CB8AC3E}">
-        <p14:creationId xmlns:p14="http://schemas.microsoft.com/office/powerpoint/2010/main" val="1831622661"/>
-      </p:ext>
-    </p:extLst>
-  </p:cSld>
-  <p:clrMapOvr>
-    <a:masterClrMapping/>
-  </p:clrMapOvr>
-</p:notes>
-</file>
-
-<file path=ppt/notesSlides/notesSlide9.xml><?xml version="1.0" encoding="utf-8"?>
-<p:notes xmlns:a="http://schemas.openxmlformats.org/drawingml/2006/main" xmlns:r="http://schemas.openxmlformats.org/officeDocument/2006/relationships" xmlns:p="http://schemas.openxmlformats.org/presentationml/2006/main" showMasterSp="0" showMasterPhAnim="0">
-  <p:cSld>
-    <p:spTree>
-      <p:nvGrpSpPr>
-        <p:cNvPr id="1" name="Shape 9672">
-          <a:extLst>
-            <a:ext uri="{FF2B5EF4-FFF2-40B4-BE49-F238E27FC236}">
               <a16:creationId xmlns:a16="http://schemas.microsoft.com/office/drawing/2014/main" id="{B62E4C8C-05EC-503C-D009-DC6513C9E406}"/>
             </a:ext>
           </a:extLst>
@@ -6772,6 +5791,290 @@
             </a:pPr>
             <a:fld id="{00000000-1234-1234-1234-123412341234}" type="slidenum">
               <a:rPr lang="fr"/>
+              <a:t>9</a:t>
+            </a:fld>
+            <a:endParaRPr/>
+          </a:p>
+        </p:txBody>
+      </p:sp>
+    </p:spTree>
+    <p:extLst>
+      <p:ext uri="{BB962C8B-B14F-4D97-AF65-F5344CB8AC3E}">
+        <p14:creationId xmlns:p14="http://schemas.microsoft.com/office/powerpoint/2010/main" val="2406072493"/>
+      </p:ext>
+    </p:extLst>
+  </p:cSld>
+  <p:clrMapOvr>
+    <a:masterClrMapping/>
+  </p:clrMapOvr>
+</p:notes>
+</file>
+
+<file path=ppt/notesSlides/notesSlide9.xml><?xml version="1.0" encoding="utf-8"?>
+<p:notes xmlns:a="http://schemas.openxmlformats.org/drawingml/2006/main" xmlns:r="http://schemas.openxmlformats.org/officeDocument/2006/relationships" xmlns:p="http://schemas.openxmlformats.org/presentationml/2006/main" showMasterSp="0" showMasterPhAnim="0">
+  <p:cSld>
+    <p:spTree>
+      <p:nvGrpSpPr>
+        <p:cNvPr id="1" name="Shape 9672">
+          <a:extLst>
+            <a:ext uri="{FF2B5EF4-FFF2-40B4-BE49-F238E27FC236}">
+              <a16:creationId xmlns:a16="http://schemas.microsoft.com/office/drawing/2014/main" id="{9F559F7F-AED9-E819-DE0F-5E49B6C792A8}"/>
+            </a:ext>
+          </a:extLst>
+        </p:cNvPr>
+        <p:cNvGrpSpPr/>
+        <p:nvPr/>
+      </p:nvGrpSpPr>
+      <p:grpSpPr>
+        <a:xfrm>
+          <a:off x="0" y="0"/>
+          <a:ext cx="0" cy="0"/>
+          <a:chOff x="0" y="0"/>
+          <a:chExt cx="0" cy="0"/>
+        </a:xfrm>
+      </p:grpSpPr>
+      <p:sp>
+        <p:nvSpPr>
+          <p:cNvPr id="9673" name="Google Shape;9673;g10923e46cd9_0_515:notes">
+            <a:extLst>
+              <a:ext uri="{FF2B5EF4-FFF2-40B4-BE49-F238E27FC236}">
+                <a16:creationId xmlns:a16="http://schemas.microsoft.com/office/drawing/2014/main" id="{0599AC9D-706C-B952-8ABF-88AD3DFBD9F0}"/>
+              </a:ext>
+            </a:extLst>
+          </p:cNvPr>
+          <p:cNvSpPr>
+            <a:spLocks noGrp="1" noRot="1" noChangeAspect="1"/>
+          </p:cNvSpPr>
+          <p:nvPr>
+            <p:ph type="sldImg" idx="2"/>
+          </p:nvPr>
+        </p:nvSpPr>
+        <p:spPr>
+          <a:xfrm>
+            <a:off x="685800" y="1143000"/>
+            <a:ext cx="5486400" cy="3086100"/>
+          </a:xfrm>
+          <a:custGeom>
+            <a:avLst/>
+            <a:gdLst/>
+            <a:ahLst/>
+            <a:cxnLst/>
+            <a:rect l="l" t="t" r="r" b="b"/>
+            <a:pathLst>
+              <a:path w="120000" h="120000" extrusionOk="0">
+                <a:moveTo>
+                  <a:pt x="0" y="0"/>
+                </a:moveTo>
+                <a:lnTo>
+                  <a:pt x="120000" y="0"/>
+                </a:lnTo>
+                <a:lnTo>
+                  <a:pt x="120000" y="120000"/>
+                </a:lnTo>
+                <a:lnTo>
+                  <a:pt x="0" y="120000"/>
+                </a:lnTo>
+                <a:close/>
+              </a:path>
+            </a:pathLst>
+          </a:custGeom>
+          <a:noFill/>
+          <a:ln w="12700" cap="flat" cmpd="sng">
+            <a:solidFill>
+              <a:srgbClr val="000000"/>
+            </a:solidFill>
+            <a:prstDash val="solid"/>
+            <a:round/>
+            <a:headEnd type="none" w="sm" len="sm"/>
+            <a:tailEnd type="none" w="sm" len="sm"/>
+          </a:ln>
+        </p:spPr>
+        <p:txBody>
+          <a:bodyPr/>
+          <a:lstStyle/>
+          <a:p>
+            <a:endParaRPr lang="fr-FR"/>
+          </a:p>
+        </p:txBody>
+      </p:sp>
+      <p:sp>
+        <p:nvSpPr>
+          <p:cNvPr id="9674" name="Google Shape;9674;g10923e46cd9_0_515:notes">
+            <a:extLst>
+              <a:ext uri="{FF2B5EF4-FFF2-40B4-BE49-F238E27FC236}">
+                <a16:creationId xmlns:a16="http://schemas.microsoft.com/office/drawing/2014/main" id="{292A813E-1829-0652-3161-D710E86DCB6E}"/>
+              </a:ext>
+            </a:extLst>
+          </p:cNvPr>
+          <p:cNvSpPr txBox="1">
+            <a:spLocks noGrp="1"/>
+          </p:cNvSpPr>
+          <p:nvPr>
+            <p:ph type="body" idx="1"/>
+          </p:nvPr>
+        </p:nvSpPr>
+        <p:spPr>
+          <a:xfrm>
+            <a:off x="685800" y="4400550"/>
+            <a:ext cx="5486400" cy="3600600"/>
+          </a:xfrm>
+          <a:prstGeom prst="rect">
+            <a:avLst/>
+          </a:prstGeom>
+          <a:noFill/>
+          <a:ln>
+            <a:noFill/>
+          </a:ln>
+        </p:spPr>
+        <p:txBody>
+          <a:bodyPr spcFirstLastPara="1" wrap="square" lIns="91425" tIns="45700" rIns="91425" bIns="45700" anchor="t" anchorCtr="0">
+            <a:noAutofit/>
+          </a:bodyPr>
+          <a:lstStyle/>
+          <a:p>
+            <a:pPr marL="0" lvl="0" indent="0" algn="l" rtl="0">
+              <a:spcBef>
+                <a:spcPts val="0"/>
+              </a:spcBef>
+              <a:spcAft>
+                <a:spcPts val="0"/>
+              </a:spcAft>
+              <a:buNone/>
+            </a:pPr>
+            <a:r>
+              <a:rPr lang="fr-FR" dirty="0"/>
+              <a:t>Ajout de restrictions/sécurités avec l’IA :</a:t>
+            </a:r>
+          </a:p>
+          <a:p>
+            <a:pPr marL="171450" lvl="0" indent="-171450" algn="l" rtl="0">
+              <a:spcBef>
+                <a:spcPts val="0"/>
+              </a:spcBef>
+              <a:spcAft>
+                <a:spcPts val="0"/>
+              </a:spcAft>
+              <a:buFontTx/>
+              <a:buChar char="-"/>
+            </a:pPr>
+            <a:r>
+              <a:rPr lang="fr-FR" dirty="0"/>
+              <a:t>Pas de doublon possible avec les champs initiaux (</a:t>
+            </a:r>
+            <a:r>
+              <a:rPr lang="fr-FR" dirty="0" err="1"/>
+              <a:t>locked</a:t>
+            </a:r>
+            <a:r>
+              <a:rPr lang="fr-FR" dirty="0"/>
+              <a:t>).</a:t>
+            </a:r>
+          </a:p>
+          <a:p>
+            <a:pPr marL="171450" lvl="0" indent="-171450" algn="l" rtl="0">
+              <a:spcBef>
+                <a:spcPts val="0"/>
+              </a:spcBef>
+              <a:spcAft>
+                <a:spcPts val="0"/>
+              </a:spcAft>
+              <a:buFontTx/>
+              <a:buChar char="-"/>
+            </a:pPr>
+            <a:r>
+              <a:rPr lang="fr-FR" dirty="0"/>
+              <a:t>Gestion de l’ajout et de suppression de customisations.</a:t>
+            </a:r>
+          </a:p>
+          <a:p>
+            <a:pPr marL="171450" lvl="0" indent="-171450" algn="l" rtl="0">
+              <a:spcBef>
+                <a:spcPts val="0"/>
+              </a:spcBef>
+              <a:spcAft>
+                <a:spcPts val="0"/>
+              </a:spcAft>
+              <a:buFontTx/>
+              <a:buChar char="-"/>
+            </a:pPr>
+            <a:r>
+              <a:rPr lang="fr-FR" dirty="0"/>
+              <a:t>Prise en compte des abréviations.</a:t>
+            </a:r>
+          </a:p>
+          <a:p>
+            <a:pPr marL="171450" lvl="0" indent="-171450" algn="l" rtl="0">
+              <a:spcBef>
+                <a:spcPts val="0"/>
+              </a:spcBef>
+              <a:spcAft>
+                <a:spcPts val="0"/>
+              </a:spcAft>
+              <a:buFontTx/>
+              <a:buChar char="-"/>
+            </a:pPr>
+            <a:endParaRPr lang="fr-FR" dirty="0"/>
+          </a:p>
+          <a:p>
+            <a:pPr marL="0" lvl="0" indent="0" algn="l" rtl="0">
+              <a:spcBef>
+                <a:spcPts val="0"/>
+              </a:spcBef>
+              <a:spcAft>
+                <a:spcPts val="0"/>
+              </a:spcAft>
+              <a:buNone/>
+            </a:pPr>
+            <a:endParaRPr dirty="0"/>
+          </a:p>
+        </p:txBody>
+      </p:sp>
+      <p:sp>
+        <p:nvSpPr>
+          <p:cNvPr id="9675" name="Google Shape;9675;g10923e46cd9_0_515:notes">
+            <a:extLst>
+              <a:ext uri="{FF2B5EF4-FFF2-40B4-BE49-F238E27FC236}">
+                <a16:creationId xmlns:a16="http://schemas.microsoft.com/office/drawing/2014/main" id="{B1AD4128-58AC-3511-522E-44FDF8C06D70}"/>
+              </a:ext>
+            </a:extLst>
+          </p:cNvPr>
+          <p:cNvSpPr txBox="1">
+            <a:spLocks noGrp="1"/>
+          </p:cNvSpPr>
+          <p:nvPr>
+            <p:ph type="sldNum" idx="12"/>
+          </p:nvPr>
+        </p:nvSpPr>
+        <p:spPr>
+          <a:xfrm>
+            <a:off x="3884613" y="8685213"/>
+            <a:ext cx="2971800" cy="458700"/>
+          </a:xfrm>
+          <a:prstGeom prst="rect">
+            <a:avLst/>
+          </a:prstGeom>
+          <a:noFill/>
+          <a:ln>
+            <a:noFill/>
+          </a:ln>
+        </p:spPr>
+        <p:txBody>
+          <a:bodyPr spcFirstLastPara="1" wrap="square" lIns="91425" tIns="45700" rIns="91425" bIns="45700" anchor="b" anchorCtr="0">
+            <a:noAutofit/>
+          </a:bodyPr>
+          <a:lstStyle/>
+          <a:p>
+            <a:pPr marL="0" lvl="0" indent="0" algn="r" rtl="0">
+              <a:spcBef>
+                <a:spcPts val="0"/>
+              </a:spcBef>
+              <a:spcAft>
+                <a:spcPts val="0"/>
+              </a:spcAft>
+              <a:buNone/>
+            </a:pPr>
+            <a:fld id="{00000000-1234-1234-1234-123412341234}" type="slidenum">
+              <a:rPr lang="fr"/>
               <a:t>10</a:t>
             </a:fld>
             <a:endParaRPr/>
@@ -6781,7 +6084,7 @@
     </p:spTree>
     <p:extLst>
       <p:ext uri="{BB962C8B-B14F-4D97-AF65-F5344CB8AC3E}">
-        <p14:creationId xmlns:p14="http://schemas.microsoft.com/office/powerpoint/2010/main" val="2406072493"/>
+        <p14:creationId xmlns:p14="http://schemas.microsoft.com/office/powerpoint/2010/main" val="4138554897"/>
       </p:ext>
     </p:extLst>
   </p:cSld>
@@ -20222,300 +19525,6 @@
         <p:cNvPr id="1" name="Shape 9676">
           <a:extLst>
             <a:ext uri="{FF2B5EF4-FFF2-40B4-BE49-F238E27FC236}">
-              <a16:creationId xmlns:a16="http://schemas.microsoft.com/office/drawing/2014/main" id="{AFAE49C2-9A5B-8B30-E963-1982EC87F702}"/>
-            </a:ext>
-          </a:extLst>
-        </p:cNvPr>
-        <p:cNvGrpSpPr/>
-        <p:nvPr/>
-      </p:nvGrpSpPr>
-      <p:grpSpPr>
-        <a:xfrm>
-          <a:off x="0" y="0"/>
-          <a:ext cx="0" cy="0"/>
-          <a:chOff x="0" y="0"/>
-          <a:chExt cx="0" cy="0"/>
-        </a:xfrm>
-      </p:grpSpPr>
-      <p:pic>
-        <p:nvPicPr>
-          <p:cNvPr id="9" name="Picture 13">
-            <a:extLst>
-              <a:ext uri="{FF2B5EF4-FFF2-40B4-BE49-F238E27FC236}">
-                <a16:creationId xmlns:a16="http://schemas.microsoft.com/office/drawing/2014/main" id="{0199793D-FC37-CFF2-952C-D686065358A4}"/>
-              </a:ext>
-            </a:extLst>
-          </p:cNvPr>
-          <p:cNvPicPr>
-            <a:picLocks noChangeAspect="1"/>
-          </p:cNvPicPr>
-          <p:nvPr/>
-        </p:nvPicPr>
-        <p:blipFill>
-          <a:blip r:embed="rId3"/>
-          <a:srcRect r="24898" b="-6860"/>
-          <a:stretch/>
-        </p:blipFill>
-        <p:spPr>
-          <a:xfrm>
-            <a:off x="-44935" y="4331361"/>
-            <a:ext cx="9188935" cy="354288"/>
-          </a:xfrm>
-          <a:prstGeom prst="rect">
-            <a:avLst/>
-          </a:prstGeom>
-        </p:spPr>
-      </p:pic>
-      <p:sp>
-        <p:nvSpPr>
-          <p:cNvPr id="10" name="Google Shape;10678;p460">
-            <a:extLst>
-              <a:ext uri="{FF2B5EF4-FFF2-40B4-BE49-F238E27FC236}">
-                <a16:creationId xmlns:a16="http://schemas.microsoft.com/office/drawing/2014/main" id="{33B1D0FB-B9DB-A9D1-B458-9D8EAA7BE643}"/>
-              </a:ext>
-            </a:extLst>
-          </p:cNvPr>
-          <p:cNvSpPr txBox="1"/>
-          <p:nvPr/>
-        </p:nvSpPr>
-        <p:spPr>
-          <a:xfrm>
-            <a:off x="662613" y="491319"/>
-            <a:ext cx="3377100" cy="184666"/>
-          </a:xfrm>
-          <a:prstGeom prst="rect">
-            <a:avLst/>
-          </a:prstGeom>
-          <a:noFill/>
-          <a:ln>
-            <a:noFill/>
-          </a:ln>
-        </p:spPr>
-        <p:txBody>
-          <a:bodyPr spcFirstLastPara="1" wrap="square" lIns="0" tIns="0" rIns="0" bIns="0" anchor="t" anchorCtr="0">
-            <a:spAutoFit/>
-          </a:bodyPr>
-          <a:lstStyle/>
-          <a:p>
-            <a:r>
-              <a:rPr lang="en-GB" sz="1200" dirty="0">
-                <a:solidFill>
-                  <a:srgbClr val="57ED7D"/>
-                </a:solidFill>
-                <a:latin typeface="Montserrat SemiBold"/>
-                <a:ea typeface="Montserrat SemiBold"/>
-                <a:cs typeface="Montserrat SemiBold"/>
-                <a:sym typeface="Montserrat SemiBold"/>
-              </a:rPr>
-              <a:t>Dynamic Forms</a:t>
-            </a:r>
-          </a:p>
-        </p:txBody>
-      </p:sp>
-      <p:sp>
-        <p:nvSpPr>
-          <p:cNvPr id="12" name="Google Shape;10120;p446">
-            <a:extLst>
-              <a:ext uri="{FF2B5EF4-FFF2-40B4-BE49-F238E27FC236}">
-                <a16:creationId xmlns:a16="http://schemas.microsoft.com/office/drawing/2014/main" id="{585BB272-825A-6812-5E24-A0BB225A2124}"/>
-              </a:ext>
-            </a:extLst>
-          </p:cNvPr>
-          <p:cNvSpPr/>
-          <p:nvPr/>
-        </p:nvSpPr>
-        <p:spPr>
-          <a:xfrm>
-            <a:off x="662613" y="752408"/>
-            <a:ext cx="5818193" cy="338554"/>
-          </a:xfrm>
-          <a:prstGeom prst="rect">
-            <a:avLst/>
-          </a:prstGeom>
-          <a:noFill/>
-          <a:ln>
-            <a:noFill/>
-          </a:ln>
-        </p:spPr>
-        <p:txBody>
-          <a:bodyPr spcFirstLastPara="1" wrap="square" lIns="0" tIns="0" rIns="0" bIns="0" anchor="t" anchorCtr="0">
-            <a:spAutoFit/>
-          </a:bodyPr>
-          <a:lstStyle>
-            <a:defPPr>
-              <a:defRPr lang="en-US"/>
-            </a:defPPr>
-            <a:lvl1pPr marL="0" algn="l" defTabSz="685800" rtl="0" eaLnBrk="1" latinLnBrk="0" hangingPunct="1">
-              <a:defRPr sz="1350" kern="1200">
-                <a:solidFill>
-                  <a:schemeClr val="tx1"/>
-                </a:solidFill>
-                <a:latin typeface="+mn-lt"/>
-                <a:ea typeface="+mn-ea"/>
-                <a:cs typeface="+mn-cs"/>
-              </a:defRPr>
-            </a:lvl1pPr>
-            <a:lvl2pPr marL="342900" algn="l" defTabSz="685800" rtl="0" eaLnBrk="1" latinLnBrk="0" hangingPunct="1">
-              <a:defRPr sz="1350" kern="1200">
-                <a:solidFill>
-                  <a:schemeClr val="tx1"/>
-                </a:solidFill>
-                <a:latin typeface="+mn-lt"/>
-                <a:ea typeface="+mn-ea"/>
-                <a:cs typeface="+mn-cs"/>
-              </a:defRPr>
-            </a:lvl2pPr>
-            <a:lvl3pPr marL="685800" algn="l" defTabSz="685800" rtl="0" eaLnBrk="1" latinLnBrk="0" hangingPunct="1">
-              <a:defRPr sz="1350" kern="1200">
-                <a:solidFill>
-                  <a:schemeClr val="tx1"/>
-                </a:solidFill>
-                <a:latin typeface="+mn-lt"/>
-                <a:ea typeface="+mn-ea"/>
-                <a:cs typeface="+mn-cs"/>
-              </a:defRPr>
-            </a:lvl3pPr>
-            <a:lvl4pPr marL="1028700" algn="l" defTabSz="685800" rtl="0" eaLnBrk="1" latinLnBrk="0" hangingPunct="1">
-              <a:defRPr sz="1350" kern="1200">
-                <a:solidFill>
-                  <a:schemeClr val="tx1"/>
-                </a:solidFill>
-                <a:latin typeface="+mn-lt"/>
-                <a:ea typeface="+mn-ea"/>
-                <a:cs typeface="+mn-cs"/>
-              </a:defRPr>
-            </a:lvl4pPr>
-            <a:lvl5pPr marL="1371600" algn="l" defTabSz="685800" rtl="0" eaLnBrk="1" latinLnBrk="0" hangingPunct="1">
-              <a:defRPr sz="1350" kern="1200">
-                <a:solidFill>
-                  <a:schemeClr val="tx1"/>
-                </a:solidFill>
-                <a:latin typeface="+mn-lt"/>
-                <a:ea typeface="+mn-ea"/>
-                <a:cs typeface="+mn-cs"/>
-              </a:defRPr>
-            </a:lvl5pPr>
-            <a:lvl6pPr marL="1714500" algn="l" defTabSz="685800" rtl="0" eaLnBrk="1" latinLnBrk="0" hangingPunct="1">
-              <a:defRPr sz="1350" kern="1200">
-                <a:solidFill>
-                  <a:schemeClr val="tx1"/>
-                </a:solidFill>
-                <a:latin typeface="+mn-lt"/>
-                <a:ea typeface="+mn-ea"/>
-                <a:cs typeface="+mn-cs"/>
-              </a:defRPr>
-            </a:lvl6pPr>
-            <a:lvl7pPr marL="2057400" algn="l" defTabSz="685800" rtl="0" eaLnBrk="1" latinLnBrk="0" hangingPunct="1">
-              <a:defRPr sz="1350" kern="1200">
-                <a:solidFill>
-                  <a:schemeClr val="tx1"/>
-                </a:solidFill>
-                <a:latin typeface="+mn-lt"/>
-                <a:ea typeface="+mn-ea"/>
-                <a:cs typeface="+mn-cs"/>
-              </a:defRPr>
-            </a:lvl7pPr>
-            <a:lvl8pPr marL="2400300" algn="l" defTabSz="685800" rtl="0" eaLnBrk="1" latinLnBrk="0" hangingPunct="1">
-              <a:defRPr sz="1350" kern="1200">
-                <a:solidFill>
-                  <a:schemeClr val="tx1"/>
-                </a:solidFill>
-                <a:latin typeface="+mn-lt"/>
-                <a:ea typeface="+mn-ea"/>
-                <a:cs typeface="+mn-cs"/>
-              </a:defRPr>
-            </a:lvl8pPr>
-            <a:lvl9pPr marL="2743200" algn="l" defTabSz="685800" rtl="0" eaLnBrk="1" latinLnBrk="0" hangingPunct="1">
-              <a:defRPr sz="1350" kern="1200">
-                <a:solidFill>
-                  <a:schemeClr val="tx1"/>
-                </a:solidFill>
-                <a:latin typeface="+mn-lt"/>
-                <a:ea typeface="+mn-ea"/>
-                <a:cs typeface="+mn-cs"/>
-              </a:defRPr>
-            </a:lvl9pPr>
-          </a:lstStyle>
-          <a:p>
-            <a:pPr>
-              <a:lnSpc>
-                <a:spcPct val="110000"/>
-              </a:lnSpc>
-            </a:pPr>
-            <a:r>
-              <a:rPr lang="fr" sz="2000" dirty="0">
-                <a:solidFill>
-                  <a:srgbClr val="1A2B42"/>
-                </a:solidFill>
-                <a:latin typeface="Montserrat SemiBold"/>
-                <a:ea typeface="+mn-lt"/>
-                <a:cs typeface="+mn-lt"/>
-                <a:sym typeface="Montserrat SemiBold"/>
-              </a:rPr>
-              <a:t>Implementation</a:t>
-            </a:r>
-            <a:endParaRPr lang="en-US" sz="2000" dirty="0">
-              <a:latin typeface="Montserrat" pitchFamily="2" charset="77"/>
-              <a:ea typeface="+mn-lt"/>
-              <a:cs typeface="+mn-lt"/>
-            </a:endParaRPr>
-          </a:p>
-        </p:txBody>
-      </p:sp>
-      <p:pic>
-        <p:nvPicPr>
-          <p:cNvPr id="6" name="Picture 5">
-            <a:extLst>
-              <a:ext uri="{FF2B5EF4-FFF2-40B4-BE49-F238E27FC236}">
-                <a16:creationId xmlns:a16="http://schemas.microsoft.com/office/drawing/2014/main" id="{644D191A-4642-C995-10D0-ECA2B551C3F1}"/>
-              </a:ext>
-            </a:extLst>
-          </p:cNvPr>
-          <p:cNvPicPr>
-            <a:picLocks noChangeAspect="1"/>
-          </p:cNvPicPr>
-          <p:nvPr/>
-        </p:nvPicPr>
-        <p:blipFill>
-          <a:blip r:embed="rId4"/>
-          <a:stretch>
-            <a:fillRect/>
-          </a:stretch>
-        </p:blipFill>
-        <p:spPr>
-          <a:xfrm>
-            <a:off x="949532" y="1456447"/>
-            <a:ext cx="7200000" cy="2509428"/>
-          </a:xfrm>
-          <a:prstGeom prst="rect">
-            <a:avLst/>
-          </a:prstGeom>
-        </p:spPr>
-      </p:pic>
-    </p:spTree>
-    <p:extLst>
-      <p:ext uri="{BB962C8B-B14F-4D97-AF65-F5344CB8AC3E}">
-        <p14:creationId xmlns:p14="http://schemas.microsoft.com/office/powerpoint/2010/main" val="455242434"/>
-      </p:ext>
-    </p:extLst>
-  </p:cSld>
-  <p:clrMapOvr>
-    <a:masterClrMapping/>
-  </p:clrMapOvr>
-  <p:transition>
-    <p:fade/>
-  </p:transition>
-</p:sld>
-</file>
-
-<file path=ppt/slides/slide11.xml><?xml version="1.0" encoding="utf-8"?>
-<p:sld xmlns:a="http://schemas.openxmlformats.org/drawingml/2006/main" xmlns:r="http://schemas.openxmlformats.org/officeDocument/2006/relationships" xmlns:p="http://schemas.openxmlformats.org/presentationml/2006/main">
-  <p:cSld>
-    <p:spTree>
-      <p:nvGrpSpPr>
-        <p:cNvPr id="1" name="Shape 9676">
-          <a:extLst>
-            <a:ext uri="{FF2B5EF4-FFF2-40B4-BE49-F238E27FC236}">
               <a16:creationId xmlns:a16="http://schemas.microsoft.com/office/drawing/2014/main" id="{5D760B0E-9711-A5EE-ACA0-3EABA54FB00E}"/>
             </a:ext>
           </a:extLst>
@@ -20802,301 +19811,7 @@
 </p:sld>
 </file>
 
-<file path=ppt/slides/slide12.xml><?xml version="1.0" encoding="utf-8"?>
-<p:sld xmlns:a="http://schemas.openxmlformats.org/drawingml/2006/main" xmlns:r="http://schemas.openxmlformats.org/officeDocument/2006/relationships" xmlns:p="http://schemas.openxmlformats.org/presentationml/2006/main">
-  <p:cSld>
-    <p:spTree>
-      <p:nvGrpSpPr>
-        <p:cNvPr id="1" name="Shape 9676">
-          <a:extLst>
-            <a:ext uri="{FF2B5EF4-FFF2-40B4-BE49-F238E27FC236}">
-              <a16:creationId xmlns:a16="http://schemas.microsoft.com/office/drawing/2014/main" id="{6BC24319-10EA-772A-9418-D2F46F9A185A}"/>
-            </a:ext>
-          </a:extLst>
-        </p:cNvPr>
-        <p:cNvGrpSpPr/>
-        <p:nvPr/>
-      </p:nvGrpSpPr>
-      <p:grpSpPr>
-        <a:xfrm>
-          <a:off x="0" y="0"/>
-          <a:ext cx="0" cy="0"/>
-          <a:chOff x="0" y="0"/>
-          <a:chExt cx="0" cy="0"/>
-        </a:xfrm>
-      </p:grpSpPr>
-      <p:pic>
-        <p:nvPicPr>
-          <p:cNvPr id="9" name="Picture 13">
-            <a:extLst>
-              <a:ext uri="{FF2B5EF4-FFF2-40B4-BE49-F238E27FC236}">
-                <a16:creationId xmlns:a16="http://schemas.microsoft.com/office/drawing/2014/main" id="{18F9AE6F-CFE1-5D9F-48AF-315BCE935AC7}"/>
-              </a:ext>
-            </a:extLst>
-          </p:cNvPr>
-          <p:cNvPicPr>
-            <a:picLocks noChangeAspect="1"/>
-          </p:cNvPicPr>
-          <p:nvPr/>
-        </p:nvPicPr>
-        <p:blipFill>
-          <a:blip r:embed="rId3"/>
-          <a:srcRect r="24898" b="-6860"/>
-          <a:stretch/>
-        </p:blipFill>
-        <p:spPr>
-          <a:xfrm>
-            <a:off x="-44935" y="4331361"/>
-            <a:ext cx="9188935" cy="354288"/>
-          </a:xfrm>
-          <a:prstGeom prst="rect">
-            <a:avLst/>
-          </a:prstGeom>
-        </p:spPr>
-      </p:pic>
-      <p:sp>
-        <p:nvSpPr>
-          <p:cNvPr id="10" name="Google Shape;10678;p460">
-            <a:extLst>
-              <a:ext uri="{FF2B5EF4-FFF2-40B4-BE49-F238E27FC236}">
-                <a16:creationId xmlns:a16="http://schemas.microsoft.com/office/drawing/2014/main" id="{F8CC5D16-2C4A-DC98-E880-9AE58F93E49D}"/>
-              </a:ext>
-            </a:extLst>
-          </p:cNvPr>
-          <p:cNvSpPr txBox="1"/>
-          <p:nvPr/>
-        </p:nvSpPr>
-        <p:spPr>
-          <a:xfrm>
-            <a:off x="662613" y="491319"/>
-            <a:ext cx="3377100" cy="184666"/>
-          </a:xfrm>
-          <a:prstGeom prst="rect">
-            <a:avLst/>
-          </a:prstGeom>
-          <a:noFill/>
-          <a:ln>
-            <a:noFill/>
-          </a:ln>
-        </p:spPr>
-        <p:txBody>
-          <a:bodyPr spcFirstLastPara="1" wrap="square" lIns="0" tIns="0" rIns="0" bIns="0" anchor="t" anchorCtr="0">
-            <a:spAutoFit/>
-          </a:bodyPr>
-          <a:lstStyle/>
-          <a:p>
-            <a:r>
-              <a:rPr lang="en-GB" sz="1200" dirty="0">
-                <a:solidFill>
-                  <a:srgbClr val="57ED7D"/>
-                </a:solidFill>
-                <a:latin typeface="Montserrat SemiBold"/>
-                <a:ea typeface="Montserrat SemiBold"/>
-                <a:cs typeface="Montserrat SemiBold"/>
-                <a:sym typeface="Montserrat SemiBold"/>
-              </a:rPr>
-              <a:t>Dynamic Forms</a:t>
-            </a:r>
-          </a:p>
-        </p:txBody>
-      </p:sp>
-      <p:sp>
-        <p:nvSpPr>
-          <p:cNvPr id="12" name="Google Shape;10120;p446">
-            <a:extLst>
-              <a:ext uri="{FF2B5EF4-FFF2-40B4-BE49-F238E27FC236}">
-                <a16:creationId xmlns:a16="http://schemas.microsoft.com/office/drawing/2014/main" id="{50045342-2E98-68F7-E218-9524BDC08684}"/>
-              </a:ext>
-            </a:extLst>
-          </p:cNvPr>
-          <p:cNvSpPr/>
-          <p:nvPr/>
-        </p:nvSpPr>
-        <p:spPr>
-          <a:xfrm>
-            <a:off x="662613" y="752408"/>
-            <a:ext cx="5818193" cy="338554"/>
-          </a:xfrm>
-          <a:prstGeom prst="rect">
-            <a:avLst/>
-          </a:prstGeom>
-          <a:noFill/>
-          <a:ln>
-            <a:noFill/>
-          </a:ln>
-        </p:spPr>
-        <p:txBody>
-          <a:bodyPr spcFirstLastPara="1" wrap="square" lIns="0" tIns="0" rIns="0" bIns="0" anchor="t" anchorCtr="0">
-            <a:spAutoFit/>
-          </a:bodyPr>
-          <a:lstStyle>
-            <a:defPPr>
-              <a:defRPr lang="en-US"/>
-            </a:defPPr>
-            <a:lvl1pPr marL="0" algn="l" defTabSz="685800" rtl="0" eaLnBrk="1" latinLnBrk="0" hangingPunct="1">
-              <a:defRPr sz="1350" kern="1200">
-                <a:solidFill>
-                  <a:schemeClr val="tx1"/>
-                </a:solidFill>
-                <a:latin typeface="+mn-lt"/>
-                <a:ea typeface="+mn-ea"/>
-                <a:cs typeface="+mn-cs"/>
-              </a:defRPr>
-            </a:lvl1pPr>
-            <a:lvl2pPr marL="342900" algn="l" defTabSz="685800" rtl="0" eaLnBrk="1" latinLnBrk="0" hangingPunct="1">
-              <a:defRPr sz="1350" kern="1200">
-                <a:solidFill>
-                  <a:schemeClr val="tx1"/>
-                </a:solidFill>
-                <a:latin typeface="+mn-lt"/>
-                <a:ea typeface="+mn-ea"/>
-                <a:cs typeface="+mn-cs"/>
-              </a:defRPr>
-            </a:lvl2pPr>
-            <a:lvl3pPr marL="685800" algn="l" defTabSz="685800" rtl="0" eaLnBrk="1" latinLnBrk="0" hangingPunct="1">
-              <a:defRPr sz="1350" kern="1200">
-                <a:solidFill>
-                  <a:schemeClr val="tx1"/>
-                </a:solidFill>
-                <a:latin typeface="+mn-lt"/>
-                <a:ea typeface="+mn-ea"/>
-                <a:cs typeface="+mn-cs"/>
-              </a:defRPr>
-            </a:lvl3pPr>
-            <a:lvl4pPr marL="1028700" algn="l" defTabSz="685800" rtl="0" eaLnBrk="1" latinLnBrk="0" hangingPunct="1">
-              <a:defRPr sz="1350" kern="1200">
-                <a:solidFill>
-                  <a:schemeClr val="tx1"/>
-                </a:solidFill>
-                <a:latin typeface="+mn-lt"/>
-                <a:ea typeface="+mn-ea"/>
-                <a:cs typeface="+mn-cs"/>
-              </a:defRPr>
-            </a:lvl4pPr>
-            <a:lvl5pPr marL="1371600" algn="l" defTabSz="685800" rtl="0" eaLnBrk="1" latinLnBrk="0" hangingPunct="1">
-              <a:defRPr sz="1350" kern="1200">
-                <a:solidFill>
-                  <a:schemeClr val="tx1"/>
-                </a:solidFill>
-                <a:latin typeface="+mn-lt"/>
-                <a:ea typeface="+mn-ea"/>
-                <a:cs typeface="+mn-cs"/>
-              </a:defRPr>
-            </a:lvl5pPr>
-            <a:lvl6pPr marL="1714500" algn="l" defTabSz="685800" rtl="0" eaLnBrk="1" latinLnBrk="0" hangingPunct="1">
-              <a:defRPr sz="1350" kern="1200">
-                <a:solidFill>
-                  <a:schemeClr val="tx1"/>
-                </a:solidFill>
-                <a:latin typeface="+mn-lt"/>
-                <a:ea typeface="+mn-ea"/>
-                <a:cs typeface="+mn-cs"/>
-              </a:defRPr>
-            </a:lvl6pPr>
-            <a:lvl7pPr marL="2057400" algn="l" defTabSz="685800" rtl="0" eaLnBrk="1" latinLnBrk="0" hangingPunct="1">
-              <a:defRPr sz="1350" kern="1200">
-                <a:solidFill>
-                  <a:schemeClr val="tx1"/>
-                </a:solidFill>
-                <a:latin typeface="+mn-lt"/>
-                <a:ea typeface="+mn-ea"/>
-                <a:cs typeface="+mn-cs"/>
-              </a:defRPr>
-            </a:lvl7pPr>
-            <a:lvl8pPr marL="2400300" algn="l" defTabSz="685800" rtl="0" eaLnBrk="1" latinLnBrk="0" hangingPunct="1">
-              <a:defRPr sz="1350" kern="1200">
-                <a:solidFill>
-                  <a:schemeClr val="tx1"/>
-                </a:solidFill>
-                <a:latin typeface="+mn-lt"/>
-                <a:ea typeface="+mn-ea"/>
-                <a:cs typeface="+mn-cs"/>
-              </a:defRPr>
-            </a:lvl8pPr>
-            <a:lvl9pPr marL="2743200" algn="l" defTabSz="685800" rtl="0" eaLnBrk="1" latinLnBrk="0" hangingPunct="1">
-              <a:defRPr sz="1350" kern="1200">
-                <a:solidFill>
-                  <a:schemeClr val="tx1"/>
-                </a:solidFill>
-                <a:latin typeface="+mn-lt"/>
-                <a:ea typeface="+mn-ea"/>
-                <a:cs typeface="+mn-cs"/>
-              </a:defRPr>
-            </a:lvl9pPr>
-          </a:lstStyle>
-          <a:p>
-            <a:pPr>
-              <a:lnSpc>
-                <a:spcPct val="110000"/>
-              </a:lnSpc>
-            </a:pPr>
-            <a:r>
-              <a:rPr lang="fr" sz="2000" dirty="0">
-                <a:solidFill>
-                  <a:srgbClr val="1A2B42"/>
-                </a:solidFill>
-                <a:latin typeface="Montserrat SemiBold"/>
-                <a:ea typeface="+mn-lt"/>
-                <a:cs typeface="+mn-lt"/>
-                <a:sym typeface="Montserrat SemiBold"/>
-              </a:rPr>
-              <a:t>Implementation</a:t>
-            </a:r>
-            <a:endParaRPr lang="en-US" sz="2000" dirty="0">
-              <a:latin typeface="Montserrat" pitchFamily="2" charset="77"/>
-              <a:ea typeface="+mn-lt"/>
-              <a:cs typeface="+mn-lt"/>
-            </a:endParaRPr>
-          </a:p>
-        </p:txBody>
-      </p:sp>
-      <p:pic>
-        <p:nvPicPr>
-          <p:cNvPr id="6" name="Picture 5">
-            <a:extLst>
-              <a:ext uri="{FF2B5EF4-FFF2-40B4-BE49-F238E27FC236}">
-                <a16:creationId xmlns:a16="http://schemas.microsoft.com/office/drawing/2014/main" id="{B98C6265-3D1F-05B1-08CF-8F039C465070}"/>
-              </a:ext>
-            </a:extLst>
-          </p:cNvPr>
-          <p:cNvPicPr>
-            <a:picLocks noChangeAspect="1"/>
-          </p:cNvPicPr>
-          <p:nvPr/>
-        </p:nvPicPr>
-        <p:blipFill>
-          <a:blip r:embed="rId4"/>
-          <a:stretch>
-            <a:fillRect/>
-          </a:stretch>
-        </p:blipFill>
-        <p:spPr>
-          <a:xfrm>
-            <a:off x="949532" y="1456447"/>
-            <a:ext cx="7200000" cy="2509428"/>
-          </a:xfrm>
-          <a:prstGeom prst="rect">
-            <a:avLst/>
-          </a:prstGeom>
-        </p:spPr>
-      </p:pic>
-    </p:spTree>
-    <p:extLst>
-      <p:ext uri="{BB962C8B-B14F-4D97-AF65-F5344CB8AC3E}">
-        <p14:creationId xmlns:p14="http://schemas.microsoft.com/office/powerpoint/2010/main" val="3388833182"/>
-      </p:ext>
-    </p:extLst>
-  </p:cSld>
-  <p:clrMapOvr>
-    <a:masterClrMapping/>
-  </p:clrMapOvr>
-  <p:transition>
-    <p:fade/>
-  </p:transition>
-</p:sld>
-</file>
-
-<file path=ppt/slides/slide13.xml><?xml version="1.0" encoding="utf-8"?>
+<file path=ppt/slides/slide11.xml><?xml version="1.0" encoding="utf-8"?>
 <p:sld xmlns:a="http://schemas.openxmlformats.org/drawingml/2006/main" xmlns:r="http://schemas.openxmlformats.org/officeDocument/2006/relationships" xmlns:p="http://schemas.openxmlformats.org/presentationml/2006/main">
   <p:cSld>
     <p:spTree>
@@ -21420,7 +20135,7 @@
 </p:sld>
 </file>
 
-<file path=ppt/slides/slide14.xml><?xml version="1.0" encoding="utf-8"?>
+<file path=ppt/slides/slide12.xml><?xml version="1.0" encoding="utf-8"?>
 <p:sld xmlns:a="http://schemas.openxmlformats.org/drawingml/2006/main" xmlns:r="http://schemas.openxmlformats.org/officeDocument/2006/relationships" xmlns:p="http://schemas.openxmlformats.org/presentationml/2006/main">
   <p:cSld>
     <p:spTree>
@@ -21711,24 +20426,14 @@
               <a:buChar char="•"/>
             </a:pPr>
             <a:r>
-              <a:rPr lang="en-GB" sz="1100" b="1" dirty="0">
+              <a:rPr lang="en-GB" sz="1100" dirty="0">
                 <a:solidFill>
                   <a:srgbClr val="141414"/>
                 </a:solidFill>
                 <a:latin typeface="PT Sans" panose="020B0503020203020204" pitchFamily="34" charset="77"/>
                 <a:sym typeface="Montserrat SemiBold"/>
               </a:rPr>
-              <a:t>Save</a:t>
-            </a:r>
-            <a:r>
-              <a:rPr lang="en-GB" sz="1100" dirty="0">
-                <a:solidFill>
-                  <a:srgbClr val="141414"/>
-                </a:solidFill>
-                <a:latin typeface="PT Sans" panose="020B0503020203020204" pitchFamily="34" charset="77"/>
-                <a:sym typeface="Montserrat SemiBold"/>
-              </a:rPr>
-              <a:t> form configuration and user input.</a:t>
+              <a:t>Save form configuration and user input.</a:t>
             </a:r>
           </a:p>
           <a:p>
@@ -21977,7 +20682,7 @@
 </p:sld>
 </file>
 
-<file path=ppt/slides/slide15.xml><?xml version="1.0" encoding="utf-8"?>
+<file path=ppt/slides/slide13.xml><?xml version="1.0" encoding="utf-8"?>
 <p:sld xmlns:a="http://schemas.openxmlformats.org/drawingml/2006/main" xmlns:r="http://schemas.openxmlformats.org/officeDocument/2006/relationships" xmlns:p="http://schemas.openxmlformats.org/presentationml/2006/main">
   <p:cSld>
     <p:spTree>
@@ -22156,7 +20861,7 @@
 </p:sld>
 </file>
 
-<file path=ppt/slides/slide16.xml><?xml version="1.0" encoding="utf-8"?>
+<file path=ppt/slides/slide14.xml><?xml version="1.0" encoding="utf-8"?>
 <p:sld xmlns:a="http://schemas.openxmlformats.org/drawingml/2006/main" xmlns:r="http://schemas.openxmlformats.org/officeDocument/2006/relationships" xmlns:p="http://schemas.openxmlformats.org/presentationml/2006/main">
   <p:cSld>
     <p:spTree>
@@ -22308,7 +21013,7 @@
 </p:sld>
 </file>
 
-<file path=ppt/slides/slide17.xml><?xml version="1.0" encoding="utf-8"?>
+<file path=ppt/slides/slide15.xml><?xml version="1.0" encoding="utf-8"?>
 <p:sld xmlns:a="http://schemas.openxmlformats.org/drawingml/2006/main" xmlns:r="http://schemas.openxmlformats.org/officeDocument/2006/relationships" xmlns:p="http://schemas.openxmlformats.org/presentationml/2006/main">
   <p:cSld>
     <p:spTree>
@@ -22825,2666 +21530,6 @@
       </p:transition>
     </mc:Fallback>
   </mc:AlternateContent>
-</p:sld>
-</file>
-
-<file path=ppt/slides/slide18.xml><?xml version="1.0" encoding="utf-8"?>
-<p:sld xmlns:a="http://schemas.openxmlformats.org/drawingml/2006/main" xmlns:r="http://schemas.openxmlformats.org/officeDocument/2006/relationships" xmlns:p="http://schemas.openxmlformats.org/presentationml/2006/main" show="0">
-  <p:cSld>
-    <p:spTree>
-      <p:nvGrpSpPr>
-        <p:cNvPr id="1" name="Shape 946">
-          <a:extLst>
-            <a:ext uri="{FF2B5EF4-FFF2-40B4-BE49-F238E27FC236}">
-              <a16:creationId xmlns:a16="http://schemas.microsoft.com/office/drawing/2014/main" id="{F9351913-6302-F4AC-5DD8-02512D6C2D6B}"/>
-            </a:ext>
-          </a:extLst>
-        </p:cNvPr>
-        <p:cNvGrpSpPr/>
-        <p:nvPr/>
-      </p:nvGrpSpPr>
-      <p:grpSpPr>
-        <a:xfrm>
-          <a:off x="0" y="0"/>
-          <a:ext cx="0" cy="0"/>
-          <a:chOff x="0" y="0"/>
-          <a:chExt cx="0" cy="0"/>
-        </a:xfrm>
-      </p:grpSpPr>
-      <p:sp>
-        <p:nvSpPr>
-          <p:cNvPr id="947" name="Google Shape;947;p60">
-            <a:extLst>
-              <a:ext uri="{FF2B5EF4-FFF2-40B4-BE49-F238E27FC236}">
-                <a16:creationId xmlns:a16="http://schemas.microsoft.com/office/drawing/2014/main" id="{379BFDAC-5EC9-B79C-DF9E-5B2828C44921}"/>
-              </a:ext>
-            </a:extLst>
-          </p:cNvPr>
-          <p:cNvSpPr txBox="1"/>
-          <p:nvPr/>
-        </p:nvSpPr>
-        <p:spPr>
-          <a:xfrm>
-            <a:off x="2884200" y="467136"/>
-            <a:ext cx="3375600" cy="323100"/>
-          </a:xfrm>
-          <a:prstGeom prst="rect">
-            <a:avLst/>
-          </a:prstGeom>
-          <a:noFill/>
-          <a:ln>
-            <a:noFill/>
-          </a:ln>
-        </p:spPr>
-        <p:txBody>
-          <a:bodyPr spcFirstLastPara="1" wrap="square" lIns="0" tIns="0" rIns="0" bIns="0" anchor="t" anchorCtr="0">
-            <a:noAutofit/>
-          </a:bodyPr>
-          <a:lstStyle/>
-          <a:p>
-            <a:pPr algn="ctr">
-              <a:buClr>
-                <a:schemeClr val="dk1"/>
-              </a:buClr>
-              <a:buSzPts val="2100"/>
-            </a:pPr>
-            <a:r>
-              <a:rPr lang="fr" sz="2000" dirty="0" err="1">
-                <a:solidFill>
-                  <a:schemeClr val="dk1"/>
-                </a:solidFill>
-                <a:latin typeface="Montserrat SemiBold"/>
-                <a:sym typeface="Montserrat SemiBold"/>
-              </a:rPr>
-              <a:t>Icons</a:t>
-            </a:r>
-            <a:endParaRPr sz="2000" dirty="0">
-              <a:solidFill>
-                <a:schemeClr val="dk1"/>
-              </a:solidFill>
-              <a:latin typeface="Montserrat SemiBold"/>
-              <a:sym typeface="Montserrat SemiBold"/>
-            </a:endParaRPr>
-          </a:p>
-        </p:txBody>
-      </p:sp>
-      <p:pic>
-        <p:nvPicPr>
-          <p:cNvPr id="3" name="Picture 2" descr="A logo with a green circle&#10;&#10;Description automatically generated">
-            <a:extLst>
-              <a:ext uri="{FF2B5EF4-FFF2-40B4-BE49-F238E27FC236}">
-                <a16:creationId xmlns:a16="http://schemas.microsoft.com/office/drawing/2014/main" id="{858FD554-4E4F-77B6-6549-EA20E54C2FDA}"/>
-              </a:ext>
-            </a:extLst>
-          </p:cNvPr>
-          <p:cNvPicPr>
-            <a:picLocks noChangeAspect="1"/>
-          </p:cNvPicPr>
-          <p:nvPr/>
-        </p:nvPicPr>
-        <p:blipFill>
-          <a:blip r:embed="rId3"/>
-          <a:stretch>
-            <a:fillRect/>
-          </a:stretch>
-        </p:blipFill>
-        <p:spPr>
-          <a:xfrm>
-            <a:off x="1092476" y="1128963"/>
-            <a:ext cx="508000" cy="508000"/>
-          </a:xfrm>
-          <a:prstGeom prst="rect">
-            <a:avLst/>
-          </a:prstGeom>
-        </p:spPr>
-      </p:pic>
-      <p:pic>
-        <p:nvPicPr>
-          <p:cNvPr id="5" name="Picture 4" descr="A credit card with a green circle&#10;&#10;Description automatically generated">
-            <a:extLst>
-              <a:ext uri="{FF2B5EF4-FFF2-40B4-BE49-F238E27FC236}">
-                <a16:creationId xmlns:a16="http://schemas.microsoft.com/office/drawing/2014/main" id="{EFF960BC-6CCE-05C8-752A-C1C6C727C900}"/>
-              </a:ext>
-            </a:extLst>
-          </p:cNvPr>
-          <p:cNvPicPr>
-            <a:picLocks noChangeAspect="1"/>
-          </p:cNvPicPr>
-          <p:nvPr/>
-        </p:nvPicPr>
-        <p:blipFill>
-          <a:blip r:embed="rId4"/>
-          <a:stretch>
-            <a:fillRect/>
-          </a:stretch>
-        </p:blipFill>
-        <p:spPr>
-          <a:xfrm>
-            <a:off x="1814654" y="1128963"/>
-            <a:ext cx="508000" cy="508000"/>
-          </a:xfrm>
-          <a:prstGeom prst="rect">
-            <a:avLst/>
-          </a:prstGeom>
-        </p:spPr>
-      </p:pic>
-      <p:pic>
-        <p:nvPicPr>
-          <p:cNvPr id="7" name="Picture 6" descr="A logo of a lock with a tick on it&#10;&#10;Description automatically generated">
-            <a:extLst>
-              <a:ext uri="{FF2B5EF4-FFF2-40B4-BE49-F238E27FC236}">
-                <a16:creationId xmlns:a16="http://schemas.microsoft.com/office/drawing/2014/main" id="{E1D68BC8-D6EE-DC5D-C906-C6AB7C120933}"/>
-              </a:ext>
-            </a:extLst>
-          </p:cNvPr>
-          <p:cNvPicPr>
-            <a:picLocks noChangeAspect="1"/>
-          </p:cNvPicPr>
-          <p:nvPr/>
-        </p:nvPicPr>
-        <p:blipFill>
-          <a:blip r:embed="rId5"/>
-          <a:stretch>
-            <a:fillRect/>
-          </a:stretch>
-        </p:blipFill>
-        <p:spPr>
-          <a:xfrm>
-            <a:off x="2536832" y="1128963"/>
-            <a:ext cx="508000" cy="508000"/>
-          </a:xfrm>
-          <a:prstGeom prst="rect">
-            <a:avLst/>
-          </a:prstGeom>
-        </p:spPr>
-      </p:pic>
-      <p:pic>
-        <p:nvPicPr>
-          <p:cNvPr id="9" name="Picture 8" descr="A graphic of a graph with a green circle and a black background&#10;&#10;Description automatically generated">
-            <a:extLst>
-              <a:ext uri="{FF2B5EF4-FFF2-40B4-BE49-F238E27FC236}">
-                <a16:creationId xmlns:a16="http://schemas.microsoft.com/office/drawing/2014/main" id="{25AF0493-955E-1350-B98D-542AF8C036EF}"/>
-              </a:ext>
-            </a:extLst>
-          </p:cNvPr>
-          <p:cNvPicPr>
-            <a:picLocks noChangeAspect="1"/>
-          </p:cNvPicPr>
-          <p:nvPr/>
-        </p:nvPicPr>
-        <p:blipFill>
-          <a:blip r:embed="rId6"/>
-          <a:stretch>
-            <a:fillRect/>
-          </a:stretch>
-        </p:blipFill>
-        <p:spPr>
-          <a:xfrm>
-            <a:off x="3981188" y="1128963"/>
-            <a:ext cx="508000" cy="508000"/>
-          </a:xfrm>
-          <a:prstGeom prst="rect">
-            <a:avLst/>
-          </a:prstGeom>
-        </p:spPr>
-      </p:pic>
-      <p:pic>
-        <p:nvPicPr>
-          <p:cNvPr id="11" name="Picture 10" descr="A green circle with blue x and black text&#10;&#10;Description automatically generated">
-            <a:extLst>
-              <a:ext uri="{FF2B5EF4-FFF2-40B4-BE49-F238E27FC236}">
-                <a16:creationId xmlns:a16="http://schemas.microsoft.com/office/drawing/2014/main" id="{4662D874-D1F2-417E-91F7-0EC0C75B1992}"/>
-              </a:ext>
-            </a:extLst>
-          </p:cNvPr>
-          <p:cNvPicPr>
-            <a:picLocks noChangeAspect="1"/>
-          </p:cNvPicPr>
-          <p:nvPr/>
-        </p:nvPicPr>
-        <p:blipFill>
-          <a:blip r:embed="rId7"/>
-          <a:stretch>
-            <a:fillRect/>
-          </a:stretch>
-        </p:blipFill>
-        <p:spPr>
-          <a:xfrm>
-            <a:off x="3259010" y="1128963"/>
-            <a:ext cx="508000" cy="508000"/>
-          </a:xfrm>
-          <a:prstGeom prst="rect">
-            <a:avLst/>
-          </a:prstGeom>
-        </p:spPr>
-      </p:pic>
-      <p:pic>
-        <p:nvPicPr>
-          <p:cNvPr id="13" name="Picture 12" descr="A logo of a card&#10;&#10;Description automatically generated">
-            <a:extLst>
-              <a:ext uri="{FF2B5EF4-FFF2-40B4-BE49-F238E27FC236}">
-                <a16:creationId xmlns:a16="http://schemas.microsoft.com/office/drawing/2014/main" id="{D70B4050-59BF-89E7-DA17-F58CF805513A}"/>
-              </a:ext>
-            </a:extLst>
-          </p:cNvPr>
-          <p:cNvPicPr>
-            <a:picLocks noChangeAspect="1"/>
-          </p:cNvPicPr>
-          <p:nvPr/>
-        </p:nvPicPr>
-        <p:blipFill>
-          <a:blip r:embed="rId8"/>
-          <a:stretch>
-            <a:fillRect/>
-          </a:stretch>
-        </p:blipFill>
-        <p:spPr>
-          <a:xfrm>
-            <a:off x="4703366" y="1128963"/>
-            <a:ext cx="508000" cy="508000"/>
-          </a:xfrm>
-          <a:prstGeom prst="rect">
-            <a:avLst/>
-          </a:prstGeom>
-        </p:spPr>
-      </p:pic>
-      <p:pic>
-        <p:nvPicPr>
-          <p:cNvPr id="15" name="Picture 14" descr="A green circle with a black background with a blue and black sign&#10;&#10;Description automatically generated">
-            <a:extLst>
-              <a:ext uri="{FF2B5EF4-FFF2-40B4-BE49-F238E27FC236}">
-                <a16:creationId xmlns:a16="http://schemas.microsoft.com/office/drawing/2014/main" id="{7808D532-8811-015D-5CE2-B17CE0824965}"/>
-              </a:ext>
-            </a:extLst>
-          </p:cNvPr>
-          <p:cNvPicPr>
-            <a:picLocks noChangeAspect="1"/>
-          </p:cNvPicPr>
-          <p:nvPr/>
-        </p:nvPicPr>
-        <p:blipFill>
-          <a:blip r:embed="rId9"/>
-          <a:stretch>
-            <a:fillRect/>
-          </a:stretch>
-        </p:blipFill>
-        <p:spPr>
-          <a:xfrm>
-            <a:off x="5425544" y="1128963"/>
-            <a:ext cx="508000" cy="508000"/>
-          </a:xfrm>
-          <a:prstGeom prst="rect">
-            <a:avLst/>
-          </a:prstGeom>
-        </p:spPr>
-      </p:pic>
-      <p:pic>
-        <p:nvPicPr>
-          <p:cNvPr id="17" name="Picture 16" descr="A building with columns and a green circle&#10;&#10;Description automatically generated">
-            <a:extLst>
-              <a:ext uri="{FF2B5EF4-FFF2-40B4-BE49-F238E27FC236}">
-                <a16:creationId xmlns:a16="http://schemas.microsoft.com/office/drawing/2014/main" id="{9EC4A182-F5E3-F946-6BE2-768F11881597}"/>
-              </a:ext>
-            </a:extLst>
-          </p:cNvPr>
-          <p:cNvPicPr>
-            <a:picLocks noChangeAspect="1"/>
-          </p:cNvPicPr>
-          <p:nvPr/>
-        </p:nvPicPr>
-        <p:blipFill>
-          <a:blip r:embed="rId10"/>
-          <a:stretch>
-            <a:fillRect/>
-          </a:stretch>
-        </p:blipFill>
-        <p:spPr>
-          <a:xfrm>
-            <a:off x="6147722" y="1128963"/>
-            <a:ext cx="508000" cy="508000"/>
-          </a:xfrm>
-          <a:prstGeom prst="rect">
-            <a:avLst/>
-          </a:prstGeom>
-        </p:spPr>
-      </p:pic>
-      <p:pic>
-        <p:nvPicPr>
-          <p:cNvPr id="19" name="Picture 18" descr="A logo of a location&#10;&#10;Description automatically generated">
-            <a:extLst>
-              <a:ext uri="{FF2B5EF4-FFF2-40B4-BE49-F238E27FC236}">
-                <a16:creationId xmlns:a16="http://schemas.microsoft.com/office/drawing/2014/main" id="{DE4CFF2E-32D2-85EE-7C68-947190901866}"/>
-              </a:ext>
-            </a:extLst>
-          </p:cNvPr>
-          <p:cNvPicPr>
-            <a:picLocks noChangeAspect="1"/>
-          </p:cNvPicPr>
-          <p:nvPr/>
-        </p:nvPicPr>
-        <p:blipFill>
-          <a:blip r:embed="rId11"/>
-          <a:stretch>
-            <a:fillRect/>
-          </a:stretch>
-        </p:blipFill>
-        <p:spPr>
-          <a:xfrm>
-            <a:off x="7592077" y="1128963"/>
-            <a:ext cx="508000" cy="508000"/>
-          </a:xfrm>
-          <a:prstGeom prst="rect">
-            <a:avLst/>
-          </a:prstGeom>
-        </p:spPr>
-      </p:pic>
-      <p:pic>
-        <p:nvPicPr>
-          <p:cNvPr id="21" name="Picture 20" descr="A logo of a letter p&#10;&#10;Description automatically generated">
-            <a:extLst>
-              <a:ext uri="{FF2B5EF4-FFF2-40B4-BE49-F238E27FC236}">
-                <a16:creationId xmlns:a16="http://schemas.microsoft.com/office/drawing/2014/main" id="{38D6B187-AF3D-68A6-BED9-DB1FD3F04609}"/>
-              </a:ext>
-            </a:extLst>
-          </p:cNvPr>
-          <p:cNvPicPr>
-            <a:picLocks noChangeAspect="1"/>
-          </p:cNvPicPr>
-          <p:nvPr/>
-        </p:nvPicPr>
-        <p:blipFill>
-          <a:blip r:embed="rId12"/>
-          <a:stretch>
-            <a:fillRect/>
-          </a:stretch>
-        </p:blipFill>
-        <p:spPr>
-          <a:xfrm>
-            <a:off x="6869900" y="1128963"/>
-            <a:ext cx="508000" cy="508000"/>
-          </a:xfrm>
-          <a:prstGeom prst="rect">
-            <a:avLst/>
-          </a:prstGeom>
-        </p:spPr>
-      </p:pic>
-      <p:pic>
-        <p:nvPicPr>
-          <p:cNvPr id="23" name="Picture 22" descr="A green circle with arrows pointing upwards&#10;&#10;Description automatically generated">
-            <a:extLst>
-              <a:ext uri="{FF2B5EF4-FFF2-40B4-BE49-F238E27FC236}">
-                <a16:creationId xmlns:a16="http://schemas.microsoft.com/office/drawing/2014/main" id="{1C24A445-6DA4-F975-E3EF-10068B2AF9FC}"/>
-              </a:ext>
-            </a:extLst>
-          </p:cNvPr>
-          <p:cNvPicPr>
-            <a:picLocks noChangeAspect="1"/>
-          </p:cNvPicPr>
-          <p:nvPr/>
-        </p:nvPicPr>
-        <p:blipFill>
-          <a:blip r:embed="rId13"/>
-          <a:stretch>
-            <a:fillRect/>
-          </a:stretch>
-        </p:blipFill>
-        <p:spPr>
-          <a:xfrm>
-            <a:off x="1092476" y="1782785"/>
-            <a:ext cx="508000" cy="508000"/>
-          </a:xfrm>
-          <a:prstGeom prst="rect">
-            <a:avLst/>
-          </a:prstGeom>
-        </p:spPr>
-      </p:pic>
-      <p:pic>
-        <p:nvPicPr>
-          <p:cNvPr id="25" name="Picture 24" descr="A green circle with a person and a check mark&#10;&#10;Description automatically generated">
-            <a:extLst>
-              <a:ext uri="{FF2B5EF4-FFF2-40B4-BE49-F238E27FC236}">
-                <a16:creationId xmlns:a16="http://schemas.microsoft.com/office/drawing/2014/main" id="{FBECBBC1-C2E7-2688-B234-22FDADCDB57B}"/>
-              </a:ext>
-            </a:extLst>
-          </p:cNvPr>
-          <p:cNvPicPr>
-            <a:picLocks noChangeAspect="1"/>
-          </p:cNvPicPr>
-          <p:nvPr/>
-        </p:nvPicPr>
-        <p:blipFill>
-          <a:blip r:embed="rId14"/>
-          <a:stretch>
-            <a:fillRect/>
-          </a:stretch>
-        </p:blipFill>
-        <p:spPr>
-          <a:xfrm>
-            <a:off x="1814654" y="1782785"/>
-            <a:ext cx="508000" cy="508000"/>
-          </a:xfrm>
-          <a:prstGeom prst="rect">
-            <a:avLst/>
-          </a:prstGeom>
-        </p:spPr>
-      </p:pic>
-      <p:pic>
-        <p:nvPicPr>
-          <p:cNvPr id="27" name="Picture 26" descr="A triangle with a exclamation mark on it&#10;&#10;Description automatically generated">
-            <a:extLst>
-              <a:ext uri="{FF2B5EF4-FFF2-40B4-BE49-F238E27FC236}">
-                <a16:creationId xmlns:a16="http://schemas.microsoft.com/office/drawing/2014/main" id="{4893A572-9C82-53E6-8AC3-593AF86FC1C1}"/>
-              </a:ext>
-            </a:extLst>
-          </p:cNvPr>
-          <p:cNvPicPr>
-            <a:picLocks noChangeAspect="1"/>
-          </p:cNvPicPr>
-          <p:nvPr/>
-        </p:nvPicPr>
-        <p:blipFill>
-          <a:blip r:embed="rId15"/>
-          <a:stretch>
-            <a:fillRect/>
-          </a:stretch>
-        </p:blipFill>
-        <p:spPr>
-          <a:xfrm>
-            <a:off x="5425544" y="1782785"/>
-            <a:ext cx="508000" cy="508000"/>
-          </a:xfrm>
-          <a:prstGeom prst="rect">
-            <a:avLst/>
-          </a:prstGeom>
-        </p:spPr>
-      </p:pic>
-      <p:pic>
-        <p:nvPicPr>
-          <p:cNvPr id="29" name="Picture 28" descr="A green and black stopwatch&#10;&#10;Description automatically generated">
-            <a:extLst>
-              <a:ext uri="{FF2B5EF4-FFF2-40B4-BE49-F238E27FC236}">
-                <a16:creationId xmlns:a16="http://schemas.microsoft.com/office/drawing/2014/main" id="{C228B097-FB13-6DA8-DF1A-77624B9FCEB1}"/>
-              </a:ext>
-            </a:extLst>
-          </p:cNvPr>
-          <p:cNvPicPr>
-            <a:picLocks noChangeAspect="1"/>
-          </p:cNvPicPr>
-          <p:nvPr/>
-        </p:nvPicPr>
-        <p:blipFill>
-          <a:blip r:embed="rId16"/>
-          <a:stretch>
-            <a:fillRect/>
-          </a:stretch>
-        </p:blipFill>
-        <p:spPr>
-          <a:xfrm>
-            <a:off x="2536832" y="1782785"/>
-            <a:ext cx="508000" cy="508000"/>
-          </a:xfrm>
-          <a:prstGeom prst="rect">
-            <a:avLst/>
-          </a:prstGeom>
-        </p:spPr>
-      </p:pic>
-      <p:pic>
-        <p:nvPicPr>
-          <p:cNvPr id="31" name="Picture 30" descr="A green circle with a blue check mark on it&#10;&#10;Description automatically generated">
-            <a:extLst>
-              <a:ext uri="{FF2B5EF4-FFF2-40B4-BE49-F238E27FC236}">
-                <a16:creationId xmlns:a16="http://schemas.microsoft.com/office/drawing/2014/main" id="{66865A55-9211-0AD1-77C8-637456FA6B85}"/>
-              </a:ext>
-            </a:extLst>
-          </p:cNvPr>
-          <p:cNvPicPr>
-            <a:picLocks noChangeAspect="1"/>
-          </p:cNvPicPr>
-          <p:nvPr/>
-        </p:nvPicPr>
-        <p:blipFill>
-          <a:blip r:embed="rId17"/>
-          <a:stretch>
-            <a:fillRect/>
-          </a:stretch>
-        </p:blipFill>
-        <p:spPr>
-          <a:xfrm>
-            <a:off x="3981188" y="1782785"/>
-            <a:ext cx="508000" cy="508000"/>
-          </a:xfrm>
-          <a:prstGeom prst="rect">
-            <a:avLst/>
-          </a:prstGeom>
-        </p:spPr>
-      </p:pic>
-      <p:pic>
-        <p:nvPicPr>
-          <p:cNvPr id="33" name="Picture 32" descr="A logo of a triangle with a green circle&#10;&#10;Description automatically generated">
-            <a:extLst>
-              <a:ext uri="{FF2B5EF4-FFF2-40B4-BE49-F238E27FC236}">
-                <a16:creationId xmlns:a16="http://schemas.microsoft.com/office/drawing/2014/main" id="{2BE894A4-1315-8EAD-0790-283DFDAB14A8}"/>
-              </a:ext>
-            </a:extLst>
-          </p:cNvPr>
-          <p:cNvPicPr>
-            <a:picLocks noChangeAspect="1"/>
-          </p:cNvPicPr>
-          <p:nvPr/>
-        </p:nvPicPr>
-        <p:blipFill>
-          <a:blip r:embed="rId18"/>
-          <a:stretch>
-            <a:fillRect/>
-          </a:stretch>
-        </p:blipFill>
-        <p:spPr>
-          <a:xfrm>
-            <a:off x="3259010" y="1782785"/>
-            <a:ext cx="508000" cy="508000"/>
-          </a:xfrm>
-          <a:prstGeom prst="rect">
-            <a:avLst/>
-          </a:prstGeom>
-        </p:spPr>
-      </p:pic>
-      <p:pic>
-        <p:nvPicPr>
-          <p:cNvPr id="35" name="Picture 34" descr="A triangle with a exclamation mark on it&#10;&#10;Description automatically generated">
-            <a:extLst>
-              <a:ext uri="{FF2B5EF4-FFF2-40B4-BE49-F238E27FC236}">
-                <a16:creationId xmlns:a16="http://schemas.microsoft.com/office/drawing/2014/main" id="{C1AFCE2C-305C-D5C7-363A-45DDBEA44804}"/>
-              </a:ext>
-            </a:extLst>
-          </p:cNvPr>
-          <p:cNvPicPr>
-            <a:picLocks noChangeAspect="1"/>
-          </p:cNvPicPr>
-          <p:nvPr/>
-        </p:nvPicPr>
-        <p:blipFill>
-          <a:blip r:embed="rId19"/>
-          <a:stretch>
-            <a:fillRect/>
-          </a:stretch>
-        </p:blipFill>
-        <p:spPr>
-          <a:xfrm>
-            <a:off x="6147722" y="1782785"/>
-            <a:ext cx="508000" cy="508000"/>
-          </a:xfrm>
-          <a:prstGeom prst="rect">
-            <a:avLst/>
-          </a:prstGeom>
-        </p:spPr>
-      </p:pic>
-      <p:pic>
-        <p:nvPicPr>
-          <p:cNvPr id="37" name="Picture 36" descr="A green circle with arrows pointing at a triangle&#10;&#10;Description automatically generated">
-            <a:extLst>
-              <a:ext uri="{FF2B5EF4-FFF2-40B4-BE49-F238E27FC236}">
-                <a16:creationId xmlns:a16="http://schemas.microsoft.com/office/drawing/2014/main" id="{10CDAFF5-DC9E-F868-BDF0-CFB5A14BAB01}"/>
-              </a:ext>
-            </a:extLst>
-          </p:cNvPr>
-          <p:cNvPicPr>
-            <a:picLocks noChangeAspect="1"/>
-          </p:cNvPicPr>
-          <p:nvPr/>
-        </p:nvPicPr>
-        <p:blipFill>
-          <a:blip r:embed="rId20"/>
-          <a:stretch>
-            <a:fillRect/>
-          </a:stretch>
-        </p:blipFill>
-        <p:spPr>
-          <a:xfrm>
-            <a:off x="6869900" y="1782785"/>
-            <a:ext cx="508000" cy="508000"/>
-          </a:xfrm>
-          <a:prstGeom prst="rect">
-            <a:avLst/>
-          </a:prstGeom>
-        </p:spPr>
-      </p:pic>
-      <p:pic>
-        <p:nvPicPr>
-          <p:cNvPr id="39" name="Picture 38" descr="A lock on a green circle&#10;&#10;Description automatically generated">
-            <a:extLst>
-              <a:ext uri="{FF2B5EF4-FFF2-40B4-BE49-F238E27FC236}">
-                <a16:creationId xmlns:a16="http://schemas.microsoft.com/office/drawing/2014/main" id="{4BD0193F-5D16-3A75-FAAD-DCAFB2743C31}"/>
-              </a:ext>
-            </a:extLst>
-          </p:cNvPr>
-          <p:cNvPicPr>
-            <a:picLocks noChangeAspect="1"/>
-          </p:cNvPicPr>
-          <p:nvPr/>
-        </p:nvPicPr>
-        <p:blipFill>
-          <a:blip r:embed="rId21"/>
-          <a:stretch>
-            <a:fillRect/>
-          </a:stretch>
-        </p:blipFill>
-        <p:spPr>
-          <a:xfrm>
-            <a:off x="4703366" y="1782785"/>
-            <a:ext cx="508000" cy="508000"/>
-          </a:xfrm>
-          <a:prstGeom prst="rect">
-            <a:avLst/>
-          </a:prstGeom>
-        </p:spPr>
-      </p:pic>
-      <p:pic>
-        <p:nvPicPr>
-          <p:cNvPr id="41" name="Picture 40" descr="A green circle with a black and blue circle with a check mark&#10;&#10;Description automatically generated">
-            <a:extLst>
-              <a:ext uri="{FF2B5EF4-FFF2-40B4-BE49-F238E27FC236}">
-                <a16:creationId xmlns:a16="http://schemas.microsoft.com/office/drawing/2014/main" id="{FB7B4D3E-231F-6856-34D8-3A449D9BD3C1}"/>
-              </a:ext>
-            </a:extLst>
-          </p:cNvPr>
-          <p:cNvPicPr>
-            <a:picLocks noChangeAspect="1"/>
-          </p:cNvPicPr>
-          <p:nvPr/>
-        </p:nvPicPr>
-        <p:blipFill>
-          <a:blip r:embed="rId22"/>
-          <a:stretch>
-            <a:fillRect/>
-          </a:stretch>
-        </p:blipFill>
-        <p:spPr>
-          <a:xfrm>
-            <a:off x="7592077" y="1782785"/>
-            <a:ext cx="508000" cy="508000"/>
-          </a:xfrm>
-          <a:prstGeom prst="rect">
-            <a:avLst/>
-          </a:prstGeom>
-        </p:spPr>
-      </p:pic>
-      <p:pic>
-        <p:nvPicPr>
-          <p:cNvPr id="45" name="Picture 44" descr="A green circle with a percent sign&#10;&#10;Description automatically generated">
-            <a:extLst>
-              <a:ext uri="{FF2B5EF4-FFF2-40B4-BE49-F238E27FC236}">
-                <a16:creationId xmlns:a16="http://schemas.microsoft.com/office/drawing/2014/main" id="{C1B182EE-7B2E-35D4-52A1-80DB7A9119DC}"/>
-              </a:ext>
-            </a:extLst>
-          </p:cNvPr>
-          <p:cNvPicPr>
-            <a:picLocks noChangeAspect="1"/>
-          </p:cNvPicPr>
-          <p:nvPr/>
-        </p:nvPicPr>
-        <p:blipFill>
-          <a:blip r:embed="rId23"/>
-          <a:stretch>
-            <a:fillRect/>
-          </a:stretch>
-        </p:blipFill>
-        <p:spPr>
-          <a:xfrm>
-            <a:off x="3981188" y="2436607"/>
-            <a:ext cx="508000" cy="508000"/>
-          </a:xfrm>
-          <a:prstGeom prst="rect">
-            <a:avLst/>
-          </a:prstGeom>
-        </p:spPr>
-      </p:pic>
-      <p:pic>
-        <p:nvPicPr>
-          <p:cNvPr id="47" name="Picture 46" descr="A logo of a wallet&#10;&#10;Description automatically generated">
-            <a:extLst>
-              <a:ext uri="{FF2B5EF4-FFF2-40B4-BE49-F238E27FC236}">
-                <a16:creationId xmlns:a16="http://schemas.microsoft.com/office/drawing/2014/main" id="{BD1C342C-92A7-9716-04CB-92C103DD33A2}"/>
-              </a:ext>
-            </a:extLst>
-          </p:cNvPr>
-          <p:cNvPicPr>
-            <a:picLocks noChangeAspect="1"/>
-          </p:cNvPicPr>
-          <p:nvPr/>
-        </p:nvPicPr>
-        <p:blipFill>
-          <a:blip r:embed="rId24"/>
-          <a:stretch>
-            <a:fillRect/>
-          </a:stretch>
-        </p:blipFill>
-        <p:spPr>
-          <a:xfrm>
-            <a:off x="1092476" y="2436607"/>
-            <a:ext cx="508000" cy="508000"/>
-          </a:xfrm>
-          <a:prstGeom prst="rect">
-            <a:avLst/>
-          </a:prstGeom>
-        </p:spPr>
-      </p:pic>
-      <p:pic>
-        <p:nvPicPr>
-          <p:cNvPr id="49" name="Picture 48" descr="A green circle with arrows pointing to the side&#10;&#10;Description automatically generated">
-            <a:extLst>
-              <a:ext uri="{FF2B5EF4-FFF2-40B4-BE49-F238E27FC236}">
-                <a16:creationId xmlns:a16="http://schemas.microsoft.com/office/drawing/2014/main" id="{9EF3275F-44B3-8067-5165-BBCA82726AA4}"/>
-              </a:ext>
-            </a:extLst>
-          </p:cNvPr>
-          <p:cNvPicPr>
-            <a:picLocks noChangeAspect="1"/>
-          </p:cNvPicPr>
-          <p:nvPr/>
-        </p:nvPicPr>
-        <p:blipFill>
-          <a:blip r:embed="rId25"/>
-          <a:stretch>
-            <a:fillRect/>
-          </a:stretch>
-        </p:blipFill>
-        <p:spPr>
-          <a:xfrm>
-            <a:off x="2536832" y="2436607"/>
-            <a:ext cx="508000" cy="508000"/>
-          </a:xfrm>
-          <a:prstGeom prst="rect">
-            <a:avLst/>
-          </a:prstGeom>
-        </p:spPr>
-      </p:pic>
-      <p:pic>
-        <p:nvPicPr>
-          <p:cNvPr id="51" name="Picture 50" descr="A logo of a lock in a circle&#10;&#10;Description automatically generated">
-            <a:extLst>
-              <a:ext uri="{FF2B5EF4-FFF2-40B4-BE49-F238E27FC236}">
-                <a16:creationId xmlns:a16="http://schemas.microsoft.com/office/drawing/2014/main" id="{B995B71B-58C8-FC32-B190-3B923ABE58E8}"/>
-              </a:ext>
-            </a:extLst>
-          </p:cNvPr>
-          <p:cNvPicPr>
-            <a:picLocks noChangeAspect="1"/>
-          </p:cNvPicPr>
-          <p:nvPr/>
-        </p:nvPicPr>
-        <p:blipFill>
-          <a:blip r:embed="rId26"/>
-          <a:stretch>
-            <a:fillRect/>
-          </a:stretch>
-        </p:blipFill>
-        <p:spPr>
-          <a:xfrm>
-            <a:off x="1814654" y="2436607"/>
-            <a:ext cx="508000" cy="508000"/>
-          </a:xfrm>
-          <a:prstGeom prst="rect">
-            <a:avLst/>
-          </a:prstGeom>
-        </p:spPr>
-      </p:pic>
-      <p:pic>
-        <p:nvPicPr>
-          <p:cNvPr id="53" name="Picture 52" descr="A logo of a person with circles&#10;&#10;Description automatically generated">
-            <a:extLst>
-              <a:ext uri="{FF2B5EF4-FFF2-40B4-BE49-F238E27FC236}">
-                <a16:creationId xmlns:a16="http://schemas.microsoft.com/office/drawing/2014/main" id="{C819AB70-1AF4-2931-08A2-D40305019F0D}"/>
-              </a:ext>
-            </a:extLst>
-          </p:cNvPr>
-          <p:cNvPicPr>
-            <a:picLocks noChangeAspect="1"/>
-          </p:cNvPicPr>
-          <p:nvPr/>
-        </p:nvPicPr>
-        <p:blipFill>
-          <a:blip r:embed="rId27"/>
-          <a:stretch>
-            <a:fillRect/>
-          </a:stretch>
-        </p:blipFill>
-        <p:spPr>
-          <a:xfrm>
-            <a:off x="3259010" y="2436607"/>
-            <a:ext cx="508000" cy="508000"/>
-          </a:xfrm>
-          <a:prstGeom prst="rect">
-            <a:avLst/>
-          </a:prstGeom>
-        </p:spPr>
-      </p:pic>
-      <p:pic>
-        <p:nvPicPr>
-          <p:cNvPr id="55" name="Picture 54" descr="A green circle with a blue and black circle with a euro sign and arrow down&#10;&#10;Description automatically generated">
-            <a:extLst>
-              <a:ext uri="{FF2B5EF4-FFF2-40B4-BE49-F238E27FC236}">
-                <a16:creationId xmlns:a16="http://schemas.microsoft.com/office/drawing/2014/main" id="{686BE2FC-CCEC-3053-613D-3E8246979043}"/>
-              </a:ext>
-            </a:extLst>
-          </p:cNvPr>
-          <p:cNvPicPr>
-            <a:picLocks noChangeAspect="1"/>
-          </p:cNvPicPr>
-          <p:nvPr/>
-        </p:nvPicPr>
-        <p:blipFill>
-          <a:blip r:embed="rId28"/>
-          <a:stretch>
-            <a:fillRect/>
-          </a:stretch>
-        </p:blipFill>
-        <p:spPr>
-          <a:xfrm>
-            <a:off x="4703366" y="2436607"/>
-            <a:ext cx="508000" cy="508000"/>
-          </a:xfrm>
-          <a:prstGeom prst="rect">
-            <a:avLst/>
-          </a:prstGeom>
-        </p:spPr>
-      </p:pic>
-      <p:pic>
-        <p:nvPicPr>
-          <p:cNvPr id="57" name="Picture 56" descr="A logo of a chat bubble with a star&#10;&#10;Description automatically generated">
-            <a:extLst>
-              <a:ext uri="{FF2B5EF4-FFF2-40B4-BE49-F238E27FC236}">
-                <a16:creationId xmlns:a16="http://schemas.microsoft.com/office/drawing/2014/main" id="{4E19CAE7-D96D-27EA-CC49-3518364FB882}"/>
-              </a:ext>
-            </a:extLst>
-          </p:cNvPr>
-          <p:cNvPicPr>
-            <a:picLocks noChangeAspect="1"/>
-          </p:cNvPicPr>
-          <p:nvPr/>
-        </p:nvPicPr>
-        <p:blipFill>
-          <a:blip r:embed="rId29"/>
-          <a:stretch>
-            <a:fillRect/>
-          </a:stretch>
-        </p:blipFill>
-        <p:spPr>
-          <a:xfrm>
-            <a:off x="5425544" y="2436607"/>
-            <a:ext cx="508000" cy="508000"/>
-          </a:xfrm>
-          <a:prstGeom prst="rect">
-            <a:avLst/>
-          </a:prstGeom>
-        </p:spPr>
-      </p:pic>
-      <p:pic>
-        <p:nvPicPr>
-          <p:cNvPr id="59" name="Picture 58" descr="A logo of a pen in a square with a green circle&#10;&#10;Description automatically generated">
-            <a:extLst>
-              <a:ext uri="{FF2B5EF4-FFF2-40B4-BE49-F238E27FC236}">
-                <a16:creationId xmlns:a16="http://schemas.microsoft.com/office/drawing/2014/main" id="{F3B0F30A-4025-A0F5-D682-FCB38FEE9247}"/>
-              </a:ext>
-            </a:extLst>
-          </p:cNvPr>
-          <p:cNvPicPr>
-            <a:picLocks noChangeAspect="1"/>
-          </p:cNvPicPr>
-          <p:nvPr/>
-        </p:nvPicPr>
-        <p:blipFill>
-          <a:blip r:embed="rId30"/>
-          <a:stretch>
-            <a:fillRect/>
-          </a:stretch>
-        </p:blipFill>
-        <p:spPr>
-          <a:xfrm>
-            <a:off x="6147722" y="2436607"/>
-            <a:ext cx="508000" cy="508000"/>
-          </a:xfrm>
-          <a:prstGeom prst="rect">
-            <a:avLst/>
-          </a:prstGeom>
-        </p:spPr>
-      </p:pic>
-      <p:pic>
-        <p:nvPicPr>
-          <p:cNvPr id="61" name="Picture 60" descr="A green and black stopwatch&#10;&#10;Description automatically generated">
-            <a:extLst>
-              <a:ext uri="{FF2B5EF4-FFF2-40B4-BE49-F238E27FC236}">
-                <a16:creationId xmlns:a16="http://schemas.microsoft.com/office/drawing/2014/main" id="{88AFC7C2-A5C5-EB34-819C-5E79080CB83B}"/>
-              </a:ext>
-            </a:extLst>
-          </p:cNvPr>
-          <p:cNvPicPr>
-            <a:picLocks noChangeAspect="1"/>
-          </p:cNvPicPr>
-          <p:nvPr/>
-        </p:nvPicPr>
-        <p:blipFill>
-          <a:blip r:embed="rId31"/>
-          <a:stretch>
-            <a:fillRect/>
-          </a:stretch>
-        </p:blipFill>
-        <p:spPr>
-          <a:xfrm>
-            <a:off x="6869900" y="2436607"/>
-            <a:ext cx="508000" cy="508000"/>
-          </a:xfrm>
-          <a:prstGeom prst="rect">
-            <a:avLst/>
-          </a:prstGeom>
-        </p:spPr>
-      </p:pic>
-      <p:pic>
-        <p:nvPicPr>
-          <p:cNvPr id="63" name="Picture 62" descr="A logo of a shield with a lock&#10;&#10;Description automatically generated">
-            <a:extLst>
-              <a:ext uri="{FF2B5EF4-FFF2-40B4-BE49-F238E27FC236}">
-                <a16:creationId xmlns:a16="http://schemas.microsoft.com/office/drawing/2014/main" id="{2E550967-A060-5740-2293-9C486917A3FC}"/>
-              </a:ext>
-            </a:extLst>
-          </p:cNvPr>
-          <p:cNvPicPr>
-            <a:picLocks noChangeAspect="1"/>
-          </p:cNvPicPr>
-          <p:nvPr/>
-        </p:nvPicPr>
-        <p:blipFill>
-          <a:blip r:embed="rId32"/>
-          <a:stretch>
-            <a:fillRect/>
-          </a:stretch>
-        </p:blipFill>
-        <p:spPr>
-          <a:xfrm>
-            <a:off x="7592077" y="2436607"/>
-            <a:ext cx="508000" cy="508000"/>
-          </a:xfrm>
-          <a:prstGeom prst="rect">
-            <a:avLst/>
-          </a:prstGeom>
-        </p:spPr>
-      </p:pic>
-      <p:pic>
-        <p:nvPicPr>
-          <p:cNvPr id="897" name="Picture 896" descr="A green circle with a black arrow and a blue circle with a green circle and a black background&#10;&#10;Description automatically generated">
-            <a:extLst>
-              <a:ext uri="{FF2B5EF4-FFF2-40B4-BE49-F238E27FC236}">
-                <a16:creationId xmlns:a16="http://schemas.microsoft.com/office/drawing/2014/main" id="{7016FE22-B750-C873-CC02-C2CC55D30221}"/>
-              </a:ext>
-            </a:extLst>
-          </p:cNvPr>
-          <p:cNvPicPr>
-            <a:picLocks noChangeAspect="1"/>
-          </p:cNvPicPr>
-          <p:nvPr/>
-        </p:nvPicPr>
-        <p:blipFill>
-          <a:blip r:embed="rId33"/>
-          <a:stretch>
-            <a:fillRect/>
-          </a:stretch>
-        </p:blipFill>
-        <p:spPr>
-          <a:xfrm>
-            <a:off x="1092476" y="3090429"/>
-            <a:ext cx="508000" cy="508000"/>
-          </a:xfrm>
-          <a:prstGeom prst="rect">
-            <a:avLst/>
-          </a:prstGeom>
-        </p:spPr>
-      </p:pic>
-      <p:pic>
-        <p:nvPicPr>
-          <p:cNvPr id="899" name="Picture 898">
-            <a:extLst>
-              <a:ext uri="{FF2B5EF4-FFF2-40B4-BE49-F238E27FC236}">
-                <a16:creationId xmlns:a16="http://schemas.microsoft.com/office/drawing/2014/main" id="{2A2D76D9-7EB0-3CB7-822E-1B1FC33B5A26}"/>
-              </a:ext>
-            </a:extLst>
-          </p:cNvPr>
-          <p:cNvPicPr>
-            <a:picLocks noChangeAspect="1"/>
-          </p:cNvPicPr>
-          <p:nvPr/>
-        </p:nvPicPr>
-        <p:blipFill>
-          <a:blip r:embed="rId34"/>
-          <a:stretch>
-            <a:fillRect/>
-          </a:stretch>
-        </p:blipFill>
-        <p:spPr>
-          <a:xfrm>
-            <a:off x="1814654" y="3090429"/>
-            <a:ext cx="508000" cy="508000"/>
-          </a:xfrm>
-          <a:prstGeom prst="rect">
-            <a:avLst/>
-          </a:prstGeom>
-        </p:spPr>
-      </p:pic>
-      <p:pic>
-        <p:nvPicPr>
-          <p:cNvPr id="901" name="Picture 900" descr="A logo of a green circle with arrows and squares&#10;&#10;Description automatically generated">
-            <a:extLst>
-              <a:ext uri="{FF2B5EF4-FFF2-40B4-BE49-F238E27FC236}">
-                <a16:creationId xmlns:a16="http://schemas.microsoft.com/office/drawing/2014/main" id="{6C3E8034-F50E-01CB-2E63-CD101D6129F7}"/>
-              </a:ext>
-            </a:extLst>
-          </p:cNvPr>
-          <p:cNvPicPr>
-            <a:picLocks noChangeAspect="1"/>
-          </p:cNvPicPr>
-          <p:nvPr/>
-        </p:nvPicPr>
-        <p:blipFill>
-          <a:blip r:embed="rId35"/>
-          <a:stretch>
-            <a:fillRect/>
-          </a:stretch>
-        </p:blipFill>
-        <p:spPr>
-          <a:xfrm>
-            <a:off x="2536832" y="3090429"/>
-            <a:ext cx="508000" cy="508000"/>
-          </a:xfrm>
-          <a:prstGeom prst="rect">
-            <a:avLst/>
-          </a:prstGeom>
-        </p:spPr>
-      </p:pic>
-      <p:pic>
-        <p:nvPicPr>
-          <p:cNvPr id="903" name="Picture 902" descr="A graphic on a screen&#10;&#10;Description automatically generated with medium confidence">
-            <a:extLst>
-              <a:ext uri="{FF2B5EF4-FFF2-40B4-BE49-F238E27FC236}">
-                <a16:creationId xmlns:a16="http://schemas.microsoft.com/office/drawing/2014/main" id="{2836BE34-301E-90BB-733A-8D6CE75D1315}"/>
-              </a:ext>
-            </a:extLst>
-          </p:cNvPr>
-          <p:cNvPicPr>
-            <a:picLocks noChangeAspect="1"/>
-          </p:cNvPicPr>
-          <p:nvPr/>
-        </p:nvPicPr>
-        <p:blipFill>
-          <a:blip r:embed="rId36"/>
-          <a:stretch>
-            <a:fillRect/>
-          </a:stretch>
-        </p:blipFill>
-        <p:spPr>
-          <a:xfrm>
-            <a:off x="3259010" y="3090429"/>
-            <a:ext cx="508000" cy="508000"/>
-          </a:xfrm>
-          <a:prstGeom prst="rect">
-            <a:avLst/>
-          </a:prstGeom>
-        </p:spPr>
-      </p:pic>
-      <p:pic>
-        <p:nvPicPr>
-          <p:cNvPr id="905" name="Picture 904" descr="A logo of a company&#10;&#10;Description automatically generated">
-            <a:extLst>
-              <a:ext uri="{FF2B5EF4-FFF2-40B4-BE49-F238E27FC236}">
-                <a16:creationId xmlns:a16="http://schemas.microsoft.com/office/drawing/2014/main" id="{15AA96F5-EC15-AE90-C309-4F9F767DECFE}"/>
-              </a:ext>
-            </a:extLst>
-          </p:cNvPr>
-          <p:cNvPicPr>
-            <a:picLocks noChangeAspect="1"/>
-          </p:cNvPicPr>
-          <p:nvPr/>
-        </p:nvPicPr>
-        <p:blipFill>
-          <a:blip r:embed="rId37"/>
-          <a:stretch>
-            <a:fillRect/>
-          </a:stretch>
-        </p:blipFill>
-        <p:spPr>
-          <a:xfrm>
-            <a:off x="3981188" y="3090429"/>
-            <a:ext cx="508000" cy="508000"/>
-          </a:xfrm>
-          <a:prstGeom prst="rect">
-            <a:avLst/>
-          </a:prstGeom>
-        </p:spPr>
-      </p:pic>
-      <p:pic>
-        <p:nvPicPr>
-          <p:cNvPr id="907" name="Picture 906" descr="A logo of a music player&#10;&#10;Description automatically generated with medium confidence">
-            <a:extLst>
-              <a:ext uri="{FF2B5EF4-FFF2-40B4-BE49-F238E27FC236}">
-                <a16:creationId xmlns:a16="http://schemas.microsoft.com/office/drawing/2014/main" id="{CEA15576-350A-534B-9741-15F74476645C}"/>
-              </a:ext>
-            </a:extLst>
-          </p:cNvPr>
-          <p:cNvPicPr>
-            <a:picLocks noChangeAspect="1"/>
-          </p:cNvPicPr>
-          <p:nvPr/>
-        </p:nvPicPr>
-        <p:blipFill>
-          <a:blip r:embed="rId38"/>
-          <a:stretch>
-            <a:fillRect/>
-          </a:stretch>
-        </p:blipFill>
-        <p:spPr>
-          <a:xfrm>
-            <a:off x="4703366" y="3090429"/>
-            <a:ext cx="508000" cy="508000"/>
-          </a:xfrm>
-          <a:prstGeom prst="rect">
-            <a:avLst/>
-          </a:prstGeom>
-        </p:spPr>
-      </p:pic>
-      <p:pic>
-        <p:nvPicPr>
-          <p:cNvPr id="909" name="Picture 908" descr="A green circle with a black circle around it&#10;&#10;Description automatically generated">
-            <a:extLst>
-              <a:ext uri="{FF2B5EF4-FFF2-40B4-BE49-F238E27FC236}">
-                <a16:creationId xmlns:a16="http://schemas.microsoft.com/office/drawing/2014/main" id="{BBFBF5AD-4D33-F20D-2E27-4B5BA429F0BB}"/>
-              </a:ext>
-            </a:extLst>
-          </p:cNvPr>
-          <p:cNvPicPr>
-            <a:picLocks noChangeAspect="1"/>
-          </p:cNvPicPr>
-          <p:nvPr/>
-        </p:nvPicPr>
-        <p:blipFill>
-          <a:blip r:embed="rId39"/>
-          <a:stretch>
-            <a:fillRect/>
-          </a:stretch>
-        </p:blipFill>
-        <p:spPr>
-          <a:xfrm>
-            <a:off x="5425544" y="3090429"/>
-            <a:ext cx="508000" cy="508000"/>
-          </a:xfrm>
-          <a:prstGeom prst="rect">
-            <a:avLst/>
-          </a:prstGeom>
-        </p:spPr>
-      </p:pic>
-      <p:pic>
-        <p:nvPicPr>
-          <p:cNvPr id="911" name="Picture 910" descr="A logo of a green circle&#10;&#10;Description automatically generated">
-            <a:extLst>
-              <a:ext uri="{FF2B5EF4-FFF2-40B4-BE49-F238E27FC236}">
-                <a16:creationId xmlns:a16="http://schemas.microsoft.com/office/drawing/2014/main" id="{570FE687-C171-76C9-3EEF-C4BCCA773F28}"/>
-              </a:ext>
-            </a:extLst>
-          </p:cNvPr>
-          <p:cNvPicPr>
-            <a:picLocks noChangeAspect="1"/>
-          </p:cNvPicPr>
-          <p:nvPr/>
-        </p:nvPicPr>
-        <p:blipFill>
-          <a:blip r:embed="rId40"/>
-          <a:stretch>
-            <a:fillRect/>
-          </a:stretch>
-        </p:blipFill>
-        <p:spPr>
-          <a:xfrm>
-            <a:off x="6147722" y="3090429"/>
-            <a:ext cx="508000" cy="508000"/>
-          </a:xfrm>
-          <a:prstGeom prst="rect">
-            <a:avLst/>
-          </a:prstGeom>
-        </p:spPr>
-      </p:pic>
-      <p:pic>
-        <p:nvPicPr>
-          <p:cNvPr id="925" name="Picture 924" descr="A logo of a box and a glass&#10;&#10;Description automatically generated">
-            <a:extLst>
-              <a:ext uri="{FF2B5EF4-FFF2-40B4-BE49-F238E27FC236}">
-                <a16:creationId xmlns:a16="http://schemas.microsoft.com/office/drawing/2014/main" id="{1AB8BC63-FD37-BEEE-9FAA-57BB57C65561}"/>
-              </a:ext>
-            </a:extLst>
-          </p:cNvPr>
-          <p:cNvPicPr>
-            <a:picLocks noChangeAspect="1"/>
-          </p:cNvPicPr>
-          <p:nvPr/>
-        </p:nvPicPr>
-        <p:blipFill>
-          <a:blip r:embed="rId41"/>
-          <a:stretch>
-            <a:fillRect/>
-          </a:stretch>
-        </p:blipFill>
-        <p:spPr>
-          <a:xfrm>
-            <a:off x="1105176" y="3744251"/>
-            <a:ext cx="482600" cy="508000"/>
-          </a:xfrm>
-          <a:prstGeom prst="rect">
-            <a:avLst/>
-          </a:prstGeom>
-        </p:spPr>
-      </p:pic>
-      <p:pic>
-        <p:nvPicPr>
-          <p:cNvPr id="927" name="Picture 926" descr="A green circle with arrows&#10;&#10;Description automatically generated">
-            <a:extLst>
-              <a:ext uri="{FF2B5EF4-FFF2-40B4-BE49-F238E27FC236}">
-                <a16:creationId xmlns:a16="http://schemas.microsoft.com/office/drawing/2014/main" id="{706EDF4E-CF73-E168-0178-1710EB1ED1FA}"/>
-              </a:ext>
-            </a:extLst>
-          </p:cNvPr>
-          <p:cNvPicPr>
-            <a:picLocks noChangeAspect="1"/>
-          </p:cNvPicPr>
-          <p:nvPr/>
-        </p:nvPicPr>
-        <p:blipFill>
-          <a:blip r:embed="rId42"/>
-          <a:stretch>
-            <a:fillRect/>
-          </a:stretch>
-        </p:blipFill>
-        <p:spPr>
-          <a:xfrm>
-            <a:off x="1803365" y="3744251"/>
-            <a:ext cx="508000" cy="508000"/>
-          </a:xfrm>
-          <a:prstGeom prst="rect">
-            <a:avLst/>
-          </a:prstGeom>
-        </p:spPr>
-      </p:pic>
-      <p:pic>
-        <p:nvPicPr>
-          <p:cNvPr id="929" name="Picture 928" descr="A logo of a gear with a green circle&#10;&#10;Description automatically generated">
-            <a:extLst>
-              <a:ext uri="{FF2B5EF4-FFF2-40B4-BE49-F238E27FC236}">
-                <a16:creationId xmlns:a16="http://schemas.microsoft.com/office/drawing/2014/main" id="{07CB84B9-2157-890B-7689-1EDB6531A078}"/>
-              </a:ext>
-            </a:extLst>
-          </p:cNvPr>
-          <p:cNvPicPr>
-            <a:picLocks noChangeAspect="1"/>
-          </p:cNvPicPr>
-          <p:nvPr/>
-        </p:nvPicPr>
-        <p:blipFill>
-          <a:blip r:embed="rId43"/>
-          <a:stretch>
-            <a:fillRect/>
-          </a:stretch>
-        </p:blipFill>
-        <p:spPr>
-          <a:xfrm>
-            <a:off x="2526954" y="3744251"/>
-            <a:ext cx="508000" cy="508000"/>
-          </a:xfrm>
-          <a:prstGeom prst="rect">
-            <a:avLst/>
-          </a:prstGeom>
-        </p:spPr>
-      </p:pic>
-      <p:pic>
-        <p:nvPicPr>
-          <p:cNvPr id="931" name="Picture 930" descr="A green and black circle with black circles and dots&#10;&#10;Description automatically generated with medium confidence">
-            <a:extLst>
-              <a:ext uri="{FF2B5EF4-FFF2-40B4-BE49-F238E27FC236}">
-                <a16:creationId xmlns:a16="http://schemas.microsoft.com/office/drawing/2014/main" id="{202C4875-AC8B-D10E-BBBE-EAE547512F65}"/>
-              </a:ext>
-            </a:extLst>
-          </p:cNvPr>
-          <p:cNvPicPr>
-            <a:picLocks noChangeAspect="1"/>
-          </p:cNvPicPr>
-          <p:nvPr/>
-        </p:nvPicPr>
-        <p:blipFill>
-          <a:blip r:embed="rId44"/>
-          <a:stretch>
-            <a:fillRect/>
-          </a:stretch>
-        </p:blipFill>
-        <p:spPr>
-          <a:xfrm>
-            <a:off x="3250543" y="3744251"/>
-            <a:ext cx="508000" cy="508000"/>
-          </a:xfrm>
-          <a:prstGeom prst="rect">
-            <a:avLst/>
-          </a:prstGeom>
-        </p:spPr>
-      </p:pic>
-      <p:pic>
-        <p:nvPicPr>
-          <p:cNvPr id="933" name="Picture 932" descr="A box with a green circle&#10;&#10;Description automatically generated">
-            <a:extLst>
-              <a:ext uri="{FF2B5EF4-FFF2-40B4-BE49-F238E27FC236}">
-                <a16:creationId xmlns:a16="http://schemas.microsoft.com/office/drawing/2014/main" id="{C6882A59-D9C5-4496-2F41-BDAFA584608B}"/>
-              </a:ext>
-            </a:extLst>
-          </p:cNvPr>
-          <p:cNvPicPr>
-            <a:picLocks noChangeAspect="1"/>
-          </p:cNvPicPr>
-          <p:nvPr/>
-        </p:nvPicPr>
-        <p:blipFill>
-          <a:blip r:embed="rId45"/>
-          <a:stretch>
-            <a:fillRect/>
-          </a:stretch>
-        </p:blipFill>
-        <p:spPr>
-          <a:xfrm>
-            <a:off x="3974132" y="3744251"/>
-            <a:ext cx="508000" cy="508000"/>
-          </a:xfrm>
-          <a:prstGeom prst="rect">
-            <a:avLst/>
-          </a:prstGeom>
-        </p:spPr>
-      </p:pic>
-      <p:pic>
-        <p:nvPicPr>
-          <p:cNvPr id="935" name="Picture 934" descr="A green circle with arrows&#10;&#10;Description automatically generated">
-            <a:extLst>
-              <a:ext uri="{FF2B5EF4-FFF2-40B4-BE49-F238E27FC236}">
-                <a16:creationId xmlns:a16="http://schemas.microsoft.com/office/drawing/2014/main" id="{39FE5928-6FB9-2E1D-09ED-A263929F7969}"/>
-              </a:ext>
-            </a:extLst>
-          </p:cNvPr>
-          <p:cNvPicPr>
-            <a:picLocks noChangeAspect="1"/>
-          </p:cNvPicPr>
-          <p:nvPr/>
-        </p:nvPicPr>
-        <p:blipFill>
-          <a:blip r:embed="rId46"/>
-          <a:stretch>
-            <a:fillRect/>
-          </a:stretch>
-        </p:blipFill>
-        <p:spPr>
-          <a:xfrm>
-            <a:off x="4697721" y="3744251"/>
-            <a:ext cx="508000" cy="508000"/>
-          </a:xfrm>
-          <a:prstGeom prst="rect">
-            <a:avLst/>
-          </a:prstGeom>
-        </p:spPr>
-      </p:pic>
-      <p:pic>
-        <p:nvPicPr>
-          <p:cNvPr id="937" name="Picture 936" descr="A blue and black shopping cart&#10;&#10;Description automatically generated">
-            <a:extLst>
-              <a:ext uri="{FF2B5EF4-FFF2-40B4-BE49-F238E27FC236}">
-                <a16:creationId xmlns:a16="http://schemas.microsoft.com/office/drawing/2014/main" id="{6990DA3B-6FF0-945C-0DBE-C6C97DA4EDF6}"/>
-              </a:ext>
-            </a:extLst>
-          </p:cNvPr>
-          <p:cNvPicPr>
-            <a:picLocks noChangeAspect="1"/>
-          </p:cNvPicPr>
-          <p:nvPr/>
-        </p:nvPicPr>
-        <p:blipFill>
-          <a:blip r:embed="rId47"/>
-          <a:stretch>
-            <a:fillRect/>
-          </a:stretch>
-        </p:blipFill>
-        <p:spPr>
-          <a:xfrm>
-            <a:off x="5421310" y="3744251"/>
-            <a:ext cx="508000" cy="508000"/>
-          </a:xfrm>
-          <a:prstGeom prst="rect">
-            <a:avLst/>
-          </a:prstGeom>
-        </p:spPr>
-      </p:pic>
-      <p:pic>
-        <p:nvPicPr>
-          <p:cNvPr id="939" name="Picture 938" descr="A logo of a magnifying glass&#10;&#10;Description automatically generated">
-            <a:extLst>
-              <a:ext uri="{FF2B5EF4-FFF2-40B4-BE49-F238E27FC236}">
-                <a16:creationId xmlns:a16="http://schemas.microsoft.com/office/drawing/2014/main" id="{8F9010B2-5E83-DA94-CD59-06E8A5FE87E1}"/>
-              </a:ext>
-            </a:extLst>
-          </p:cNvPr>
-          <p:cNvPicPr>
-            <a:picLocks noChangeAspect="1"/>
-          </p:cNvPicPr>
-          <p:nvPr/>
-        </p:nvPicPr>
-        <p:blipFill>
-          <a:blip r:embed="rId48"/>
-          <a:stretch>
-            <a:fillRect/>
-          </a:stretch>
-        </p:blipFill>
-        <p:spPr>
-          <a:xfrm>
-            <a:off x="6144899" y="3744251"/>
-            <a:ext cx="508000" cy="508000"/>
-          </a:xfrm>
-          <a:prstGeom prst="rect">
-            <a:avLst/>
-          </a:prstGeom>
-        </p:spPr>
-      </p:pic>
-      <p:pic>
-        <p:nvPicPr>
-          <p:cNvPr id="941" name="Picture 940" descr="A green circle with black lines&#10;&#10;Description automatically generated">
-            <a:extLst>
-              <a:ext uri="{FF2B5EF4-FFF2-40B4-BE49-F238E27FC236}">
-                <a16:creationId xmlns:a16="http://schemas.microsoft.com/office/drawing/2014/main" id="{E25B533A-AF35-C643-F8E9-9DB1ABC9BD1B}"/>
-              </a:ext>
-            </a:extLst>
-          </p:cNvPr>
-          <p:cNvPicPr>
-            <a:picLocks noChangeAspect="1"/>
-          </p:cNvPicPr>
-          <p:nvPr/>
-        </p:nvPicPr>
-        <p:blipFill>
-          <a:blip r:embed="rId49"/>
-          <a:stretch>
-            <a:fillRect/>
-          </a:stretch>
-        </p:blipFill>
-        <p:spPr>
-          <a:xfrm>
-            <a:off x="6868488" y="3744251"/>
-            <a:ext cx="508000" cy="508000"/>
-          </a:xfrm>
-          <a:prstGeom prst="rect">
-            <a:avLst/>
-          </a:prstGeom>
-        </p:spPr>
-      </p:pic>
-      <p:pic>
-        <p:nvPicPr>
-          <p:cNvPr id="943" name="Picture 942" descr="A green circle with arrows&#10;&#10;Description automatically generated">
-            <a:extLst>
-              <a:ext uri="{FF2B5EF4-FFF2-40B4-BE49-F238E27FC236}">
-                <a16:creationId xmlns:a16="http://schemas.microsoft.com/office/drawing/2014/main" id="{1EAB89FD-9E54-7F88-9C51-C55DF4182FB3}"/>
-              </a:ext>
-            </a:extLst>
-          </p:cNvPr>
-          <p:cNvPicPr>
-            <a:picLocks noChangeAspect="1"/>
-          </p:cNvPicPr>
-          <p:nvPr/>
-        </p:nvPicPr>
-        <p:blipFill>
-          <a:blip r:embed="rId50"/>
-          <a:stretch>
-            <a:fillRect/>
-          </a:stretch>
-        </p:blipFill>
-        <p:spPr>
-          <a:xfrm>
-            <a:off x="6869900" y="3090429"/>
-            <a:ext cx="508000" cy="508000"/>
-          </a:xfrm>
-          <a:prstGeom prst="rect">
-            <a:avLst/>
-          </a:prstGeom>
-        </p:spPr>
-      </p:pic>
-      <p:pic>
-        <p:nvPicPr>
-          <p:cNvPr id="945" name="Picture 944" descr="A hand with a green circle&#10;&#10;Description automatically generated">
-            <a:extLst>
-              <a:ext uri="{FF2B5EF4-FFF2-40B4-BE49-F238E27FC236}">
-                <a16:creationId xmlns:a16="http://schemas.microsoft.com/office/drawing/2014/main" id="{271F2C81-9F85-ED3C-8875-D871376074AD}"/>
-              </a:ext>
-            </a:extLst>
-          </p:cNvPr>
-          <p:cNvPicPr>
-            <a:picLocks noChangeAspect="1"/>
-          </p:cNvPicPr>
-          <p:nvPr/>
-        </p:nvPicPr>
-        <p:blipFill>
-          <a:blip r:embed="rId51"/>
-          <a:stretch>
-            <a:fillRect/>
-          </a:stretch>
-        </p:blipFill>
-        <p:spPr>
-          <a:xfrm>
-            <a:off x="7592077" y="3090429"/>
-            <a:ext cx="508000" cy="508000"/>
-          </a:xfrm>
-          <a:prstGeom prst="rect">
-            <a:avLst/>
-          </a:prstGeom>
-        </p:spPr>
-      </p:pic>
-      <p:pic>
-        <p:nvPicPr>
-          <p:cNvPr id="1214" name="Picture 1213" descr="A logo of a plant&#10;&#10;Description automatically generated">
-            <a:extLst>
-              <a:ext uri="{FF2B5EF4-FFF2-40B4-BE49-F238E27FC236}">
-                <a16:creationId xmlns:a16="http://schemas.microsoft.com/office/drawing/2014/main" id="{03038931-0B8C-460C-D50A-B00891BD2E81}"/>
-              </a:ext>
-            </a:extLst>
-          </p:cNvPr>
-          <p:cNvPicPr>
-            <a:picLocks noChangeAspect="1"/>
-          </p:cNvPicPr>
-          <p:nvPr/>
-        </p:nvPicPr>
-        <p:blipFill>
-          <a:blip r:embed="rId52"/>
-          <a:stretch>
-            <a:fillRect/>
-          </a:stretch>
-        </p:blipFill>
-        <p:spPr>
-          <a:xfrm>
-            <a:off x="7592077" y="3744251"/>
-            <a:ext cx="508000" cy="508000"/>
-          </a:xfrm>
-          <a:prstGeom prst="rect">
-            <a:avLst/>
-          </a:prstGeom>
-        </p:spPr>
-      </p:pic>
-    </p:spTree>
-    <p:extLst>
-      <p:ext uri="{BB962C8B-B14F-4D97-AF65-F5344CB8AC3E}">
-        <p14:creationId xmlns:p14="http://schemas.microsoft.com/office/powerpoint/2010/main" val="2982750"/>
-      </p:ext>
-    </p:extLst>
-  </p:cSld>
-  <p:clrMapOvr>
-    <a:masterClrMapping/>
-  </p:clrMapOvr>
-  <p:transition>
-    <p:fade/>
-  </p:transition>
-</p:sld>
-</file>
-
-<file path=ppt/slides/slide19.xml><?xml version="1.0" encoding="utf-8"?>
-<p:sld xmlns:a="http://schemas.openxmlformats.org/drawingml/2006/main" xmlns:r="http://schemas.openxmlformats.org/officeDocument/2006/relationships" xmlns:p="http://schemas.openxmlformats.org/presentationml/2006/main" show="0">
-  <p:cSld>
-    <p:spTree>
-      <p:nvGrpSpPr>
-        <p:cNvPr id="1" name="Shape 946">
-          <a:extLst>
-            <a:ext uri="{FF2B5EF4-FFF2-40B4-BE49-F238E27FC236}">
-              <a16:creationId xmlns:a16="http://schemas.microsoft.com/office/drawing/2014/main" id="{A194BB13-3F60-FFD1-45E8-ACF61BB889DB}"/>
-            </a:ext>
-          </a:extLst>
-        </p:cNvPr>
-        <p:cNvGrpSpPr/>
-        <p:nvPr/>
-      </p:nvGrpSpPr>
-      <p:grpSpPr>
-        <a:xfrm>
-          <a:off x="0" y="0"/>
-          <a:ext cx="0" cy="0"/>
-          <a:chOff x="0" y="0"/>
-          <a:chExt cx="0" cy="0"/>
-        </a:xfrm>
-      </p:grpSpPr>
-      <p:sp>
-        <p:nvSpPr>
-          <p:cNvPr id="947" name="Google Shape;947;p60">
-            <a:extLst>
-              <a:ext uri="{FF2B5EF4-FFF2-40B4-BE49-F238E27FC236}">
-                <a16:creationId xmlns:a16="http://schemas.microsoft.com/office/drawing/2014/main" id="{87650113-E6BC-6241-D611-E5112709AFF1}"/>
-              </a:ext>
-            </a:extLst>
-          </p:cNvPr>
-          <p:cNvSpPr txBox="1"/>
-          <p:nvPr/>
-        </p:nvSpPr>
-        <p:spPr>
-          <a:xfrm>
-            <a:off x="2884289" y="467136"/>
-            <a:ext cx="3375600" cy="323100"/>
-          </a:xfrm>
-          <a:prstGeom prst="rect">
-            <a:avLst/>
-          </a:prstGeom>
-          <a:noFill/>
-          <a:ln>
-            <a:noFill/>
-          </a:ln>
-        </p:spPr>
-        <p:txBody>
-          <a:bodyPr spcFirstLastPara="1" wrap="square" lIns="0" tIns="0" rIns="0" bIns="0" anchor="t" anchorCtr="0">
-            <a:noAutofit/>
-          </a:bodyPr>
-          <a:lstStyle/>
-          <a:p>
-            <a:pPr marL="0" lvl="0" indent="0" algn="ctr">
-              <a:buClr>
-                <a:schemeClr val="dk1"/>
-              </a:buClr>
-              <a:buSzPts val="2100"/>
-              <a:buFont typeface="Arial"/>
-              <a:buNone/>
-            </a:pPr>
-            <a:r>
-              <a:rPr lang="fr" sz="2000" dirty="0" err="1">
-                <a:solidFill>
-                  <a:schemeClr val="dk1"/>
-                </a:solidFill>
-                <a:latin typeface="Montserrat SemiBold"/>
-                <a:sym typeface="Montserrat SemiBold"/>
-              </a:rPr>
-              <a:t>Icons</a:t>
-            </a:r>
-            <a:endParaRPr sz="2000" dirty="0">
-              <a:solidFill>
-                <a:schemeClr val="dk1"/>
-              </a:solidFill>
-              <a:latin typeface="Montserrat SemiBold"/>
-              <a:sym typeface="Montserrat SemiBold"/>
-            </a:endParaRPr>
-          </a:p>
-        </p:txBody>
-      </p:sp>
-      <p:pic>
-        <p:nvPicPr>
-          <p:cNvPr id="913" name="Picture 912" descr="A logo of a badge&#10;&#10;Description automatically generated">
-            <a:extLst>
-              <a:ext uri="{FF2B5EF4-FFF2-40B4-BE49-F238E27FC236}">
-                <a16:creationId xmlns:a16="http://schemas.microsoft.com/office/drawing/2014/main" id="{7C743608-9BA2-6713-FA66-18F37716BCA0}"/>
-              </a:ext>
-            </a:extLst>
-          </p:cNvPr>
-          <p:cNvPicPr>
-            <a:picLocks noChangeAspect="1"/>
-          </p:cNvPicPr>
-          <p:nvPr/>
-        </p:nvPicPr>
-        <p:blipFill>
-          <a:blip r:embed="rId3"/>
-          <a:stretch>
-            <a:fillRect/>
-          </a:stretch>
-        </p:blipFill>
-        <p:spPr>
-          <a:xfrm>
-            <a:off x="5383979" y="1145897"/>
-            <a:ext cx="508000" cy="508000"/>
-          </a:xfrm>
-          <a:prstGeom prst="rect">
-            <a:avLst/>
-          </a:prstGeom>
-        </p:spPr>
-      </p:pic>
-      <p:pic>
-        <p:nvPicPr>
-          <p:cNvPr id="915" name="Picture 914" descr="A logo of a computer software company&#10;&#10;Description automatically generated with medium confidence">
-            <a:extLst>
-              <a:ext uri="{FF2B5EF4-FFF2-40B4-BE49-F238E27FC236}">
-                <a16:creationId xmlns:a16="http://schemas.microsoft.com/office/drawing/2014/main" id="{2133F691-E376-47BB-FE81-A5E9ABD0EB13}"/>
-              </a:ext>
-            </a:extLst>
-          </p:cNvPr>
-          <p:cNvPicPr>
-            <a:picLocks noChangeAspect="1"/>
-          </p:cNvPicPr>
-          <p:nvPr/>
-        </p:nvPicPr>
-        <p:blipFill>
-          <a:blip r:embed="rId4"/>
-          <a:stretch>
-            <a:fillRect/>
-          </a:stretch>
-        </p:blipFill>
-        <p:spPr>
-          <a:xfrm>
-            <a:off x="6106157" y="1145897"/>
-            <a:ext cx="508000" cy="508000"/>
-          </a:xfrm>
-          <a:prstGeom prst="rect">
-            <a:avLst/>
-          </a:prstGeom>
-        </p:spPr>
-      </p:pic>
-      <p:pic>
-        <p:nvPicPr>
-          <p:cNvPr id="917" name="Picture 916" descr="A group of arrows pointing up&#10;&#10;Description automatically generated">
-            <a:extLst>
-              <a:ext uri="{FF2B5EF4-FFF2-40B4-BE49-F238E27FC236}">
-                <a16:creationId xmlns:a16="http://schemas.microsoft.com/office/drawing/2014/main" id="{048D2F2D-439D-D689-8D8C-097053CADECD}"/>
-              </a:ext>
-            </a:extLst>
-          </p:cNvPr>
-          <p:cNvPicPr>
-            <a:picLocks noChangeAspect="1"/>
-          </p:cNvPicPr>
-          <p:nvPr/>
-        </p:nvPicPr>
-        <p:blipFill>
-          <a:blip r:embed="rId5"/>
-          <a:stretch>
-            <a:fillRect/>
-          </a:stretch>
-        </p:blipFill>
-        <p:spPr>
-          <a:xfrm>
-            <a:off x="6828335" y="1145897"/>
-            <a:ext cx="508000" cy="508000"/>
-          </a:xfrm>
-          <a:prstGeom prst="rect">
-            <a:avLst/>
-          </a:prstGeom>
-        </p:spPr>
-      </p:pic>
-      <p:pic>
-        <p:nvPicPr>
-          <p:cNvPr id="919" name="Picture 918" descr="A logo of a lightning bolt&#10;&#10;Description automatically generated">
-            <a:extLst>
-              <a:ext uri="{FF2B5EF4-FFF2-40B4-BE49-F238E27FC236}">
-                <a16:creationId xmlns:a16="http://schemas.microsoft.com/office/drawing/2014/main" id="{3BBF7C6F-209F-B299-936B-E33F96F2C420}"/>
-              </a:ext>
-            </a:extLst>
-          </p:cNvPr>
-          <p:cNvPicPr>
-            <a:picLocks noChangeAspect="1"/>
-          </p:cNvPicPr>
-          <p:nvPr/>
-        </p:nvPicPr>
-        <p:blipFill>
-          <a:blip r:embed="rId6"/>
-          <a:stretch>
-            <a:fillRect/>
-          </a:stretch>
-        </p:blipFill>
-        <p:spPr>
-          <a:xfrm>
-            <a:off x="7550512" y="1145897"/>
-            <a:ext cx="508000" cy="508000"/>
-          </a:xfrm>
-          <a:prstGeom prst="rect">
-            <a:avLst/>
-          </a:prstGeom>
-        </p:spPr>
-      </p:pic>
-      <p:pic>
-        <p:nvPicPr>
-          <p:cNvPr id="921" name="Picture 920" descr="A logo of a green circle&#10;&#10;Description automatically generated">
-            <a:extLst>
-              <a:ext uri="{FF2B5EF4-FFF2-40B4-BE49-F238E27FC236}">
-                <a16:creationId xmlns:a16="http://schemas.microsoft.com/office/drawing/2014/main" id="{F50271F7-58B6-739E-7D82-ACE85437791E}"/>
-              </a:ext>
-            </a:extLst>
-          </p:cNvPr>
-          <p:cNvPicPr>
-            <a:picLocks noChangeAspect="1"/>
-          </p:cNvPicPr>
-          <p:nvPr/>
-        </p:nvPicPr>
-        <p:blipFill>
-          <a:blip r:embed="rId7"/>
-          <a:stretch>
-            <a:fillRect/>
-          </a:stretch>
-        </p:blipFill>
-        <p:spPr>
-          <a:xfrm>
-            <a:off x="1050911" y="1797108"/>
-            <a:ext cx="508000" cy="508000"/>
-          </a:xfrm>
-          <a:prstGeom prst="rect">
-            <a:avLst/>
-          </a:prstGeom>
-        </p:spPr>
-      </p:pic>
-      <p:pic>
-        <p:nvPicPr>
-          <p:cNvPr id="923" name="Picture 922" descr="A green circle with a tick in it&#10;&#10;Description automatically generated">
-            <a:extLst>
-              <a:ext uri="{FF2B5EF4-FFF2-40B4-BE49-F238E27FC236}">
-                <a16:creationId xmlns:a16="http://schemas.microsoft.com/office/drawing/2014/main" id="{7FE1D92E-98DD-20E5-66D3-3CAFBA6109B8}"/>
-              </a:ext>
-            </a:extLst>
-          </p:cNvPr>
-          <p:cNvPicPr>
-            <a:picLocks noChangeAspect="1"/>
-          </p:cNvPicPr>
-          <p:nvPr/>
-        </p:nvPicPr>
-        <p:blipFill>
-          <a:blip r:embed="rId8"/>
-          <a:stretch>
-            <a:fillRect/>
-          </a:stretch>
-        </p:blipFill>
-        <p:spPr>
-          <a:xfrm>
-            <a:off x="1773089" y="1797108"/>
-            <a:ext cx="508000" cy="508000"/>
-          </a:xfrm>
-          <a:prstGeom prst="rect">
-            <a:avLst/>
-          </a:prstGeom>
-        </p:spPr>
-      </p:pic>
-      <p:pic>
-        <p:nvPicPr>
-          <p:cNvPr id="2" name="Picture 1" descr="A green and blue clock&#10;&#10;Description automatically generated">
-            <a:extLst>
-              <a:ext uri="{FF2B5EF4-FFF2-40B4-BE49-F238E27FC236}">
-                <a16:creationId xmlns:a16="http://schemas.microsoft.com/office/drawing/2014/main" id="{3EE97B1B-A58F-1888-E1DE-0E371737DEED}"/>
-              </a:ext>
-            </a:extLst>
-          </p:cNvPr>
-          <p:cNvPicPr>
-            <a:picLocks noChangeAspect="1"/>
-          </p:cNvPicPr>
-          <p:nvPr/>
-        </p:nvPicPr>
-        <p:blipFill>
-          <a:blip r:embed="rId9"/>
-          <a:stretch>
-            <a:fillRect/>
-          </a:stretch>
-        </p:blipFill>
-        <p:spPr>
-          <a:xfrm>
-            <a:off x="1050911" y="1145897"/>
-            <a:ext cx="508000" cy="508000"/>
-          </a:xfrm>
-          <a:prstGeom prst="rect">
-            <a:avLst/>
-          </a:prstGeom>
-        </p:spPr>
-      </p:pic>
-      <p:pic>
-        <p:nvPicPr>
-          <p:cNvPr id="4" name="Picture 3" descr="A light bulb on a green circle&#10;&#10;Description automatically generated">
-            <a:extLst>
-              <a:ext uri="{FF2B5EF4-FFF2-40B4-BE49-F238E27FC236}">
-                <a16:creationId xmlns:a16="http://schemas.microsoft.com/office/drawing/2014/main" id="{7D48DDEC-11DB-0652-AA3C-E7758EB20D30}"/>
-              </a:ext>
-            </a:extLst>
-          </p:cNvPr>
-          <p:cNvPicPr>
-            <a:picLocks noChangeAspect="1"/>
-          </p:cNvPicPr>
-          <p:nvPr/>
-        </p:nvPicPr>
-        <p:blipFill>
-          <a:blip r:embed="rId10"/>
-          <a:stretch>
-            <a:fillRect/>
-          </a:stretch>
-        </p:blipFill>
-        <p:spPr>
-          <a:xfrm>
-            <a:off x="1773089" y="1145897"/>
-            <a:ext cx="508000" cy="508000"/>
-          </a:xfrm>
-          <a:prstGeom prst="rect">
-            <a:avLst/>
-          </a:prstGeom>
-        </p:spPr>
-      </p:pic>
-      <p:pic>
-        <p:nvPicPr>
-          <p:cNvPr id="6" name="Picture 5" descr="A green circle with a blue symbol on it&#10;&#10;Description automatically generated">
-            <a:extLst>
-              <a:ext uri="{FF2B5EF4-FFF2-40B4-BE49-F238E27FC236}">
-                <a16:creationId xmlns:a16="http://schemas.microsoft.com/office/drawing/2014/main" id="{FF879FDF-2084-1512-8235-085BAFB38CBA}"/>
-              </a:ext>
-            </a:extLst>
-          </p:cNvPr>
-          <p:cNvPicPr>
-            <a:picLocks noChangeAspect="1"/>
-          </p:cNvPicPr>
-          <p:nvPr/>
-        </p:nvPicPr>
-        <p:blipFill>
-          <a:blip r:embed="rId11"/>
-          <a:stretch>
-            <a:fillRect/>
-          </a:stretch>
-        </p:blipFill>
-        <p:spPr>
-          <a:xfrm>
-            <a:off x="2495267" y="1145897"/>
-            <a:ext cx="508000" cy="508000"/>
-          </a:xfrm>
-          <a:prstGeom prst="rect">
-            <a:avLst/>
-          </a:prstGeom>
-        </p:spPr>
-      </p:pic>
-      <p:pic>
-        <p:nvPicPr>
-          <p:cNvPr id="8" name="Picture 7" descr="A green circle with a blue circle with a green circle with a black background&#10;&#10;Description automatically generated">
-            <a:extLst>
-              <a:ext uri="{FF2B5EF4-FFF2-40B4-BE49-F238E27FC236}">
-                <a16:creationId xmlns:a16="http://schemas.microsoft.com/office/drawing/2014/main" id="{43384090-1A5F-CD03-7EAB-E58040035027}"/>
-              </a:ext>
-            </a:extLst>
-          </p:cNvPr>
-          <p:cNvPicPr>
-            <a:picLocks noChangeAspect="1"/>
-          </p:cNvPicPr>
-          <p:nvPr/>
-        </p:nvPicPr>
-        <p:blipFill>
-          <a:blip r:embed="rId12"/>
-          <a:stretch>
-            <a:fillRect/>
-          </a:stretch>
-        </p:blipFill>
-        <p:spPr>
-          <a:xfrm>
-            <a:off x="3217445" y="1145897"/>
-            <a:ext cx="508000" cy="508000"/>
-          </a:xfrm>
-          <a:prstGeom prst="rect">
-            <a:avLst/>
-          </a:prstGeom>
-        </p:spPr>
-      </p:pic>
-      <p:pic>
-        <p:nvPicPr>
-          <p:cNvPr id="10" name="Picture 9" descr="A hand holding a coin&#10;&#10;Description automatically generated">
-            <a:extLst>
-              <a:ext uri="{FF2B5EF4-FFF2-40B4-BE49-F238E27FC236}">
-                <a16:creationId xmlns:a16="http://schemas.microsoft.com/office/drawing/2014/main" id="{478C06FB-16BB-5653-FBB3-BBA8762D7420}"/>
-              </a:ext>
-            </a:extLst>
-          </p:cNvPr>
-          <p:cNvPicPr>
-            <a:picLocks noChangeAspect="1"/>
-          </p:cNvPicPr>
-          <p:nvPr/>
-        </p:nvPicPr>
-        <p:blipFill>
-          <a:blip r:embed="rId13"/>
-          <a:stretch>
-            <a:fillRect/>
-          </a:stretch>
-        </p:blipFill>
-        <p:spPr>
-          <a:xfrm>
-            <a:off x="3939623" y="1145897"/>
-            <a:ext cx="508000" cy="508000"/>
-          </a:xfrm>
-          <a:prstGeom prst="rect">
-            <a:avLst/>
-          </a:prstGeom>
-        </p:spPr>
-      </p:pic>
-      <p:pic>
-        <p:nvPicPr>
-          <p:cNvPr id="12" name="Picture 11" descr="A black and blue piggy bank&#10;&#10;Description automatically generated">
-            <a:extLst>
-              <a:ext uri="{FF2B5EF4-FFF2-40B4-BE49-F238E27FC236}">
-                <a16:creationId xmlns:a16="http://schemas.microsoft.com/office/drawing/2014/main" id="{21015DD9-B5E5-4628-1F38-25369882CD98}"/>
-              </a:ext>
-            </a:extLst>
-          </p:cNvPr>
-          <p:cNvPicPr>
-            <a:picLocks noChangeAspect="1"/>
-          </p:cNvPicPr>
-          <p:nvPr/>
-        </p:nvPicPr>
-        <p:blipFill>
-          <a:blip r:embed="rId14"/>
-          <a:stretch>
-            <a:fillRect/>
-          </a:stretch>
-        </p:blipFill>
-        <p:spPr>
-          <a:xfrm>
-            <a:off x="4661801" y="1145897"/>
-            <a:ext cx="508000" cy="508000"/>
-          </a:xfrm>
-          <a:prstGeom prst="rect">
-            <a:avLst/>
-          </a:prstGeom>
-        </p:spPr>
-      </p:pic>
-      <p:pic>
-        <p:nvPicPr>
-          <p:cNvPr id="16" name="Picture 15" descr="A logo of a mountain with a flag on top&#10;&#10;Description automatically generated">
-            <a:extLst>
-              <a:ext uri="{FF2B5EF4-FFF2-40B4-BE49-F238E27FC236}">
-                <a16:creationId xmlns:a16="http://schemas.microsoft.com/office/drawing/2014/main" id="{F6A778ED-407D-5118-79AF-F4EACC0FE9CB}"/>
-              </a:ext>
-            </a:extLst>
-          </p:cNvPr>
-          <p:cNvPicPr>
-            <a:picLocks noChangeAspect="1"/>
-          </p:cNvPicPr>
-          <p:nvPr/>
-        </p:nvPicPr>
-        <p:blipFill>
-          <a:blip r:embed="rId15"/>
-          <a:stretch>
-            <a:fillRect/>
-          </a:stretch>
-        </p:blipFill>
-        <p:spPr>
-          <a:xfrm>
-            <a:off x="2495267" y="1797108"/>
-            <a:ext cx="508000" cy="508000"/>
-          </a:xfrm>
-          <a:prstGeom prst="rect">
-            <a:avLst/>
-          </a:prstGeom>
-        </p:spPr>
-      </p:pic>
-      <p:pic>
-        <p:nvPicPr>
-          <p:cNvPr id="20" name="Picture 19" descr="A handshake with a green circle&#10;&#10;Description automatically generated">
-            <a:extLst>
-              <a:ext uri="{FF2B5EF4-FFF2-40B4-BE49-F238E27FC236}">
-                <a16:creationId xmlns:a16="http://schemas.microsoft.com/office/drawing/2014/main" id="{20E7D706-BA3B-1DF9-87E1-6049DF649B56}"/>
-              </a:ext>
-            </a:extLst>
-          </p:cNvPr>
-          <p:cNvPicPr>
-            <a:picLocks noChangeAspect="1"/>
-          </p:cNvPicPr>
-          <p:nvPr/>
-        </p:nvPicPr>
-        <p:blipFill>
-          <a:blip r:embed="rId16"/>
-          <a:stretch>
-            <a:fillRect/>
-          </a:stretch>
-        </p:blipFill>
-        <p:spPr>
-          <a:xfrm>
-            <a:off x="3217445" y="1797108"/>
-            <a:ext cx="508000" cy="508000"/>
-          </a:xfrm>
-          <a:prstGeom prst="rect">
-            <a:avLst/>
-          </a:prstGeom>
-        </p:spPr>
-      </p:pic>
-      <p:pic>
-        <p:nvPicPr>
-          <p:cNvPr id="24" name="Picture 23" descr="A group of people in a circle&#10;&#10;Description automatically generated">
-            <a:extLst>
-              <a:ext uri="{FF2B5EF4-FFF2-40B4-BE49-F238E27FC236}">
-                <a16:creationId xmlns:a16="http://schemas.microsoft.com/office/drawing/2014/main" id="{19A32260-6EDB-099F-7219-C3CDA3A39250}"/>
-              </a:ext>
-            </a:extLst>
-          </p:cNvPr>
-          <p:cNvPicPr>
-            <a:picLocks noChangeAspect="1"/>
-          </p:cNvPicPr>
-          <p:nvPr/>
-        </p:nvPicPr>
-        <p:blipFill>
-          <a:blip r:embed="rId17"/>
-          <a:stretch>
-            <a:fillRect/>
-          </a:stretch>
-        </p:blipFill>
-        <p:spPr>
-          <a:xfrm>
-            <a:off x="3939623" y="1797108"/>
-            <a:ext cx="508000" cy="508000"/>
-          </a:xfrm>
-          <a:prstGeom prst="rect">
-            <a:avLst/>
-          </a:prstGeom>
-        </p:spPr>
-      </p:pic>
-      <p:pic>
-        <p:nvPicPr>
-          <p:cNvPr id="28" name="Picture 27" descr="A logo of a lock and a plus&#10;&#10;Description automatically generated">
-            <a:extLst>
-              <a:ext uri="{FF2B5EF4-FFF2-40B4-BE49-F238E27FC236}">
-                <a16:creationId xmlns:a16="http://schemas.microsoft.com/office/drawing/2014/main" id="{65588B3C-ABAD-922A-EB89-947B90CF1A3D}"/>
-              </a:ext>
-            </a:extLst>
-          </p:cNvPr>
-          <p:cNvPicPr>
-            <a:picLocks noChangeAspect="1"/>
-          </p:cNvPicPr>
-          <p:nvPr/>
-        </p:nvPicPr>
-        <p:blipFill>
-          <a:blip r:embed="rId18"/>
-          <a:stretch>
-            <a:fillRect/>
-          </a:stretch>
-        </p:blipFill>
-        <p:spPr>
-          <a:xfrm>
-            <a:off x="4661801" y="1797108"/>
-            <a:ext cx="508000" cy="508000"/>
-          </a:xfrm>
-          <a:prstGeom prst="rect">
-            <a:avLst/>
-          </a:prstGeom>
-        </p:spPr>
-      </p:pic>
-      <p:pic>
-        <p:nvPicPr>
-          <p:cNvPr id="32" name="Picture 31" descr="A green and black circle with black lines&#10;&#10;Description automatically generated">
-            <a:extLst>
-              <a:ext uri="{FF2B5EF4-FFF2-40B4-BE49-F238E27FC236}">
-                <a16:creationId xmlns:a16="http://schemas.microsoft.com/office/drawing/2014/main" id="{C6D3B685-C1C4-9259-4495-D0F12ECC049E}"/>
-              </a:ext>
-            </a:extLst>
-          </p:cNvPr>
-          <p:cNvPicPr>
-            <a:picLocks noChangeAspect="1"/>
-          </p:cNvPicPr>
-          <p:nvPr/>
-        </p:nvPicPr>
-        <p:blipFill>
-          <a:blip r:embed="rId19"/>
-          <a:stretch>
-            <a:fillRect/>
-          </a:stretch>
-        </p:blipFill>
-        <p:spPr>
-          <a:xfrm>
-            <a:off x="5383979" y="1797108"/>
-            <a:ext cx="508000" cy="508000"/>
-          </a:xfrm>
-          <a:prstGeom prst="rect">
-            <a:avLst/>
-          </a:prstGeom>
-        </p:spPr>
-      </p:pic>
-      <p:pic>
-        <p:nvPicPr>
-          <p:cNvPr id="40" name="Picture 39" descr="A green circle with a black arrow pointing down&#10;&#10;Description automatically generated">
-            <a:extLst>
-              <a:ext uri="{FF2B5EF4-FFF2-40B4-BE49-F238E27FC236}">
-                <a16:creationId xmlns:a16="http://schemas.microsoft.com/office/drawing/2014/main" id="{693B20B5-3055-BE27-BDD4-983E07C55309}"/>
-              </a:ext>
-            </a:extLst>
-          </p:cNvPr>
-          <p:cNvPicPr>
-            <a:picLocks noChangeAspect="1"/>
-          </p:cNvPicPr>
-          <p:nvPr/>
-        </p:nvPicPr>
-        <p:blipFill>
-          <a:blip r:embed="rId20"/>
-          <a:stretch>
-            <a:fillRect/>
-          </a:stretch>
-        </p:blipFill>
-        <p:spPr>
-          <a:xfrm>
-            <a:off x="6106157" y="1797108"/>
-            <a:ext cx="508000" cy="508000"/>
-          </a:xfrm>
-          <a:prstGeom prst="rect">
-            <a:avLst/>
-          </a:prstGeom>
-        </p:spPr>
-      </p:pic>
-      <p:pic>
-        <p:nvPicPr>
-          <p:cNvPr id="43" name="Picture 42" descr="A headphones with a green circle&#10;&#10;Description automatically generated">
-            <a:extLst>
-              <a:ext uri="{FF2B5EF4-FFF2-40B4-BE49-F238E27FC236}">
-                <a16:creationId xmlns:a16="http://schemas.microsoft.com/office/drawing/2014/main" id="{17C44533-EC7B-B7F8-1533-DF34AC13C62F}"/>
-              </a:ext>
-            </a:extLst>
-          </p:cNvPr>
-          <p:cNvPicPr>
-            <a:picLocks noChangeAspect="1"/>
-          </p:cNvPicPr>
-          <p:nvPr/>
-        </p:nvPicPr>
-        <p:blipFill>
-          <a:blip r:embed="rId21"/>
-          <a:stretch>
-            <a:fillRect/>
-          </a:stretch>
-        </p:blipFill>
-        <p:spPr>
-          <a:xfrm>
-            <a:off x="1050911" y="2469020"/>
-            <a:ext cx="508000" cy="508000"/>
-          </a:xfrm>
-          <a:prstGeom prst="rect">
-            <a:avLst/>
-          </a:prstGeom>
-        </p:spPr>
-      </p:pic>
-      <p:pic>
-        <p:nvPicPr>
-          <p:cNvPr id="46" name="Picture 45" descr="A key on a green circle&#10;&#10;Description automatically generated">
-            <a:extLst>
-              <a:ext uri="{FF2B5EF4-FFF2-40B4-BE49-F238E27FC236}">
-                <a16:creationId xmlns:a16="http://schemas.microsoft.com/office/drawing/2014/main" id="{6FCE2A53-3DFF-9AAC-0C33-B902D69F552B}"/>
-              </a:ext>
-            </a:extLst>
-          </p:cNvPr>
-          <p:cNvPicPr>
-            <a:picLocks noChangeAspect="1"/>
-          </p:cNvPicPr>
-          <p:nvPr/>
-        </p:nvPicPr>
-        <p:blipFill>
-          <a:blip r:embed="rId22"/>
-          <a:stretch>
-            <a:fillRect/>
-          </a:stretch>
-        </p:blipFill>
-        <p:spPr>
-          <a:xfrm>
-            <a:off x="6828335" y="1797108"/>
-            <a:ext cx="508000" cy="508000"/>
-          </a:xfrm>
-          <a:prstGeom prst="rect">
-            <a:avLst/>
-          </a:prstGeom>
-        </p:spPr>
-      </p:pic>
-      <p:pic>
-        <p:nvPicPr>
-          <p:cNvPr id="50" name="Picture 49" descr="A key on a green circle&#10;&#10;Description automatically generated">
-            <a:extLst>
-              <a:ext uri="{FF2B5EF4-FFF2-40B4-BE49-F238E27FC236}">
-                <a16:creationId xmlns:a16="http://schemas.microsoft.com/office/drawing/2014/main" id="{7FDF2014-FD20-C247-CFE4-AA00367DE79C}"/>
-              </a:ext>
-            </a:extLst>
-          </p:cNvPr>
-          <p:cNvPicPr>
-            <a:picLocks noChangeAspect="1"/>
-          </p:cNvPicPr>
-          <p:nvPr/>
-        </p:nvPicPr>
-        <p:blipFill>
-          <a:blip r:embed="rId23"/>
-          <a:stretch>
-            <a:fillRect/>
-          </a:stretch>
-        </p:blipFill>
-        <p:spPr>
-          <a:xfrm>
-            <a:off x="7550512" y="1797108"/>
-            <a:ext cx="508000" cy="508000"/>
-          </a:xfrm>
-          <a:prstGeom prst="rect">
-            <a:avLst/>
-          </a:prstGeom>
-        </p:spPr>
-      </p:pic>
-      <p:pic>
-        <p:nvPicPr>
-          <p:cNvPr id="54" name="Picture 53" descr="A green circle with a cross&#10;&#10;Description automatically generated">
-            <a:extLst>
-              <a:ext uri="{FF2B5EF4-FFF2-40B4-BE49-F238E27FC236}">
-                <a16:creationId xmlns:a16="http://schemas.microsoft.com/office/drawing/2014/main" id="{B407D7CE-5781-1A10-5D02-F698BBC37BA3}"/>
-              </a:ext>
-            </a:extLst>
-          </p:cNvPr>
-          <p:cNvPicPr>
-            <a:picLocks noChangeAspect="1"/>
-          </p:cNvPicPr>
-          <p:nvPr/>
-        </p:nvPicPr>
-        <p:blipFill>
-          <a:blip r:embed="rId24"/>
-          <a:stretch>
-            <a:fillRect/>
-          </a:stretch>
-        </p:blipFill>
-        <p:spPr>
-          <a:xfrm>
-            <a:off x="1770972" y="2469020"/>
-            <a:ext cx="508000" cy="508000"/>
-          </a:xfrm>
-          <a:prstGeom prst="rect">
-            <a:avLst/>
-          </a:prstGeom>
-        </p:spPr>
-      </p:pic>
-      <p:pic>
-        <p:nvPicPr>
-          <p:cNvPr id="58" name="Picture 57" descr="A green circle with a black background with a quote marks in a square&#10;&#10;Description automatically generated with medium confidence">
-            <a:extLst>
-              <a:ext uri="{FF2B5EF4-FFF2-40B4-BE49-F238E27FC236}">
-                <a16:creationId xmlns:a16="http://schemas.microsoft.com/office/drawing/2014/main" id="{70DAFC46-342B-0B5E-703F-FAFFFC710A35}"/>
-              </a:ext>
-            </a:extLst>
-          </p:cNvPr>
-          <p:cNvPicPr>
-            <a:picLocks noChangeAspect="1"/>
-          </p:cNvPicPr>
-          <p:nvPr/>
-        </p:nvPicPr>
-        <p:blipFill>
-          <a:blip r:embed="rId25"/>
-          <a:stretch>
-            <a:fillRect/>
-          </a:stretch>
-        </p:blipFill>
-        <p:spPr>
-          <a:xfrm>
-            <a:off x="3931155" y="2469020"/>
-            <a:ext cx="508000" cy="508000"/>
-          </a:xfrm>
-          <a:prstGeom prst="rect">
-            <a:avLst/>
-          </a:prstGeom>
-        </p:spPr>
-      </p:pic>
-      <p:pic>
-        <p:nvPicPr>
-          <p:cNvPr id="62" name="Picture 61" descr="A green circle with arrows pointing to the center&#10;&#10;Description automatically generated">
-            <a:extLst>
-              <a:ext uri="{FF2B5EF4-FFF2-40B4-BE49-F238E27FC236}">
-                <a16:creationId xmlns:a16="http://schemas.microsoft.com/office/drawing/2014/main" id="{D40C2656-A905-467C-9013-9B049688383F}"/>
-              </a:ext>
-            </a:extLst>
-          </p:cNvPr>
-          <p:cNvPicPr>
-            <a:picLocks noChangeAspect="1"/>
-          </p:cNvPicPr>
-          <p:nvPr/>
-        </p:nvPicPr>
-        <p:blipFill>
-          <a:blip r:embed="rId26"/>
-          <a:stretch>
-            <a:fillRect/>
-          </a:stretch>
-        </p:blipFill>
-        <p:spPr>
-          <a:xfrm>
-            <a:off x="2491033" y="2469020"/>
-            <a:ext cx="508000" cy="508000"/>
-          </a:xfrm>
-          <a:prstGeom prst="rect">
-            <a:avLst/>
-          </a:prstGeom>
-        </p:spPr>
-      </p:pic>
-      <p:pic>
-        <p:nvPicPr>
-          <p:cNvPr id="898" name="Picture 897" descr="A logo of a person with an arrow pointing to the top&#10;&#10;Description automatically generated">
-            <a:extLst>
-              <a:ext uri="{FF2B5EF4-FFF2-40B4-BE49-F238E27FC236}">
-                <a16:creationId xmlns:a16="http://schemas.microsoft.com/office/drawing/2014/main" id="{8179750B-213B-0975-3E98-B9948E084B1F}"/>
-              </a:ext>
-            </a:extLst>
-          </p:cNvPr>
-          <p:cNvPicPr>
-            <a:picLocks noChangeAspect="1"/>
-          </p:cNvPicPr>
-          <p:nvPr/>
-        </p:nvPicPr>
-        <p:blipFill>
-          <a:blip r:embed="rId27"/>
-          <a:stretch>
-            <a:fillRect/>
-          </a:stretch>
-        </p:blipFill>
-        <p:spPr>
-          <a:xfrm>
-            <a:off x="3211094" y="2469020"/>
-            <a:ext cx="508000" cy="508000"/>
-          </a:xfrm>
-          <a:prstGeom prst="rect">
-            <a:avLst/>
-          </a:prstGeom>
-        </p:spPr>
-      </p:pic>
-      <p:pic>
-        <p:nvPicPr>
-          <p:cNvPr id="902" name="Picture 901" descr="A logo of a video player&#10;&#10;Description automatically generated">
-            <a:extLst>
-              <a:ext uri="{FF2B5EF4-FFF2-40B4-BE49-F238E27FC236}">
-                <a16:creationId xmlns:a16="http://schemas.microsoft.com/office/drawing/2014/main" id="{D6654C46-8AF1-88F4-F6A5-1AAEB4A1AD9A}"/>
-              </a:ext>
-            </a:extLst>
-          </p:cNvPr>
-          <p:cNvPicPr>
-            <a:picLocks noChangeAspect="1"/>
-          </p:cNvPicPr>
-          <p:nvPr/>
-        </p:nvPicPr>
-        <p:blipFill>
-          <a:blip r:embed="rId28"/>
-          <a:stretch>
-            <a:fillRect/>
-          </a:stretch>
-        </p:blipFill>
-        <p:spPr>
-          <a:xfrm>
-            <a:off x="4651216" y="2469020"/>
-            <a:ext cx="520700" cy="508000"/>
-          </a:xfrm>
-          <a:prstGeom prst="rect">
-            <a:avLst/>
-          </a:prstGeom>
-        </p:spPr>
-      </p:pic>
-      <p:pic>
-        <p:nvPicPr>
-          <p:cNvPr id="906" name="Picture 905" descr="A logo of a book&#10;&#10;Description automatically generated">
-            <a:extLst>
-              <a:ext uri="{FF2B5EF4-FFF2-40B4-BE49-F238E27FC236}">
-                <a16:creationId xmlns:a16="http://schemas.microsoft.com/office/drawing/2014/main" id="{6CCF3FBB-89BB-49D3-B248-125A07A9283A}"/>
-              </a:ext>
-            </a:extLst>
-          </p:cNvPr>
-          <p:cNvPicPr>
-            <a:picLocks noChangeAspect="1"/>
-          </p:cNvPicPr>
-          <p:nvPr/>
-        </p:nvPicPr>
-        <p:blipFill>
-          <a:blip r:embed="rId29"/>
-          <a:stretch>
-            <a:fillRect/>
-          </a:stretch>
-        </p:blipFill>
-        <p:spPr>
-          <a:xfrm>
-            <a:off x="5383979" y="2469020"/>
-            <a:ext cx="508000" cy="508000"/>
-          </a:xfrm>
-          <a:prstGeom prst="rect">
-            <a:avLst/>
-          </a:prstGeom>
-        </p:spPr>
-      </p:pic>
-      <p:pic>
-        <p:nvPicPr>
-          <p:cNvPr id="5" name="Picture 4" descr="A colorful meter with a black arrow&#10;&#10;Description automatically generated">
-            <a:extLst>
-              <a:ext uri="{FF2B5EF4-FFF2-40B4-BE49-F238E27FC236}">
-                <a16:creationId xmlns:a16="http://schemas.microsoft.com/office/drawing/2014/main" id="{5FBB5DD4-F946-AA99-D5C5-4457E8ABC1AD}"/>
-              </a:ext>
-            </a:extLst>
-          </p:cNvPr>
-          <p:cNvPicPr>
-            <a:picLocks noChangeAspect="1"/>
-          </p:cNvPicPr>
-          <p:nvPr/>
-        </p:nvPicPr>
-        <p:blipFill>
-          <a:blip r:embed="rId30"/>
-          <a:stretch>
-            <a:fillRect/>
-          </a:stretch>
-        </p:blipFill>
-        <p:spPr>
-          <a:xfrm>
-            <a:off x="5331274" y="3486332"/>
-            <a:ext cx="1457067" cy="746303"/>
-          </a:xfrm>
-          <a:prstGeom prst="rect">
-            <a:avLst/>
-          </a:prstGeom>
-        </p:spPr>
-      </p:pic>
-      <p:pic>
-        <p:nvPicPr>
-          <p:cNvPr id="9" name="Picture 8" descr="A colorful meter with a black arrow&#10;&#10;Description automatically generated">
-            <a:extLst>
-              <a:ext uri="{FF2B5EF4-FFF2-40B4-BE49-F238E27FC236}">
-                <a16:creationId xmlns:a16="http://schemas.microsoft.com/office/drawing/2014/main" id="{AFB57C45-C42D-A1B3-5218-C11186BEF2D0}"/>
-              </a:ext>
-            </a:extLst>
-          </p:cNvPr>
-          <p:cNvPicPr>
-            <a:picLocks noChangeAspect="1"/>
-          </p:cNvPicPr>
-          <p:nvPr/>
-        </p:nvPicPr>
-        <p:blipFill>
-          <a:blip r:embed="rId31"/>
-          <a:stretch>
-            <a:fillRect/>
-          </a:stretch>
-        </p:blipFill>
-        <p:spPr>
-          <a:xfrm>
-            <a:off x="6818255" y="3486332"/>
-            <a:ext cx="1457067" cy="746303"/>
-          </a:xfrm>
-          <a:prstGeom prst="rect">
-            <a:avLst/>
-          </a:prstGeom>
-        </p:spPr>
-      </p:pic>
-      <p:pic>
-        <p:nvPicPr>
-          <p:cNvPr id="13" name="Picture 12" descr="A colorful meter with a black needle&#10;&#10;Description automatically generated">
-            <a:extLst>
-              <a:ext uri="{FF2B5EF4-FFF2-40B4-BE49-F238E27FC236}">
-                <a16:creationId xmlns:a16="http://schemas.microsoft.com/office/drawing/2014/main" id="{4D642B99-00A2-9DB8-91F6-971F779EBA3B}"/>
-              </a:ext>
-            </a:extLst>
-          </p:cNvPr>
-          <p:cNvPicPr>
-            <a:picLocks noChangeAspect="1"/>
-          </p:cNvPicPr>
-          <p:nvPr/>
-        </p:nvPicPr>
-        <p:blipFill>
-          <a:blip r:embed="rId32"/>
-          <a:stretch>
-            <a:fillRect/>
-          </a:stretch>
-        </p:blipFill>
-        <p:spPr>
-          <a:xfrm>
-            <a:off x="3844291" y="3486332"/>
-            <a:ext cx="1457067" cy="746303"/>
-          </a:xfrm>
-          <a:prstGeom prst="rect">
-            <a:avLst/>
-          </a:prstGeom>
-        </p:spPr>
-      </p:pic>
-      <p:pic>
-        <p:nvPicPr>
-          <p:cNvPr id="15" name="Picture 14" descr="A colorful meter with a black needle&#10;&#10;Description automatically generated">
-            <a:extLst>
-              <a:ext uri="{FF2B5EF4-FFF2-40B4-BE49-F238E27FC236}">
-                <a16:creationId xmlns:a16="http://schemas.microsoft.com/office/drawing/2014/main" id="{98CF0248-6C2E-D2FB-75BF-90F62B6E73FF}"/>
-              </a:ext>
-            </a:extLst>
-          </p:cNvPr>
-          <p:cNvPicPr>
-            <a:picLocks noChangeAspect="1"/>
-          </p:cNvPicPr>
-          <p:nvPr/>
-        </p:nvPicPr>
-        <p:blipFill>
-          <a:blip r:embed="rId33"/>
-          <a:stretch>
-            <a:fillRect/>
-          </a:stretch>
-        </p:blipFill>
-        <p:spPr>
-          <a:xfrm>
-            <a:off x="2357308" y="3486332"/>
-            <a:ext cx="1457067" cy="746303"/>
-          </a:xfrm>
-          <a:prstGeom prst="rect">
-            <a:avLst/>
-          </a:prstGeom>
-          <a:solidFill>
-            <a:schemeClr val="lt1"/>
-          </a:solidFill>
-          <a:ln>
-            <a:noFill/>
-          </a:ln>
-        </p:spPr>
-      </p:pic>
-      <p:pic>
-        <p:nvPicPr>
-          <p:cNvPr id="18" name="Picture 17" descr="A colorful meter with a black needle&#10;&#10;Description automatically generated">
-            <a:extLst>
-              <a:ext uri="{FF2B5EF4-FFF2-40B4-BE49-F238E27FC236}">
-                <a16:creationId xmlns:a16="http://schemas.microsoft.com/office/drawing/2014/main" id="{B8D68D48-F68E-6AC8-6A24-2C88C08C9E0B}"/>
-              </a:ext>
-            </a:extLst>
-          </p:cNvPr>
-          <p:cNvPicPr>
-            <a:picLocks noChangeAspect="1"/>
-          </p:cNvPicPr>
-          <p:nvPr/>
-        </p:nvPicPr>
-        <p:blipFill>
-          <a:blip r:embed="rId34"/>
-          <a:stretch>
-            <a:fillRect/>
-          </a:stretch>
-        </p:blipFill>
-        <p:spPr>
-          <a:xfrm>
-            <a:off x="870325" y="3486332"/>
-            <a:ext cx="1457067" cy="746303"/>
-          </a:xfrm>
-          <a:prstGeom prst="rect">
-            <a:avLst/>
-          </a:prstGeom>
-        </p:spPr>
-      </p:pic>
-    </p:spTree>
-    <p:extLst>
-      <p:ext uri="{BB962C8B-B14F-4D97-AF65-F5344CB8AC3E}">
-        <p14:creationId xmlns:p14="http://schemas.microsoft.com/office/powerpoint/2010/main" val="2963462230"/>
-      </p:ext>
-    </p:extLst>
-  </p:cSld>
-  <p:clrMapOvr>
-    <a:masterClrMapping/>
-  </p:clrMapOvr>
-  <p:transition>
-    <p:fade/>
-  </p:transition>
 </p:sld>
 </file>
 
@@ -28669,7 +24714,7 @@
         <p:cNvPr id="1" name="Shape 9676">
           <a:extLst>
             <a:ext uri="{FF2B5EF4-FFF2-40B4-BE49-F238E27FC236}">
-              <a16:creationId xmlns:a16="http://schemas.microsoft.com/office/drawing/2014/main" id="{B078AC78-022C-1457-AA97-B21096533238}"/>
+              <a16:creationId xmlns:a16="http://schemas.microsoft.com/office/drawing/2014/main" id="{AFAE49C2-9A5B-8B30-E963-1982EC87F702}"/>
             </a:ext>
           </a:extLst>
         </p:cNvPr>
@@ -28684,12 +24729,41 @@
           <a:chExt cx="0" cy="0"/>
         </a:xfrm>
       </p:grpSpPr>
+      <p:pic>
+        <p:nvPicPr>
+          <p:cNvPr id="9" name="Picture 13">
+            <a:extLst>
+              <a:ext uri="{FF2B5EF4-FFF2-40B4-BE49-F238E27FC236}">
+                <a16:creationId xmlns:a16="http://schemas.microsoft.com/office/drawing/2014/main" id="{0199793D-FC37-CFF2-952C-D686065358A4}"/>
+              </a:ext>
+            </a:extLst>
+          </p:cNvPr>
+          <p:cNvPicPr>
+            <a:picLocks noChangeAspect="1"/>
+          </p:cNvPicPr>
+          <p:nvPr/>
+        </p:nvPicPr>
+        <p:blipFill>
+          <a:blip r:embed="rId3"/>
+          <a:srcRect r="24898" b="-6860"/>
+          <a:stretch/>
+        </p:blipFill>
+        <p:spPr>
+          <a:xfrm>
+            <a:off x="-44935" y="4331361"/>
+            <a:ext cx="9188935" cy="354288"/>
+          </a:xfrm>
+          <a:prstGeom prst="rect">
+            <a:avLst/>
+          </a:prstGeom>
+        </p:spPr>
+      </p:pic>
       <p:sp>
         <p:nvSpPr>
           <p:cNvPr id="10" name="Google Shape;10678;p460">
             <a:extLst>
               <a:ext uri="{FF2B5EF4-FFF2-40B4-BE49-F238E27FC236}">
-                <a16:creationId xmlns:a16="http://schemas.microsoft.com/office/drawing/2014/main" id="{EDA56422-F31F-1453-1B1C-1773AC572DE3}"/>
+                <a16:creationId xmlns:a16="http://schemas.microsoft.com/office/drawing/2014/main" id="{33B1D0FB-B9DB-A9D1-B458-9D8EAA7BE643}"/>
               </a:ext>
             </a:extLst>
           </p:cNvPr>
@@ -28735,7 +24809,7 @@
           <p:cNvPr id="12" name="Google Shape;10120;p446">
             <a:extLst>
               <a:ext uri="{FF2B5EF4-FFF2-40B4-BE49-F238E27FC236}">
-                <a16:creationId xmlns:a16="http://schemas.microsoft.com/office/drawing/2014/main" id="{DDFBD481-246B-8181-4121-BE15F9A74745}"/>
+                <a16:creationId xmlns:a16="http://schemas.microsoft.com/office/drawing/2014/main" id="{585BB272-825A-6812-5E24-A0BB225A2124}"/>
               </a:ext>
             </a:extLst>
           </p:cNvPr>
@@ -28882,40 +24956,10 @@
       </p:sp>
       <p:pic>
         <p:nvPicPr>
-          <p:cNvPr id="11" name="Picture 10">
+          <p:cNvPr id="6" name="Picture 5">
             <a:extLst>
               <a:ext uri="{FF2B5EF4-FFF2-40B4-BE49-F238E27FC236}">
-                <a16:creationId xmlns:a16="http://schemas.microsoft.com/office/drawing/2014/main" id="{97BEEA76-228F-D6FD-208E-43E0F5450FCA}"/>
-              </a:ext>
-            </a:extLst>
-          </p:cNvPr>
-          <p:cNvPicPr>
-            <a:picLocks noChangeAspect="1"/>
-          </p:cNvPicPr>
-          <p:nvPr/>
-        </p:nvPicPr>
-        <p:blipFill>
-          <a:blip r:embed="rId3"/>
-          <a:stretch>
-            <a:fillRect/>
-          </a:stretch>
-        </p:blipFill>
-        <p:spPr>
-          <a:xfrm>
-            <a:off x="488269" y="1423835"/>
-            <a:ext cx="5241817" cy="1080000"/>
-          </a:xfrm>
-          <a:prstGeom prst="rect">
-            <a:avLst/>
-          </a:prstGeom>
-        </p:spPr>
-      </p:pic>
-      <p:pic>
-        <p:nvPicPr>
-          <p:cNvPr id="17" name="Picture 16">
-            <a:extLst>
-              <a:ext uri="{FF2B5EF4-FFF2-40B4-BE49-F238E27FC236}">
-                <a16:creationId xmlns:a16="http://schemas.microsoft.com/office/drawing/2014/main" id="{F1145890-FFA8-3868-4FD8-E597046530AB}"/>
+                <a16:creationId xmlns:a16="http://schemas.microsoft.com/office/drawing/2014/main" id="{644D191A-4642-C995-10D0-ECA2B551C3F1}"/>
               </a:ext>
             </a:extLst>
           </p:cNvPr>
@@ -28932,38 +24976,8 @@
         </p:blipFill>
         <p:spPr>
           <a:xfrm>
-            <a:off x="568360" y="2611534"/>
-            <a:ext cx="8367269" cy="1080000"/>
-          </a:xfrm>
-          <a:prstGeom prst="rect">
-            <a:avLst/>
-          </a:prstGeom>
-        </p:spPr>
-      </p:pic>
-      <p:pic>
-        <p:nvPicPr>
-          <p:cNvPr id="19" name="Picture 18">
-            <a:extLst>
-              <a:ext uri="{FF2B5EF4-FFF2-40B4-BE49-F238E27FC236}">
-                <a16:creationId xmlns:a16="http://schemas.microsoft.com/office/drawing/2014/main" id="{91972328-9D78-7B4D-E0C2-A26EFE4946D2}"/>
-              </a:ext>
-            </a:extLst>
-          </p:cNvPr>
-          <p:cNvPicPr>
-            <a:picLocks noChangeAspect="1"/>
-          </p:cNvPicPr>
-          <p:nvPr/>
-        </p:nvPicPr>
-        <p:blipFill>
-          <a:blip r:embed="rId5"/>
-          <a:stretch>
-            <a:fillRect/>
-          </a:stretch>
-        </p:blipFill>
-        <p:spPr>
-          <a:xfrm>
-            <a:off x="568360" y="3799233"/>
-            <a:ext cx="5165455" cy="1080000"/>
+            <a:off x="949532" y="1456447"/>
+            <a:ext cx="7200000" cy="2509428"/>
           </a:xfrm>
           <a:prstGeom prst="rect">
             <a:avLst/>
@@ -28973,7 +24987,7 @@
     </p:spTree>
     <p:extLst>
       <p:ext uri="{BB962C8B-B14F-4D97-AF65-F5344CB8AC3E}">
-        <p14:creationId xmlns:p14="http://schemas.microsoft.com/office/powerpoint/2010/main" val="1685698451"/>
+        <p14:creationId xmlns:p14="http://schemas.microsoft.com/office/powerpoint/2010/main" val="455242434"/>
       </p:ext>
     </p:extLst>
   </p:cSld>
@@ -30426,6 +26440,56 @@
 </file>
 
 <file path=customXml/item1.xml><?xml version="1.0" encoding="utf-8"?>
+<?mso-contentType ?>
+<spe:Receivers xmlns:spe="http://schemas.microsoft.com/sharepoint/events">
+  <Receiver>
+    <Name>Document ID Generator</Name>
+    <Synchronization>Synchronous</Synchronization>
+    <Type>10001</Type>
+    <SequenceNumber>1000</SequenceNumber>
+    <Url/>
+    <Assembly>Microsoft.Office.DocumentManagement, Version=16.0.0.0, Culture=neutral, PublicKeyToken=71e9bce111e9429c</Assembly>
+    <Class>Microsoft.Office.DocumentManagement.Internal.DocIdHandler</Class>
+    <Data/>
+    <Filter/>
+  </Receiver>
+  <Receiver>
+    <Name>Document ID Generator</Name>
+    <Synchronization>Synchronous</Synchronization>
+    <Type>10002</Type>
+    <SequenceNumber>1001</SequenceNumber>
+    <Url/>
+    <Assembly>Microsoft.Office.DocumentManagement, Version=16.0.0.0, Culture=neutral, PublicKeyToken=71e9bce111e9429c</Assembly>
+    <Class>Microsoft.Office.DocumentManagement.Internal.DocIdHandler</Class>
+    <Data/>
+    <Filter/>
+  </Receiver>
+  <Receiver>
+    <Name>Document ID Generator</Name>
+    <Synchronization>Synchronous</Synchronization>
+    <Type>10004</Type>
+    <SequenceNumber>1002</SequenceNumber>
+    <Url/>
+    <Assembly>Microsoft.Office.DocumentManagement, Version=16.0.0.0, Culture=neutral, PublicKeyToken=71e9bce111e9429c</Assembly>
+    <Class>Microsoft.Office.DocumentManagement.Internal.DocIdHandler</Class>
+    <Data/>
+    <Filter/>
+  </Receiver>
+  <Receiver>
+    <Name>Document ID Generator</Name>
+    <Synchronization>Synchronous</Synchronization>
+    <Type>10006</Type>
+    <SequenceNumber>1003</SequenceNumber>
+    <Url/>
+    <Assembly>Microsoft.Office.DocumentManagement, Version=16.0.0.0, Culture=neutral, PublicKeyToken=71e9bce111e9429c</Assembly>
+    <Class>Microsoft.Office.DocumentManagement.Internal.DocIdHandler</Class>
+    <Data/>
+    <Filter/>
+  </Receiver>
+</spe:Receivers>
+</file>
+
+<file path=customXml/item2.xml><?xml version="1.0" encoding="utf-8"?>
 <ct:contentTypeSchema xmlns:ct="http://schemas.microsoft.com/office/2006/metadata/contentType" xmlns:ma="http://schemas.microsoft.com/office/2006/metadata/properties/metaAttributes" ct:_="" ma:_="" ma:contentTypeName="Document" ma:contentTypeID="0x010100900BC6DA36BCEE48821D621E06774D6D" ma:contentTypeVersion="23" ma:contentTypeDescription="Create a new document." ma:contentTypeScope="" ma:versionID="91cf5b23da50f370ef80e3dc61a085d3">
   <xsd:schema xmlns:xsd="http://www.w3.org/2001/XMLSchema" xmlns:xs="http://www.w3.org/2001/XMLSchema" xmlns:p="http://schemas.microsoft.com/office/2006/metadata/properties" xmlns:ns2="9ff67797-491a-4d9c-96b4-e401ee03281b" xmlns:ns3="35483f9e-3036-4d6a-b818-dca940c940ae" targetNamespace="http://schemas.microsoft.com/office/2006/metadata/properties" ma:root="true" ma:fieldsID="17598cb3e4da99fc6fdc973dca4bf4b3" ns2:_="" ns3:_="">
     <xsd:import namespace="9ff67797-491a-4d9c-96b4-e401ee03281b"/>
@@ -30709,66 +26773,7 @@
 </ct:contentTypeSchema>
 </file>
 
-<file path=customXml/item2.xml><?xml version="1.0" encoding="utf-8"?>
-<?mso-contentType ?>
-<FormTemplates xmlns="http://schemas.microsoft.com/sharepoint/v3/contenttype/forms">
-  <Display>DocumentLibraryForm</Display>
-  <Edit>DocumentLibraryForm</Edit>
-  <New>DocumentLibraryForm</New>
-</FormTemplates>
-</file>
-
 <file path=customXml/item3.xml><?xml version="1.0" encoding="utf-8"?>
-<?mso-contentType ?>
-<spe:Receivers xmlns:spe="http://schemas.microsoft.com/sharepoint/events">
-  <Receiver>
-    <Name>Document ID Generator</Name>
-    <Synchronization>Synchronous</Synchronization>
-    <Type>10001</Type>
-    <SequenceNumber>1000</SequenceNumber>
-    <Url/>
-    <Assembly>Microsoft.Office.DocumentManagement, Version=16.0.0.0, Culture=neutral, PublicKeyToken=71e9bce111e9429c</Assembly>
-    <Class>Microsoft.Office.DocumentManagement.Internal.DocIdHandler</Class>
-    <Data/>
-    <Filter/>
-  </Receiver>
-  <Receiver>
-    <Name>Document ID Generator</Name>
-    <Synchronization>Synchronous</Synchronization>
-    <Type>10002</Type>
-    <SequenceNumber>1001</SequenceNumber>
-    <Url/>
-    <Assembly>Microsoft.Office.DocumentManagement, Version=16.0.0.0, Culture=neutral, PublicKeyToken=71e9bce111e9429c</Assembly>
-    <Class>Microsoft.Office.DocumentManagement.Internal.DocIdHandler</Class>
-    <Data/>
-    <Filter/>
-  </Receiver>
-  <Receiver>
-    <Name>Document ID Generator</Name>
-    <Synchronization>Synchronous</Synchronization>
-    <Type>10004</Type>
-    <SequenceNumber>1002</SequenceNumber>
-    <Url/>
-    <Assembly>Microsoft.Office.DocumentManagement, Version=16.0.0.0, Culture=neutral, PublicKeyToken=71e9bce111e9429c</Assembly>
-    <Class>Microsoft.Office.DocumentManagement.Internal.DocIdHandler</Class>
-    <Data/>
-    <Filter/>
-  </Receiver>
-  <Receiver>
-    <Name>Document ID Generator</Name>
-    <Synchronization>Synchronous</Synchronization>
-    <Type>10006</Type>
-    <SequenceNumber>1003</SequenceNumber>
-    <Url/>
-    <Assembly>Microsoft.Office.DocumentManagement, Version=16.0.0.0, Culture=neutral, PublicKeyToken=71e9bce111e9429c</Assembly>
-    <Class>Microsoft.Office.DocumentManagement.Internal.DocIdHandler</Class>
-    <Data/>
-    <Filter/>
-  </Receiver>
-</spe:Receivers>
-</file>
-
-<file path=customXml/item4.xml><?xml version="1.0" encoding="utf-8"?>
 <p:properties xmlns:p="http://schemas.microsoft.com/office/2006/metadata/properties" xmlns:xsi="http://www.w3.org/2001/XMLSchema-instance" xmlns:pc="http://schemas.microsoft.com/office/infopath/2007/PartnerControls">
   <documentManagement>
     <_dlc_DocId xmlns="9ff67797-491a-4d9c-96b4-e401ee03281b">DXKJ33A5JU4X-374889151-305570</_dlc_DocId>
@@ -30787,7 +26792,24 @@
 </p:properties>
 </file>
 
+<file path=customXml/item4.xml><?xml version="1.0" encoding="utf-8"?>
+<?mso-contentType ?>
+<FormTemplates xmlns="http://schemas.microsoft.com/sharepoint/v3/contenttype/forms">
+  <Display>DocumentLibraryForm</Display>
+  <Edit>DocumentLibraryForm</Edit>
+  <New>DocumentLibraryForm</New>
+</FormTemplates>
+</file>
+
 <file path=customXml/itemProps1.xml><?xml version="1.0" encoding="utf-8"?>
+<ds:datastoreItem xmlns:ds="http://schemas.openxmlformats.org/officeDocument/2006/customXml" ds:itemID="{D3739174-04EA-4D3F-8E51-6C7DFB07A986}">
+  <ds:schemaRefs>
+    <ds:schemaRef ds:uri="http://schemas.microsoft.com/sharepoint/events"/>
+  </ds:schemaRefs>
+</ds:datastoreItem>
+</file>
+
+<file path=customXml/itemProps2.xml><?xml version="1.0" encoding="utf-8"?>
 <ds:datastoreItem xmlns:ds="http://schemas.openxmlformats.org/officeDocument/2006/customXml" ds:itemID="{5CB85D42-CFE1-4DD1-8DA9-A10A03192A33}">
   <ds:schemaRefs>
     <ds:schemaRef ds:uri="http://schemas.microsoft.com/office/2006/metadata/contentType"/>
@@ -30806,23 +26828,7 @@
 </ds:datastoreItem>
 </file>
 
-<file path=customXml/itemProps2.xml><?xml version="1.0" encoding="utf-8"?>
-<ds:datastoreItem xmlns:ds="http://schemas.openxmlformats.org/officeDocument/2006/customXml" ds:itemID="{804521FC-0E2D-47AB-AAC2-AFB1A8B81B29}">
-  <ds:schemaRefs>
-    <ds:schemaRef ds:uri="http://schemas.microsoft.com/sharepoint/v3/contenttype/forms"/>
-  </ds:schemaRefs>
-</ds:datastoreItem>
-</file>
-
 <file path=customXml/itemProps3.xml><?xml version="1.0" encoding="utf-8"?>
-<ds:datastoreItem xmlns:ds="http://schemas.openxmlformats.org/officeDocument/2006/customXml" ds:itemID="{D3739174-04EA-4D3F-8E51-6C7DFB07A986}">
-  <ds:schemaRefs>
-    <ds:schemaRef ds:uri="http://schemas.microsoft.com/sharepoint/events"/>
-  </ds:schemaRefs>
-</ds:datastoreItem>
-</file>
-
-<file path=customXml/itemProps4.xml><?xml version="1.0" encoding="utf-8"?>
 <ds:datastoreItem xmlns:ds="http://schemas.openxmlformats.org/officeDocument/2006/customXml" ds:itemID="{C68E53CB-9105-48E3-8BE8-256D88FA4288}">
   <ds:schemaRefs>
     <ds:schemaRef ds:uri="http://schemas.microsoft.com/office/infopath/2007/PartnerControls"/>
@@ -30837,4 +26843,12 @@
     <ds:schemaRef ds:uri="http://purl.org/dc/dcmitype/"/>
   </ds:schemaRefs>
 </ds:datastoreItem>
+</file>
+
+<file path=customXml/itemProps4.xml><?xml version="1.0" encoding="utf-8"?>
+<ds:datastoreItem xmlns:ds="http://schemas.openxmlformats.org/officeDocument/2006/customXml" ds:itemID="{804521FC-0E2D-47AB-AAC2-AFB1A8B81B29}">
+  <ds:schemaRefs>
+    <ds:schemaRef ds:uri="http://schemas.microsoft.com/sharepoint/v3/contenttype/forms"/>
+  </ds:schemaRefs>
+</ds:datastoreItem>
 </file>